--- a/P2/ppt.pptx
+++ b/P2/ppt.pptx
@@ -116,6 +116,11 @@
       </a:defRPr>
     </a:lvl9pPr>
   </p:defaultTextStyle>
+  <p:extLst>
+    <p:ext uri="{EFAFB233-063F-42B5-8137-9DF3F51BA10A}">
+      <p15:sldGuideLst xmlns:p15="http://schemas.microsoft.com/office/powerpoint/2012/main"/>
+    </p:ext>
+  </p:extLst>
 </p:presentation>
 </file>
 
@@ -268,7 +273,7 @@
           <a:p>
             <a:fld id="{85CE5CD3-CA6B-8A47-A3EF-5457F8D1AA2D}" type="datetimeFigureOut">
               <a:rPr lang="es-ES_tradnl" smtClean="0"/>
-              <a:t>2/5/19</a:t>
+              <a:t>05/05/2019</a:t>
             </a:fld>
             <a:endParaRPr lang="es-ES_tradnl"/>
           </a:p>
@@ -322,7 +327,7 @@
           <a:p>
             <a:fld id="{1F578D8B-37BB-2F4B-9D04-060C85A760FE}" type="slidenum">
               <a:rPr lang="es-ES_tradnl" smtClean="0"/>
-              <a:t>‹#›</a:t>
+              <a:t>‹Nº›</a:t>
             </a:fld>
             <a:endParaRPr lang="es-ES_tradnl"/>
           </a:p>
@@ -468,7 +473,7 @@
           <a:p>
             <a:fld id="{85CE5CD3-CA6B-8A47-A3EF-5457F8D1AA2D}" type="datetimeFigureOut">
               <a:rPr lang="es-ES_tradnl" smtClean="0"/>
-              <a:t>2/5/19</a:t>
+              <a:t>05/05/2019</a:t>
             </a:fld>
             <a:endParaRPr lang="es-ES_tradnl"/>
           </a:p>
@@ -522,7 +527,7 @@
           <a:p>
             <a:fld id="{1F578D8B-37BB-2F4B-9D04-060C85A760FE}" type="slidenum">
               <a:rPr lang="es-ES_tradnl" smtClean="0"/>
-              <a:t>‹#›</a:t>
+              <a:t>‹Nº›</a:t>
             </a:fld>
             <a:endParaRPr lang="es-ES_tradnl"/>
           </a:p>
@@ -678,7 +683,7 @@
           <a:p>
             <a:fld id="{85CE5CD3-CA6B-8A47-A3EF-5457F8D1AA2D}" type="datetimeFigureOut">
               <a:rPr lang="es-ES_tradnl" smtClean="0"/>
-              <a:t>2/5/19</a:t>
+              <a:t>05/05/2019</a:t>
             </a:fld>
             <a:endParaRPr lang="es-ES_tradnl"/>
           </a:p>
@@ -732,7 +737,7 @@
           <a:p>
             <a:fld id="{1F578D8B-37BB-2F4B-9D04-060C85A760FE}" type="slidenum">
               <a:rPr lang="es-ES_tradnl" smtClean="0"/>
-              <a:t>‹#›</a:t>
+              <a:t>‹Nº›</a:t>
             </a:fld>
             <a:endParaRPr lang="es-ES_tradnl"/>
           </a:p>
@@ -878,7 +883,7 @@
           <a:p>
             <a:fld id="{85CE5CD3-CA6B-8A47-A3EF-5457F8D1AA2D}" type="datetimeFigureOut">
               <a:rPr lang="es-ES_tradnl" smtClean="0"/>
-              <a:t>2/5/19</a:t>
+              <a:t>05/05/2019</a:t>
             </a:fld>
             <a:endParaRPr lang="es-ES_tradnl"/>
           </a:p>
@@ -932,7 +937,7 @@
           <a:p>
             <a:fld id="{1F578D8B-37BB-2F4B-9D04-060C85A760FE}" type="slidenum">
               <a:rPr lang="es-ES_tradnl" smtClean="0"/>
-              <a:t>‹#›</a:t>
+              <a:t>‹Nº›</a:t>
             </a:fld>
             <a:endParaRPr lang="es-ES_tradnl"/>
           </a:p>
@@ -1154,7 +1159,7 @@
           <a:p>
             <a:fld id="{85CE5CD3-CA6B-8A47-A3EF-5457F8D1AA2D}" type="datetimeFigureOut">
               <a:rPr lang="es-ES_tradnl" smtClean="0"/>
-              <a:t>2/5/19</a:t>
+              <a:t>05/05/2019</a:t>
             </a:fld>
             <a:endParaRPr lang="es-ES_tradnl"/>
           </a:p>
@@ -1208,7 +1213,7 @@
           <a:p>
             <a:fld id="{1F578D8B-37BB-2F4B-9D04-060C85A760FE}" type="slidenum">
               <a:rPr lang="es-ES_tradnl" smtClean="0"/>
-              <a:t>‹#›</a:t>
+              <a:t>‹Nº›</a:t>
             </a:fld>
             <a:endParaRPr lang="es-ES_tradnl"/>
           </a:p>
@@ -1422,7 +1427,7 @@
           <a:p>
             <a:fld id="{85CE5CD3-CA6B-8A47-A3EF-5457F8D1AA2D}" type="datetimeFigureOut">
               <a:rPr lang="es-ES_tradnl" smtClean="0"/>
-              <a:t>2/5/19</a:t>
+              <a:t>05/05/2019</a:t>
             </a:fld>
             <a:endParaRPr lang="es-ES_tradnl"/>
           </a:p>
@@ -1476,7 +1481,7 @@
           <a:p>
             <a:fld id="{1F578D8B-37BB-2F4B-9D04-060C85A760FE}" type="slidenum">
               <a:rPr lang="es-ES_tradnl" smtClean="0"/>
-              <a:t>‹#›</a:t>
+              <a:t>‹Nº›</a:t>
             </a:fld>
             <a:endParaRPr lang="es-ES_tradnl"/>
           </a:p>
@@ -1837,7 +1842,7 @@
           <a:p>
             <a:fld id="{85CE5CD3-CA6B-8A47-A3EF-5457F8D1AA2D}" type="datetimeFigureOut">
               <a:rPr lang="es-ES_tradnl" smtClean="0"/>
-              <a:t>2/5/19</a:t>
+              <a:t>05/05/2019</a:t>
             </a:fld>
             <a:endParaRPr lang="es-ES_tradnl"/>
           </a:p>
@@ -1891,7 +1896,7 @@
           <a:p>
             <a:fld id="{1F578D8B-37BB-2F4B-9D04-060C85A760FE}" type="slidenum">
               <a:rPr lang="es-ES_tradnl" smtClean="0"/>
-              <a:t>‹#›</a:t>
+              <a:t>‹Nº›</a:t>
             </a:fld>
             <a:endParaRPr lang="es-ES_tradnl"/>
           </a:p>
@@ -1979,7 +1984,7 @@
           <a:p>
             <a:fld id="{85CE5CD3-CA6B-8A47-A3EF-5457F8D1AA2D}" type="datetimeFigureOut">
               <a:rPr lang="es-ES_tradnl" smtClean="0"/>
-              <a:t>2/5/19</a:t>
+              <a:t>05/05/2019</a:t>
             </a:fld>
             <a:endParaRPr lang="es-ES_tradnl"/>
           </a:p>
@@ -2033,7 +2038,7 @@
           <a:p>
             <a:fld id="{1F578D8B-37BB-2F4B-9D04-060C85A760FE}" type="slidenum">
               <a:rPr lang="es-ES_tradnl" smtClean="0"/>
-              <a:t>‹#›</a:t>
+              <a:t>‹Nº›</a:t>
             </a:fld>
             <a:endParaRPr lang="es-ES_tradnl"/>
           </a:p>
@@ -2092,7 +2097,7 @@
           <a:p>
             <a:fld id="{85CE5CD3-CA6B-8A47-A3EF-5457F8D1AA2D}" type="datetimeFigureOut">
               <a:rPr lang="es-ES_tradnl" smtClean="0"/>
-              <a:t>2/5/19</a:t>
+              <a:t>05/05/2019</a:t>
             </a:fld>
             <a:endParaRPr lang="es-ES_tradnl"/>
           </a:p>
@@ -2146,7 +2151,7 @@
           <a:p>
             <a:fld id="{1F578D8B-37BB-2F4B-9D04-060C85A760FE}" type="slidenum">
               <a:rPr lang="es-ES_tradnl" smtClean="0"/>
-              <a:t>‹#›</a:t>
+              <a:t>‹Nº›</a:t>
             </a:fld>
             <a:endParaRPr lang="es-ES_tradnl"/>
           </a:p>
@@ -2405,7 +2410,7 @@
           <a:p>
             <a:fld id="{85CE5CD3-CA6B-8A47-A3EF-5457F8D1AA2D}" type="datetimeFigureOut">
               <a:rPr lang="es-ES_tradnl" smtClean="0"/>
-              <a:t>2/5/19</a:t>
+              <a:t>05/05/2019</a:t>
             </a:fld>
             <a:endParaRPr lang="es-ES_tradnl"/>
           </a:p>
@@ -2459,7 +2464,7 @@
           <a:p>
             <a:fld id="{1F578D8B-37BB-2F4B-9D04-060C85A760FE}" type="slidenum">
               <a:rPr lang="es-ES_tradnl" smtClean="0"/>
-              <a:t>‹#›</a:t>
+              <a:t>‹Nº›</a:t>
             </a:fld>
             <a:endParaRPr lang="es-ES_tradnl"/>
           </a:p>
@@ -2694,7 +2699,7 @@
           <a:p>
             <a:fld id="{85CE5CD3-CA6B-8A47-A3EF-5457F8D1AA2D}" type="datetimeFigureOut">
               <a:rPr lang="es-ES_tradnl" smtClean="0"/>
-              <a:t>2/5/19</a:t>
+              <a:t>05/05/2019</a:t>
             </a:fld>
             <a:endParaRPr lang="es-ES_tradnl"/>
           </a:p>
@@ -2748,7 +2753,7 @@
           <a:p>
             <a:fld id="{1F578D8B-37BB-2F4B-9D04-060C85A760FE}" type="slidenum">
               <a:rPr lang="es-ES_tradnl" smtClean="0"/>
-              <a:t>‹#›</a:t>
+              <a:t>‹Nº›</a:t>
             </a:fld>
             <a:endParaRPr lang="es-ES_tradnl"/>
           </a:p>
@@ -2937,7 +2942,7 @@
           <a:p>
             <a:fld id="{85CE5CD3-CA6B-8A47-A3EF-5457F8D1AA2D}" type="datetimeFigureOut">
               <a:rPr lang="es-ES_tradnl" smtClean="0"/>
-              <a:t>2/5/19</a:t>
+              <a:t>05/05/2019</a:t>
             </a:fld>
             <a:endParaRPr lang="es-ES_tradnl"/>
           </a:p>
@@ -3027,7 +3032,7 @@
           <a:p>
             <a:fld id="{1F578D8B-37BB-2F4B-9D04-060C85A760FE}" type="slidenum">
               <a:rPr lang="es-ES_tradnl" smtClean="0"/>
-              <a:t>‹#›</a:t>
+              <a:t>‹Nº›</a:t>
             </a:fld>
             <a:endParaRPr lang="es-ES_tradnl"/>
           </a:p>
@@ -6795,10 +6800,46 @@
       </p:pic>
       <p:pic>
         <p:nvPicPr>
-          <p:cNvPr id="16" name="Graphic 15" descr="Checkmark">
-            <a:extLst>
-              <a:ext uri="{FF2B5EF4-FFF2-40B4-BE49-F238E27FC236}">
-                <a16:creationId xmlns:a16="http://schemas.microsoft.com/office/drawing/2014/main" id="{9246CE06-CDB6-7A4F-8F7E-C4F3780C5D07}"/>
+          <p:cNvPr id="17" name="Graphic 16" descr="Close">
+            <a:extLst>
+              <a:ext uri="{FF2B5EF4-FFF2-40B4-BE49-F238E27FC236}">
+                <a16:creationId xmlns:a16="http://schemas.microsoft.com/office/drawing/2014/main" id="{77599698-FFB1-B64D-BD64-313D516852EB}"/>
+              </a:ext>
+            </a:extLst>
+          </p:cNvPr>
+          <p:cNvPicPr>
+            <a:picLocks noChangeAspect="1"/>
+          </p:cNvPicPr>
+          <p:nvPr/>
+        </p:nvPicPr>
+        <p:blipFill>
+          <a:blip r:embed="rId5">
+            <a:extLst>
+              <a:ext uri="{96DAC541-7B7A-43D3-8B79-37D633B846F1}">
+                <asvg:svgBlip xmlns:asvg="http://schemas.microsoft.com/office/drawing/2016/SVG/main" r:embed="rId6"/>
+              </a:ext>
+            </a:extLst>
+          </a:blip>
+          <a:stretch>
+            <a:fillRect/>
+          </a:stretch>
+        </p:blipFill>
+        <p:spPr>
+          <a:xfrm>
+            <a:off x="664352" y="3220754"/>
+            <a:ext cx="174433" cy="174433"/>
+          </a:xfrm>
+          <a:prstGeom prst="rect">
+            <a:avLst/>
+          </a:prstGeom>
+        </p:spPr>
+      </p:pic>
+      <p:pic>
+        <p:nvPicPr>
+          <p:cNvPr id="18" name="Graphic 17" descr="Checkmark">
+            <a:extLst>
+              <a:ext uri="{FF2B5EF4-FFF2-40B4-BE49-F238E27FC236}">
+                <a16:creationId xmlns:a16="http://schemas.microsoft.com/office/drawing/2014/main" id="{E550C4EC-CD3B-324D-9CC2-862A65B8A434}"/>
               </a:ext>
             </a:extLst>
           </p:cNvPr>
@@ -6821,20 +6862,164 @@
         </p:blipFill>
         <p:spPr>
           <a:xfrm>
-            <a:off x="663760" y="2979284"/>
-            <a:ext cx="174433" cy="174433"/>
-          </a:xfrm>
-          <a:prstGeom prst="rect">
-            <a:avLst/>
-          </a:prstGeom>
-        </p:spPr>
-      </p:pic>
-      <p:pic>
-        <p:nvPicPr>
-          <p:cNvPr id="17" name="Graphic 16" descr="Close">
-            <a:extLst>
-              <a:ext uri="{FF2B5EF4-FFF2-40B4-BE49-F238E27FC236}">
-                <a16:creationId xmlns:a16="http://schemas.microsoft.com/office/drawing/2014/main" id="{77599698-FFB1-B64D-BD64-313D516852EB}"/>
+            <a:off x="663759" y="3462799"/>
+            <a:ext cx="174433" cy="174433"/>
+          </a:xfrm>
+          <a:prstGeom prst="rect">
+            <a:avLst/>
+          </a:prstGeom>
+        </p:spPr>
+      </p:pic>
+      <p:pic>
+        <p:nvPicPr>
+          <p:cNvPr id="21" name="Graphic 20" descr="Checkmark">
+            <a:extLst>
+              <a:ext uri="{FF2B5EF4-FFF2-40B4-BE49-F238E27FC236}">
+                <a16:creationId xmlns:a16="http://schemas.microsoft.com/office/drawing/2014/main" id="{D51D8159-520E-7E4D-ADC7-31943F87A4DD}"/>
+              </a:ext>
+            </a:extLst>
+          </p:cNvPr>
+          <p:cNvPicPr>
+            <a:picLocks noChangeAspect="1"/>
+          </p:cNvPicPr>
+          <p:nvPr/>
+        </p:nvPicPr>
+        <p:blipFill>
+          <a:blip r:embed="rId3">
+            <a:extLst>
+              <a:ext uri="{96DAC541-7B7A-43D3-8B79-37D633B846F1}">
+                <asvg:svgBlip xmlns:asvg="http://schemas.microsoft.com/office/drawing/2016/SVG/main" r:embed="rId4"/>
+              </a:ext>
+            </a:extLst>
+          </a:blip>
+          <a:stretch>
+            <a:fillRect/>
+          </a:stretch>
+        </p:blipFill>
+        <p:spPr>
+          <a:xfrm>
+            <a:off x="663758" y="4215241"/>
+            <a:ext cx="174433" cy="174433"/>
+          </a:xfrm>
+          <a:prstGeom prst="rect">
+            <a:avLst/>
+          </a:prstGeom>
+        </p:spPr>
+      </p:pic>
+      <p:pic>
+        <p:nvPicPr>
+          <p:cNvPr id="22" name="Graphic 21" descr="Checkmark">
+            <a:extLst>
+              <a:ext uri="{FF2B5EF4-FFF2-40B4-BE49-F238E27FC236}">
+                <a16:creationId xmlns:a16="http://schemas.microsoft.com/office/drawing/2014/main" id="{08AF0FD4-4145-A74B-A86E-BC9C4AE3F827}"/>
+              </a:ext>
+            </a:extLst>
+          </p:cNvPr>
+          <p:cNvPicPr>
+            <a:picLocks noChangeAspect="1"/>
+          </p:cNvPicPr>
+          <p:nvPr/>
+        </p:nvPicPr>
+        <p:blipFill>
+          <a:blip r:embed="rId3">
+            <a:extLst>
+              <a:ext uri="{96DAC541-7B7A-43D3-8B79-37D633B846F1}">
+                <asvg:svgBlip xmlns:asvg="http://schemas.microsoft.com/office/drawing/2016/SVG/main" r:embed="rId4"/>
+              </a:ext>
+            </a:extLst>
+          </a:blip>
+          <a:stretch>
+            <a:fillRect/>
+          </a:stretch>
+        </p:blipFill>
+        <p:spPr>
+          <a:xfrm>
+            <a:off x="663758" y="4463109"/>
+            <a:ext cx="174433" cy="174433"/>
+          </a:xfrm>
+          <a:prstGeom prst="rect">
+            <a:avLst/>
+          </a:prstGeom>
+        </p:spPr>
+      </p:pic>
+      <p:pic>
+        <p:nvPicPr>
+          <p:cNvPr id="23" name="Graphic 22" descr="Checkmark">
+            <a:extLst>
+              <a:ext uri="{FF2B5EF4-FFF2-40B4-BE49-F238E27FC236}">
+                <a16:creationId xmlns:a16="http://schemas.microsoft.com/office/drawing/2014/main" id="{914F5CA6-0646-9C40-A2C7-0C29718E837D}"/>
+              </a:ext>
+            </a:extLst>
+          </p:cNvPr>
+          <p:cNvPicPr>
+            <a:picLocks noChangeAspect="1"/>
+          </p:cNvPicPr>
+          <p:nvPr/>
+        </p:nvPicPr>
+        <p:blipFill>
+          <a:blip r:embed="rId3">
+            <a:extLst>
+              <a:ext uri="{96DAC541-7B7A-43D3-8B79-37D633B846F1}">
+                <asvg:svgBlip xmlns:asvg="http://schemas.microsoft.com/office/drawing/2016/SVG/main" r:embed="rId4"/>
+              </a:ext>
+            </a:extLst>
+          </a:blip>
+          <a:stretch>
+            <a:fillRect/>
+          </a:stretch>
+        </p:blipFill>
+        <p:spPr>
+          <a:xfrm>
+            <a:off x="663758" y="4718942"/>
+            <a:ext cx="174433" cy="174433"/>
+          </a:xfrm>
+          <a:prstGeom prst="rect">
+            <a:avLst/>
+          </a:prstGeom>
+        </p:spPr>
+      </p:pic>
+      <p:pic>
+        <p:nvPicPr>
+          <p:cNvPr id="24" name="Graphic 23" descr="Checkmark">
+            <a:extLst>
+              <a:ext uri="{FF2B5EF4-FFF2-40B4-BE49-F238E27FC236}">
+                <a16:creationId xmlns:a16="http://schemas.microsoft.com/office/drawing/2014/main" id="{63E5E062-A939-554A-AC12-5BD9D2A1ED0E}"/>
+              </a:ext>
+            </a:extLst>
+          </p:cNvPr>
+          <p:cNvPicPr>
+            <a:picLocks noChangeAspect="1"/>
+          </p:cNvPicPr>
+          <p:nvPr/>
+        </p:nvPicPr>
+        <p:blipFill>
+          <a:blip r:embed="rId3">
+            <a:extLst>
+              <a:ext uri="{96DAC541-7B7A-43D3-8B79-37D633B846F1}">
+                <asvg:svgBlip xmlns:asvg="http://schemas.microsoft.com/office/drawing/2016/SVG/main" r:embed="rId4"/>
+              </a:ext>
+            </a:extLst>
+          </a:blip>
+          <a:stretch>
+            <a:fillRect/>
+          </a:stretch>
+        </p:blipFill>
+        <p:spPr>
+          <a:xfrm>
+            <a:off x="663757" y="4962349"/>
+            <a:ext cx="174433" cy="174433"/>
+          </a:xfrm>
+          <a:prstGeom prst="rect">
+            <a:avLst/>
+          </a:prstGeom>
+        </p:spPr>
+      </p:pic>
+      <p:pic>
+        <p:nvPicPr>
+          <p:cNvPr id="25" name="Graphic 24" descr="Close">
+            <a:extLst>
+              <a:ext uri="{FF2B5EF4-FFF2-40B4-BE49-F238E27FC236}">
+                <a16:creationId xmlns:a16="http://schemas.microsoft.com/office/drawing/2014/main" id="{C6EF654E-274F-5146-ADD3-06684E26CEF4}"/>
               </a:ext>
             </a:extLst>
           </p:cNvPr>
@@ -6857,20 +7042,56 @@
         </p:blipFill>
         <p:spPr>
           <a:xfrm>
-            <a:off x="664352" y="3220754"/>
-            <a:ext cx="174433" cy="174433"/>
-          </a:xfrm>
-          <a:prstGeom prst="rect">
-            <a:avLst/>
-          </a:prstGeom>
-        </p:spPr>
-      </p:pic>
-      <p:pic>
-        <p:nvPicPr>
-          <p:cNvPr id="18" name="Graphic 17" descr="Checkmark">
-            <a:extLst>
-              <a:ext uri="{FF2B5EF4-FFF2-40B4-BE49-F238E27FC236}">
-                <a16:creationId xmlns:a16="http://schemas.microsoft.com/office/drawing/2014/main" id="{E550C4EC-CD3B-324D-9CC2-862A65B8A434}"/>
+            <a:off x="5623909" y="2746456"/>
+            <a:ext cx="174433" cy="174433"/>
+          </a:xfrm>
+          <a:prstGeom prst="rect">
+            <a:avLst/>
+          </a:prstGeom>
+        </p:spPr>
+      </p:pic>
+      <p:pic>
+        <p:nvPicPr>
+          <p:cNvPr id="26" name="Graphic 25" descr="Close">
+            <a:extLst>
+              <a:ext uri="{FF2B5EF4-FFF2-40B4-BE49-F238E27FC236}">
+                <a16:creationId xmlns:a16="http://schemas.microsoft.com/office/drawing/2014/main" id="{83E5B95B-4390-FC4E-94A2-D1EE29BD0111}"/>
+              </a:ext>
+            </a:extLst>
+          </p:cNvPr>
+          <p:cNvPicPr>
+            <a:picLocks noChangeAspect="1"/>
+          </p:cNvPicPr>
+          <p:nvPr/>
+        </p:nvPicPr>
+        <p:blipFill>
+          <a:blip r:embed="rId5">
+            <a:extLst>
+              <a:ext uri="{96DAC541-7B7A-43D3-8B79-37D633B846F1}">
+                <asvg:svgBlip xmlns:asvg="http://schemas.microsoft.com/office/drawing/2016/SVG/main" r:embed="rId6"/>
+              </a:ext>
+            </a:extLst>
+          </a:blip>
+          <a:stretch>
+            <a:fillRect/>
+          </a:stretch>
+        </p:blipFill>
+        <p:spPr>
+          <a:xfrm>
+            <a:off x="5623910" y="2250403"/>
+            <a:ext cx="174433" cy="174433"/>
+          </a:xfrm>
+          <a:prstGeom prst="rect">
+            <a:avLst/>
+          </a:prstGeom>
+        </p:spPr>
+      </p:pic>
+      <p:pic>
+        <p:nvPicPr>
+          <p:cNvPr id="27" name="Graphic 26" descr="Checkmark">
+            <a:extLst>
+              <a:ext uri="{FF2B5EF4-FFF2-40B4-BE49-F238E27FC236}">
+                <a16:creationId xmlns:a16="http://schemas.microsoft.com/office/drawing/2014/main" id="{B447E4D7-F128-894C-943D-D24B31C75749}"/>
               </a:ext>
             </a:extLst>
           </p:cNvPr>
@@ -6893,20 +7114,20 @@
         </p:blipFill>
         <p:spPr>
           <a:xfrm>
-            <a:off x="663759" y="3462799"/>
-            <a:ext cx="174433" cy="174433"/>
-          </a:xfrm>
-          <a:prstGeom prst="rect">
-            <a:avLst/>
-          </a:prstGeom>
-        </p:spPr>
-      </p:pic>
-      <p:pic>
-        <p:nvPicPr>
-          <p:cNvPr id="21" name="Graphic 20" descr="Checkmark">
-            <a:extLst>
-              <a:ext uri="{FF2B5EF4-FFF2-40B4-BE49-F238E27FC236}">
-                <a16:creationId xmlns:a16="http://schemas.microsoft.com/office/drawing/2014/main" id="{D51D8159-520E-7E4D-ADC7-31943F87A4DD}"/>
+            <a:off x="665154" y="5458958"/>
+            <a:ext cx="174433" cy="174433"/>
+          </a:xfrm>
+          <a:prstGeom prst="rect">
+            <a:avLst/>
+          </a:prstGeom>
+        </p:spPr>
+      </p:pic>
+      <p:pic>
+        <p:nvPicPr>
+          <p:cNvPr id="28" name="Graphic 27" descr="Checkmark">
+            <a:extLst>
+              <a:ext uri="{FF2B5EF4-FFF2-40B4-BE49-F238E27FC236}">
+                <a16:creationId xmlns:a16="http://schemas.microsoft.com/office/drawing/2014/main" id="{E7F7FA20-7AAC-D744-A376-284B0D3C2A00}"/>
               </a:ext>
             </a:extLst>
           </p:cNvPr>
@@ -6929,20 +7150,20 @@
         </p:blipFill>
         <p:spPr>
           <a:xfrm>
-            <a:off x="663758" y="4215241"/>
-            <a:ext cx="174433" cy="174433"/>
-          </a:xfrm>
-          <a:prstGeom prst="rect">
-            <a:avLst/>
-          </a:prstGeom>
-        </p:spPr>
-      </p:pic>
-      <p:pic>
-        <p:nvPicPr>
-          <p:cNvPr id="22" name="Graphic 21" descr="Checkmark">
-            <a:extLst>
-              <a:ext uri="{FF2B5EF4-FFF2-40B4-BE49-F238E27FC236}">
-                <a16:creationId xmlns:a16="http://schemas.microsoft.com/office/drawing/2014/main" id="{08AF0FD4-4145-A74B-A86E-BC9C4AE3F827}"/>
+            <a:off x="667980" y="5677395"/>
+            <a:ext cx="174433" cy="174433"/>
+          </a:xfrm>
+          <a:prstGeom prst="rect">
+            <a:avLst/>
+          </a:prstGeom>
+        </p:spPr>
+      </p:pic>
+      <p:pic>
+        <p:nvPicPr>
+          <p:cNvPr id="29" name="Graphic 28" descr="Checkmark">
+            <a:extLst>
+              <a:ext uri="{FF2B5EF4-FFF2-40B4-BE49-F238E27FC236}">
+                <a16:creationId xmlns:a16="http://schemas.microsoft.com/office/drawing/2014/main" id="{B127B14B-2863-C74A-9FD8-E2C76B436BE5}"/>
               </a:ext>
             </a:extLst>
           </p:cNvPr>
@@ -6965,20 +7186,20 @@
         </p:blipFill>
         <p:spPr>
           <a:xfrm>
-            <a:off x="663758" y="4463109"/>
-            <a:ext cx="174433" cy="174433"/>
-          </a:xfrm>
-          <a:prstGeom prst="rect">
-            <a:avLst/>
-          </a:prstGeom>
-        </p:spPr>
-      </p:pic>
-      <p:pic>
-        <p:nvPicPr>
-          <p:cNvPr id="23" name="Graphic 22" descr="Checkmark">
-            <a:extLst>
-              <a:ext uri="{FF2B5EF4-FFF2-40B4-BE49-F238E27FC236}">
-                <a16:creationId xmlns:a16="http://schemas.microsoft.com/office/drawing/2014/main" id="{914F5CA6-0646-9C40-A2C7-0C29718E837D}"/>
+            <a:off x="658836" y="5925263"/>
+            <a:ext cx="174433" cy="174433"/>
+          </a:xfrm>
+          <a:prstGeom prst="rect">
+            <a:avLst/>
+          </a:prstGeom>
+        </p:spPr>
+      </p:pic>
+      <p:pic>
+        <p:nvPicPr>
+          <p:cNvPr id="30" name="Graphic 29" descr="Checkmark">
+            <a:extLst>
+              <a:ext uri="{FF2B5EF4-FFF2-40B4-BE49-F238E27FC236}">
+                <a16:creationId xmlns:a16="http://schemas.microsoft.com/office/drawing/2014/main" id="{A6F1EF41-4973-8944-8A94-3BD92992CF6B}"/>
               </a:ext>
             </a:extLst>
           </p:cNvPr>
@@ -7001,20 +7222,20 @@
         </p:blipFill>
         <p:spPr>
           <a:xfrm>
-            <a:off x="663758" y="4718942"/>
-            <a:ext cx="174433" cy="174433"/>
-          </a:xfrm>
-          <a:prstGeom prst="rect">
-            <a:avLst/>
-          </a:prstGeom>
-        </p:spPr>
-      </p:pic>
-      <p:pic>
-        <p:nvPicPr>
-          <p:cNvPr id="24" name="Graphic 23" descr="Checkmark">
-            <a:extLst>
-              <a:ext uri="{FF2B5EF4-FFF2-40B4-BE49-F238E27FC236}">
-                <a16:creationId xmlns:a16="http://schemas.microsoft.com/office/drawing/2014/main" id="{63E5E062-A939-554A-AC12-5BD9D2A1ED0E}"/>
+            <a:off x="667980" y="6173131"/>
+            <a:ext cx="174433" cy="174433"/>
+          </a:xfrm>
+          <a:prstGeom prst="rect">
+            <a:avLst/>
+          </a:prstGeom>
+        </p:spPr>
+      </p:pic>
+      <p:pic>
+        <p:nvPicPr>
+          <p:cNvPr id="31" name="Graphic 30" descr="Checkmark">
+            <a:extLst>
+              <a:ext uri="{FF2B5EF4-FFF2-40B4-BE49-F238E27FC236}">
+                <a16:creationId xmlns:a16="http://schemas.microsoft.com/office/drawing/2014/main" id="{B3E8B9B2-499F-524B-B8AA-D57CFCEB2FA0}"/>
               </a:ext>
             </a:extLst>
           </p:cNvPr>
@@ -7037,20 +7258,524 @@
         </p:blipFill>
         <p:spPr>
           <a:xfrm>
-            <a:off x="663757" y="4962349"/>
-            <a:ext cx="174433" cy="174433"/>
-          </a:xfrm>
-          <a:prstGeom prst="rect">
-            <a:avLst/>
-          </a:prstGeom>
-        </p:spPr>
-      </p:pic>
-      <p:pic>
-        <p:nvPicPr>
-          <p:cNvPr id="25" name="Graphic 24" descr="Close">
-            <a:extLst>
-              <a:ext uri="{FF2B5EF4-FFF2-40B4-BE49-F238E27FC236}">
-                <a16:creationId xmlns:a16="http://schemas.microsoft.com/office/drawing/2014/main" id="{C6EF654E-274F-5146-ADD3-06684E26CEF4}"/>
+            <a:off x="5624260" y="1773522"/>
+            <a:ext cx="174433" cy="174433"/>
+          </a:xfrm>
+          <a:prstGeom prst="rect">
+            <a:avLst/>
+          </a:prstGeom>
+        </p:spPr>
+      </p:pic>
+      <p:pic>
+        <p:nvPicPr>
+          <p:cNvPr id="32" name="Graphic 31" descr="Checkmark">
+            <a:extLst>
+              <a:ext uri="{FF2B5EF4-FFF2-40B4-BE49-F238E27FC236}">
+                <a16:creationId xmlns:a16="http://schemas.microsoft.com/office/drawing/2014/main" id="{C88D5AEE-3669-8B49-B0F8-CC80B52BAAA2}"/>
+              </a:ext>
+            </a:extLst>
+          </p:cNvPr>
+          <p:cNvPicPr>
+            <a:picLocks noChangeAspect="1"/>
+          </p:cNvPicPr>
+          <p:nvPr/>
+        </p:nvPicPr>
+        <p:blipFill>
+          <a:blip r:embed="rId3">
+            <a:extLst>
+              <a:ext uri="{96DAC541-7B7A-43D3-8B79-37D633B846F1}">
+                <asvg:svgBlip xmlns:asvg="http://schemas.microsoft.com/office/drawing/2016/SVG/main" r:embed="rId4"/>
+              </a:ext>
+            </a:extLst>
+          </a:blip>
+          <a:stretch>
+            <a:fillRect/>
+          </a:stretch>
+        </p:blipFill>
+        <p:spPr>
+          <a:xfrm>
+            <a:off x="5624260" y="2030788"/>
+            <a:ext cx="174433" cy="174433"/>
+          </a:xfrm>
+          <a:prstGeom prst="rect">
+            <a:avLst/>
+          </a:prstGeom>
+        </p:spPr>
+      </p:pic>
+      <p:pic>
+        <p:nvPicPr>
+          <p:cNvPr id="33" name="Graphic 32" descr="Checkmark">
+            <a:extLst>
+              <a:ext uri="{FF2B5EF4-FFF2-40B4-BE49-F238E27FC236}">
+                <a16:creationId xmlns:a16="http://schemas.microsoft.com/office/drawing/2014/main" id="{7D5FE5DA-19EE-FA43-AB97-231CEC955CE3}"/>
+              </a:ext>
+            </a:extLst>
+          </p:cNvPr>
+          <p:cNvPicPr>
+            <a:picLocks noChangeAspect="1"/>
+          </p:cNvPicPr>
+          <p:nvPr/>
+        </p:nvPicPr>
+        <p:blipFill>
+          <a:blip r:embed="rId3">
+            <a:extLst>
+              <a:ext uri="{96DAC541-7B7A-43D3-8B79-37D633B846F1}">
+                <asvg:svgBlip xmlns:asvg="http://schemas.microsoft.com/office/drawing/2016/SVG/main" r:embed="rId4"/>
+              </a:ext>
+            </a:extLst>
+          </a:blip>
+          <a:stretch>
+            <a:fillRect/>
+          </a:stretch>
+        </p:blipFill>
+        <p:spPr>
+          <a:xfrm>
+            <a:off x="5623909" y="2507669"/>
+            <a:ext cx="174433" cy="174433"/>
+          </a:xfrm>
+          <a:prstGeom prst="rect">
+            <a:avLst/>
+          </a:prstGeom>
+        </p:spPr>
+      </p:pic>
+      <p:pic>
+        <p:nvPicPr>
+          <p:cNvPr id="34" name="Graphic 33" descr="Checkmark">
+            <a:extLst>
+              <a:ext uri="{FF2B5EF4-FFF2-40B4-BE49-F238E27FC236}">
+                <a16:creationId xmlns:a16="http://schemas.microsoft.com/office/drawing/2014/main" id="{C077F771-C623-1D40-A748-019A7F78F96F}"/>
+              </a:ext>
+            </a:extLst>
+          </p:cNvPr>
+          <p:cNvPicPr>
+            <a:picLocks noChangeAspect="1"/>
+          </p:cNvPicPr>
+          <p:nvPr/>
+        </p:nvPicPr>
+        <p:blipFill>
+          <a:blip r:embed="rId3">
+            <a:extLst>
+              <a:ext uri="{96DAC541-7B7A-43D3-8B79-37D633B846F1}">
+                <asvg:svgBlip xmlns:asvg="http://schemas.microsoft.com/office/drawing/2016/SVG/main" r:embed="rId4"/>
+              </a:ext>
+            </a:extLst>
+          </a:blip>
+          <a:stretch>
+            <a:fillRect/>
+          </a:stretch>
+        </p:blipFill>
+        <p:spPr>
+          <a:xfrm>
+            <a:off x="5623908" y="2989682"/>
+            <a:ext cx="174433" cy="174433"/>
+          </a:xfrm>
+          <a:prstGeom prst="rect">
+            <a:avLst/>
+          </a:prstGeom>
+        </p:spPr>
+      </p:pic>
+      <p:pic>
+        <p:nvPicPr>
+          <p:cNvPr id="35" name="Graphic 34" descr="Checkmark">
+            <a:extLst>
+              <a:ext uri="{FF2B5EF4-FFF2-40B4-BE49-F238E27FC236}">
+                <a16:creationId xmlns:a16="http://schemas.microsoft.com/office/drawing/2014/main" id="{F60A61C5-401F-B440-BBA0-43DBB25904E7}"/>
+              </a:ext>
+            </a:extLst>
+          </p:cNvPr>
+          <p:cNvPicPr>
+            <a:picLocks noChangeAspect="1"/>
+          </p:cNvPicPr>
+          <p:nvPr/>
+        </p:nvPicPr>
+        <p:blipFill>
+          <a:blip r:embed="rId3">
+            <a:extLst>
+              <a:ext uri="{96DAC541-7B7A-43D3-8B79-37D633B846F1}">
+                <asvg:svgBlip xmlns:asvg="http://schemas.microsoft.com/office/drawing/2016/SVG/main" r:embed="rId4"/>
+              </a:ext>
+            </a:extLst>
+          </a:blip>
+          <a:stretch>
+            <a:fillRect/>
+          </a:stretch>
+        </p:blipFill>
+        <p:spPr>
+          <a:xfrm>
+            <a:off x="5636230" y="3241944"/>
+            <a:ext cx="174433" cy="174433"/>
+          </a:xfrm>
+          <a:prstGeom prst="rect">
+            <a:avLst/>
+          </a:prstGeom>
+        </p:spPr>
+      </p:pic>
+      <p:pic>
+        <p:nvPicPr>
+          <p:cNvPr id="36" name="Graphic 35" descr="Checkmark">
+            <a:extLst>
+              <a:ext uri="{FF2B5EF4-FFF2-40B4-BE49-F238E27FC236}">
+                <a16:creationId xmlns:a16="http://schemas.microsoft.com/office/drawing/2014/main" id="{C51CA552-B401-1849-A32B-24550D648C8C}"/>
+              </a:ext>
+            </a:extLst>
+          </p:cNvPr>
+          <p:cNvPicPr>
+            <a:picLocks noChangeAspect="1"/>
+          </p:cNvPicPr>
+          <p:nvPr/>
+        </p:nvPicPr>
+        <p:blipFill>
+          <a:blip r:embed="rId3">
+            <a:extLst>
+              <a:ext uri="{96DAC541-7B7A-43D3-8B79-37D633B846F1}">
+                <asvg:svgBlip xmlns:asvg="http://schemas.microsoft.com/office/drawing/2016/SVG/main" r:embed="rId4"/>
+              </a:ext>
+            </a:extLst>
+          </a:blip>
+          <a:stretch>
+            <a:fillRect/>
+          </a:stretch>
+        </p:blipFill>
+        <p:spPr>
+          <a:xfrm>
+            <a:off x="5636230" y="3501890"/>
+            <a:ext cx="174433" cy="174433"/>
+          </a:xfrm>
+          <a:prstGeom prst="rect">
+            <a:avLst/>
+          </a:prstGeom>
+        </p:spPr>
+      </p:pic>
+      <p:pic>
+        <p:nvPicPr>
+          <p:cNvPr id="37" name="Graphic 36" descr="Checkmark">
+            <a:extLst>
+              <a:ext uri="{FF2B5EF4-FFF2-40B4-BE49-F238E27FC236}">
+                <a16:creationId xmlns:a16="http://schemas.microsoft.com/office/drawing/2014/main" id="{2553AAF1-C293-FA40-AAE2-9925B7F7FAEC}"/>
+              </a:ext>
+            </a:extLst>
+          </p:cNvPr>
+          <p:cNvPicPr>
+            <a:picLocks noChangeAspect="1"/>
+          </p:cNvPicPr>
+          <p:nvPr/>
+        </p:nvPicPr>
+        <p:blipFill>
+          <a:blip r:embed="rId3">
+            <a:extLst>
+              <a:ext uri="{96DAC541-7B7A-43D3-8B79-37D633B846F1}">
+                <asvg:svgBlip xmlns:asvg="http://schemas.microsoft.com/office/drawing/2016/SVG/main" r:embed="rId4"/>
+              </a:ext>
+            </a:extLst>
+          </a:blip>
+          <a:stretch>
+            <a:fillRect/>
+          </a:stretch>
+        </p:blipFill>
+        <p:spPr>
+          <a:xfrm>
+            <a:off x="5636229" y="3739683"/>
+            <a:ext cx="174433" cy="174433"/>
+          </a:xfrm>
+          <a:prstGeom prst="rect">
+            <a:avLst/>
+          </a:prstGeom>
+        </p:spPr>
+      </p:pic>
+      <p:pic>
+        <p:nvPicPr>
+          <p:cNvPr id="38" name="Graphic 37" descr="Checkmark">
+            <a:extLst>
+              <a:ext uri="{FF2B5EF4-FFF2-40B4-BE49-F238E27FC236}">
+                <a16:creationId xmlns:a16="http://schemas.microsoft.com/office/drawing/2014/main" id="{DD9F0E75-D40A-9B4D-B4A1-3008361F86D6}"/>
+              </a:ext>
+            </a:extLst>
+          </p:cNvPr>
+          <p:cNvPicPr>
+            <a:picLocks noChangeAspect="1"/>
+          </p:cNvPicPr>
+          <p:nvPr/>
+        </p:nvPicPr>
+        <p:blipFill>
+          <a:blip r:embed="rId3">
+            <a:extLst>
+              <a:ext uri="{96DAC541-7B7A-43D3-8B79-37D633B846F1}">
+                <asvg:svgBlip xmlns:asvg="http://schemas.microsoft.com/office/drawing/2016/SVG/main" r:embed="rId4"/>
+              </a:ext>
+            </a:extLst>
+          </a:blip>
+          <a:stretch>
+            <a:fillRect/>
+          </a:stretch>
+        </p:blipFill>
+        <p:spPr>
+          <a:xfrm>
+            <a:off x="5623907" y="3987807"/>
+            <a:ext cx="174433" cy="174433"/>
+          </a:xfrm>
+          <a:prstGeom prst="rect">
+            <a:avLst/>
+          </a:prstGeom>
+        </p:spPr>
+      </p:pic>
+      <p:pic>
+        <p:nvPicPr>
+          <p:cNvPr id="39" name="Graphic 38" descr="Checkmark">
+            <a:extLst>
+              <a:ext uri="{FF2B5EF4-FFF2-40B4-BE49-F238E27FC236}">
+                <a16:creationId xmlns:a16="http://schemas.microsoft.com/office/drawing/2014/main" id="{394D0787-E6A3-EC4F-A215-F35CEC6B6AF9}"/>
+              </a:ext>
+            </a:extLst>
+          </p:cNvPr>
+          <p:cNvPicPr>
+            <a:picLocks noChangeAspect="1"/>
+          </p:cNvPicPr>
+          <p:nvPr/>
+        </p:nvPicPr>
+        <p:blipFill>
+          <a:blip r:embed="rId3">
+            <a:extLst>
+              <a:ext uri="{96DAC541-7B7A-43D3-8B79-37D633B846F1}">
+                <asvg:svgBlip xmlns:asvg="http://schemas.microsoft.com/office/drawing/2016/SVG/main" r:embed="rId4"/>
+              </a:ext>
+            </a:extLst>
+          </a:blip>
+          <a:stretch>
+            <a:fillRect/>
+          </a:stretch>
+        </p:blipFill>
+        <p:spPr>
+          <a:xfrm>
+            <a:off x="5636229" y="4233358"/>
+            <a:ext cx="174433" cy="174433"/>
+          </a:xfrm>
+          <a:prstGeom prst="rect">
+            <a:avLst/>
+          </a:prstGeom>
+        </p:spPr>
+      </p:pic>
+      <p:pic>
+        <p:nvPicPr>
+          <p:cNvPr id="40" name="Graphic 39" descr="Checkmark">
+            <a:extLst>
+              <a:ext uri="{FF2B5EF4-FFF2-40B4-BE49-F238E27FC236}">
+                <a16:creationId xmlns:a16="http://schemas.microsoft.com/office/drawing/2014/main" id="{C2A5A715-3E1F-1841-B4E7-4A4DB1203D7C}"/>
+              </a:ext>
+            </a:extLst>
+          </p:cNvPr>
+          <p:cNvPicPr>
+            <a:picLocks noChangeAspect="1"/>
+          </p:cNvPicPr>
+          <p:nvPr/>
+        </p:nvPicPr>
+        <p:blipFill>
+          <a:blip r:embed="rId3">
+            <a:extLst>
+              <a:ext uri="{96DAC541-7B7A-43D3-8B79-37D633B846F1}">
+                <asvg:svgBlip xmlns:asvg="http://schemas.microsoft.com/office/drawing/2016/SVG/main" r:embed="rId4"/>
+              </a:ext>
+            </a:extLst>
+          </a:blip>
+          <a:stretch>
+            <a:fillRect/>
+          </a:stretch>
+        </p:blipFill>
+        <p:spPr>
+          <a:xfrm>
+            <a:off x="5636228" y="4453100"/>
+            <a:ext cx="174433" cy="174433"/>
+          </a:xfrm>
+          <a:prstGeom prst="rect">
+            <a:avLst/>
+          </a:prstGeom>
+        </p:spPr>
+      </p:pic>
+      <p:pic>
+        <p:nvPicPr>
+          <p:cNvPr id="41" name="Graphic 40" descr="Checkmark">
+            <a:extLst>
+              <a:ext uri="{FF2B5EF4-FFF2-40B4-BE49-F238E27FC236}">
+                <a16:creationId xmlns:a16="http://schemas.microsoft.com/office/drawing/2014/main" id="{0282D90A-763F-784A-BB32-CEB0E58DA5C1}"/>
+              </a:ext>
+            </a:extLst>
+          </p:cNvPr>
+          <p:cNvPicPr>
+            <a:picLocks noChangeAspect="1"/>
+          </p:cNvPicPr>
+          <p:nvPr/>
+        </p:nvPicPr>
+        <p:blipFill>
+          <a:blip r:embed="rId3">
+            <a:extLst>
+              <a:ext uri="{96DAC541-7B7A-43D3-8B79-37D633B846F1}">
+                <asvg:svgBlip xmlns:asvg="http://schemas.microsoft.com/office/drawing/2016/SVG/main" r:embed="rId4"/>
+              </a:ext>
+            </a:extLst>
+          </a:blip>
+          <a:stretch>
+            <a:fillRect/>
+          </a:stretch>
+        </p:blipFill>
+        <p:spPr>
+          <a:xfrm>
+            <a:off x="5636228" y="4709489"/>
+            <a:ext cx="174433" cy="174433"/>
+          </a:xfrm>
+          <a:prstGeom prst="rect">
+            <a:avLst/>
+          </a:prstGeom>
+        </p:spPr>
+      </p:pic>
+      <p:pic>
+        <p:nvPicPr>
+          <p:cNvPr id="43" name="Graphic 42" descr="Pause">
+            <a:extLst>
+              <a:ext uri="{FF2B5EF4-FFF2-40B4-BE49-F238E27FC236}">
+                <a16:creationId xmlns:a16="http://schemas.microsoft.com/office/drawing/2014/main" id="{D6976150-A576-C24D-9C11-5D7E4EE3E2F1}"/>
+              </a:ext>
+            </a:extLst>
+          </p:cNvPr>
+          <p:cNvPicPr>
+            <a:picLocks noChangeAspect="1"/>
+          </p:cNvPicPr>
+          <p:nvPr/>
+        </p:nvPicPr>
+        <p:blipFill>
+          <a:blip r:embed="rId7">
+            <a:extLst>
+              <a:ext uri="{96DAC541-7B7A-43D3-8B79-37D633B846F1}">
+                <asvg:svgBlip xmlns:asvg="http://schemas.microsoft.com/office/drawing/2016/SVG/main" r:embed="rId8"/>
+              </a:ext>
+            </a:extLst>
+          </a:blip>
+          <a:stretch>
+            <a:fillRect/>
+          </a:stretch>
+        </p:blipFill>
+        <p:spPr>
+          <a:xfrm>
+            <a:off x="5636230" y="5166443"/>
+            <a:ext cx="174433" cy="174433"/>
+          </a:xfrm>
+          <a:prstGeom prst="rect">
+            <a:avLst/>
+          </a:prstGeom>
+        </p:spPr>
+      </p:pic>
+      <p:pic>
+        <p:nvPicPr>
+          <p:cNvPr id="44" name="Graphic 43" descr="Checkmark">
+            <a:extLst>
+              <a:ext uri="{FF2B5EF4-FFF2-40B4-BE49-F238E27FC236}">
+                <a16:creationId xmlns:a16="http://schemas.microsoft.com/office/drawing/2014/main" id="{BE3A192D-7F66-A843-9CFE-7DD6BF0BEB76}"/>
+              </a:ext>
+            </a:extLst>
+          </p:cNvPr>
+          <p:cNvPicPr>
+            <a:picLocks noChangeAspect="1"/>
+          </p:cNvPicPr>
+          <p:nvPr/>
+        </p:nvPicPr>
+        <p:blipFill>
+          <a:blip r:embed="rId3">
+            <a:extLst>
+              <a:ext uri="{96DAC541-7B7A-43D3-8B79-37D633B846F1}">
+                <asvg:svgBlip xmlns:asvg="http://schemas.microsoft.com/office/drawing/2016/SVG/main" r:embed="rId4"/>
+              </a:ext>
+            </a:extLst>
+          </a:blip>
+          <a:stretch>
+            <a:fillRect/>
+          </a:stretch>
+        </p:blipFill>
+        <p:spPr>
+          <a:xfrm>
+            <a:off x="5636227" y="5653752"/>
+            <a:ext cx="174433" cy="174433"/>
+          </a:xfrm>
+          <a:prstGeom prst="rect">
+            <a:avLst/>
+          </a:prstGeom>
+        </p:spPr>
+      </p:pic>
+      <p:pic>
+        <p:nvPicPr>
+          <p:cNvPr id="45" name="Graphic 44" descr="Checkmark">
+            <a:extLst>
+              <a:ext uri="{FF2B5EF4-FFF2-40B4-BE49-F238E27FC236}">
+                <a16:creationId xmlns:a16="http://schemas.microsoft.com/office/drawing/2014/main" id="{804FE3D2-E1EB-A24E-8E3A-58750228CEC9}"/>
+              </a:ext>
+            </a:extLst>
+          </p:cNvPr>
+          <p:cNvPicPr>
+            <a:picLocks noChangeAspect="1"/>
+          </p:cNvPicPr>
+          <p:nvPr/>
+        </p:nvPicPr>
+        <p:blipFill>
+          <a:blip r:embed="rId3">
+            <a:extLst>
+              <a:ext uri="{96DAC541-7B7A-43D3-8B79-37D633B846F1}">
+                <asvg:svgBlip xmlns:asvg="http://schemas.microsoft.com/office/drawing/2016/SVG/main" r:embed="rId4"/>
+              </a:ext>
+            </a:extLst>
+          </a:blip>
+          <a:stretch>
+            <a:fillRect/>
+          </a:stretch>
+        </p:blipFill>
+        <p:spPr>
+          <a:xfrm>
+            <a:off x="5636226" y="5925262"/>
+            <a:ext cx="174433" cy="174433"/>
+          </a:xfrm>
+          <a:prstGeom prst="rect">
+            <a:avLst/>
+          </a:prstGeom>
+        </p:spPr>
+      </p:pic>
+      <p:pic>
+        <p:nvPicPr>
+          <p:cNvPr id="46" name="Graphic 45" descr="Checkmark">
+            <a:extLst>
+              <a:ext uri="{FF2B5EF4-FFF2-40B4-BE49-F238E27FC236}">
+                <a16:creationId xmlns:a16="http://schemas.microsoft.com/office/drawing/2014/main" id="{6A6EFD3B-5DCA-154C-95A9-429E32CDEA2E}"/>
+              </a:ext>
+            </a:extLst>
+          </p:cNvPr>
+          <p:cNvPicPr>
+            <a:picLocks noChangeAspect="1"/>
+          </p:cNvPicPr>
+          <p:nvPr/>
+        </p:nvPicPr>
+        <p:blipFill>
+          <a:blip r:embed="rId3">
+            <a:extLst>
+              <a:ext uri="{96DAC541-7B7A-43D3-8B79-37D633B846F1}">
+                <asvg:svgBlip xmlns:asvg="http://schemas.microsoft.com/office/drawing/2016/SVG/main" r:embed="rId4"/>
+              </a:ext>
+            </a:extLst>
+          </a:blip>
+          <a:stretch>
+            <a:fillRect/>
+          </a:stretch>
+        </p:blipFill>
+        <p:spPr>
+          <a:xfrm>
+            <a:off x="692353" y="2511679"/>
+            <a:ext cx="174433" cy="174433"/>
+          </a:xfrm>
+          <a:prstGeom prst="rect">
+            <a:avLst/>
+          </a:prstGeom>
+        </p:spPr>
+      </p:pic>
+      <p:pic>
+        <p:nvPicPr>
+          <p:cNvPr id="47" name="Graphic 46" descr="Close">
+            <a:extLst>
+              <a:ext uri="{FF2B5EF4-FFF2-40B4-BE49-F238E27FC236}">
+                <a16:creationId xmlns:a16="http://schemas.microsoft.com/office/drawing/2014/main" id="{8EDD14CD-936A-1344-9E6B-231E108412C2}"/>
               </a:ext>
             </a:extLst>
           </p:cNvPr>
@@ -7073,20 +7798,20 @@
         </p:blipFill>
         <p:spPr>
           <a:xfrm>
-            <a:off x="5623909" y="2746456"/>
-            <a:ext cx="174433" cy="174433"/>
-          </a:xfrm>
-          <a:prstGeom prst="rect">
-            <a:avLst/>
-          </a:prstGeom>
-        </p:spPr>
-      </p:pic>
-      <p:pic>
-        <p:nvPicPr>
-          <p:cNvPr id="26" name="Graphic 25" descr="Close">
-            <a:extLst>
-              <a:ext uri="{FF2B5EF4-FFF2-40B4-BE49-F238E27FC236}">
-                <a16:creationId xmlns:a16="http://schemas.microsoft.com/office/drawing/2014/main" id="{83E5B95B-4390-FC4E-94A2-D1EE29BD0111}"/>
+            <a:off x="648734" y="3718632"/>
+            <a:ext cx="174433" cy="174433"/>
+          </a:xfrm>
+          <a:prstGeom prst="rect">
+            <a:avLst/>
+          </a:prstGeom>
+        </p:spPr>
+      </p:pic>
+      <p:pic>
+        <p:nvPicPr>
+          <p:cNvPr id="48" name="Graphic 47" descr="Close">
+            <a:extLst>
+              <a:ext uri="{FF2B5EF4-FFF2-40B4-BE49-F238E27FC236}">
+                <a16:creationId xmlns:a16="http://schemas.microsoft.com/office/drawing/2014/main" id="{A1CDFDF7-7812-4F44-84BB-293661EAE6ED}"/>
               </a:ext>
             </a:extLst>
           </p:cNvPr>
@@ -7109,704 +7834,20 @@
         </p:blipFill>
         <p:spPr>
           <a:xfrm>
-            <a:off x="5623910" y="2250403"/>
-            <a:ext cx="174433" cy="174433"/>
-          </a:xfrm>
-          <a:prstGeom prst="rect">
-            <a:avLst/>
-          </a:prstGeom>
-        </p:spPr>
-      </p:pic>
-      <p:pic>
-        <p:nvPicPr>
-          <p:cNvPr id="27" name="Graphic 26" descr="Checkmark">
-            <a:extLst>
-              <a:ext uri="{FF2B5EF4-FFF2-40B4-BE49-F238E27FC236}">
-                <a16:creationId xmlns:a16="http://schemas.microsoft.com/office/drawing/2014/main" id="{B447E4D7-F128-894C-943D-D24B31C75749}"/>
-              </a:ext>
-            </a:extLst>
-          </p:cNvPr>
-          <p:cNvPicPr>
-            <a:picLocks noChangeAspect="1"/>
-          </p:cNvPicPr>
-          <p:nvPr/>
-        </p:nvPicPr>
-        <p:blipFill>
-          <a:blip r:embed="rId3">
-            <a:extLst>
-              <a:ext uri="{96DAC541-7B7A-43D3-8B79-37D633B846F1}">
-                <asvg:svgBlip xmlns:asvg="http://schemas.microsoft.com/office/drawing/2016/SVG/main" r:embed="rId4"/>
-              </a:ext>
-            </a:extLst>
-          </a:blip>
-          <a:stretch>
-            <a:fillRect/>
-          </a:stretch>
-        </p:blipFill>
-        <p:spPr>
-          <a:xfrm>
-            <a:off x="665154" y="5458958"/>
-            <a:ext cx="174433" cy="174433"/>
-          </a:xfrm>
-          <a:prstGeom prst="rect">
-            <a:avLst/>
-          </a:prstGeom>
-        </p:spPr>
-      </p:pic>
-      <p:pic>
-        <p:nvPicPr>
-          <p:cNvPr id="28" name="Graphic 27" descr="Checkmark">
-            <a:extLst>
-              <a:ext uri="{FF2B5EF4-FFF2-40B4-BE49-F238E27FC236}">
-                <a16:creationId xmlns:a16="http://schemas.microsoft.com/office/drawing/2014/main" id="{E7F7FA20-7AAC-D744-A376-284B0D3C2A00}"/>
-              </a:ext>
-            </a:extLst>
-          </p:cNvPr>
-          <p:cNvPicPr>
-            <a:picLocks noChangeAspect="1"/>
-          </p:cNvPicPr>
-          <p:nvPr/>
-        </p:nvPicPr>
-        <p:blipFill>
-          <a:blip r:embed="rId3">
-            <a:extLst>
-              <a:ext uri="{96DAC541-7B7A-43D3-8B79-37D633B846F1}">
-                <asvg:svgBlip xmlns:asvg="http://schemas.microsoft.com/office/drawing/2016/SVG/main" r:embed="rId4"/>
-              </a:ext>
-            </a:extLst>
-          </a:blip>
-          <a:stretch>
-            <a:fillRect/>
-          </a:stretch>
-        </p:blipFill>
-        <p:spPr>
-          <a:xfrm>
-            <a:off x="667980" y="5677395"/>
-            <a:ext cx="174433" cy="174433"/>
-          </a:xfrm>
-          <a:prstGeom prst="rect">
-            <a:avLst/>
-          </a:prstGeom>
-        </p:spPr>
-      </p:pic>
-      <p:pic>
-        <p:nvPicPr>
-          <p:cNvPr id="29" name="Graphic 28" descr="Checkmark">
-            <a:extLst>
-              <a:ext uri="{FF2B5EF4-FFF2-40B4-BE49-F238E27FC236}">
-                <a16:creationId xmlns:a16="http://schemas.microsoft.com/office/drawing/2014/main" id="{B127B14B-2863-C74A-9FD8-E2C76B436BE5}"/>
-              </a:ext>
-            </a:extLst>
-          </p:cNvPr>
-          <p:cNvPicPr>
-            <a:picLocks noChangeAspect="1"/>
-          </p:cNvPicPr>
-          <p:nvPr/>
-        </p:nvPicPr>
-        <p:blipFill>
-          <a:blip r:embed="rId3">
-            <a:extLst>
-              <a:ext uri="{96DAC541-7B7A-43D3-8B79-37D633B846F1}">
-                <asvg:svgBlip xmlns:asvg="http://schemas.microsoft.com/office/drawing/2016/SVG/main" r:embed="rId4"/>
-              </a:ext>
-            </a:extLst>
-          </a:blip>
-          <a:stretch>
-            <a:fillRect/>
-          </a:stretch>
-        </p:blipFill>
-        <p:spPr>
-          <a:xfrm>
-            <a:off x="658836" y="5925263"/>
-            <a:ext cx="174433" cy="174433"/>
-          </a:xfrm>
-          <a:prstGeom prst="rect">
-            <a:avLst/>
-          </a:prstGeom>
-        </p:spPr>
-      </p:pic>
-      <p:pic>
-        <p:nvPicPr>
-          <p:cNvPr id="30" name="Graphic 29" descr="Checkmark">
-            <a:extLst>
-              <a:ext uri="{FF2B5EF4-FFF2-40B4-BE49-F238E27FC236}">
-                <a16:creationId xmlns:a16="http://schemas.microsoft.com/office/drawing/2014/main" id="{A6F1EF41-4973-8944-8A94-3BD92992CF6B}"/>
-              </a:ext>
-            </a:extLst>
-          </p:cNvPr>
-          <p:cNvPicPr>
-            <a:picLocks noChangeAspect="1"/>
-          </p:cNvPicPr>
-          <p:nvPr/>
-        </p:nvPicPr>
-        <p:blipFill>
-          <a:blip r:embed="rId3">
-            <a:extLst>
-              <a:ext uri="{96DAC541-7B7A-43D3-8B79-37D633B846F1}">
-                <asvg:svgBlip xmlns:asvg="http://schemas.microsoft.com/office/drawing/2016/SVG/main" r:embed="rId4"/>
-              </a:ext>
-            </a:extLst>
-          </a:blip>
-          <a:stretch>
-            <a:fillRect/>
-          </a:stretch>
-        </p:blipFill>
-        <p:spPr>
-          <a:xfrm>
-            <a:off x="667980" y="6173131"/>
-            <a:ext cx="174433" cy="174433"/>
-          </a:xfrm>
-          <a:prstGeom prst="rect">
-            <a:avLst/>
-          </a:prstGeom>
-        </p:spPr>
-      </p:pic>
-      <p:pic>
-        <p:nvPicPr>
-          <p:cNvPr id="31" name="Graphic 30" descr="Checkmark">
-            <a:extLst>
-              <a:ext uri="{FF2B5EF4-FFF2-40B4-BE49-F238E27FC236}">
-                <a16:creationId xmlns:a16="http://schemas.microsoft.com/office/drawing/2014/main" id="{B3E8B9B2-499F-524B-B8AA-D57CFCEB2FA0}"/>
-              </a:ext>
-            </a:extLst>
-          </p:cNvPr>
-          <p:cNvPicPr>
-            <a:picLocks noChangeAspect="1"/>
-          </p:cNvPicPr>
-          <p:nvPr/>
-        </p:nvPicPr>
-        <p:blipFill>
-          <a:blip r:embed="rId3">
-            <a:extLst>
-              <a:ext uri="{96DAC541-7B7A-43D3-8B79-37D633B846F1}">
-                <asvg:svgBlip xmlns:asvg="http://schemas.microsoft.com/office/drawing/2016/SVG/main" r:embed="rId4"/>
-              </a:ext>
-            </a:extLst>
-          </a:blip>
-          <a:stretch>
-            <a:fillRect/>
-          </a:stretch>
-        </p:blipFill>
-        <p:spPr>
-          <a:xfrm>
-            <a:off x="5624260" y="1773522"/>
-            <a:ext cx="174433" cy="174433"/>
-          </a:xfrm>
-          <a:prstGeom prst="rect">
-            <a:avLst/>
-          </a:prstGeom>
-        </p:spPr>
-      </p:pic>
-      <p:pic>
-        <p:nvPicPr>
-          <p:cNvPr id="32" name="Graphic 31" descr="Checkmark">
-            <a:extLst>
-              <a:ext uri="{FF2B5EF4-FFF2-40B4-BE49-F238E27FC236}">
-                <a16:creationId xmlns:a16="http://schemas.microsoft.com/office/drawing/2014/main" id="{C88D5AEE-3669-8B49-B0F8-CC80B52BAAA2}"/>
-              </a:ext>
-            </a:extLst>
-          </p:cNvPr>
-          <p:cNvPicPr>
-            <a:picLocks noChangeAspect="1"/>
-          </p:cNvPicPr>
-          <p:nvPr/>
-        </p:nvPicPr>
-        <p:blipFill>
-          <a:blip r:embed="rId3">
-            <a:extLst>
-              <a:ext uri="{96DAC541-7B7A-43D3-8B79-37D633B846F1}">
-                <asvg:svgBlip xmlns:asvg="http://schemas.microsoft.com/office/drawing/2016/SVG/main" r:embed="rId4"/>
-              </a:ext>
-            </a:extLst>
-          </a:blip>
-          <a:stretch>
-            <a:fillRect/>
-          </a:stretch>
-        </p:blipFill>
-        <p:spPr>
-          <a:xfrm>
-            <a:off x="5624260" y="2030788"/>
-            <a:ext cx="174433" cy="174433"/>
-          </a:xfrm>
-          <a:prstGeom prst="rect">
-            <a:avLst/>
-          </a:prstGeom>
-        </p:spPr>
-      </p:pic>
-      <p:pic>
-        <p:nvPicPr>
-          <p:cNvPr id="33" name="Graphic 32" descr="Checkmark">
-            <a:extLst>
-              <a:ext uri="{FF2B5EF4-FFF2-40B4-BE49-F238E27FC236}">
-                <a16:creationId xmlns:a16="http://schemas.microsoft.com/office/drawing/2014/main" id="{7D5FE5DA-19EE-FA43-AB97-231CEC955CE3}"/>
-              </a:ext>
-            </a:extLst>
-          </p:cNvPr>
-          <p:cNvPicPr>
-            <a:picLocks noChangeAspect="1"/>
-          </p:cNvPicPr>
-          <p:nvPr/>
-        </p:nvPicPr>
-        <p:blipFill>
-          <a:blip r:embed="rId3">
-            <a:extLst>
-              <a:ext uri="{96DAC541-7B7A-43D3-8B79-37D633B846F1}">
-                <asvg:svgBlip xmlns:asvg="http://schemas.microsoft.com/office/drawing/2016/SVG/main" r:embed="rId4"/>
-              </a:ext>
-            </a:extLst>
-          </a:blip>
-          <a:stretch>
-            <a:fillRect/>
-          </a:stretch>
-        </p:blipFill>
-        <p:spPr>
-          <a:xfrm>
-            <a:off x="5623909" y="2507669"/>
-            <a:ext cx="174433" cy="174433"/>
-          </a:xfrm>
-          <a:prstGeom prst="rect">
-            <a:avLst/>
-          </a:prstGeom>
-        </p:spPr>
-      </p:pic>
-      <p:pic>
-        <p:nvPicPr>
-          <p:cNvPr id="34" name="Graphic 33" descr="Checkmark">
-            <a:extLst>
-              <a:ext uri="{FF2B5EF4-FFF2-40B4-BE49-F238E27FC236}">
-                <a16:creationId xmlns:a16="http://schemas.microsoft.com/office/drawing/2014/main" id="{C077F771-C623-1D40-A748-019A7F78F96F}"/>
-              </a:ext>
-            </a:extLst>
-          </p:cNvPr>
-          <p:cNvPicPr>
-            <a:picLocks noChangeAspect="1"/>
-          </p:cNvPicPr>
-          <p:nvPr/>
-        </p:nvPicPr>
-        <p:blipFill>
-          <a:blip r:embed="rId3">
-            <a:extLst>
-              <a:ext uri="{96DAC541-7B7A-43D3-8B79-37D633B846F1}">
-                <asvg:svgBlip xmlns:asvg="http://schemas.microsoft.com/office/drawing/2016/SVG/main" r:embed="rId4"/>
-              </a:ext>
-            </a:extLst>
-          </a:blip>
-          <a:stretch>
-            <a:fillRect/>
-          </a:stretch>
-        </p:blipFill>
-        <p:spPr>
-          <a:xfrm>
-            <a:off x="5623908" y="2989682"/>
-            <a:ext cx="174433" cy="174433"/>
-          </a:xfrm>
-          <a:prstGeom prst="rect">
-            <a:avLst/>
-          </a:prstGeom>
-        </p:spPr>
-      </p:pic>
-      <p:pic>
-        <p:nvPicPr>
-          <p:cNvPr id="35" name="Graphic 34" descr="Checkmark">
-            <a:extLst>
-              <a:ext uri="{FF2B5EF4-FFF2-40B4-BE49-F238E27FC236}">
-                <a16:creationId xmlns:a16="http://schemas.microsoft.com/office/drawing/2014/main" id="{F60A61C5-401F-B440-BBA0-43DBB25904E7}"/>
-              </a:ext>
-            </a:extLst>
-          </p:cNvPr>
-          <p:cNvPicPr>
-            <a:picLocks noChangeAspect="1"/>
-          </p:cNvPicPr>
-          <p:nvPr/>
-        </p:nvPicPr>
-        <p:blipFill>
-          <a:blip r:embed="rId3">
-            <a:extLst>
-              <a:ext uri="{96DAC541-7B7A-43D3-8B79-37D633B846F1}">
-                <asvg:svgBlip xmlns:asvg="http://schemas.microsoft.com/office/drawing/2016/SVG/main" r:embed="rId4"/>
-              </a:ext>
-            </a:extLst>
-          </a:blip>
-          <a:stretch>
-            <a:fillRect/>
-          </a:stretch>
-        </p:blipFill>
-        <p:spPr>
-          <a:xfrm>
-            <a:off x="5636230" y="3241944"/>
-            <a:ext cx="174433" cy="174433"/>
-          </a:xfrm>
-          <a:prstGeom prst="rect">
-            <a:avLst/>
-          </a:prstGeom>
-        </p:spPr>
-      </p:pic>
-      <p:pic>
-        <p:nvPicPr>
-          <p:cNvPr id="36" name="Graphic 35" descr="Checkmark">
-            <a:extLst>
-              <a:ext uri="{FF2B5EF4-FFF2-40B4-BE49-F238E27FC236}">
-                <a16:creationId xmlns:a16="http://schemas.microsoft.com/office/drawing/2014/main" id="{C51CA552-B401-1849-A32B-24550D648C8C}"/>
-              </a:ext>
-            </a:extLst>
-          </p:cNvPr>
-          <p:cNvPicPr>
-            <a:picLocks noChangeAspect="1"/>
-          </p:cNvPicPr>
-          <p:nvPr/>
-        </p:nvPicPr>
-        <p:blipFill>
-          <a:blip r:embed="rId3">
-            <a:extLst>
-              <a:ext uri="{96DAC541-7B7A-43D3-8B79-37D633B846F1}">
-                <asvg:svgBlip xmlns:asvg="http://schemas.microsoft.com/office/drawing/2016/SVG/main" r:embed="rId4"/>
-              </a:ext>
-            </a:extLst>
-          </a:blip>
-          <a:stretch>
-            <a:fillRect/>
-          </a:stretch>
-        </p:blipFill>
-        <p:spPr>
-          <a:xfrm>
-            <a:off x="5636230" y="3501890"/>
-            <a:ext cx="174433" cy="174433"/>
-          </a:xfrm>
-          <a:prstGeom prst="rect">
-            <a:avLst/>
-          </a:prstGeom>
-        </p:spPr>
-      </p:pic>
-      <p:pic>
-        <p:nvPicPr>
-          <p:cNvPr id="37" name="Graphic 36" descr="Checkmark">
-            <a:extLst>
-              <a:ext uri="{FF2B5EF4-FFF2-40B4-BE49-F238E27FC236}">
-                <a16:creationId xmlns:a16="http://schemas.microsoft.com/office/drawing/2014/main" id="{2553AAF1-C293-FA40-AAE2-9925B7F7FAEC}"/>
-              </a:ext>
-            </a:extLst>
-          </p:cNvPr>
-          <p:cNvPicPr>
-            <a:picLocks noChangeAspect="1"/>
-          </p:cNvPicPr>
-          <p:nvPr/>
-        </p:nvPicPr>
-        <p:blipFill>
-          <a:blip r:embed="rId3">
-            <a:extLst>
-              <a:ext uri="{96DAC541-7B7A-43D3-8B79-37D633B846F1}">
-                <asvg:svgBlip xmlns:asvg="http://schemas.microsoft.com/office/drawing/2016/SVG/main" r:embed="rId4"/>
-              </a:ext>
-            </a:extLst>
-          </a:blip>
-          <a:stretch>
-            <a:fillRect/>
-          </a:stretch>
-        </p:blipFill>
-        <p:spPr>
-          <a:xfrm>
-            <a:off x="5636229" y="3739683"/>
-            <a:ext cx="174433" cy="174433"/>
-          </a:xfrm>
-          <a:prstGeom prst="rect">
-            <a:avLst/>
-          </a:prstGeom>
-        </p:spPr>
-      </p:pic>
-      <p:pic>
-        <p:nvPicPr>
-          <p:cNvPr id="38" name="Graphic 37" descr="Checkmark">
-            <a:extLst>
-              <a:ext uri="{FF2B5EF4-FFF2-40B4-BE49-F238E27FC236}">
-                <a16:creationId xmlns:a16="http://schemas.microsoft.com/office/drawing/2014/main" id="{DD9F0E75-D40A-9B4D-B4A1-3008361F86D6}"/>
-              </a:ext>
-            </a:extLst>
-          </p:cNvPr>
-          <p:cNvPicPr>
-            <a:picLocks noChangeAspect="1"/>
-          </p:cNvPicPr>
-          <p:nvPr/>
-        </p:nvPicPr>
-        <p:blipFill>
-          <a:blip r:embed="rId3">
-            <a:extLst>
-              <a:ext uri="{96DAC541-7B7A-43D3-8B79-37D633B846F1}">
-                <asvg:svgBlip xmlns:asvg="http://schemas.microsoft.com/office/drawing/2016/SVG/main" r:embed="rId4"/>
-              </a:ext>
-            </a:extLst>
-          </a:blip>
-          <a:stretch>
-            <a:fillRect/>
-          </a:stretch>
-        </p:blipFill>
-        <p:spPr>
-          <a:xfrm>
-            <a:off x="5623907" y="3987807"/>
-            <a:ext cx="174433" cy="174433"/>
-          </a:xfrm>
-          <a:prstGeom prst="rect">
-            <a:avLst/>
-          </a:prstGeom>
-        </p:spPr>
-      </p:pic>
-      <p:pic>
-        <p:nvPicPr>
-          <p:cNvPr id="39" name="Graphic 38" descr="Checkmark">
-            <a:extLst>
-              <a:ext uri="{FF2B5EF4-FFF2-40B4-BE49-F238E27FC236}">
-                <a16:creationId xmlns:a16="http://schemas.microsoft.com/office/drawing/2014/main" id="{394D0787-E6A3-EC4F-A215-F35CEC6B6AF9}"/>
-              </a:ext>
-            </a:extLst>
-          </p:cNvPr>
-          <p:cNvPicPr>
-            <a:picLocks noChangeAspect="1"/>
-          </p:cNvPicPr>
-          <p:nvPr/>
-        </p:nvPicPr>
-        <p:blipFill>
-          <a:blip r:embed="rId3">
-            <a:extLst>
-              <a:ext uri="{96DAC541-7B7A-43D3-8B79-37D633B846F1}">
-                <asvg:svgBlip xmlns:asvg="http://schemas.microsoft.com/office/drawing/2016/SVG/main" r:embed="rId4"/>
-              </a:ext>
-            </a:extLst>
-          </a:blip>
-          <a:stretch>
-            <a:fillRect/>
-          </a:stretch>
-        </p:blipFill>
-        <p:spPr>
-          <a:xfrm>
-            <a:off x="5636229" y="4233358"/>
-            <a:ext cx="174433" cy="174433"/>
-          </a:xfrm>
-          <a:prstGeom prst="rect">
-            <a:avLst/>
-          </a:prstGeom>
-        </p:spPr>
-      </p:pic>
-      <p:pic>
-        <p:nvPicPr>
-          <p:cNvPr id="40" name="Graphic 39" descr="Checkmark">
-            <a:extLst>
-              <a:ext uri="{FF2B5EF4-FFF2-40B4-BE49-F238E27FC236}">
-                <a16:creationId xmlns:a16="http://schemas.microsoft.com/office/drawing/2014/main" id="{C2A5A715-3E1F-1841-B4E7-4A4DB1203D7C}"/>
-              </a:ext>
-            </a:extLst>
-          </p:cNvPr>
-          <p:cNvPicPr>
-            <a:picLocks noChangeAspect="1"/>
-          </p:cNvPicPr>
-          <p:nvPr/>
-        </p:nvPicPr>
-        <p:blipFill>
-          <a:blip r:embed="rId3">
-            <a:extLst>
-              <a:ext uri="{96DAC541-7B7A-43D3-8B79-37D633B846F1}">
-                <asvg:svgBlip xmlns:asvg="http://schemas.microsoft.com/office/drawing/2016/SVG/main" r:embed="rId4"/>
-              </a:ext>
-            </a:extLst>
-          </a:blip>
-          <a:stretch>
-            <a:fillRect/>
-          </a:stretch>
-        </p:blipFill>
-        <p:spPr>
-          <a:xfrm>
-            <a:off x="5636228" y="4453100"/>
-            <a:ext cx="174433" cy="174433"/>
-          </a:xfrm>
-          <a:prstGeom prst="rect">
-            <a:avLst/>
-          </a:prstGeom>
-        </p:spPr>
-      </p:pic>
-      <p:pic>
-        <p:nvPicPr>
-          <p:cNvPr id="41" name="Graphic 40" descr="Checkmark">
-            <a:extLst>
-              <a:ext uri="{FF2B5EF4-FFF2-40B4-BE49-F238E27FC236}">
-                <a16:creationId xmlns:a16="http://schemas.microsoft.com/office/drawing/2014/main" id="{0282D90A-763F-784A-BB32-CEB0E58DA5C1}"/>
-              </a:ext>
-            </a:extLst>
-          </p:cNvPr>
-          <p:cNvPicPr>
-            <a:picLocks noChangeAspect="1"/>
-          </p:cNvPicPr>
-          <p:nvPr/>
-        </p:nvPicPr>
-        <p:blipFill>
-          <a:blip r:embed="rId3">
-            <a:extLst>
-              <a:ext uri="{96DAC541-7B7A-43D3-8B79-37D633B846F1}">
-                <asvg:svgBlip xmlns:asvg="http://schemas.microsoft.com/office/drawing/2016/SVG/main" r:embed="rId4"/>
-              </a:ext>
-            </a:extLst>
-          </a:blip>
-          <a:stretch>
-            <a:fillRect/>
-          </a:stretch>
-        </p:blipFill>
-        <p:spPr>
-          <a:xfrm>
-            <a:off x="5636228" y="4709489"/>
-            <a:ext cx="174433" cy="174433"/>
-          </a:xfrm>
-          <a:prstGeom prst="rect">
-            <a:avLst/>
-          </a:prstGeom>
-        </p:spPr>
-      </p:pic>
-      <p:pic>
-        <p:nvPicPr>
-          <p:cNvPr id="43" name="Graphic 42" descr="Pause">
-            <a:extLst>
-              <a:ext uri="{FF2B5EF4-FFF2-40B4-BE49-F238E27FC236}">
-                <a16:creationId xmlns:a16="http://schemas.microsoft.com/office/drawing/2014/main" id="{D6976150-A576-C24D-9C11-5D7E4EE3E2F1}"/>
-              </a:ext>
-            </a:extLst>
-          </p:cNvPr>
-          <p:cNvPicPr>
-            <a:picLocks noChangeAspect="1"/>
-          </p:cNvPicPr>
-          <p:nvPr/>
-        </p:nvPicPr>
-        <p:blipFill>
-          <a:blip r:embed="rId7">
-            <a:extLst>
-              <a:ext uri="{96DAC541-7B7A-43D3-8B79-37D633B846F1}">
-                <asvg:svgBlip xmlns:asvg="http://schemas.microsoft.com/office/drawing/2016/SVG/main" r:embed="rId8"/>
-              </a:ext>
-            </a:extLst>
-          </a:blip>
-          <a:stretch>
-            <a:fillRect/>
-          </a:stretch>
-        </p:blipFill>
-        <p:spPr>
-          <a:xfrm>
-            <a:off x="5636227" y="5166443"/>
-            <a:ext cx="174433" cy="174433"/>
-          </a:xfrm>
-          <a:prstGeom prst="rect">
-            <a:avLst/>
-          </a:prstGeom>
-        </p:spPr>
-      </p:pic>
-      <p:pic>
-        <p:nvPicPr>
-          <p:cNvPr id="44" name="Graphic 43" descr="Checkmark">
-            <a:extLst>
-              <a:ext uri="{FF2B5EF4-FFF2-40B4-BE49-F238E27FC236}">
-                <a16:creationId xmlns:a16="http://schemas.microsoft.com/office/drawing/2014/main" id="{BE3A192D-7F66-A843-9CFE-7DD6BF0BEB76}"/>
-              </a:ext>
-            </a:extLst>
-          </p:cNvPr>
-          <p:cNvPicPr>
-            <a:picLocks noChangeAspect="1"/>
-          </p:cNvPicPr>
-          <p:nvPr/>
-        </p:nvPicPr>
-        <p:blipFill>
-          <a:blip r:embed="rId3">
-            <a:extLst>
-              <a:ext uri="{96DAC541-7B7A-43D3-8B79-37D633B846F1}">
-                <asvg:svgBlip xmlns:asvg="http://schemas.microsoft.com/office/drawing/2016/SVG/main" r:embed="rId4"/>
-              </a:ext>
-            </a:extLst>
-          </a:blip>
-          <a:stretch>
-            <a:fillRect/>
-          </a:stretch>
-        </p:blipFill>
-        <p:spPr>
-          <a:xfrm>
-            <a:off x="5636227" y="5653752"/>
-            <a:ext cx="174433" cy="174433"/>
-          </a:xfrm>
-          <a:prstGeom prst="rect">
-            <a:avLst/>
-          </a:prstGeom>
-        </p:spPr>
-      </p:pic>
-      <p:pic>
-        <p:nvPicPr>
-          <p:cNvPr id="45" name="Graphic 44" descr="Checkmark">
-            <a:extLst>
-              <a:ext uri="{FF2B5EF4-FFF2-40B4-BE49-F238E27FC236}">
-                <a16:creationId xmlns:a16="http://schemas.microsoft.com/office/drawing/2014/main" id="{804FE3D2-E1EB-A24E-8E3A-58750228CEC9}"/>
-              </a:ext>
-            </a:extLst>
-          </p:cNvPr>
-          <p:cNvPicPr>
-            <a:picLocks noChangeAspect="1"/>
-          </p:cNvPicPr>
-          <p:nvPr/>
-        </p:nvPicPr>
-        <p:blipFill>
-          <a:blip r:embed="rId3">
-            <a:extLst>
-              <a:ext uri="{96DAC541-7B7A-43D3-8B79-37D633B846F1}">
-                <asvg:svgBlip xmlns:asvg="http://schemas.microsoft.com/office/drawing/2016/SVG/main" r:embed="rId4"/>
-              </a:ext>
-            </a:extLst>
-          </a:blip>
-          <a:stretch>
-            <a:fillRect/>
-          </a:stretch>
-        </p:blipFill>
-        <p:spPr>
-          <a:xfrm>
-            <a:off x="5636226" y="5925262"/>
-            <a:ext cx="174433" cy="174433"/>
-          </a:xfrm>
-          <a:prstGeom prst="rect">
-            <a:avLst/>
-          </a:prstGeom>
-        </p:spPr>
-      </p:pic>
-      <p:pic>
-        <p:nvPicPr>
-          <p:cNvPr id="46" name="Graphic 45" descr="Checkmark">
-            <a:extLst>
-              <a:ext uri="{FF2B5EF4-FFF2-40B4-BE49-F238E27FC236}">
-                <a16:creationId xmlns:a16="http://schemas.microsoft.com/office/drawing/2014/main" id="{6A6EFD3B-5DCA-154C-95A9-429E32CDEA2E}"/>
-              </a:ext>
-            </a:extLst>
-          </p:cNvPr>
-          <p:cNvPicPr>
-            <a:picLocks noChangeAspect="1"/>
-          </p:cNvPicPr>
-          <p:nvPr/>
-        </p:nvPicPr>
-        <p:blipFill>
-          <a:blip r:embed="rId3">
-            <a:extLst>
-              <a:ext uri="{96DAC541-7B7A-43D3-8B79-37D633B846F1}">
-                <asvg:svgBlip xmlns:asvg="http://schemas.microsoft.com/office/drawing/2016/SVG/main" r:embed="rId4"/>
-              </a:ext>
-            </a:extLst>
-          </a:blip>
-          <a:stretch>
-            <a:fillRect/>
-          </a:stretch>
-        </p:blipFill>
-        <p:spPr>
-          <a:xfrm>
-            <a:off x="692353" y="2511679"/>
-            <a:ext cx="174433" cy="174433"/>
-          </a:xfrm>
-          <a:prstGeom prst="rect">
-            <a:avLst/>
-          </a:prstGeom>
-        </p:spPr>
-      </p:pic>
-      <p:pic>
-        <p:nvPicPr>
-          <p:cNvPr id="47" name="Graphic 46" descr="Close">
-            <a:extLst>
-              <a:ext uri="{FF2B5EF4-FFF2-40B4-BE49-F238E27FC236}">
-                <a16:creationId xmlns:a16="http://schemas.microsoft.com/office/drawing/2014/main" id="{8EDD14CD-936A-1344-9E6B-231E108412C2}"/>
+            <a:off x="648733" y="3980153"/>
+            <a:ext cx="174433" cy="174433"/>
+          </a:xfrm>
+          <a:prstGeom prst="rect">
+            <a:avLst/>
+          </a:prstGeom>
+        </p:spPr>
+      </p:pic>
+      <p:pic>
+        <p:nvPicPr>
+          <p:cNvPr id="49" name="Graphic 48" descr="Close">
+            <a:extLst>
+              <a:ext uri="{FF2B5EF4-FFF2-40B4-BE49-F238E27FC236}">
+                <a16:creationId xmlns:a16="http://schemas.microsoft.com/office/drawing/2014/main" id="{C1410722-43DA-6644-B74C-1EBC3CD364A8}"/>
               </a:ext>
             </a:extLst>
           </p:cNvPr>
@@ -7829,20 +7870,20 @@
         </p:blipFill>
         <p:spPr>
           <a:xfrm>
-            <a:off x="648734" y="3718632"/>
-            <a:ext cx="174433" cy="174433"/>
-          </a:xfrm>
-          <a:prstGeom prst="rect">
-            <a:avLst/>
-          </a:prstGeom>
-        </p:spPr>
-      </p:pic>
-      <p:pic>
-        <p:nvPicPr>
-          <p:cNvPr id="48" name="Graphic 47" descr="Close">
-            <a:extLst>
-              <a:ext uri="{FF2B5EF4-FFF2-40B4-BE49-F238E27FC236}">
-                <a16:creationId xmlns:a16="http://schemas.microsoft.com/office/drawing/2014/main" id="{A1CDFDF7-7812-4F44-84BB-293661EAE6ED}"/>
+            <a:off x="5636226" y="4955920"/>
+            <a:ext cx="174433" cy="174433"/>
+          </a:xfrm>
+          <a:prstGeom prst="rect">
+            <a:avLst/>
+          </a:prstGeom>
+        </p:spPr>
+      </p:pic>
+      <p:pic>
+        <p:nvPicPr>
+          <p:cNvPr id="42" name="Graphic 16" descr="Close">
+            <a:extLst>
+              <a:ext uri="{FF2B5EF4-FFF2-40B4-BE49-F238E27FC236}">
+                <a16:creationId xmlns:a16="http://schemas.microsoft.com/office/drawing/2014/main" id="{E889A588-070E-409B-AAD4-2C9B981681E3}"/>
               </a:ext>
             </a:extLst>
           </p:cNvPr>
@@ -7865,43 +7906,7 @@
         </p:blipFill>
         <p:spPr>
           <a:xfrm>
-            <a:off x="648733" y="3980153"/>
-            <a:ext cx="174433" cy="174433"/>
-          </a:xfrm>
-          <a:prstGeom prst="rect">
-            <a:avLst/>
-          </a:prstGeom>
-        </p:spPr>
-      </p:pic>
-      <p:pic>
-        <p:nvPicPr>
-          <p:cNvPr id="49" name="Graphic 48" descr="Close">
-            <a:extLst>
-              <a:ext uri="{FF2B5EF4-FFF2-40B4-BE49-F238E27FC236}">
-                <a16:creationId xmlns:a16="http://schemas.microsoft.com/office/drawing/2014/main" id="{C1410722-43DA-6644-B74C-1EBC3CD364A8}"/>
-              </a:ext>
-            </a:extLst>
-          </p:cNvPr>
-          <p:cNvPicPr>
-            <a:picLocks noChangeAspect="1"/>
-          </p:cNvPicPr>
-          <p:nvPr/>
-        </p:nvPicPr>
-        <p:blipFill>
-          <a:blip r:embed="rId5">
-            <a:extLst>
-              <a:ext uri="{96DAC541-7B7A-43D3-8B79-37D633B846F1}">
-                <asvg:svgBlip xmlns:asvg="http://schemas.microsoft.com/office/drawing/2016/SVG/main" r:embed="rId6"/>
-              </a:ext>
-            </a:extLst>
-          </a:blip>
-          <a:stretch>
-            <a:fillRect/>
-          </a:stretch>
-        </p:blipFill>
-        <p:spPr>
-          <a:xfrm>
-            <a:off x="5636226" y="4955920"/>
+            <a:off x="667980" y="3008288"/>
             <a:ext cx="174433" cy="174433"/>
           </a:xfrm>
           <a:prstGeom prst="rect">
@@ -8446,6 +8451,1266 @@
           </a:xfrm>
         </p:spPr>
       </p:pic>
+      <p:pic>
+        <p:nvPicPr>
+          <p:cNvPr id="7" name="Graphic 10" descr="Checkmark">
+            <a:extLst>
+              <a:ext uri="{FF2B5EF4-FFF2-40B4-BE49-F238E27FC236}">
+                <a16:creationId xmlns:a16="http://schemas.microsoft.com/office/drawing/2014/main" id="{3B2BEE50-085C-4E81-A78B-BF7FD02BE52E}"/>
+              </a:ext>
+            </a:extLst>
+          </p:cNvPr>
+          <p:cNvPicPr>
+            <a:picLocks noChangeAspect="1"/>
+          </p:cNvPicPr>
+          <p:nvPr/>
+        </p:nvPicPr>
+        <p:blipFill>
+          <a:blip r:embed="rId3">
+            <a:extLst>
+              <a:ext uri="{96DAC541-7B7A-43D3-8B79-37D633B846F1}">
+                <asvg:svgBlip xmlns:asvg="http://schemas.microsoft.com/office/drawing/2016/SVG/main" r:embed="rId4"/>
+              </a:ext>
+            </a:extLst>
+          </a:blip>
+          <a:stretch>
+            <a:fillRect/>
+          </a:stretch>
+        </p:blipFill>
+        <p:spPr>
+          <a:xfrm>
+            <a:off x="663767" y="1773522"/>
+            <a:ext cx="174433" cy="174433"/>
+          </a:xfrm>
+          <a:prstGeom prst="rect">
+            <a:avLst/>
+          </a:prstGeom>
+        </p:spPr>
+      </p:pic>
+      <p:pic>
+        <p:nvPicPr>
+          <p:cNvPr id="11" name="Graphic 10" descr="Checkmark">
+            <a:extLst>
+              <a:ext uri="{FF2B5EF4-FFF2-40B4-BE49-F238E27FC236}">
+                <a16:creationId xmlns:a16="http://schemas.microsoft.com/office/drawing/2014/main" id="{D0E55437-ABD1-4AB7-BD3E-EECA81E91E95}"/>
+              </a:ext>
+            </a:extLst>
+          </p:cNvPr>
+          <p:cNvPicPr>
+            <a:picLocks noChangeAspect="1"/>
+          </p:cNvPicPr>
+          <p:nvPr/>
+        </p:nvPicPr>
+        <p:blipFill>
+          <a:blip r:embed="rId3">
+            <a:extLst>
+              <a:ext uri="{96DAC541-7B7A-43D3-8B79-37D633B846F1}">
+                <asvg:svgBlip xmlns:asvg="http://schemas.microsoft.com/office/drawing/2016/SVG/main" r:embed="rId4"/>
+              </a:ext>
+            </a:extLst>
+          </a:blip>
+          <a:stretch>
+            <a:fillRect/>
+          </a:stretch>
+        </p:blipFill>
+        <p:spPr>
+          <a:xfrm>
+            <a:off x="663766" y="2013138"/>
+            <a:ext cx="174433" cy="174433"/>
+          </a:xfrm>
+          <a:prstGeom prst="rect">
+            <a:avLst/>
+          </a:prstGeom>
+        </p:spPr>
+      </p:pic>
+      <p:pic>
+        <p:nvPicPr>
+          <p:cNvPr id="12" name="Graphic 10" descr="Checkmark">
+            <a:extLst>
+              <a:ext uri="{FF2B5EF4-FFF2-40B4-BE49-F238E27FC236}">
+                <a16:creationId xmlns:a16="http://schemas.microsoft.com/office/drawing/2014/main" id="{5246A457-A610-479A-8D6B-D63C37B89DB7}"/>
+              </a:ext>
+            </a:extLst>
+          </p:cNvPr>
+          <p:cNvPicPr>
+            <a:picLocks noChangeAspect="1"/>
+          </p:cNvPicPr>
+          <p:nvPr/>
+        </p:nvPicPr>
+        <p:blipFill>
+          <a:blip r:embed="rId3">
+            <a:extLst>
+              <a:ext uri="{96DAC541-7B7A-43D3-8B79-37D633B846F1}">
+                <asvg:svgBlip xmlns:asvg="http://schemas.microsoft.com/office/drawing/2016/SVG/main" r:embed="rId4"/>
+              </a:ext>
+            </a:extLst>
+          </a:blip>
+          <a:stretch>
+            <a:fillRect/>
+          </a:stretch>
+        </p:blipFill>
+        <p:spPr>
+          <a:xfrm>
+            <a:off x="663767" y="2508438"/>
+            <a:ext cx="174433" cy="174433"/>
+          </a:xfrm>
+          <a:prstGeom prst="rect">
+            <a:avLst/>
+          </a:prstGeom>
+        </p:spPr>
+      </p:pic>
+      <p:pic>
+        <p:nvPicPr>
+          <p:cNvPr id="13" name="Graphic 10" descr="Checkmark">
+            <a:extLst>
+              <a:ext uri="{FF2B5EF4-FFF2-40B4-BE49-F238E27FC236}">
+                <a16:creationId xmlns:a16="http://schemas.microsoft.com/office/drawing/2014/main" id="{47DEDB4C-E95E-4473-8C4F-F18A06CFE6B7}"/>
+              </a:ext>
+            </a:extLst>
+          </p:cNvPr>
+          <p:cNvPicPr>
+            <a:picLocks noChangeAspect="1"/>
+          </p:cNvPicPr>
+          <p:nvPr/>
+        </p:nvPicPr>
+        <p:blipFill>
+          <a:blip r:embed="rId3">
+            <a:extLst>
+              <a:ext uri="{96DAC541-7B7A-43D3-8B79-37D633B846F1}">
+                <asvg:svgBlip xmlns:asvg="http://schemas.microsoft.com/office/drawing/2016/SVG/main" r:embed="rId4"/>
+              </a:ext>
+            </a:extLst>
+          </a:blip>
+          <a:stretch>
+            <a:fillRect/>
+          </a:stretch>
+        </p:blipFill>
+        <p:spPr>
+          <a:xfrm>
+            <a:off x="663767" y="2268822"/>
+            <a:ext cx="174433" cy="174433"/>
+          </a:xfrm>
+          <a:prstGeom prst="rect">
+            <a:avLst/>
+          </a:prstGeom>
+        </p:spPr>
+      </p:pic>
+      <p:pic>
+        <p:nvPicPr>
+          <p:cNvPr id="14" name="Graphic 10" descr="Checkmark">
+            <a:extLst>
+              <a:ext uri="{FF2B5EF4-FFF2-40B4-BE49-F238E27FC236}">
+                <a16:creationId xmlns:a16="http://schemas.microsoft.com/office/drawing/2014/main" id="{0F2EE58F-66B6-45BD-9A0B-C6FCE3B33885}"/>
+              </a:ext>
+            </a:extLst>
+          </p:cNvPr>
+          <p:cNvPicPr>
+            <a:picLocks noChangeAspect="1"/>
+          </p:cNvPicPr>
+          <p:nvPr/>
+        </p:nvPicPr>
+        <p:blipFill>
+          <a:blip r:embed="rId3">
+            <a:extLst>
+              <a:ext uri="{96DAC541-7B7A-43D3-8B79-37D633B846F1}">
+                <asvg:svgBlip xmlns:asvg="http://schemas.microsoft.com/office/drawing/2016/SVG/main" r:embed="rId4"/>
+              </a:ext>
+            </a:extLst>
+          </a:blip>
+          <a:stretch>
+            <a:fillRect/>
+          </a:stretch>
+        </p:blipFill>
+        <p:spPr>
+          <a:xfrm>
+            <a:off x="663767" y="2748054"/>
+            <a:ext cx="174433" cy="174433"/>
+          </a:xfrm>
+          <a:prstGeom prst="rect">
+            <a:avLst/>
+          </a:prstGeom>
+        </p:spPr>
+      </p:pic>
+      <p:pic>
+        <p:nvPicPr>
+          <p:cNvPr id="15" name="Graphic 16" descr="Close">
+            <a:extLst>
+              <a:ext uri="{FF2B5EF4-FFF2-40B4-BE49-F238E27FC236}">
+                <a16:creationId xmlns:a16="http://schemas.microsoft.com/office/drawing/2014/main" id="{C3858199-0E32-4AF2-88F9-B3F702EF34B7}"/>
+              </a:ext>
+            </a:extLst>
+          </p:cNvPr>
+          <p:cNvPicPr>
+            <a:picLocks noChangeAspect="1"/>
+          </p:cNvPicPr>
+          <p:nvPr/>
+        </p:nvPicPr>
+        <p:blipFill>
+          <a:blip r:embed="rId5">
+            <a:extLst>
+              <a:ext uri="{96DAC541-7B7A-43D3-8B79-37D633B846F1}">
+                <asvg:svgBlip xmlns:asvg="http://schemas.microsoft.com/office/drawing/2016/SVG/main" r:embed="rId6"/>
+              </a:ext>
+            </a:extLst>
+          </a:blip>
+          <a:stretch>
+            <a:fillRect/>
+          </a:stretch>
+        </p:blipFill>
+        <p:spPr>
+          <a:xfrm>
+            <a:off x="664352" y="2987670"/>
+            <a:ext cx="174433" cy="174433"/>
+          </a:xfrm>
+          <a:prstGeom prst="rect">
+            <a:avLst/>
+          </a:prstGeom>
+        </p:spPr>
+      </p:pic>
+      <p:pic>
+        <p:nvPicPr>
+          <p:cNvPr id="16" name="Graphic 16" descr="Close">
+            <a:extLst>
+              <a:ext uri="{FF2B5EF4-FFF2-40B4-BE49-F238E27FC236}">
+                <a16:creationId xmlns:a16="http://schemas.microsoft.com/office/drawing/2014/main" id="{11202DFC-396B-4B77-9BD7-3721A670F848}"/>
+              </a:ext>
+            </a:extLst>
+          </p:cNvPr>
+          <p:cNvPicPr>
+            <a:picLocks noChangeAspect="1"/>
+          </p:cNvPicPr>
+          <p:nvPr/>
+        </p:nvPicPr>
+        <p:blipFill>
+          <a:blip r:embed="rId5">
+            <a:extLst>
+              <a:ext uri="{96DAC541-7B7A-43D3-8B79-37D633B846F1}">
+                <asvg:svgBlip xmlns:asvg="http://schemas.microsoft.com/office/drawing/2016/SVG/main" r:embed="rId6"/>
+              </a:ext>
+            </a:extLst>
+          </a:blip>
+          <a:stretch>
+            <a:fillRect/>
+          </a:stretch>
+        </p:blipFill>
+        <p:spPr>
+          <a:xfrm>
+            <a:off x="664352" y="3227286"/>
+            <a:ext cx="174433" cy="174433"/>
+          </a:xfrm>
+          <a:prstGeom prst="rect">
+            <a:avLst/>
+          </a:prstGeom>
+        </p:spPr>
+      </p:pic>
+      <p:pic>
+        <p:nvPicPr>
+          <p:cNvPr id="17" name="Graphic 10" descr="Checkmark">
+            <a:extLst>
+              <a:ext uri="{FF2B5EF4-FFF2-40B4-BE49-F238E27FC236}">
+                <a16:creationId xmlns:a16="http://schemas.microsoft.com/office/drawing/2014/main" id="{5BBBFBEC-60D9-42F5-A5A3-A364E633D464}"/>
+              </a:ext>
+            </a:extLst>
+          </p:cNvPr>
+          <p:cNvPicPr>
+            <a:picLocks noChangeAspect="1"/>
+          </p:cNvPicPr>
+          <p:nvPr/>
+        </p:nvPicPr>
+        <p:blipFill>
+          <a:blip r:embed="rId3">
+            <a:extLst>
+              <a:ext uri="{96DAC541-7B7A-43D3-8B79-37D633B846F1}">
+                <asvg:svgBlip xmlns:asvg="http://schemas.microsoft.com/office/drawing/2016/SVG/main" r:embed="rId4"/>
+              </a:ext>
+            </a:extLst>
+          </a:blip>
+          <a:stretch>
+            <a:fillRect/>
+          </a:stretch>
+        </p:blipFill>
+        <p:spPr>
+          <a:xfrm>
+            <a:off x="663767" y="3473247"/>
+            <a:ext cx="174433" cy="174433"/>
+          </a:xfrm>
+          <a:prstGeom prst="rect">
+            <a:avLst/>
+          </a:prstGeom>
+        </p:spPr>
+      </p:pic>
+      <p:pic>
+        <p:nvPicPr>
+          <p:cNvPr id="18" name="Graphic 16" descr="Close">
+            <a:extLst>
+              <a:ext uri="{FF2B5EF4-FFF2-40B4-BE49-F238E27FC236}">
+                <a16:creationId xmlns:a16="http://schemas.microsoft.com/office/drawing/2014/main" id="{239E629E-424C-4F18-9701-B30AD2797AE4}"/>
+              </a:ext>
+            </a:extLst>
+          </p:cNvPr>
+          <p:cNvPicPr>
+            <a:picLocks noChangeAspect="1"/>
+          </p:cNvPicPr>
+          <p:nvPr/>
+        </p:nvPicPr>
+        <p:blipFill>
+          <a:blip r:embed="rId5">
+            <a:extLst>
+              <a:ext uri="{96DAC541-7B7A-43D3-8B79-37D633B846F1}">
+                <asvg:svgBlip xmlns:asvg="http://schemas.microsoft.com/office/drawing/2016/SVG/main" r:embed="rId6"/>
+              </a:ext>
+            </a:extLst>
+          </a:blip>
+          <a:stretch>
+            <a:fillRect/>
+          </a:stretch>
+        </p:blipFill>
+        <p:spPr>
+          <a:xfrm>
+            <a:off x="664352" y="3719208"/>
+            <a:ext cx="174433" cy="174433"/>
+          </a:xfrm>
+          <a:prstGeom prst="rect">
+            <a:avLst/>
+          </a:prstGeom>
+        </p:spPr>
+      </p:pic>
+      <p:pic>
+        <p:nvPicPr>
+          <p:cNvPr id="19" name="Graphic 10" descr="Checkmark">
+            <a:extLst>
+              <a:ext uri="{FF2B5EF4-FFF2-40B4-BE49-F238E27FC236}">
+                <a16:creationId xmlns:a16="http://schemas.microsoft.com/office/drawing/2014/main" id="{27273629-54C2-4AD1-86B8-FA7C525A5F0F}"/>
+              </a:ext>
+            </a:extLst>
+          </p:cNvPr>
+          <p:cNvPicPr>
+            <a:picLocks noChangeAspect="1"/>
+          </p:cNvPicPr>
+          <p:nvPr/>
+        </p:nvPicPr>
+        <p:blipFill>
+          <a:blip r:embed="rId3">
+            <a:extLst>
+              <a:ext uri="{96DAC541-7B7A-43D3-8B79-37D633B846F1}">
+                <asvg:svgBlip xmlns:asvg="http://schemas.microsoft.com/office/drawing/2016/SVG/main" r:embed="rId4"/>
+              </a:ext>
+            </a:extLst>
+          </a:blip>
+          <a:stretch>
+            <a:fillRect/>
+          </a:stretch>
+        </p:blipFill>
+        <p:spPr>
+          <a:xfrm>
+            <a:off x="664352" y="3962202"/>
+            <a:ext cx="174433" cy="174433"/>
+          </a:xfrm>
+          <a:prstGeom prst="rect">
+            <a:avLst/>
+          </a:prstGeom>
+        </p:spPr>
+      </p:pic>
+      <p:pic>
+        <p:nvPicPr>
+          <p:cNvPr id="20" name="Graphic 10" descr="Checkmark">
+            <a:extLst>
+              <a:ext uri="{FF2B5EF4-FFF2-40B4-BE49-F238E27FC236}">
+                <a16:creationId xmlns:a16="http://schemas.microsoft.com/office/drawing/2014/main" id="{92E4F5F9-DEE7-4140-9A47-952F33464E52}"/>
+              </a:ext>
+            </a:extLst>
+          </p:cNvPr>
+          <p:cNvPicPr>
+            <a:picLocks noChangeAspect="1"/>
+          </p:cNvPicPr>
+          <p:nvPr/>
+        </p:nvPicPr>
+        <p:blipFill>
+          <a:blip r:embed="rId3">
+            <a:extLst>
+              <a:ext uri="{96DAC541-7B7A-43D3-8B79-37D633B846F1}">
+                <asvg:svgBlip xmlns:asvg="http://schemas.microsoft.com/office/drawing/2016/SVG/main" r:embed="rId4"/>
+              </a:ext>
+            </a:extLst>
+          </a:blip>
+          <a:stretch>
+            <a:fillRect/>
+          </a:stretch>
+        </p:blipFill>
+        <p:spPr>
+          <a:xfrm>
+            <a:off x="663765" y="4198851"/>
+            <a:ext cx="174433" cy="174433"/>
+          </a:xfrm>
+          <a:prstGeom prst="rect">
+            <a:avLst/>
+          </a:prstGeom>
+        </p:spPr>
+      </p:pic>
+      <p:pic>
+        <p:nvPicPr>
+          <p:cNvPr id="21" name="Graphic 10" descr="Checkmark">
+            <a:extLst>
+              <a:ext uri="{FF2B5EF4-FFF2-40B4-BE49-F238E27FC236}">
+                <a16:creationId xmlns:a16="http://schemas.microsoft.com/office/drawing/2014/main" id="{9B4B2305-5148-46A1-AA77-58A6980CEF98}"/>
+              </a:ext>
+            </a:extLst>
+          </p:cNvPr>
+          <p:cNvPicPr>
+            <a:picLocks noChangeAspect="1"/>
+          </p:cNvPicPr>
+          <p:nvPr/>
+        </p:nvPicPr>
+        <p:blipFill>
+          <a:blip r:embed="rId3">
+            <a:extLst>
+              <a:ext uri="{96DAC541-7B7A-43D3-8B79-37D633B846F1}">
+                <asvg:svgBlip xmlns:asvg="http://schemas.microsoft.com/office/drawing/2016/SVG/main" r:embed="rId4"/>
+              </a:ext>
+            </a:extLst>
+          </a:blip>
+          <a:stretch>
+            <a:fillRect/>
+          </a:stretch>
+        </p:blipFill>
+        <p:spPr>
+          <a:xfrm>
+            <a:off x="663764" y="4446424"/>
+            <a:ext cx="174433" cy="174433"/>
+          </a:xfrm>
+          <a:prstGeom prst="rect">
+            <a:avLst/>
+          </a:prstGeom>
+        </p:spPr>
+      </p:pic>
+      <p:pic>
+        <p:nvPicPr>
+          <p:cNvPr id="22" name="Graphic 10" descr="Checkmark">
+            <a:extLst>
+              <a:ext uri="{FF2B5EF4-FFF2-40B4-BE49-F238E27FC236}">
+                <a16:creationId xmlns:a16="http://schemas.microsoft.com/office/drawing/2014/main" id="{C75EF85F-9F71-4810-834A-003176C25356}"/>
+              </a:ext>
+            </a:extLst>
+          </p:cNvPr>
+          <p:cNvPicPr>
+            <a:picLocks noChangeAspect="1"/>
+          </p:cNvPicPr>
+          <p:nvPr/>
+        </p:nvPicPr>
+        <p:blipFill>
+          <a:blip r:embed="rId3">
+            <a:extLst>
+              <a:ext uri="{96DAC541-7B7A-43D3-8B79-37D633B846F1}">
+                <asvg:svgBlip xmlns:asvg="http://schemas.microsoft.com/office/drawing/2016/SVG/main" r:embed="rId4"/>
+              </a:ext>
+            </a:extLst>
+          </a:blip>
+          <a:stretch>
+            <a:fillRect/>
+          </a:stretch>
+        </p:blipFill>
+        <p:spPr>
+          <a:xfrm>
+            <a:off x="664352" y="4681263"/>
+            <a:ext cx="174433" cy="174433"/>
+          </a:xfrm>
+          <a:prstGeom prst="rect">
+            <a:avLst/>
+          </a:prstGeom>
+        </p:spPr>
+      </p:pic>
+      <p:pic>
+        <p:nvPicPr>
+          <p:cNvPr id="23" name="Graphic 16" descr="Close">
+            <a:extLst>
+              <a:ext uri="{FF2B5EF4-FFF2-40B4-BE49-F238E27FC236}">
+                <a16:creationId xmlns:a16="http://schemas.microsoft.com/office/drawing/2014/main" id="{90BA7015-990F-4CBC-A01E-A4932079BB4A}"/>
+              </a:ext>
+            </a:extLst>
+          </p:cNvPr>
+          <p:cNvPicPr>
+            <a:picLocks noChangeAspect="1"/>
+          </p:cNvPicPr>
+          <p:nvPr/>
+        </p:nvPicPr>
+        <p:blipFill>
+          <a:blip r:embed="rId5">
+            <a:extLst>
+              <a:ext uri="{96DAC541-7B7A-43D3-8B79-37D633B846F1}">
+                <asvg:svgBlip xmlns:asvg="http://schemas.microsoft.com/office/drawing/2016/SVG/main" r:embed="rId6"/>
+              </a:ext>
+            </a:extLst>
+          </a:blip>
+          <a:stretch>
+            <a:fillRect/>
+          </a:stretch>
+        </p:blipFill>
+        <p:spPr>
+          <a:xfrm>
+            <a:off x="664352" y="4924455"/>
+            <a:ext cx="174433" cy="174433"/>
+          </a:xfrm>
+          <a:prstGeom prst="rect">
+            <a:avLst/>
+          </a:prstGeom>
+        </p:spPr>
+      </p:pic>
+      <p:pic>
+        <p:nvPicPr>
+          <p:cNvPr id="24" name="Graphic 10" descr="Checkmark">
+            <a:extLst>
+              <a:ext uri="{FF2B5EF4-FFF2-40B4-BE49-F238E27FC236}">
+                <a16:creationId xmlns:a16="http://schemas.microsoft.com/office/drawing/2014/main" id="{BEC93959-D7EA-4AF3-A223-C6B569A76B77}"/>
+              </a:ext>
+            </a:extLst>
+          </p:cNvPr>
+          <p:cNvPicPr>
+            <a:picLocks noChangeAspect="1"/>
+          </p:cNvPicPr>
+          <p:nvPr/>
+        </p:nvPicPr>
+        <p:blipFill>
+          <a:blip r:embed="rId3">
+            <a:extLst>
+              <a:ext uri="{96DAC541-7B7A-43D3-8B79-37D633B846F1}">
+                <asvg:svgBlip xmlns:asvg="http://schemas.microsoft.com/office/drawing/2016/SVG/main" r:embed="rId4"/>
+              </a:ext>
+            </a:extLst>
+          </a:blip>
+          <a:stretch>
+            <a:fillRect/>
+          </a:stretch>
+        </p:blipFill>
+        <p:spPr>
+          <a:xfrm>
+            <a:off x="664352" y="5412845"/>
+            <a:ext cx="174433" cy="174433"/>
+          </a:xfrm>
+          <a:prstGeom prst="rect">
+            <a:avLst/>
+          </a:prstGeom>
+        </p:spPr>
+      </p:pic>
+      <p:pic>
+        <p:nvPicPr>
+          <p:cNvPr id="25" name="Graphic 10" descr="Checkmark">
+            <a:extLst>
+              <a:ext uri="{FF2B5EF4-FFF2-40B4-BE49-F238E27FC236}">
+                <a16:creationId xmlns:a16="http://schemas.microsoft.com/office/drawing/2014/main" id="{7A04F83A-F884-47D0-A795-F2DF58A10721}"/>
+              </a:ext>
+            </a:extLst>
+          </p:cNvPr>
+          <p:cNvPicPr>
+            <a:picLocks noChangeAspect="1"/>
+          </p:cNvPicPr>
+          <p:nvPr/>
+        </p:nvPicPr>
+        <p:blipFill>
+          <a:blip r:embed="rId3">
+            <a:extLst>
+              <a:ext uri="{96DAC541-7B7A-43D3-8B79-37D633B846F1}">
+                <asvg:svgBlip xmlns:asvg="http://schemas.microsoft.com/office/drawing/2016/SVG/main" r:embed="rId4"/>
+              </a:ext>
+            </a:extLst>
+          </a:blip>
+          <a:stretch>
+            <a:fillRect/>
+          </a:stretch>
+        </p:blipFill>
+        <p:spPr>
+          <a:xfrm>
+            <a:off x="664352" y="5657194"/>
+            <a:ext cx="174433" cy="174433"/>
+          </a:xfrm>
+          <a:prstGeom prst="rect">
+            <a:avLst/>
+          </a:prstGeom>
+        </p:spPr>
+      </p:pic>
+      <p:pic>
+        <p:nvPicPr>
+          <p:cNvPr id="26" name="Graphic 10" descr="Checkmark">
+            <a:extLst>
+              <a:ext uri="{FF2B5EF4-FFF2-40B4-BE49-F238E27FC236}">
+                <a16:creationId xmlns:a16="http://schemas.microsoft.com/office/drawing/2014/main" id="{FE3A6B05-A7B1-4ADF-A246-FAB2D6C57869}"/>
+              </a:ext>
+            </a:extLst>
+          </p:cNvPr>
+          <p:cNvPicPr>
+            <a:picLocks noChangeAspect="1"/>
+          </p:cNvPicPr>
+          <p:nvPr/>
+        </p:nvPicPr>
+        <p:blipFill>
+          <a:blip r:embed="rId3">
+            <a:extLst>
+              <a:ext uri="{96DAC541-7B7A-43D3-8B79-37D633B846F1}">
+                <asvg:svgBlip xmlns:asvg="http://schemas.microsoft.com/office/drawing/2016/SVG/main" r:embed="rId4"/>
+              </a:ext>
+            </a:extLst>
+          </a:blip>
+          <a:stretch>
+            <a:fillRect/>
+          </a:stretch>
+        </p:blipFill>
+        <p:spPr>
+          <a:xfrm>
+            <a:off x="664352" y="5904921"/>
+            <a:ext cx="174433" cy="174433"/>
+          </a:xfrm>
+          <a:prstGeom prst="rect">
+            <a:avLst/>
+          </a:prstGeom>
+        </p:spPr>
+      </p:pic>
+      <p:pic>
+        <p:nvPicPr>
+          <p:cNvPr id="27" name="Graphic 10" descr="Checkmark">
+            <a:extLst>
+              <a:ext uri="{FF2B5EF4-FFF2-40B4-BE49-F238E27FC236}">
+                <a16:creationId xmlns:a16="http://schemas.microsoft.com/office/drawing/2014/main" id="{654FB5C5-165A-44F2-B29A-1F99B4FD1052}"/>
+              </a:ext>
+            </a:extLst>
+          </p:cNvPr>
+          <p:cNvPicPr>
+            <a:picLocks noChangeAspect="1"/>
+          </p:cNvPicPr>
+          <p:nvPr/>
+        </p:nvPicPr>
+        <p:blipFill>
+          <a:blip r:embed="rId3">
+            <a:extLst>
+              <a:ext uri="{96DAC541-7B7A-43D3-8B79-37D633B846F1}">
+                <asvg:svgBlip xmlns:asvg="http://schemas.microsoft.com/office/drawing/2016/SVG/main" r:embed="rId4"/>
+              </a:ext>
+            </a:extLst>
+          </a:blip>
+          <a:stretch>
+            <a:fillRect/>
+          </a:stretch>
+        </p:blipFill>
+        <p:spPr>
+          <a:xfrm>
+            <a:off x="663763" y="6155429"/>
+            <a:ext cx="174433" cy="174433"/>
+          </a:xfrm>
+          <a:prstGeom prst="rect">
+            <a:avLst/>
+          </a:prstGeom>
+        </p:spPr>
+      </p:pic>
+      <p:pic>
+        <p:nvPicPr>
+          <p:cNvPr id="28" name="Graphic 10" descr="Checkmark">
+            <a:extLst>
+              <a:ext uri="{FF2B5EF4-FFF2-40B4-BE49-F238E27FC236}">
+                <a16:creationId xmlns:a16="http://schemas.microsoft.com/office/drawing/2014/main" id="{CD7E4122-F233-4607-935C-A61D286BFCF1}"/>
+              </a:ext>
+            </a:extLst>
+          </p:cNvPr>
+          <p:cNvPicPr>
+            <a:picLocks noChangeAspect="1"/>
+          </p:cNvPicPr>
+          <p:nvPr/>
+        </p:nvPicPr>
+        <p:blipFill>
+          <a:blip r:embed="rId3">
+            <a:extLst>
+              <a:ext uri="{96DAC541-7B7A-43D3-8B79-37D633B846F1}">
+                <asvg:svgBlip xmlns:asvg="http://schemas.microsoft.com/office/drawing/2016/SVG/main" r:embed="rId4"/>
+              </a:ext>
+            </a:extLst>
+          </a:blip>
+          <a:stretch>
+            <a:fillRect/>
+          </a:stretch>
+        </p:blipFill>
+        <p:spPr>
+          <a:xfrm>
+            <a:off x="5624260" y="1773521"/>
+            <a:ext cx="174433" cy="174433"/>
+          </a:xfrm>
+          <a:prstGeom prst="rect">
+            <a:avLst/>
+          </a:prstGeom>
+        </p:spPr>
+      </p:pic>
+      <p:pic>
+        <p:nvPicPr>
+          <p:cNvPr id="29" name="Graphic 10" descr="Checkmark">
+            <a:extLst>
+              <a:ext uri="{FF2B5EF4-FFF2-40B4-BE49-F238E27FC236}">
+                <a16:creationId xmlns:a16="http://schemas.microsoft.com/office/drawing/2014/main" id="{CE7B1BFB-887C-431E-8B0D-C4F48C7FF6E6}"/>
+              </a:ext>
+            </a:extLst>
+          </p:cNvPr>
+          <p:cNvPicPr>
+            <a:picLocks noChangeAspect="1"/>
+          </p:cNvPicPr>
+          <p:nvPr/>
+        </p:nvPicPr>
+        <p:blipFill>
+          <a:blip r:embed="rId3">
+            <a:extLst>
+              <a:ext uri="{96DAC541-7B7A-43D3-8B79-37D633B846F1}">
+                <asvg:svgBlip xmlns:asvg="http://schemas.microsoft.com/office/drawing/2016/SVG/main" r:embed="rId4"/>
+              </a:ext>
+            </a:extLst>
+          </a:blip>
+          <a:stretch>
+            <a:fillRect/>
+          </a:stretch>
+        </p:blipFill>
+        <p:spPr>
+          <a:xfrm>
+            <a:off x="5624260" y="2012346"/>
+            <a:ext cx="174433" cy="174433"/>
+          </a:xfrm>
+          <a:prstGeom prst="rect">
+            <a:avLst/>
+          </a:prstGeom>
+        </p:spPr>
+      </p:pic>
+      <p:pic>
+        <p:nvPicPr>
+          <p:cNvPr id="30" name="Graphic 10" descr="Checkmark">
+            <a:extLst>
+              <a:ext uri="{FF2B5EF4-FFF2-40B4-BE49-F238E27FC236}">
+                <a16:creationId xmlns:a16="http://schemas.microsoft.com/office/drawing/2014/main" id="{BA137357-EFFD-4BDB-844A-44F8E16E06E5}"/>
+              </a:ext>
+            </a:extLst>
+          </p:cNvPr>
+          <p:cNvPicPr>
+            <a:picLocks noChangeAspect="1"/>
+          </p:cNvPicPr>
+          <p:nvPr/>
+        </p:nvPicPr>
+        <p:blipFill>
+          <a:blip r:embed="rId3">
+            <a:extLst>
+              <a:ext uri="{96DAC541-7B7A-43D3-8B79-37D633B846F1}">
+                <asvg:svgBlip xmlns:asvg="http://schemas.microsoft.com/office/drawing/2016/SVG/main" r:embed="rId4"/>
+              </a:ext>
+            </a:extLst>
+          </a:blip>
+          <a:stretch>
+            <a:fillRect/>
+          </a:stretch>
+        </p:blipFill>
+        <p:spPr>
+          <a:xfrm>
+            <a:off x="5624260" y="2268729"/>
+            <a:ext cx="174433" cy="174433"/>
+          </a:xfrm>
+          <a:prstGeom prst="rect">
+            <a:avLst/>
+          </a:prstGeom>
+        </p:spPr>
+      </p:pic>
+      <p:pic>
+        <p:nvPicPr>
+          <p:cNvPr id="31" name="Graphic 10" descr="Checkmark">
+            <a:extLst>
+              <a:ext uri="{FF2B5EF4-FFF2-40B4-BE49-F238E27FC236}">
+                <a16:creationId xmlns:a16="http://schemas.microsoft.com/office/drawing/2014/main" id="{EFA53681-D8A2-4D44-B08E-28EDC253CECF}"/>
+              </a:ext>
+            </a:extLst>
+          </p:cNvPr>
+          <p:cNvPicPr>
+            <a:picLocks noChangeAspect="1"/>
+          </p:cNvPicPr>
+          <p:nvPr/>
+        </p:nvPicPr>
+        <p:blipFill>
+          <a:blip r:embed="rId3">
+            <a:extLst>
+              <a:ext uri="{96DAC541-7B7A-43D3-8B79-37D633B846F1}">
+                <asvg:svgBlip xmlns:asvg="http://schemas.microsoft.com/office/drawing/2016/SVG/main" r:embed="rId4"/>
+              </a:ext>
+            </a:extLst>
+          </a:blip>
+          <a:stretch>
+            <a:fillRect/>
+          </a:stretch>
+        </p:blipFill>
+        <p:spPr>
+          <a:xfrm>
+            <a:off x="5624259" y="2525112"/>
+            <a:ext cx="174433" cy="174433"/>
+          </a:xfrm>
+          <a:prstGeom prst="rect">
+            <a:avLst/>
+          </a:prstGeom>
+        </p:spPr>
+      </p:pic>
+      <p:pic>
+        <p:nvPicPr>
+          <p:cNvPr id="32" name="Graphic 10" descr="Checkmark">
+            <a:extLst>
+              <a:ext uri="{FF2B5EF4-FFF2-40B4-BE49-F238E27FC236}">
+                <a16:creationId xmlns:a16="http://schemas.microsoft.com/office/drawing/2014/main" id="{7157FAE1-2876-46C4-99FA-225AC1D260F7}"/>
+              </a:ext>
+            </a:extLst>
+          </p:cNvPr>
+          <p:cNvPicPr>
+            <a:picLocks noChangeAspect="1"/>
+          </p:cNvPicPr>
+          <p:nvPr/>
+        </p:nvPicPr>
+        <p:blipFill>
+          <a:blip r:embed="rId3">
+            <a:extLst>
+              <a:ext uri="{96DAC541-7B7A-43D3-8B79-37D633B846F1}">
+                <asvg:svgBlip xmlns:asvg="http://schemas.microsoft.com/office/drawing/2016/SVG/main" r:embed="rId4"/>
+              </a:ext>
+            </a:extLst>
+          </a:blip>
+          <a:stretch>
+            <a:fillRect/>
+          </a:stretch>
+        </p:blipFill>
+        <p:spPr>
+          <a:xfrm>
+            <a:off x="5624258" y="2786452"/>
+            <a:ext cx="174433" cy="174433"/>
+          </a:xfrm>
+          <a:prstGeom prst="rect">
+            <a:avLst/>
+          </a:prstGeom>
+        </p:spPr>
+      </p:pic>
+      <p:pic>
+        <p:nvPicPr>
+          <p:cNvPr id="33" name="Graphic 10" descr="Checkmark">
+            <a:extLst>
+              <a:ext uri="{FF2B5EF4-FFF2-40B4-BE49-F238E27FC236}">
+                <a16:creationId xmlns:a16="http://schemas.microsoft.com/office/drawing/2014/main" id="{A9D13521-BE1C-4135-B02D-591E44220A49}"/>
+              </a:ext>
+            </a:extLst>
+          </p:cNvPr>
+          <p:cNvPicPr>
+            <a:picLocks noChangeAspect="1"/>
+          </p:cNvPicPr>
+          <p:nvPr/>
+        </p:nvPicPr>
+        <p:blipFill>
+          <a:blip r:embed="rId3">
+            <a:extLst>
+              <a:ext uri="{96DAC541-7B7A-43D3-8B79-37D633B846F1}">
+                <asvg:svgBlip xmlns:asvg="http://schemas.microsoft.com/office/drawing/2016/SVG/main" r:embed="rId4"/>
+              </a:ext>
+            </a:extLst>
+          </a:blip>
+          <a:stretch>
+            <a:fillRect/>
+          </a:stretch>
+        </p:blipFill>
+        <p:spPr>
+          <a:xfrm>
+            <a:off x="5624260" y="3037878"/>
+            <a:ext cx="174433" cy="174433"/>
+          </a:xfrm>
+          <a:prstGeom prst="rect">
+            <a:avLst/>
+          </a:prstGeom>
+        </p:spPr>
+      </p:pic>
+      <p:pic>
+        <p:nvPicPr>
+          <p:cNvPr id="34" name="Graphic 10" descr="Checkmark">
+            <a:extLst>
+              <a:ext uri="{FF2B5EF4-FFF2-40B4-BE49-F238E27FC236}">
+                <a16:creationId xmlns:a16="http://schemas.microsoft.com/office/drawing/2014/main" id="{00E32F9C-056F-4A7E-A54F-D2F899958B40}"/>
+              </a:ext>
+            </a:extLst>
+          </p:cNvPr>
+          <p:cNvPicPr>
+            <a:picLocks noChangeAspect="1"/>
+          </p:cNvPicPr>
+          <p:nvPr/>
+        </p:nvPicPr>
+        <p:blipFill>
+          <a:blip r:embed="rId3">
+            <a:extLst>
+              <a:ext uri="{96DAC541-7B7A-43D3-8B79-37D633B846F1}">
+                <asvg:svgBlip xmlns:asvg="http://schemas.microsoft.com/office/drawing/2016/SVG/main" r:embed="rId4"/>
+              </a:ext>
+            </a:extLst>
+          </a:blip>
+          <a:stretch>
+            <a:fillRect/>
+          </a:stretch>
+        </p:blipFill>
+        <p:spPr>
+          <a:xfrm>
+            <a:off x="5624260" y="3254567"/>
+            <a:ext cx="174433" cy="174433"/>
+          </a:xfrm>
+          <a:prstGeom prst="rect">
+            <a:avLst/>
+          </a:prstGeom>
+        </p:spPr>
+      </p:pic>
+      <p:pic>
+        <p:nvPicPr>
+          <p:cNvPr id="35" name="Graphic 10" descr="Checkmark">
+            <a:extLst>
+              <a:ext uri="{FF2B5EF4-FFF2-40B4-BE49-F238E27FC236}">
+                <a16:creationId xmlns:a16="http://schemas.microsoft.com/office/drawing/2014/main" id="{FB847DB3-7742-41FC-B814-AAAC77F4B2AD}"/>
+              </a:ext>
+            </a:extLst>
+          </p:cNvPr>
+          <p:cNvPicPr>
+            <a:picLocks noChangeAspect="1"/>
+          </p:cNvPicPr>
+          <p:nvPr/>
+        </p:nvPicPr>
+        <p:blipFill>
+          <a:blip r:embed="rId3">
+            <a:extLst>
+              <a:ext uri="{96DAC541-7B7A-43D3-8B79-37D633B846F1}">
+                <asvg:svgBlip xmlns:asvg="http://schemas.microsoft.com/office/drawing/2016/SVG/main" r:embed="rId4"/>
+              </a:ext>
+            </a:extLst>
+          </a:blip>
+          <a:stretch>
+            <a:fillRect/>
+          </a:stretch>
+        </p:blipFill>
+        <p:spPr>
+          <a:xfrm>
+            <a:off x="5624260" y="3499507"/>
+            <a:ext cx="174433" cy="174433"/>
+          </a:xfrm>
+          <a:prstGeom prst="rect">
+            <a:avLst/>
+          </a:prstGeom>
+        </p:spPr>
+      </p:pic>
+      <p:pic>
+        <p:nvPicPr>
+          <p:cNvPr id="36" name="Graphic 10" descr="Checkmark">
+            <a:extLst>
+              <a:ext uri="{FF2B5EF4-FFF2-40B4-BE49-F238E27FC236}">
+                <a16:creationId xmlns:a16="http://schemas.microsoft.com/office/drawing/2014/main" id="{01E2C389-C69D-4718-B79E-C9261A4077BD}"/>
+              </a:ext>
+            </a:extLst>
+          </p:cNvPr>
+          <p:cNvPicPr>
+            <a:picLocks noChangeAspect="1"/>
+          </p:cNvPicPr>
+          <p:nvPr/>
+        </p:nvPicPr>
+        <p:blipFill>
+          <a:blip r:embed="rId3">
+            <a:extLst>
+              <a:ext uri="{96DAC541-7B7A-43D3-8B79-37D633B846F1}">
+                <asvg:svgBlip xmlns:asvg="http://schemas.microsoft.com/office/drawing/2016/SVG/main" r:embed="rId4"/>
+              </a:ext>
+            </a:extLst>
+          </a:blip>
+          <a:stretch>
+            <a:fillRect/>
+          </a:stretch>
+        </p:blipFill>
+        <p:spPr>
+          <a:xfrm>
+            <a:off x="5624260" y="3739123"/>
+            <a:ext cx="174433" cy="174433"/>
+          </a:xfrm>
+          <a:prstGeom prst="rect">
+            <a:avLst/>
+          </a:prstGeom>
+        </p:spPr>
+      </p:pic>
+      <p:pic>
+        <p:nvPicPr>
+          <p:cNvPr id="37" name="Graphic 10" descr="Checkmark">
+            <a:extLst>
+              <a:ext uri="{FF2B5EF4-FFF2-40B4-BE49-F238E27FC236}">
+                <a16:creationId xmlns:a16="http://schemas.microsoft.com/office/drawing/2014/main" id="{718889C9-7C5F-4858-BDC5-32AEC9BD2496}"/>
+              </a:ext>
+            </a:extLst>
+          </p:cNvPr>
+          <p:cNvPicPr>
+            <a:picLocks noChangeAspect="1"/>
+          </p:cNvPicPr>
+          <p:nvPr/>
+        </p:nvPicPr>
+        <p:blipFill>
+          <a:blip r:embed="rId3">
+            <a:extLst>
+              <a:ext uri="{96DAC541-7B7A-43D3-8B79-37D633B846F1}">
+                <asvg:svgBlip xmlns:asvg="http://schemas.microsoft.com/office/drawing/2016/SVG/main" r:embed="rId4"/>
+              </a:ext>
+            </a:extLst>
+          </a:blip>
+          <a:stretch>
+            <a:fillRect/>
+          </a:stretch>
+        </p:blipFill>
+        <p:spPr>
+          <a:xfrm>
+            <a:off x="5624260" y="3962202"/>
+            <a:ext cx="174433" cy="174433"/>
+          </a:xfrm>
+          <a:prstGeom prst="rect">
+            <a:avLst/>
+          </a:prstGeom>
+        </p:spPr>
+      </p:pic>
+      <p:pic>
+        <p:nvPicPr>
+          <p:cNvPr id="38" name="Graphic 10" descr="Checkmark">
+            <a:extLst>
+              <a:ext uri="{FF2B5EF4-FFF2-40B4-BE49-F238E27FC236}">
+                <a16:creationId xmlns:a16="http://schemas.microsoft.com/office/drawing/2014/main" id="{F0CE3312-229C-4738-AD5D-136C2C4017E7}"/>
+              </a:ext>
+            </a:extLst>
+          </p:cNvPr>
+          <p:cNvPicPr>
+            <a:picLocks noChangeAspect="1"/>
+          </p:cNvPicPr>
+          <p:nvPr/>
+        </p:nvPicPr>
+        <p:blipFill>
+          <a:blip r:embed="rId3">
+            <a:extLst>
+              <a:ext uri="{96DAC541-7B7A-43D3-8B79-37D633B846F1}">
+                <asvg:svgBlip xmlns:asvg="http://schemas.microsoft.com/office/drawing/2016/SVG/main" r:embed="rId4"/>
+              </a:ext>
+            </a:extLst>
+          </a:blip>
+          <a:stretch>
+            <a:fillRect/>
+          </a:stretch>
+        </p:blipFill>
+        <p:spPr>
+          <a:xfrm>
+            <a:off x="5624260" y="4206534"/>
+            <a:ext cx="174433" cy="174433"/>
+          </a:xfrm>
+          <a:prstGeom prst="rect">
+            <a:avLst/>
+          </a:prstGeom>
+        </p:spPr>
+      </p:pic>
+      <p:pic>
+        <p:nvPicPr>
+          <p:cNvPr id="39" name="Graphic 10" descr="Checkmark">
+            <a:extLst>
+              <a:ext uri="{FF2B5EF4-FFF2-40B4-BE49-F238E27FC236}">
+                <a16:creationId xmlns:a16="http://schemas.microsoft.com/office/drawing/2014/main" id="{D1BC2837-23B5-4C85-8EC3-86D7621E3F32}"/>
+              </a:ext>
+            </a:extLst>
+          </p:cNvPr>
+          <p:cNvPicPr>
+            <a:picLocks noChangeAspect="1"/>
+          </p:cNvPicPr>
+          <p:nvPr/>
+        </p:nvPicPr>
+        <p:blipFill>
+          <a:blip r:embed="rId3">
+            <a:extLst>
+              <a:ext uri="{96DAC541-7B7A-43D3-8B79-37D633B846F1}">
+                <asvg:svgBlip xmlns:asvg="http://schemas.microsoft.com/office/drawing/2016/SVG/main" r:embed="rId4"/>
+              </a:ext>
+            </a:extLst>
+          </a:blip>
+          <a:stretch>
+            <a:fillRect/>
+          </a:stretch>
+        </p:blipFill>
+        <p:spPr>
+          <a:xfrm>
+            <a:off x="5624260" y="4449435"/>
+            <a:ext cx="174433" cy="174433"/>
+          </a:xfrm>
+          <a:prstGeom prst="rect">
+            <a:avLst/>
+          </a:prstGeom>
+        </p:spPr>
+      </p:pic>
+      <p:pic>
+        <p:nvPicPr>
+          <p:cNvPr id="40" name="Graphic 10" descr="Checkmark">
+            <a:extLst>
+              <a:ext uri="{FF2B5EF4-FFF2-40B4-BE49-F238E27FC236}">
+                <a16:creationId xmlns:a16="http://schemas.microsoft.com/office/drawing/2014/main" id="{4AEC8C41-30AB-4198-942B-877F4D6B0AE5}"/>
+              </a:ext>
+            </a:extLst>
+          </p:cNvPr>
+          <p:cNvPicPr>
+            <a:picLocks noChangeAspect="1"/>
+          </p:cNvPicPr>
+          <p:nvPr/>
+        </p:nvPicPr>
+        <p:blipFill>
+          <a:blip r:embed="rId3">
+            <a:extLst>
+              <a:ext uri="{96DAC541-7B7A-43D3-8B79-37D633B846F1}">
+                <asvg:svgBlip xmlns:asvg="http://schemas.microsoft.com/office/drawing/2016/SVG/main" r:embed="rId4"/>
+              </a:ext>
+            </a:extLst>
+          </a:blip>
+          <a:stretch>
+            <a:fillRect/>
+          </a:stretch>
+        </p:blipFill>
+        <p:spPr>
+          <a:xfrm>
+            <a:off x="5624260" y="4701070"/>
+            <a:ext cx="174433" cy="174433"/>
+          </a:xfrm>
+          <a:prstGeom prst="rect">
+            <a:avLst/>
+          </a:prstGeom>
+        </p:spPr>
+      </p:pic>
+      <p:pic>
+        <p:nvPicPr>
+          <p:cNvPr id="41" name="Graphic 16" descr="Close">
+            <a:extLst>
+              <a:ext uri="{FF2B5EF4-FFF2-40B4-BE49-F238E27FC236}">
+                <a16:creationId xmlns:a16="http://schemas.microsoft.com/office/drawing/2014/main" id="{E1C95BBD-8C02-4478-89F7-D9F70C4D0EF3}"/>
+              </a:ext>
+            </a:extLst>
+          </p:cNvPr>
+          <p:cNvPicPr>
+            <a:picLocks noChangeAspect="1"/>
+          </p:cNvPicPr>
+          <p:nvPr/>
+        </p:nvPicPr>
+        <p:blipFill>
+          <a:blip r:embed="rId5">
+            <a:extLst>
+              <a:ext uri="{96DAC541-7B7A-43D3-8B79-37D633B846F1}">
+                <asvg:svgBlip xmlns:asvg="http://schemas.microsoft.com/office/drawing/2016/SVG/main" r:embed="rId6"/>
+              </a:ext>
+            </a:extLst>
+          </a:blip>
+          <a:stretch>
+            <a:fillRect/>
+          </a:stretch>
+        </p:blipFill>
+        <p:spPr>
+          <a:xfrm>
+            <a:off x="5624257" y="4924455"/>
+            <a:ext cx="174433" cy="174433"/>
+          </a:xfrm>
+          <a:prstGeom prst="rect">
+            <a:avLst/>
+          </a:prstGeom>
+        </p:spPr>
+      </p:pic>
+      <p:pic>
+        <p:nvPicPr>
+          <p:cNvPr id="42" name="Graphic 42" descr="Pause">
+            <a:extLst>
+              <a:ext uri="{FF2B5EF4-FFF2-40B4-BE49-F238E27FC236}">
+                <a16:creationId xmlns:a16="http://schemas.microsoft.com/office/drawing/2014/main" id="{6A48F04E-0DF1-467F-AF47-E663425996B6}"/>
+              </a:ext>
+            </a:extLst>
+          </p:cNvPr>
+          <p:cNvPicPr>
+            <a:picLocks noChangeAspect="1"/>
+          </p:cNvPicPr>
+          <p:nvPr/>
+        </p:nvPicPr>
+        <p:blipFill>
+          <a:blip r:embed="rId7">
+            <a:extLst>
+              <a:ext uri="{96DAC541-7B7A-43D3-8B79-37D633B846F1}">
+                <asvg:svgBlip xmlns:asvg="http://schemas.microsoft.com/office/drawing/2016/SVG/main" r:embed="rId8"/>
+              </a:ext>
+            </a:extLst>
+          </a:blip>
+          <a:stretch>
+            <a:fillRect/>
+          </a:stretch>
+        </p:blipFill>
+        <p:spPr>
+          <a:xfrm>
+            <a:off x="5624256" y="5185795"/>
+            <a:ext cx="174433" cy="174433"/>
+          </a:xfrm>
+          <a:prstGeom prst="rect">
+            <a:avLst/>
+          </a:prstGeom>
+        </p:spPr>
+      </p:pic>
+      <p:pic>
+        <p:nvPicPr>
+          <p:cNvPr id="43" name="Graphic 10" descr="Checkmark">
+            <a:extLst>
+              <a:ext uri="{FF2B5EF4-FFF2-40B4-BE49-F238E27FC236}">
+                <a16:creationId xmlns:a16="http://schemas.microsoft.com/office/drawing/2014/main" id="{D04E0F6D-B2FA-482C-AD37-BA7A6A231C71}"/>
+              </a:ext>
+            </a:extLst>
+          </p:cNvPr>
+          <p:cNvPicPr>
+            <a:picLocks noChangeAspect="1"/>
+          </p:cNvPicPr>
+          <p:nvPr/>
+        </p:nvPicPr>
+        <p:blipFill>
+          <a:blip r:embed="rId3">
+            <a:extLst>
+              <a:ext uri="{96DAC541-7B7A-43D3-8B79-37D633B846F1}">
+                <asvg:svgBlip xmlns:asvg="http://schemas.microsoft.com/office/drawing/2016/SVG/main" r:embed="rId4"/>
+              </a:ext>
+            </a:extLst>
+          </a:blip>
+          <a:stretch>
+            <a:fillRect/>
+          </a:stretch>
+        </p:blipFill>
+        <p:spPr>
+          <a:xfrm>
+            <a:off x="5624255" y="5661661"/>
+            <a:ext cx="174433" cy="174433"/>
+          </a:xfrm>
+          <a:prstGeom prst="rect">
+            <a:avLst/>
+          </a:prstGeom>
+        </p:spPr>
+      </p:pic>
+      <p:pic>
+        <p:nvPicPr>
+          <p:cNvPr id="44" name="Graphic 10" descr="Checkmark">
+            <a:extLst>
+              <a:ext uri="{FF2B5EF4-FFF2-40B4-BE49-F238E27FC236}">
+                <a16:creationId xmlns:a16="http://schemas.microsoft.com/office/drawing/2014/main" id="{B04ECE60-36E1-4446-824B-844DAA0AF66A}"/>
+              </a:ext>
+            </a:extLst>
+          </p:cNvPr>
+          <p:cNvPicPr>
+            <a:picLocks noChangeAspect="1"/>
+          </p:cNvPicPr>
+          <p:nvPr/>
+        </p:nvPicPr>
+        <p:blipFill>
+          <a:blip r:embed="rId3">
+            <a:extLst>
+              <a:ext uri="{96DAC541-7B7A-43D3-8B79-37D633B846F1}">
+                <asvg:svgBlip xmlns:asvg="http://schemas.microsoft.com/office/drawing/2016/SVG/main" r:embed="rId4"/>
+              </a:ext>
+            </a:extLst>
+          </a:blip>
+          <a:stretch>
+            <a:fillRect/>
+          </a:stretch>
+        </p:blipFill>
+        <p:spPr>
+          <a:xfrm>
+            <a:off x="5624260" y="5922677"/>
+            <a:ext cx="174433" cy="174433"/>
+          </a:xfrm>
+          <a:prstGeom prst="rect">
+            <a:avLst/>
+          </a:prstGeom>
+        </p:spPr>
+      </p:pic>
     </p:spTree>
     <p:extLst>
       <p:ext uri="{BB962C8B-B14F-4D97-AF65-F5344CB8AC3E}">
@@ -8981,6 +10246,1266 @@
             <a:off x="6096000" y="365125"/>
             <a:ext cx="4594352" cy="1130409"/>
           </a:xfrm>
+        </p:spPr>
+      </p:pic>
+      <p:pic>
+        <p:nvPicPr>
+          <p:cNvPr id="7" name="Graphic 10" descr="Checkmark">
+            <a:extLst>
+              <a:ext uri="{FF2B5EF4-FFF2-40B4-BE49-F238E27FC236}">
+                <a16:creationId xmlns:a16="http://schemas.microsoft.com/office/drawing/2014/main" id="{33D9C5E1-FC9E-42A4-B16B-774C6B2AF803}"/>
+              </a:ext>
+            </a:extLst>
+          </p:cNvPr>
+          <p:cNvPicPr>
+            <a:picLocks noChangeAspect="1"/>
+          </p:cNvPicPr>
+          <p:nvPr/>
+        </p:nvPicPr>
+        <p:blipFill>
+          <a:blip r:embed="rId3">
+            <a:extLst>
+              <a:ext uri="{96DAC541-7B7A-43D3-8B79-37D633B846F1}">
+                <asvg:svgBlip xmlns:asvg="http://schemas.microsoft.com/office/drawing/2016/SVG/main" r:embed="rId4"/>
+              </a:ext>
+            </a:extLst>
+          </a:blip>
+          <a:stretch>
+            <a:fillRect/>
+          </a:stretch>
+        </p:blipFill>
+        <p:spPr>
+          <a:xfrm>
+            <a:off x="663767" y="1773522"/>
+            <a:ext cx="174433" cy="174433"/>
+          </a:xfrm>
+          <a:prstGeom prst="rect">
+            <a:avLst/>
+          </a:prstGeom>
+        </p:spPr>
+      </p:pic>
+      <p:pic>
+        <p:nvPicPr>
+          <p:cNvPr id="10" name="Graphic 10" descr="Checkmark">
+            <a:extLst>
+              <a:ext uri="{FF2B5EF4-FFF2-40B4-BE49-F238E27FC236}">
+                <a16:creationId xmlns:a16="http://schemas.microsoft.com/office/drawing/2014/main" id="{C0D0696A-D14E-49A8-9EB5-6052C1897750}"/>
+              </a:ext>
+            </a:extLst>
+          </p:cNvPr>
+          <p:cNvPicPr>
+            <a:picLocks noChangeAspect="1"/>
+          </p:cNvPicPr>
+          <p:nvPr/>
+        </p:nvPicPr>
+        <p:blipFill>
+          <a:blip r:embed="rId3">
+            <a:extLst>
+              <a:ext uri="{96DAC541-7B7A-43D3-8B79-37D633B846F1}">
+                <asvg:svgBlip xmlns:asvg="http://schemas.microsoft.com/office/drawing/2016/SVG/main" r:embed="rId4"/>
+              </a:ext>
+            </a:extLst>
+          </a:blip>
+          <a:stretch>
+            <a:fillRect/>
+          </a:stretch>
+        </p:blipFill>
+        <p:spPr>
+          <a:xfrm>
+            <a:off x="663766" y="2013138"/>
+            <a:ext cx="174433" cy="174433"/>
+          </a:xfrm>
+          <a:prstGeom prst="rect">
+            <a:avLst/>
+          </a:prstGeom>
+        </p:spPr>
+      </p:pic>
+      <p:pic>
+        <p:nvPicPr>
+          <p:cNvPr id="11" name="Graphic 10" descr="Checkmark">
+            <a:extLst>
+              <a:ext uri="{FF2B5EF4-FFF2-40B4-BE49-F238E27FC236}">
+                <a16:creationId xmlns:a16="http://schemas.microsoft.com/office/drawing/2014/main" id="{327A30CB-4E2D-481C-BEDA-7AAFB092FCD2}"/>
+              </a:ext>
+            </a:extLst>
+          </p:cNvPr>
+          <p:cNvPicPr>
+            <a:picLocks noChangeAspect="1"/>
+          </p:cNvPicPr>
+          <p:nvPr/>
+        </p:nvPicPr>
+        <p:blipFill>
+          <a:blip r:embed="rId3">
+            <a:extLst>
+              <a:ext uri="{96DAC541-7B7A-43D3-8B79-37D633B846F1}">
+                <asvg:svgBlip xmlns:asvg="http://schemas.microsoft.com/office/drawing/2016/SVG/main" r:embed="rId4"/>
+              </a:ext>
+            </a:extLst>
+          </a:blip>
+          <a:stretch>
+            <a:fillRect/>
+          </a:stretch>
+        </p:blipFill>
+        <p:spPr>
+          <a:xfrm>
+            <a:off x="663767" y="2268822"/>
+            <a:ext cx="174433" cy="174433"/>
+          </a:xfrm>
+          <a:prstGeom prst="rect">
+            <a:avLst/>
+          </a:prstGeom>
+        </p:spPr>
+      </p:pic>
+      <p:pic>
+        <p:nvPicPr>
+          <p:cNvPr id="12" name="Graphic 10" descr="Checkmark">
+            <a:extLst>
+              <a:ext uri="{FF2B5EF4-FFF2-40B4-BE49-F238E27FC236}">
+                <a16:creationId xmlns:a16="http://schemas.microsoft.com/office/drawing/2014/main" id="{F9F8272F-71BD-4A76-BF55-B702564ABDEA}"/>
+              </a:ext>
+            </a:extLst>
+          </p:cNvPr>
+          <p:cNvPicPr>
+            <a:picLocks noChangeAspect="1"/>
+          </p:cNvPicPr>
+          <p:nvPr/>
+        </p:nvPicPr>
+        <p:blipFill>
+          <a:blip r:embed="rId3">
+            <a:extLst>
+              <a:ext uri="{96DAC541-7B7A-43D3-8B79-37D633B846F1}">
+                <asvg:svgBlip xmlns:asvg="http://schemas.microsoft.com/office/drawing/2016/SVG/main" r:embed="rId4"/>
+              </a:ext>
+            </a:extLst>
+          </a:blip>
+          <a:stretch>
+            <a:fillRect/>
+          </a:stretch>
+        </p:blipFill>
+        <p:spPr>
+          <a:xfrm>
+            <a:off x="663767" y="2508438"/>
+            <a:ext cx="174433" cy="174433"/>
+          </a:xfrm>
+          <a:prstGeom prst="rect">
+            <a:avLst/>
+          </a:prstGeom>
+        </p:spPr>
+      </p:pic>
+      <p:pic>
+        <p:nvPicPr>
+          <p:cNvPr id="13" name="Graphic 10" descr="Checkmark">
+            <a:extLst>
+              <a:ext uri="{FF2B5EF4-FFF2-40B4-BE49-F238E27FC236}">
+                <a16:creationId xmlns:a16="http://schemas.microsoft.com/office/drawing/2014/main" id="{3CE102F7-CBEE-45F6-A4E6-4E34D5E58299}"/>
+              </a:ext>
+            </a:extLst>
+          </p:cNvPr>
+          <p:cNvPicPr>
+            <a:picLocks noChangeAspect="1"/>
+          </p:cNvPicPr>
+          <p:nvPr/>
+        </p:nvPicPr>
+        <p:blipFill>
+          <a:blip r:embed="rId3">
+            <a:extLst>
+              <a:ext uri="{96DAC541-7B7A-43D3-8B79-37D633B846F1}">
+                <asvg:svgBlip xmlns:asvg="http://schemas.microsoft.com/office/drawing/2016/SVG/main" r:embed="rId4"/>
+              </a:ext>
+            </a:extLst>
+          </a:blip>
+          <a:stretch>
+            <a:fillRect/>
+          </a:stretch>
+        </p:blipFill>
+        <p:spPr>
+          <a:xfrm>
+            <a:off x="663767" y="2748054"/>
+            <a:ext cx="174433" cy="174433"/>
+          </a:xfrm>
+          <a:prstGeom prst="rect">
+            <a:avLst/>
+          </a:prstGeom>
+        </p:spPr>
+      </p:pic>
+      <p:pic>
+        <p:nvPicPr>
+          <p:cNvPr id="14" name="Graphic 16" descr="Close">
+            <a:extLst>
+              <a:ext uri="{FF2B5EF4-FFF2-40B4-BE49-F238E27FC236}">
+                <a16:creationId xmlns:a16="http://schemas.microsoft.com/office/drawing/2014/main" id="{4E7E007A-4FAE-4788-A96A-D5E3BDAEC600}"/>
+              </a:ext>
+            </a:extLst>
+          </p:cNvPr>
+          <p:cNvPicPr>
+            <a:picLocks noChangeAspect="1"/>
+          </p:cNvPicPr>
+          <p:nvPr/>
+        </p:nvPicPr>
+        <p:blipFill>
+          <a:blip r:embed="rId5">
+            <a:extLst>
+              <a:ext uri="{96DAC541-7B7A-43D3-8B79-37D633B846F1}">
+                <asvg:svgBlip xmlns:asvg="http://schemas.microsoft.com/office/drawing/2016/SVG/main" r:embed="rId6"/>
+              </a:ext>
+            </a:extLst>
+          </a:blip>
+          <a:stretch>
+            <a:fillRect/>
+          </a:stretch>
+        </p:blipFill>
+        <p:spPr>
+          <a:xfrm>
+            <a:off x="664352" y="2987670"/>
+            <a:ext cx="174433" cy="174433"/>
+          </a:xfrm>
+          <a:prstGeom prst="rect">
+            <a:avLst/>
+          </a:prstGeom>
+        </p:spPr>
+      </p:pic>
+      <p:pic>
+        <p:nvPicPr>
+          <p:cNvPr id="15" name="Graphic 16" descr="Close">
+            <a:extLst>
+              <a:ext uri="{FF2B5EF4-FFF2-40B4-BE49-F238E27FC236}">
+                <a16:creationId xmlns:a16="http://schemas.microsoft.com/office/drawing/2014/main" id="{3A13A057-CBD6-45FC-9A26-924C26086668}"/>
+              </a:ext>
+            </a:extLst>
+          </p:cNvPr>
+          <p:cNvPicPr>
+            <a:picLocks noChangeAspect="1"/>
+          </p:cNvPicPr>
+          <p:nvPr/>
+        </p:nvPicPr>
+        <p:blipFill>
+          <a:blip r:embed="rId5">
+            <a:extLst>
+              <a:ext uri="{96DAC541-7B7A-43D3-8B79-37D633B846F1}">
+                <asvg:svgBlip xmlns:asvg="http://schemas.microsoft.com/office/drawing/2016/SVG/main" r:embed="rId6"/>
+              </a:ext>
+            </a:extLst>
+          </a:blip>
+          <a:stretch>
+            <a:fillRect/>
+          </a:stretch>
+        </p:blipFill>
+        <p:spPr>
+          <a:xfrm>
+            <a:off x="664352" y="3227286"/>
+            <a:ext cx="174433" cy="174433"/>
+          </a:xfrm>
+          <a:prstGeom prst="rect">
+            <a:avLst/>
+          </a:prstGeom>
+        </p:spPr>
+      </p:pic>
+      <p:pic>
+        <p:nvPicPr>
+          <p:cNvPr id="16" name="Graphic 10" descr="Checkmark">
+            <a:extLst>
+              <a:ext uri="{FF2B5EF4-FFF2-40B4-BE49-F238E27FC236}">
+                <a16:creationId xmlns:a16="http://schemas.microsoft.com/office/drawing/2014/main" id="{9CFBA8F7-87B7-4AFF-B8C0-03921C26B05D}"/>
+              </a:ext>
+            </a:extLst>
+          </p:cNvPr>
+          <p:cNvPicPr>
+            <a:picLocks noChangeAspect="1"/>
+          </p:cNvPicPr>
+          <p:nvPr/>
+        </p:nvPicPr>
+        <p:blipFill>
+          <a:blip r:embed="rId3">
+            <a:extLst>
+              <a:ext uri="{96DAC541-7B7A-43D3-8B79-37D633B846F1}">
+                <asvg:svgBlip xmlns:asvg="http://schemas.microsoft.com/office/drawing/2016/SVG/main" r:embed="rId4"/>
+              </a:ext>
+            </a:extLst>
+          </a:blip>
+          <a:stretch>
+            <a:fillRect/>
+          </a:stretch>
+        </p:blipFill>
+        <p:spPr>
+          <a:xfrm>
+            <a:off x="663767" y="3473247"/>
+            <a:ext cx="174433" cy="174433"/>
+          </a:xfrm>
+          <a:prstGeom prst="rect">
+            <a:avLst/>
+          </a:prstGeom>
+        </p:spPr>
+      </p:pic>
+      <p:pic>
+        <p:nvPicPr>
+          <p:cNvPr id="18" name="Graphic 10" descr="Checkmark">
+            <a:extLst>
+              <a:ext uri="{FF2B5EF4-FFF2-40B4-BE49-F238E27FC236}">
+                <a16:creationId xmlns:a16="http://schemas.microsoft.com/office/drawing/2014/main" id="{BC6E1D2C-336F-4708-BB71-BAB5F0860F24}"/>
+              </a:ext>
+            </a:extLst>
+          </p:cNvPr>
+          <p:cNvPicPr>
+            <a:picLocks noChangeAspect="1"/>
+          </p:cNvPicPr>
+          <p:nvPr/>
+        </p:nvPicPr>
+        <p:blipFill>
+          <a:blip r:embed="rId3">
+            <a:extLst>
+              <a:ext uri="{96DAC541-7B7A-43D3-8B79-37D633B846F1}">
+                <asvg:svgBlip xmlns:asvg="http://schemas.microsoft.com/office/drawing/2016/SVG/main" r:embed="rId4"/>
+              </a:ext>
+            </a:extLst>
+          </a:blip>
+          <a:stretch>
+            <a:fillRect/>
+          </a:stretch>
+        </p:blipFill>
+        <p:spPr>
+          <a:xfrm>
+            <a:off x="664352" y="3962202"/>
+            <a:ext cx="174433" cy="174433"/>
+          </a:xfrm>
+          <a:prstGeom prst="rect">
+            <a:avLst/>
+          </a:prstGeom>
+        </p:spPr>
+      </p:pic>
+      <p:pic>
+        <p:nvPicPr>
+          <p:cNvPr id="19" name="Graphic 10" descr="Checkmark">
+            <a:extLst>
+              <a:ext uri="{FF2B5EF4-FFF2-40B4-BE49-F238E27FC236}">
+                <a16:creationId xmlns:a16="http://schemas.microsoft.com/office/drawing/2014/main" id="{79034766-4D92-4C9A-855E-35757CE647C7}"/>
+              </a:ext>
+            </a:extLst>
+          </p:cNvPr>
+          <p:cNvPicPr>
+            <a:picLocks noChangeAspect="1"/>
+          </p:cNvPicPr>
+          <p:nvPr/>
+        </p:nvPicPr>
+        <p:blipFill>
+          <a:blip r:embed="rId3">
+            <a:extLst>
+              <a:ext uri="{96DAC541-7B7A-43D3-8B79-37D633B846F1}">
+                <asvg:svgBlip xmlns:asvg="http://schemas.microsoft.com/office/drawing/2016/SVG/main" r:embed="rId4"/>
+              </a:ext>
+            </a:extLst>
+          </a:blip>
+          <a:stretch>
+            <a:fillRect/>
+          </a:stretch>
+        </p:blipFill>
+        <p:spPr>
+          <a:xfrm>
+            <a:off x="664352" y="3716241"/>
+            <a:ext cx="174433" cy="174433"/>
+          </a:xfrm>
+          <a:prstGeom prst="rect">
+            <a:avLst/>
+          </a:prstGeom>
+        </p:spPr>
+      </p:pic>
+      <p:pic>
+        <p:nvPicPr>
+          <p:cNvPr id="20" name="Graphic 10" descr="Checkmark">
+            <a:extLst>
+              <a:ext uri="{FF2B5EF4-FFF2-40B4-BE49-F238E27FC236}">
+                <a16:creationId xmlns:a16="http://schemas.microsoft.com/office/drawing/2014/main" id="{9C6530F9-934D-4547-99EB-BF4E4310F101}"/>
+              </a:ext>
+            </a:extLst>
+          </p:cNvPr>
+          <p:cNvPicPr>
+            <a:picLocks noChangeAspect="1"/>
+          </p:cNvPicPr>
+          <p:nvPr/>
+        </p:nvPicPr>
+        <p:blipFill>
+          <a:blip r:embed="rId3">
+            <a:extLst>
+              <a:ext uri="{96DAC541-7B7A-43D3-8B79-37D633B846F1}">
+                <asvg:svgBlip xmlns:asvg="http://schemas.microsoft.com/office/drawing/2016/SVG/main" r:embed="rId4"/>
+              </a:ext>
+            </a:extLst>
+          </a:blip>
+          <a:stretch>
+            <a:fillRect/>
+          </a:stretch>
+        </p:blipFill>
+        <p:spPr>
+          <a:xfrm>
+            <a:off x="663765" y="4198851"/>
+            <a:ext cx="174433" cy="174433"/>
+          </a:xfrm>
+          <a:prstGeom prst="rect">
+            <a:avLst/>
+          </a:prstGeom>
+        </p:spPr>
+      </p:pic>
+      <p:pic>
+        <p:nvPicPr>
+          <p:cNvPr id="21" name="Graphic 10" descr="Checkmark">
+            <a:extLst>
+              <a:ext uri="{FF2B5EF4-FFF2-40B4-BE49-F238E27FC236}">
+                <a16:creationId xmlns:a16="http://schemas.microsoft.com/office/drawing/2014/main" id="{71AF31BE-59F9-4C92-B917-B3F5C51FE848}"/>
+              </a:ext>
+            </a:extLst>
+          </p:cNvPr>
+          <p:cNvPicPr>
+            <a:picLocks noChangeAspect="1"/>
+          </p:cNvPicPr>
+          <p:nvPr/>
+        </p:nvPicPr>
+        <p:blipFill>
+          <a:blip r:embed="rId3">
+            <a:extLst>
+              <a:ext uri="{96DAC541-7B7A-43D3-8B79-37D633B846F1}">
+                <asvg:svgBlip xmlns:asvg="http://schemas.microsoft.com/office/drawing/2016/SVG/main" r:embed="rId4"/>
+              </a:ext>
+            </a:extLst>
+          </a:blip>
+          <a:stretch>
+            <a:fillRect/>
+          </a:stretch>
+        </p:blipFill>
+        <p:spPr>
+          <a:xfrm>
+            <a:off x="663764" y="4446424"/>
+            <a:ext cx="174433" cy="174433"/>
+          </a:xfrm>
+          <a:prstGeom prst="rect">
+            <a:avLst/>
+          </a:prstGeom>
+        </p:spPr>
+      </p:pic>
+      <p:pic>
+        <p:nvPicPr>
+          <p:cNvPr id="22" name="Graphic 10" descr="Checkmark">
+            <a:extLst>
+              <a:ext uri="{FF2B5EF4-FFF2-40B4-BE49-F238E27FC236}">
+                <a16:creationId xmlns:a16="http://schemas.microsoft.com/office/drawing/2014/main" id="{DAECBFAB-1840-4784-A856-A808E6FE0243}"/>
+              </a:ext>
+            </a:extLst>
+          </p:cNvPr>
+          <p:cNvPicPr>
+            <a:picLocks noChangeAspect="1"/>
+          </p:cNvPicPr>
+          <p:nvPr/>
+        </p:nvPicPr>
+        <p:blipFill>
+          <a:blip r:embed="rId3">
+            <a:extLst>
+              <a:ext uri="{96DAC541-7B7A-43D3-8B79-37D633B846F1}">
+                <asvg:svgBlip xmlns:asvg="http://schemas.microsoft.com/office/drawing/2016/SVG/main" r:embed="rId4"/>
+              </a:ext>
+            </a:extLst>
+          </a:blip>
+          <a:stretch>
+            <a:fillRect/>
+          </a:stretch>
+        </p:blipFill>
+        <p:spPr>
+          <a:xfrm>
+            <a:off x="664352" y="4681263"/>
+            <a:ext cx="174433" cy="174433"/>
+          </a:xfrm>
+          <a:prstGeom prst="rect">
+            <a:avLst/>
+          </a:prstGeom>
+        </p:spPr>
+      </p:pic>
+      <p:pic>
+        <p:nvPicPr>
+          <p:cNvPr id="24" name="Graphic 10" descr="Checkmark">
+            <a:extLst>
+              <a:ext uri="{FF2B5EF4-FFF2-40B4-BE49-F238E27FC236}">
+                <a16:creationId xmlns:a16="http://schemas.microsoft.com/office/drawing/2014/main" id="{FD10B988-9A0D-49E9-A4EB-24529683440C}"/>
+              </a:ext>
+            </a:extLst>
+          </p:cNvPr>
+          <p:cNvPicPr>
+            <a:picLocks noChangeAspect="1"/>
+          </p:cNvPicPr>
+          <p:nvPr/>
+        </p:nvPicPr>
+        <p:blipFill>
+          <a:blip r:embed="rId3">
+            <a:extLst>
+              <a:ext uri="{96DAC541-7B7A-43D3-8B79-37D633B846F1}">
+                <asvg:svgBlip xmlns:asvg="http://schemas.microsoft.com/office/drawing/2016/SVG/main" r:embed="rId4"/>
+              </a:ext>
+            </a:extLst>
+          </a:blip>
+          <a:stretch>
+            <a:fillRect/>
+          </a:stretch>
+        </p:blipFill>
+        <p:spPr>
+          <a:xfrm>
+            <a:off x="664352" y="4932001"/>
+            <a:ext cx="174433" cy="174433"/>
+          </a:xfrm>
+          <a:prstGeom prst="rect">
+            <a:avLst/>
+          </a:prstGeom>
+        </p:spPr>
+      </p:pic>
+      <p:pic>
+        <p:nvPicPr>
+          <p:cNvPr id="25" name="Graphic 42" descr="Pause">
+            <a:extLst>
+              <a:ext uri="{FF2B5EF4-FFF2-40B4-BE49-F238E27FC236}">
+                <a16:creationId xmlns:a16="http://schemas.microsoft.com/office/drawing/2014/main" id="{D58441B1-7FE9-4514-9662-DD85876EEEEC}"/>
+              </a:ext>
+            </a:extLst>
+          </p:cNvPr>
+          <p:cNvPicPr>
+            <a:picLocks noChangeAspect="1"/>
+          </p:cNvPicPr>
+          <p:nvPr/>
+        </p:nvPicPr>
+        <p:blipFill>
+          <a:blip r:embed="rId7">
+            <a:extLst>
+              <a:ext uri="{96DAC541-7B7A-43D3-8B79-37D633B846F1}">
+                <asvg:svgBlip xmlns:asvg="http://schemas.microsoft.com/office/drawing/2016/SVG/main" r:embed="rId8"/>
+              </a:ext>
+            </a:extLst>
+          </a:blip>
+          <a:stretch>
+            <a:fillRect/>
+          </a:stretch>
+        </p:blipFill>
+        <p:spPr>
+          <a:xfrm>
+            <a:off x="5624256" y="5185795"/>
+            <a:ext cx="174433" cy="174433"/>
+          </a:xfrm>
+          <a:prstGeom prst="rect">
+            <a:avLst/>
+          </a:prstGeom>
+        </p:spPr>
+      </p:pic>
+      <p:pic>
+        <p:nvPicPr>
+          <p:cNvPr id="26" name="Graphic 42" descr="Pause">
+            <a:extLst>
+              <a:ext uri="{FF2B5EF4-FFF2-40B4-BE49-F238E27FC236}">
+                <a16:creationId xmlns:a16="http://schemas.microsoft.com/office/drawing/2014/main" id="{2AD3B02A-C835-4B0B-ABE2-C6703E06C1D0}"/>
+              </a:ext>
+            </a:extLst>
+          </p:cNvPr>
+          <p:cNvPicPr>
+            <a:picLocks noChangeAspect="1"/>
+          </p:cNvPicPr>
+          <p:nvPr/>
+        </p:nvPicPr>
+        <p:blipFill>
+          <a:blip r:embed="rId7">
+            <a:extLst>
+              <a:ext uri="{96DAC541-7B7A-43D3-8B79-37D633B846F1}">
+                <asvg:svgBlip xmlns:asvg="http://schemas.microsoft.com/office/drawing/2016/SVG/main" r:embed="rId8"/>
+              </a:ext>
+            </a:extLst>
+          </a:blip>
+          <a:stretch>
+            <a:fillRect/>
+          </a:stretch>
+        </p:blipFill>
+        <p:spPr>
+          <a:xfrm>
+            <a:off x="664352" y="5417989"/>
+            <a:ext cx="174433" cy="174433"/>
+          </a:xfrm>
+          <a:prstGeom prst="rect">
+            <a:avLst/>
+          </a:prstGeom>
+        </p:spPr>
+      </p:pic>
+      <p:pic>
+        <p:nvPicPr>
+          <p:cNvPr id="28" name="Graphic 16" descr="Close">
+            <a:extLst>
+              <a:ext uri="{FF2B5EF4-FFF2-40B4-BE49-F238E27FC236}">
+                <a16:creationId xmlns:a16="http://schemas.microsoft.com/office/drawing/2014/main" id="{B847C015-30AC-4B9C-85C7-77725F334D5A}"/>
+              </a:ext>
+            </a:extLst>
+          </p:cNvPr>
+          <p:cNvPicPr>
+            <a:picLocks noChangeAspect="1"/>
+          </p:cNvPicPr>
+          <p:nvPr/>
+        </p:nvPicPr>
+        <p:blipFill>
+          <a:blip r:embed="rId5">
+            <a:extLst>
+              <a:ext uri="{96DAC541-7B7A-43D3-8B79-37D633B846F1}">
+                <asvg:svgBlip xmlns:asvg="http://schemas.microsoft.com/office/drawing/2016/SVG/main" r:embed="rId6"/>
+              </a:ext>
+            </a:extLst>
+          </a:blip>
+          <a:stretch>
+            <a:fillRect/>
+          </a:stretch>
+        </p:blipFill>
+        <p:spPr>
+          <a:xfrm>
+            <a:off x="664352" y="5661094"/>
+            <a:ext cx="174433" cy="174433"/>
+          </a:xfrm>
+          <a:prstGeom prst="rect">
+            <a:avLst/>
+          </a:prstGeom>
+        </p:spPr>
+      </p:pic>
+      <p:pic>
+        <p:nvPicPr>
+          <p:cNvPr id="29" name="Graphic 16" descr="Close">
+            <a:extLst>
+              <a:ext uri="{FF2B5EF4-FFF2-40B4-BE49-F238E27FC236}">
+                <a16:creationId xmlns:a16="http://schemas.microsoft.com/office/drawing/2014/main" id="{BB91E6DA-F957-4FCC-A08F-9FF613D1AEEC}"/>
+              </a:ext>
+            </a:extLst>
+          </p:cNvPr>
+          <p:cNvPicPr>
+            <a:picLocks noChangeAspect="1"/>
+          </p:cNvPicPr>
+          <p:nvPr/>
+        </p:nvPicPr>
+        <p:blipFill>
+          <a:blip r:embed="rId5">
+            <a:extLst>
+              <a:ext uri="{96DAC541-7B7A-43D3-8B79-37D633B846F1}">
+                <asvg:svgBlip xmlns:asvg="http://schemas.microsoft.com/office/drawing/2016/SVG/main" r:embed="rId6"/>
+              </a:ext>
+            </a:extLst>
+          </a:blip>
+          <a:stretch>
+            <a:fillRect/>
+          </a:stretch>
+        </p:blipFill>
+        <p:spPr>
+          <a:xfrm>
+            <a:off x="664352" y="5903977"/>
+            <a:ext cx="174433" cy="174433"/>
+          </a:xfrm>
+          <a:prstGeom prst="rect">
+            <a:avLst/>
+          </a:prstGeom>
+        </p:spPr>
+      </p:pic>
+      <p:pic>
+        <p:nvPicPr>
+          <p:cNvPr id="30" name="Graphic 10" descr="Checkmark">
+            <a:extLst>
+              <a:ext uri="{FF2B5EF4-FFF2-40B4-BE49-F238E27FC236}">
+                <a16:creationId xmlns:a16="http://schemas.microsoft.com/office/drawing/2014/main" id="{C11F2EE2-12B2-41ED-842B-FF67F5CFBE7F}"/>
+              </a:ext>
+            </a:extLst>
+          </p:cNvPr>
+          <p:cNvPicPr>
+            <a:picLocks noChangeAspect="1"/>
+          </p:cNvPicPr>
+          <p:nvPr/>
+        </p:nvPicPr>
+        <p:blipFill>
+          <a:blip r:embed="rId3">
+            <a:extLst>
+              <a:ext uri="{96DAC541-7B7A-43D3-8B79-37D633B846F1}">
+                <asvg:svgBlip xmlns:asvg="http://schemas.microsoft.com/office/drawing/2016/SVG/main" r:embed="rId4"/>
+              </a:ext>
+            </a:extLst>
+          </a:blip>
+          <a:stretch>
+            <a:fillRect/>
+          </a:stretch>
+        </p:blipFill>
+        <p:spPr>
+          <a:xfrm>
+            <a:off x="663763" y="6155429"/>
+            <a:ext cx="174433" cy="174433"/>
+          </a:xfrm>
+          <a:prstGeom prst="rect">
+            <a:avLst/>
+          </a:prstGeom>
+        </p:spPr>
+      </p:pic>
+      <p:pic>
+        <p:nvPicPr>
+          <p:cNvPr id="31" name="Graphic 10" descr="Checkmark">
+            <a:extLst>
+              <a:ext uri="{FF2B5EF4-FFF2-40B4-BE49-F238E27FC236}">
+                <a16:creationId xmlns:a16="http://schemas.microsoft.com/office/drawing/2014/main" id="{D1352E51-A65C-4F13-AACA-0E05759E05CE}"/>
+              </a:ext>
+            </a:extLst>
+          </p:cNvPr>
+          <p:cNvPicPr>
+            <a:picLocks noChangeAspect="1"/>
+          </p:cNvPicPr>
+          <p:nvPr/>
+        </p:nvPicPr>
+        <p:blipFill>
+          <a:blip r:embed="rId3">
+            <a:extLst>
+              <a:ext uri="{96DAC541-7B7A-43D3-8B79-37D633B846F1}">
+                <asvg:svgBlip xmlns:asvg="http://schemas.microsoft.com/office/drawing/2016/SVG/main" r:embed="rId4"/>
+              </a:ext>
+            </a:extLst>
+          </a:blip>
+          <a:stretch>
+            <a:fillRect/>
+          </a:stretch>
+        </p:blipFill>
+        <p:spPr>
+          <a:xfrm>
+            <a:off x="5624260" y="1773521"/>
+            <a:ext cx="174433" cy="174433"/>
+          </a:xfrm>
+          <a:prstGeom prst="rect">
+            <a:avLst/>
+          </a:prstGeom>
+        </p:spPr>
+      </p:pic>
+      <p:pic>
+        <p:nvPicPr>
+          <p:cNvPr id="32" name="Graphic 10" descr="Checkmark">
+            <a:extLst>
+              <a:ext uri="{FF2B5EF4-FFF2-40B4-BE49-F238E27FC236}">
+                <a16:creationId xmlns:a16="http://schemas.microsoft.com/office/drawing/2014/main" id="{07D38A7B-99B4-4DA7-88DB-BE8CAB23C37B}"/>
+              </a:ext>
+            </a:extLst>
+          </p:cNvPr>
+          <p:cNvPicPr>
+            <a:picLocks noChangeAspect="1"/>
+          </p:cNvPicPr>
+          <p:nvPr/>
+        </p:nvPicPr>
+        <p:blipFill>
+          <a:blip r:embed="rId3">
+            <a:extLst>
+              <a:ext uri="{96DAC541-7B7A-43D3-8B79-37D633B846F1}">
+                <asvg:svgBlip xmlns:asvg="http://schemas.microsoft.com/office/drawing/2016/SVG/main" r:embed="rId4"/>
+              </a:ext>
+            </a:extLst>
+          </a:blip>
+          <a:stretch>
+            <a:fillRect/>
+          </a:stretch>
+        </p:blipFill>
+        <p:spPr>
+          <a:xfrm>
+            <a:off x="5624260" y="2012346"/>
+            <a:ext cx="174433" cy="174433"/>
+          </a:xfrm>
+          <a:prstGeom prst="rect">
+            <a:avLst/>
+          </a:prstGeom>
+        </p:spPr>
+      </p:pic>
+      <p:pic>
+        <p:nvPicPr>
+          <p:cNvPr id="33" name="Graphic 10" descr="Checkmark">
+            <a:extLst>
+              <a:ext uri="{FF2B5EF4-FFF2-40B4-BE49-F238E27FC236}">
+                <a16:creationId xmlns:a16="http://schemas.microsoft.com/office/drawing/2014/main" id="{5B2A5716-E391-4820-B7CE-6F3633954D65}"/>
+              </a:ext>
+            </a:extLst>
+          </p:cNvPr>
+          <p:cNvPicPr>
+            <a:picLocks noChangeAspect="1"/>
+          </p:cNvPicPr>
+          <p:nvPr/>
+        </p:nvPicPr>
+        <p:blipFill>
+          <a:blip r:embed="rId3">
+            <a:extLst>
+              <a:ext uri="{96DAC541-7B7A-43D3-8B79-37D633B846F1}">
+                <asvg:svgBlip xmlns:asvg="http://schemas.microsoft.com/office/drawing/2016/SVG/main" r:embed="rId4"/>
+              </a:ext>
+            </a:extLst>
+          </a:blip>
+          <a:stretch>
+            <a:fillRect/>
+          </a:stretch>
+        </p:blipFill>
+        <p:spPr>
+          <a:xfrm>
+            <a:off x="5624260" y="2268729"/>
+            <a:ext cx="174433" cy="174433"/>
+          </a:xfrm>
+          <a:prstGeom prst="rect">
+            <a:avLst/>
+          </a:prstGeom>
+        </p:spPr>
+      </p:pic>
+      <p:pic>
+        <p:nvPicPr>
+          <p:cNvPr id="34" name="Graphic 10" descr="Checkmark">
+            <a:extLst>
+              <a:ext uri="{FF2B5EF4-FFF2-40B4-BE49-F238E27FC236}">
+                <a16:creationId xmlns:a16="http://schemas.microsoft.com/office/drawing/2014/main" id="{E4840139-ACC8-4C92-B44E-AF404238CAA9}"/>
+              </a:ext>
+            </a:extLst>
+          </p:cNvPr>
+          <p:cNvPicPr>
+            <a:picLocks noChangeAspect="1"/>
+          </p:cNvPicPr>
+          <p:nvPr/>
+        </p:nvPicPr>
+        <p:blipFill>
+          <a:blip r:embed="rId3">
+            <a:extLst>
+              <a:ext uri="{96DAC541-7B7A-43D3-8B79-37D633B846F1}">
+                <asvg:svgBlip xmlns:asvg="http://schemas.microsoft.com/office/drawing/2016/SVG/main" r:embed="rId4"/>
+              </a:ext>
+            </a:extLst>
+          </a:blip>
+          <a:stretch>
+            <a:fillRect/>
+          </a:stretch>
+        </p:blipFill>
+        <p:spPr>
+          <a:xfrm>
+            <a:off x="5624259" y="2525112"/>
+            <a:ext cx="174433" cy="174433"/>
+          </a:xfrm>
+          <a:prstGeom prst="rect">
+            <a:avLst/>
+          </a:prstGeom>
+        </p:spPr>
+      </p:pic>
+      <p:pic>
+        <p:nvPicPr>
+          <p:cNvPr id="35" name="Graphic 10" descr="Checkmark">
+            <a:extLst>
+              <a:ext uri="{FF2B5EF4-FFF2-40B4-BE49-F238E27FC236}">
+                <a16:creationId xmlns:a16="http://schemas.microsoft.com/office/drawing/2014/main" id="{228DEB9F-15EF-4CD5-AC68-22240BAA7E96}"/>
+              </a:ext>
+            </a:extLst>
+          </p:cNvPr>
+          <p:cNvPicPr>
+            <a:picLocks noChangeAspect="1"/>
+          </p:cNvPicPr>
+          <p:nvPr/>
+        </p:nvPicPr>
+        <p:blipFill>
+          <a:blip r:embed="rId3">
+            <a:extLst>
+              <a:ext uri="{96DAC541-7B7A-43D3-8B79-37D633B846F1}">
+                <asvg:svgBlip xmlns:asvg="http://schemas.microsoft.com/office/drawing/2016/SVG/main" r:embed="rId4"/>
+              </a:ext>
+            </a:extLst>
+          </a:blip>
+          <a:stretch>
+            <a:fillRect/>
+          </a:stretch>
+        </p:blipFill>
+        <p:spPr>
+          <a:xfrm>
+            <a:off x="5624258" y="2786452"/>
+            <a:ext cx="174433" cy="174433"/>
+          </a:xfrm>
+          <a:prstGeom prst="rect">
+            <a:avLst/>
+          </a:prstGeom>
+        </p:spPr>
+      </p:pic>
+      <p:pic>
+        <p:nvPicPr>
+          <p:cNvPr id="36" name="Graphic 10" descr="Checkmark">
+            <a:extLst>
+              <a:ext uri="{FF2B5EF4-FFF2-40B4-BE49-F238E27FC236}">
+                <a16:creationId xmlns:a16="http://schemas.microsoft.com/office/drawing/2014/main" id="{93CC3B27-FBBE-4F84-A5D3-74BA9C0DAE59}"/>
+              </a:ext>
+            </a:extLst>
+          </p:cNvPr>
+          <p:cNvPicPr>
+            <a:picLocks noChangeAspect="1"/>
+          </p:cNvPicPr>
+          <p:nvPr/>
+        </p:nvPicPr>
+        <p:blipFill>
+          <a:blip r:embed="rId3">
+            <a:extLst>
+              <a:ext uri="{96DAC541-7B7A-43D3-8B79-37D633B846F1}">
+                <asvg:svgBlip xmlns:asvg="http://schemas.microsoft.com/office/drawing/2016/SVG/main" r:embed="rId4"/>
+              </a:ext>
+            </a:extLst>
+          </a:blip>
+          <a:stretch>
+            <a:fillRect/>
+          </a:stretch>
+        </p:blipFill>
+        <p:spPr>
+          <a:xfrm>
+            <a:off x="5624260" y="3037878"/>
+            <a:ext cx="174433" cy="174433"/>
+          </a:xfrm>
+          <a:prstGeom prst="rect">
+            <a:avLst/>
+          </a:prstGeom>
+        </p:spPr>
+      </p:pic>
+      <p:pic>
+        <p:nvPicPr>
+          <p:cNvPr id="37" name="Graphic 10" descr="Checkmark">
+            <a:extLst>
+              <a:ext uri="{FF2B5EF4-FFF2-40B4-BE49-F238E27FC236}">
+                <a16:creationId xmlns:a16="http://schemas.microsoft.com/office/drawing/2014/main" id="{8A0A3DEE-7E20-4333-934C-2C4C297A42AE}"/>
+              </a:ext>
+            </a:extLst>
+          </p:cNvPr>
+          <p:cNvPicPr>
+            <a:picLocks noChangeAspect="1"/>
+          </p:cNvPicPr>
+          <p:nvPr/>
+        </p:nvPicPr>
+        <p:blipFill>
+          <a:blip r:embed="rId3">
+            <a:extLst>
+              <a:ext uri="{96DAC541-7B7A-43D3-8B79-37D633B846F1}">
+                <asvg:svgBlip xmlns:asvg="http://schemas.microsoft.com/office/drawing/2016/SVG/main" r:embed="rId4"/>
+              </a:ext>
+            </a:extLst>
+          </a:blip>
+          <a:stretch>
+            <a:fillRect/>
+          </a:stretch>
+        </p:blipFill>
+        <p:spPr>
+          <a:xfrm>
+            <a:off x="5624260" y="3254567"/>
+            <a:ext cx="174433" cy="174433"/>
+          </a:xfrm>
+          <a:prstGeom prst="rect">
+            <a:avLst/>
+          </a:prstGeom>
+        </p:spPr>
+      </p:pic>
+      <p:pic>
+        <p:nvPicPr>
+          <p:cNvPr id="38" name="Graphic 10" descr="Checkmark">
+            <a:extLst>
+              <a:ext uri="{FF2B5EF4-FFF2-40B4-BE49-F238E27FC236}">
+                <a16:creationId xmlns:a16="http://schemas.microsoft.com/office/drawing/2014/main" id="{0B649153-8A52-4F54-8F7D-7CA5D4319557}"/>
+              </a:ext>
+            </a:extLst>
+          </p:cNvPr>
+          <p:cNvPicPr>
+            <a:picLocks noChangeAspect="1"/>
+          </p:cNvPicPr>
+          <p:nvPr/>
+        </p:nvPicPr>
+        <p:blipFill>
+          <a:blip r:embed="rId3">
+            <a:extLst>
+              <a:ext uri="{96DAC541-7B7A-43D3-8B79-37D633B846F1}">
+                <asvg:svgBlip xmlns:asvg="http://schemas.microsoft.com/office/drawing/2016/SVG/main" r:embed="rId4"/>
+              </a:ext>
+            </a:extLst>
+          </a:blip>
+          <a:stretch>
+            <a:fillRect/>
+          </a:stretch>
+        </p:blipFill>
+        <p:spPr>
+          <a:xfrm>
+            <a:off x="5624260" y="3499507"/>
+            <a:ext cx="174433" cy="174433"/>
+          </a:xfrm>
+          <a:prstGeom prst="rect">
+            <a:avLst/>
+          </a:prstGeom>
+        </p:spPr>
+      </p:pic>
+      <p:pic>
+        <p:nvPicPr>
+          <p:cNvPr id="39" name="Graphic 10" descr="Checkmark">
+            <a:extLst>
+              <a:ext uri="{FF2B5EF4-FFF2-40B4-BE49-F238E27FC236}">
+                <a16:creationId xmlns:a16="http://schemas.microsoft.com/office/drawing/2014/main" id="{A349AF50-0A6D-4FDE-B8A2-8CBE3D32891A}"/>
+              </a:ext>
+            </a:extLst>
+          </p:cNvPr>
+          <p:cNvPicPr>
+            <a:picLocks noChangeAspect="1"/>
+          </p:cNvPicPr>
+          <p:nvPr/>
+        </p:nvPicPr>
+        <p:blipFill>
+          <a:blip r:embed="rId3">
+            <a:extLst>
+              <a:ext uri="{96DAC541-7B7A-43D3-8B79-37D633B846F1}">
+                <asvg:svgBlip xmlns:asvg="http://schemas.microsoft.com/office/drawing/2016/SVG/main" r:embed="rId4"/>
+              </a:ext>
+            </a:extLst>
+          </a:blip>
+          <a:stretch>
+            <a:fillRect/>
+          </a:stretch>
+        </p:blipFill>
+        <p:spPr>
+          <a:xfrm>
+            <a:off x="5624260" y="3962202"/>
+            <a:ext cx="174433" cy="174433"/>
+          </a:xfrm>
+          <a:prstGeom prst="rect">
+            <a:avLst/>
+          </a:prstGeom>
+        </p:spPr>
+      </p:pic>
+      <p:pic>
+        <p:nvPicPr>
+          <p:cNvPr id="40" name="Graphic 10" descr="Checkmark">
+            <a:extLst>
+              <a:ext uri="{FF2B5EF4-FFF2-40B4-BE49-F238E27FC236}">
+                <a16:creationId xmlns:a16="http://schemas.microsoft.com/office/drawing/2014/main" id="{E76AC5AB-E178-4E11-A06E-5131D76ABDC9}"/>
+              </a:ext>
+            </a:extLst>
+          </p:cNvPr>
+          <p:cNvPicPr>
+            <a:picLocks noChangeAspect="1"/>
+          </p:cNvPicPr>
+          <p:nvPr/>
+        </p:nvPicPr>
+        <p:blipFill>
+          <a:blip r:embed="rId3">
+            <a:extLst>
+              <a:ext uri="{96DAC541-7B7A-43D3-8B79-37D633B846F1}">
+                <asvg:svgBlip xmlns:asvg="http://schemas.microsoft.com/office/drawing/2016/SVG/main" r:embed="rId4"/>
+              </a:ext>
+            </a:extLst>
+          </a:blip>
+          <a:stretch>
+            <a:fillRect/>
+          </a:stretch>
+        </p:blipFill>
+        <p:spPr>
+          <a:xfrm>
+            <a:off x="5624260" y="4206534"/>
+            <a:ext cx="174433" cy="174433"/>
+          </a:xfrm>
+          <a:prstGeom prst="rect">
+            <a:avLst/>
+          </a:prstGeom>
+        </p:spPr>
+      </p:pic>
+      <p:pic>
+        <p:nvPicPr>
+          <p:cNvPr id="41" name="Graphic 16" descr="Close">
+            <a:extLst>
+              <a:ext uri="{FF2B5EF4-FFF2-40B4-BE49-F238E27FC236}">
+                <a16:creationId xmlns:a16="http://schemas.microsoft.com/office/drawing/2014/main" id="{72AC2994-D52C-47E8-BB6B-1365AAFC55B3}"/>
+              </a:ext>
+            </a:extLst>
+          </p:cNvPr>
+          <p:cNvPicPr>
+            <a:picLocks noChangeAspect="1"/>
+          </p:cNvPicPr>
+          <p:nvPr/>
+        </p:nvPicPr>
+        <p:blipFill>
+          <a:blip r:embed="rId5">
+            <a:extLst>
+              <a:ext uri="{96DAC541-7B7A-43D3-8B79-37D633B846F1}">
+                <asvg:svgBlip xmlns:asvg="http://schemas.microsoft.com/office/drawing/2016/SVG/main" r:embed="rId6"/>
+              </a:ext>
+            </a:extLst>
+          </a:blip>
+          <a:stretch>
+            <a:fillRect/>
+          </a:stretch>
+        </p:blipFill>
+        <p:spPr>
+          <a:xfrm>
+            <a:off x="5624257" y="4924455"/>
+            <a:ext cx="174433" cy="174433"/>
+          </a:xfrm>
+          <a:prstGeom prst="rect">
+            <a:avLst/>
+          </a:prstGeom>
+        </p:spPr>
+      </p:pic>
+      <p:pic>
+        <p:nvPicPr>
+          <p:cNvPr id="42" name="Graphic 16" descr="Close">
+            <a:extLst>
+              <a:ext uri="{FF2B5EF4-FFF2-40B4-BE49-F238E27FC236}">
+                <a16:creationId xmlns:a16="http://schemas.microsoft.com/office/drawing/2014/main" id="{7C1075AD-11EA-4F2C-8DA5-867D599C46E6}"/>
+              </a:ext>
+            </a:extLst>
+          </p:cNvPr>
+          <p:cNvPicPr>
+            <a:picLocks noChangeAspect="1"/>
+          </p:cNvPicPr>
+          <p:nvPr/>
+        </p:nvPicPr>
+        <p:blipFill>
+          <a:blip r:embed="rId5">
+            <a:extLst>
+              <a:ext uri="{96DAC541-7B7A-43D3-8B79-37D633B846F1}">
+                <asvg:svgBlip xmlns:asvg="http://schemas.microsoft.com/office/drawing/2016/SVG/main" r:embed="rId6"/>
+              </a:ext>
+            </a:extLst>
+          </a:blip>
+          <a:stretch>
+            <a:fillRect/>
+          </a:stretch>
+        </p:blipFill>
+        <p:spPr>
+          <a:xfrm>
+            <a:off x="5630446" y="3722683"/>
+            <a:ext cx="174433" cy="174433"/>
+          </a:xfrm>
+          <a:prstGeom prst="rect">
+            <a:avLst/>
+          </a:prstGeom>
+        </p:spPr>
+      </p:pic>
+      <p:pic>
+        <p:nvPicPr>
+          <p:cNvPr id="43" name="Graphic 16" descr="Close">
+            <a:extLst>
+              <a:ext uri="{FF2B5EF4-FFF2-40B4-BE49-F238E27FC236}">
+                <a16:creationId xmlns:a16="http://schemas.microsoft.com/office/drawing/2014/main" id="{792EFFA4-010B-4F77-8DFB-520A17312010}"/>
+              </a:ext>
+            </a:extLst>
+          </p:cNvPr>
+          <p:cNvPicPr>
+            <a:picLocks noChangeAspect="1"/>
+          </p:cNvPicPr>
+          <p:nvPr/>
+        </p:nvPicPr>
+        <p:blipFill>
+          <a:blip r:embed="rId5">
+            <a:extLst>
+              <a:ext uri="{96DAC541-7B7A-43D3-8B79-37D633B846F1}">
+                <asvg:svgBlip xmlns:asvg="http://schemas.microsoft.com/office/drawing/2016/SVG/main" r:embed="rId6"/>
+              </a:ext>
+            </a:extLst>
+          </a:blip>
+          <a:stretch>
+            <a:fillRect/>
+          </a:stretch>
+        </p:blipFill>
+        <p:spPr>
+          <a:xfrm>
+            <a:off x="5624255" y="4443396"/>
+            <a:ext cx="174433" cy="174433"/>
+          </a:xfrm>
+          <a:prstGeom prst="rect">
+            <a:avLst/>
+          </a:prstGeom>
+        </p:spPr>
+      </p:pic>
+      <p:pic>
+        <p:nvPicPr>
+          <p:cNvPr id="44" name="Graphic 16" descr="Close">
+            <a:extLst>
+              <a:ext uri="{FF2B5EF4-FFF2-40B4-BE49-F238E27FC236}">
+                <a16:creationId xmlns:a16="http://schemas.microsoft.com/office/drawing/2014/main" id="{45AA7691-B6CF-4E91-AB4D-C4C240F0D47D}"/>
+              </a:ext>
+            </a:extLst>
+          </p:cNvPr>
+          <p:cNvPicPr>
+            <a:picLocks noChangeAspect="1"/>
+          </p:cNvPicPr>
+          <p:nvPr/>
+        </p:nvPicPr>
+        <p:blipFill>
+          <a:blip r:embed="rId5">
+            <a:extLst>
+              <a:ext uri="{96DAC541-7B7A-43D3-8B79-37D633B846F1}">
+                <asvg:svgBlip xmlns:asvg="http://schemas.microsoft.com/office/drawing/2016/SVG/main" r:embed="rId6"/>
+              </a:ext>
+            </a:extLst>
+          </a:blip>
+          <a:stretch>
+            <a:fillRect/>
+          </a:stretch>
+        </p:blipFill>
+        <p:spPr>
+          <a:xfrm>
+            <a:off x="5630446" y="4706568"/>
+            <a:ext cx="174433" cy="174433"/>
+          </a:xfrm>
+          <a:prstGeom prst="rect">
+            <a:avLst/>
+          </a:prstGeom>
+        </p:spPr>
+      </p:pic>
+      <p:pic>
+        <p:nvPicPr>
+          <p:cNvPr id="45" name="Graphic 10" descr="Checkmark">
+            <a:extLst>
+              <a:ext uri="{FF2B5EF4-FFF2-40B4-BE49-F238E27FC236}">
+                <a16:creationId xmlns:a16="http://schemas.microsoft.com/office/drawing/2014/main" id="{9891B777-7F0F-43B4-851F-FBCDCD7E5DF4}"/>
+              </a:ext>
+            </a:extLst>
+          </p:cNvPr>
+          <p:cNvPicPr>
+            <a:picLocks noChangeAspect="1"/>
+          </p:cNvPicPr>
+          <p:nvPr/>
+        </p:nvPicPr>
+        <p:blipFill>
+          <a:blip r:embed="rId3">
+            <a:extLst>
+              <a:ext uri="{96DAC541-7B7A-43D3-8B79-37D633B846F1}">
+                <asvg:svgBlip xmlns:asvg="http://schemas.microsoft.com/office/drawing/2016/SVG/main" r:embed="rId4"/>
+              </a:ext>
+            </a:extLst>
+          </a:blip>
+          <a:stretch>
+            <a:fillRect/>
+          </a:stretch>
+        </p:blipFill>
+        <p:spPr>
+          <a:xfrm>
+            <a:off x="5624255" y="5661661"/>
+            <a:ext cx="174433" cy="174433"/>
+          </a:xfrm>
+          <a:prstGeom prst="rect">
+            <a:avLst/>
+          </a:prstGeom>
+        </p:spPr>
+      </p:pic>
+      <p:pic>
+        <p:nvPicPr>
+          <p:cNvPr id="46" name="Graphic 16" descr="Close">
+            <a:extLst>
+              <a:ext uri="{FF2B5EF4-FFF2-40B4-BE49-F238E27FC236}">
+                <a16:creationId xmlns:a16="http://schemas.microsoft.com/office/drawing/2014/main" id="{1A162C43-5DF9-4223-BFB7-5E168D0D4127}"/>
+              </a:ext>
+            </a:extLst>
+          </p:cNvPr>
+          <p:cNvPicPr>
+            <a:picLocks noChangeAspect="1"/>
+          </p:cNvPicPr>
+          <p:nvPr/>
+        </p:nvPicPr>
+        <p:blipFill>
+          <a:blip r:embed="rId5">
+            <a:extLst>
+              <a:ext uri="{96DAC541-7B7A-43D3-8B79-37D633B846F1}">
+                <asvg:svgBlip xmlns:asvg="http://schemas.microsoft.com/office/drawing/2016/SVG/main" r:embed="rId6"/>
+              </a:ext>
+            </a:extLst>
+          </a:blip>
+          <a:stretch>
+            <a:fillRect/>
+          </a:stretch>
+        </p:blipFill>
+        <p:spPr>
+          <a:xfrm>
+            <a:off x="5630446" y="5908172"/>
+            <a:ext cx="174433" cy="174433"/>
+          </a:xfrm>
+          <a:prstGeom prst="rect">
+            <a:avLst/>
+          </a:prstGeom>
         </p:spPr>
       </p:pic>
     </p:spTree>

--- a/P2/ppt.pptx
+++ b/P2/ppt.pptx
@@ -14,10 +14,11 @@
     <p:sldId id="260" r:id="rId8"/>
     <p:sldId id="263" r:id="rId9"/>
     <p:sldId id="265" r:id="rId10"/>
-    <p:sldId id="266" r:id="rId11"/>
-    <p:sldId id="267" r:id="rId12"/>
-    <p:sldId id="268" r:id="rId13"/>
-    <p:sldId id="269" r:id="rId14"/>
+    <p:sldId id="270" r:id="rId11"/>
+    <p:sldId id="266" r:id="rId12"/>
+    <p:sldId id="267" r:id="rId13"/>
+    <p:sldId id="268" r:id="rId14"/>
+    <p:sldId id="269" r:id="rId15"/>
   </p:sldIdLst>
   <p:sldSz cx="12192000" cy="6858000"/>
   <p:notesSz cx="6858000" cy="9144000"/>
@@ -273,7 +274,7 @@
           <a:p>
             <a:fld id="{85CE5CD3-CA6B-8A47-A3EF-5457F8D1AA2D}" type="datetimeFigureOut">
               <a:rPr lang="es-ES_tradnl" smtClean="0"/>
-              <a:t>05/05/2019</a:t>
+              <a:t>06/05/2019</a:t>
             </a:fld>
             <a:endParaRPr lang="es-ES_tradnl"/>
           </a:p>
@@ -473,7 +474,7 @@
           <a:p>
             <a:fld id="{85CE5CD3-CA6B-8A47-A3EF-5457F8D1AA2D}" type="datetimeFigureOut">
               <a:rPr lang="es-ES_tradnl" smtClean="0"/>
-              <a:t>05/05/2019</a:t>
+              <a:t>06/05/2019</a:t>
             </a:fld>
             <a:endParaRPr lang="es-ES_tradnl"/>
           </a:p>
@@ -683,7 +684,7 @@
           <a:p>
             <a:fld id="{85CE5CD3-CA6B-8A47-A3EF-5457F8D1AA2D}" type="datetimeFigureOut">
               <a:rPr lang="es-ES_tradnl" smtClean="0"/>
-              <a:t>05/05/2019</a:t>
+              <a:t>06/05/2019</a:t>
             </a:fld>
             <a:endParaRPr lang="es-ES_tradnl"/>
           </a:p>
@@ -883,7 +884,7 @@
           <a:p>
             <a:fld id="{85CE5CD3-CA6B-8A47-A3EF-5457F8D1AA2D}" type="datetimeFigureOut">
               <a:rPr lang="es-ES_tradnl" smtClean="0"/>
-              <a:t>05/05/2019</a:t>
+              <a:t>06/05/2019</a:t>
             </a:fld>
             <a:endParaRPr lang="es-ES_tradnl"/>
           </a:p>
@@ -1159,7 +1160,7 @@
           <a:p>
             <a:fld id="{85CE5CD3-CA6B-8A47-A3EF-5457F8D1AA2D}" type="datetimeFigureOut">
               <a:rPr lang="es-ES_tradnl" smtClean="0"/>
-              <a:t>05/05/2019</a:t>
+              <a:t>06/05/2019</a:t>
             </a:fld>
             <a:endParaRPr lang="es-ES_tradnl"/>
           </a:p>
@@ -1427,7 +1428,7 @@
           <a:p>
             <a:fld id="{85CE5CD3-CA6B-8A47-A3EF-5457F8D1AA2D}" type="datetimeFigureOut">
               <a:rPr lang="es-ES_tradnl" smtClean="0"/>
-              <a:t>05/05/2019</a:t>
+              <a:t>06/05/2019</a:t>
             </a:fld>
             <a:endParaRPr lang="es-ES_tradnl"/>
           </a:p>
@@ -1842,7 +1843,7 @@
           <a:p>
             <a:fld id="{85CE5CD3-CA6B-8A47-A3EF-5457F8D1AA2D}" type="datetimeFigureOut">
               <a:rPr lang="es-ES_tradnl" smtClean="0"/>
-              <a:t>05/05/2019</a:t>
+              <a:t>06/05/2019</a:t>
             </a:fld>
             <a:endParaRPr lang="es-ES_tradnl"/>
           </a:p>
@@ -1984,7 +1985,7 @@
           <a:p>
             <a:fld id="{85CE5CD3-CA6B-8A47-A3EF-5457F8D1AA2D}" type="datetimeFigureOut">
               <a:rPr lang="es-ES_tradnl" smtClean="0"/>
-              <a:t>05/05/2019</a:t>
+              <a:t>06/05/2019</a:t>
             </a:fld>
             <a:endParaRPr lang="es-ES_tradnl"/>
           </a:p>
@@ -2097,7 +2098,7 @@
           <a:p>
             <a:fld id="{85CE5CD3-CA6B-8A47-A3EF-5457F8D1AA2D}" type="datetimeFigureOut">
               <a:rPr lang="es-ES_tradnl" smtClean="0"/>
-              <a:t>05/05/2019</a:t>
+              <a:t>06/05/2019</a:t>
             </a:fld>
             <a:endParaRPr lang="es-ES_tradnl"/>
           </a:p>
@@ -2410,7 +2411,7 @@
           <a:p>
             <a:fld id="{85CE5CD3-CA6B-8A47-A3EF-5457F8D1AA2D}" type="datetimeFigureOut">
               <a:rPr lang="es-ES_tradnl" smtClean="0"/>
-              <a:t>05/05/2019</a:t>
+              <a:t>06/05/2019</a:t>
             </a:fld>
             <a:endParaRPr lang="es-ES_tradnl"/>
           </a:p>
@@ -2699,7 +2700,7 @@
           <a:p>
             <a:fld id="{85CE5CD3-CA6B-8A47-A3EF-5457F8D1AA2D}" type="datetimeFigureOut">
               <a:rPr lang="es-ES_tradnl" smtClean="0"/>
-              <a:t>05/05/2019</a:t>
+              <a:t>06/05/2019</a:t>
             </a:fld>
             <a:endParaRPr lang="es-ES_tradnl"/>
           </a:p>
@@ -2942,7 +2943,7 @@
           <a:p>
             <a:fld id="{85CE5CD3-CA6B-8A47-A3EF-5457F8D1AA2D}" type="datetimeFigureOut">
               <a:rPr lang="es-ES_tradnl" smtClean="0"/>
-              <a:t>05/05/2019</a:t>
+              <a:t>06/05/2019</a:t>
             </a:fld>
             <a:endParaRPr lang="es-ES_tradnl"/>
           </a:p>
@@ -3477,7 +3478,7 @@
           <p:cNvPr id="2" name="Title 1">
             <a:extLst>
               <a:ext uri="{FF2B5EF4-FFF2-40B4-BE49-F238E27FC236}">
-                <a16:creationId xmlns:a16="http://schemas.microsoft.com/office/drawing/2014/main" id="{3A0ED5DF-9378-9B43-8F1A-9AE79F2FA4FC}"/>
+                <a16:creationId xmlns:a16="http://schemas.microsoft.com/office/drawing/2014/main" id="{5D8A47AE-FC95-AA4C-B73E-275E1ED78815}"/>
               </a:ext>
             </a:extLst>
           </p:cNvPr>
@@ -3495,186 +3496,17 @@
           <a:p>
             <a:r>
               <a:rPr lang="es-ES_tradnl" dirty="0"/>
-              <a:t>Plataforma electrónica</a:t>
-            </a:r>
-          </a:p>
-        </p:txBody>
-      </p:sp>
-      <p:pic>
-        <p:nvPicPr>
-          <p:cNvPr id="1026" name="Picture 2" descr="/var/folders/s3/wwp7g3hn3r94628zwgkf5f800000gn/T/com.microsoft.Powerpoint/WebArchiveCopyPasteTempFiles/2Q==">
-            <a:extLst>
-              <a:ext uri="{FF2B5EF4-FFF2-40B4-BE49-F238E27FC236}">
-                <a16:creationId xmlns:a16="http://schemas.microsoft.com/office/drawing/2014/main" id="{17029D5D-B602-FB44-99A4-3717E61F8078}"/>
-              </a:ext>
-            </a:extLst>
-          </p:cNvPr>
-          <p:cNvPicPr>
-            <a:picLocks noGrp="1" noChangeAspect="1" noChangeArrowheads="1"/>
-          </p:cNvPicPr>
-          <p:nvPr>
-            <p:ph idx="1"/>
-          </p:nvPr>
-        </p:nvPicPr>
-        <p:blipFill>
-          <a:blip r:embed="rId2">
-            <a:extLst>
-              <a:ext uri="{28A0092B-C50C-407E-A947-70E740481C1C}">
-                <a14:useLocalDpi xmlns:a14="http://schemas.microsoft.com/office/drawing/2010/main" val="0"/>
-              </a:ext>
-            </a:extLst>
-          </a:blip>
-          <a:srcRect/>
-          <a:stretch>
-            <a:fillRect/>
-          </a:stretch>
-        </p:blipFill>
-        <p:spPr bwMode="auto">
-          <a:xfrm>
-            <a:off x="838200" y="1986962"/>
-            <a:ext cx="6502400" cy="3962400"/>
-          </a:xfrm>
-          <a:prstGeom prst="rect">
-            <a:avLst/>
-          </a:prstGeom>
-          <a:noFill/>
-          <a:extLst>
-            <a:ext uri="{909E8E84-426E-40DD-AFC4-6F175D3DCCD1}">
-              <a14:hiddenFill xmlns:a14="http://schemas.microsoft.com/office/drawing/2010/main">
-                <a:solidFill>
-                  <a:srgbClr val="FFFFFF"/>
-                </a:solidFill>
-              </a14:hiddenFill>
-            </a:ext>
-          </a:extLst>
-        </p:spPr>
-      </p:pic>
-      <p:sp>
-        <p:nvSpPr>
-          <p:cNvPr id="4" name="TextBox 3">
-            <a:extLst>
-              <a:ext uri="{FF2B5EF4-FFF2-40B4-BE49-F238E27FC236}">
-                <a16:creationId xmlns:a16="http://schemas.microsoft.com/office/drawing/2014/main" id="{E9F9E150-E408-8749-80A0-7C522CA71B62}"/>
-              </a:ext>
-            </a:extLst>
-          </p:cNvPr>
-          <p:cNvSpPr txBox="1"/>
-          <p:nvPr/>
-        </p:nvSpPr>
-        <p:spPr>
-          <a:xfrm>
-            <a:off x="8330184" y="2675500"/>
-            <a:ext cx="2832763" cy="2585323"/>
-          </a:xfrm>
-          <a:prstGeom prst="rect">
-            <a:avLst/>
-          </a:prstGeom>
-          <a:noFill/>
-        </p:spPr>
-        <p:txBody>
-          <a:bodyPr wrap="none" rtlCol="0">
-            <a:spAutoFit/>
-          </a:bodyPr>
-          <a:lstStyle/>
-          <a:p>
-            <a:pPr marL="285750" indent="-285750">
-              <a:buFont typeface="Arial" panose="020B0604020202020204" pitchFamily="34" charset="0"/>
-              <a:buChar char="•"/>
-            </a:pPr>
-            <a:r>
-              <a:rPr lang="es-ES_tradnl" dirty="0"/>
-              <a:t>Sede electrónica</a:t>
-            </a:r>
-          </a:p>
-          <a:p>
-            <a:pPr marL="285750" indent="-285750">
-              <a:buFont typeface="Arial" panose="020B0604020202020204" pitchFamily="34" charset="0"/>
-              <a:buChar char="•"/>
-            </a:pPr>
-            <a:r>
-              <a:rPr lang="es-ES_tradnl" dirty="0"/>
-              <a:t>Gestor de formularios  </a:t>
-            </a:r>
-          </a:p>
-          <a:p>
-            <a:pPr marL="285750" indent="-285750">
-              <a:buFont typeface="Arial" panose="020B0604020202020204" pitchFamily="34" charset="0"/>
-              <a:buChar char="•"/>
-            </a:pPr>
-            <a:r>
-              <a:rPr lang="es-ES_tradnl" dirty="0"/>
-              <a:t>Registro electrónico </a:t>
-            </a:r>
-          </a:p>
-          <a:p>
-            <a:pPr marL="285750" indent="-285750">
-              <a:buFont typeface="Arial" panose="020B0604020202020204" pitchFamily="34" charset="0"/>
-              <a:buChar char="•"/>
-            </a:pPr>
-            <a:r>
-              <a:rPr lang="es-ES_tradnl" dirty="0"/>
-              <a:t>Pasarela de pagos </a:t>
-            </a:r>
-          </a:p>
-          <a:p>
-            <a:pPr marL="285750" indent="-285750">
-              <a:buFont typeface="Arial" panose="020B0604020202020204" pitchFamily="34" charset="0"/>
-              <a:buChar char="•"/>
-            </a:pPr>
-            <a:r>
-              <a:rPr lang="es-ES" dirty="0"/>
-              <a:t>Gestor de expedientes </a:t>
-            </a:r>
-          </a:p>
-          <a:p>
-            <a:pPr marL="285750" indent="-285750">
-              <a:buFont typeface="Arial" panose="020B0604020202020204" pitchFamily="34" charset="0"/>
-              <a:buChar char="•"/>
-            </a:pPr>
-            <a:r>
-              <a:rPr lang="es-ES" dirty="0"/>
-              <a:t>Notificación electrónica </a:t>
-            </a:r>
-          </a:p>
-          <a:p>
-            <a:pPr marL="285750" indent="-285750">
-              <a:buFont typeface="Arial" panose="020B0604020202020204" pitchFamily="34" charset="0"/>
-              <a:buChar char="•"/>
-            </a:pPr>
-            <a:r>
-              <a:rPr lang="es-ES" dirty="0"/>
-              <a:t>Identificación electrónica</a:t>
-            </a:r>
-          </a:p>
-          <a:p>
-            <a:pPr marL="285750" indent="-285750">
-              <a:buFont typeface="Arial" panose="020B0604020202020204" pitchFamily="34" charset="0"/>
-              <a:buChar char="•"/>
-            </a:pPr>
-            <a:r>
-              <a:rPr lang="es-ES" dirty="0"/>
-              <a:t>Archivo electrónico  </a:t>
-            </a:r>
-          </a:p>
-          <a:p>
-            <a:pPr marL="285750" indent="-285750">
-              <a:buFont typeface="Arial" panose="020B0604020202020204" pitchFamily="34" charset="0"/>
-              <a:buChar char="•"/>
-            </a:pPr>
-            <a:r>
-              <a:rPr lang="es-ES" dirty="0"/>
-              <a:t>Interoperabilidad </a:t>
-            </a:r>
-            <a:endParaRPr lang="es-ES_tradnl" dirty="0"/>
+              <a:t>Ayto. de Torrelodones</a:t>
+            </a:r>
           </a:p>
         </p:txBody>
       </p:sp>
       <p:sp>
         <p:nvSpPr>
-          <p:cNvPr id="5" name="TextBox 4">
-            <a:extLst>
-              <a:ext uri="{FF2B5EF4-FFF2-40B4-BE49-F238E27FC236}">
-                <a16:creationId xmlns:a16="http://schemas.microsoft.com/office/drawing/2014/main" id="{DD5B5F20-F0DF-B541-A66C-0E21C42C33D7}"/>
+          <p:cNvPr id="6" name="TextBox 5">
+            <a:extLst>
+              <a:ext uri="{FF2B5EF4-FFF2-40B4-BE49-F238E27FC236}">
+                <a16:creationId xmlns:a16="http://schemas.microsoft.com/office/drawing/2014/main" id="{D832FBDB-B8B9-F24D-96CF-CCE1EB8E3499}"/>
               </a:ext>
             </a:extLst>
           </p:cNvPr>
@@ -3683,8 +3515,8 @@
         </p:nvSpPr>
         <p:spPr>
           <a:xfrm>
-            <a:off x="8330184" y="843240"/>
-            <a:ext cx="2547172" cy="369332"/>
+            <a:off x="838200" y="1690688"/>
+            <a:ext cx="4343400" cy="6247864"/>
           </a:xfrm>
           <a:prstGeom prst="rect">
             <a:avLst/>
@@ -3692,22 +3524,1726 @@
           <a:noFill/>
         </p:spPr>
         <p:txBody>
-          <a:bodyPr wrap="none" rtlCol="0">
+          <a:bodyPr wrap="square" rtlCol="0">
             <a:spAutoFit/>
           </a:bodyPr>
           <a:lstStyle/>
           <a:p>
-            <a:r>
-              <a:rPr lang="es-ES_tradnl" dirty="0"/>
-              <a:t>Componentes + Procesos</a:t>
-            </a:r>
+            <a:pPr marL="285750" indent="-285750">
+              <a:buFont typeface="Arial" panose="020B0604020202020204" pitchFamily="34" charset="0"/>
+              <a:buChar char="•"/>
+            </a:pPr>
+            <a:r>
+              <a:rPr lang="es-ES" sz="1600" dirty="0"/>
+              <a:t>Dirección de la sede</a:t>
+            </a:r>
+          </a:p>
+          <a:p>
+            <a:pPr marL="285750" indent="-285750">
+              <a:buFont typeface="Arial" panose="020B0604020202020204" pitchFamily="34" charset="0"/>
+              <a:buChar char="•"/>
+            </a:pPr>
+            <a:r>
+              <a:rPr lang="es-ES" sz="1600" dirty="0"/>
+              <a:t>Identificación de su titular. </a:t>
+            </a:r>
+          </a:p>
+          <a:p>
+            <a:pPr marL="285750" indent="-285750">
+              <a:buFont typeface="Arial" panose="020B0604020202020204" pitchFamily="34" charset="0"/>
+              <a:buChar char="•"/>
+            </a:pPr>
+            <a:r>
+              <a:rPr lang="es-ES" sz="1600" dirty="0"/>
+              <a:t>Canales de acceso a los servicios</a:t>
+            </a:r>
+          </a:p>
+          <a:p>
+            <a:pPr marL="285750" indent="-285750">
+              <a:buFont typeface="Arial" panose="020B0604020202020204" pitchFamily="34" charset="0"/>
+              <a:buChar char="•"/>
+            </a:pPr>
+            <a:r>
+              <a:rPr lang="es-ES" sz="1600" dirty="0"/>
+              <a:t>Quejas y sugerencias</a:t>
+            </a:r>
+          </a:p>
+          <a:p>
+            <a:pPr marL="285750" indent="-285750">
+              <a:buFont typeface="Arial" panose="020B0604020202020204" pitchFamily="34" charset="0"/>
+              <a:buChar char="•"/>
+            </a:pPr>
+            <a:r>
+              <a:rPr lang="es-ES" sz="1600" dirty="0"/>
+              <a:t>Identificación de la sede</a:t>
+            </a:r>
+          </a:p>
+          <a:p>
+            <a:pPr marL="285750" indent="-285750">
+              <a:buFont typeface="Arial" panose="020B0604020202020204" pitchFamily="34" charset="0"/>
+              <a:buChar char="•"/>
+            </a:pPr>
+            <a:r>
+              <a:rPr lang="es-ES" sz="1600" dirty="0"/>
+              <a:t>Sedes compartidas</a:t>
+            </a:r>
+          </a:p>
+          <a:p>
+            <a:pPr marL="285750" indent="-285750">
+              <a:buFont typeface="Arial" panose="020B0604020202020204" pitchFamily="34" charset="0"/>
+              <a:buChar char="•"/>
+            </a:pPr>
+            <a:r>
+              <a:rPr lang="es-ES" sz="1600" dirty="0"/>
+              <a:t>Subsedes</a:t>
+            </a:r>
+          </a:p>
+          <a:p>
+            <a:pPr marL="285750" indent="-285750">
+              <a:buFont typeface="Arial" panose="020B0604020202020204" pitchFamily="34" charset="0"/>
+              <a:buChar char="•"/>
+            </a:pPr>
+            <a:r>
+              <a:rPr lang="es-ES" sz="1600" dirty="0"/>
+              <a:t>Instrumento de creación.</a:t>
+            </a:r>
+          </a:p>
+          <a:p>
+            <a:pPr marL="285750" indent="-285750">
+              <a:buFont typeface="Arial" panose="020B0604020202020204" pitchFamily="34" charset="0"/>
+              <a:buChar char="•"/>
+            </a:pPr>
+            <a:r>
+              <a:rPr lang="es-ES" sz="1600" dirty="0"/>
+              <a:t>Mapa de la sede </a:t>
+            </a:r>
+          </a:p>
+          <a:p>
+            <a:pPr marL="285750" indent="-285750">
+              <a:buFont typeface="Arial" panose="020B0604020202020204" pitchFamily="34" charset="0"/>
+              <a:buChar char="•"/>
+            </a:pPr>
+            <a:r>
+              <a:rPr lang="es-ES" sz="1600" dirty="0"/>
+              <a:t>Estructura de navegación. </a:t>
+            </a:r>
+          </a:p>
+          <a:p>
+            <a:pPr marL="285750" indent="-285750">
+              <a:buFont typeface="Arial" panose="020B0604020202020204" pitchFamily="34" charset="0"/>
+              <a:buChar char="•"/>
+            </a:pPr>
+            <a:r>
+              <a:rPr lang="es-ES" sz="1600" dirty="0"/>
+              <a:t>Secciones disponibles. </a:t>
+            </a:r>
+          </a:p>
+          <a:p>
+            <a:pPr marL="285750" indent="-285750">
+              <a:buFont typeface="Arial" panose="020B0604020202020204" pitchFamily="34" charset="0"/>
+              <a:buChar char="•"/>
+            </a:pPr>
+            <a:r>
+              <a:rPr lang="es-ES" sz="1600" dirty="0"/>
+              <a:t>Propiedad intelectual. </a:t>
+            </a:r>
+          </a:p>
+          <a:p>
+            <a:pPr marL="285750" indent="-285750">
+              <a:buFont typeface="Arial" panose="020B0604020202020204" pitchFamily="34" charset="0"/>
+              <a:buChar char="•"/>
+            </a:pPr>
+            <a:r>
+              <a:rPr lang="es-ES" sz="1600" dirty="0"/>
+              <a:t>Protección de Datos de Carácter Personal.</a:t>
+            </a:r>
+          </a:p>
+          <a:p>
+            <a:pPr marL="285750" indent="-285750">
+              <a:buFont typeface="Arial" panose="020B0604020202020204" pitchFamily="34" charset="0"/>
+              <a:buChar char="•"/>
+            </a:pPr>
+            <a:r>
+              <a:rPr lang="es-ES" sz="1600" dirty="0"/>
+              <a:t>Enlace con las sedes electrónicas de las Agencias de Protección de Datos. </a:t>
+            </a:r>
+          </a:p>
+          <a:p>
+            <a:pPr marL="285750" indent="-285750">
+              <a:buFont typeface="Arial" panose="020B0604020202020204" pitchFamily="34" charset="0"/>
+              <a:buChar char="•"/>
+            </a:pPr>
+            <a:r>
+              <a:rPr lang="es-ES" sz="1600" dirty="0"/>
+              <a:t>Asesoramiento electrónico</a:t>
+            </a:r>
+          </a:p>
+          <a:p>
+            <a:pPr marL="285750" indent="-285750">
+              <a:buFont typeface="Arial" panose="020B0604020202020204" pitchFamily="34" charset="0"/>
+              <a:buChar char="•"/>
+            </a:pPr>
+            <a:r>
+              <a:rPr lang="es-ES" sz="1600" dirty="0"/>
+              <a:t>Sistema de verificación de los certificados.</a:t>
+            </a:r>
+          </a:p>
+          <a:p>
+            <a:pPr marL="285750" indent="-285750">
+              <a:buFont typeface="Arial" panose="020B0604020202020204" pitchFamily="34" charset="0"/>
+              <a:buChar char="•"/>
+            </a:pPr>
+            <a:r>
+              <a:rPr lang="es-ES" sz="1600" dirty="0"/>
+              <a:t>Sistemas de firma electrónica.</a:t>
+            </a:r>
+          </a:p>
+          <a:p>
+            <a:pPr marL="285750" indent="-285750">
+              <a:buFont typeface="Arial" panose="020B0604020202020204" pitchFamily="34" charset="0"/>
+              <a:buChar char="•"/>
+            </a:pPr>
+            <a:r>
+              <a:rPr lang="es-ES" sz="1600" dirty="0"/>
+              <a:t>Normas de creación del registro electrónico.</a:t>
+            </a:r>
+          </a:p>
+          <a:p>
+            <a:pPr marL="285750" indent="-285750">
+              <a:buFont typeface="Arial" panose="020B0604020202020204" pitchFamily="34" charset="0"/>
+              <a:buChar char="•"/>
+            </a:pPr>
+            <a:endParaRPr lang="es-ES" sz="1600" dirty="0"/>
+          </a:p>
+          <a:p>
+            <a:pPr marL="285750" indent="-285750">
+              <a:buFont typeface="Arial" panose="020B0604020202020204" pitchFamily="34" charset="0"/>
+              <a:buChar char="•"/>
+            </a:pPr>
+            <a:endParaRPr lang="es-ES" sz="1600" dirty="0"/>
+          </a:p>
+          <a:p>
+            <a:pPr marL="285750" indent="-285750">
+              <a:buFont typeface="Arial" panose="020B0604020202020204" pitchFamily="34" charset="0"/>
+              <a:buChar char="•"/>
+            </a:pPr>
+            <a:endParaRPr lang="es-ES" sz="1600" dirty="0"/>
+          </a:p>
+          <a:p>
+            <a:pPr marL="285750" indent="-285750">
+              <a:buFont typeface="Arial" panose="020B0604020202020204" pitchFamily="34" charset="0"/>
+              <a:buChar char="•"/>
+            </a:pPr>
+            <a:endParaRPr lang="es-ES" sz="1600" dirty="0"/>
+          </a:p>
+          <a:p>
+            <a:pPr marL="285750" indent="-285750">
+              <a:buFont typeface="Arial" panose="020B0604020202020204" pitchFamily="34" charset="0"/>
+              <a:buChar char="•"/>
+            </a:pPr>
+            <a:endParaRPr lang="es-ES" sz="1600" dirty="0"/>
+          </a:p>
+          <a:p>
+            <a:pPr marL="285750" indent="-285750">
+              <a:buFont typeface="Arial" panose="020B0604020202020204" pitchFamily="34" charset="0"/>
+              <a:buChar char="•"/>
+            </a:pPr>
+            <a:endParaRPr lang="es-ES" sz="1600" dirty="0"/>
           </a:p>
         </p:txBody>
       </p:sp>
+      <p:sp>
+        <p:nvSpPr>
+          <p:cNvPr id="8" name="TextBox 7">
+            <a:extLst>
+              <a:ext uri="{FF2B5EF4-FFF2-40B4-BE49-F238E27FC236}">
+                <a16:creationId xmlns:a16="http://schemas.microsoft.com/office/drawing/2014/main" id="{6316ECC4-031D-4F42-83E0-485019ACAC1D}"/>
+              </a:ext>
+            </a:extLst>
+          </p:cNvPr>
+          <p:cNvSpPr txBox="1"/>
+          <p:nvPr/>
+        </p:nvSpPr>
+        <p:spPr>
+          <a:xfrm>
+            <a:off x="5798693" y="1690687"/>
+            <a:ext cx="5769863" cy="4524315"/>
+          </a:xfrm>
+          <a:prstGeom prst="rect">
+            <a:avLst/>
+          </a:prstGeom>
+          <a:noFill/>
+        </p:spPr>
+        <p:txBody>
+          <a:bodyPr wrap="square" rtlCol="0">
+            <a:spAutoFit/>
+          </a:bodyPr>
+          <a:lstStyle/>
+          <a:p>
+            <a:pPr marL="285750" indent="-285750">
+              <a:buFont typeface="Arial" panose="020B0604020202020204" pitchFamily="34" charset="0"/>
+              <a:buChar char="•"/>
+            </a:pPr>
+            <a:r>
+              <a:rPr lang="es-ES" sz="1600" dirty="0"/>
+              <a:t>Relación de los servicios disponibles en la sede electrónica. </a:t>
+            </a:r>
+          </a:p>
+          <a:p>
+            <a:pPr marL="285750" indent="-285750">
+              <a:buFont typeface="Arial" panose="020B0604020202020204" pitchFamily="34" charset="0"/>
+              <a:buChar char="•"/>
+            </a:pPr>
+            <a:r>
+              <a:rPr lang="es-ES" sz="1600" dirty="0"/>
+              <a:t>Carta de servicios. </a:t>
+            </a:r>
+          </a:p>
+          <a:p>
+            <a:pPr marL="285750" indent="-285750">
+              <a:buFont typeface="Arial" panose="020B0604020202020204" pitchFamily="34" charset="0"/>
+              <a:buChar char="•"/>
+            </a:pPr>
+            <a:r>
+              <a:rPr lang="es-ES" sz="1600" dirty="0"/>
+              <a:t>Carta de servicios electrónicos. </a:t>
+            </a:r>
+          </a:p>
+          <a:p>
+            <a:pPr marL="285750" indent="-285750">
+              <a:buFont typeface="Arial" panose="020B0604020202020204" pitchFamily="34" charset="0"/>
+              <a:buChar char="•"/>
+            </a:pPr>
+            <a:r>
+              <a:rPr lang="es-ES" sz="1600" dirty="0"/>
+              <a:t>Medios electrónicos que los usuarios pueden utilizar. </a:t>
+            </a:r>
+          </a:p>
+          <a:p>
+            <a:pPr marL="285750" indent="-285750">
+              <a:buFont typeface="Arial" panose="020B0604020202020204" pitchFamily="34" charset="0"/>
+              <a:buChar char="•"/>
+            </a:pPr>
+            <a:r>
+              <a:rPr lang="es-ES" sz="1600" dirty="0"/>
+              <a:t>Sistema de sugerencias y quejas ante otros órganos.</a:t>
+            </a:r>
+          </a:p>
+          <a:p>
+            <a:pPr marL="285750" indent="-285750">
+              <a:buFont typeface="Arial" panose="020B0604020202020204" pitchFamily="34" charset="0"/>
+              <a:buChar char="•"/>
+            </a:pPr>
+            <a:r>
+              <a:rPr lang="es-ES" sz="1600" dirty="0"/>
+              <a:t>Acceso al estado de tramitación del expediente. </a:t>
+            </a:r>
+          </a:p>
+          <a:p>
+            <a:pPr marL="285750" indent="-285750">
+              <a:buFont typeface="Arial" panose="020B0604020202020204" pitchFamily="34" charset="0"/>
+              <a:buChar char="•"/>
+            </a:pPr>
+            <a:r>
+              <a:rPr lang="es-ES" sz="1600" dirty="0"/>
+              <a:t>Publicación de los diarios o boletines. </a:t>
+            </a:r>
+          </a:p>
+          <a:p>
+            <a:pPr marL="285750" indent="-285750">
+              <a:buFont typeface="Arial" panose="020B0604020202020204" pitchFamily="34" charset="0"/>
+              <a:buChar char="•"/>
+            </a:pPr>
+            <a:r>
+              <a:rPr lang="es-ES" sz="1600" dirty="0"/>
+              <a:t>Tablón de anuncios.</a:t>
+            </a:r>
+          </a:p>
+          <a:p>
+            <a:pPr marL="285750" indent="-285750">
+              <a:buFont typeface="Arial" panose="020B0604020202020204" pitchFamily="34" charset="0"/>
+              <a:buChar char="•"/>
+            </a:pPr>
+            <a:r>
+              <a:rPr lang="es-ES" sz="1600" dirty="0"/>
+              <a:t>Verificación de los sellos electrónicos.</a:t>
+            </a:r>
+          </a:p>
+          <a:p>
+            <a:pPr marL="285750" indent="-285750">
+              <a:buFont typeface="Arial" panose="020B0604020202020204" pitchFamily="34" charset="0"/>
+              <a:buChar char="•"/>
+            </a:pPr>
+            <a:r>
+              <a:rPr lang="es-ES" sz="1600" dirty="0"/>
+              <a:t>Comprobación de la autenticidad e integridad.</a:t>
+            </a:r>
+          </a:p>
+          <a:p>
+            <a:pPr marL="285750" indent="-285750">
+              <a:buFont typeface="Arial" panose="020B0604020202020204" pitchFamily="34" charset="0"/>
+              <a:buChar char="•"/>
+            </a:pPr>
+            <a:r>
+              <a:rPr lang="es-ES" sz="1600" dirty="0"/>
+              <a:t>Indicación de la fecha y hora oficial. </a:t>
+            </a:r>
+          </a:p>
+          <a:p>
+            <a:pPr marL="285750" indent="-285750">
+              <a:buFont typeface="Arial" panose="020B0604020202020204" pitchFamily="34" charset="0"/>
+              <a:buChar char="•"/>
+            </a:pPr>
+            <a:r>
+              <a:rPr lang="es-ES" sz="1600" dirty="0"/>
+              <a:t>Lista con los días considerados inhábiles. </a:t>
+            </a:r>
+          </a:p>
+          <a:p>
+            <a:pPr marL="285750" indent="-285750">
+              <a:buFont typeface="Arial" panose="020B0604020202020204" pitchFamily="34" charset="0"/>
+              <a:buChar char="•"/>
+            </a:pPr>
+            <a:r>
+              <a:rPr lang="es-ES" sz="1600" dirty="0"/>
+              <a:t>Otros servicios o contenidos. </a:t>
+            </a:r>
+          </a:p>
+          <a:p>
+            <a:pPr marL="285750" indent="-285750">
+              <a:buFont typeface="Arial" panose="020B0604020202020204" pitchFamily="34" charset="0"/>
+              <a:buChar char="•"/>
+            </a:pPr>
+            <a:r>
+              <a:rPr lang="es-ES" sz="1600" dirty="0"/>
+              <a:t>Lenguas cooficiales. </a:t>
+            </a:r>
+          </a:p>
+          <a:p>
+            <a:pPr marL="285750" indent="-285750">
+              <a:buFont typeface="Arial" panose="020B0604020202020204" pitchFamily="34" charset="0"/>
+              <a:buChar char="•"/>
+            </a:pPr>
+            <a:r>
+              <a:rPr lang="es-ES" sz="1600" dirty="0"/>
+              <a:t>Información sobre cuando se está navegando dentro o fuera de la sede.</a:t>
+            </a:r>
+          </a:p>
+          <a:p>
+            <a:pPr marL="285750" indent="-285750">
+              <a:buFont typeface="Arial" panose="020B0604020202020204" pitchFamily="34" charset="0"/>
+              <a:buChar char="•"/>
+            </a:pPr>
+            <a:r>
+              <a:rPr lang="es-ES" sz="1600" dirty="0"/>
+              <a:t>Verifica los principios de accesibilidad y usabilidad. </a:t>
+            </a:r>
+          </a:p>
+          <a:p>
+            <a:pPr marL="285750" indent="-285750">
+              <a:buFont typeface="Arial" panose="020B0604020202020204" pitchFamily="34" charset="0"/>
+              <a:buChar char="•"/>
+            </a:pPr>
+            <a:r>
+              <a:rPr lang="es-ES" sz="1600" dirty="0"/>
+              <a:t>Elementos basados en estándares abiertos</a:t>
+            </a:r>
+          </a:p>
+        </p:txBody>
+      </p:sp>
+      <p:pic>
+        <p:nvPicPr>
+          <p:cNvPr id="9" name="Content Placeholder 8">
+            <a:extLst>
+              <a:ext uri="{FF2B5EF4-FFF2-40B4-BE49-F238E27FC236}">
+                <a16:creationId xmlns:a16="http://schemas.microsoft.com/office/drawing/2014/main" id="{3BDBB666-B0B7-E84B-9248-CEDDAAED96EA}"/>
+              </a:ext>
+            </a:extLst>
+          </p:cNvPr>
+          <p:cNvPicPr>
+            <a:picLocks noGrp="1" noChangeAspect="1"/>
+          </p:cNvPicPr>
+          <p:nvPr>
+            <p:ph idx="1"/>
+          </p:nvPr>
+        </p:nvPicPr>
+        <p:blipFill>
+          <a:blip r:embed="rId2"/>
+          <a:stretch>
+            <a:fillRect/>
+          </a:stretch>
+        </p:blipFill>
+        <p:spPr>
+          <a:xfrm>
+            <a:off x="6293422" y="732717"/>
+            <a:ext cx="5060378" cy="590377"/>
+          </a:xfrm>
+        </p:spPr>
+      </p:pic>
+      <p:pic>
+        <p:nvPicPr>
+          <p:cNvPr id="7" name="Graphic 10" descr="Checkmark">
+            <a:extLst>
+              <a:ext uri="{FF2B5EF4-FFF2-40B4-BE49-F238E27FC236}">
+                <a16:creationId xmlns:a16="http://schemas.microsoft.com/office/drawing/2014/main" id="{DFAB3C12-931D-4D7A-A205-F2299F0A8FA2}"/>
+              </a:ext>
+            </a:extLst>
+          </p:cNvPr>
+          <p:cNvPicPr>
+            <a:picLocks noChangeAspect="1"/>
+          </p:cNvPicPr>
+          <p:nvPr/>
+        </p:nvPicPr>
+        <p:blipFill>
+          <a:blip r:embed="rId3">
+            <a:extLst>
+              <a:ext uri="{96DAC541-7B7A-43D3-8B79-37D633B846F1}">
+                <asvg:svgBlip xmlns:asvg="http://schemas.microsoft.com/office/drawing/2016/SVG/main" r:embed="rId4"/>
+              </a:ext>
+            </a:extLst>
+          </a:blip>
+          <a:stretch>
+            <a:fillRect/>
+          </a:stretch>
+        </p:blipFill>
+        <p:spPr>
+          <a:xfrm>
+            <a:off x="663767" y="1773522"/>
+            <a:ext cx="174433" cy="174433"/>
+          </a:xfrm>
+          <a:prstGeom prst="rect">
+            <a:avLst/>
+          </a:prstGeom>
+        </p:spPr>
+      </p:pic>
+      <p:pic>
+        <p:nvPicPr>
+          <p:cNvPr id="10" name="Graphic 16" descr="Close">
+            <a:extLst>
+              <a:ext uri="{FF2B5EF4-FFF2-40B4-BE49-F238E27FC236}">
+                <a16:creationId xmlns:a16="http://schemas.microsoft.com/office/drawing/2014/main" id="{5EC0146D-CC17-4959-BBF0-27384A3C68C5}"/>
+              </a:ext>
+            </a:extLst>
+          </p:cNvPr>
+          <p:cNvPicPr>
+            <a:picLocks noChangeAspect="1"/>
+          </p:cNvPicPr>
+          <p:nvPr/>
+        </p:nvPicPr>
+        <p:blipFill>
+          <a:blip r:embed="rId5">
+            <a:extLst>
+              <a:ext uri="{96DAC541-7B7A-43D3-8B79-37D633B846F1}">
+                <asvg:svgBlip xmlns:asvg="http://schemas.microsoft.com/office/drawing/2016/SVG/main" r:embed="rId6"/>
+              </a:ext>
+            </a:extLst>
+          </a:blip>
+          <a:stretch>
+            <a:fillRect/>
+          </a:stretch>
+        </p:blipFill>
+        <p:spPr>
+          <a:xfrm>
+            <a:off x="664352" y="2987670"/>
+            <a:ext cx="174433" cy="174433"/>
+          </a:xfrm>
+          <a:prstGeom prst="rect">
+            <a:avLst/>
+          </a:prstGeom>
+        </p:spPr>
+      </p:pic>
+      <p:pic>
+        <p:nvPicPr>
+          <p:cNvPr id="11" name="Graphic 10" descr="Checkmark">
+            <a:extLst>
+              <a:ext uri="{FF2B5EF4-FFF2-40B4-BE49-F238E27FC236}">
+                <a16:creationId xmlns:a16="http://schemas.microsoft.com/office/drawing/2014/main" id="{99FE28A2-C9AD-4ACB-8EE8-AA5480FFACF9}"/>
+              </a:ext>
+            </a:extLst>
+          </p:cNvPr>
+          <p:cNvPicPr>
+            <a:picLocks noChangeAspect="1"/>
+          </p:cNvPicPr>
+          <p:nvPr/>
+        </p:nvPicPr>
+        <p:blipFill>
+          <a:blip r:embed="rId3">
+            <a:extLst>
+              <a:ext uri="{96DAC541-7B7A-43D3-8B79-37D633B846F1}">
+                <asvg:svgBlip xmlns:asvg="http://schemas.microsoft.com/office/drawing/2016/SVG/main" r:embed="rId4"/>
+              </a:ext>
+            </a:extLst>
+          </a:blip>
+          <a:stretch>
+            <a:fillRect/>
+          </a:stretch>
+        </p:blipFill>
+        <p:spPr>
+          <a:xfrm>
+            <a:off x="663767" y="2030789"/>
+            <a:ext cx="174433" cy="174433"/>
+          </a:xfrm>
+          <a:prstGeom prst="rect">
+            <a:avLst/>
+          </a:prstGeom>
+        </p:spPr>
+      </p:pic>
+      <p:pic>
+        <p:nvPicPr>
+          <p:cNvPr id="12" name="Graphic 10" descr="Checkmark">
+            <a:extLst>
+              <a:ext uri="{FF2B5EF4-FFF2-40B4-BE49-F238E27FC236}">
+                <a16:creationId xmlns:a16="http://schemas.microsoft.com/office/drawing/2014/main" id="{E8D537D6-F1E8-4B60-A6DE-B270C425E88C}"/>
+              </a:ext>
+            </a:extLst>
+          </p:cNvPr>
+          <p:cNvPicPr>
+            <a:picLocks noChangeAspect="1"/>
+          </p:cNvPicPr>
+          <p:nvPr/>
+        </p:nvPicPr>
+        <p:blipFill>
+          <a:blip r:embed="rId3">
+            <a:extLst>
+              <a:ext uri="{96DAC541-7B7A-43D3-8B79-37D633B846F1}">
+                <asvg:svgBlip xmlns:asvg="http://schemas.microsoft.com/office/drawing/2016/SVG/main" r:embed="rId4"/>
+              </a:ext>
+            </a:extLst>
+          </a:blip>
+          <a:stretch>
+            <a:fillRect/>
+          </a:stretch>
+        </p:blipFill>
+        <p:spPr>
+          <a:xfrm>
+            <a:off x="663767" y="2270405"/>
+            <a:ext cx="174433" cy="174433"/>
+          </a:xfrm>
+          <a:prstGeom prst="rect">
+            <a:avLst/>
+          </a:prstGeom>
+        </p:spPr>
+      </p:pic>
+      <p:pic>
+        <p:nvPicPr>
+          <p:cNvPr id="14" name="Graphic 10" descr="Checkmark">
+            <a:extLst>
+              <a:ext uri="{FF2B5EF4-FFF2-40B4-BE49-F238E27FC236}">
+                <a16:creationId xmlns:a16="http://schemas.microsoft.com/office/drawing/2014/main" id="{E0A4A0A2-C452-4265-A2C8-9DF2BF3BF0C7}"/>
+              </a:ext>
+            </a:extLst>
+          </p:cNvPr>
+          <p:cNvPicPr>
+            <a:picLocks noChangeAspect="1"/>
+          </p:cNvPicPr>
+          <p:nvPr/>
+        </p:nvPicPr>
+        <p:blipFill>
+          <a:blip r:embed="rId3">
+            <a:extLst>
+              <a:ext uri="{96DAC541-7B7A-43D3-8B79-37D633B846F1}">
+                <asvg:svgBlip xmlns:asvg="http://schemas.microsoft.com/office/drawing/2016/SVG/main" r:embed="rId4"/>
+              </a:ext>
+            </a:extLst>
+          </a:blip>
+          <a:stretch>
+            <a:fillRect/>
+          </a:stretch>
+        </p:blipFill>
+        <p:spPr>
+          <a:xfrm>
+            <a:off x="664352" y="2749637"/>
+            <a:ext cx="174433" cy="174433"/>
+          </a:xfrm>
+          <a:prstGeom prst="rect">
+            <a:avLst/>
+          </a:prstGeom>
+        </p:spPr>
+      </p:pic>
+      <p:pic>
+        <p:nvPicPr>
+          <p:cNvPr id="15" name="Graphic 42" descr="Pause">
+            <a:extLst>
+              <a:ext uri="{FF2B5EF4-FFF2-40B4-BE49-F238E27FC236}">
+                <a16:creationId xmlns:a16="http://schemas.microsoft.com/office/drawing/2014/main" id="{48988207-60C5-4437-BDF2-A0512BAD62AF}"/>
+              </a:ext>
+            </a:extLst>
+          </p:cNvPr>
+          <p:cNvPicPr>
+            <a:picLocks noChangeAspect="1"/>
+          </p:cNvPicPr>
+          <p:nvPr/>
+        </p:nvPicPr>
+        <p:blipFill>
+          <a:blip r:embed="rId7">
+            <a:extLst>
+              <a:ext uri="{96DAC541-7B7A-43D3-8B79-37D633B846F1}">
+                <asvg:svgBlip xmlns:asvg="http://schemas.microsoft.com/office/drawing/2016/SVG/main" r:embed="rId8"/>
+              </a:ext>
+            </a:extLst>
+          </a:blip>
+          <a:stretch>
+            <a:fillRect/>
+          </a:stretch>
+        </p:blipFill>
+        <p:spPr>
+          <a:xfrm>
+            <a:off x="663766" y="2508438"/>
+            <a:ext cx="174433" cy="174433"/>
+          </a:xfrm>
+          <a:prstGeom prst="rect">
+            <a:avLst/>
+          </a:prstGeom>
+        </p:spPr>
+      </p:pic>
+      <p:pic>
+        <p:nvPicPr>
+          <p:cNvPr id="16" name="Graphic 16" descr="Close">
+            <a:extLst>
+              <a:ext uri="{FF2B5EF4-FFF2-40B4-BE49-F238E27FC236}">
+                <a16:creationId xmlns:a16="http://schemas.microsoft.com/office/drawing/2014/main" id="{BBB5D431-56DF-4320-AF63-36AC0AB5E4A6}"/>
+              </a:ext>
+            </a:extLst>
+          </p:cNvPr>
+          <p:cNvPicPr>
+            <a:picLocks noChangeAspect="1"/>
+          </p:cNvPicPr>
+          <p:nvPr/>
+        </p:nvPicPr>
+        <p:blipFill>
+          <a:blip r:embed="rId5">
+            <a:extLst>
+              <a:ext uri="{96DAC541-7B7A-43D3-8B79-37D633B846F1}">
+                <asvg:svgBlip xmlns:asvg="http://schemas.microsoft.com/office/drawing/2016/SVG/main" r:embed="rId6"/>
+              </a:ext>
+            </a:extLst>
+          </a:blip>
+          <a:stretch>
+            <a:fillRect/>
+          </a:stretch>
+        </p:blipFill>
+        <p:spPr>
+          <a:xfrm>
+            <a:off x="664352" y="3243354"/>
+            <a:ext cx="174433" cy="174433"/>
+          </a:xfrm>
+          <a:prstGeom prst="rect">
+            <a:avLst/>
+          </a:prstGeom>
+        </p:spPr>
+      </p:pic>
+      <p:pic>
+        <p:nvPicPr>
+          <p:cNvPr id="17" name="Graphic 10" descr="Checkmark">
+            <a:extLst>
+              <a:ext uri="{FF2B5EF4-FFF2-40B4-BE49-F238E27FC236}">
+                <a16:creationId xmlns:a16="http://schemas.microsoft.com/office/drawing/2014/main" id="{867C8598-0C13-4CF1-BA50-7AE60FE4070F}"/>
+              </a:ext>
+            </a:extLst>
+          </p:cNvPr>
+          <p:cNvPicPr>
+            <a:picLocks noChangeAspect="1"/>
+          </p:cNvPicPr>
+          <p:nvPr/>
+        </p:nvPicPr>
+        <p:blipFill>
+          <a:blip r:embed="rId3">
+            <a:extLst>
+              <a:ext uri="{96DAC541-7B7A-43D3-8B79-37D633B846F1}">
+                <asvg:svgBlip xmlns:asvg="http://schemas.microsoft.com/office/drawing/2016/SVG/main" r:embed="rId4"/>
+              </a:ext>
+            </a:extLst>
+          </a:blip>
+          <a:stretch>
+            <a:fillRect/>
+          </a:stretch>
+        </p:blipFill>
+        <p:spPr>
+          <a:xfrm>
+            <a:off x="664352" y="3962202"/>
+            <a:ext cx="174433" cy="174433"/>
+          </a:xfrm>
+          <a:prstGeom prst="rect">
+            <a:avLst/>
+          </a:prstGeom>
+        </p:spPr>
+      </p:pic>
+      <p:pic>
+        <p:nvPicPr>
+          <p:cNvPr id="18" name="Graphic 10" descr="Checkmark">
+            <a:extLst>
+              <a:ext uri="{FF2B5EF4-FFF2-40B4-BE49-F238E27FC236}">
+                <a16:creationId xmlns:a16="http://schemas.microsoft.com/office/drawing/2014/main" id="{555B2EE8-2024-4DC5-A388-CCB2C9B753D7}"/>
+              </a:ext>
+            </a:extLst>
+          </p:cNvPr>
+          <p:cNvPicPr>
+            <a:picLocks noChangeAspect="1"/>
+          </p:cNvPicPr>
+          <p:nvPr/>
+        </p:nvPicPr>
+        <p:blipFill>
+          <a:blip r:embed="rId3">
+            <a:extLst>
+              <a:ext uri="{96DAC541-7B7A-43D3-8B79-37D633B846F1}">
+                <asvg:svgBlip xmlns:asvg="http://schemas.microsoft.com/office/drawing/2016/SVG/main" r:embed="rId4"/>
+              </a:ext>
+            </a:extLst>
+          </a:blip>
+          <a:stretch>
+            <a:fillRect/>
+          </a:stretch>
+        </p:blipFill>
+        <p:spPr>
+          <a:xfrm>
+            <a:off x="664352" y="3716241"/>
+            <a:ext cx="174433" cy="174433"/>
+          </a:xfrm>
+          <a:prstGeom prst="rect">
+            <a:avLst/>
+          </a:prstGeom>
+        </p:spPr>
+      </p:pic>
+      <p:pic>
+        <p:nvPicPr>
+          <p:cNvPr id="19" name="Graphic 10" descr="Checkmark">
+            <a:extLst>
+              <a:ext uri="{FF2B5EF4-FFF2-40B4-BE49-F238E27FC236}">
+                <a16:creationId xmlns:a16="http://schemas.microsoft.com/office/drawing/2014/main" id="{20D6033D-32E2-4358-8E4B-E43E0A9EB8F0}"/>
+              </a:ext>
+            </a:extLst>
+          </p:cNvPr>
+          <p:cNvPicPr>
+            <a:picLocks noChangeAspect="1"/>
+          </p:cNvPicPr>
+          <p:nvPr/>
+        </p:nvPicPr>
+        <p:blipFill>
+          <a:blip r:embed="rId3">
+            <a:extLst>
+              <a:ext uri="{96DAC541-7B7A-43D3-8B79-37D633B846F1}">
+                <asvg:svgBlip xmlns:asvg="http://schemas.microsoft.com/office/drawing/2016/SVG/main" r:embed="rId4"/>
+              </a:ext>
+            </a:extLst>
+          </a:blip>
+          <a:stretch>
+            <a:fillRect/>
+          </a:stretch>
+        </p:blipFill>
+        <p:spPr>
+          <a:xfrm>
+            <a:off x="663765" y="4198851"/>
+            <a:ext cx="174433" cy="174433"/>
+          </a:xfrm>
+          <a:prstGeom prst="rect">
+            <a:avLst/>
+          </a:prstGeom>
+        </p:spPr>
+      </p:pic>
+      <p:pic>
+        <p:nvPicPr>
+          <p:cNvPr id="20" name="Graphic 10" descr="Checkmark">
+            <a:extLst>
+              <a:ext uri="{FF2B5EF4-FFF2-40B4-BE49-F238E27FC236}">
+                <a16:creationId xmlns:a16="http://schemas.microsoft.com/office/drawing/2014/main" id="{BB5E463A-A03C-4BDF-98EA-663D3730FCEC}"/>
+              </a:ext>
+            </a:extLst>
+          </p:cNvPr>
+          <p:cNvPicPr>
+            <a:picLocks noChangeAspect="1"/>
+          </p:cNvPicPr>
+          <p:nvPr/>
+        </p:nvPicPr>
+        <p:blipFill>
+          <a:blip r:embed="rId3">
+            <a:extLst>
+              <a:ext uri="{96DAC541-7B7A-43D3-8B79-37D633B846F1}">
+                <asvg:svgBlip xmlns:asvg="http://schemas.microsoft.com/office/drawing/2016/SVG/main" r:embed="rId4"/>
+              </a:ext>
+            </a:extLst>
+          </a:blip>
+          <a:stretch>
+            <a:fillRect/>
+          </a:stretch>
+        </p:blipFill>
+        <p:spPr>
+          <a:xfrm>
+            <a:off x="663764" y="4446424"/>
+            <a:ext cx="174433" cy="174433"/>
+          </a:xfrm>
+          <a:prstGeom prst="rect">
+            <a:avLst/>
+          </a:prstGeom>
+        </p:spPr>
+      </p:pic>
+      <p:pic>
+        <p:nvPicPr>
+          <p:cNvPr id="21" name="Graphic 10" descr="Checkmark">
+            <a:extLst>
+              <a:ext uri="{FF2B5EF4-FFF2-40B4-BE49-F238E27FC236}">
+                <a16:creationId xmlns:a16="http://schemas.microsoft.com/office/drawing/2014/main" id="{99D32EE2-629F-49D7-9D1D-ED330E49B5BF}"/>
+              </a:ext>
+            </a:extLst>
+          </p:cNvPr>
+          <p:cNvPicPr>
+            <a:picLocks noChangeAspect="1"/>
+          </p:cNvPicPr>
+          <p:nvPr/>
+        </p:nvPicPr>
+        <p:blipFill>
+          <a:blip r:embed="rId3">
+            <a:extLst>
+              <a:ext uri="{96DAC541-7B7A-43D3-8B79-37D633B846F1}">
+                <asvg:svgBlip xmlns:asvg="http://schemas.microsoft.com/office/drawing/2016/SVG/main" r:embed="rId4"/>
+              </a:ext>
+            </a:extLst>
+          </a:blip>
+          <a:stretch>
+            <a:fillRect/>
+          </a:stretch>
+        </p:blipFill>
+        <p:spPr>
+          <a:xfrm>
+            <a:off x="664352" y="4681263"/>
+            <a:ext cx="174433" cy="174433"/>
+          </a:xfrm>
+          <a:prstGeom prst="rect">
+            <a:avLst/>
+          </a:prstGeom>
+        </p:spPr>
+      </p:pic>
+      <p:pic>
+        <p:nvPicPr>
+          <p:cNvPr id="22" name="Graphic 10" descr="Checkmark">
+            <a:extLst>
+              <a:ext uri="{FF2B5EF4-FFF2-40B4-BE49-F238E27FC236}">
+                <a16:creationId xmlns:a16="http://schemas.microsoft.com/office/drawing/2014/main" id="{2E1DFA79-1952-4500-A121-3E5AC3D0AB0C}"/>
+              </a:ext>
+            </a:extLst>
+          </p:cNvPr>
+          <p:cNvPicPr>
+            <a:picLocks noChangeAspect="1"/>
+          </p:cNvPicPr>
+          <p:nvPr/>
+        </p:nvPicPr>
+        <p:blipFill>
+          <a:blip r:embed="rId3">
+            <a:extLst>
+              <a:ext uri="{96DAC541-7B7A-43D3-8B79-37D633B846F1}">
+                <asvg:svgBlip xmlns:asvg="http://schemas.microsoft.com/office/drawing/2016/SVG/main" r:embed="rId4"/>
+              </a:ext>
+            </a:extLst>
+          </a:blip>
+          <a:stretch>
+            <a:fillRect/>
+          </a:stretch>
+        </p:blipFill>
+        <p:spPr>
+          <a:xfrm>
+            <a:off x="664352" y="4932001"/>
+            <a:ext cx="174433" cy="174433"/>
+          </a:xfrm>
+          <a:prstGeom prst="rect">
+            <a:avLst/>
+          </a:prstGeom>
+        </p:spPr>
+      </p:pic>
+      <p:pic>
+        <p:nvPicPr>
+          <p:cNvPr id="23" name="Graphic 42" descr="Pause">
+            <a:extLst>
+              <a:ext uri="{FF2B5EF4-FFF2-40B4-BE49-F238E27FC236}">
+                <a16:creationId xmlns:a16="http://schemas.microsoft.com/office/drawing/2014/main" id="{AE70BF19-EA61-47C4-9C37-5FCC012808B8}"/>
+              </a:ext>
+            </a:extLst>
+          </p:cNvPr>
+          <p:cNvPicPr>
+            <a:picLocks noChangeAspect="1"/>
+          </p:cNvPicPr>
+          <p:nvPr/>
+        </p:nvPicPr>
+        <p:blipFill>
+          <a:blip r:embed="rId7">
+            <a:extLst>
+              <a:ext uri="{96DAC541-7B7A-43D3-8B79-37D633B846F1}">
+                <asvg:svgBlip xmlns:asvg="http://schemas.microsoft.com/office/drawing/2016/SVG/main" r:embed="rId8"/>
+              </a:ext>
+            </a:extLst>
+          </a:blip>
+          <a:stretch>
+            <a:fillRect/>
+          </a:stretch>
+        </p:blipFill>
+        <p:spPr>
+          <a:xfrm>
+            <a:off x="664352" y="5417989"/>
+            <a:ext cx="174433" cy="174433"/>
+          </a:xfrm>
+          <a:prstGeom prst="rect">
+            <a:avLst/>
+          </a:prstGeom>
+        </p:spPr>
+      </p:pic>
+      <p:pic>
+        <p:nvPicPr>
+          <p:cNvPr id="26" name="Graphic 10" descr="Checkmark">
+            <a:extLst>
+              <a:ext uri="{FF2B5EF4-FFF2-40B4-BE49-F238E27FC236}">
+                <a16:creationId xmlns:a16="http://schemas.microsoft.com/office/drawing/2014/main" id="{924E917A-D700-45AA-891C-1C31927CEA1E}"/>
+              </a:ext>
+            </a:extLst>
+          </p:cNvPr>
+          <p:cNvPicPr>
+            <a:picLocks noChangeAspect="1"/>
+          </p:cNvPicPr>
+          <p:nvPr/>
+        </p:nvPicPr>
+        <p:blipFill>
+          <a:blip r:embed="rId3">
+            <a:extLst>
+              <a:ext uri="{96DAC541-7B7A-43D3-8B79-37D633B846F1}">
+                <asvg:svgBlip xmlns:asvg="http://schemas.microsoft.com/office/drawing/2016/SVG/main" r:embed="rId4"/>
+              </a:ext>
+            </a:extLst>
+          </a:blip>
+          <a:stretch>
+            <a:fillRect/>
+          </a:stretch>
+        </p:blipFill>
+        <p:spPr>
+          <a:xfrm>
+            <a:off x="663763" y="6155429"/>
+            <a:ext cx="174433" cy="174433"/>
+          </a:xfrm>
+          <a:prstGeom prst="rect">
+            <a:avLst/>
+          </a:prstGeom>
+        </p:spPr>
+      </p:pic>
+      <p:pic>
+        <p:nvPicPr>
+          <p:cNvPr id="27" name="Graphic 10" descr="Checkmark">
+            <a:extLst>
+              <a:ext uri="{FF2B5EF4-FFF2-40B4-BE49-F238E27FC236}">
+                <a16:creationId xmlns:a16="http://schemas.microsoft.com/office/drawing/2014/main" id="{2DBFDAC0-0930-407A-AAF1-4F95107B34B7}"/>
+              </a:ext>
+            </a:extLst>
+          </p:cNvPr>
+          <p:cNvPicPr>
+            <a:picLocks noChangeAspect="1"/>
+          </p:cNvPicPr>
+          <p:nvPr/>
+        </p:nvPicPr>
+        <p:blipFill>
+          <a:blip r:embed="rId3">
+            <a:extLst>
+              <a:ext uri="{96DAC541-7B7A-43D3-8B79-37D633B846F1}">
+                <asvg:svgBlip xmlns:asvg="http://schemas.microsoft.com/office/drawing/2016/SVG/main" r:embed="rId4"/>
+              </a:ext>
+            </a:extLst>
+          </a:blip>
+          <a:stretch>
+            <a:fillRect/>
+          </a:stretch>
+        </p:blipFill>
+        <p:spPr>
+          <a:xfrm>
+            <a:off x="663762" y="3477462"/>
+            <a:ext cx="174433" cy="174433"/>
+          </a:xfrm>
+          <a:prstGeom prst="rect">
+            <a:avLst/>
+          </a:prstGeom>
+        </p:spPr>
+      </p:pic>
+      <p:pic>
+        <p:nvPicPr>
+          <p:cNvPr id="28" name="Graphic 10" descr="Checkmark">
+            <a:extLst>
+              <a:ext uri="{FF2B5EF4-FFF2-40B4-BE49-F238E27FC236}">
+                <a16:creationId xmlns:a16="http://schemas.microsoft.com/office/drawing/2014/main" id="{4AC2CC5A-1BE0-4D2A-9929-17C32C91594D}"/>
+              </a:ext>
+            </a:extLst>
+          </p:cNvPr>
+          <p:cNvPicPr>
+            <a:picLocks noChangeAspect="1"/>
+          </p:cNvPicPr>
+          <p:nvPr/>
+        </p:nvPicPr>
+        <p:blipFill>
+          <a:blip r:embed="rId3">
+            <a:extLst>
+              <a:ext uri="{96DAC541-7B7A-43D3-8B79-37D633B846F1}">
+                <asvg:svgBlip xmlns:asvg="http://schemas.microsoft.com/office/drawing/2016/SVG/main" r:embed="rId4"/>
+              </a:ext>
+            </a:extLst>
+          </a:blip>
+          <a:stretch>
+            <a:fillRect/>
+          </a:stretch>
+        </p:blipFill>
+        <p:spPr>
+          <a:xfrm>
+            <a:off x="663761" y="5649129"/>
+            <a:ext cx="174433" cy="174433"/>
+          </a:xfrm>
+          <a:prstGeom prst="rect">
+            <a:avLst/>
+          </a:prstGeom>
+        </p:spPr>
+      </p:pic>
+      <p:pic>
+        <p:nvPicPr>
+          <p:cNvPr id="29" name="Graphic 10" descr="Checkmark">
+            <a:extLst>
+              <a:ext uri="{FF2B5EF4-FFF2-40B4-BE49-F238E27FC236}">
+                <a16:creationId xmlns:a16="http://schemas.microsoft.com/office/drawing/2014/main" id="{3304B8B1-1397-430B-AC80-9709475F4801}"/>
+              </a:ext>
+            </a:extLst>
+          </p:cNvPr>
+          <p:cNvPicPr>
+            <a:picLocks noChangeAspect="1"/>
+          </p:cNvPicPr>
+          <p:nvPr/>
+        </p:nvPicPr>
+        <p:blipFill>
+          <a:blip r:embed="rId3">
+            <a:extLst>
+              <a:ext uri="{96DAC541-7B7A-43D3-8B79-37D633B846F1}">
+                <asvg:svgBlip xmlns:asvg="http://schemas.microsoft.com/office/drawing/2016/SVG/main" r:embed="rId4"/>
+              </a:ext>
+            </a:extLst>
+          </a:blip>
+          <a:stretch>
+            <a:fillRect/>
+          </a:stretch>
+        </p:blipFill>
+        <p:spPr>
+          <a:xfrm>
+            <a:off x="663760" y="5898434"/>
+            <a:ext cx="174433" cy="174433"/>
+          </a:xfrm>
+          <a:prstGeom prst="rect">
+            <a:avLst/>
+          </a:prstGeom>
+        </p:spPr>
+      </p:pic>
+      <p:pic>
+        <p:nvPicPr>
+          <p:cNvPr id="30" name="Graphic 42" descr="Pause">
+            <a:extLst>
+              <a:ext uri="{FF2B5EF4-FFF2-40B4-BE49-F238E27FC236}">
+                <a16:creationId xmlns:a16="http://schemas.microsoft.com/office/drawing/2014/main" id="{97FD80C8-F6DC-42ED-BA62-090CC2E2852C}"/>
+              </a:ext>
+            </a:extLst>
+          </p:cNvPr>
+          <p:cNvPicPr>
+            <a:picLocks noChangeAspect="1"/>
+          </p:cNvPicPr>
+          <p:nvPr/>
+        </p:nvPicPr>
+        <p:blipFill>
+          <a:blip r:embed="rId7">
+            <a:extLst>
+              <a:ext uri="{96DAC541-7B7A-43D3-8B79-37D633B846F1}">
+                <asvg:svgBlip xmlns:asvg="http://schemas.microsoft.com/office/drawing/2016/SVG/main" r:embed="rId8"/>
+              </a:ext>
+            </a:extLst>
+          </a:blip>
+          <a:stretch>
+            <a:fillRect/>
+          </a:stretch>
+        </p:blipFill>
+        <p:spPr>
+          <a:xfrm>
+            <a:off x="5624256" y="5185795"/>
+            <a:ext cx="174433" cy="174433"/>
+          </a:xfrm>
+          <a:prstGeom prst="rect">
+            <a:avLst/>
+          </a:prstGeom>
+        </p:spPr>
+      </p:pic>
+      <p:pic>
+        <p:nvPicPr>
+          <p:cNvPr id="31" name="Graphic 10" descr="Checkmark">
+            <a:extLst>
+              <a:ext uri="{FF2B5EF4-FFF2-40B4-BE49-F238E27FC236}">
+                <a16:creationId xmlns:a16="http://schemas.microsoft.com/office/drawing/2014/main" id="{977686C8-FA2E-4E2D-A6CA-C02C932B94F2}"/>
+              </a:ext>
+            </a:extLst>
+          </p:cNvPr>
+          <p:cNvPicPr>
+            <a:picLocks noChangeAspect="1"/>
+          </p:cNvPicPr>
+          <p:nvPr/>
+        </p:nvPicPr>
+        <p:blipFill>
+          <a:blip r:embed="rId3">
+            <a:extLst>
+              <a:ext uri="{96DAC541-7B7A-43D3-8B79-37D633B846F1}">
+                <asvg:svgBlip xmlns:asvg="http://schemas.microsoft.com/office/drawing/2016/SVG/main" r:embed="rId4"/>
+              </a:ext>
+            </a:extLst>
+          </a:blip>
+          <a:stretch>
+            <a:fillRect/>
+          </a:stretch>
+        </p:blipFill>
+        <p:spPr>
+          <a:xfrm>
+            <a:off x="5624260" y="1773521"/>
+            <a:ext cx="174433" cy="174433"/>
+          </a:xfrm>
+          <a:prstGeom prst="rect">
+            <a:avLst/>
+          </a:prstGeom>
+        </p:spPr>
+      </p:pic>
+      <p:pic>
+        <p:nvPicPr>
+          <p:cNvPr id="32" name="Graphic 10" descr="Checkmark">
+            <a:extLst>
+              <a:ext uri="{FF2B5EF4-FFF2-40B4-BE49-F238E27FC236}">
+                <a16:creationId xmlns:a16="http://schemas.microsoft.com/office/drawing/2014/main" id="{119C37D7-7BF8-4A64-B423-CBFE2ECAC8A6}"/>
+              </a:ext>
+            </a:extLst>
+          </p:cNvPr>
+          <p:cNvPicPr>
+            <a:picLocks noChangeAspect="1"/>
+          </p:cNvPicPr>
+          <p:nvPr/>
+        </p:nvPicPr>
+        <p:blipFill>
+          <a:blip r:embed="rId3">
+            <a:extLst>
+              <a:ext uri="{96DAC541-7B7A-43D3-8B79-37D633B846F1}">
+                <asvg:svgBlip xmlns:asvg="http://schemas.microsoft.com/office/drawing/2016/SVG/main" r:embed="rId4"/>
+              </a:ext>
+            </a:extLst>
+          </a:blip>
+          <a:stretch>
+            <a:fillRect/>
+          </a:stretch>
+        </p:blipFill>
+        <p:spPr>
+          <a:xfrm>
+            <a:off x="5624260" y="2012346"/>
+            <a:ext cx="174433" cy="174433"/>
+          </a:xfrm>
+          <a:prstGeom prst="rect">
+            <a:avLst/>
+          </a:prstGeom>
+        </p:spPr>
+      </p:pic>
+      <p:pic>
+        <p:nvPicPr>
+          <p:cNvPr id="33" name="Graphic 10" descr="Checkmark">
+            <a:extLst>
+              <a:ext uri="{FF2B5EF4-FFF2-40B4-BE49-F238E27FC236}">
+                <a16:creationId xmlns:a16="http://schemas.microsoft.com/office/drawing/2014/main" id="{896A20F6-A8C7-49B9-8D48-80B39BA8BA97}"/>
+              </a:ext>
+            </a:extLst>
+          </p:cNvPr>
+          <p:cNvPicPr>
+            <a:picLocks noChangeAspect="1"/>
+          </p:cNvPicPr>
+          <p:nvPr/>
+        </p:nvPicPr>
+        <p:blipFill>
+          <a:blip r:embed="rId3">
+            <a:extLst>
+              <a:ext uri="{96DAC541-7B7A-43D3-8B79-37D633B846F1}">
+                <asvg:svgBlip xmlns:asvg="http://schemas.microsoft.com/office/drawing/2016/SVG/main" r:embed="rId4"/>
+              </a:ext>
+            </a:extLst>
+          </a:blip>
+          <a:stretch>
+            <a:fillRect/>
+          </a:stretch>
+        </p:blipFill>
+        <p:spPr>
+          <a:xfrm>
+            <a:off x="5624260" y="2268729"/>
+            <a:ext cx="174433" cy="174433"/>
+          </a:xfrm>
+          <a:prstGeom prst="rect">
+            <a:avLst/>
+          </a:prstGeom>
+        </p:spPr>
+      </p:pic>
+      <p:pic>
+        <p:nvPicPr>
+          <p:cNvPr id="34" name="Graphic 10" descr="Checkmark">
+            <a:extLst>
+              <a:ext uri="{FF2B5EF4-FFF2-40B4-BE49-F238E27FC236}">
+                <a16:creationId xmlns:a16="http://schemas.microsoft.com/office/drawing/2014/main" id="{71A96DE1-DE92-401D-BB26-4250FA72B7E8}"/>
+              </a:ext>
+            </a:extLst>
+          </p:cNvPr>
+          <p:cNvPicPr>
+            <a:picLocks noChangeAspect="1"/>
+          </p:cNvPicPr>
+          <p:nvPr/>
+        </p:nvPicPr>
+        <p:blipFill>
+          <a:blip r:embed="rId3">
+            <a:extLst>
+              <a:ext uri="{96DAC541-7B7A-43D3-8B79-37D633B846F1}">
+                <asvg:svgBlip xmlns:asvg="http://schemas.microsoft.com/office/drawing/2016/SVG/main" r:embed="rId4"/>
+              </a:ext>
+            </a:extLst>
+          </a:blip>
+          <a:stretch>
+            <a:fillRect/>
+          </a:stretch>
+        </p:blipFill>
+        <p:spPr>
+          <a:xfrm>
+            <a:off x="5624259" y="2525112"/>
+            <a:ext cx="174433" cy="174433"/>
+          </a:xfrm>
+          <a:prstGeom prst="rect">
+            <a:avLst/>
+          </a:prstGeom>
+        </p:spPr>
+      </p:pic>
+      <p:pic>
+        <p:nvPicPr>
+          <p:cNvPr id="36" name="Graphic 10" descr="Checkmark">
+            <a:extLst>
+              <a:ext uri="{FF2B5EF4-FFF2-40B4-BE49-F238E27FC236}">
+                <a16:creationId xmlns:a16="http://schemas.microsoft.com/office/drawing/2014/main" id="{2DAC181D-92BB-47A2-A1F1-73742D9BD1A5}"/>
+              </a:ext>
+            </a:extLst>
+          </p:cNvPr>
+          <p:cNvPicPr>
+            <a:picLocks noChangeAspect="1"/>
+          </p:cNvPicPr>
+          <p:nvPr/>
+        </p:nvPicPr>
+        <p:blipFill>
+          <a:blip r:embed="rId3">
+            <a:extLst>
+              <a:ext uri="{96DAC541-7B7A-43D3-8B79-37D633B846F1}">
+                <asvg:svgBlip xmlns:asvg="http://schemas.microsoft.com/office/drawing/2016/SVG/main" r:embed="rId4"/>
+              </a:ext>
+            </a:extLst>
+          </a:blip>
+          <a:stretch>
+            <a:fillRect/>
+          </a:stretch>
+        </p:blipFill>
+        <p:spPr>
+          <a:xfrm>
+            <a:off x="5624260" y="3037878"/>
+            <a:ext cx="174433" cy="174433"/>
+          </a:xfrm>
+          <a:prstGeom prst="rect">
+            <a:avLst/>
+          </a:prstGeom>
+        </p:spPr>
+      </p:pic>
+      <p:pic>
+        <p:nvPicPr>
+          <p:cNvPr id="37" name="Graphic 10" descr="Checkmark">
+            <a:extLst>
+              <a:ext uri="{FF2B5EF4-FFF2-40B4-BE49-F238E27FC236}">
+                <a16:creationId xmlns:a16="http://schemas.microsoft.com/office/drawing/2014/main" id="{2002377F-7A91-4F98-9FAC-9A78337504CA}"/>
+              </a:ext>
+            </a:extLst>
+          </p:cNvPr>
+          <p:cNvPicPr>
+            <a:picLocks noChangeAspect="1"/>
+          </p:cNvPicPr>
+          <p:nvPr/>
+        </p:nvPicPr>
+        <p:blipFill>
+          <a:blip r:embed="rId3">
+            <a:extLst>
+              <a:ext uri="{96DAC541-7B7A-43D3-8B79-37D633B846F1}">
+                <asvg:svgBlip xmlns:asvg="http://schemas.microsoft.com/office/drawing/2016/SVG/main" r:embed="rId4"/>
+              </a:ext>
+            </a:extLst>
+          </a:blip>
+          <a:stretch>
+            <a:fillRect/>
+          </a:stretch>
+        </p:blipFill>
+        <p:spPr>
+          <a:xfrm>
+            <a:off x="5624260" y="3254567"/>
+            <a:ext cx="174433" cy="174433"/>
+          </a:xfrm>
+          <a:prstGeom prst="rect">
+            <a:avLst/>
+          </a:prstGeom>
+        </p:spPr>
+      </p:pic>
+      <p:pic>
+        <p:nvPicPr>
+          <p:cNvPr id="38" name="Graphic 10" descr="Checkmark">
+            <a:extLst>
+              <a:ext uri="{FF2B5EF4-FFF2-40B4-BE49-F238E27FC236}">
+                <a16:creationId xmlns:a16="http://schemas.microsoft.com/office/drawing/2014/main" id="{17123EAD-C48E-4E43-B53C-3B35304189AC}"/>
+              </a:ext>
+            </a:extLst>
+          </p:cNvPr>
+          <p:cNvPicPr>
+            <a:picLocks noChangeAspect="1"/>
+          </p:cNvPicPr>
+          <p:nvPr/>
+        </p:nvPicPr>
+        <p:blipFill>
+          <a:blip r:embed="rId3">
+            <a:extLst>
+              <a:ext uri="{96DAC541-7B7A-43D3-8B79-37D633B846F1}">
+                <asvg:svgBlip xmlns:asvg="http://schemas.microsoft.com/office/drawing/2016/SVG/main" r:embed="rId4"/>
+              </a:ext>
+            </a:extLst>
+          </a:blip>
+          <a:stretch>
+            <a:fillRect/>
+          </a:stretch>
+        </p:blipFill>
+        <p:spPr>
+          <a:xfrm>
+            <a:off x="5624260" y="3499507"/>
+            <a:ext cx="174433" cy="174433"/>
+          </a:xfrm>
+          <a:prstGeom prst="rect">
+            <a:avLst/>
+          </a:prstGeom>
+        </p:spPr>
+      </p:pic>
+      <p:pic>
+        <p:nvPicPr>
+          <p:cNvPr id="39" name="Graphic 10" descr="Checkmark">
+            <a:extLst>
+              <a:ext uri="{FF2B5EF4-FFF2-40B4-BE49-F238E27FC236}">
+                <a16:creationId xmlns:a16="http://schemas.microsoft.com/office/drawing/2014/main" id="{5FE82606-DC32-41A8-A811-D8EF6FF1A7BB}"/>
+              </a:ext>
+            </a:extLst>
+          </p:cNvPr>
+          <p:cNvPicPr>
+            <a:picLocks noChangeAspect="1"/>
+          </p:cNvPicPr>
+          <p:nvPr/>
+        </p:nvPicPr>
+        <p:blipFill>
+          <a:blip r:embed="rId3">
+            <a:extLst>
+              <a:ext uri="{96DAC541-7B7A-43D3-8B79-37D633B846F1}">
+                <asvg:svgBlip xmlns:asvg="http://schemas.microsoft.com/office/drawing/2016/SVG/main" r:embed="rId4"/>
+              </a:ext>
+            </a:extLst>
+          </a:blip>
+          <a:stretch>
+            <a:fillRect/>
+          </a:stretch>
+        </p:blipFill>
+        <p:spPr>
+          <a:xfrm>
+            <a:off x="5624260" y="3962202"/>
+            <a:ext cx="174433" cy="174433"/>
+          </a:xfrm>
+          <a:prstGeom prst="rect">
+            <a:avLst/>
+          </a:prstGeom>
+        </p:spPr>
+      </p:pic>
+      <p:pic>
+        <p:nvPicPr>
+          <p:cNvPr id="40" name="Graphic 10" descr="Checkmark">
+            <a:extLst>
+              <a:ext uri="{FF2B5EF4-FFF2-40B4-BE49-F238E27FC236}">
+                <a16:creationId xmlns:a16="http://schemas.microsoft.com/office/drawing/2014/main" id="{C30FA359-C03D-4610-B4FA-0FF4F37C52C3}"/>
+              </a:ext>
+            </a:extLst>
+          </p:cNvPr>
+          <p:cNvPicPr>
+            <a:picLocks noChangeAspect="1"/>
+          </p:cNvPicPr>
+          <p:nvPr/>
+        </p:nvPicPr>
+        <p:blipFill>
+          <a:blip r:embed="rId3">
+            <a:extLst>
+              <a:ext uri="{96DAC541-7B7A-43D3-8B79-37D633B846F1}">
+                <asvg:svgBlip xmlns:asvg="http://schemas.microsoft.com/office/drawing/2016/SVG/main" r:embed="rId4"/>
+              </a:ext>
+            </a:extLst>
+          </a:blip>
+          <a:stretch>
+            <a:fillRect/>
+          </a:stretch>
+        </p:blipFill>
+        <p:spPr>
+          <a:xfrm>
+            <a:off x="5624260" y="4206534"/>
+            <a:ext cx="174433" cy="174433"/>
+          </a:xfrm>
+          <a:prstGeom prst="rect">
+            <a:avLst/>
+          </a:prstGeom>
+        </p:spPr>
+      </p:pic>
+      <p:pic>
+        <p:nvPicPr>
+          <p:cNvPr id="41" name="Graphic 16" descr="Close">
+            <a:extLst>
+              <a:ext uri="{FF2B5EF4-FFF2-40B4-BE49-F238E27FC236}">
+                <a16:creationId xmlns:a16="http://schemas.microsoft.com/office/drawing/2014/main" id="{1D136C57-EAD8-4DA4-AD8E-F53AC52AD942}"/>
+              </a:ext>
+            </a:extLst>
+          </p:cNvPr>
+          <p:cNvPicPr>
+            <a:picLocks noChangeAspect="1"/>
+          </p:cNvPicPr>
+          <p:nvPr/>
+        </p:nvPicPr>
+        <p:blipFill>
+          <a:blip r:embed="rId5">
+            <a:extLst>
+              <a:ext uri="{96DAC541-7B7A-43D3-8B79-37D633B846F1}">
+                <asvg:svgBlip xmlns:asvg="http://schemas.microsoft.com/office/drawing/2016/SVG/main" r:embed="rId6"/>
+              </a:ext>
+            </a:extLst>
+          </a:blip>
+          <a:stretch>
+            <a:fillRect/>
+          </a:stretch>
+        </p:blipFill>
+        <p:spPr>
+          <a:xfrm>
+            <a:off x="5624257" y="4924455"/>
+            <a:ext cx="174433" cy="174433"/>
+          </a:xfrm>
+          <a:prstGeom prst="rect">
+            <a:avLst/>
+          </a:prstGeom>
+        </p:spPr>
+      </p:pic>
+      <p:pic>
+        <p:nvPicPr>
+          <p:cNvPr id="46" name="Graphic 16" descr="Close">
+            <a:extLst>
+              <a:ext uri="{FF2B5EF4-FFF2-40B4-BE49-F238E27FC236}">
+                <a16:creationId xmlns:a16="http://schemas.microsoft.com/office/drawing/2014/main" id="{A61E4023-0BE0-4E21-8917-E920014D0ABD}"/>
+              </a:ext>
+            </a:extLst>
+          </p:cNvPr>
+          <p:cNvPicPr>
+            <a:picLocks noChangeAspect="1"/>
+          </p:cNvPicPr>
+          <p:nvPr/>
+        </p:nvPicPr>
+        <p:blipFill>
+          <a:blip r:embed="rId5">
+            <a:extLst>
+              <a:ext uri="{96DAC541-7B7A-43D3-8B79-37D633B846F1}">
+                <asvg:svgBlip xmlns:asvg="http://schemas.microsoft.com/office/drawing/2016/SVG/main" r:embed="rId6"/>
+              </a:ext>
+            </a:extLst>
+          </a:blip>
+          <a:stretch>
+            <a:fillRect/>
+          </a:stretch>
+        </p:blipFill>
+        <p:spPr>
+          <a:xfrm>
+            <a:off x="5630446" y="5908172"/>
+            <a:ext cx="174433" cy="174433"/>
+          </a:xfrm>
+          <a:prstGeom prst="rect">
+            <a:avLst/>
+          </a:prstGeom>
+        </p:spPr>
+      </p:pic>
+      <p:pic>
+        <p:nvPicPr>
+          <p:cNvPr id="47" name="Graphic 16" descr="Close">
+            <a:extLst>
+              <a:ext uri="{FF2B5EF4-FFF2-40B4-BE49-F238E27FC236}">
+                <a16:creationId xmlns:a16="http://schemas.microsoft.com/office/drawing/2014/main" id="{6186DC35-0907-44FB-8094-4FE2C0A016DE}"/>
+              </a:ext>
+            </a:extLst>
+          </p:cNvPr>
+          <p:cNvPicPr>
+            <a:picLocks noChangeAspect="1"/>
+          </p:cNvPicPr>
+          <p:nvPr/>
+        </p:nvPicPr>
+        <p:blipFill>
+          <a:blip r:embed="rId5">
+            <a:extLst>
+              <a:ext uri="{96DAC541-7B7A-43D3-8B79-37D633B846F1}">
+                <asvg:svgBlip xmlns:asvg="http://schemas.microsoft.com/office/drawing/2016/SVG/main" r:embed="rId6"/>
+              </a:ext>
+            </a:extLst>
+          </a:blip>
+          <a:stretch>
+            <a:fillRect/>
+          </a:stretch>
+        </p:blipFill>
+        <p:spPr>
+          <a:xfrm>
+            <a:off x="5624254" y="2740190"/>
+            <a:ext cx="174433" cy="174433"/>
+          </a:xfrm>
+          <a:prstGeom prst="rect">
+            <a:avLst/>
+          </a:prstGeom>
+        </p:spPr>
+      </p:pic>
+      <p:pic>
+        <p:nvPicPr>
+          <p:cNvPr id="48" name="Graphic 10" descr="Checkmark">
+            <a:extLst>
+              <a:ext uri="{FF2B5EF4-FFF2-40B4-BE49-F238E27FC236}">
+                <a16:creationId xmlns:a16="http://schemas.microsoft.com/office/drawing/2014/main" id="{0358AB83-23EE-4CBF-9CF7-E1992FFA78A6}"/>
+              </a:ext>
+            </a:extLst>
+          </p:cNvPr>
+          <p:cNvPicPr>
+            <a:picLocks noChangeAspect="1"/>
+          </p:cNvPicPr>
+          <p:nvPr/>
+        </p:nvPicPr>
+        <p:blipFill>
+          <a:blip r:embed="rId3">
+            <a:extLst>
+              <a:ext uri="{96DAC541-7B7A-43D3-8B79-37D633B846F1}">
+                <asvg:svgBlip xmlns:asvg="http://schemas.microsoft.com/office/drawing/2016/SVG/main" r:embed="rId4"/>
+              </a:ext>
+            </a:extLst>
+          </a:blip>
+          <a:stretch>
+            <a:fillRect/>
+          </a:stretch>
+        </p:blipFill>
+        <p:spPr>
+          <a:xfrm>
+            <a:off x="5630446" y="3739123"/>
+            <a:ext cx="174433" cy="174433"/>
+          </a:xfrm>
+          <a:prstGeom prst="rect">
+            <a:avLst/>
+          </a:prstGeom>
+        </p:spPr>
+      </p:pic>
+      <p:pic>
+        <p:nvPicPr>
+          <p:cNvPr id="49" name="Graphic 42" descr="Pause">
+            <a:extLst>
+              <a:ext uri="{FF2B5EF4-FFF2-40B4-BE49-F238E27FC236}">
+                <a16:creationId xmlns:a16="http://schemas.microsoft.com/office/drawing/2014/main" id="{2A0B7610-03E5-4A80-8C4C-01EE051DF06B}"/>
+              </a:ext>
+            </a:extLst>
+          </p:cNvPr>
+          <p:cNvPicPr>
+            <a:picLocks noChangeAspect="1"/>
+          </p:cNvPicPr>
+          <p:nvPr/>
+        </p:nvPicPr>
+        <p:blipFill>
+          <a:blip r:embed="rId7">
+            <a:extLst>
+              <a:ext uri="{96DAC541-7B7A-43D3-8B79-37D633B846F1}">
+                <asvg:svgBlip xmlns:asvg="http://schemas.microsoft.com/office/drawing/2016/SVG/main" r:embed="rId8"/>
+              </a:ext>
+            </a:extLst>
+          </a:blip>
+          <a:stretch>
+            <a:fillRect/>
+          </a:stretch>
+        </p:blipFill>
+        <p:spPr>
+          <a:xfrm>
+            <a:off x="5630446" y="4681263"/>
+            <a:ext cx="174433" cy="174433"/>
+          </a:xfrm>
+          <a:prstGeom prst="rect">
+            <a:avLst/>
+          </a:prstGeom>
+        </p:spPr>
+      </p:pic>
+      <p:pic>
+        <p:nvPicPr>
+          <p:cNvPr id="50" name="Graphic 10" descr="Checkmark">
+            <a:extLst>
+              <a:ext uri="{FF2B5EF4-FFF2-40B4-BE49-F238E27FC236}">
+                <a16:creationId xmlns:a16="http://schemas.microsoft.com/office/drawing/2014/main" id="{CC280B4D-505A-49FF-B7C6-5D4B0178117A}"/>
+              </a:ext>
+            </a:extLst>
+          </p:cNvPr>
+          <p:cNvPicPr>
+            <a:picLocks noChangeAspect="1"/>
+          </p:cNvPicPr>
+          <p:nvPr/>
+        </p:nvPicPr>
+        <p:blipFill>
+          <a:blip r:embed="rId3">
+            <a:extLst>
+              <a:ext uri="{96DAC541-7B7A-43D3-8B79-37D633B846F1}">
+                <asvg:svgBlip xmlns:asvg="http://schemas.microsoft.com/office/drawing/2016/SVG/main" r:embed="rId4"/>
+              </a:ext>
+            </a:extLst>
+          </a:blip>
+          <a:stretch>
+            <a:fillRect/>
+          </a:stretch>
+        </p:blipFill>
+        <p:spPr>
+          <a:xfrm>
+            <a:off x="5624260" y="4444673"/>
+            <a:ext cx="174433" cy="174433"/>
+          </a:xfrm>
+          <a:prstGeom prst="rect">
+            <a:avLst/>
+          </a:prstGeom>
+        </p:spPr>
+      </p:pic>
+      <p:pic>
+        <p:nvPicPr>
+          <p:cNvPr id="51" name="Graphic 16" descr="Close">
+            <a:extLst>
+              <a:ext uri="{FF2B5EF4-FFF2-40B4-BE49-F238E27FC236}">
+                <a16:creationId xmlns:a16="http://schemas.microsoft.com/office/drawing/2014/main" id="{37C363BE-63A3-49EF-85F6-797581BBE64D}"/>
+              </a:ext>
+            </a:extLst>
+          </p:cNvPr>
+          <p:cNvPicPr>
+            <a:picLocks noChangeAspect="1"/>
+          </p:cNvPicPr>
+          <p:nvPr/>
+        </p:nvPicPr>
+        <p:blipFill>
+          <a:blip r:embed="rId5">
+            <a:extLst>
+              <a:ext uri="{96DAC541-7B7A-43D3-8B79-37D633B846F1}">
+                <asvg:svgBlip xmlns:asvg="http://schemas.microsoft.com/office/drawing/2016/SVG/main" r:embed="rId6"/>
+              </a:ext>
+            </a:extLst>
+          </a:blip>
+          <a:stretch>
+            <a:fillRect/>
+          </a:stretch>
+        </p:blipFill>
+        <p:spPr>
+          <a:xfrm>
+            <a:off x="5624253" y="5652791"/>
+            <a:ext cx="174433" cy="174433"/>
+          </a:xfrm>
+          <a:prstGeom prst="rect">
+            <a:avLst/>
+          </a:prstGeom>
+        </p:spPr>
+      </p:pic>
     </p:spTree>
     <p:extLst>
       <p:ext uri="{BB962C8B-B14F-4D97-AF65-F5344CB8AC3E}">
-        <p14:creationId xmlns:p14="http://schemas.microsoft.com/office/powerpoint/2010/main" val="1131964363"/>
+        <p14:creationId xmlns:p14="http://schemas.microsoft.com/office/powerpoint/2010/main" val="1640389907"/>
       </p:ext>
     </p:extLst>
   </p:cSld>
@@ -3739,7 +5275,7 @@
           <p:cNvPr id="2" name="Title 1">
             <a:extLst>
               <a:ext uri="{FF2B5EF4-FFF2-40B4-BE49-F238E27FC236}">
-                <a16:creationId xmlns:a16="http://schemas.microsoft.com/office/drawing/2014/main" id="{C299B638-D437-5844-9473-7CACDEEB2340}"/>
+                <a16:creationId xmlns:a16="http://schemas.microsoft.com/office/drawing/2014/main" id="{3A0ED5DF-9378-9B43-8F1A-9AE79F2FA4FC}"/>
               </a:ext>
             </a:extLst>
           </p:cNvPr>
@@ -3757,40 +5293,219 @@
           <a:p>
             <a:r>
               <a:rPr lang="es-ES_tradnl" dirty="0"/>
-              <a:t>Protección de datos</a:t>
-            </a:r>
+              <a:t>Plataforma electrónica</a:t>
+            </a:r>
+          </a:p>
+        </p:txBody>
+      </p:sp>
+      <p:pic>
+        <p:nvPicPr>
+          <p:cNvPr id="1026" name="Picture 2" descr="/var/folders/s3/wwp7g3hn3r94628zwgkf5f800000gn/T/com.microsoft.Powerpoint/WebArchiveCopyPasteTempFiles/2Q==">
+            <a:extLst>
+              <a:ext uri="{FF2B5EF4-FFF2-40B4-BE49-F238E27FC236}">
+                <a16:creationId xmlns:a16="http://schemas.microsoft.com/office/drawing/2014/main" id="{17029D5D-B602-FB44-99A4-3717E61F8078}"/>
+              </a:ext>
+            </a:extLst>
+          </p:cNvPr>
+          <p:cNvPicPr>
+            <a:picLocks noGrp="1" noChangeAspect="1" noChangeArrowheads="1"/>
+          </p:cNvPicPr>
+          <p:nvPr>
+            <p:ph idx="1"/>
+          </p:nvPr>
+        </p:nvPicPr>
+        <p:blipFill>
+          <a:blip r:embed="rId2">
+            <a:extLst>
+              <a:ext uri="{28A0092B-C50C-407E-A947-70E740481C1C}">
+                <a14:useLocalDpi xmlns:a14="http://schemas.microsoft.com/office/drawing/2010/main" val="0"/>
+              </a:ext>
+            </a:extLst>
+          </a:blip>
+          <a:srcRect/>
+          <a:stretch>
+            <a:fillRect/>
+          </a:stretch>
+        </p:blipFill>
+        <p:spPr bwMode="auto">
+          <a:xfrm>
+            <a:off x="838200" y="1986962"/>
+            <a:ext cx="6502400" cy="3962400"/>
+          </a:xfrm>
+          <a:prstGeom prst="rect">
+            <a:avLst/>
+          </a:prstGeom>
+          <a:noFill/>
+          <a:extLst>
+            <a:ext uri="{909E8E84-426E-40DD-AFC4-6F175D3DCCD1}">
+              <a14:hiddenFill xmlns:a14="http://schemas.microsoft.com/office/drawing/2010/main">
+                <a:solidFill>
+                  <a:srgbClr val="FFFFFF"/>
+                </a:solidFill>
+              </a14:hiddenFill>
+            </a:ext>
+          </a:extLst>
+        </p:spPr>
+      </p:pic>
+      <p:sp>
+        <p:nvSpPr>
+          <p:cNvPr id="4" name="TextBox 3">
+            <a:extLst>
+              <a:ext uri="{FF2B5EF4-FFF2-40B4-BE49-F238E27FC236}">
+                <a16:creationId xmlns:a16="http://schemas.microsoft.com/office/drawing/2014/main" id="{E9F9E150-E408-8749-80A0-7C522CA71B62}"/>
+              </a:ext>
+            </a:extLst>
+          </p:cNvPr>
+          <p:cNvSpPr txBox="1"/>
+          <p:nvPr/>
+        </p:nvSpPr>
+        <p:spPr>
+          <a:xfrm>
+            <a:off x="8330184" y="2675500"/>
+            <a:ext cx="2832763" cy="2585323"/>
+          </a:xfrm>
+          <a:prstGeom prst="rect">
+            <a:avLst/>
+          </a:prstGeom>
+          <a:noFill/>
+        </p:spPr>
+        <p:txBody>
+          <a:bodyPr wrap="none" rtlCol="0">
+            <a:spAutoFit/>
+          </a:bodyPr>
+          <a:lstStyle/>
+          <a:p>
+            <a:pPr marL="285750" indent="-285750">
+              <a:buFont typeface="Arial" panose="020B0604020202020204" pitchFamily="34" charset="0"/>
+              <a:buChar char="•"/>
+            </a:pPr>
+            <a:r>
+              <a:rPr lang="es-ES_tradnl" dirty="0"/>
+              <a:t>Sede electrónica</a:t>
+            </a:r>
+          </a:p>
+          <a:p>
+            <a:pPr marL="285750" indent="-285750">
+              <a:buFont typeface="Arial" panose="020B0604020202020204" pitchFamily="34" charset="0"/>
+              <a:buChar char="•"/>
+            </a:pPr>
+            <a:r>
+              <a:rPr lang="es-ES_tradnl" dirty="0"/>
+              <a:t>Gestor de formularios  </a:t>
+            </a:r>
+          </a:p>
+          <a:p>
+            <a:pPr marL="285750" indent="-285750">
+              <a:buFont typeface="Arial" panose="020B0604020202020204" pitchFamily="34" charset="0"/>
+              <a:buChar char="•"/>
+            </a:pPr>
+            <a:r>
+              <a:rPr lang="es-ES_tradnl" dirty="0"/>
+              <a:t>Registro electrónico </a:t>
+            </a:r>
+          </a:p>
+          <a:p>
+            <a:pPr marL="285750" indent="-285750">
+              <a:buFont typeface="Arial" panose="020B0604020202020204" pitchFamily="34" charset="0"/>
+              <a:buChar char="•"/>
+            </a:pPr>
+            <a:r>
+              <a:rPr lang="es-ES_tradnl" dirty="0"/>
+              <a:t>Pasarela de pagos </a:t>
+            </a:r>
+          </a:p>
+          <a:p>
+            <a:pPr marL="285750" indent="-285750">
+              <a:buFont typeface="Arial" panose="020B0604020202020204" pitchFamily="34" charset="0"/>
+              <a:buChar char="•"/>
+            </a:pPr>
+            <a:r>
+              <a:rPr lang="es-ES" dirty="0"/>
+              <a:t>Gestor de expedientes </a:t>
+            </a:r>
+          </a:p>
+          <a:p>
+            <a:pPr marL="285750" indent="-285750">
+              <a:buFont typeface="Arial" panose="020B0604020202020204" pitchFamily="34" charset="0"/>
+              <a:buChar char="•"/>
+            </a:pPr>
+            <a:r>
+              <a:rPr lang="es-ES" dirty="0"/>
+              <a:t>Notificación electrónica </a:t>
+            </a:r>
+          </a:p>
+          <a:p>
+            <a:pPr marL="285750" indent="-285750">
+              <a:buFont typeface="Arial" panose="020B0604020202020204" pitchFamily="34" charset="0"/>
+              <a:buChar char="•"/>
+            </a:pPr>
+            <a:r>
+              <a:rPr lang="es-ES" dirty="0"/>
+              <a:t>Identificación electrónica</a:t>
+            </a:r>
+          </a:p>
+          <a:p>
+            <a:pPr marL="285750" indent="-285750">
+              <a:buFont typeface="Arial" panose="020B0604020202020204" pitchFamily="34" charset="0"/>
+              <a:buChar char="•"/>
+            </a:pPr>
+            <a:r>
+              <a:rPr lang="es-ES" dirty="0"/>
+              <a:t>Archivo electrónico  </a:t>
+            </a:r>
+          </a:p>
+          <a:p>
+            <a:pPr marL="285750" indent="-285750">
+              <a:buFont typeface="Arial" panose="020B0604020202020204" pitchFamily="34" charset="0"/>
+              <a:buChar char="•"/>
+            </a:pPr>
+            <a:r>
+              <a:rPr lang="es-ES" dirty="0"/>
+              <a:t>Interoperabilidad </a:t>
+            </a:r>
+            <a:endParaRPr lang="es-ES_tradnl" dirty="0"/>
           </a:p>
         </p:txBody>
       </p:sp>
       <p:sp>
         <p:nvSpPr>
-          <p:cNvPr id="3" name="Content Placeholder 2">
-            <a:extLst>
-              <a:ext uri="{FF2B5EF4-FFF2-40B4-BE49-F238E27FC236}">
-                <a16:creationId xmlns:a16="http://schemas.microsoft.com/office/drawing/2014/main" id="{D872D86F-37FF-4944-BEE0-8912D6B6F8FB}"/>
-              </a:ext>
-            </a:extLst>
-          </p:cNvPr>
-          <p:cNvSpPr>
-            <a:spLocks noGrp="1"/>
-          </p:cNvSpPr>
-          <p:nvPr>
-            <p:ph idx="1"/>
-          </p:nvPr>
+          <p:cNvPr id="5" name="TextBox 4">
+            <a:extLst>
+              <a:ext uri="{FF2B5EF4-FFF2-40B4-BE49-F238E27FC236}">
+                <a16:creationId xmlns:a16="http://schemas.microsoft.com/office/drawing/2014/main" id="{DD5B5F20-F0DF-B541-A66C-0E21C42C33D7}"/>
+              </a:ext>
+            </a:extLst>
+          </p:cNvPr>
+          <p:cNvSpPr txBox="1"/>
+          <p:nvPr/>
         </p:nvSpPr>
-        <p:spPr/>
+        <p:spPr>
+          <a:xfrm>
+            <a:off x="8330184" y="843240"/>
+            <a:ext cx="2547172" cy="369332"/>
+          </a:xfrm>
+          <a:prstGeom prst="rect">
+            <a:avLst/>
+          </a:prstGeom>
+          <a:noFill/>
+        </p:spPr>
         <p:txBody>
-          <a:bodyPr/>
+          <a:bodyPr wrap="none" rtlCol="0">
+            <a:spAutoFit/>
+          </a:bodyPr>
           <a:lstStyle/>
           <a:p>
-            <a:endParaRPr lang="es-ES_tradnl"/>
+            <a:r>
+              <a:rPr lang="es-ES_tradnl" dirty="0"/>
+              <a:t>Componentes + Procesos</a:t>
+            </a:r>
           </a:p>
         </p:txBody>
       </p:sp>
     </p:spTree>
     <p:extLst>
       <p:ext uri="{BB962C8B-B14F-4D97-AF65-F5344CB8AC3E}">
-        <p14:creationId xmlns:p14="http://schemas.microsoft.com/office/powerpoint/2010/main" val="2368114116"/>
+        <p14:creationId xmlns:p14="http://schemas.microsoft.com/office/powerpoint/2010/main" val="1131964363"/>
       </p:ext>
     </p:extLst>
   </p:cSld>
@@ -3822,7 +5537,7 @@
           <p:cNvPr id="2" name="Title 1">
             <a:extLst>
               <a:ext uri="{FF2B5EF4-FFF2-40B4-BE49-F238E27FC236}">
-                <a16:creationId xmlns:a16="http://schemas.microsoft.com/office/drawing/2014/main" id="{41709DB8-628E-9041-8A74-1637C6B770EB}"/>
+                <a16:creationId xmlns:a16="http://schemas.microsoft.com/office/drawing/2014/main" id="{C299B638-D437-5844-9473-7CACDEEB2340}"/>
               </a:ext>
             </a:extLst>
           </p:cNvPr>
@@ -3840,109 +5555,431 @@
           <a:p>
             <a:r>
               <a:rPr lang="es-ES_tradnl" dirty="0"/>
-              <a:t>ERP</a:t>
+              <a:t>Protección de datos</a:t>
             </a:r>
           </a:p>
         </p:txBody>
       </p:sp>
-      <p:pic>
-        <p:nvPicPr>
-          <p:cNvPr id="5" name="Content Placeholder 4">
-            <a:extLst>
-              <a:ext uri="{FF2B5EF4-FFF2-40B4-BE49-F238E27FC236}">
-                <a16:creationId xmlns:a16="http://schemas.microsoft.com/office/drawing/2014/main" id="{10EC1A2E-A7B3-A740-ABD8-F578297A6466}"/>
-              </a:ext>
-            </a:extLst>
-          </p:cNvPr>
-          <p:cNvPicPr>
-            <a:picLocks noGrp="1" noChangeAspect="1"/>
-          </p:cNvPicPr>
+      <p:sp>
+        <p:nvSpPr>
+          <p:cNvPr id="3" name="Content Placeholder 2">
+            <a:extLst>
+              <a:ext uri="{FF2B5EF4-FFF2-40B4-BE49-F238E27FC236}">
+                <a16:creationId xmlns:a16="http://schemas.microsoft.com/office/drawing/2014/main" id="{D872D86F-37FF-4944-BEE0-8912D6B6F8FB}"/>
+              </a:ext>
+            </a:extLst>
+          </p:cNvPr>
+          <p:cNvSpPr>
+            <a:spLocks noGrp="1"/>
+          </p:cNvSpPr>
           <p:nvPr>
             <p:ph idx="1"/>
           </p:nvPr>
-        </p:nvPicPr>
-        <p:blipFill>
-          <a:blip r:embed="rId2"/>
-          <a:stretch>
-            <a:fillRect/>
-          </a:stretch>
-        </p:blipFill>
-        <p:spPr>
-          <a:xfrm>
-            <a:off x="7708390" y="2971800"/>
-            <a:ext cx="3733800" cy="914400"/>
-          </a:xfrm>
-        </p:spPr>
-      </p:pic>
-      <p:pic>
-        <p:nvPicPr>
-          <p:cNvPr id="7" name="Picture 6" descr="A close up of a logo&#10;&#10;Description automatically generated">
-            <a:extLst>
-              <a:ext uri="{FF2B5EF4-FFF2-40B4-BE49-F238E27FC236}">
-                <a16:creationId xmlns:a16="http://schemas.microsoft.com/office/drawing/2014/main" id="{4490F50A-6730-AA44-8857-96530D90E2B8}"/>
-              </a:ext>
-            </a:extLst>
-          </p:cNvPr>
-          <p:cNvPicPr>
-            <a:picLocks noChangeAspect="1"/>
-          </p:cNvPicPr>
-          <p:nvPr/>
-        </p:nvPicPr>
-        <p:blipFill>
-          <a:blip r:embed="rId3"/>
-          <a:stretch>
-            <a:fillRect/>
-          </a:stretch>
-        </p:blipFill>
-        <p:spPr>
-          <a:xfrm>
-            <a:off x="673609" y="2635250"/>
-            <a:ext cx="3810000" cy="1587500"/>
-          </a:xfrm>
-          <a:prstGeom prst="rect">
-            <a:avLst/>
-          </a:prstGeom>
-        </p:spPr>
-      </p:pic>
-      <p:sp>
-        <p:nvSpPr>
-          <p:cNvPr id="8" name="TextBox 7">
-            <a:extLst>
-              <a:ext uri="{FF2B5EF4-FFF2-40B4-BE49-F238E27FC236}">
-                <a16:creationId xmlns:a16="http://schemas.microsoft.com/office/drawing/2014/main" id="{5FE4F3CD-FD10-734B-B378-8CA9FE652255}"/>
-              </a:ext>
-            </a:extLst>
-          </p:cNvPr>
-          <p:cNvSpPr txBox="1"/>
-          <p:nvPr/>
         </p:nvSpPr>
         <p:spPr>
           <a:xfrm>
-            <a:off x="5898125" y="3244334"/>
-            <a:ext cx="395749" cy="369332"/>
-          </a:xfrm>
-          <a:prstGeom prst="rect">
-            <a:avLst/>
-          </a:prstGeom>
-          <a:noFill/>
+            <a:off x="195309" y="1305016"/>
+            <a:ext cx="11745157" cy="5299969"/>
+          </a:xfrm>
         </p:spPr>
         <p:txBody>
-          <a:bodyPr wrap="none" rtlCol="0">
-            <a:spAutoFit/>
+          <a:bodyPr numCol="2">
+            <a:noAutofit/>
           </a:bodyPr>
           <a:lstStyle/>
           <a:p>
-            <a:r>
-              <a:rPr lang="es-ES_tradnl" dirty="0"/>
-              <a:t>Vs</a:t>
+            <a:pPr marL="514350" indent="-514350">
+              <a:buFont typeface="+mj-lt"/>
+              <a:buAutoNum type="arabicPeriod"/>
+            </a:pPr>
+            <a:r>
+              <a:rPr lang="es-ES_tradnl" sz="1800" b="1" dirty="0"/>
+              <a:t>Ámbito de aplicación</a:t>
+            </a:r>
+            <a:r>
+              <a:rPr lang="es-ES_tradnl" sz="1800" dirty="0"/>
+              <a:t>:</a:t>
+            </a:r>
+          </a:p>
+          <a:p>
+            <a:pPr marL="971550" lvl="1" indent="-514350">
+              <a:buFont typeface="+mj-lt"/>
+              <a:buAutoNum type="alphaLcParenR"/>
+            </a:pPr>
+            <a:r>
+              <a:rPr lang="es-ES_tradnl" sz="1600" dirty="0"/>
+              <a:t>RGPD</a:t>
+            </a:r>
+          </a:p>
+          <a:p>
+            <a:pPr marL="971550" lvl="1" indent="-514350">
+              <a:buFont typeface="+mj-lt"/>
+              <a:buAutoNum type="alphaLcParenR"/>
+            </a:pPr>
+            <a:r>
+              <a:rPr lang="es-ES_tradnl" sz="1600" dirty="0" err="1"/>
+              <a:t>Privacy</a:t>
+            </a:r>
+            <a:r>
+              <a:rPr lang="es-ES_tradnl" sz="1600" dirty="0"/>
+              <a:t> </a:t>
+            </a:r>
+            <a:r>
+              <a:rPr lang="es-ES_tradnl" sz="1600" dirty="0" err="1"/>
+              <a:t>by</a:t>
+            </a:r>
+            <a:r>
+              <a:rPr lang="es-ES_tradnl" sz="1600" dirty="0"/>
+              <a:t> </a:t>
+            </a:r>
+            <a:r>
+              <a:rPr lang="es-ES_tradnl" sz="1600" dirty="0" err="1"/>
+              <a:t>Design</a:t>
+            </a:r>
+            <a:endParaRPr lang="es-ES_tradnl" sz="1600" dirty="0"/>
+          </a:p>
+          <a:p>
+            <a:pPr marL="971550" lvl="1" indent="-514350">
+              <a:buFont typeface="+mj-lt"/>
+              <a:buAutoNum type="alphaLcParenR"/>
+            </a:pPr>
+            <a:r>
+              <a:rPr lang="es-ES_tradnl" sz="1600" dirty="0" err="1"/>
+              <a:t>Accountability</a:t>
+            </a:r>
+            <a:r>
+              <a:rPr lang="es-ES_tradnl" sz="1600" dirty="0"/>
+              <a:t>-Principio de responsabilidad activa</a:t>
+            </a:r>
+          </a:p>
+          <a:p>
+            <a:pPr marL="971550" lvl="1" indent="-514350">
+              <a:buFont typeface="+mj-lt"/>
+              <a:buAutoNum type="alphaLcParenR"/>
+            </a:pPr>
+            <a:r>
+              <a:rPr lang="es-ES_tradnl" sz="1600" dirty="0"/>
+              <a:t>Códigos de Conducta</a:t>
+            </a:r>
+          </a:p>
+          <a:p>
+            <a:pPr marL="971550" lvl="1" indent="-514350">
+              <a:buFont typeface="+mj-lt"/>
+              <a:buAutoNum type="alphaLcParenR"/>
+            </a:pPr>
+            <a:r>
+              <a:rPr lang="es-ES_tradnl" sz="1600" dirty="0"/>
+              <a:t>Tipos de datos personales</a:t>
+            </a:r>
+          </a:p>
+          <a:p>
+            <a:pPr marL="971550" lvl="1" indent="-514350">
+              <a:buFont typeface="+mj-lt"/>
+              <a:buAutoNum type="alphaLcParenR"/>
+            </a:pPr>
+            <a:r>
+              <a:rPr lang="es-ES_tradnl" sz="1600" dirty="0" err="1"/>
+              <a:t>Anonimización</a:t>
+            </a:r>
+            <a:r>
+              <a:rPr lang="es-ES_tradnl" sz="1600" dirty="0"/>
+              <a:t> de datos</a:t>
+            </a:r>
+          </a:p>
+          <a:p>
+            <a:pPr marL="514350" indent="-514350">
+              <a:buFont typeface="+mj-lt"/>
+              <a:buAutoNum type="arabicPeriod"/>
+            </a:pPr>
+            <a:r>
+              <a:rPr lang="es-ES_tradnl" sz="1800" b="1" dirty="0"/>
+              <a:t>Tratamiento de datos</a:t>
+            </a:r>
+          </a:p>
+          <a:p>
+            <a:pPr marL="514350" indent="-514350">
+              <a:buFont typeface="+mj-lt"/>
+              <a:buAutoNum type="arabicPeriod"/>
+            </a:pPr>
+            <a:r>
+              <a:rPr lang="es-ES_tradnl" sz="1800" b="1" dirty="0"/>
+              <a:t>Consentimiento</a:t>
+            </a:r>
+          </a:p>
+          <a:p>
+            <a:pPr marL="971550" lvl="1" indent="-514350">
+              <a:buFont typeface="+mj-lt"/>
+              <a:buAutoNum type="alphaLcParenR"/>
+            </a:pPr>
+            <a:r>
+              <a:rPr lang="es-ES_tradnl" sz="1600" dirty="0"/>
+              <a:t>Consentimiento inequívoco</a:t>
+            </a:r>
+          </a:p>
+          <a:p>
+            <a:pPr marL="971550" lvl="1" indent="-514350">
+              <a:buFont typeface="+mj-lt"/>
+              <a:buAutoNum type="alphaLcParenR"/>
+            </a:pPr>
+            <a:r>
+              <a:rPr lang="es-ES_tradnl" sz="1600" dirty="0"/>
+              <a:t>Consentimiento explícito</a:t>
+            </a:r>
+          </a:p>
+          <a:p>
+            <a:pPr marL="971550" lvl="1" indent="-514350">
+              <a:buFont typeface="+mj-lt"/>
+              <a:buAutoNum type="alphaLcParenR"/>
+            </a:pPr>
+            <a:r>
+              <a:rPr lang="es-ES_tradnl" sz="1600" dirty="0"/>
+              <a:t>No consentimiento tácito, omitido o por  inanición.</a:t>
+            </a:r>
+          </a:p>
+          <a:p>
+            <a:pPr marL="514350" indent="-514350">
+              <a:buFont typeface="+mj-lt"/>
+              <a:buAutoNum type="arabicPeriod"/>
+            </a:pPr>
+            <a:r>
+              <a:rPr lang="es-ES_tradnl" sz="1800" b="1" dirty="0"/>
+              <a:t>Datos especialmente protegidos</a:t>
+            </a:r>
+          </a:p>
+          <a:p>
+            <a:pPr marL="971550" lvl="1" indent="-514350">
+              <a:buFont typeface="+mj-lt"/>
+              <a:buAutoNum type="alphaLcParenR"/>
+            </a:pPr>
+            <a:r>
+              <a:rPr lang="es-ES_tradnl" sz="1600" dirty="0"/>
+              <a:t>Datos genéticos</a:t>
+            </a:r>
+          </a:p>
+          <a:p>
+            <a:pPr marL="971550" lvl="1" indent="-514350">
+              <a:buFont typeface="+mj-lt"/>
+              <a:buAutoNum type="alphaLcParenR"/>
+            </a:pPr>
+            <a:r>
+              <a:rPr lang="es-ES_tradnl" sz="1600" dirty="0"/>
+              <a:t>Datos biométricos</a:t>
+            </a:r>
+          </a:p>
+          <a:p>
+            <a:pPr marL="971550" lvl="1" indent="-514350">
+              <a:buFont typeface="+mj-lt"/>
+              <a:buAutoNum type="alphaLcParenR"/>
+            </a:pPr>
+            <a:endParaRPr lang="es-ES_tradnl" sz="1600" dirty="0"/>
+          </a:p>
+          <a:p>
+            <a:pPr marL="971550" lvl="1" indent="-514350">
+              <a:buFont typeface="+mj-lt"/>
+              <a:buAutoNum type="alphaLcParenR"/>
+            </a:pPr>
+            <a:endParaRPr lang="es-ES_tradnl" sz="1600" dirty="0"/>
+          </a:p>
+          <a:p>
+            <a:pPr marL="971550" lvl="1" indent="-514350">
+              <a:buFont typeface="+mj-lt"/>
+              <a:buAutoNum type="alphaLcParenR"/>
+            </a:pPr>
+            <a:endParaRPr lang="es-ES_tradnl" sz="1600" dirty="0"/>
+          </a:p>
+          <a:p>
+            <a:pPr marL="514350" indent="-514350">
+              <a:buFont typeface="+mj-lt"/>
+              <a:buAutoNum type="arabicPeriod"/>
+            </a:pPr>
+            <a:r>
+              <a:rPr lang="es-ES_tradnl" sz="1800" dirty="0"/>
+              <a:t>Inscripción de ficheros</a:t>
+            </a:r>
+          </a:p>
+          <a:p>
+            <a:pPr marL="514350" indent="-514350">
+              <a:buFont typeface="+mj-lt"/>
+              <a:buAutoNum type="arabicPeriod"/>
+            </a:pPr>
+            <a:r>
+              <a:rPr lang="es-ES_tradnl" sz="1800" dirty="0"/>
+              <a:t>Deber y derechos de Información:</a:t>
+            </a:r>
+          </a:p>
+          <a:p>
+            <a:pPr marL="971550" lvl="1" indent="-514350">
+              <a:buFont typeface="+mj-lt"/>
+              <a:buAutoNum type="alphaLcParenR"/>
+            </a:pPr>
+            <a:r>
+              <a:rPr lang="es-ES_tradnl" sz="1600" dirty="0"/>
+              <a:t>Deberes:</a:t>
+            </a:r>
+          </a:p>
+          <a:p>
+            <a:pPr marL="1428750" lvl="2" indent="-514350">
+              <a:buFont typeface="+mj-lt"/>
+              <a:buAutoNum type="alphaLcParenR"/>
+            </a:pPr>
+            <a:r>
+              <a:rPr lang="es-ES_tradnl" sz="1600" dirty="0"/>
+              <a:t>Identidad del responsable del tratamiento</a:t>
+            </a:r>
+          </a:p>
+          <a:p>
+            <a:pPr marL="1428750" lvl="2" indent="-514350">
+              <a:buFont typeface="+mj-lt"/>
+              <a:buAutoNum type="alphaLcParenR"/>
+            </a:pPr>
+            <a:r>
+              <a:rPr lang="es-ES_tradnl" sz="1600" dirty="0"/>
+              <a:t>Descripción finalidad del tratamiento de los datos</a:t>
+            </a:r>
+          </a:p>
+          <a:p>
+            <a:pPr marL="1428750" lvl="2" indent="-514350">
+              <a:buFont typeface="+mj-lt"/>
+              <a:buAutoNum type="alphaLcParenR"/>
+            </a:pPr>
+            <a:r>
+              <a:rPr lang="es-ES_tradnl" sz="1600" dirty="0"/>
+              <a:t>Base jurídica del tratamiento</a:t>
+            </a:r>
+          </a:p>
+          <a:p>
+            <a:pPr marL="1428750" lvl="2" indent="-514350">
+              <a:buFont typeface="+mj-lt"/>
+              <a:buAutoNum type="alphaLcParenR"/>
+            </a:pPr>
+            <a:r>
+              <a:rPr lang="es-ES_tradnl" sz="1600" dirty="0"/>
+              <a:t>Informar sobre los destinatarios</a:t>
+            </a:r>
+          </a:p>
+          <a:p>
+            <a:pPr marL="1428750" lvl="2" indent="-514350">
+              <a:buFont typeface="+mj-lt"/>
+              <a:buAutoNum type="alphaLcParenR"/>
+            </a:pPr>
+            <a:r>
+              <a:rPr lang="es-ES_tradnl" sz="1600" dirty="0"/>
+              <a:t>Informar sobre los derechos de las personas interesadas</a:t>
+            </a:r>
+          </a:p>
+          <a:p>
+            <a:pPr marL="971550" lvl="1" indent="-514350">
+              <a:buFont typeface="+mj-lt"/>
+              <a:buAutoNum type="alphaLcParenR"/>
+            </a:pPr>
+            <a:r>
+              <a:rPr lang="es-ES_tradnl" sz="1600" dirty="0"/>
+              <a:t>Derechos</a:t>
+            </a:r>
+          </a:p>
+          <a:p>
+            <a:pPr marL="1428750" lvl="2" indent="-514350">
+              <a:buFont typeface="+mj-lt"/>
+              <a:buAutoNum type="alphaLcParenR"/>
+            </a:pPr>
+            <a:endParaRPr lang="es-ES_tradnl" sz="1600" dirty="0"/>
+          </a:p>
+          <a:p>
+            <a:pPr marL="514350" indent="-514350">
+              <a:buFont typeface="+mj-lt"/>
+              <a:buAutoNum type="arabicPeriod"/>
+            </a:pPr>
+            <a:r>
+              <a:rPr lang="es-ES_tradnl" sz="1800" dirty="0"/>
+              <a:t>Seguridad</a:t>
+            </a:r>
+          </a:p>
+          <a:p>
+            <a:pPr marL="514350" indent="-514350">
+              <a:buFont typeface="+mj-lt"/>
+              <a:buAutoNum type="arabicPeriod"/>
+            </a:pPr>
+            <a:r>
+              <a:rPr lang="es-ES_tradnl" sz="1800" dirty="0"/>
+              <a:t>Comunicación de datos con terceros</a:t>
+            </a:r>
+          </a:p>
+          <a:p>
+            <a:pPr marL="514350" indent="-514350">
+              <a:buFont typeface="+mj-lt"/>
+              <a:buAutoNum type="arabicPeriod"/>
+            </a:pPr>
+            <a:r>
+              <a:rPr lang="es-ES_tradnl" sz="1800" dirty="0"/>
+              <a:t>Cookies:</a:t>
+            </a:r>
+          </a:p>
+          <a:p>
+            <a:pPr marL="971550" lvl="1" indent="-514350">
+              <a:buFont typeface="+mj-lt"/>
+              <a:buAutoNum type="alphaLcParenR"/>
+            </a:pPr>
+            <a:r>
+              <a:rPr lang="es-ES_tradnl" sz="1600" dirty="0"/>
+              <a:t>Aclaraciones</a:t>
+            </a:r>
+          </a:p>
+          <a:p>
+            <a:pPr marL="971550" lvl="1" indent="-514350">
+              <a:buFont typeface="+mj-lt"/>
+              <a:buAutoNum type="alphaLcParenR"/>
+            </a:pPr>
+            <a:r>
+              <a:rPr lang="es-ES_tradnl" sz="1600" dirty="0"/>
+              <a:t>Información por capas</a:t>
+            </a:r>
+          </a:p>
+          <a:p>
+            <a:pPr marL="971550" lvl="1" indent="-514350">
+              <a:buFont typeface="+mj-lt"/>
+              <a:buAutoNum type="alphaLcParenR"/>
+            </a:pPr>
+            <a:r>
+              <a:rPr lang="es-ES_tradnl" sz="1600" dirty="0"/>
+              <a:t>Consentimiento</a:t>
             </a:r>
           </a:p>
         </p:txBody>
       </p:sp>
+      <p:pic>
+        <p:nvPicPr>
+          <p:cNvPr id="5" name="Imagen 4">
+            <a:extLst>
+              <a:ext uri="{FF2B5EF4-FFF2-40B4-BE49-F238E27FC236}">
+                <a16:creationId xmlns:a16="http://schemas.microsoft.com/office/drawing/2014/main" id="{E2C3EE52-E1CB-4F86-B9E9-B8B8089C585C}"/>
+              </a:ext>
+            </a:extLst>
+          </p:cNvPr>
+          <p:cNvPicPr>
+            <a:picLocks noChangeAspect="1"/>
+          </p:cNvPicPr>
+          <p:nvPr/>
+        </p:nvPicPr>
+        <p:blipFill>
+          <a:blip r:embed="rId2"/>
+          <a:stretch>
+            <a:fillRect/>
+          </a:stretch>
+        </p:blipFill>
+        <p:spPr>
+          <a:xfrm>
+            <a:off x="7998780" y="3953427"/>
+            <a:ext cx="3355020" cy="625214"/>
+          </a:xfrm>
+          <a:prstGeom prst="rect">
+            <a:avLst/>
+          </a:prstGeom>
+        </p:spPr>
+      </p:pic>
     </p:spTree>
     <p:extLst>
       <p:ext uri="{BB962C8B-B14F-4D97-AF65-F5344CB8AC3E}">
-        <p14:creationId xmlns:p14="http://schemas.microsoft.com/office/powerpoint/2010/main" val="1440128170"/>
+        <p14:creationId xmlns:p14="http://schemas.microsoft.com/office/powerpoint/2010/main" val="2368114116"/>
       </p:ext>
     </p:extLst>
   </p:cSld>
@@ -3974,7 +6011,7 @@
           <p:cNvPr id="2" name="Title 1">
             <a:extLst>
               <a:ext uri="{FF2B5EF4-FFF2-40B4-BE49-F238E27FC236}">
-                <a16:creationId xmlns:a16="http://schemas.microsoft.com/office/drawing/2014/main" id="{C17E4F72-A216-8A45-8376-FBB06209A341}"/>
+                <a16:creationId xmlns:a16="http://schemas.microsoft.com/office/drawing/2014/main" id="{41709DB8-628E-9041-8A74-1637C6B770EB}"/>
               </a:ext>
             </a:extLst>
           </p:cNvPr>
@@ -3992,17 +6029,141 @@
           <a:p>
             <a:r>
               <a:rPr lang="es-ES_tradnl" dirty="0"/>
-              <a:t>CRM</a:t>
+              <a:t>ERP</a:t>
             </a:r>
           </a:p>
         </p:txBody>
       </p:sp>
+      <p:pic>
+        <p:nvPicPr>
+          <p:cNvPr id="5" name="Content Placeholder 4">
+            <a:extLst>
+              <a:ext uri="{FF2B5EF4-FFF2-40B4-BE49-F238E27FC236}">
+                <a16:creationId xmlns:a16="http://schemas.microsoft.com/office/drawing/2014/main" id="{10EC1A2E-A7B3-A740-ABD8-F578297A6466}"/>
+              </a:ext>
+            </a:extLst>
+          </p:cNvPr>
+          <p:cNvPicPr>
+            <a:picLocks noGrp="1" noChangeAspect="1"/>
+          </p:cNvPicPr>
+          <p:nvPr>
+            <p:ph idx="1"/>
+          </p:nvPr>
+        </p:nvPicPr>
+        <p:blipFill>
+          <a:blip r:embed="rId2"/>
+          <a:stretch>
+            <a:fillRect/>
+          </a:stretch>
+        </p:blipFill>
+        <p:spPr>
+          <a:xfrm>
+            <a:off x="7708390" y="2971800"/>
+            <a:ext cx="3733800" cy="914400"/>
+          </a:xfrm>
+        </p:spPr>
+      </p:pic>
+      <p:pic>
+        <p:nvPicPr>
+          <p:cNvPr id="7" name="Picture 6" descr="A close up of a logo&#10;&#10;Description automatically generated">
+            <a:extLst>
+              <a:ext uri="{FF2B5EF4-FFF2-40B4-BE49-F238E27FC236}">
+                <a16:creationId xmlns:a16="http://schemas.microsoft.com/office/drawing/2014/main" id="{4490F50A-6730-AA44-8857-96530D90E2B8}"/>
+              </a:ext>
+            </a:extLst>
+          </p:cNvPr>
+          <p:cNvPicPr>
+            <a:picLocks noChangeAspect="1"/>
+          </p:cNvPicPr>
+          <p:nvPr/>
+        </p:nvPicPr>
+        <p:blipFill>
+          <a:blip r:embed="rId3"/>
+          <a:stretch>
+            <a:fillRect/>
+          </a:stretch>
+        </p:blipFill>
+        <p:spPr>
+          <a:xfrm>
+            <a:off x="673609" y="2635250"/>
+            <a:ext cx="3810000" cy="1587500"/>
+          </a:xfrm>
+          <a:prstGeom prst="rect">
+            <a:avLst/>
+          </a:prstGeom>
+        </p:spPr>
+      </p:pic>
       <p:sp>
         <p:nvSpPr>
-          <p:cNvPr id="3" name="Content Placeholder 2">
-            <a:extLst>
-              <a:ext uri="{FF2B5EF4-FFF2-40B4-BE49-F238E27FC236}">
-                <a16:creationId xmlns:a16="http://schemas.microsoft.com/office/drawing/2014/main" id="{0679014A-88D2-EC48-B25D-F2A2770B8B11}"/>
+          <p:cNvPr id="8" name="TextBox 7">
+            <a:extLst>
+              <a:ext uri="{FF2B5EF4-FFF2-40B4-BE49-F238E27FC236}">
+                <a16:creationId xmlns:a16="http://schemas.microsoft.com/office/drawing/2014/main" id="{5FE4F3CD-FD10-734B-B378-8CA9FE652255}"/>
+              </a:ext>
+            </a:extLst>
+          </p:cNvPr>
+          <p:cNvSpPr txBox="1"/>
+          <p:nvPr/>
+        </p:nvSpPr>
+        <p:spPr>
+          <a:xfrm>
+            <a:off x="5898125" y="3244334"/>
+            <a:ext cx="395749" cy="369332"/>
+          </a:xfrm>
+          <a:prstGeom prst="rect">
+            <a:avLst/>
+          </a:prstGeom>
+          <a:noFill/>
+        </p:spPr>
+        <p:txBody>
+          <a:bodyPr wrap="none" rtlCol="0">
+            <a:spAutoFit/>
+          </a:bodyPr>
+          <a:lstStyle/>
+          <a:p>
+            <a:r>
+              <a:rPr lang="es-ES_tradnl" dirty="0"/>
+              <a:t>Vs</a:t>
+            </a:r>
+          </a:p>
+        </p:txBody>
+      </p:sp>
+    </p:spTree>
+    <p:extLst>
+      <p:ext uri="{BB962C8B-B14F-4D97-AF65-F5344CB8AC3E}">
+        <p14:creationId xmlns:p14="http://schemas.microsoft.com/office/powerpoint/2010/main" val="1440128170"/>
+      </p:ext>
+    </p:extLst>
+  </p:cSld>
+  <p:clrMapOvr>
+    <a:masterClrMapping/>
+  </p:clrMapOvr>
+</p:sld>
+</file>
+
+<file path=ppt/slides/slide14.xml><?xml version="1.0" encoding="utf-8"?>
+<p:sld xmlns:a="http://schemas.openxmlformats.org/drawingml/2006/main" xmlns:r="http://schemas.openxmlformats.org/officeDocument/2006/relationships" xmlns:p="http://schemas.openxmlformats.org/presentationml/2006/main">
+  <p:cSld>
+    <p:spTree>
+      <p:nvGrpSpPr>
+        <p:cNvPr id="1" name=""/>
+        <p:cNvGrpSpPr/>
+        <p:nvPr/>
+      </p:nvGrpSpPr>
+      <p:grpSpPr>
+        <a:xfrm>
+          <a:off x="0" y="0"/>
+          <a:ext cx="0" cy="0"/>
+          <a:chOff x="0" y="0"/>
+          <a:chExt cx="0" cy="0"/>
+        </a:xfrm>
+      </p:grpSpPr>
+      <p:sp>
+        <p:nvSpPr>
+          <p:cNvPr id="2" name="Title 1">
+            <a:extLst>
+              <a:ext uri="{FF2B5EF4-FFF2-40B4-BE49-F238E27FC236}">
+                <a16:creationId xmlns:a16="http://schemas.microsoft.com/office/drawing/2014/main" id="{C17E4F72-A216-8A45-8376-FBB06209A341}"/>
               </a:ext>
             </a:extLst>
           </p:cNvPr>
@@ -4010,7 +6171,7 @@
             <a:spLocks noGrp="1"/>
           </p:cNvSpPr>
           <p:nvPr>
-            <p:ph idx="1"/>
+            <p:ph type="title"/>
           </p:nvPr>
         </p:nvSpPr>
         <p:spPr/>
@@ -4018,10 +6179,71 @@
           <a:bodyPr/>
           <a:lstStyle/>
           <a:p>
-            <a:endParaRPr lang="es-ES_tradnl"/>
+            <a:r>
+              <a:rPr lang="es-ES_tradnl" dirty="0"/>
+              <a:t>CRM</a:t>
+            </a:r>
           </a:p>
         </p:txBody>
       </p:sp>
+      <p:pic>
+        <p:nvPicPr>
+          <p:cNvPr id="5" name="Marcador de contenido 4">
+            <a:extLst>
+              <a:ext uri="{FF2B5EF4-FFF2-40B4-BE49-F238E27FC236}">
+                <a16:creationId xmlns:a16="http://schemas.microsoft.com/office/drawing/2014/main" id="{DB740046-77FF-484C-B78A-A87186E8157E}"/>
+              </a:ext>
+            </a:extLst>
+          </p:cNvPr>
+          <p:cNvPicPr>
+            <a:picLocks noGrp="1" noChangeAspect="1"/>
+          </p:cNvPicPr>
+          <p:nvPr>
+            <p:ph idx="1"/>
+          </p:nvPr>
+        </p:nvPicPr>
+        <p:blipFill rotWithShape="1">
+          <a:blip r:embed="rId2"/>
+          <a:srcRect b="6691"/>
+          <a:stretch/>
+        </p:blipFill>
+        <p:spPr>
+          <a:xfrm>
+            <a:off x="6127880" y="365125"/>
+            <a:ext cx="5878593" cy="6020923"/>
+          </a:xfrm>
+        </p:spPr>
+      </p:pic>
+      <p:pic>
+        <p:nvPicPr>
+          <p:cNvPr id="8" name="Imagen 7">
+            <a:extLst>
+              <a:ext uri="{FF2B5EF4-FFF2-40B4-BE49-F238E27FC236}">
+                <a16:creationId xmlns:a16="http://schemas.microsoft.com/office/drawing/2014/main" id="{0C81159A-92C8-4CA3-96BD-2DEF9042158E}"/>
+              </a:ext>
+            </a:extLst>
+          </p:cNvPr>
+          <p:cNvPicPr>
+            <a:picLocks noChangeAspect="1"/>
+          </p:cNvPicPr>
+          <p:nvPr/>
+        </p:nvPicPr>
+        <p:blipFill>
+          <a:blip r:embed="rId3"/>
+          <a:stretch>
+            <a:fillRect/>
+          </a:stretch>
+        </p:blipFill>
+        <p:spPr>
+          <a:xfrm>
+            <a:off x="185527" y="2117044"/>
+            <a:ext cx="5878593" cy="3455567"/>
+          </a:xfrm>
+          <a:prstGeom prst="rect">
+            <a:avLst/>
+          </a:prstGeom>
+        </p:spPr>
+      </p:pic>
     </p:spTree>
     <p:extLst>
       <p:ext uri="{BB962C8B-B14F-4D97-AF65-F5344CB8AC3E}">
@@ -13117,6 +15339,1266 @@
             <a:off x="6293422" y="620473"/>
             <a:ext cx="5060378" cy="814865"/>
           </a:xfrm>
+        </p:spPr>
+      </p:pic>
+      <p:pic>
+        <p:nvPicPr>
+          <p:cNvPr id="7" name="Graphic 10" descr="Checkmark">
+            <a:extLst>
+              <a:ext uri="{FF2B5EF4-FFF2-40B4-BE49-F238E27FC236}">
+                <a16:creationId xmlns:a16="http://schemas.microsoft.com/office/drawing/2014/main" id="{DFAB3C12-931D-4D7A-A205-F2299F0A8FA2}"/>
+              </a:ext>
+            </a:extLst>
+          </p:cNvPr>
+          <p:cNvPicPr>
+            <a:picLocks noChangeAspect="1"/>
+          </p:cNvPicPr>
+          <p:nvPr/>
+        </p:nvPicPr>
+        <p:blipFill>
+          <a:blip r:embed="rId3">
+            <a:extLst>
+              <a:ext uri="{96DAC541-7B7A-43D3-8B79-37D633B846F1}">
+                <asvg:svgBlip xmlns:asvg="http://schemas.microsoft.com/office/drawing/2016/SVG/main" r:embed="rId4"/>
+              </a:ext>
+            </a:extLst>
+          </a:blip>
+          <a:stretch>
+            <a:fillRect/>
+          </a:stretch>
+        </p:blipFill>
+        <p:spPr>
+          <a:xfrm>
+            <a:off x="663767" y="1773522"/>
+            <a:ext cx="174433" cy="174433"/>
+          </a:xfrm>
+          <a:prstGeom prst="rect">
+            <a:avLst/>
+          </a:prstGeom>
+        </p:spPr>
+      </p:pic>
+      <p:pic>
+        <p:nvPicPr>
+          <p:cNvPr id="10" name="Graphic 10" descr="Checkmark">
+            <a:extLst>
+              <a:ext uri="{FF2B5EF4-FFF2-40B4-BE49-F238E27FC236}">
+                <a16:creationId xmlns:a16="http://schemas.microsoft.com/office/drawing/2014/main" id="{B673FF57-0080-4E67-8183-61EF437A4FA5}"/>
+              </a:ext>
+            </a:extLst>
+          </p:cNvPr>
+          <p:cNvPicPr>
+            <a:picLocks noChangeAspect="1"/>
+          </p:cNvPicPr>
+          <p:nvPr/>
+        </p:nvPicPr>
+        <p:blipFill>
+          <a:blip r:embed="rId3">
+            <a:extLst>
+              <a:ext uri="{96DAC541-7B7A-43D3-8B79-37D633B846F1}">
+                <asvg:svgBlip xmlns:asvg="http://schemas.microsoft.com/office/drawing/2016/SVG/main" r:embed="rId4"/>
+              </a:ext>
+            </a:extLst>
+          </a:blip>
+          <a:stretch>
+            <a:fillRect/>
+          </a:stretch>
+        </p:blipFill>
+        <p:spPr>
+          <a:xfrm>
+            <a:off x="663767" y="2030789"/>
+            <a:ext cx="174433" cy="174433"/>
+          </a:xfrm>
+          <a:prstGeom prst="rect">
+            <a:avLst/>
+          </a:prstGeom>
+        </p:spPr>
+      </p:pic>
+      <p:pic>
+        <p:nvPicPr>
+          <p:cNvPr id="11" name="Graphic 10" descr="Checkmark">
+            <a:extLst>
+              <a:ext uri="{FF2B5EF4-FFF2-40B4-BE49-F238E27FC236}">
+                <a16:creationId xmlns:a16="http://schemas.microsoft.com/office/drawing/2014/main" id="{64AD8FCA-A370-4B0C-A35D-AE9E34B75AEF}"/>
+              </a:ext>
+            </a:extLst>
+          </p:cNvPr>
+          <p:cNvPicPr>
+            <a:picLocks noChangeAspect="1"/>
+          </p:cNvPicPr>
+          <p:nvPr/>
+        </p:nvPicPr>
+        <p:blipFill>
+          <a:blip r:embed="rId3">
+            <a:extLst>
+              <a:ext uri="{96DAC541-7B7A-43D3-8B79-37D633B846F1}">
+                <asvg:svgBlip xmlns:asvg="http://schemas.microsoft.com/office/drawing/2016/SVG/main" r:embed="rId4"/>
+              </a:ext>
+            </a:extLst>
+          </a:blip>
+          <a:stretch>
+            <a:fillRect/>
+          </a:stretch>
+        </p:blipFill>
+        <p:spPr>
+          <a:xfrm>
+            <a:off x="663767" y="2270405"/>
+            <a:ext cx="174433" cy="174433"/>
+          </a:xfrm>
+          <a:prstGeom prst="rect">
+            <a:avLst/>
+          </a:prstGeom>
+        </p:spPr>
+      </p:pic>
+      <p:pic>
+        <p:nvPicPr>
+          <p:cNvPr id="12" name="Graphic 10" descr="Checkmark">
+            <a:extLst>
+              <a:ext uri="{FF2B5EF4-FFF2-40B4-BE49-F238E27FC236}">
+                <a16:creationId xmlns:a16="http://schemas.microsoft.com/office/drawing/2014/main" id="{C4B9DD47-83B3-4397-B51B-C67B3A4948A3}"/>
+              </a:ext>
+            </a:extLst>
+          </p:cNvPr>
+          <p:cNvPicPr>
+            <a:picLocks noChangeAspect="1"/>
+          </p:cNvPicPr>
+          <p:nvPr/>
+        </p:nvPicPr>
+        <p:blipFill>
+          <a:blip r:embed="rId3">
+            <a:extLst>
+              <a:ext uri="{96DAC541-7B7A-43D3-8B79-37D633B846F1}">
+                <asvg:svgBlip xmlns:asvg="http://schemas.microsoft.com/office/drawing/2016/SVG/main" r:embed="rId4"/>
+              </a:ext>
+            </a:extLst>
+          </a:blip>
+          <a:stretch>
+            <a:fillRect/>
+          </a:stretch>
+        </p:blipFill>
+        <p:spPr>
+          <a:xfrm>
+            <a:off x="663767" y="2510021"/>
+            <a:ext cx="174433" cy="174433"/>
+          </a:xfrm>
+          <a:prstGeom prst="rect">
+            <a:avLst/>
+          </a:prstGeom>
+        </p:spPr>
+      </p:pic>
+      <p:pic>
+        <p:nvPicPr>
+          <p:cNvPr id="13" name="Graphic 10" descr="Checkmark">
+            <a:extLst>
+              <a:ext uri="{FF2B5EF4-FFF2-40B4-BE49-F238E27FC236}">
+                <a16:creationId xmlns:a16="http://schemas.microsoft.com/office/drawing/2014/main" id="{50FDFA2B-3E82-4990-9EC5-A96927E95D53}"/>
+              </a:ext>
+            </a:extLst>
+          </p:cNvPr>
+          <p:cNvPicPr>
+            <a:picLocks noChangeAspect="1"/>
+          </p:cNvPicPr>
+          <p:nvPr/>
+        </p:nvPicPr>
+        <p:blipFill>
+          <a:blip r:embed="rId3">
+            <a:extLst>
+              <a:ext uri="{96DAC541-7B7A-43D3-8B79-37D633B846F1}">
+                <asvg:svgBlip xmlns:asvg="http://schemas.microsoft.com/office/drawing/2016/SVG/main" r:embed="rId4"/>
+              </a:ext>
+            </a:extLst>
+          </a:blip>
+          <a:stretch>
+            <a:fillRect/>
+          </a:stretch>
+        </p:blipFill>
+        <p:spPr>
+          <a:xfrm>
+            <a:off x="663767" y="2749637"/>
+            <a:ext cx="174433" cy="174433"/>
+          </a:xfrm>
+          <a:prstGeom prst="rect">
+            <a:avLst/>
+          </a:prstGeom>
+        </p:spPr>
+      </p:pic>
+      <p:pic>
+        <p:nvPicPr>
+          <p:cNvPr id="17" name="Graphic 42" descr="Pause">
+            <a:extLst>
+              <a:ext uri="{FF2B5EF4-FFF2-40B4-BE49-F238E27FC236}">
+                <a16:creationId xmlns:a16="http://schemas.microsoft.com/office/drawing/2014/main" id="{BFC4260C-F91C-4237-996D-980407ADBACA}"/>
+              </a:ext>
+            </a:extLst>
+          </p:cNvPr>
+          <p:cNvPicPr>
+            <a:picLocks noChangeAspect="1"/>
+          </p:cNvPicPr>
+          <p:nvPr/>
+        </p:nvPicPr>
+        <p:blipFill>
+          <a:blip r:embed="rId5">
+            <a:extLst>
+              <a:ext uri="{96DAC541-7B7A-43D3-8B79-37D633B846F1}">
+                <asvg:svgBlip xmlns:asvg="http://schemas.microsoft.com/office/drawing/2016/SVG/main" r:embed="rId6"/>
+              </a:ext>
+            </a:extLst>
+          </a:blip>
+          <a:stretch>
+            <a:fillRect/>
+          </a:stretch>
+        </p:blipFill>
+        <p:spPr>
+          <a:xfrm>
+            <a:off x="5624256" y="5185795"/>
+            <a:ext cx="174433" cy="174433"/>
+          </a:xfrm>
+          <a:prstGeom prst="rect">
+            <a:avLst/>
+          </a:prstGeom>
+        </p:spPr>
+      </p:pic>
+      <p:pic>
+        <p:nvPicPr>
+          <p:cNvPr id="18" name="Graphic 10" descr="Checkmark">
+            <a:extLst>
+              <a:ext uri="{FF2B5EF4-FFF2-40B4-BE49-F238E27FC236}">
+                <a16:creationId xmlns:a16="http://schemas.microsoft.com/office/drawing/2014/main" id="{CF114E1A-95FB-4887-A1D8-157DC8BB9CCD}"/>
+              </a:ext>
+            </a:extLst>
+          </p:cNvPr>
+          <p:cNvPicPr>
+            <a:picLocks noChangeAspect="1"/>
+          </p:cNvPicPr>
+          <p:nvPr/>
+        </p:nvPicPr>
+        <p:blipFill>
+          <a:blip r:embed="rId3">
+            <a:extLst>
+              <a:ext uri="{96DAC541-7B7A-43D3-8B79-37D633B846F1}">
+                <asvg:svgBlip xmlns:asvg="http://schemas.microsoft.com/office/drawing/2016/SVG/main" r:embed="rId4"/>
+              </a:ext>
+            </a:extLst>
+          </a:blip>
+          <a:stretch>
+            <a:fillRect/>
+          </a:stretch>
+        </p:blipFill>
+        <p:spPr>
+          <a:xfrm>
+            <a:off x="5624260" y="1773521"/>
+            <a:ext cx="174433" cy="174433"/>
+          </a:xfrm>
+          <a:prstGeom prst="rect">
+            <a:avLst/>
+          </a:prstGeom>
+        </p:spPr>
+      </p:pic>
+      <p:pic>
+        <p:nvPicPr>
+          <p:cNvPr id="19" name="Graphic 10" descr="Checkmark">
+            <a:extLst>
+              <a:ext uri="{FF2B5EF4-FFF2-40B4-BE49-F238E27FC236}">
+                <a16:creationId xmlns:a16="http://schemas.microsoft.com/office/drawing/2014/main" id="{17024D08-C5CB-4F8B-A0C0-32E0CBF635F6}"/>
+              </a:ext>
+            </a:extLst>
+          </p:cNvPr>
+          <p:cNvPicPr>
+            <a:picLocks noChangeAspect="1"/>
+          </p:cNvPicPr>
+          <p:nvPr/>
+        </p:nvPicPr>
+        <p:blipFill>
+          <a:blip r:embed="rId3">
+            <a:extLst>
+              <a:ext uri="{96DAC541-7B7A-43D3-8B79-37D633B846F1}">
+                <asvg:svgBlip xmlns:asvg="http://schemas.microsoft.com/office/drawing/2016/SVG/main" r:embed="rId4"/>
+              </a:ext>
+            </a:extLst>
+          </a:blip>
+          <a:stretch>
+            <a:fillRect/>
+          </a:stretch>
+        </p:blipFill>
+        <p:spPr>
+          <a:xfrm>
+            <a:off x="5624260" y="2012346"/>
+            <a:ext cx="174433" cy="174433"/>
+          </a:xfrm>
+          <a:prstGeom prst="rect">
+            <a:avLst/>
+          </a:prstGeom>
+        </p:spPr>
+      </p:pic>
+      <p:pic>
+        <p:nvPicPr>
+          <p:cNvPr id="20" name="Graphic 10" descr="Checkmark">
+            <a:extLst>
+              <a:ext uri="{FF2B5EF4-FFF2-40B4-BE49-F238E27FC236}">
+                <a16:creationId xmlns:a16="http://schemas.microsoft.com/office/drawing/2014/main" id="{A4924097-899B-4FA7-9357-D5B19762CD3D}"/>
+              </a:ext>
+            </a:extLst>
+          </p:cNvPr>
+          <p:cNvPicPr>
+            <a:picLocks noChangeAspect="1"/>
+          </p:cNvPicPr>
+          <p:nvPr/>
+        </p:nvPicPr>
+        <p:blipFill>
+          <a:blip r:embed="rId3">
+            <a:extLst>
+              <a:ext uri="{96DAC541-7B7A-43D3-8B79-37D633B846F1}">
+                <asvg:svgBlip xmlns:asvg="http://schemas.microsoft.com/office/drawing/2016/SVG/main" r:embed="rId4"/>
+              </a:ext>
+            </a:extLst>
+          </a:blip>
+          <a:stretch>
+            <a:fillRect/>
+          </a:stretch>
+        </p:blipFill>
+        <p:spPr>
+          <a:xfrm>
+            <a:off x="5624260" y="2268729"/>
+            <a:ext cx="174433" cy="174433"/>
+          </a:xfrm>
+          <a:prstGeom prst="rect">
+            <a:avLst/>
+          </a:prstGeom>
+        </p:spPr>
+      </p:pic>
+      <p:pic>
+        <p:nvPicPr>
+          <p:cNvPr id="21" name="Graphic 10" descr="Checkmark">
+            <a:extLst>
+              <a:ext uri="{FF2B5EF4-FFF2-40B4-BE49-F238E27FC236}">
+                <a16:creationId xmlns:a16="http://schemas.microsoft.com/office/drawing/2014/main" id="{90EEED25-2C5E-4CF3-8780-D762AC0D71C2}"/>
+              </a:ext>
+            </a:extLst>
+          </p:cNvPr>
+          <p:cNvPicPr>
+            <a:picLocks noChangeAspect="1"/>
+          </p:cNvPicPr>
+          <p:nvPr/>
+        </p:nvPicPr>
+        <p:blipFill>
+          <a:blip r:embed="rId3">
+            <a:extLst>
+              <a:ext uri="{96DAC541-7B7A-43D3-8B79-37D633B846F1}">
+                <asvg:svgBlip xmlns:asvg="http://schemas.microsoft.com/office/drawing/2016/SVG/main" r:embed="rId4"/>
+              </a:ext>
+            </a:extLst>
+          </a:blip>
+          <a:stretch>
+            <a:fillRect/>
+          </a:stretch>
+        </p:blipFill>
+        <p:spPr>
+          <a:xfrm>
+            <a:off x="5624259" y="2525112"/>
+            <a:ext cx="174433" cy="174433"/>
+          </a:xfrm>
+          <a:prstGeom prst="rect">
+            <a:avLst/>
+          </a:prstGeom>
+        </p:spPr>
+      </p:pic>
+      <p:pic>
+        <p:nvPicPr>
+          <p:cNvPr id="22" name="Graphic 10" descr="Checkmark">
+            <a:extLst>
+              <a:ext uri="{FF2B5EF4-FFF2-40B4-BE49-F238E27FC236}">
+                <a16:creationId xmlns:a16="http://schemas.microsoft.com/office/drawing/2014/main" id="{5D0C70F1-ADF9-4F3E-B416-52CD380E0C7D}"/>
+              </a:ext>
+            </a:extLst>
+          </p:cNvPr>
+          <p:cNvPicPr>
+            <a:picLocks noChangeAspect="1"/>
+          </p:cNvPicPr>
+          <p:nvPr/>
+        </p:nvPicPr>
+        <p:blipFill>
+          <a:blip r:embed="rId3">
+            <a:extLst>
+              <a:ext uri="{96DAC541-7B7A-43D3-8B79-37D633B846F1}">
+                <asvg:svgBlip xmlns:asvg="http://schemas.microsoft.com/office/drawing/2016/SVG/main" r:embed="rId4"/>
+              </a:ext>
+            </a:extLst>
+          </a:blip>
+          <a:stretch>
+            <a:fillRect/>
+          </a:stretch>
+        </p:blipFill>
+        <p:spPr>
+          <a:xfrm>
+            <a:off x="5624258" y="2786452"/>
+            <a:ext cx="174433" cy="174433"/>
+          </a:xfrm>
+          <a:prstGeom prst="rect">
+            <a:avLst/>
+          </a:prstGeom>
+        </p:spPr>
+      </p:pic>
+      <p:pic>
+        <p:nvPicPr>
+          <p:cNvPr id="27" name="Graphic 10" descr="Checkmark">
+            <a:extLst>
+              <a:ext uri="{FF2B5EF4-FFF2-40B4-BE49-F238E27FC236}">
+                <a16:creationId xmlns:a16="http://schemas.microsoft.com/office/drawing/2014/main" id="{E5018AC8-6C29-427E-87D0-AA45330F0174}"/>
+              </a:ext>
+            </a:extLst>
+          </p:cNvPr>
+          <p:cNvPicPr>
+            <a:picLocks noChangeAspect="1"/>
+          </p:cNvPicPr>
+          <p:nvPr/>
+        </p:nvPicPr>
+        <p:blipFill>
+          <a:blip r:embed="rId3">
+            <a:extLst>
+              <a:ext uri="{96DAC541-7B7A-43D3-8B79-37D633B846F1}">
+                <asvg:svgBlip xmlns:asvg="http://schemas.microsoft.com/office/drawing/2016/SVG/main" r:embed="rId4"/>
+              </a:ext>
+            </a:extLst>
+          </a:blip>
+          <a:stretch>
+            <a:fillRect/>
+          </a:stretch>
+        </p:blipFill>
+        <p:spPr>
+          <a:xfrm>
+            <a:off x="5624260" y="4206534"/>
+            <a:ext cx="174433" cy="174433"/>
+          </a:xfrm>
+          <a:prstGeom prst="rect">
+            <a:avLst/>
+          </a:prstGeom>
+        </p:spPr>
+      </p:pic>
+      <p:pic>
+        <p:nvPicPr>
+          <p:cNvPr id="28" name="Graphic 16" descr="Close">
+            <a:extLst>
+              <a:ext uri="{FF2B5EF4-FFF2-40B4-BE49-F238E27FC236}">
+                <a16:creationId xmlns:a16="http://schemas.microsoft.com/office/drawing/2014/main" id="{D0DAE5BE-6A0F-43C7-BA8F-C817754A15E3}"/>
+              </a:ext>
+            </a:extLst>
+          </p:cNvPr>
+          <p:cNvPicPr>
+            <a:picLocks noChangeAspect="1"/>
+          </p:cNvPicPr>
+          <p:nvPr/>
+        </p:nvPicPr>
+        <p:blipFill>
+          <a:blip r:embed="rId7">
+            <a:extLst>
+              <a:ext uri="{96DAC541-7B7A-43D3-8B79-37D633B846F1}">
+                <asvg:svgBlip xmlns:asvg="http://schemas.microsoft.com/office/drawing/2016/SVG/main" r:embed="rId8"/>
+              </a:ext>
+            </a:extLst>
+          </a:blip>
+          <a:stretch>
+            <a:fillRect/>
+          </a:stretch>
+        </p:blipFill>
+        <p:spPr>
+          <a:xfrm>
+            <a:off x="5624257" y="4924455"/>
+            <a:ext cx="174433" cy="174433"/>
+          </a:xfrm>
+          <a:prstGeom prst="rect">
+            <a:avLst/>
+          </a:prstGeom>
+        </p:spPr>
+      </p:pic>
+      <p:pic>
+        <p:nvPicPr>
+          <p:cNvPr id="29" name="Graphic 16" descr="Close">
+            <a:extLst>
+              <a:ext uri="{FF2B5EF4-FFF2-40B4-BE49-F238E27FC236}">
+                <a16:creationId xmlns:a16="http://schemas.microsoft.com/office/drawing/2014/main" id="{4C40B613-009A-4D0F-B255-1CDAC2D6DAA3}"/>
+              </a:ext>
+            </a:extLst>
+          </p:cNvPr>
+          <p:cNvPicPr>
+            <a:picLocks noChangeAspect="1"/>
+          </p:cNvPicPr>
+          <p:nvPr/>
+        </p:nvPicPr>
+        <p:blipFill>
+          <a:blip r:embed="rId7">
+            <a:extLst>
+              <a:ext uri="{96DAC541-7B7A-43D3-8B79-37D633B846F1}">
+                <asvg:svgBlip xmlns:asvg="http://schemas.microsoft.com/office/drawing/2016/SVG/main" r:embed="rId8"/>
+              </a:ext>
+            </a:extLst>
+          </a:blip>
+          <a:stretch>
+            <a:fillRect/>
+          </a:stretch>
+        </p:blipFill>
+        <p:spPr>
+          <a:xfrm>
+            <a:off x="5630446" y="3722683"/>
+            <a:ext cx="174433" cy="174433"/>
+          </a:xfrm>
+          <a:prstGeom prst="rect">
+            <a:avLst/>
+          </a:prstGeom>
+        </p:spPr>
+      </p:pic>
+      <p:pic>
+        <p:nvPicPr>
+          <p:cNvPr id="30" name="Graphic 16" descr="Close">
+            <a:extLst>
+              <a:ext uri="{FF2B5EF4-FFF2-40B4-BE49-F238E27FC236}">
+                <a16:creationId xmlns:a16="http://schemas.microsoft.com/office/drawing/2014/main" id="{6F610EF1-32F9-4237-8F14-1D6C84CF49FA}"/>
+              </a:ext>
+            </a:extLst>
+          </p:cNvPr>
+          <p:cNvPicPr>
+            <a:picLocks noChangeAspect="1"/>
+          </p:cNvPicPr>
+          <p:nvPr/>
+        </p:nvPicPr>
+        <p:blipFill>
+          <a:blip r:embed="rId7">
+            <a:extLst>
+              <a:ext uri="{96DAC541-7B7A-43D3-8B79-37D633B846F1}">
+                <asvg:svgBlip xmlns:asvg="http://schemas.microsoft.com/office/drawing/2016/SVG/main" r:embed="rId8"/>
+              </a:ext>
+            </a:extLst>
+          </a:blip>
+          <a:stretch>
+            <a:fillRect/>
+          </a:stretch>
+        </p:blipFill>
+        <p:spPr>
+          <a:xfrm>
+            <a:off x="5624255" y="4443396"/>
+            <a:ext cx="174433" cy="174433"/>
+          </a:xfrm>
+          <a:prstGeom prst="rect">
+            <a:avLst/>
+          </a:prstGeom>
+        </p:spPr>
+      </p:pic>
+      <p:pic>
+        <p:nvPicPr>
+          <p:cNvPr id="32" name="Graphic 10" descr="Checkmark">
+            <a:extLst>
+              <a:ext uri="{FF2B5EF4-FFF2-40B4-BE49-F238E27FC236}">
+                <a16:creationId xmlns:a16="http://schemas.microsoft.com/office/drawing/2014/main" id="{78E888DA-6EA7-454E-ACF3-FCD26AE428A6}"/>
+              </a:ext>
+            </a:extLst>
+          </p:cNvPr>
+          <p:cNvPicPr>
+            <a:picLocks noChangeAspect="1"/>
+          </p:cNvPicPr>
+          <p:nvPr/>
+        </p:nvPicPr>
+        <p:blipFill>
+          <a:blip r:embed="rId3">
+            <a:extLst>
+              <a:ext uri="{96DAC541-7B7A-43D3-8B79-37D633B846F1}">
+                <asvg:svgBlip xmlns:asvg="http://schemas.microsoft.com/office/drawing/2016/SVG/main" r:embed="rId4"/>
+              </a:ext>
+            </a:extLst>
+          </a:blip>
+          <a:stretch>
+            <a:fillRect/>
+          </a:stretch>
+        </p:blipFill>
+        <p:spPr>
+          <a:xfrm>
+            <a:off x="5624255" y="5661661"/>
+            <a:ext cx="174433" cy="174433"/>
+          </a:xfrm>
+          <a:prstGeom prst="rect">
+            <a:avLst/>
+          </a:prstGeom>
+        </p:spPr>
+      </p:pic>
+      <p:pic>
+        <p:nvPicPr>
+          <p:cNvPr id="36" name="Graphic 10" descr="Checkmark">
+            <a:extLst>
+              <a:ext uri="{FF2B5EF4-FFF2-40B4-BE49-F238E27FC236}">
+                <a16:creationId xmlns:a16="http://schemas.microsoft.com/office/drawing/2014/main" id="{2FEF9BC0-9CA2-436D-B6B4-5BF0740C717E}"/>
+              </a:ext>
+            </a:extLst>
+          </p:cNvPr>
+          <p:cNvPicPr>
+            <a:picLocks noChangeAspect="1"/>
+          </p:cNvPicPr>
+          <p:nvPr/>
+        </p:nvPicPr>
+        <p:blipFill>
+          <a:blip r:embed="rId3">
+            <a:extLst>
+              <a:ext uri="{96DAC541-7B7A-43D3-8B79-37D633B846F1}">
+                <asvg:svgBlip xmlns:asvg="http://schemas.microsoft.com/office/drawing/2016/SVG/main" r:embed="rId4"/>
+              </a:ext>
+            </a:extLst>
+          </a:blip>
+          <a:stretch>
+            <a:fillRect/>
+          </a:stretch>
+        </p:blipFill>
+        <p:spPr>
+          <a:xfrm>
+            <a:off x="664352" y="3962202"/>
+            <a:ext cx="174433" cy="174433"/>
+          </a:xfrm>
+          <a:prstGeom prst="rect">
+            <a:avLst/>
+          </a:prstGeom>
+        </p:spPr>
+      </p:pic>
+      <p:pic>
+        <p:nvPicPr>
+          <p:cNvPr id="37" name="Graphic 10" descr="Checkmark">
+            <a:extLst>
+              <a:ext uri="{FF2B5EF4-FFF2-40B4-BE49-F238E27FC236}">
+                <a16:creationId xmlns:a16="http://schemas.microsoft.com/office/drawing/2014/main" id="{BD713F7B-8F41-40C4-B288-32FF9B773133}"/>
+              </a:ext>
+            </a:extLst>
+          </p:cNvPr>
+          <p:cNvPicPr>
+            <a:picLocks noChangeAspect="1"/>
+          </p:cNvPicPr>
+          <p:nvPr/>
+        </p:nvPicPr>
+        <p:blipFill>
+          <a:blip r:embed="rId3">
+            <a:extLst>
+              <a:ext uri="{96DAC541-7B7A-43D3-8B79-37D633B846F1}">
+                <asvg:svgBlip xmlns:asvg="http://schemas.microsoft.com/office/drawing/2016/SVG/main" r:embed="rId4"/>
+              </a:ext>
+            </a:extLst>
+          </a:blip>
+          <a:stretch>
+            <a:fillRect/>
+          </a:stretch>
+        </p:blipFill>
+        <p:spPr>
+          <a:xfrm>
+            <a:off x="664352" y="3716241"/>
+            <a:ext cx="174433" cy="174433"/>
+          </a:xfrm>
+          <a:prstGeom prst="rect">
+            <a:avLst/>
+          </a:prstGeom>
+        </p:spPr>
+      </p:pic>
+      <p:pic>
+        <p:nvPicPr>
+          <p:cNvPr id="38" name="Graphic 10" descr="Checkmark">
+            <a:extLst>
+              <a:ext uri="{FF2B5EF4-FFF2-40B4-BE49-F238E27FC236}">
+                <a16:creationId xmlns:a16="http://schemas.microsoft.com/office/drawing/2014/main" id="{D8C376F7-3C2B-4DF3-9E4E-E826B4F55A53}"/>
+              </a:ext>
+            </a:extLst>
+          </p:cNvPr>
+          <p:cNvPicPr>
+            <a:picLocks noChangeAspect="1"/>
+          </p:cNvPicPr>
+          <p:nvPr/>
+        </p:nvPicPr>
+        <p:blipFill>
+          <a:blip r:embed="rId3">
+            <a:extLst>
+              <a:ext uri="{96DAC541-7B7A-43D3-8B79-37D633B846F1}">
+                <asvg:svgBlip xmlns:asvg="http://schemas.microsoft.com/office/drawing/2016/SVG/main" r:embed="rId4"/>
+              </a:ext>
+            </a:extLst>
+          </a:blip>
+          <a:stretch>
+            <a:fillRect/>
+          </a:stretch>
+        </p:blipFill>
+        <p:spPr>
+          <a:xfrm>
+            <a:off x="663765" y="4198851"/>
+            <a:ext cx="174433" cy="174433"/>
+          </a:xfrm>
+          <a:prstGeom prst="rect">
+            <a:avLst/>
+          </a:prstGeom>
+        </p:spPr>
+      </p:pic>
+      <p:pic>
+        <p:nvPicPr>
+          <p:cNvPr id="39" name="Graphic 10" descr="Checkmark">
+            <a:extLst>
+              <a:ext uri="{FF2B5EF4-FFF2-40B4-BE49-F238E27FC236}">
+                <a16:creationId xmlns:a16="http://schemas.microsoft.com/office/drawing/2014/main" id="{39D77309-E02C-4ED8-92CD-5A0C5A74C3A7}"/>
+              </a:ext>
+            </a:extLst>
+          </p:cNvPr>
+          <p:cNvPicPr>
+            <a:picLocks noChangeAspect="1"/>
+          </p:cNvPicPr>
+          <p:nvPr/>
+        </p:nvPicPr>
+        <p:blipFill>
+          <a:blip r:embed="rId3">
+            <a:extLst>
+              <a:ext uri="{96DAC541-7B7A-43D3-8B79-37D633B846F1}">
+                <asvg:svgBlip xmlns:asvg="http://schemas.microsoft.com/office/drawing/2016/SVG/main" r:embed="rId4"/>
+              </a:ext>
+            </a:extLst>
+          </a:blip>
+          <a:stretch>
+            <a:fillRect/>
+          </a:stretch>
+        </p:blipFill>
+        <p:spPr>
+          <a:xfrm>
+            <a:off x="663764" y="4446424"/>
+            <a:ext cx="174433" cy="174433"/>
+          </a:xfrm>
+          <a:prstGeom prst="rect">
+            <a:avLst/>
+          </a:prstGeom>
+        </p:spPr>
+      </p:pic>
+      <p:pic>
+        <p:nvPicPr>
+          <p:cNvPr id="40" name="Graphic 10" descr="Checkmark">
+            <a:extLst>
+              <a:ext uri="{FF2B5EF4-FFF2-40B4-BE49-F238E27FC236}">
+                <a16:creationId xmlns:a16="http://schemas.microsoft.com/office/drawing/2014/main" id="{E31B73BC-5134-45FE-B026-B9C97A3C5107}"/>
+              </a:ext>
+            </a:extLst>
+          </p:cNvPr>
+          <p:cNvPicPr>
+            <a:picLocks noChangeAspect="1"/>
+          </p:cNvPicPr>
+          <p:nvPr/>
+        </p:nvPicPr>
+        <p:blipFill>
+          <a:blip r:embed="rId3">
+            <a:extLst>
+              <a:ext uri="{96DAC541-7B7A-43D3-8B79-37D633B846F1}">
+                <asvg:svgBlip xmlns:asvg="http://schemas.microsoft.com/office/drawing/2016/SVG/main" r:embed="rId4"/>
+              </a:ext>
+            </a:extLst>
+          </a:blip>
+          <a:stretch>
+            <a:fillRect/>
+          </a:stretch>
+        </p:blipFill>
+        <p:spPr>
+          <a:xfrm>
+            <a:off x="664352" y="4681263"/>
+            <a:ext cx="174433" cy="174433"/>
+          </a:xfrm>
+          <a:prstGeom prst="rect">
+            <a:avLst/>
+          </a:prstGeom>
+        </p:spPr>
+      </p:pic>
+      <p:pic>
+        <p:nvPicPr>
+          <p:cNvPr id="41" name="Graphic 10" descr="Checkmark">
+            <a:extLst>
+              <a:ext uri="{FF2B5EF4-FFF2-40B4-BE49-F238E27FC236}">
+                <a16:creationId xmlns:a16="http://schemas.microsoft.com/office/drawing/2014/main" id="{E3D6BBDE-BD91-4522-8EC8-8F1514A81D01}"/>
+              </a:ext>
+            </a:extLst>
+          </p:cNvPr>
+          <p:cNvPicPr>
+            <a:picLocks noChangeAspect="1"/>
+          </p:cNvPicPr>
+          <p:nvPr/>
+        </p:nvPicPr>
+        <p:blipFill>
+          <a:blip r:embed="rId3">
+            <a:extLst>
+              <a:ext uri="{96DAC541-7B7A-43D3-8B79-37D633B846F1}">
+                <asvg:svgBlip xmlns:asvg="http://schemas.microsoft.com/office/drawing/2016/SVG/main" r:embed="rId4"/>
+              </a:ext>
+            </a:extLst>
+          </a:blip>
+          <a:stretch>
+            <a:fillRect/>
+          </a:stretch>
+        </p:blipFill>
+        <p:spPr>
+          <a:xfrm>
+            <a:off x="664352" y="4932001"/>
+            <a:ext cx="174433" cy="174433"/>
+          </a:xfrm>
+          <a:prstGeom prst="rect">
+            <a:avLst/>
+          </a:prstGeom>
+        </p:spPr>
+      </p:pic>
+      <p:pic>
+        <p:nvPicPr>
+          <p:cNvPr id="44" name="Graphic 10" descr="Checkmark">
+            <a:extLst>
+              <a:ext uri="{FF2B5EF4-FFF2-40B4-BE49-F238E27FC236}">
+                <a16:creationId xmlns:a16="http://schemas.microsoft.com/office/drawing/2014/main" id="{47774013-CD06-459C-A76C-FA18015E2703}"/>
+              </a:ext>
+            </a:extLst>
+          </p:cNvPr>
+          <p:cNvPicPr>
+            <a:picLocks noChangeAspect="1"/>
+          </p:cNvPicPr>
+          <p:nvPr/>
+        </p:nvPicPr>
+        <p:blipFill>
+          <a:blip r:embed="rId3">
+            <a:extLst>
+              <a:ext uri="{96DAC541-7B7A-43D3-8B79-37D633B846F1}">
+                <asvg:svgBlip xmlns:asvg="http://schemas.microsoft.com/office/drawing/2016/SVG/main" r:embed="rId4"/>
+              </a:ext>
+            </a:extLst>
+          </a:blip>
+          <a:stretch>
+            <a:fillRect/>
+          </a:stretch>
+        </p:blipFill>
+        <p:spPr>
+          <a:xfrm>
+            <a:off x="663762" y="3477462"/>
+            <a:ext cx="174433" cy="174433"/>
+          </a:xfrm>
+          <a:prstGeom prst="rect">
+            <a:avLst/>
+          </a:prstGeom>
+        </p:spPr>
+      </p:pic>
+      <p:pic>
+        <p:nvPicPr>
+          <p:cNvPr id="45" name="Graphic 10" descr="Checkmark">
+            <a:extLst>
+              <a:ext uri="{FF2B5EF4-FFF2-40B4-BE49-F238E27FC236}">
+                <a16:creationId xmlns:a16="http://schemas.microsoft.com/office/drawing/2014/main" id="{71062D5B-1F6B-44C9-A9A6-62FF4E195C7B}"/>
+              </a:ext>
+            </a:extLst>
+          </p:cNvPr>
+          <p:cNvPicPr>
+            <a:picLocks noChangeAspect="1"/>
+          </p:cNvPicPr>
+          <p:nvPr/>
+        </p:nvPicPr>
+        <p:blipFill>
+          <a:blip r:embed="rId3">
+            <a:extLst>
+              <a:ext uri="{96DAC541-7B7A-43D3-8B79-37D633B846F1}">
+                <asvg:svgBlip xmlns:asvg="http://schemas.microsoft.com/office/drawing/2016/SVG/main" r:embed="rId4"/>
+              </a:ext>
+            </a:extLst>
+          </a:blip>
+          <a:stretch>
+            <a:fillRect/>
+          </a:stretch>
+        </p:blipFill>
+        <p:spPr>
+          <a:xfrm>
+            <a:off x="663761" y="5649129"/>
+            <a:ext cx="174433" cy="174433"/>
+          </a:xfrm>
+          <a:prstGeom prst="rect">
+            <a:avLst/>
+          </a:prstGeom>
+        </p:spPr>
+      </p:pic>
+      <p:pic>
+        <p:nvPicPr>
+          <p:cNvPr id="47" name="Graphic 10" descr="Checkmark">
+            <a:extLst>
+              <a:ext uri="{FF2B5EF4-FFF2-40B4-BE49-F238E27FC236}">
+                <a16:creationId xmlns:a16="http://schemas.microsoft.com/office/drawing/2014/main" id="{3B058F97-A11C-4F9A-9EE6-9511B110B198}"/>
+              </a:ext>
+            </a:extLst>
+          </p:cNvPr>
+          <p:cNvPicPr>
+            <a:picLocks noChangeAspect="1"/>
+          </p:cNvPicPr>
+          <p:nvPr/>
+        </p:nvPicPr>
+        <p:blipFill>
+          <a:blip r:embed="rId3">
+            <a:extLst>
+              <a:ext uri="{96DAC541-7B7A-43D3-8B79-37D633B846F1}">
+                <asvg:svgBlip xmlns:asvg="http://schemas.microsoft.com/office/drawing/2016/SVG/main" r:embed="rId4"/>
+              </a:ext>
+            </a:extLst>
+          </a:blip>
+          <a:stretch>
+            <a:fillRect/>
+          </a:stretch>
+        </p:blipFill>
+        <p:spPr>
+          <a:xfrm>
+            <a:off x="664352" y="2981356"/>
+            <a:ext cx="174433" cy="174433"/>
+          </a:xfrm>
+          <a:prstGeom prst="rect">
+            <a:avLst/>
+          </a:prstGeom>
+        </p:spPr>
+      </p:pic>
+      <p:pic>
+        <p:nvPicPr>
+          <p:cNvPr id="48" name="Graphic 10" descr="Checkmark">
+            <a:extLst>
+              <a:ext uri="{FF2B5EF4-FFF2-40B4-BE49-F238E27FC236}">
+                <a16:creationId xmlns:a16="http://schemas.microsoft.com/office/drawing/2014/main" id="{D0E7B24E-7703-4092-AF99-5D8EBDC3AE45}"/>
+              </a:ext>
+            </a:extLst>
+          </p:cNvPr>
+          <p:cNvPicPr>
+            <a:picLocks noChangeAspect="1"/>
+          </p:cNvPicPr>
+          <p:nvPr/>
+        </p:nvPicPr>
+        <p:blipFill>
+          <a:blip r:embed="rId3">
+            <a:extLst>
+              <a:ext uri="{96DAC541-7B7A-43D3-8B79-37D633B846F1}">
+                <asvg:svgBlip xmlns:asvg="http://schemas.microsoft.com/office/drawing/2016/SVG/main" r:embed="rId4"/>
+              </a:ext>
+            </a:extLst>
+          </a:blip>
+          <a:stretch>
+            <a:fillRect/>
+          </a:stretch>
+        </p:blipFill>
+        <p:spPr>
+          <a:xfrm>
+            <a:off x="663760" y="3230211"/>
+            <a:ext cx="174433" cy="174433"/>
+          </a:xfrm>
+          <a:prstGeom prst="rect">
+            <a:avLst/>
+          </a:prstGeom>
+        </p:spPr>
+      </p:pic>
+      <p:pic>
+        <p:nvPicPr>
+          <p:cNvPr id="49" name="Graphic 42" descr="Pause">
+            <a:extLst>
+              <a:ext uri="{FF2B5EF4-FFF2-40B4-BE49-F238E27FC236}">
+                <a16:creationId xmlns:a16="http://schemas.microsoft.com/office/drawing/2014/main" id="{8D035843-1B65-4DE0-8D81-CDAA1C72006B}"/>
+              </a:ext>
+            </a:extLst>
+          </p:cNvPr>
+          <p:cNvPicPr>
+            <a:picLocks noChangeAspect="1"/>
+          </p:cNvPicPr>
+          <p:nvPr/>
+        </p:nvPicPr>
+        <p:blipFill>
+          <a:blip r:embed="rId5">
+            <a:extLst>
+              <a:ext uri="{96DAC541-7B7A-43D3-8B79-37D633B846F1}">
+                <asvg:svgBlip xmlns:asvg="http://schemas.microsoft.com/office/drawing/2016/SVG/main" r:embed="rId6"/>
+              </a:ext>
+            </a:extLst>
+          </a:blip>
+          <a:stretch>
+            <a:fillRect/>
+          </a:stretch>
+        </p:blipFill>
+        <p:spPr>
+          <a:xfrm>
+            <a:off x="664713" y="5914401"/>
+            <a:ext cx="174433" cy="174433"/>
+          </a:xfrm>
+          <a:prstGeom prst="rect">
+            <a:avLst/>
+          </a:prstGeom>
+        </p:spPr>
+      </p:pic>
+      <p:pic>
+        <p:nvPicPr>
+          <p:cNvPr id="50" name="Graphic 10" descr="Checkmark">
+            <a:extLst>
+              <a:ext uri="{FF2B5EF4-FFF2-40B4-BE49-F238E27FC236}">
+                <a16:creationId xmlns:a16="http://schemas.microsoft.com/office/drawing/2014/main" id="{1F528372-5B69-4BF2-A455-166F69DAC559}"/>
+              </a:ext>
+            </a:extLst>
+          </p:cNvPr>
+          <p:cNvPicPr>
+            <a:picLocks noChangeAspect="1"/>
+          </p:cNvPicPr>
+          <p:nvPr/>
+        </p:nvPicPr>
+        <p:blipFill>
+          <a:blip r:embed="rId3">
+            <a:extLst>
+              <a:ext uri="{96DAC541-7B7A-43D3-8B79-37D633B846F1}">
+                <asvg:svgBlip xmlns:asvg="http://schemas.microsoft.com/office/drawing/2016/SVG/main" r:embed="rId4"/>
+              </a:ext>
+            </a:extLst>
+          </a:blip>
+          <a:stretch>
+            <a:fillRect/>
+          </a:stretch>
+        </p:blipFill>
+        <p:spPr>
+          <a:xfrm>
+            <a:off x="664713" y="5428371"/>
+            <a:ext cx="174433" cy="174433"/>
+          </a:xfrm>
+          <a:prstGeom prst="rect">
+            <a:avLst/>
+          </a:prstGeom>
+        </p:spPr>
+      </p:pic>
+      <p:pic>
+        <p:nvPicPr>
+          <p:cNvPr id="51" name="Graphic 42" descr="Pause">
+            <a:extLst>
+              <a:ext uri="{FF2B5EF4-FFF2-40B4-BE49-F238E27FC236}">
+                <a16:creationId xmlns:a16="http://schemas.microsoft.com/office/drawing/2014/main" id="{18D5F6C2-FB62-4939-A3B9-B43914C0EB7B}"/>
+              </a:ext>
+            </a:extLst>
+          </p:cNvPr>
+          <p:cNvPicPr>
+            <a:picLocks noChangeAspect="1"/>
+          </p:cNvPicPr>
+          <p:nvPr/>
+        </p:nvPicPr>
+        <p:blipFill>
+          <a:blip r:embed="rId5">
+            <a:extLst>
+              <a:ext uri="{96DAC541-7B7A-43D3-8B79-37D633B846F1}">
+                <asvg:svgBlip xmlns:asvg="http://schemas.microsoft.com/office/drawing/2016/SVG/main" r:embed="rId6"/>
+              </a:ext>
+            </a:extLst>
+          </a:blip>
+          <a:stretch>
+            <a:fillRect/>
+          </a:stretch>
+        </p:blipFill>
+        <p:spPr>
+          <a:xfrm>
+            <a:off x="664713" y="6175479"/>
+            <a:ext cx="174433" cy="174433"/>
+          </a:xfrm>
+          <a:prstGeom prst="rect">
+            <a:avLst/>
+          </a:prstGeom>
+        </p:spPr>
+      </p:pic>
+      <p:pic>
+        <p:nvPicPr>
+          <p:cNvPr id="52" name="Graphic 16" descr="Close">
+            <a:extLst>
+              <a:ext uri="{FF2B5EF4-FFF2-40B4-BE49-F238E27FC236}">
+                <a16:creationId xmlns:a16="http://schemas.microsoft.com/office/drawing/2014/main" id="{BF6DF1F4-02F3-433C-AEEE-300A4EE66A49}"/>
+              </a:ext>
+            </a:extLst>
+          </p:cNvPr>
+          <p:cNvPicPr>
+            <a:picLocks noChangeAspect="1"/>
+          </p:cNvPicPr>
+          <p:nvPr/>
+        </p:nvPicPr>
+        <p:blipFill>
+          <a:blip r:embed="rId7">
+            <a:extLst>
+              <a:ext uri="{96DAC541-7B7A-43D3-8B79-37D633B846F1}">
+                <asvg:svgBlip xmlns:asvg="http://schemas.microsoft.com/office/drawing/2016/SVG/main" r:embed="rId8"/>
+              </a:ext>
+            </a:extLst>
+          </a:blip>
+          <a:stretch>
+            <a:fillRect/>
+          </a:stretch>
+        </p:blipFill>
+        <p:spPr>
+          <a:xfrm>
+            <a:off x="5630446" y="3016634"/>
+            <a:ext cx="174433" cy="174433"/>
+          </a:xfrm>
+          <a:prstGeom prst="rect">
+            <a:avLst/>
+          </a:prstGeom>
+        </p:spPr>
+      </p:pic>
+      <p:pic>
+        <p:nvPicPr>
+          <p:cNvPr id="53" name="Graphic 42" descr="Pause">
+            <a:extLst>
+              <a:ext uri="{FF2B5EF4-FFF2-40B4-BE49-F238E27FC236}">
+                <a16:creationId xmlns:a16="http://schemas.microsoft.com/office/drawing/2014/main" id="{C8F299D6-3CEC-4134-91B6-230BEE05BF4F}"/>
+              </a:ext>
+            </a:extLst>
+          </p:cNvPr>
+          <p:cNvPicPr>
+            <a:picLocks noChangeAspect="1"/>
+          </p:cNvPicPr>
+          <p:nvPr/>
+        </p:nvPicPr>
+        <p:blipFill>
+          <a:blip r:embed="rId5">
+            <a:extLst>
+              <a:ext uri="{96DAC541-7B7A-43D3-8B79-37D633B846F1}">
+                <asvg:svgBlip xmlns:asvg="http://schemas.microsoft.com/office/drawing/2016/SVG/main" r:embed="rId6"/>
+              </a:ext>
+            </a:extLst>
+          </a:blip>
+          <a:stretch>
+            <a:fillRect/>
+          </a:stretch>
+        </p:blipFill>
+        <p:spPr>
+          <a:xfrm>
+            <a:off x="5624260" y="3234521"/>
+            <a:ext cx="174433" cy="174433"/>
+          </a:xfrm>
+          <a:prstGeom prst="rect">
+            <a:avLst/>
+          </a:prstGeom>
+        </p:spPr>
+      </p:pic>
+      <p:pic>
+        <p:nvPicPr>
+          <p:cNvPr id="54" name="Graphic 42" descr="Pause">
+            <a:extLst>
+              <a:ext uri="{FF2B5EF4-FFF2-40B4-BE49-F238E27FC236}">
+                <a16:creationId xmlns:a16="http://schemas.microsoft.com/office/drawing/2014/main" id="{3AAF4435-E93D-4D34-96C9-3B6166E72736}"/>
+              </a:ext>
+            </a:extLst>
+          </p:cNvPr>
+          <p:cNvPicPr>
+            <a:picLocks noChangeAspect="1"/>
+          </p:cNvPicPr>
+          <p:nvPr/>
+        </p:nvPicPr>
+        <p:blipFill>
+          <a:blip r:embed="rId5">
+            <a:extLst>
+              <a:ext uri="{96DAC541-7B7A-43D3-8B79-37D633B846F1}">
+                <asvg:svgBlip xmlns:asvg="http://schemas.microsoft.com/office/drawing/2016/SVG/main" r:embed="rId6"/>
+              </a:ext>
+            </a:extLst>
+          </a:blip>
+          <a:stretch>
+            <a:fillRect/>
+          </a:stretch>
+        </p:blipFill>
+        <p:spPr>
+          <a:xfrm>
+            <a:off x="5624254" y="3494180"/>
+            <a:ext cx="174433" cy="174433"/>
+          </a:xfrm>
+          <a:prstGeom prst="rect">
+            <a:avLst/>
+          </a:prstGeom>
+        </p:spPr>
+      </p:pic>
+      <p:pic>
+        <p:nvPicPr>
+          <p:cNvPr id="55" name="Graphic 42" descr="Pause">
+            <a:extLst>
+              <a:ext uri="{FF2B5EF4-FFF2-40B4-BE49-F238E27FC236}">
+                <a16:creationId xmlns:a16="http://schemas.microsoft.com/office/drawing/2014/main" id="{A9CF9818-7CE7-4E46-8350-C46AFAB3CA33}"/>
+              </a:ext>
+            </a:extLst>
+          </p:cNvPr>
+          <p:cNvPicPr>
+            <a:picLocks noChangeAspect="1"/>
+          </p:cNvPicPr>
+          <p:nvPr/>
+        </p:nvPicPr>
+        <p:blipFill>
+          <a:blip r:embed="rId5">
+            <a:extLst>
+              <a:ext uri="{96DAC541-7B7A-43D3-8B79-37D633B846F1}">
+                <asvg:svgBlip xmlns:asvg="http://schemas.microsoft.com/office/drawing/2016/SVG/main" r:embed="rId6"/>
+              </a:ext>
+            </a:extLst>
+          </a:blip>
+          <a:stretch>
+            <a:fillRect/>
+          </a:stretch>
+        </p:blipFill>
+        <p:spPr>
+          <a:xfrm>
+            <a:off x="5624253" y="3940570"/>
+            <a:ext cx="174433" cy="174433"/>
+          </a:xfrm>
+          <a:prstGeom prst="rect">
+            <a:avLst/>
+          </a:prstGeom>
+        </p:spPr>
+      </p:pic>
+      <p:pic>
+        <p:nvPicPr>
+          <p:cNvPr id="56" name="Graphic 10" descr="Checkmark">
+            <a:extLst>
+              <a:ext uri="{FF2B5EF4-FFF2-40B4-BE49-F238E27FC236}">
+                <a16:creationId xmlns:a16="http://schemas.microsoft.com/office/drawing/2014/main" id="{B3998E82-DC75-4C94-A28D-A089E5CDD676}"/>
+              </a:ext>
+            </a:extLst>
+          </p:cNvPr>
+          <p:cNvPicPr>
+            <a:picLocks noChangeAspect="1"/>
+          </p:cNvPicPr>
+          <p:nvPr/>
+        </p:nvPicPr>
+        <p:blipFill>
+          <a:blip r:embed="rId3">
+            <a:extLst>
+              <a:ext uri="{96DAC541-7B7A-43D3-8B79-37D633B846F1}">
+                <asvg:svgBlip xmlns:asvg="http://schemas.microsoft.com/office/drawing/2016/SVG/main" r:embed="rId4"/>
+              </a:ext>
+            </a:extLst>
+          </a:blip>
+          <a:stretch>
+            <a:fillRect/>
+          </a:stretch>
+        </p:blipFill>
+        <p:spPr>
+          <a:xfrm>
+            <a:off x="5624260" y="5914400"/>
+            <a:ext cx="174433" cy="174433"/>
+          </a:xfrm>
+          <a:prstGeom prst="rect">
+            <a:avLst/>
+          </a:prstGeom>
+        </p:spPr>
+      </p:pic>
+      <p:pic>
+        <p:nvPicPr>
+          <p:cNvPr id="57" name="Graphic 42" descr="Pause">
+            <a:extLst>
+              <a:ext uri="{FF2B5EF4-FFF2-40B4-BE49-F238E27FC236}">
+                <a16:creationId xmlns:a16="http://schemas.microsoft.com/office/drawing/2014/main" id="{CB11BF40-06AC-4DDF-906E-42585E271739}"/>
+              </a:ext>
+            </a:extLst>
+          </p:cNvPr>
+          <p:cNvPicPr>
+            <a:picLocks noChangeAspect="1"/>
+          </p:cNvPicPr>
+          <p:nvPr/>
+        </p:nvPicPr>
+        <p:blipFill>
+          <a:blip r:embed="rId5">
+            <a:extLst>
+              <a:ext uri="{96DAC541-7B7A-43D3-8B79-37D633B846F1}">
+                <asvg:svgBlip xmlns:asvg="http://schemas.microsoft.com/office/drawing/2016/SVG/main" r:embed="rId6"/>
+              </a:ext>
+            </a:extLst>
+          </a:blip>
+          <a:stretch>
+            <a:fillRect/>
+          </a:stretch>
+        </p:blipFill>
+        <p:spPr>
+          <a:xfrm>
+            <a:off x="5630446" y="4690073"/>
+            <a:ext cx="174433" cy="174433"/>
+          </a:xfrm>
+          <a:prstGeom prst="rect">
+            <a:avLst/>
+          </a:prstGeom>
         </p:spPr>
       </p:pic>
     </p:spTree>

--- a/P2/ppt.pptx
+++ b/P2/ppt.pptx
@@ -125,6 +125,634 @@
 </p:presentation>
 </file>
 
+<file path=ppt/revisionInfo.xml><?xml version="1.0" encoding="utf-8"?>
+<p1510:revInfo xmlns:a="http://schemas.openxmlformats.org/drawingml/2006/main" xmlns:r="http://schemas.openxmlformats.org/officeDocument/2006/relationships" xmlns:p1510="http://schemas.microsoft.com/office/powerpoint/2015/10/main">
+  <p1510:revLst>
+    <p1510:client id="{31CB39B3-35D3-4593-B59B-ABAD6344E210}" v="4" dt="2019-05-06T20:13:30.065"/>
+  </p1510:revLst>
+</p1510:revInfo>
+</file>
+
+<file path=ppt/changesInfos/changesInfo1.xml><?xml version="1.0" encoding="utf-8"?>
+<pc:chgInfo xmlns:a="http://schemas.openxmlformats.org/drawingml/2006/main" xmlns:r="http://schemas.openxmlformats.org/officeDocument/2006/relationships" xmlns:ac="http://schemas.microsoft.com/office/drawing/2013/main/command" xmlns:pc="http://schemas.microsoft.com/office/powerpoint/2013/main/command">
+  <pc:docChgLst>
+    <pc:chgData name="Márquez Mínguez David" userId="S::david.marquez@edu.uah.es::58bb8e2a-3a27-4162-b3e3-224d4a8d687d" providerId="AD" clId="Web-{31CB39B3-35D3-4593-B59B-ABAD6344E210}"/>
+    <pc:docChg chg="modSld">
+      <pc:chgData name="Márquez Mínguez David" userId="S::david.marquez@edu.uah.es::58bb8e2a-3a27-4162-b3e3-224d4a8d687d" providerId="AD" clId="Web-{31CB39B3-35D3-4593-B59B-ABAD6344E210}" dt="2019-05-06T20:13:44.597" v="82"/>
+      <pc:docMkLst>
+        <pc:docMk/>
+      </pc:docMkLst>
+      <pc:sldChg chg="addSp delSp modSp">
+        <pc:chgData name="Márquez Mínguez David" userId="S::david.marquez@edu.uah.es::58bb8e2a-3a27-4162-b3e3-224d4a8d687d" providerId="AD" clId="Web-{31CB39B3-35D3-4593-B59B-ABAD6344E210}" dt="2019-05-06T20:11:21.845" v="72" actId="1076"/>
+        <pc:sldMkLst>
+          <pc:docMk/>
+          <pc:sldMk cId="3989210694" sldId="260"/>
+        </pc:sldMkLst>
+        <pc:picChg chg="add">
+          <ac:chgData name="Márquez Mínguez David" userId="S::david.marquez@edu.uah.es::58bb8e2a-3a27-4162-b3e3-224d4a8d687d" providerId="AD" clId="Web-{31CB39B3-35D3-4593-B59B-ABAD6344E210}" dt="2019-05-06T20:10:48.439" v="0"/>
+          <ac:picMkLst>
+            <pc:docMk/>
+            <pc:sldMk cId="3989210694" sldId="260"/>
+            <ac:picMk id="3" creationId="{2A51D636-1E61-455F-B011-8790DB3F863C}"/>
+          </ac:picMkLst>
+        </pc:picChg>
+        <pc:picChg chg="add">
+          <ac:chgData name="Márquez Mínguez David" userId="S::david.marquez@edu.uah.es::58bb8e2a-3a27-4162-b3e3-224d4a8d687d" providerId="AD" clId="Web-{31CB39B3-35D3-4593-B59B-ABAD6344E210}" dt="2019-05-06T20:10:48.454" v="1"/>
+          <ac:picMkLst>
+            <pc:docMk/>
+            <pc:sldMk cId="3989210694" sldId="260"/>
+            <ac:picMk id="4" creationId="{1EF479A5-5C12-4EAC-B82D-FDB5E669DE3A}"/>
+          </ac:picMkLst>
+        </pc:picChg>
+        <pc:picChg chg="add">
+          <ac:chgData name="Márquez Mínguez David" userId="S::david.marquez@edu.uah.es::58bb8e2a-3a27-4162-b3e3-224d4a8d687d" providerId="AD" clId="Web-{31CB39B3-35D3-4593-B59B-ABAD6344E210}" dt="2019-05-06T20:10:48.471" v="2"/>
+          <ac:picMkLst>
+            <pc:docMk/>
+            <pc:sldMk cId="3989210694" sldId="260"/>
+            <ac:picMk id="5" creationId="{2298B27A-ECE6-4497-A544-EC141B4A2519}"/>
+          </ac:picMkLst>
+        </pc:picChg>
+        <pc:picChg chg="add">
+          <ac:chgData name="Márquez Mínguez David" userId="S::david.marquez@edu.uah.es::58bb8e2a-3a27-4162-b3e3-224d4a8d687d" providerId="AD" clId="Web-{31CB39B3-35D3-4593-B59B-ABAD6344E210}" dt="2019-05-06T20:10:48.486" v="3"/>
+          <ac:picMkLst>
+            <pc:docMk/>
+            <pc:sldMk cId="3989210694" sldId="260"/>
+            <ac:picMk id="13" creationId="{FDA3D8A0-A93A-49CD-9752-D5E7E0153B77}"/>
+          </ac:picMkLst>
+        </pc:picChg>
+        <pc:picChg chg="add">
+          <ac:chgData name="Márquez Mínguez David" userId="S::david.marquez@edu.uah.es::58bb8e2a-3a27-4162-b3e3-224d4a8d687d" providerId="AD" clId="Web-{31CB39B3-35D3-4593-B59B-ABAD6344E210}" dt="2019-05-06T20:10:48.517" v="4"/>
+          <ac:picMkLst>
+            <pc:docMk/>
+            <pc:sldMk cId="3989210694" sldId="260"/>
+            <ac:picMk id="15" creationId="{69958C2C-C8F5-4A93-8C0C-A30E059D6F92}"/>
+          </ac:picMkLst>
+        </pc:picChg>
+        <pc:picChg chg="add">
+          <ac:chgData name="Márquez Mínguez David" userId="S::david.marquez@edu.uah.es::58bb8e2a-3a27-4162-b3e3-224d4a8d687d" providerId="AD" clId="Web-{31CB39B3-35D3-4593-B59B-ABAD6344E210}" dt="2019-05-06T20:10:48.548" v="5"/>
+          <ac:picMkLst>
+            <pc:docMk/>
+            <pc:sldMk cId="3989210694" sldId="260"/>
+            <ac:picMk id="17" creationId="{4FE1FBA6-F86E-4E96-8F69-9C5AD013A8D1}"/>
+          </ac:picMkLst>
+        </pc:picChg>
+        <pc:picChg chg="add">
+          <ac:chgData name="Márquez Mínguez David" userId="S::david.marquez@edu.uah.es::58bb8e2a-3a27-4162-b3e3-224d4a8d687d" providerId="AD" clId="Web-{31CB39B3-35D3-4593-B59B-ABAD6344E210}" dt="2019-05-06T20:10:48.579" v="6"/>
+          <ac:picMkLst>
+            <pc:docMk/>
+            <pc:sldMk cId="3989210694" sldId="260"/>
+            <ac:picMk id="19" creationId="{02AB3960-7575-4AD3-8CCD-6F5E24241487}"/>
+          </ac:picMkLst>
+        </pc:picChg>
+        <pc:picChg chg="add">
+          <ac:chgData name="Márquez Mínguez David" userId="S::david.marquez@edu.uah.es::58bb8e2a-3a27-4162-b3e3-224d4a8d687d" providerId="AD" clId="Web-{31CB39B3-35D3-4593-B59B-ABAD6344E210}" dt="2019-05-06T20:10:48.595" v="7"/>
+          <ac:picMkLst>
+            <pc:docMk/>
+            <pc:sldMk cId="3989210694" sldId="260"/>
+            <ac:picMk id="21" creationId="{9F208E6F-0B9E-4FF4-8796-FA011BFFDA6D}"/>
+          </ac:picMkLst>
+        </pc:picChg>
+        <pc:picChg chg="add">
+          <ac:chgData name="Márquez Mínguez David" userId="S::david.marquez@edu.uah.es::58bb8e2a-3a27-4162-b3e3-224d4a8d687d" providerId="AD" clId="Web-{31CB39B3-35D3-4593-B59B-ABAD6344E210}" dt="2019-05-06T20:10:48.626" v="8"/>
+          <ac:picMkLst>
+            <pc:docMk/>
+            <pc:sldMk cId="3989210694" sldId="260"/>
+            <ac:picMk id="23" creationId="{E9838BAF-C730-45F5-9E1F-C1F7370DDD4F}"/>
+          </ac:picMkLst>
+        </pc:picChg>
+        <pc:picChg chg="add">
+          <ac:chgData name="Márquez Mínguez David" userId="S::david.marquez@edu.uah.es::58bb8e2a-3a27-4162-b3e3-224d4a8d687d" providerId="AD" clId="Web-{31CB39B3-35D3-4593-B59B-ABAD6344E210}" dt="2019-05-06T20:10:48.642" v="9"/>
+          <ac:picMkLst>
+            <pc:docMk/>
+            <pc:sldMk cId="3989210694" sldId="260"/>
+            <ac:picMk id="25" creationId="{C70836DB-2A46-4C20-BD3E-08258F5B39FE}"/>
+          </ac:picMkLst>
+        </pc:picChg>
+        <pc:picChg chg="add">
+          <ac:chgData name="Márquez Mínguez David" userId="S::david.marquez@edu.uah.es::58bb8e2a-3a27-4162-b3e3-224d4a8d687d" providerId="AD" clId="Web-{31CB39B3-35D3-4593-B59B-ABAD6344E210}" dt="2019-05-06T20:10:48.673" v="10"/>
+          <ac:picMkLst>
+            <pc:docMk/>
+            <pc:sldMk cId="3989210694" sldId="260"/>
+            <ac:picMk id="27" creationId="{4C5B2BF4-884F-47F3-A28D-CE760FB5DDF0}"/>
+          </ac:picMkLst>
+        </pc:picChg>
+        <pc:picChg chg="add">
+          <ac:chgData name="Márquez Mínguez David" userId="S::david.marquez@edu.uah.es::58bb8e2a-3a27-4162-b3e3-224d4a8d687d" providerId="AD" clId="Web-{31CB39B3-35D3-4593-B59B-ABAD6344E210}" dt="2019-05-06T20:10:48.689" v="11"/>
+          <ac:picMkLst>
+            <pc:docMk/>
+            <pc:sldMk cId="3989210694" sldId="260"/>
+            <ac:picMk id="29" creationId="{1B4CB56D-8DEE-40AE-926E-CC4876000152}"/>
+          </ac:picMkLst>
+        </pc:picChg>
+        <pc:picChg chg="add">
+          <ac:chgData name="Márquez Mínguez David" userId="S::david.marquez@edu.uah.es::58bb8e2a-3a27-4162-b3e3-224d4a8d687d" providerId="AD" clId="Web-{31CB39B3-35D3-4593-B59B-ABAD6344E210}" dt="2019-05-06T20:10:48.720" v="12"/>
+          <ac:picMkLst>
+            <pc:docMk/>
+            <pc:sldMk cId="3989210694" sldId="260"/>
+            <ac:picMk id="31" creationId="{200A801C-07FF-48F8-BC78-1E129B5876CE}"/>
+          </ac:picMkLst>
+        </pc:picChg>
+        <pc:picChg chg="add">
+          <ac:chgData name="Márquez Mínguez David" userId="S::david.marquez@edu.uah.es::58bb8e2a-3a27-4162-b3e3-224d4a8d687d" providerId="AD" clId="Web-{31CB39B3-35D3-4593-B59B-ABAD6344E210}" dt="2019-05-06T20:10:48.736" v="13"/>
+          <ac:picMkLst>
+            <pc:docMk/>
+            <pc:sldMk cId="3989210694" sldId="260"/>
+            <ac:picMk id="33" creationId="{7F72139C-3F68-4DA5-9D00-E689EC770A1C}"/>
+          </ac:picMkLst>
+        </pc:picChg>
+        <pc:picChg chg="add">
+          <ac:chgData name="Márquez Mínguez David" userId="S::david.marquez@edu.uah.es::58bb8e2a-3a27-4162-b3e3-224d4a8d687d" providerId="AD" clId="Web-{31CB39B3-35D3-4593-B59B-ABAD6344E210}" dt="2019-05-06T20:10:48.751" v="14"/>
+          <ac:picMkLst>
+            <pc:docMk/>
+            <pc:sldMk cId="3989210694" sldId="260"/>
+            <ac:picMk id="35" creationId="{F0FC8119-2AFB-463B-8004-21FC0DC3860A}"/>
+          </ac:picMkLst>
+        </pc:picChg>
+        <pc:picChg chg="add del">
+          <ac:chgData name="Márquez Mínguez David" userId="S::david.marquez@edu.uah.es::58bb8e2a-3a27-4162-b3e3-224d4a8d687d" providerId="AD" clId="Web-{31CB39B3-35D3-4593-B59B-ABAD6344E210}" dt="2019-05-06T20:11:13.892" v="70"/>
+          <ac:picMkLst>
+            <pc:docMk/>
+            <pc:sldMk cId="3989210694" sldId="260"/>
+            <ac:picMk id="37" creationId="{C9648110-7BAD-4642-BC7A-506F481D1790}"/>
+          </ac:picMkLst>
+        </pc:picChg>
+        <pc:picChg chg="add">
+          <ac:chgData name="Márquez Mínguez David" userId="S::david.marquez@edu.uah.es::58bb8e2a-3a27-4162-b3e3-224d4a8d687d" providerId="AD" clId="Web-{31CB39B3-35D3-4593-B59B-ABAD6344E210}" dt="2019-05-06T20:10:48.798" v="16"/>
+          <ac:picMkLst>
+            <pc:docMk/>
+            <pc:sldMk cId="3989210694" sldId="260"/>
+            <ac:picMk id="39" creationId="{023FBDE6-0B7A-4C3F-AF99-9D052C05687F}"/>
+          </ac:picMkLst>
+        </pc:picChg>
+        <pc:picChg chg="add">
+          <ac:chgData name="Márquez Mínguez David" userId="S::david.marquez@edu.uah.es::58bb8e2a-3a27-4162-b3e3-224d4a8d687d" providerId="AD" clId="Web-{31CB39B3-35D3-4593-B59B-ABAD6344E210}" dt="2019-05-06T20:10:48.829" v="17"/>
+          <ac:picMkLst>
+            <pc:docMk/>
+            <pc:sldMk cId="3989210694" sldId="260"/>
+            <ac:picMk id="41" creationId="{B9080AB9-AC0F-4139-BFF4-EEE81DD4DA63}"/>
+          </ac:picMkLst>
+        </pc:picChg>
+        <pc:picChg chg="add">
+          <ac:chgData name="Márquez Mínguez David" userId="S::david.marquez@edu.uah.es::58bb8e2a-3a27-4162-b3e3-224d4a8d687d" providerId="AD" clId="Web-{31CB39B3-35D3-4593-B59B-ABAD6344E210}" dt="2019-05-06T20:10:48.845" v="18"/>
+          <ac:picMkLst>
+            <pc:docMk/>
+            <pc:sldMk cId="3989210694" sldId="260"/>
+            <ac:picMk id="43" creationId="{92272A99-07E4-4636-8E5F-C0F06193384E}"/>
+          </ac:picMkLst>
+        </pc:picChg>
+        <pc:picChg chg="add">
+          <ac:chgData name="Márquez Mínguez David" userId="S::david.marquez@edu.uah.es::58bb8e2a-3a27-4162-b3e3-224d4a8d687d" providerId="AD" clId="Web-{31CB39B3-35D3-4593-B59B-ABAD6344E210}" dt="2019-05-06T20:10:48.861" v="19"/>
+          <ac:picMkLst>
+            <pc:docMk/>
+            <pc:sldMk cId="3989210694" sldId="260"/>
+            <ac:picMk id="45" creationId="{1793D4FE-2059-4E16-AE27-3C2018F55117}"/>
+          </ac:picMkLst>
+        </pc:picChg>
+        <pc:picChg chg="add">
+          <ac:chgData name="Márquez Mínguez David" userId="S::david.marquez@edu.uah.es::58bb8e2a-3a27-4162-b3e3-224d4a8d687d" providerId="AD" clId="Web-{31CB39B3-35D3-4593-B59B-ABAD6344E210}" dt="2019-05-06T20:10:48.892" v="20"/>
+          <ac:picMkLst>
+            <pc:docMk/>
+            <pc:sldMk cId="3989210694" sldId="260"/>
+            <ac:picMk id="47" creationId="{359E5A0D-7128-4ABA-A338-7F824C5EF60A}"/>
+          </ac:picMkLst>
+        </pc:picChg>
+        <pc:picChg chg="add">
+          <ac:chgData name="Márquez Mínguez David" userId="S::david.marquez@edu.uah.es::58bb8e2a-3a27-4162-b3e3-224d4a8d687d" providerId="AD" clId="Web-{31CB39B3-35D3-4593-B59B-ABAD6344E210}" dt="2019-05-06T20:10:48.907" v="21"/>
+          <ac:picMkLst>
+            <pc:docMk/>
+            <pc:sldMk cId="3989210694" sldId="260"/>
+            <ac:picMk id="49" creationId="{8DA75BE5-3109-4C8F-8E19-796FBEB7B242}"/>
+          </ac:picMkLst>
+        </pc:picChg>
+        <pc:picChg chg="add">
+          <ac:chgData name="Márquez Mínguez David" userId="S::david.marquez@edu.uah.es::58bb8e2a-3a27-4162-b3e3-224d4a8d687d" providerId="AD" clId="Web-{31CB39B3-35D3-4593-B59B-ABAD6344E210}" dt="2019-05-06T20:10:48.923" v="22"/>
+          <ac:picMkLst>
+            <pc:docMk/>
+            <pc:sldMk cId="3989210694" sldId="260"/>
+            <ac:picMk id="51" creationId="{F5885F3A-35AF-4CA1-9E25-33FD0098BC36}"/>
+          </ac:picMkLst>
+        </pc:picChg>
+        <pc:picChg chg="add">
+          <ac:chgData name="Márquez Mínguez David" userId="S::david.marquez@edu.uah.es::58bb8e2a-3a27-4162-b3e3-224d4a8d687d" providerId="AD" clId="Web-{31CB39B3-35D3-4593-B59B-ABAD6344E210}" dt="2019-05-06T20:10:48.939" v="23"/>
+          <ac:picMkLst>
+            <pc:docMk/>
+            <pc:sldMk cId="3989210694" sldId="260"/>
+            <ac:picMk id="53" creationId="{728DA277-816A-4A32-BA16-E5980A9870FD}"/>
+          </ac:picMkLst>
+        </pc:picChg>
+        <pc:picChg chg="add">
+          <ac:chgData name="Márquez Mínguez David" userId="S::david.marquez@edu.uah.es::58bb8e2a-3a27-4162-b3e3-224d4a8d687d" providerId="AD" clId="Web-{31CB39B3-35D3-4593-B59B-ABAD6344E210}" dt="2019-05-06T20:10:48.970" v="24"/>
+          <ac:picMkLst>
+            <pc:docMk/>
+            <pc:sldMk cId="3989210694" sldId="260"/>
+            <ac:picMk id="55" creationId="{D7E53530-E089-419A-BF85-4FEB627A1302}"/>
+          </ac:picMkLst>
+        </pc:picChg>
+        <pc:picChg chg="add">
+          <ac:chgData name="Márquez Mínguez David" userId="S::david.marquez@edu.uah.es::58bb8e2a-3a27-4162-b3e3-224d4a8d687d" providerId="AD" clId="Web-{31CB39B3-35D3-4593-B59B-ABAD6344E210}" dt="2019-05-06T20:10:48.986" v="25"/>
+          <ac:picMkLst>
+            <pc:docMk/>
+            <pc:sldMk cId="3989210694" sldId="260"/>
+            <ac:picMk id="57" creationId="{CD6A0EB9-D69C-4C0D-802C-1F81A38A6949}"/>
+          </ac:picMkLst>
+        </pc:picChg>
+        <pc:picChg chg="add">
+          <ac:chgData name="Márquez Mínguez David" userId="S::david.marquez@edu.uah.es::58bb8e2a-3a27-4162-b3e3-224d4a8d687d" providerId="AD" clId="Web-{31CB39B3-35D3-4593-B59B-ABAD6344E210}" dt="2019-05-06T20:10:49.017" v="26"/>
+          <ac:picMkLst>
+            <pc:docMk/>
+            <pc:sldMk cId="3989210694" sldId="260"/>
+            <ac:picMk id="59" creationId="{57228E9C-6521-4CF8-A798-37785D19B01D}"/>
+          </ac:picMkLst>
+        </pc:picChg>
+        <pc:picChg chg="add">
+          <ac:chgData name="Márquez Mínguez David" userId="S::david.marquez@edu.uah.es::58bb8e2a-3a27-4162-b3e3-224d4a8d687d" providerId="AD" clId="Web-{31CB39B3-35D3-4593-B59B-ABAD6344E210}" dt="2019-05-06T20:10:49.032" v="27"/>
+          <ac:picMkLst>
+            <pc:docMk/>
+            <pc:sldMk cId="3989210694" sldId="260"/>
+            <ac:picMk id="61" creationId="{49823E91-492C-405A-86C2-31A3314B49EE}"/>
+          </ac:picMkLst>
+        </pc:picChg>
+        <pc:picChg chg="add">
+          <ac:chgData name="Márquez Mínguez David" userId="S::david.marquez@edu.uah.es::58bb8e2a-3a27-4162-b3e3-224d4a8d687d" providerId="AD" clId="Web-{31CB39B3-35D3-4593-B59B-ABAD6344E210}" dt="2019-05-06T20:10:49.064" v="28"/>
+          <ac:picMkLst>
+            <pc:docMk/>
+            <pc:sldMk cId="3989210694" sldId="260"/>
+            <ac:picMk id="63" creationId="{9A3B6C03-B340-47A3-9D9F-B41F0DBCB93A}"/>
+          </ac:picMkLst>
+        </pc:picChg>
+        <pc:picChg chg="add">
+          <ac:chgData name="Márquez Mínguez David" userId="S::david.marquez@edu.uah.es::58bb8e2a-3a27-4162-b3e3-224d4a8d687d" providerId="AD" clId="Web-{31CB39B3-35D3-4593-B59B-ABAD6344E210}" dt="2019-05-06T20:10:49.079" v="29"/>
+          <ac:picMkLst>
+            <pc:docMk/>
+            <pc:sldMk cId="3989210694" sldId="260"/>
+            <ac:picMk id="65" creationId="{BF1821CD-0833-4CEE-AA8C-2FCB7C09C3B4}"/>
+          </ac:picMkLst>
+        </pc:picChg>
+        <pc:picChg chg="add">
+          <ac:chgData name="Márquez Mínguez David" userId="S::david.marquez@edu.uah.es::58bb8e2a-3a27-4162-b3e3-224d4a8d687d" providerId="AD" clId="Web-{31CB39B3-35D3-4593-B59B-ABAD6344E210}" dt="2019-05-06T20:10:49.111" v="30"/>
+          <ac:picMkLst>
+            <pc:docMk/>
+            <pc:sldMk cId="3989210694" sldId="260"/>
+            <ac:picMk id="67" creationId="{0AFBE53D-55C0-440A-BD92-A82B98E21504}"/>
+          </ac:picMkLst>
+        </pc:picChg>
+        <pc:picChg chg="add">
+          <ac:chgData name="Márquez Mínguez David" userId="S::david.marquez@edu.uah.es::58bb8e2a-3a27-4162-b3e3-224d4a8d687d" providerId="AD" clId="Web-{31CB39B3-35D3-4593-B59B-ABAD6344E210}" dt="2019-05-06T20:10:49.127" v="31"/>
+          <ac:picMkLst>
+            <pc:docMk/>
+            <pc:sldMk cId="3989210694" sldId="260"/>
+            <ac:picMk id="69" creationId="{7CA0499F-2108-483B-B3B3-DC2F24A3E41A}"/>
+          </ac:picMkLst>
+        </pc:picChg>
+        <pc:picChg chg="add">
+          <ac:chgData name="Márquez Mínguez David" userId="S::david.marquez@edu.uah.es::58bb8e2a-3a27-4162-b3e3-224d4a8d687d" providerId="AD" clId="Web-{31CB39B3-35D3-4593-B59B-ABAD6344E210}" dt="2019-05-06T20:10:49.158" v="32"/>
+          <ac:picMkLst>
+            <pc:docMk/>
+            <pc:sldMk cId="3989210694" sldId="260"/>
+            <ac:picMk id="71" creationId="{84330BD1-B36A-4607-998E-6201F77543F6}"/>
+          </ac:picMkLst>
+        </pc:picChg>
+        <pc:picChg chg="add">
+          <ac:chgData name="Márquez Mínguez David" userId="S::david.marquez@edu.uah.es::58bb8e2a-3a27-4162-b3e3-224d4a8d687d" providerId="AD" clId="Web-{31CB39B3-35D3-4593-B59B-ABAD6344E210}" dt="2019-05-06T20:10:49.173" v="33"/>
+          <ac:picMkLst>
+            <pc:docMk/>
+            <pc:sldMk cId="3989210694" sldId="260"/>
+            <ac:picMk id="73" creationId="{5529FDA8-04FB-4856-B675-58AC23CB7E23}"/>
+          </ac:picMkLst>
+        </pc:picChg>
+        <pc:picChg chg="add">
+          <ac:chgData name="Márquez Mínguez David" userId="S::david.marquez@edu.uah.es::58bb8e2a-3a27-4162-b3e3-224d4a8d687d" providerId="AD" clId="Web-{31CB39B3-35D3-4593-B59B-ABAD6344E210}" dt="2019-05-06T20:10:49.189" v="34"/>
+          <ac:picMkLst>
+            <pc:docMk/>
+            <pc:sldMk cId="3989210694" sldId="260"/>
+            <ac:picMk id="75" creationId="{4B915163-6A91-4FAE-8057-8D8DFD5AC0C4}"/>
+          </ac:picMkLst>
+        </pc:picChg>
+        <pc:picChg chg="add mod">
+          <ac:chgData name="Márquez Mínguez David" userId="S::david.marquez@edu.uah.es::58bb8e2a-3a27-4162-b3e3-224d4a8d687d" providerId="AD" clId="Web-{31CB39B3-35D3-4593-B59B-ABAD6344E210}" dt="2019-05-06T20:11:21.845" v="72" actId="1076"/>
+          <ac:picMkLst>
+            <pc:docMk/>
+            <pc:sldMk cId="3989210694" sldId="260"/>
+            <ac:picMk id="76" creationId="{CD23DD18-C2DC-4A7B-A390-DFA101F906E8}"/>
+          </ac:picMkLst>
+        </pc:picChg>
+      </pc:sldChg>
+      <pc:sldChg chg="addSp delSp modSp">
+        <pc:chgData name="Márquez Mínguez David" userId="S::david.marquez@edu.uah.es::58bb8e2a-3a27-4162-b3e3-224d4a8d687d" providerId="AD" clId="Web-{31CB39B3-35D3-4593-B59B-ABAD6344E210}" dt="2019-05-06T20:13:44.597" v="82"/>
+        <pc:sldMkLst>
+          <pc:docMk/>
+          <pc:sldMk cId="3043704617" sldId="263"/>
+        </pc:sldMkLst>
+        <pc:picChg chg="add">
+          <ac:chgData name="Márquez Mínguez David" userId="S::david.marquez@edu.uah.es::58bb8e2a-3a27-4162-b3e3-224d4a8d687d" providerId="AD" clId="Web-{31CB39B3-35D3-4593-B59B-ABAD6344E210}" dt="2019-05-06T20:10:53.486" v="35"/>
+          <ac:picMkLst>
+            <pc:docMk/>
+            <pc:sldMk cId="3043704617" sldId="263"/>
+            <ac:picMk id="3" creationId="{B8B8A03C-9E55-415E-94ED-D1D27FAC2FBE}"/>
+          </ac:picMkLst>
+        </pc:picChg>
+        <pc:picChg chg="add">
+          <ac:chgData name="Márquez Mínguez David" userId="S::david.marquez@edu.uah.es::58bb8e2a-3a27-4162-b3e3-224d4a8d687d" providerId="AD" clId="Web-{31CB39B3-35D3-4593-B59B-ABAD6344E210}" dt="2019-05-06T20:10:53.501" v="36"/>
+          <ac:picMkLst>
+            <pc:docMk/>
+            <pc:sldMk cId="3043704617" sldId="263"/>
+            <ac:picMk id="4" creationId="{B47EC3F1-F62B-4A36-877D-D322C63F49FC}"/>
+          </ac:picMkLst>
+        </pc:picChg>
+        <pc:picChg chg="add">
+          <ac:chgData name="Márquez Mínguez David" userId="S::david.marquez@edu.uah.es::58bb8e2a-3a27-4162-b3e3-224d4a8d687d" providerId="AD" clId="Web-{31CB39B3-35D3-4593-B59B-ABAD6344E210}" dt="2019-05-06T20:10:53.517" v="37"/>
+          <ac:picMkLst>
+            <pc:docMk/>
+            <pc:sldMk cId="3043704617" sldId="263"/>
+            <ac:picMk id="5" creationId="{A6A74980-067D-40B0-B2DD-D2FDA8E9351F}"/>
+          </ac:picMkLst>
+        </pc:picChg>
+        <pc:picChg chg="add del">
+          <ac:chgData name="Márquez Mínguez David" userId="S::david.marquez@edu.uah.es::58bb8e2a-3a27-4162-b3e3-224d4a8d687d" providerId="AD" clId="Web-{31CB39B3-35D3-4593-B59B-ABAD6344E210}" dt="2019-05-06T20:13:10.253" v="76"/>
+          <ac:picMkLst>
+            <pc:docMk/>
+            <pc:sldMk cId="3043704617" sldId="263"/>
+            <ac:picMk id="13" creationId="{E312BD5C-466D-48CE-8985-673123A90269}"/>
+          </ac:picMkLst>
+        </pc:picChg>
+        <pc:picChg chg="add">
+          <ac:chgData name="Márquez Mínguez David" userId="S::david.marquez@edu.uah.es::58bb8e2a-3a27-4162-b3e3-224d4a8d687d" providerId="AD" clId="Web-{31CB39B3-35D3-4593-B59B-ABAD6344E210}" dt="2019-05-06T20:10:53.548" v="39"/>
+          <ac:picMkLst>
+            <pc:docMk/>
+            <pc:sldMk cId="3043704617" sldId="263"/>
+            <ac:picMk id="15" creationId="{EB5378B8-591A-4CA6-A284-BE014F239B9B}"/>
+          </ac:picMkLst>
+        </pc:picChg>
+        <pc:picChg chg="add">
+          <ac:chgData name="Márquez Mínguez David" userId="S::david.marquez@edu.uah.es::58bb8e2a-3a27-4162-b3e3-224d4a8d687d" providerId="AD" clId="Web-{31CB39B3-35D3-4593-B59B-ABAD6344E210}" dt="2019-05-06T20:10:53.579" v="40"/>
+          <ac:picMkLst>
+            <pc:docMk/>
+            <pc:sldMk cId="3043704617" sldId="263"/>
+            <ac:picMk id="17" creationId="{C17FDB06-1981-474E-A4E3-A50482309934}"/>
+          </ac:picMkLst>
+        </pc:picChg>
+        <pc:picChg chg="add">
+          <ac:chgData name="Márquez Mínguez David" userId="S::david.marquez@edu.uah.es::58bb8e2a-3a27-4162-b3e3-224d4a8d687d" providerId="AD" clId="Web-{31CB39B3-35D3-4593-B59B-ABAD6344E210}" dt="2019-05-06T20:10:53.595" v="41"/>
+          <ac:picMkLst>
+            <pc:docMk/>
+            <pc:sldMk cId="3043704617" sldId="263"/>
+            <ac:picMk id="19" creationId="{D9E84F15-A2DA-496B-9BC9-1091B8D037C8}"/>
+          </ac:picMkLst>
+        </pc:picChg>
+        <pc:picChg chg="add">
+          <ac:chgData name="Márquez Mínguez David" userId="S::david.marquez@edu.uah.es::58bb8e2a-3a27-4162-b3e3-224d4a8d687d" providerId="AD" clId="Web-{31CB39B3-35D3-4593-B59B-ABAD6344E210}" dt="2019-05-06T20:10:53.611" v="42"/>
+          <ac:picMkLst>
+            <pc:docMk/>
+            <pc:sldMk cId="3043704617" sldId="263"/>
+            <ac:picMk id="21" creationId="{7C75B7FF-A399-4391-919D-04F90D2033E2}"/>
+          </ac:picMkLst>
+        </pc:picChg>
+        <pc:picChg chg="add">
+          <ac:chgData name="Márquez Mínguez David" userId="S::david.marquez@edu.uah.es::58bb8e2a-3a27-4162-b3e3-224d4a8d687d" providerId="AD" clId="Web-{31CB39B3-35D3-4593-B59B-ABAD6344E210}" dt="2019-05-06T20:10:53.642" v="43"/>
+          <ac:picMkLst>
+            <pc:docMk/>
+            <pc:sldMk cId="3043704617" sldId="263"/>
+            <ac:picMk id="23" creationId="{C1BFDAC0-8BC0-4089-BA32-2FAC9431589F}"/>
+          </ac:picMkLst>
+        </pc:picChg>
+        <pc:picChg chg="add">
+          <ac:chgData name="Márquez Mínguez David" userId="S::david.marquez@edu.uah.es::58bb8e2a-3a27-4162-b3e3-224d4a8d687d" providerId="AD" clId="Web-{31CB39B3-35D3-4593-B59B-ABAD6344E210}" dt="2019-05-06T20:10:53.658" v="44"/>
+          <ac:picMkLst>
+            <pc:docMk/>
+            <pc:sldMk cId="3043704617" sldId="263"/>
+            <ac:picMk id="25" creationId="{1751EAA3-F0EF-4E80-A53D-5677BADD6574}"/>
+          </ac:picMkLst>
+        </pc:picChg>
+        <pc:picChg chg="add">
+          <ac:chgData name="Márquez Mínguez David" userId="S::david.marquez@edu.uah.es::58bb8e2a-3a27-4162-b3e3-224d4a8d687d" providerId="AD" clId="Web-{31CB39B3-35D3-4593-B59B-ABAD6344E210}" dt="2019-05-06T20:10:53.673" v="45"/>
+          <ac:picMkLst>
+            <pc:docMk/>
+            <pc:sldMk cId="3043704617" sldId="263"/>
+            <ac:picMk id="27" creationId="{9DE99E5B-C626-48D7-80D6-12D60CD4E4B9}"/>
+          </ac:picMkLst>
+        </pc:picChg>
+        <pc:picChg chg="add">
+          <ac:chgData name="Márquez Mínguez David" userId="S::david.marquez@edu.uah.es::58bb8e2a-3a27-4162-b3e3-224d4a8d687d" providerId="AD" clId="Web-{31CB39B3-35D3-4593-B59B-ABAD6344E210}" dt="2019-05-06T20:10:53.705" v="46"/>
+          <ac:picMkLst>
+            <pc:docMk/>
+            <pc:sldMk cId="3043704617" sldId="263"/>
+            <ac:picMk id="29" creationId="{F8230328-DDC1-4822-AC8C-980F20E65E9A}"/>
+          </ac:picMkLst>
+        </pc:picChg>
+        <pc:picChg chg="add">
+          <ac:chgData name="Márquez Mínguez David" userId="S::david.marquez@edu.uah.es::58bb8e2a-3a27-4162-b3e3-224d4a8d687d" providerId="AD" clId="Web-{31CB39B3-35D3-4593-B59B-ABAD6344E210}" dt="2019-05-06T20:10:53.720" v="47"/>
+          <ac:picMkLst>
+            <pc:docMk/>
+            <pc:sldMk cId="3043704617" sldId="263"/>
+            <ac:picMk id="31" creationId="{646F6899-C014-49CD-848B-4E3F91C1CACF}"/>
+          </ac:picMkLst>
+        </pc:picChg>
+        <pc:picChg chg="add">
+          <ac:chgData name="Márquez Mínguez David" userId="S::david.marquez@edu.uah.es::58bb8e2a-3a27-4162-b3e3-224d4a8d687d" providerId="AD" clId="Web-{31CB39B3-35D3-4593-B59B-ABAD6344E210}" dt="2019-05-06T20:10:53.751" v="48"/>
+          <ac:picMkLst>
+            <pc:docMk/>
+            <pc:sldMk cId="3043704617" sldId="263"/>
+            <ac:picMk id="33" creationId="{492324F0-1E07-4661-8E5A-9B0C323D6B85}"/>
+          </ac:picMkLst>
+        </pc:picChg>
+        <pc:picChg chg="add">
+          <ac:chgData name="Márquez Mínguez David" userId="S::david.marquez@edu.uah.es::58bb8e2a-3a27-4162-b3e3-224d4a8d687d" providerId="AD" clId="Web-{31CB39B3-35D3-4593-B59B-ABAD6344E210}" dt="2019-05-06T20:10:53.767" v="49"/>
+          <ac:picMkLst>
+            <pc:docMk/>
+            <pc:sldMk cId="3043704617" sldId="263"/>
+            <ac:picMk id="35" creationId="{EF5EBA0C-7850-47ED-8C2A-E6599C55B796}"/>
+          </ac:picMkLst>
+        </pc:picChg>
+        <pc:picChg chg="add del">
+          <ac:chgData name="Márquez Mínguez David" userId="S::david.marquez@edu.uah.es::58bb8e2a-3a27-4162-b3e3-224d4a8d687d" providerId="AD" clId="Web-{31CB39B3-35D3-4593-B59B-ABAD6344E210}" dt="2019-05-06T20:12:45.362" v="73"/>
+          <ac:picMkLst>
+            <pc:docMk/>
+            <pc:sldMk cId="3043704617" sldId="263"/>
+            <ac:picMk id="37" creationId="{4B6BF969-50E4-4073-BE2A-50F56C60480B}"/>
+          </ac:picMkLst>
+        </pc:picChg>
+        <pc:picChg chg="add">
+          <ac:chgData name="Márquez Mínguez David" userId="S::david.marquez@edu.uah.es::58bb8e2a-3a27-4162-b3e3-224d4a8d687d" providerId="AD" clId="Web-{31CB39B3-35D3-4593-B59B-ABAD6344E210}" dt="2019-05-06T20:10:53.814" v="51"/>
+          <ac:picMkLst>
+            <pc:docMk/>
+            <pc:sldMk cId="3043704617" sldId="263"/>
+            <ac:picMk id="39" creationId="{84568B68-DC45-4191-B232-DABA74A751E4}"/>
+          </ac:picMkLst>
+        </pc:picChg>
+        <pc:picChg chg="add">
+          <ac:chgData name="Márquez Mínguez David" userId="S::david.marquez@edu.uah.es::58bb8e2a-3a27-4162-b3e3-224d4a8d687d" providerId="AD" clId="Web-{31CB39B3-35D3-4593-B59B-ABAD6344E210}" dt="2019-05-06T20:10:53.829" v="52"/>
+          <ac:picMkLst>
+            <pc:docMk/>
+            <pc:sldMk cId="3043704617" sldId="263"/>
+            <ac:picMk id="41" creationId="{5F9A4AF2-79A9-401A-A665-DACCDEC01F74}"/>
+          </ac:picMkLst>
+        </pc:picChg>
+        <pc:picChg chg="add">
+          <ac:chgData name="Márquez Mínguez David" userId="S::david.marquez@edu.uah.es::58bb8e2a-3a27-4162-b3e3-224d4a8d687d" providerId="AD" clId="Web-{31CB39B3-35D3-4593-B59B-ABAD6344E210}" dt="2019-05-06T20:10:53.845" v="53"/>
+          <ac:picMkLst>
+            <pc:docMk/>
+            <pc:sldMk cId="3043704617" sldId="263"/>
+            <ac:picMk id="43" creationId="{88B7D9CA-0EDE-4927-BEE9-A8F2B3D9DBC7}"/>
+          </ac:picMkLst>
+        </pc:picChg>
+        <pc:picChg chg="add">
+          <ac:chgData name="Márquez Mínguez David" userId="S::david.marquez@edu.uah.es::58bb8e2a-3a27-4162-b3e3-224d4a8d687d" providerId="AD" clId="Web-{31CB39B3-35D3-4593-B59B-ABAD6344E210}" dt="2019-05-06T20:10:53.876" v="54"/>
+          <ac:picMkLst>
+            <pc:docMk/>
+            <pc:sldMk cId="3043704617" sldId="263"/>
+            <ac:picMk id="45" creationId="{A8197969-190F-47DC-B23E-0658121399CC}"/>
+          </ac:picMkLst>
+        </pc:picChg>
+        <pc:picChg chg="add">
+          <ac:chgData name="Márquez Mínguez David" userId="S::david.marquez@edu.uah.es::58bb8e2a-3a27-4162-b3e3-224d4a8d687d" providerId="AD" clId="Web-{31CB39B3-35D3-4593-B59B-ABAD6344E210}" dt="2019-05-06T20:10:53.892" v="55"/>
+          <ac:picMkLst>
+            <pc:docMk/>
+            <pc:sldMk cId="3043704617" sldId="263"/>
+            <ac:picMk id="47" creationId="{0FD85D8D-E74E-4A8F-8EF0-CA12BD6A1D9B}"/>
+          </ac:picMkLst>
+        </pc:picChg>
+        <pc:picChg chg="add">
+          <ac:chgData name="Márquez Mínguez David" userId="S::david.marquez@edu.uah.es::58bb8e2a-3a27-4162-b3e3-224d4a8d687d" providerId="AD" clId="Web-{31CB39B3-35D3-4593-B59B-ABAD6344E210}" dt="2019-05-06T20:10:53.908" v="56"/>
+          <ac:picMkLst>
+            <pc:docMk/>
+            <pc:sldMk cId="3043704617" sldId="263"/>
+            <ac:picMk id="49" creationId="{2E6910CF-8D5C-4803-9FC1-B3A408E0ED40}"/>
+          </ac:picMkLst>
+        </pc:picChg>
+        <pc:picChg chg="add">
+          <ac:chgData name="Márquez Mínguez David" userId="S::david.marquez@edu.uah.es::58bb8e2a-3a27-4162-b3e3-224d4a8d687d" providerId="AD" clId="Web-{31CB39B3-35D3-4593-B59B-ABAD6344E210}" dt="2019-05-06T20:10:53.939" v="57"/>
+          <ac:picMkLst>
+            <pc:docMk/>
+            <pc:sldMk cId="3043704617" sldId="263"/>
+            <ac:picMk id="51" creationId="{7001C01A-8444-49E2-9B0A-CDE1C01E5FEE}"/>
+          </ac:picMkLst>
+        </pc:picChg>
+        <pc:picChg chg="add">
+          <ac:chgData name="Márquez Mínguez David" userId="S::david.marquez@edu.uah.es::58bb8e2a-3a27-4162-b3e3-224d4a8d687d" providerId="AD" clId="Web-{31CB39B3-35D3-4593-B59B-ABAD6344E210}" dt="2019-05-06T20:10:53.954" v="58"/>
+          <ac:picMkLst>
+            <pc:docMk/>
+            <pc:sldMk cId="3043704617" sldId="263"/>
+            <ac:picMk id="53" creationId="{B20912BD-8E9C-4664-8019-28EC6514873E}"/>
+          </ac:picMkLst>
+        </pc:picChg>
+        <pc:picChg chg="add">
+          <ac:chgData name="Márquez Mínguez David" userId="S::david.marquez@edu.uah.es::58bb8e2a-3a27-4162-b3e3-224d4a8d687d" providerId="AD" clId="Web-{31CB39B3-35D3-4593-B59B-ABAD6344E210}" dt="2019-05-06T20:10:53.970" v="59"/>
+          <ac:picMkLst>
+            <pc:docMk/>
+            <pc:sldMk cId="3043704617" sldId="263"/>
+            <ac:picMk id="55" creationId="{7021D25F-C8C5-4FEC-A331-5F892B6671D8}"/>
+          </ac:picMkLst>
+        </pc:picChg>
+        <pc:picChg chg="add">
+          <ac:chgData name="Márquez Mínguez David" userId="S::david.marquez@edu.uah.es::58bb8e2a-3a27-4162-b3e3-224d4a8d687d" providerId="AD" clId="Web-{31CB39B3-35D3-4593-B59B-ABAD6344E210}" dt="2019-05-06T20:10:54.001" v="60"/>
+          <ac:picMkLst>
+            <pc:docMk/>
+            <pc:sldMk cId="3043704617" sldId="263"/>
+            <ac:picMk id="57" creationId="{05A2172E-B077-42E7-9E85-57CBD38553A4}"/>
+          </ac:picMkLst>
+        </pc:picChg>
+        <pc:picChg chg="add del">
+          <ac:chgData name="Márquez Mínguez David" userId="S::david.marquez@edu.uah.es::58bb8e2a-3a27-4162-b3e3-224d4a8d687d" providerId="AD" clId="Web-{31CB39B3-35D3-4593-B59B-ABAD6344E210}" dt="2019-05-06T20:13:44.597" v="82"/>
+          <ac:picMkLst>
+            <pc:docMk/>
+            <pc:sldMk cId="3043704617" sldId="263"/>
+            <ac:picMk id="59" creationId="{BE1E59D5-1842-4810-8DFA-C9458B3EC4A9}"/>
+          </ac:picMkLst>
+        </pc:picChg>
+        <pc:picChg chg="add">
+          <ac:chgData name="Márquez Mínguez David" userId="S::david.marquez@edu.uah.es::58bb8e2a-3a27-4162-b3e3-224d4a8d687d" providerId="AD" clId="Web-{31CB39B3-35D3-4593-B59B-ABAD6344E210}" dt="2019-05-06T20:10:54.033" v="62"/>
+          <ac:picMkLst>
+            <pc:docMk/>
+            <pc:sldMk cId="3043704617" sldId="263"/>
+            <ac:picMk id="61" creationId="{6E028D69-BAE8-4A92-A6A1-07DF3417DCF7}"/>
+          </ac:picMkLst>
+        </pc:picChg>
+        <pc:picChg chg="add">
+          <ac:chgData name="Márquez Mínguez David" userId="S::david.marquez@edu.uah.es::58bb8e2a-3a27-4162-b3e3-224d4a8d687d" providerId="AD" clId="Web-{31CB39B3-35D3-4593-B59B-ABAD6344E210}" dt="2019-05-06T20:10:54.065" v="63"/>
+          <ac:picMkLst>
+            <pc:docMk/>
+            <pc:sldMk cId="3043704617" sldId="263"/>
+            <ac:picMk id="63" creationId="{362ED72D-14A0-44F9-941A-B0917E3AB2FE}"/>
+          </ac:picMkLst>
+        </pc:picChg>
+        <pc:picChg chg="add del">
+          <ac:chgData name="Márquez Mínguez David" userId="S::david.marquez@edu.uah.es::58bb8e2a-3a27-4162-b3e3-224d4a8d687d" providerId="AD" clId="Web-{31CB39B3-35D3-4593-B59B-ABAD6344E210}" dt="2019-05-06T20:13:24.300" v="79"/>
+          <ac:picMkLst>
+            <pc:docMk/>
+            <pc:sldMk cId="3043704617" sldId="263"/>
+            <ac:picMk id="65" creationId="{D0C3971D-2FD4-4F46-81BB-DBF5BF9813ED}"/>
+          </ac:picMkLst>
+        </pc:picChg>
+        <pc:picChg chg="add">
+          <ac:chgData name="Márquez Mínguez David" userId="S::david.marquez@edu.uah.es::58bb8e2a-3a27-4162-b3e3-224d4a8d687d" providerId="AD" clId="Web-{31CB39B3-35D3-4593-B59B-ABAD6344E210}" dt="2019-05-06T20:10:54.111" v="65"/>
+          <ac:picMkLst>
+            <pc:docMk/>
+            <pc:sldMk cId="3043704617" sldId="263"/>
+            <ac:picMk id="67" creationId="{D4324BB7-2351-4982-ACAA-6101751BF8CA}"/>
+          </ac:picMkLst>
+        </pc:picChg>
+        <pc:picChg chg="add">
+          <ac:chgData name="Márquez Mínguez David" userId="S::david.marquez@edu.uah.es::58bb8e2a-3a27-4162-b3e3-224d4a8d687d" providerId="AD" clId="Web-{31CB39B3-35D3-4593-B59B-ABAD6344E210}" dt="2019-05-06T20:10:54.126" v="66"/>
+          <ac:picMkLst>
+            <pc:docMk/>
+            <pc:sldMk cId="3043704617" sldId="263"/>
+            <ac:picMk id="69" creationId="{76A0BC3D-B6ED-4CC3-9B84-8BAF752E03F3}"/>
+          </ac:picMkLst>
+        </pc:picChg>
+        <pc:picChg chg="add">
+          <ac:chgData name="Márquez Mínguez David" userId="S::david.marquez@edu.uah.es::58bb8e2a-3a27-4162-b3e3-224d4a8d687d" providerId="AD" clId="Web-{31CB39B3-35D3-4593-B59B-ABAD6344E210}" dt="2019-05-06T20:10:54.142" v="67"/>
+          <ac:picMkLst>
+            <pc:docMk/>
+            <pc:sldMk cId="3043704617" sldId="263"/>
+            <ac:picMk id="71" creationId="{E70AD147-1E3B-4F0F-9031-66DEED885F9D}"/>
+          </ac:picMkLst>
+        </pc:picChg>
+        <pc:picChg chg="add">
+          <ac:chgData name="Márquez Mínguez David" userId="S::david.marquez@edu.uah.es::58bb8e2a-3a27-4162-b3e3-224d4a8d687d" providerId="AD" clId="Web-{31CB39B3-35D3-4593-B59B-ABAD6344E210}" dt="2019-05-06T20:10:54.173" v="68"/>
+          <ac:picMkLst>
+            <pc:docMk/>
+            <pc:sldMk cId="3043704617" sldId="263"/>
+            <ac:picMk id="73" creationId="{2211FA30-70C5-47F6-9F40-9BEE0A3B2215}"/>
+          </ac:picMkLst>
+        </pc:picChg>
+        <pc:picChg chg="add">
+          <ac:chgData name="Márquez Mínguez David" userId="S::david.marquez@edu.uah.es::58bb8e2a-3a27-4162-b3e3-224d4a8d687d" providerId="AD" clId="Web-{31CB39B3-35D3-4593-B59B-ABAD6344E210}" dt="2019-05-06T20:10:54.189" v="69"/>
+          <ac:picMkLst>
+            <pc:docMk/>
+            <pc:sldMk cId="3043704617" sldId="263"/>
+            <ac:picMk id="75" creationId="{0D601AD2-766A-49A9-99EF-5D45FB34D80E}"/>
+          </ac:picMkLst>
+        </pc:picChg>
+        <pc:picChg chg="add mod">
+          <ac:chgData name="Márquez Mínguez David" userId="S::david.marquez@edu.uah.es::58bb8e2a-3a27-4162-b3e3-224d4a8d687d" providerId="AD" clId="Web-{31CB39B3-35D3-4593-B59B-ABAD6344E210}" dt="2019-05-06T20:12:51.502" v="75" actId="1076"/>
+          <ac:picMkLst>
+            <pc:docMk/>
+            <pc:sldMk cId="3043704617" sldId="263"/>
+            <ac:picMk id="76" creationId="{FD7F2F69-DC47-4A01-B421-59367A95D332}"/>
+          </ac:picMkLst>
+        </pc:picChg>
+        <pc:picChg chg="add mod">
+          <ac:chgData name="Márquez Mínguez David" userId="S::david.marquez@edu.uah.es::58bb8e2a-3a27-4162-b3e3-224d4a8d687d" providerId="AD" clId="Web-{31CB39B3-35D3-4593-B59B-ABAD6344E210}" dt="2019-05-06T20:13:19.112" v="78" actId="1076"/>
+          <ac:picMkLst>
+            <pc:docMk/>
+            <pc:sldMk cId="3043704617" sldId="263"/>
+            <ac:picMk id="77" creationId="{ADBEFC96-2D78-48FE-BB56-2DCC63B2E382}"/>
+          </ac:picMkLst>
+        </pc:picChg>
+        <pc:picChg chg="add mod">
+          <ac:chgData name="Márquez Mínguez David" userId="S::david.marquez@edu.uah.es::58bb8e2a-3a27-4162-b3e3-224d4a8d687d" providerId="AD" clId="Web-{31CB39B3-35D3-4593-B59B-ABAD6344E210}" dt="2019-05-06T20:13:30.065" v="81" actId="1076"/>
+          <ac:picMkLst>
+            <pc:docMk/>
+            <pc:sldMk cId="3043704617" sldId="263"/>
+            <ac:picMk id="78" creationId="{7913B9C4-4286-4B7A-A3F6-0C743F365FCE}"/>
+          </ac:picMkLst>
+        </pc:picChg>
+      </pc:sldChg>
+    </pc:docChg>
+  </pc:docChgLst>
+</pc:chgInfo>
+</file>
+
 <file path=ppt/slideLayouts/slideLayout1.xml><?xml version="1.0" encoding="utf-8"?>
 <p:sldLayout xmlns:a="http://schemas.openxmlformats.org/drawingml/2006/main" xmlns:r="http://schemas.openxmlformats.org/officeDocument/2006/relationships" xmlns:p="http://schemas.openxmlformats.org/presentationml/2006/main" type="title" preserve="1">
   <p:cSld name="Title Slide">
@@ -328,7 +956,7 @@
           <a:p>
             <a:fld id="{1F578D8B-37BB-2F4B-9D04-060C85A760FE}" type="slidenum">
               <a:rPr lang="es-ES_tradnl" smtClean="0"/>
-              <a:t>‹Nº›</a:t>
+              <a:t>‹#›</a:t>
             </a:fld>
             <a:endParaRPr lang="es-ES_tradnl"/>
           </a:p>
@@ -528,7 +1156,7 @@
           <a:p>
             <a:fld id="{1F578D8B-37BB-2F4B-9D04-060C85A760FE}" type="slidenum">
               <a:rPr lang="es-ES_tradnl" smtClean="0"/>
-              <a:t>‹Nº›</a:t>
+              <a:t>‹#›</a:t>
             </a:fld>
             <a:endParaRPr lang="es-ES_tradnl"/>
           </a:p>
@@ -738,7 +1366,7 @@
           <a:p>
             <a:fld id="{1F578D8B-37BB-2F4B-9D04-060C85A760FE}" type="slidenum">
               <a:rPr lang="es-ES_tradnl" smtClean="0"/>
-              <a:t>‹Nº›</a:t>
+              <a:t>‹#›</a:t>
             </a:fld>
             <a:endParaRPr lang="es-ES_tradnl"/>
           </a:p>
@@ -938,7 +1566,7 @@
           <a:p>
             <a:fld id="{1F578D8B-37BB-2F4B-9D04-060C85A760FE}" type="slidenum">
               <a:rPr lang="es-ES_tradnl" smtClean="0"/>
-              <a:t>‹Nº›</a:t>
+              <a:t>‹#›</a:t>
             </a:fld>
             <a:endParaRPr lang="es-ES_tradnl"/>
           </a:p>
@@ -1214,7 +1842,7 @@
           <a:p>
             <a:fld id="{1F578D8B-37BB-2F4B-9D04-060C85A760FE}" type="slidenum">
               <a:rPr lang="es-ES_tradnl" smtClean="0"/>
-              <a:t>‹Nº›</a:t>
+              <a:t>‹#›</a:t>
             </a:fld>
             <a:endParaRPr lang="es-ES_tradnl"/>
           </a:p>
@@ -1482,7 +2110,7 @@
           <a:p>
             <a:fld id="{1F578D8B-37BB-2F4B-9D04-060C85A760FE}" type="slidenum">
               <a:rPr lang="es-ES_tradnl" smtClean="0"/>
-              <a:t>‹Nº›</a:t>
+              <a:t>‹#›</a:t>
             </a:fld>
             <a:endParaRPr lang="es-ES_tradnl"/>
           </a:p>
@@ -1897,7 +2525,7 @@
           <a:p>
             <a:fld id="{1F578D8B-37BB-2F4B-9D04-060C85A760FE}" type="slidenum">
               <a:rPr lang="es-ES_tradnl" smtClean="0"/>
-              <a:t>‹Nº›</a:t>
+              <a:t>‹#›</a:t>
             </a:fld>
             <a:endParaRPr lang="es-ES_tradnl"/>
           </a:p>
@@ -2039,7 +2667,7 @@
           <a:p>
             <a:fld id="{1F578D8B-37BB-2F4B-9D04-060C85A760FE}" type="slidenum">
               <a:rPr lang="es-ES_tradnl" smtClean="0"/>
-              <a:t>‹Nº›</a:t>
+              <a:t>‹#›</a:t>
             </a:fld>
             <a:endParaRPr lang="es-ES_tradnl"/>
           </a:p>
@@ -2152,7 +2780,7 @@
           <a:p>
             <a:fld id="{1F578D8B-37BB-2F4B-9D04-060C85A760FE}" type="slidenum">
               <a:rPr lang="es-ES_tradnl" smtClean="0"/>
-              <a:t>‹Nº›</a:t>
+              <a:t>‹#›</a:t>
             </a:fld>
             <a:endParaRPr lang="es-ES_tradnl"/>
           </a:p>
@@ -2465,7 +3093,7 @@
           <a:p>
             <a:fld id="{1F578D8B-37BB-2F4B-9D04-060C85A760FE}" type="slidenum">
               <a:rPr lang="es-ES_tradnl" smtClean="0"/>
-              <a:t>‹Nº›</a:t>
+              <a:t>‹#›</a:t>
             </a:fld>
             <a:endParaRPr lang="es-ES_tradnl"/>
           </a:p>
@@ -2754,7 +3382,7 @@
           <a:p>
             <a:fld id="{1F578D8B-37BB-2F4B-9D04-060C85A760FE}" type="slidenum">
               <a:rPr lang="es-ES_tradnl" smtClean="0"/>
-              <a:t>‹Nº›</a:t>
+              <a:t>‹#›</a:t>
             </a:fld>
             <a:endParaRPr lang="es-ES_tradnl"/>
           </a:p>
@@ -3033,7 +3661,7 @@
           <a:p>
             <a:fld id="{1F578D8B-37BB-2F4B-9D04-060C85A760FE}" type="slidenum">
               <a:rPr lang="es-ES_tradnl" smtClean="0"/>
-              <a:t>‹Nº›</a:t>
+              <a:t>‹#›</a:t>
             </a:fld>
             <a:endParaRPr lang="es-ES_tradnl"/>
           </a:p>
@@ -3382,14 +4010,14 @@
           <a:lstStyle/>
           <a:p>
             <a:r>
-              <a:rPr lang="es-ES_tradnl" dirty="0"/>
+              <a:rPr lang="es-ES_tradnl"/>
               <a:t>Sistemas Empresariales</a:t>
             </a:r>
             <a:br>
-              <a:rPr lang="es-ES_tradnl" dirty="0"/>
+              <a:rPr lang="es-ES_tradnl"/>
             </a:br>
             <a:r>
-              <a:rPr lang="es-ES_tradnl" dirty="0"/>
+              <a:rPr lang="es-ES_tradnl"/>
               <a:t>PECL2</a:t>
             </a:r>
           </a:p>
@@ -3419,25 +4047,25 @@
           <a:lstStyle/>
           <a:p>
             <a:r>
-              <a:rPr lang="es-ES_tradnl" dirty="0"/>
+              <a:rPr lang="es-ES_tradnl"/>
               <a:t>Juan Casado Ballesteros</a:t>
             </a:r>
           </a:p>
           <a:p>
             <a:r>
-              <a:rPr lang="es-ES_tradnl" dirty="0"/>
+              <a:rPr lang="es-ES_tradnl"/>
               <a:t>David Menoyo Ros</a:t>
             </a:r>
           </a:p>
           <a:p>
             <a:r>
-              <a:rPr lang="es-ES_tradnl" dirty="0"/>
+              <a:rPr lang="es-ES_tradnl"/>
               <a:t>Álvaro Vaya Arboleda</a:t>
             </a:r>
           </a:p>
           <a:p>
             <a:r>
-              <a:rPr lang="es-ES_tradnl" dirty="0"/>
+              <a:rPr lang="es-ES_tradnl"/>
               <a:t>David Márquez Mínguez</a:t>
             </a:r>
           </a:p>
@@ -3495,7 +4123,7 @@
           <a:lstStyle/>
           <a:p>
             <a:r>
-              <a:rPr lang="es-ES_tradnl" dirty="0"/>
+              <a:rPr lang="es-ES_tradnl"/>
               <a:t>Ayto. de Torrelodones</a:t>
             </a:r>
           </a:p>
@@ -3534,7 +4162,7 @@
               <a:buChar char="•"/>
             </a:pPr>
             <a:r>
-              <a:rPr lang="es-ES" sz="1600" dirty="0"/>
+              <a:rPr lang="es-ES" sz="1600"/>
               <a:t>Dirección de la sede</a:t>
             </a:r>
           </a:p>
@@ -3544,7 +4172,7 @@
               <a:buChar char="•"/>
             </a:pPr>
             <a:r>
-              <a:rPr lang="es-ES" sz="1600" dirty="0"/>
+              <a:rPr lang="es-ES" sz="1600"/>
               <a:t>Identificación de su titular. </a:t>
             </a:r>
           </a:p>
@@ -3554,7 +4182,7 @@
               <a:buChar char="•"/>
             </a:pPr>
             <a:r>
-              <a:rPr lang="es-ES" sz="1600" dirty="0"/>
+              <a:rPr lang="es-ES" sz="1600"/>
               <a:t>Canales de acceso a los servicios</a:t>
             </a:r>
           </a:p>
@@ -3564,7 +4192,7 @@
               <a:buChar char="•"/>
             </a:pPr>
             <a:r>
-              <a:rPr lang="es-ES" sz="1600" dirty="0"/>
+              <a:rPr lang="es-ES" sz="1600"/>
               <a:t>Quejas y sugerencias</a:t>
             </a:r>
           </a:p>
@@ -3574,7 +4202,7 @@
               <a:buChar char="•"/>
             </a:pPr>
             <a:r>
-              <a:rPr lang="es-ES" sz="1600" dirty="0"/>
+              <a:rPr lang="es-ES" sz="1600"/>
               <a:t>Identificación de la sede</a:t>
             </a:r>
           </a:p>
@@ -3584,7 +4212,7 @@
               <a:buChar char="•"/>
             </a:pPr>
             <a:r>
-              <a:rPr lang="es-ES" sz="1600" dirty="0"/>
+              <a:rPr lang="es-ES" sz="1600"/>
               <a:t>Sedes compartidas</a:t>
             </a:r>
           </a:p>
@@ -3594,7 +4222,7 @@
               <a:buChar char="•"/>
             </a:pPr>
             <a:r>
-              <a:rPr lang="es-ES" sz="1600" dirty="0"/>
+              <a:rPr lang="es-ES" sz="1600"/>
               <a:t>Subsedes</a:t>
             </a:r>
           </a:p>
@@ -3604,7 +4232,7 @@
               <a:buChar char="•"/>
             </a:pPr>
             <a:r>
-              <a:rPr lang="es-ES" sz="1600" dirty="0"/>
+              <a:rPr lang="es-ES" sz="1600"/>
               <a:t>Instrumento de creación.</a:t>
             </a:r>
           </a:p>
@@ -3614,7 +4242,7 @@
               <a:buChar char="•"/>
             </a:pPr>
             <a:r>
-              <a:rPr lang="es-ES" sz="1600" dirty="0"/>
+              <a:rPr lang="es-ES" sz="1600"/>
               <a:t>Mapa de la sede </a:t>
             </a:r>
           </a:p>
@@ -3624,7 +4252,7 @@
               <a:buChar char="•"/>
             </a:pPr>
             <a:r>
-              <a:rPr lang="es-ES" sz="1600" dirty="0"/>
+              <a:rPr lang="es-ES" sz="1600"/>
               <a:t>Estructura de navegación. </a:t>
             </a:r>
           </a:p>
@@ -3634,7 +4262,7 @@
               <a:buChar char="•"/>
             </a:pPr>
             <a:r>
-              <a:rPr lang="es-ES" sz="1600" dirty="0"/>
+              <a:rPr lang="es-ES" sz="1600"/>
               <a:t>Secciones disponibles. </a:t>
             </a:r>
           </a:p>
@@ -3644,7 +4272,7 @@
               <a:buChar char="•"/>
             </a:pPr>
             <a:r>
-              <a:rPr lang="es-ES" sz="1600" dirty="0"/>
+              <a:rPr lang="es-ES" sz="1600"/>
               <a:t>Propiedad intelectual. </a:t>
             </a:r>
           </a:p>
@@ -3654,7 +4282,7 @@
               <a:buChar char="•"/>
             </a:pPr>
             <a:r>
-              <a:rPr lang="es-ES" sz="1600" dirty="0"/>
+              <a:rPr lang="es-ES" sz="1600"/>
               <a:t>Protección de Datos de Carácter Personal.</a:t>
             </a:r>
           </a:p>
@@ -3664,7 +4292,7 @@
               <a:buChar char="•"/>
             </a:pPr>
             <a:r>
-              <a:rPr lang="es-ES" sz="1600" dirty="0"/>
+              <a:rPr lang="es-ES" sz="1600"/>
               <a:t>Enlace con las sedes electrónicas de las Agencias de Protección de Datos. </a:t>
             </a:r>
           </a:p>
@@ -3674,7 +4302,7 @@
               <a:buChar char="•"/>
             </a:pPr>
             <a:r>
-              <a:rPr lang="es-ES" sz="1600" dirty="0"/>
+              <a:rPr lang="es-ES" sz="1600"/>
               <a:t>Asesoramiento electrónico</a:t>
             </a:r>
           </a:p>
@@ -3684,7 +4312,7 @@
               <a:buChar char="•"/>
             </a:pPr>
             <a:r>
-              <a:rPr lang="es-ES" sz="1600" dirty="0"/>
+              <a:rPr lang="es-ES" sz="1600"/>
               <a:t>Sistema de verificación de los certificados.</a:t>
             </a:r>
           </a:p>
@@ -3694,7 +4322,7 @@
               <a:buChar char="•"/>
             </a:pPr>
             <a:r>
-              <a:rPr lang="es-ES" sz="1600" dirty="0"/>
+              <a:rPr lang="es-ES" sz="1600"/>
               <a:t>Sistemas de firma electrónica.</a:t>
             </a:r>
           </a:p>
@@ -3704,7 +4332,7 @@
               <a:buChar char="•"/>
             </a:pPr>
             <a:r>
-              <a:rPr lang="es-ES" sz="1600" dirty="0"/>
+              <a:rPr lang="es-ES" sz="1600"/>
               <a:t>Normas de creación del registro electrónico.</a:t>
             </a:r>
           </a:p>
@@ -3713,42 +4341,42 @@
               <a:buFont typeface="Arial" panose="020B0604020202020204" pitchFamily="34" charset="0"/>
               <a:buChar char="•"/>
             </a:pPr>
-            <a:endParaRPr lang="es-ES" sz="1600" dirty="0"/>
-          </a:p>
-          <a:p>
-            <a:pPr marL="285750" indent="-285750">
-              <a:buFont typeface="Arial" panose="020B0604020202020204" pitchFamily="34" charset="0"/>
-              <a:buChar char="•"/>
-            </a:pPr>
-            <a:endParaRPr lang="es-ES" sz="1600" dirty="0"/>
-          </a:p>
-          <a:p>
-            <a:pPr marL="285750" indent="-285750">
-              <a:buFont typeface="Arial" panose="020B0604020202020204" pitchFamily="34" charset="0"/>
-              <a:buChar char="•"/>
-            </a:pPr>
-            <a:endParaRPr lang="es-ES" sz="1600" dirty="0"/>
-          </a:p>
-          <a:p>
-            <a:pPr marL="285750" indent="-285750">
-              <a:buFont typeface="Arial" panose="020B0604020202020204" pitchFamily="34" charset="0"/>
-              <a:buChar char="•"/>
-            </a:pPr>
-            <a:endParaRPr lang="es-ES" sz="1600" dirty="0"/>
-          </a:p>
-          <a:p>
-            <a:pPr marL="285750" indent="-285750">
-              <a:buFont typeface="Arial" panose="020B0604020202020204" pitchFamily="34" charset="0"/>
-              <a:buChar char="•"/>
-            </a:pPr>
-            <a:endParaRPr lang="es-ES" sz="1600" dirty="0"/>
-          </a:p>
-          <a:p>
-            <a:pPr marL="285750" indent="-285750">
-              <a:buFont typeface="Arial" panose="020B0604020202020204" pitchFamily="34" charset="0"/>
-              <a:buChar char="•"/>
-            </a:pPr>
-            <a:endParaRPr lang="es-ES" sz="1600" dirty="0"/>
+            <a:endParaRPr lang="es-ES" sz="1600"/>
+          </a:p>
+          <a:p>
+            <a:pPr marL="285750" indent="-285750">
+              <a:buFont typeface="Arial" panose="020B0604020202020204" pitchFamily="34" charset="0"/>
+              <a:buChar char="•"/>
+            </a:pPr>
+            <a:endParaRPr lang="es-ES" sz="1600"/>
+          </a:p>
+          <a:p>
+            <a:pPr marL="285750" indent="-285750">
+              <a:buFont typeface="Arial" panose="020B0604020202020204" pitchFamily="34" charset="0"/>
+              <a:buChar char="•"/>
+            </a:pPr>
+            <a:endParaRPr lang="es-ES" sz="1600"/>
+          </a:p>
+          <a:p>
+            <a:pPr marL="285750" indent="-285750">
+              <a:buFont typeface="Arial" panose="020B0604020202020204" pitchFamily="34" charset="0"/>
+              <a:buChar char="•"/>
+            </a:pPr>
+            <a:endParaRPr lang="es-ES" sz="1600"/>
+          </a:p>
+          <a:p>
+            <a:pPr marL="285750" indent="-285750">
+              <a:buFont typeface="Arial" panose="020B0604020202020204" pitchFamily="34" charset="0"/>
+              <a:buChar char="•"/>
+            </a:pPr>
+            <a:endParaRPr lang="es-ES" sz="1600"/>
+          </a:p>
+          <a:p>
+            <a:pPr marL="285750" indent="-285750">
+              <a:buFont typeface="Arial" panose="020B0604020202020204" pitchFamily="34" charset="0"/>
+              <a:buChar char="•"/>
+            </a:pPr>
+            <a:endParaRPr lang="es-ES" sz="1600"/>
           </a:p>
         </p:txBody>
       </p:sp>
@@ -3785,7 +4413,7 @@
               <a:buChar char="•"/>
             </a:pPr>
             <a:r>
-              <a:rPr lang="es-ES" sz="1600" dirty="0"/>
+              <a:rPr lang="es-ES" sz="1600"/>
               <a:t>Relación de los servicios disponibles en la sede electrónica. </a:t>
             </a:r>
           </a:p>
@@ -3795,7 +4423,7 @@
               <a:buChar char="•"/>
             </a:pPr>
             <a:r>
-              <a:rPr lang="es-ES" sz="1600" dirty="0"/>
+              <a:rPr lang="es-ES" sz="1600"/>
               <a:t>Carta de servicios. </a:t>
             </a:r>
           </a:p>
@@ -3805,7 +4433,7 @@
               <a:buChar char="•"/>
             </a:pPr>
             <a:r>
-              <a:rPr lang="es-ES" sz="1600" dirty="0"/>
+              <a:rPr lang="es-ES" sz="1600"/>
               <a:t>Carta de servicios electrónicos. </a:t>
             </a:r>
           </a:p>
@@ -3815,7 +4443,7 @@
               <a:buChar char="•"/>
             </a:pPr>
             <a:r>
-              <a:rPr lang="es-ES" sz="1600" dirty="0"/>
+              <a:rPr lang="es-ES" sz="1600"/>
               <a:t>Medios electrónicos que los usuarios pueden utilizar. </a:t>
             </a:r>
           </a:p>
@@ -3825,7 +4453,7 @@
               <a:buChar char="•"/>
             </a:pPr>
             <a:r>
-              <a:rPr lang="es-ES" sz="1600" dirty="0"/>
+              <a:rPr lang="es-ES" sz="1600"/>
               <a:t>Sistema de sugerencias y quejas ante otros órganos.</a:t>
             </a:r>
           </a:p>
@@ -3835,7 +4463,7 @@
               <a:buChar char="•"/>
             </a:pPr>
             <a:r>
-              <a:rPr lang="es-ES" sz="1600" dirty="0"/>
+              <a:rPr lang="es-ES" sz="1600"/>
               <a:t>Acceso al estado de tramitación del expediente. </a:t>
             </a:r>
           </a:p>
@@ -3845,7 +4473,7 @@
               <a:buChar char="•"/>
             </a:pPr>
             <a:r>
-              <a:rPr lang="es-ES" sz="1600" dirty="0"/>
+              <a:rPr lang="es-ES" sz="1600"/>
               <a:t>Publicación de los diarios o boletines. </a:t>
             </a:r>
           </a:p>
@@ -3855,7 +4483,7 @@
               <a:buChar char="•"/>
             </a:pPr>
             <a:r>
-              <a:rPr lang="es-ES" sz="1600" dirty="0"/>
+              <a:rPr lang="es-ES" sz="1600"/>
               <a:t>Tablón de anuncios.</a:t>
             </a:r>
           </a:p>
@@ -3865,7 +4493,7 @@
               <a:buChar char="•"/>
             </a:pPr>
             <a:r>
-              <a:rPr lang="es-ES" sz="1600" dirty="0"/>
+              <a:rPr lang="es-ES" sz="1600"/>
               <a:t>Verificación de los sellos electrónicos.</a:t>
             </a:r>
           </a:p>
@@ -3875,7 +4503,7 @@
               <a:buChar char="•"/>
             </a:pPr>
             <a:r>
-              <a:rPr lang="es-ES" sz="1600" dirty="0"/>
+              <a:rPr lang="es-ES" sz="1600"/>
               <a:t>Comprobación de la autenticidad e integridad.</a:t>
             </a:r>
           </a:p>
@@ -3885,7 +4513,7 @@
               <a:buChar char="•"/>
             </a:pPr>
             <a:r>
-              <a:rPr lang="es-ES" sz="1600" dirty="0"/>
+              <a:rPr lang="es-ES" sz="1600"/>
               <a:t>Indicación de la fecha y hora oficial. </a:t>
             </a:r>
           </a:p>
@@ -3895,7 +4523,7 @@
               <a:buChar char="•"/>
             </a:pPr>
             <a:r>
-              <a:rPr lang="es-ES" sz="1600" dirty="0"/>
+              <a:rPr lang="es-ES" sz="1600"/>
               <a:t>Lista con los días considerados inhábiles. </a:t>
             </a:r>
           </a:p>
@@ -3905,7 +4533,7 @@
               <a:buChar char="•"/>
             </a:pPr>
             <a:r>
-              <a:rPr lang="es-ES" sz="1600" dirty="0"/>
+              <a:rPr lang="es-ES" sz="1600"/>
               <a:t>Otros servicios o contenidos. </a:t>
             </a:r>
           </a:p>
@@ -3915,7 +4543,7 @@
               <a:buChar char="•"/>
             </a:pPr>
             <a:r>
-              <a:rPr lang="es-ES" sz="1600" dirty="0"/>
+              <a:rPr lang="es-ES" sz="1600"/>
               <a:t>Lenguas cooficiales. </a:t>
             </a:r>
           </a:p>
@@ -3925,7 +4553,7 @@
               <a:buChar char="•"/>
             </a:pPr>
             <a:r>
-              <a:rPr lang="es-ES" sz="1600" dirty="0"/>
+              <a:rPr lang="es-ES" sz="1600"/>
               <a:t>Información sobre cuando se está navegando dentro o fuera de la sede.</a:t>
             </a:r>
           </a:p>
@@ -3935,7 +4563,7 @@
               <a:buChar char="•"/>
             </a:pPr>
             <a:r>
-              <a:rPr lang="es-ES" sz="1600" dirty="0"/>
+              <a:rPr lang="es-ES" sz="1600"/>
               <a:t>Verifica los principios de accesibilidad y usabilidad. </a:t>
             </a:r>
           </a:p>
@@ -3945,7 +4573,7 @@
               <a:buChar char="•"/>
             </a:pPr>
             <a:r>
-              <a:rPr lang="es-ES" sz="1600" dirty="0"/>
+              <a:rPr lang="es-ES" sz="1600"/>
               <a:t>Elementos basados en estándares abiertos</a:t>
             </a:r>
           </a:p>
@@ -5292,7 +5920,7 @@
           <a:lstStyle/>
           <a:p>
             <a:r>
-              <a:rPr lang="es-ES_tradnl" dirty="0"/>
+              <a:rPr lang="es-ES_tradnl"/>
               <a:t>Plataforma electrónica</a:t>
             </a:r>
           </a:p>
@@ -5380,7 +6008,7 @@
               <a:buChar char="•"/>
             </a:pPr>
             <a:r>
-              <a:rPr lang="es-ES_tradnl" dirty="0"/>
+              <a:rPr lang="es-ES_tradnl"/>
               <a:t>Sede electrónica</a:t>
             </a:r>
           </a:p>
@@ -5390,7 +6018,7 @@
               <a:buChar char="•"/>
             </a:pPr>
             <a:r>
-              <a:rPr lang="es-ES_tradnl" dirty="0"/>
+              <a:rPr lang="es-ES_tradnl"/>
               <a:t>Gestor de formularios  </a:t>
             </a:r>
           </a:p>
@@ -5400,7 +6028,7 @@
               <a:buChar char="•"/>
             </a:pPr>
             <a:r>
-              <a:rPr lang="es-ES_tradnl" dirty="0"/>
+              <a:rPr lang="es-ES_tradnl"/>
               <a:t>Registro electrónico </a:t>
             </a:r>
           </a:p>
@@ -5410,7 +6038,7 @@
               <a:buChar char="•"/>
             </a:pPr>
             <a:r>
-              <a:rPr lang="es-ES_tradnl" dirty="0"/>
+              <a:rPr lang="es-ES_tradnl"/>
               <a:t>Pasarela de pagos </a:t>
             </a:r>
           </a:p>
@@ -5420,7 +6048,7 @@
               <a:buChar char="•"/>
             </a:pPr>
             <a:r>
-              <a:rPr lang="es-ES" dirty="0"/>
+              <a:rPr lang="es-ES"/>
               <a:t>Gestor de expedientes </a:t>
             </a:r>
           </a:p>
@@ -5430,7 +6058,7 @@
               <a:buChar char="•"/>
             </a:pPr>
             <a:r>
-              <a:rPr lang="es-ES" dirty="0"/>
+              <a:rPr lang="es-ES"/>
               <a:t>Notificación electrónica </a:t>
             </a:r>
           </a:p>
@@ -5440,7 +6068,7 @@
               <a:buChar char="•"/>
             </a:pPr>
             <a:r>
-              <a:rPr lang="es-ES" dirty="0"/>
+              <a:rPr lang="es-ES"/>
               <a:t>Identificación electrónica</a:t>
             </a:r>
           </a:p>
@@ -5450,7 +6078,7 @@
               <a:buChar char="•"/>
             </a:pPr>
             <a:r>
-              <a:rPr lang="es-ES" dirty="0"/>
+              <a:rPr lang="es-ES"/>
               <a:t>Archivo electrónico  </a:t>
             </a:r>
           </a:p>
@@ -5460,10 +6088,10 @@
               <a:buChar char="•"/>
             </a:pPr>
             <a:r>
-              <a:rPr lang="es-ES" dirty="0"/>
+              <a:rPr lang="es-ES"/>
               <a:t>Interoperabilidad </a:t>
             </a:r>
-            <a:endParaRPr lang="es-ES_tradnl" dirty="0"/>
+            <a:endParaRPr lang="es-ES_tradnl"/>
           </a:p>
         </p:txBody>
       </p:sp>
@@ -5496,7 +6124,7 @@
           <a:lstStyle/>
           <a:p>
             <a:r>
-              <a:rPr lang="es-ES_tradnl" dirty="0"/>
+              <a:rPr lang="es-ES_tradnl"/>
               <a:t>Componentes + Procesos</a:t>
             </a:r>
           </a:p>
@@ -5554,7 +6182,7 @@
           <a:lstStyle/>
           <a:p>
             <a:r>
-              <a:rPr lang="es-ES_tradnl" dirty="0"/>
+              <a:rPr lang="es-ES_tradnl"/>
               <a:t>Protección de datos</a:t>
             </a:r>
           </a:p>
@@ -5593,11 +6221,11 @@
               <a:buAutoNum type="arabicPeriod"/>
             </a:pPr>
             <a:r>
-              <a:rPr lang="es-ES_tradnl" sz="1800" b="1" dirty="0"/>
+              <a:rPr lang="es-ES_tradnl" sz="1800" b="1"/>
               <a:t>Ámbito de aplicación</a:t>
             </a:r>
             <a:r>
-              <a:rPr lang="es-ES_tradnl" sz="1800" dirty="0"/>
+              <a:rPr lang="es-ES_tradnl" sz="1800"/>
               <a:t>:</a:t>
             </a:r>
           </a:p>
@@ -5607,7 +6235,7 @@
               <a:buAutoNum type="alphaLcParenR"/>
             </a:pPr>
             <a:r>
-              <a:rPr lang="es-ES_tradnl" sz="1600" dirty="0"/>
+              <a:rPr lang="es-ES_tradnl" sz="1600"/>
               <a:t>RGPD</a:t>
             </a:r>
           </a:p>
@@ -5617,26 +6245,26 @@
               <a:buAutoNum type="alphaLcParenR"/>
             </a:pPr>
             <a:r>
-              <a:rPr lang="es-ES_tradnl" sz="1600" dirty="0" err="1"/>
+              <a:rPr lang="es-ES_tradnl" sz="1600" err="1"/>
               <a:t>Privacy</a:t>
             </a:r>
             <a:r>
-              <a:rPr lang="es-ES_tradnl" sz="1600" dirty="0"/>
+              <a:rPr lang="es-ES_tradnl" sz="1600"/>
               <a:t> </a:t>
             </a:r>
             <a:r>
-              <a:rPr lang="es-ES_tradnl" sz="1600" dirty="0" err="1"/>
+              <a:rPr lang="es-ES_tradnl" sz="1600" err="1"/>
               <a:t>by</a:t>
             </a:r>
             <a:r>
-              <a:rPr lang="es-ES_tradnl" sz="1600" dirty="0"/>
+              <a:rPr lang="es-ES_tradnl" sz="1600"/>
               <a:t> </a:t>
             </a:r>
             <a:r>
-              <a:rPr lang="es-ES_tradnl" sz="1600" dirty="0" err="1"/>
+              <a:rPr lang="es-ES_tradnl" sz="1600" err="1"/>
               <a:t>Design</a:t>
             </a:r>
-            <a:endParaRPr lang="es-ES_tradnl" sz="1600" dirty="0"/>
+            <a:endParaRPr lang="es-ES_tradnl" sz="1600"/>
           </a:p>
           <a:p>
             <a:pPr marL="971550" lvl="1" indent="-514350">
@@ -5644,11 +6272,11 @@
               <a:buAutoNum type="alphaLcParenR"/>
             </a:pPr>
             <a:r>
-              <a:rPr lang="es-ES_tradnl" sz="1600" dirty="0" err="1"/>
+              <a:rPr lang="es-ES_tradnl" sz="1600" err="1"/>
               <a:t>Accountability</a:t>
             </a:r>
             <a:r>
-              <a:rPr lang="es-ES_tradnl" sz="1600" dirty="0"/>
+              <a:rPr lang="es-ES_tradnl" sz="1600"/>
               <a:t>-Principio de responsabilidad activa</a:t>
             </a:r>
           </a:p>
@@ -5658,7 +6286,7 @@
               <a:buAutoNum type="alphaLcParenR"/>
             </a:pPr>
             <a:r>
-              <a:rPr lang="es-ES_tradnl" sz="1600" dirty="0"/>
+              <a:rPr lang="es-ES_tradnl" sz="1600"/>
               <a:t>Códigos de Conducta</a:t>
             </a:r>
           </a:p>
@@ -5668,7 +6296,7 @@
               <a:buAutoNum type="alphaLcParenR"/>
             </a:pPr>
             <a:r>
-              <a:rPr lang="es-ES_tradnl" sz="1600" dirty="0"/>
+              <a:rPr lang="es-ES_tradnl" sz="1600"/>
               <a:t>Tipos de datos personales</a:t>
             </a:r>
           </a:p>
@@ -5678,11 +6306,11 @@
               <a:buAutoNum type="alphaLcParenR"/>
             </a:pPr>
             <a:r>
-              <a:rPr lang="es-ES_tradnl" sz="1600" dirty="0" err="1"/>
+              <a:rPr lang="es-ES_tradnl" sz="1600" err="1"/>
               <a:t>Anonimización</a:t>
             </a:r>
             <a:r>
-              <a:rPr lang="es-ES_tradnl" sz="1600" dirty="0"/>
+              <a:rPr lang="es-ES_tradnl" sz="1600"/>
               <a:t> de datos</a:t>
             </a:r>
           </a:p>
@@ -5692,7 +6320,7 @@
               <a:buAutoNum type="arabicPeriod"/>
             </a:pPr>
             <a:r>
-              <a:rPr lang="es-ES_tradnl" sz="1800" b="1" dirty="0"/>
+              <a:rPr lang="es-ES_tradnl" sz="1800" b="1"/>
               <a:t>Tratamiento de datos</a:t>
             </a:r>
           </a:p>
@@ -5702,7 +6330,7 @@
               <a:buAutoNum type="arabicPeriod"/>
             </a:pPr>
             <a:r>
-              <a:rPr lang="es-ES_tradnl" sz="1800" b="1" dirty="0"/>
+              <a:rPr lang="es-ES_tradnl" sz="1800" b="1"/>
               <a:t>Consentimiento</a:t>
             </a:r>
           </a:p>
@@ -5712,7 +6340,7 @@
               <a:buAutoNum type="alphaLcParenR"/>
             </a:pPr>
             <a:r>
-              <a:rPr lang="es-ES_tradnl" sz="1600" dirty="0"/>
+              <a:rPr lang="es-ES_tradnl" sz="1600"/>
               <a:t>Consentimiento inequívoco</a:t>
             </a:r>
           </a:p>
@@ -5722,7 +6350,7 @@
               <a:buAutoNum type="alphaLcParenR"/>
             </a:pPr>
             <a:r>
-              <a:rPr lang="es-ES_tradnl" sz="1600" dirty="0"/>
+              <a:rPr lang="es-ES_tradnl" sz="1600"/>
               <a:t>Consentimiento explícito</a:t>
             </a:r>
           </a:p>
@@ -5732,7 +6360,7 @@
               <a:buAutoNum type="alphaLcParenR"/>
             </a:pPr>
             <a:r>
-              <a:rPr lang="es-ES_tradnl" sz="1600" dirty="0"/>
+              <a:rPr lang="es-ES_tradnl" sz="1600"/>
               <a:t>No consentimiento tácito, omitido o por  inanición.</a:t>
             </a:r>
           </a:p>
@@ -5742,7 +6370,7 @@
               <a:buAutoNum type="arabicPeriod"/>
             </a:pPr>
             <a:r>
-              <a:rPr lang="es-ES_tradnl" sz="1800" b="1" dirty="0"/>
+              <a:rPr lang="es-ES_tradnl" sz="1800" b="1"/>
               <a:t>Datos especialmente protegidos</a:t>
             </a:r>
           </a:p>
@@ -5752,7 +6380,7 @@
               <a:buAutoNum type="alphaLcParenR"/>
             </a:pPr>
             <a:r>
-              <a:rPr lang="es-ES_tradnl" sz="1600" dirty="0"/>
+              <a:rPr lang="es-ES_tradnl" sz="1600"/>
               <a:t>Datos genéticos</a:t>
             </a:r>
           </a:p>
@@ -5762,7 +6390,7 @@
               <a:buAutoNum type="alphaLcParenR"/>
             </a:pPr>
             <a:r>
-              <a:rPr lang="es-ES_tradnl" sz="1600" dirty="0"/>
+              <a:rPr lang="es-ES_tradnl" sz="1600"/>
               <a:t>Datos biométricos</a:t>
             </a:r>
           </a:p>
@@ -5771,21 +6399,21 @@
               <a:buFont typeface="+mj-lt"/>
               <a:buAutoNum type="alphaLcParenR"/>
             </a:pPr>
-            <a:endParaRPr lang="es-ES_tradnl" sz="1600" dirty="0"/>
+            <a:endParaRPr lang="es-ES_tradnl" sz="1600"/>
           </a:p>
           <a:p>
             <a:pPr marL="971550" lvl="1" indent="-514350">
               <a:buFont typeface="+mj-lt"/>
               <a:buAutoNum type="alphaLcParenR"/>
             </a:pPr>
-            <a:endParaRPr lang="es-ES_tradnl" sz="1600" dirty="0"/>
+            <a:endParaRPr lang="es-ES_tradnl" sz="1600"/>
           </a:p>
           <a:p>
             <a:pPr marL="971550" lvl="1" indent="-514350">
               <a:buFont typeface="+mj-lt"/>
               <a:buAutoNum type="alphaLcParenR"/>
             </a:pPr>
-            <a:endParaRPr lang="es-ES_tradnl" sz="1600" dirty="0"/>
+            <a:endParaRPr lang="es-ES_tradnl" sz="1600"/>
           </a:p>
           <a:p>
             <a:pPr marL="514350" indent="-514350">
@@ -5793,7 +6421,7 @@
               <a:buAutoNum type="arabicPeriod"/>
             </a:pPr>
             <a:r>
-              <a:rPr lang="es-ES_tradnl" sz="1800" dirty="0"/>
+              <a:rPr lang="es-ES_tradnl" sz="1800"/>
               <a:t>Inscripción de ficheros</a:t>
             </a:r>
           </a:p>
@@ -5803,7 +6431,7 @@
               <a:buAutoNum type="arabicPeriod"/>
             </a:pPr>
             <a:r>
-              <a:rPr lang="es-ES_tradnl" sz="1800" dirty="0"/>
+              <a:rPr lang="es-ES_tradnl" sz="1800"/>
               <a:t>Deber y derechos de Información:</a:t>
             </a:r>
           </a:p>
@@ -5813,7 +6441,7 @@
               <a:buAutoNum type="alphaLcParenR"/>
             </a:pPr>
             <a:r>
-              <a:rPr lang="es-ES_tradnl" sz="1600" dirty="0"/>
+              <a:rPr lang="es-ES_tradnl" sz="1600"/>
               <a:t>Deberes:</a:t>
             </a:r>
           </a:p>
@@ -5823,7 +6451,7 @@
               <a:buAutoNum type="alphaLcParenR"/>
             </a:pPr>
             <a:r>
-              <a:rPr lang="es-ES_tradnl" sz="1600" dirty="0"/>
+              <a:rPr lang="es-ES_tradnl" sz="1600"/>
               <a:t>Identidad del responsable del tratamiento</a:t>
             </a:r>
           </a:p>
@@ -5833,7 +6461,7 @@
               <a:buAutoNum type="alphaLcParenR"/>
             </a:pPr>
             <a:r>
-              <a:rPr lang="es-ES_tradnl" sz="1600" dirty="0"/>
+              <a:rPr lang="es-ES_tradnl" sz="1600"/>
               <a:t>Descripción finalidad del tratamiento de los datos</a:t>
             </a:r>
           </a:p>
@@ -5843,7 +6471,7 @@
               <a:buAutoNum type="alphaLcParenR"/>
             </a:pPr>
             <a:r>
-              <a:rPr lang="es-ES_tradnl" sz="1600" dirty="0"/>
+              <a:rPr lang="es-ES_tradnl" sz="1600"/>
               <a:t>Base jurídica del tratamiento</a:t>
             </a:r>
           </a:p>
@@ -5853,7 +6481,7 @@
               <a:buAutoNum type="alphaLcParenR"/>
             </a:pPr>
             <a:r>
-              <a:rPr lang="es-ES_tradnl" sz="1600" dirty="0"/>
+              <a:rPr lang="es-ES_tradnl" sz="1600"/>
               <a:t>Informar sobre los destinatarios</a:t>
             </a:r>
           </a:p>
@@ -5863,7 +6491,7 @@
               <a:buAutoNum type="alphaLcParenR"/>
             </a:pPr>
             <a:r>
-              <a:rPr lang="es-ES_tradnl" sz="1600" dirty="0"/>
+              <a:rPr lang="es-ES_tradnl" sz="1600"/>
               <a:t>Informar sobre los derechos de las personas interesadas</a:t>
             </a:r>
           </a:p>
@@ -5873,7 +6501,7 @@
               <a:buAutoNum type="alphaLcParenR"/>
             </a:pPr>
             <a:r>
-              <a:rPr lang="es-ES_tradnl" sz="1600" dirty="0"/>
+              <a:rPr lang="es-ES_tradnl" sz="1600"/>
               <a:t>Derechos</a:t>
             </a:r>
           </a:p>
@@ -5882,7 +6510,7 @@
               <a:buFont typeface="+mj-lt"/>
               <a:buAutoNum type="alphaLcParenR"/>
             </a:pPr>
-            <a:endParaRPr lang="es-ES_tradnl" sz="1600" dirty="0"/>
+            <a:endParaRPr lang="es-ES_tradnl" sz="1600"/>
           </a:p>
           <a:p>
             <a:pPr marL="514350" indent="-514350">
@@ -5890,7 +6518,7 @@
               <a:buAutoNum type="arabicPeriod"/>
             </a:pPr>
             <a:r>
-              <a:rPr lang="es-ES_tradnl" sz="1800" dirty="0"/>
+              <a:rPr lang="es-ES_tradnl" sz="1800"/>
               <a:t>Seguridad</a:t>
             </a:r>
           </a:p>
@@ -5900,7 +6528,7 @@
               <a:buAutoNum type="arabicPeriod"/>
             </a:pPr>
             <a:r>
-              <a:rPr lang="es-ES_tradnl" sz="1800" dirty="0"/>
+              <a:rPr lang="es-ES_tradnl" sz="1800"/>
               <a:t>Comunicación de datos con terceros</a:t>
             </a:r>
           </a:p>
@@ -5910,7 +6538,7 @@
               <a:buAutoNum type="arabicPeriod"/>
             </a:pPr>
             <a:r>
-              <a:rPr lang="es-ES_tradnl" sz="1800" dirty="0"/>
+              <a:rPr lang="es-ES_tradnl" sz="1800"/>
               <a:t>Cookies:</a:t>
             </a:r>
           </a:p>
@@ -5920,7 +6548,7 @@
               <a:buAutoNum type="alphaLcParenR"/>
             </a:pPr>
             <a:r>
-              <a:rPr lang="es-ES_tradnl" sz="1600" dirty="0"/>
+              <a:rPr lang="es-ES_tradnl" sz="1600"/>
               <a:t>Aclaraciones</a:t>
             </a:r>
           </a:p>
@@ -5930,7 +6558,7 @@
               <a:buAutoNum type="alphaLcParenR"/>
             </a:pPr>
             <a:r>
-              <a:rPr lang="es-ES_tradnl" sz="1600" dirty="0"/>
+              <a:rPr lang="es-ES_tradnl" sz="1600"/>
               <a:t>Información por capas</a:t>
             </a:r>
           </a:p>
@@ -5940,7 +6568,7 @@
               <a:buAutoNum type="alphaLcParenR"/>
             </a:pPr>
             <a:r>
-              <a:rPr lang="es-ES_tradnl" sz="1600" dirty="0"/>
+              <a:rPr lang="es-ES_tradnl" sz="1600"/>
               <a:t>Consentimiento</a:t>
             </a:r>
           </a:p>
@@ -6028,7 +6656,7 @@
           <a:lstStyle/>
           <a:p>
             <a:r>
-              <a:rPr lang="es-ES_tradnl" dirty="0"/>
+              <a:rPr lang="es-ES_tradnl"/>
               <a:t>ERP</a:t>
             </a:r>
           </a:p>
@@ -6122,7 +6750,7 @@
           <a:lstStyle/>
           <a:p>
             <a:r>
-              <a:rPr lang="es-ES_tradnl" dirty="0"/>
+              <a:rPr lang="es-ES_tradnl"/>
               <a:t>Vs</a:t>
             </a:r>
           </a:p>
@@ -6180,7 +6808,7 @@
           <a:lstStyle/>
           <a:p>
             <a:r>
-              <a:rPr lang="es-ES_tradnl" dirty="0"/>
+              <a:rPr lang="es-ES_tradnl"/>
               <a:t>CRM</a:t>
             </a:r>
           </a:p>
@@ -6296,7 +6924,7 @@
           <a:lstStyle/>
           <a:p>
             <a:r>
-              <a:rPr lang="es-ES_tradnl" dirty="0"/>
+              <a:rPr lang="es-ES_tradnl"/>
               <a:t>Sedes Electrónicas</a:t>
             </a:r>
           </a:p>
@@ -6593,7 +7221,7 @@
           <a:lstStyle/>
           <a:p>
             <a:r>
-              <a:rPr lang="es-ES_tradnl" dirty="0"/>
+              <a:rPr lang="es-ES_tradnl"/>
               <a:t>Seguridad Social</a:t>
             </a:r>
           </a:p>
@@ -6661,7 +7289,7 @@
               <a:buChar char="•"/>
             </a:pPr>
             <a:r>
-              <a:rPr lang="es-ES" sz="1600" dirty="0"/>
+              <a:rPr lang="es-ES" sz="1600"/>
               <a:t>Dirección de la sede.</a:t>
             </a:r>
           </a:p>
@@ -6671,7 +7299,7 @@
               <a:buChar char="•"/>
             </a:pPr>
             <a:r>
-              <a:rPr lang="es-ES" sz="1600" dirty="0"/>
+              <a:rPr lang="es-ES" sz="1600"/>
               <a:t>Identificación de su titular. </a:t>
             </a:r>
           </a:p>
@@ -6681,7 +7309,7 @@
               <a:buChar char="•"/>
             </a:pPr>
             <a:r>
-              <a:rPr lang="es-ES" sz="1600" dirty="0"/>
+              <a:rPr lang="es-ES" sz="1600"/>
               <a:t>Canales de acceso a los servicios</a:t>
             </a:r>
           </a:p>
@@ -6691,7 +7319,7 @@
               <a:buChar char="•"/>
             </a:pPr>
             <a:r>
-              <a:rPr lang="es-ES" sz="1600" dirty="0"/>
+              <a:rPr lang="es-ES" sz="1600"/>
               <a:t>Quejas y sugerencias</a:t>
             </a:r>
           </a:p>
@@ -6701,7 +7329,7 @@
               <a:buChar char="•"/>
             </a:pPr>
             <a:r>
-              <a:rPr lang="es-ES" sz="1600" dirty="0"/>
+              <a:rPr lang="es-ES" sz="1600"/>
               <a:t>Identificación de la sede</a:t>
             </a:r>
           </a:p>
@@ -6711,7 +7339,7 @@
               <a:buChar char="•"/>
             </a:pPr>
             <a:r>
-              <a:rPr lang="es-ES" sz="1600" dirty="0"/>
+              <a:rPr lang="es-ES" sz="1600"/>
               <a:t>Sedes compartidas.</a:t>
             </a:r>
           </a:p>
@@ -6721,7 +7349,7 @@
               <a:buChar char="•"/>
             </a:pPr>
             <a:r>
-              <a:rPr lang="es-ES" sz="1600" dirty="0"/>
+              <a:rPr lang="es-ES" sz="1600"/>
               <a:t>Subsedes.</a:t>
             </a:r>
           </a:p>
@@ -6731,7 +7359,7 @@
               <a:buChar char="•"/>
             </a:pPr>
             <a:r>
-              <a:rPr lang="es-ES" sz="1600" dirty="0"/>
+              <a:rPr lang="es-ES" sz="1600"/>
               <a:t>Instrumento de creación.</a:t>
             </a:r>
           </a:p>
@@ -6741,7 +7369,7 @@
               <a:buChar char="•"/>
             </a:pPr>
             <a:r>
-              <a:rPr lang="es-ES" sz="1600" dirty="0"/>
+              <a:rPr lang="es-ES" sz="1600"/>
               <a:t>Mapa de la sede.</a:t>
             </a:r>
           </a:p>
@@ -6751,7 +7379,7 @@
               <a:buChar char="•"/>
             </a:pPr>
             <a:r>
-              <a:rPr lang="es-ES" sz="1600" dirty="0"/>
+              <a:rPr lang="es-ES" sz="1600"/>
               <a:t>Estructura de navegación. </a:t>
             </a:r>
           </a:p>
@@ -6761,7 +7389,7 @@
               <a:buChar char="•"/>
             </a:pPr>
             <a:r>
-              <a:rPr lang="es-ES" sz="1600" dirty="0"/>
+              <a:rPr lang="es-ES" sz="1600"/>
               <a:t>Secciones disponibles. </a:t>
             </a:r>
           </a:p>
@@ -6771,7 +7399,7 @@
               <a:buChar char="•"/>
             </a:pPr>
             <a:r>
-              <a:rPr lang="es-ES" sz="1600" dirty="0"/>
+              <a:rPr lang="es-ES" sz="1600"/>
               <a:t>Propiedad intelectual. </a:t>
             </a:r>
           </a:p>
@@ -6781,7 +7409,7 @@
               <a:buChar char="•"/>
             </a:pPr>
             <a:r>
-              <a:rPr lang="es-ES" sz="1600" dirty="0"/>
+              <a:rPr lang="es-ES" sz="1600"/>
               <a:t>Protección de Datos de Carácter Personal.</a:t>
             </a:r>
           </a:p>
@@ -6791,7 +7419,7 @@
               <a:buChar char="•"/>
             </a:pPr>
             <a:r>
-              <a:rPr lang="es-ES" sz="1600" dirty="0"/>
+              <a:rPr lang="es-ES" sz="1600"/>
               <a:t>Enlace con las sedes electrónicas de las Agencias de Protección de Datos. </a:t>
             </a:r>
           </a:p>
@@ -6801,7 +7429,7 @@
               <a:buChar char="•"/>
             </a:pPr>
             <a:r>
-              <a:rPr lang="es-ES" sz="1600" dirty="0"/>
+              <a:rPr lang="es-ES" sz="1600"/>
               <a:t>Asesoramiento electrónico.</a:t>
             </a:r>
           </a:p>
@@ -6811,7 +7439,7 @@
               <a:buChar char="•"/>
             </a:pPr>
             <a:r>
-              <a:rPr lang="es-ES" sz="1600" dirty="0"/>
+              <a:rPr lang="es-ES" sz="1600"/>
               <a:t>Sistema de verificación de los certificados.</a:t>
             </a:r>
           </a:p>
@@ -6821,7 +7449,7 @@
               <a:buChar char="•"/>
             </a:pPr>
             <a:r>
-              <a:rPr lang="es-ES" sz="1600" dirty="0"/>
+              <a:rPr lang="es-ES" sz="1600"/>
               <a:t>Sistemas de firma electrónica.</a:t>
             </a:r>
           </a:p>
@@ -6831,7 +7459,7 @@
               <a:buChar char="•"/>
             </a:pPr>
             <a:r>
-              <a:rPr lang="es-ES" sz="1600" dirty="0"/>
+              <a:rPr lang="es-ES" sz="1600"/>
               <a:t>Normas de creación del registro electrónico.</a:t>
             </a:r>
           </a:p>
@@ -6840,42 +7468,42 @@
               <a:buFont typeface="Arial" panose="020B0604020202020204" pitchFamily="34" charset="0"/>
               <a:buChar char="•"/>
             </a:pPr>
-            <a:endParaRPr lang="es-ES" sz="1600" dirty="0"/>
-          </a:p>
-          <a:p>
-            <a:pPr marL="285750" indent="-285750">
-              <a:buFont typeface="Arial" panose="020B0604020202020204" pitchFamily="34" charset="0"/>
-              <a:buChar char="•"/>
-            </a:pPr>
-            <a:endParaRPr lang="es-ES" sz="1600" dirty="0"/>
-          </a:p>
-          <a:p>
-            <a:pPr marL="285750" indent="-285750">
-              <a:buFont typeface="Arial" panose="020B0604020202020204" pitchFamily="34" charset="0"/>
-              <a:buChar char="•"/>
-            </a:pPr>
-            <a:endParaRPr lang="es-ES" sz="1600" dirty="0"/>
-          </a:p>
-          <a:p>
-            <a:pPr marL="285750" indent="-285750">
-              <a:buFont typeface="Arial" panose="020B0604020202020204" pitchFamily="34" charset="0"/>
-              <a:buChar char="•"/>
-            </a:pPr>
-            <a:endParaRPr lang="es-ES" sz="1600" dirty="0"/>
-          </a:p>
-          <a:p>
-            <a:pPr marL="285750" indent="-285750">
-              <a:buFont typeface="Arial" panose="020B0604020202020204" pitchFamily="34" charset="0"/>
-              <a:buChar char="•"/>
-            </a:pPr>
-            <a:endParaRPr lang="es-ES" sz="1600" dirty="0"/>
-          </a:p>
-          <a:p>
-            <a:pPr marL="285750" indent="-285750">
-              <a:buFont typeface="Arial" panose="020B0604020202020204" pitchFamily="34" charset="0"/>
-              <a:buChar char="•"/>
-            </a:pPr>
-            <a:endParaRPr lang="es-ES" sz="1600" dirty="0"/>
+            <a:endParaRPr lang="es-ES" sz="1600"/>
+          </a:p>
+          <a:p>
+            <a:pPr marL="285750" indent="-285750">
+              <a:buFont typeface="Arial" panose="020B0604020202020204" pitchFamily="34" charset="0"/>
+              <a:buChar char="•"/>
+            </a:pPr>
+            <a:endParaRPr lang="es-ES" sz="1600"/>
+          </a:p>
+          <a:p>
+            <a:pPr marL="285750" indent="-285750">
+              <a:buFont typeface="Arial" panose="020B0604020202020204" pitchFamily="34" charset="0"/>
+              <a:buChar char="•"/>
+            </a:pPr>
+            <a:endParaRPr lang="es-ES" sz="1600"/>
+          </a:p>
+          <a:p>
+            <a:pPr marL="285750" indent="-285750">
+              <a:buFont typeface="Arial" panose="020B0604020202020204" pitchFamily="34" charset="0"/>
+              <a:buChar char="•"/>
+            </a:pPr>
+            <a:endParaRPr lang="es-ES" sz="1600"/>
+          </a:p>
+          <a:p>
+            <a:pPr marL="285750" indent="-285750">
+              <a:buFont typeface="Arial" panose="020B0604020202020204" pitchFamily="34" charset="0"/>
+              <a:buChar char="•"/>
+            </a:pPr>
+            <a:endParaRPr lang="es-ES" sz="1600"/>
+          </a:p>
+          <a:p>
+            <a:pPr marL="285750" indent="-285750">
+              <a:buFont typeface="Arial" panose="020B0604020202020204" pitchFamily="34" charset="0"/>
+              <a:buChar char="•"/>
+            </a:pPr>
+            <a:endParaRPr lang="es-ES" sz="1600"/>
           </a:p>
         </p:txBody>
       </p:sp>
@@ -6912,7 +7540,7 @@
               <a:buChar char="•"/>
             </a:pPr>
             <a:r>
-              <a:rPr lang="es-ES" sz="1600" dirty="0"/>
+              <a:rPr lang="es-ES" sz="1600"/>
               <a:t>Relación de los servicios disponibles en la sede electrónica. </a:t>
             </a:r>
           </a:p>
@@ -6922,7 +7550,7 @@
               <a:buChar char="•"/>
             </a:pPr>
             <a:r>
-              <a:rPr lang="es-ES" sz="1600" dirty="0"/>
+              <a:rPr lang="es-ES" sz="1600"/>
               <a:t>Carta de servicios. </a:t>
             </a:r>
           </a:p>
@@ -6932,7 +7560,7 @@
               <a:buChar char="•"/>
             </a:pPr>
             <a:r>
-              <a:rPr lang="es-ES" sz="1600" dirty="0"/>
+              <a:rPr lang="es-ES" sz="1600"/>
               <a:t>Carta de servicios electrónicos. </a:t>
             </a:r>
           </a:p>
@@ -6942,7 +7570,7 @@
               <a:buChar char="•"/>
             </a:pPr>
             <a:r>
-              <a:rPr lang="es-ES" sz="1600" dirty="0"/>
+              <a:rPr lang="es-ES" sz="1600"/>
               <a:t>Medios electrónicos que los usuarios pueden utilizar. </a:t>
             </a:r>
           </a:p>
@@ -6952,7 +7580,7 @@
               <a:buChar char="•"/>
             </a:pPr>
             <a:r>
-              <a:rPr lang="es-ES" sz="1600" dirty="0"/>
+              <a:rPr lang="es-ES" sz="1600"/>
               <a:t>Sistema de sugerencias y quejas ante otros órganos.</a:t>
             </a:r>
           </a:p>
@@ -6962,7 +7590,7 @@
               <a:buChar char="•"/>
             </a:pPr>
             <a:r>
-              <a:rPr lang="es-ES" sz="1600" dirty="0"/>
+              <a:rPr lang="es-ES" sz="1600"/>
               <a:t>Acceso al estado de tramitación del expediente. </a:t>
             </a:r>
           </a:p>
@@ -6972,7 +7600,7 @@
               <a:buChar char="•"/>
             </a:pPr>
             <a:r>
-              <a:rPr lang="es-ES" sz="1600" dirty="0"/>
+              <a:rPr lang="es-ES" sz="1600"/>
               <a:t>Publicación de los diarios o boletines. </a:t>
             </a:r>
           </a:p>
@@ -6982,7 +7610,7 @@
               <a:buChar char="•"/>
             </a:pPr>
             <a:r>
-              <a:rPr lang="es-ES" sz="1600" dirty="0"/>
+              <a:rPr lang="es-ES" sz="1600"/>
               <a:t>Tablón de anuncios.</a:t>
             </a:r>
           </a:p>
@@ -6992,7 +7620,7 @@
               <a:buChar char="•"/>
             </a:pPr>
             <a:r>
-              <a:rPr lang="es-ES" sz="1600" dirty="0"/>
+              <a:rPr lang="es-ES" sz="1600"/>
               <a:t>Verificación de los sellos electrónicos.</a:t>
             </a:r>
           </a:p>
@@ -7002,7 +7630,7 @@
               <a:buChar char="•"/>
             </a:pPr>
             <a:r>
-              <a:rPr lang="es-ES" sz="1600" dirty="0"/>
+              <a:rPr lang="es-ES" sz="1600"/>
               <a:t>Comprobación de la autenticidad e integridad.</a:t>
             </a:r>
           </a:p>
@@ -7012,7 +7640,7 @@
               <a:buChar char="•"/>
             </a:pPr>
             <a:r>
-              <a:rPr lang="es-ES" sz="1600" dirty="0"/>
+              <a:rPr lang="es-ES" sz="1600"/>
               <a:t>Indicación de la fecha y hora oficial. </a:t>
             </a:r>
           </a:p>
@@ -7022,7 +7650,7 @@
               <a:buChar char="•"/>
             </a:pPr>
             <a:r>
-              <a:rPr lang="es-ES" sz="1600" dirty="0"/>
+              <a:rPr lang="es-ES" sz="1600"/>
               <a:t>Lista con los días considerados inhábiles. </a:t>
             </a:r>
           </a:p>
@@ -7032,7 +7660,7 @@
               <a:buChar char="•"/>
             </a:pPr>
             <a:r>
-              <a:rPr lang="es-ES" sz="1600" dirty="0"/>
+              <a:rPr lang="es-ES" sz="1600"/>
               <a:t>Otros servicios o contenidos. </a:t>
             </a:r>
           </a:p>
@@ -7042,7 +7670,7 @@
               <a:buChar char="•"/>
             </a:pPr>
             <a:r>
-              <a:rPr lang="es-ES" sz="1600" dirty="0"/>
+              <a:rPr lang="es-ES" sz="1600"/>
               <a:t>Lenguas cooficiales. </a:t>
             </a:r>
           </a:p>
@@ -7052,7 +7680,7 @@
               <a:buChar char="•"/>
             </a:pPr>
             <a:r>
-              <a:rPr lang="es-ES" sz="1600" dirty="0"/>
+              <a:rPr lang="es-ES" sz="1600"/>
               <a:t>Información sobre cuando se está navegando dentro o fuera de la sede.</a:t>
             </a:r>
           </a:p>
@@ -7062,7 +7690,7 @@
               <a:buChar char="•"/>
             </a:pPr>
             <a:r>
-              <a:rPr lang="es-ES" sz="1600" dirty="0"/>
+              <a:rPr lang="es-ES" sz="1600"/>
               <a:t>Verifica los principios de accesibilidad y usabilidad. </a:t>
             </a:r>
           </a:p>
@@ -7072,7 +7700,7 @@
               <a:buChar char="•"/>
             </a:pPr>
             <a:r>
-              <a:rPr lang="es-ES" sz="1600" dirty="0"/>
+              <a:rPr lang="es-ES" sz="1600"/>
               <a:t>Elementos basados en estándares abiertos.</a:t>
             </a:r>
           </a:p>
@@ -8390,7 +9018,7 @@
           <a:lstStyle/>
           <a:p>
             <a:r>
-              <a:rPr lang="es-ES_tradnl" dirty="0"/>
+              <a:rPr lang="es-ES_tradnl"/>
               <a:t>Castilla La Mancha</a:t>
             </a:r>
           </a:p>
@@ -8429,7 +9057,7 @@
               <a:buChar char="•"/>
             </a:pPr>
             <a:r>
-              <a:rPr lang="es-ES" sz="1600" dirty="0"/>
+              <a:rPr lang="es-ES" sz="1600"/>
               <a:t>Dirección de la sede</a:t>
             </a:r>
           </a:p>
@@ -8439,7 +9067,7 @@
               <a:buChar char="•"/>
             </a:pPr>
             <a:r>
-              <a:rPr lang="es-ES" sz="1600" dirty="0"/>
+              <a:rPr lang="es-ES" sz="1600"/>
               <a:t>Identificación de su titular. </a:t>
             </a:r>
           </a:p>
@@ -8449,7 +9077,7 @@
               <a:buChar char="•"/>
             </a:pPr>
             <a:r>
-              <a:rPr lang="es-ES" sz="1600" dirty="0"/>
+              <a:rPr lang="es-ES" sz="1600"/>
               <a:t>Canales de acceso a los servicios</a:t>
             </a:r>
           </a:p>
@@ -8459,7 +9087,7 @@
               <a:buChar char="•"/>
             </a:pPr>
             <a:r>
-              <a:rPr lang="es-ES" sz="1600" dirty="0"/>
+              <a:rPr lang="es-ES" sz="1600"/>
               <a:t>Quejas y sugerencias</a:t>
             </a:r>
           </a:p>
@@ -8469,7 +9097,7 @@
               <a:buChar char="•"/>
             </a:pPr>
             <a:r>
-              <a:rPr lang="es-ES" sz="1600" dirty="0"/>
+              <a:rPr lang="es-ES" sz="1600"/>
               <a:t>Identificación de la sede</a:t>
             </a:r>
           </a:p>
@@ -8479,7 +9107,7 @@
               <a:buChar char="•"/>
             </a:pPr>
             <a:r>
-              <a:rPr lang="es-ES" sz="1600" dirty="0"/>
+              <a:rPr lang="es-ES" sz="1600"/>
               <a:t>Sedes compartidas</a:t>
             </a:r>
           </a:p>
@@ -8489,7 +9117,7 @@
               <a:buChar char="•"/>
             </a:pPr>
             <a:r>
-              <a:rPr lang="es-ES" sz="1600" dirty="0"/>
+              <a:rPr lang="es-ES" sz="1600"/>
               <a:t>Subsedes</a:t>
             </a:r>
           </a:p>
@@ -8499,7 +9127,7 @@
               <a:buChar char="•"/>
             </a:pPr>
             <a:r>
-              <a:rPr lang="es-ES" sz="1600" dirty="0"/>
+              <a:rPr lang="es-ES" sz="1600"/>
               <a:t>Instrumento de creación.</a:t>
             </a:r>
           </a:p>
@@ -8509,7 +9137,7 @@
               <a:buChar char="•"/>
             </a:pPr>
             <a:r>
-              <a:rPr lang="es-ES" sz="1600" dirty="0"/>
+              <a:rPr lang="es-ES" sz="1600"/>
               <a:t>Mapa de la sede </a:t>
             </a:r>
           </a:p>
@@ -8519,7 +9147,7 @@
               <a:buChar char="•"/>
             </a:pPr>
             <a:r>
-              <a:rPr lang="es-ES" sz="1600" dirty="0"/>
+              <a:rPr lang="es-ES" sz="1600"/>
               <a:t>Estructura de navegación. </a:t>
             </a:r>
           </a:p>
@@ -8529,7 +9157,7 @@
               <a:buChar char="•"/>
             </a:pPr>
             <a:r>
-              <a:rPr lang="es-ES" sz="1600" dirty="0"/>
+              <a:rPr lang="es-ES" sz="1600"/>
               <a:t>Secciones disponibles. </a:t>
             </a:r>
           </a:p>
@@ -8539,7 +9167,7 @@
               <a:buChar char="•"/>
             </a:pPr>
             <a:r>
-              <a:rPr lang="es-ES" sz="1600" dirty="0"/>
+              <a:rPr lang="es-ES" sz="1600"/>
               <a:t>Propiedad intelectual. </a:t>
             </a:r>
           </a:p>
@@ -8549,7 +9177,7 @@
               <a:buChar char="•"/>
             </a:pPr>
             <a:r>
-              <a:rPr lang="es-ES" sz="1600" dirty="0"/>
+              <a:rPr lang="es-ES" sz="1600"/>
               <a:t>Protección de Datos de Carácter Personal.</a:t>
             </a:r>
           </a:p>
@@ -8559,7 +9187,7 @@
               <a:buChar char="•"/>
             </a:pPr>
             <a:r>
-              <a:rPr lang="es-ES" sz="1600" dirty="0"/>
+              <a:rPr lang="es-ES" sz="1600"/>
               <a:t>Enlace con las sedes electrónicas de las Agencias de Protección de Datos. </a:t>
             </a:r>
           </a:p>
@@ -8569,7 +9197,7 @@
               <a:buChar char="•"/>
             </a:pPr>
             <a:r>
-              <a:rPr lang="es-ES" sz="1600" dirty="0"/>
+              <a:rPr lang="es-ES" sz="1600"/>
               <a:t>Asesoramiento electrónico</a:t>
             </a:r>
           </a:p>
@@ -8579,7 +9207,7 @@
               <a:buChar char="•"/>
             </a:pPr>
             <a:r>
-              <a:rPr lang="es-ES" sz="1600" dirty="0"/>
+              <a:rPr lang="es-ES" sz="1600"/>
               <a:t>Sistema de verificación de los certificados.</a:t>
             </a:r>
           </a:p>
@@ -8589,7 +9217,7 @@
               <a:buChar char="•"/>
             </a:pPr>
             <a:r>
-              <a:rPr lang="es-ES" sz="1600" dirty="0"/>
+              <a:rPr lang="es-ES" sz="1600"/>
               <a:t>Sistemas de firma electrónica.</a:t>
             </a:r>
           </a:p>
@@ -8599,7 +9227,7 @@
               <a:buChar char="•"/>
             </a:pPr>
             <a:r>
-              <a:rPr lang="es-ES" sz="1600" dirty="0"/>
+              <a:rPr lang="es-ES" sz="1600"/>
               <a:t>Normas de creación del registro electrónico.</a:t>
             </a:r>
           </a:p>
@@ -8608,42 +9236,42 @@
               <a:buFont typeface="Arial" panose="020B0604020202020204" pitchFamily="34" charset="0"/>
               <a:buChar char="•"/>
             </a:pPr>
-            <a:endParaRPr lang="es-ES" sz="1600" dirty="0"/>
-          </a:p>
-          <a:p>
-            <a:pPr marL="285750" indent="-285750">
-              <a:buFont typeface="Arial" panose="020B0604020202020204" pitchFamily="34" charset="0"/>
-              <a:buChar char="•"/>
-            </a:pPr>
-            <a:endParaRPr lang="es-ES" sz="1600" dirty="0"/>
-          </a:p>
-          <a:p>
-            <a:pPr marL="285750" indent="-285750">
-              <a:buFont typeface="Arial" panose="020B0604020202020204" pitchFamily="34" charset="0"/>
-              <a:buChar char="•"/>
-            </a:pPr>
-            <a:endParaRPr lang="es-ES" sz="1600" dirty="0"/>
-          </a:p>
-          <a:p>
-            <a:pPr marL="285750" indent="-285750">
-              <a:buFont typeface="Arial" panose="020B0604020202020204" pitchFamily="34" charset="0"/>
-              <a:buChar char="•"/>
-            </a:pPr>
-            <a:endParaRPr lang="es-ES" sz="1600" dirty="0"/>
-          </a:p>
-          <a:p>
-            <a:pPr marL="285750" indent="-285750">
-              <a:buFont typeface="Arial" panose="020B0604020202020204" pitchFamily="34" charset="0"/>
-              <a:buChar char="•"/>
-            </a:pPr>
-            <a:endParaRPr lang="es-ES" sz="1600" dirty="0"/>
-          </a:p>
-          <a:p>
-            <a:pPr marL="285750" indent="-285750">
-              <a:buFont typeface="Arial" panose="020B0604020202020204" pitchFamily="34" charset="0"/>
-              <a:buChar char="•"/>
-            </a:pPr>
-            <a:endParaRPr lang="es-ES" sz="1600" dirty="0"/>
+            <a:endParaRPr lang="es-ES" sz="1600"/>
+          </a:p>
+          <a:p>
+            <a:pPr marL="285750" indent="-285750">
+              <a:buFont typeface="Arial" panose="020B0604020202020204" pitchFamily="34" charset="0"/>
+              <a:buChar char="•"/>
+            </a:pPr>
+            <a:endParaRPr lang="es-ES" sz="1600"/>
+          </a:p>
+          <a:p>
+            <a:pPr marL="285750" indent="-285750">
+              <a:buFont typeface="Arial" panose="020B0604020202020204" pitchFamily="34" charset="0"/>
+              <a:buChar char="•"/>
+            </a:pPr>
+            <a:endParaRPr lang="es-ES" sz="1600"/>
+          </a:p>
+          <a:p>
+            <a:pPr marL="285750" indent="-285750">
+              <a:buFont typeface="Arial" panose="020B0604020202020204" pitchFamily="34" charset="0"/>
+              <a:buChar char="•"/>
+            </a:pPr>
+            <a:endParaRPr lang="es-ES" sz="1600"/>
+          </a:p>
+          <a:p>
+            <a:pPr marL="285750" indent="-285750">
+              <a:buFont typeface="Arial" panose="020B0604020202020204" pitchFamily="34" charset="0"/>
+              <a:buChar char="•"/>
+            </a:pPr>
+            <a:endParaRPr lang="es-ES" sz="1600"/>
+          </a:p>
+          <a:p>
+            <a:pPr marL="285750" indent="-285750">
+              <a:buFont typeface="Arial" panose="020B0604020202020204" pitchFamily="34" charset="0"/>
+              <a:buChar char="•"/>
+            </a:pPr>
+            <a:endParaRPr lang="es-ES" sz="1600"/>
           </a:p>
         </p:txBody>
       </p:sp>
@@ -8680,7 +9308,7 @@
               <a:buChar char="•"/>
             </a:pPr>
             <a:r>
-              <a:rPr lang="es-ES" sz="1600" dirty="0"/>
+              <a:rPr lang="es-ES" sz="1600"/>
               <a:t>Relación de los servicios disponibles en la sede electrónica. </a:t>
             </a:r>
           </a:p>
@@ -8690,7 +9318,7 @@
               <a:buChar char="•"/>
             </a:pPr>
             <a:r>
-              <a:rPr lang="es-ES" sz="1600" dirty="0"/>
+              <a:rPr lang="es-ES" sz="1600"/>
               <a:t>Carta de servicios. </a:t>
             </a:r>
           </a:p>
@@ -8700,7 +9328,7 @@
               <a:buChar char="•"/>
             </a:pPr>
             <a:r>
-              <a:rPr lang="es-ES" sz="1600" dirty="0"/>
+              <a:rPr lang="es-ES" sz="1600"/>
               <a:t>Carta de servicios electrónicos. </a:t>
             </a:r>
           </a:p>
@@ -8710,7 +9338,7 @@
               <a:buChar char="•"/>
             </a:pPr>
             <a:r>
-              <a:rPr lang="es-ES" sz="1600" dirty="0"/>
+              <a:rPr lang="es-ES" sz="1600"/>
               <a:t>Medios electrónicos que los usuarios pueden utilizar. </a:t>
             </a:r>
           </a:p>
@@ -8720,7 +9348,7 @@
               <a:buChar char="•"/>
             </a:pPr>
             <a:r>
-              <a:rPr lang="es-ES" sz="1600" dirty="0"/>
+              <a:rPr lang="es-ES" sz="1600"/>
               <a:t>Sistema de sugerencias y quejas ante otros órganos.</a:t>
             </a:r>
           </a:p>
@@ -8730,7 +9358,7 @@
               <a:buChar char="•"/>
             </a:pPr>
             <a:r>
-              <a:rPr lang="es-ES" sz="1600" dirty="0"/>
+              <a:rPr lang="es-ES" sz="1600"/>
               <a:t>Acceso al estado de tramitación del expediente. </a:t>
             </a:r>
           </a:p>
@@ -8740,7 +9368,7 @@
               <a:buChar char="•"/>
             </a:pPr>
             <a:r>
-              <a:rPr lang="es-ES" sz="1600" dirty="0"/>
+              <a:rPr lang="es-ES" sz="1600"/>
               <a:t>Publicación de los diarios o boletines. </a:t>
             </a:r>
           </a:p>
@@ -8750,7 +9378,7 @@
               <a:buChar char="•"/>
             </a:pPr>
             <a:r>
-              <a:rPr lang="es-ES" sz="1600" dirty="0"/>
+              <a:rPr lang="es-ES" sz="1600"/>
               <a:t>Tablón de anuncios.</a:t>
             </a:r>
           </a:p>
@@ -8760,7 +9388,7 @@
               <a:buChar char="•"/>
             </a:pPr>
             <a:r>
-              <a:rPr lang="es-ES" sz="1600" dirty="0"/>
+              <a:rPr lang="es-ES" sz="1600"/>
               <a:t>Verificación de los sellos electrónicos.</a:t>
             </a:r>
           </a:p>
@@ -8770,7 +9398,7 @@
               <a:buChar char="•"/>
             </a:pPr>
             <a:r>
-              <a:rPr lang="es-ES" sz="1600" dirty="0"/>
+              <a:rPr lang="es-ES" sz="1600"/>
               <a:t>Comprobación de la autenticidad e integridad.</a:t>
             </a:r>
           </a:p>
@@ -8780,7 +9408,7 @@
               <a:buChar char="•"/>
             </a:pPr>
             <a:r>
-              <a:rPr lang="es-ES" sz="1600" dirty="0"/>
+              <a:rPr lang="es-ES" sz="1600"/>
               <a:t>Indicación de la fecha y hora oficial. </a:t>
             </a:r>
           </a:p>
@@ -8790,7 +9418,7 @@
               <a:buChar char="•"/>
             </a:pPr>
             <a:r>
-              <a:rPr lang="es-ES" sz="1600" dirty="0"/>
+              <a:rPr lang="es-ES" sz="1600"/>
               <a:t>Lista con los días considerados inhábiles. </a:t>
             </a:r>
           </a:p>
@@ -8800,7 +9428,7 @@
               <a:buChar char="•"/>
             </a:pPr>
             <a:r>
-              <a:rPr lang="es-ES" sz="1600" dirty="0"/>
+              <a:rPr lang="es-ES" sz="1600"/>
               <a:t>Otros servicios o contenidos. </a:t>
             </a:r>
           </a:p>
@@ -8810,7 +9438,7 @@
               <a:buChar char="•"/>
             </a:pPr>
             <a:r>
-              <a:rPr lang="es-ES" sz="1600" dirty="0"/>
+              <a:rPr lang="es-ES" sz="1600"/>
               <a:t>Lenguas cooficiales. </a:t>
             </a:r>
           </a:p>
@@ -8820,7 +9448,7 @@
               <a:buChar char="•"/>
             </a:pPr>
             <a:r>
-              <a:rPr lang="es-ES" sz="1600" dirty="0"/>
+              <a:rPr lang="es-ES" sz="1600"/>
               <a:t>Información sobre cuando se está navegando dentro o fuera de la sede.</a:t>
             </a:r>
           </a:p>
@@ -8830,7 +9458,7 @@
               <a:buChar char="•"/>
             </a:pPr>
             <a:r>
-              <a:rPr lang="es-ES" sz="1600" dirty="0"/>
+              <a:rPr lang="es-ES" sz="1600"/>
               <a:t>Verifica los principios de accesibilidad y usabilidad. </a:t>
             </a:r>
           </a:p>
@@ -8840,7 +9468,7 @@
               <a:buChar char="•"/>
             </a:pPr>
             <a:r>
-              <a:rPr lang="es-ES" sz="1600" dirty="0"/>
+              <a:rPr lang="es-ES" sz="1600"/>
               <a:t>Elementos basados en estándares abiertos</a:t>
             </a:r>
           </a:p>
@@ -10188,7 +10816,7 @@
           <a:lstStyle/>
           <a:p>
             <a:r>
-              <a:rPr lang="es-ES_tradnl" dirty="0"/>
+              <a:rPr lang="es-ES_tradnl"/>
               <a:t>Alcalá de Henares</a:t>
             </a:r>
           </a:p>
@@ -10227,7 +10855,7 @@
               <a:buChar char="•"/>
             </a:pPr>
             <a:r>
-              <a:rPr lang="es-ES" sz="1600" dirty="0"/>
+              <a:rPr lang="es-ES" sz="1600"/>
               <a:t>Dirección de la sede</a:t>
             </a:r>
           </a:p>
@@ -10237,7 +10865,7 @@
               <a:buChar char="•"/>
             </a:pPr>
             <a:r>
-              <a:rPr lang="es-ES" sz="1600" dirty="0"/>
+              <a:rPr lang="es-ES" sz="1600"/>
               <a:t>Identificación de su titular. </a:t>
             </a:r>
           </a:p>
@@ -10247,7 +10875,7 @@
               <a:buChar char="•"/>
             </a:pPr>
             <a:r>
-              <a:rPr lang="es-ES" sz="1600" dirty="0"/>
+              <a:rPr lang="es-ES" sz="1600"/>
               <a:t>Canales de acceso a los servicios</a:t>
             </a:r>
           </a:p>
@@ -10257,7 +10885,7 @@
               <a:buChar char="•"/>
             </a:pPr>
             <a:r>
-              <a:rPr lang="es-ES" sz="1600" dirty="0"/>
+              <a:rPr lang="es-ES" sz="1600"/>
               <a:t>Quejas y sugerencias</a:t>
             </a:r>
           </a:p>
@@ -10267,7 +10895,7 @@
               <a:buChar char="•"/>
             </a:pPr>
             <a:r>
-              <a:rPr lang="es-ES" sz="1600" dirty="0"/>
+              <a:rPr lang="es-ES" sz="1600"/>
               <a:t>Identificación de la sede</a:t>
             </a:r>
           </a:p>
@@ -10277,7 +10905,7 @@
               <a:buChar char="•"/>
             </a:pPr>
             <a:r>
-              <a:rPr lang="es-ES" sz="1600" dirty="0"/>
+              <a:rPr lang="es-ES" sz="1600"/>
               <a:t>Sedes compartidas</a:t>
             </a:r>
           </a:p>
@@ -10287,7 +10915,7 @@
               <a:buChar char="•"/>
             </a:pPr>
             <a:r>
-              <a:rPr lang="es-ES" sz="1600" dirty="0"/>
+              <a:rPr lang="es-ES" sz="1600"/>
               <a:t>Subsedes</a:t>
             </a:r>
           </a:p>
@@ -10297,7 +10925,7 @@
               <a:buChar char="•"/>
             </a:pPr>
             <a:r>
-              <a:rPr lang="es-ES" sz="1600" dirty="0"/>
+              <a:rPr lang="es-ES" sz="1600"/>
               <a:t>Instrumento de creación.</a:t>
             </a:r>
           </a:p>
@@ -10307,7 +10935,7 @@
               <a:buChar char="•"/>
             </a:pPr>
             <a:r>
-              <a:rPr lang="es-ES" sz="1600" dirty="0"/>
+              <a:rPr lang="es-ES" sz="1600"/>
               <a:t>Mapa de la sede </a:t>
             </a:r>
           </a:p>
@@ -10317,7 +10945,7 @@
               <a:buChar char="•"/>
             </a:pPr>
             <a:r>
-              <a:rPr lang="es-ES" sz="1600" dirty="0"/>
+              <a:rPr lang="es-ES" sz="1600"/>
               <a:t>Estructura de navegación. </a:t>
             </a:r>
           </a:p>
@@ -10327,7 +10955,7 @@
               <a:buChar char="•"/>
             </a:pPr>
             <a:r>
-              <a:rPr lang="es-ES" sz="1600" dirty="0"/>
+              <a:rPr lang="es-ES" sz="1600"/>
               <a:t>Secciones disponibles. </a:t>
             </a:r>
           </a:p>
@@ -10337,7 +10965,7 @@
               <a:buChar char="•"/>
             </a:pPr>
             <a:r>
-              <a:rPr lang="es-ES" sz="1600" dirty="0"/>
+              <a:rPr lang="es-ES" sz="1600"/>
               <a:t>Propiedad intelectual. </a:t>
             </a:r>
           </a:p>
@@ -10347,7 +10975,7 @@
               <a:buChar char="•"/>
             </a:pPr>
             <a:r>
-              <a:rPr lang="es-ES" sz="1600" dirty="0"/>
+              <a:rPr lang="es-ES" sz="1600"/>
               <a:t>Protección de Datos de Carácter Personal.</a:t>
             </a:r>
           </a:p>
@@ -10357,7 +10985,7 @@
               <a:buChar char="•"/>
             </a:pPr>
             <a:r>
-              <a:rPr lang="es-ES" sz="1600" dirty="0"/>
+              <a:rPr lang="es-ES" sz="1600"/>
               <a:t>Enlace con las sedes electrónicas de las Agencias de Protección de Datos. </a:t>
             </a:r>
           </a:p>
@@ -10367,7 +10995,7 @@
               <a:buChar char="•"/>
             </a:pPr>
             <a:r>
-              <a:rPr lang="es-ES" sz="1600" dirty="0"/>
+              <a:rPr lang="es-ES" sz="1600"/>
               <a:t>Asesoramiento electrónico</a:t>
             </a:r>
           </a:p>
@@ -10377,7 +11005,7 @@
               <a:buChar char="•"/>
             </a:pPr>
             <a:r>
-              <a:rPr lang="es-ES" sz="1600" dirty="0"/>
+              <a:rPr lang="es-ES" sz="1600"/>
               <a:t>Sistema de verificación de los certificados.</a:t>
             </a:r>
           </a:p>
@@ -10387,7 +11015,7 @@
               <a:buChar char="•"/>
             </a:pPr>
             <a:r>
-              <a:rPr lang="es-ES" sz="1600" dirty="0"/>
+              <a:rPr lang="es-ES" sz="1600"/>
               <a:t>Sistemas de firma electrónica.</a:t>
             </a:r>
           </a:p>
@@ -10397,7 +11025,7 @@
               <a:buChar char="•"/>
             </a:pPr>
             <a:r>
-              <a:rPr lang="es-ES" sz="1600" dirty="0"/>
+              <a:rPr lang="es-ES" sz="1600"/>
               <a:t>Normas de creación del registro electrónico.</a:t>
             </a:r>
           </a:p>
@@ -10406,42 +11034,42 @@
               <a:buFont typeface="Arial" panose="020B0604020202020204" pitchFamily="34" charset="0"/>
               <a:buChar char="•"/>
             </a:pPr>
-            <a:endParaRPr lang="es-ES" sz="1600" dirty="0"/>
-          </a:p>
-          <a:p>
-            <a:pPr marL="285750" indent="-285750">
-              <a:buFont typeface="Arial" panose="020B0604020202020204" pitchFamily="34" charset="0"/>
-              <a:buChar char="•"/>
-            </a:pPr>
-            <a:endParaRPr lang="es-ES" sz="1600" dirty="0"/>
-          </a:p>
-          <a:p>
-            <a:pPr marL="285750" indent="-285750">
-              <a:buFont typeface="Arial" panose="020B0604020202020204" pitchFamily="34" charset="0"/>
-              <a:buChar char="•"/>
-            </a:pPr>
-            <a:endParaRPr lang="es-ES" sz="1600" dirty="0"/>
-          </a:p>
-          <a:p>
-            <a:pPr marL="285750" indent="-285750">
-              <a:buFont typeface="Arial" panose="020B0604020202020204" pitchFamily="34" charset="0"/>
-              <a:buChar char="•"/>
-            </a:pPr>
-            <a:endParaRPr lang="es-ES" sz="1600" dirty="0"/>
-          </a:p>
-          <a:p>
-            <a:pPr marL="285750" indent="-285750">
-              <a:buFont typeface="Arial" panose="020B0604020202020204" pitchFamily="34" charset="0"/>
-              <a:buChar char="•"/>
-            </a:pPr>
-            <a:endParaRPr lang="es-ES" sz="1600" dirty="0"/>
-          </a:p>
-          <a:p>
-            <a:pPr marL="285750" indent="-285750">
-              <a:buFont typeface="Arial" panose="020B0604020202020204" pitchFamily="34" charset="0"/>
-              <a:buChar char="•"/>
-            </a:pPr>
-            <a:endParaRPr lang="es-ES" sz="1600" dirty="0"/>
+            <a:endParaRPr lang="es-ES" sz="1600"/>
+          </a:p>
+          <a:p>
+            <a:pPr marL="285750" indent="-285750">
+              <a:buFont typeface="Arial" panose="020B0604020202020204" pitchFamily="34" charset="0"/>
+              <a:buChar char="•"/>
+            </a:pPr>
+            <a:endParaRPr lang="es-ES" sz="1600"/>
+          </a:p>
+          <a:p>
+            <a:pPr marL="285750" indent="-285750">
+              <a:buFont typeface="Arial" panose="020B0604020202020204" pitchFamily="34" charset="0"/>
+              <a:buChar char="•"/>
+            </a:pPr>
+            <a:endParaRPr lang="es-ES" sz="1600"/>
+          </a:p>
+          <a:p>
+            <a:pPr marL="285750" indent="-285750">
+              <a:buFont typeface="Arial" panose="020B0604020202020204" pitchFamily="34" charset="0"/>
+              <a:buChar char="•"/>
+            </a:pPr>
+            <a:endParaRPr lang="es-ES" sz="1600"/>
+          </a:p>
+          <a:p>
+            <a:pPr marL="285750" indent="-285750">
+              <a:buFont typeface="Arial" panose="020B0604020202020204" pitchFamily="34" charset="0"/>
+              <a:buChar char="•"/>
+            </a:pPr>
+            <a:endParaRPr lang="es-ES" sz="1600"/>
+          </a:p>
+          <a:p>
+            <a:pPr marL="285750" indent="-285750">
+              <a:buFont typeface="Arial" panose="020B0604020202020204" pitchFamily="34" charset="0"/>
+              <a:buChar char="•"/>
+            </a:pPr>
+            <a:endParaRPr lang="es-ES" sz="1600"/>
           </a:p>
         </p:txBody>
       </p:sp>
@@ -10478,7 +11106,7 @@
               <a:buChar char="•"/>
             </a:pPr>
             <a:r>
-              <a:rPr lang="es-ES" sz="1600" dirty="0"/>
+              <a:rPr lang="es-ES" sz="1600"/>
               <a:t>Relación de los servicios disponibles en la sede electrónica. </a:t>
             </a:r>
           </a:p>
@@ -10488,7 +11116,7 @@
               <a:buChar char="•"/>
             </a:pPr>
             <a:r>
-              <a:rPr lang="es-ES" sz="1600" dirty="0"/>
+              <a:rPr lang="es-ES" sz="1600"/>
               <a:t>Carta de servicios. </a:t>
             </a:r>
           </a:p>
@@ -10498,7 +11126,7 @@
               <a:buChar char="•"/>
             </a:pPr>
             <a:r>
-              <a:rPr lang="es-ES" sz="1600" dirty="0"/>
+              <a:rPr lang="es-ES" sz="1600"/>
               <a:t>Carta de servicios electrónicos. </a:t>
             </a:r>
           </a:p>
@@ -10508,7 +11136,7 @@
               <a:buChar char="•"/>
             </a:pPr>
             <a:r>
-              <a:rPr lang="es-ES" sz="1600" dirty="0"/>
+              <a:rPr lang="es-ES" sz="1600"/>
               <a:t>Medios electrónicos que los usuarios pueden utilizar. </a:t>
             </a:r>
           </a:p>
@@ -10518,7 +11146,7 @@
               <a:buChar char="•"/>
             </a:pPr>
             <a:r>
-              <a:rPr lang="es-ES" sz="1600" dirty="0"/>
+              <a:rPr lang="es-ES" sz="1600"/>
               <a:t>Sistema de sugerencias y quejas ante otros órganos.</a:t>
             </a:r>
           </a:p>
@@ -10528,7 +11156,7 @@
               <a:buChar char="•"/>
             </a:pPr>
             <a:r>
-              <a:rPr lang="es-ES" sz="1600" dirty="0"/>
+              <a:rPr lang="es-ES" sz="1600"/>
               <a:t>Acceso al estado de tramitación del expediente. </a:t>
             </a:r>
           </a:p>
@@ -10538,7 +11166,7 @@
               <a:buChar char="•"/>
             </a:pPr>
             <a:r>
-              <a:rPr lang="es-ES" sz="1600" dirty="0"/>
+              <a:rPr lang="es-ES" sz="1600"/>
               <a:t>Publicación de los diarios o boletines. </a:t>
             </a:r>
           </a:p>
@@ -10548,7 +11176,7 @@
               <a:buChar char="•"/>
             </a:pPr>
             <a:r>
-              <a:rPr lang="es-ES" sz="1600" dirty="0"/>
+              <a:rPr lang="es-ES" sz="1600"/>
               <a:t>Tablón de anuncios.</a:t>
             </a:r>
           </a:p>
@@ -10558,7 +11186,7 @@
               <a:buChar char="•"/>
             </a:pPr>
             <a:r>
-              <a:rPr lang="es-ES" sz="1600" dirty="0"/>
+              <a:rPr lang="es-ES" sz="1600"/>
               <a:t>Verificación de los sellos electrónicos.</a:t>
             </a:r>
           </a:p>
@@ -10568,7 +11196,7 @@
               <a:buChar char="•"/>
             </a:pPr>
             <a:r>
-              <a:rPr lang="es-ES" sz="1600" dirty="0"/>
+              <a:rPr lang="es-ES" sz="1600"/>
               <a:t>Comprobación de la autenticidad e integridad.</a:t>
             </a:r>
           </a:p>
@@ -10578,7 +11206,7 @@
               <a:buChar char="•"/>
             </a:pPr>
             <a:r>
-              <a:rPr lang="es-ES" sz="1600" dirty="0"/>
+              <a:rPr lang="es-ES" sz="1600"/>
               <a:t>Indicación de la fecha y hora oficial. </a:t>
             </a:r>
           </a:p>
@@ -10588,7 +11216,7 @@
               <a:buChar char="•"/>
             </a:pPr>
             <a:r>
-              <a:rPr lang="es-ES" sz="1600" dirty="0"/>
+              <a:rPr lang="es-ES" sz="1600"/>
               <a:t>Lista con los días considerados inhábiles. </a:t>
             </a:r>
           </a:p>
@@ -10598,7 +11226,7 @@
               <a:buChar char="•"/>
             </a:pPr>
             <a:r>
-              <a:rPr lang="es-ES" sz="1600" dirty="0"/>
+              <a:rPr lang="es-ES" sz="1600"/>
               <a:t>Otros servicios o contenidos. </a:t>
             </a:r>
           </a:p>
@@ -10608,7 +11236,7 @@
               <a:buChar char="•"/>
             </a:pPr>
             <a:r>
-              <a:rPr lang="es-ES" sz="1600" dirty="0"/>
+              <a:rPr lang="es-ES" sz="1600"/>
               <a:t>Lenguas cooficiales. </a:t>
             </a:r>
           </a:p>
@@ -10618,7 +11246,7 @@
               <a:buChar char="•"/>
             </a:pPr>
             <a:r>
-              <a:rPr lang="es-ES" sz="1600" dirty="0"/>
+              <a:rPr lang="es-ES" sz="1600"/>
               <a:t>Información sobre cuando se está navegando dentro o fuera de la sede.</a:t>
             </a:r>
           </a:p>
@@ -10628,7 +11256,7 @@
               <a:buChar char="•"/>
             </a:pPr>
             <a:r>
-              <a:rPr lang="es-ES" sz="1600" dirty="0"/>
+              <a:rPr lang="es-ES" sz="1600"/>
               <a:t>Verifica los principios de accesibilidad y usabilidad. </a:t>
             </a:r>
           </a:p>
@@ -10638,7 +11266,7 @@
               <a:buChar char="•"/>
             </a:pPr>
             <a:r>
-              <a:rPr lang="es-ES" sz="1600" dirty="0"/>
+              <a:rPr lang="es-ES" sz="1600"/>
               <a:t>Elementos basados en estándares abiertos</a:t>
             </a:r>
           </a:p>
@@ -11985,7 +12613,7 @@
           <a:lstStyle/>
           <a:p>
             <a:r>
-              <a:rPr lang="es-ES_tradnl" dirty="0"/>
+              <a:rPr lang="es-ES_tradnl"/>
               <a:t>Oviedo</a:t>
             </a:r>
           </a:p>
@@ -12024,7 +12652,7 @@
               <a:buChar char="•"/>
             </a:pPr>
             <a:r>
-              <a:rPr lang="es-ES" sz="1600" dirty="0"/>
+              <a:rPr lang="es-ES" sz="1600"/>
               <a:t>Dirección de la sede</a:t>
             </a:r>
           </a:p>
@@ -12034,7 +12662,7 @@
               <a:buChar char="•"/>
             </a:pPr>
             <a:r>
-              <a:rPr lang="es-ES" sz="1600" dirty="0"/>
+              <a:rPr lang="es-ES" sz="1600"/>
               <a:t>Identificación de su titular. </a:t>
             </a:r>
           </a:p>
@@ -12044,7 +12672,7 @@
               <a:buChar char="•"/>
             </a:pPr>
             <a:r>
-              <a:rPr lang="es-ES" sz="1600" dirty="0"/>
+              <a:rPr lang="es-ES" sz="1600"/>
               <a:t>Canales de acceso a los servicios</a:t>
             </a:r>
           </a:p>
@@ -12054,7 +12682,7 @@
               <a:buChar char="•"/>
             </a:pPr>
             <a:r>
-              <a:rPr lang="es-ES" sz="1600" dirty="0"/>
+              <a:rPr lang="es-ES" sz="1600"/>
               <a:t>Quejas y sugerencias</a:t>
             </a:r>
           </a:p>
@@ -12064,7 +12692,7 @@
               <a:buChar char="•"/>
             </a:pPr>
             <a:r>
-              <a:rPr lang="es-ES" sz="1600" dirty="0"/>
+              <a:rPr lang="es-ES" sz="1600"/>
               <a:t>Identificación de la sede</a:t>
             </a:r>
           </a:p>
@@ -12074,7 +12702,7 @@
               <a:buChar char="•"/>
             </a:pPr>
             <a:r>
-              <a:rPr lang="es-ES" sz="1600" dirty="0"/>
+              <a:rPr lang="es-ES" sz="1600"/>
               <a:t>Sedes compartidas</a:t>
             </a:r>
           </a:p>
@@ -12084,7 +12712,7 @@
               <a:buChar char="•"/>
             </a:pPr>
             <a:r>
-              <a:rPr lang="es-ES" sz="1600" dirty="0"/>
+              <a:rPr lang="es-ES" sz="1600"/>
               <a:t>Subsedes</a:t>
             </a:r>
           </a:p>
@@ -12094,7 +12722,7 @@
               <a:buChar char="•"/>
             </a:pPr>
             <a:r>
-              <a:rPr lang="es-ES" sz="1600" dirty="0"/>
+              <a:rPr lang="es-ES" sz="1600"/>
               <a:t>Instrumento de creación.</a:t>
             </a:r>
           </a:p>
@@ -12104,7 +12732,7 @@
               <a:buChar char="•"/>
             </a:pPr>
             <a:r>
-              <a:rPr lang="es-ES" sz="1600" dirty="0"/>
+              <a:rPr lang="es-ES" sz="1600"/>
               <a:t>Mapa de la sede </a:t>
             </a:r>
           </a:p>
@@ -12114,7 +12742,7 @@
               <a:buChar char="•"/>
             </a:pPr>
             <a:r>
-              <a:rPr lang="es-ES" sz="1600" dirty="0"/>
+              <a:rPr lang="es-ES" sz="1600"/>
               <a:t>Estructura de navegación. </a:t>
             </a:r>
           </a:p>
@@ -12124,7 +12752,7 @@
               <a:buChar char="•"/>
             </a:pPr>
             <a:r>
-              <a:rPr lang="es-ES" sz="1600" dirty="0"/>
+              <a:rPr lang="es-ES" sz="1600"/>
               <a:t>Secciones disponibles. </a:t>
             </a:r>
           </a:p>
@@ -12134,7 +12762,7 @@
               <a:buChar char="•"/>
             </a:pPr>
             <a:r>
-              <a:rPr lang="es-ES" sz="1600" dirty="0"/>
+              <a:rPr lang="es-ES" sz="1600"/>
               <a:t>Propiedad intelectual. </a:t>
             </a:r>
           </a:p>
@@ -12144,7 +12772,7 @@
               <a:buChar char="•"/>
             </a:pPr>
             <a:r>
-              <a:rPr lang="es-ES" sz="1600" dirty="0"/>
+              <a:rPr lang="es-ES" sz="1600"/>
               <a:t>Protección de Datos de Carácter Personal.</a:t>
             </a:r>
           </a:p>
@@ -12154,7 +12782,7 @@
               <a:buChar char="•"/>
             </a:pPr>
             <a:r>
-              <a:rPr lang="es-ES" sz="1600" dirty="0"/>
+              <a:rPr lang="es-ES" sz="1600"/>
               <a:t>Enlace con las sedes electrónicas de las Agencias de Protección de Datos. </a:t>
             </a:r>
           </a:p>
@@ -12164,7 +12792,7 @@
               <a:buChar char="•"/>
             </a:pPr>
             <a:r>
-              <a:rPr lang="es-ES" sz="1600" dirty="0"/>
+              <a:rPr lang="es-ES" sz="1600"/>
               <a:t>Asesoramiento electrónico</a:t>
             </a:r>
           </a:p>
@@ -12174,7 +12802,7 @@
               <a:buChar char="•"/>
             </a:pPr>
             <a:r>
-              <a:rPr lang="es-ES" sz="1600" dirty="0"/>
+              <a:rPr lang="es-ES" sz="1600"/>
               <a:t>Sistema de verificación de los certificados.</a:t>
             </a:r>
           </a:p>
@@ -12184,7 +12812,7 @@
               <a:buChar char="•"/>
             </a:pPr>
             <a:r>
-              <a:rPr lang="es-ES" sz="1600" dirty="0"/>
+              <a:rPr lang="es-ES" sz="1600"/>
               <a:t>Sistemas de firma electrónica.</a:t>
             </a:r>
           </a:p>
@@ -12194,7 +12822,7 @@
               <a:buChar char="•"/>
             </a:pPr>
             <a:r>
-              <a:rPr lang="es-ES" sz="1600" dirty="0"/>
+              <a:rPr lang="es-ES" sz="1600"/>
               <a:t>Normas de creación del registro electrónico.</a:t>
             </a:r>
           </a:p>
@@ -12203,42 +12831,42 @@
               <a:buFont typeface="Arial" panose="020B0604020202020204" pitchFamily="34" charset="0"/>
               <a:buChar char="•"/>
             </a:pPr>
-            <a:endParaRPr lang="es-ES" sz="1600" dirty="0"/>
-          </a:p>
-          <a:p>
-            <a:pPr marL="285750" indent="-285750">
-              <a:buFont typeface="Arial" panose="020B0604020202020204" pitchFamily="34" charset="0"/>
-              <a:buChar char="•"/>
-            </a:pPr>
-            <a:endParaRPr lang="es-ES" sz="1600" dirty="0"/>
-          </a:p>
-          <a:p>
-            <a:pPr marL="285750" indent="-285750">
-              <a:buFont typeface="Arial" panose="020B0604020202020204" pitchFamily="34" charset="0"/>
-              <a:buChar char="•"/>
-            </a:pPr>
-            <a:endParaRPr lang="es-ES" sz="1600" dirty="0"/>
-          </a:p>
-          <a:p>
-            <a:pPr marL="285750" indent="-285750">
-              <a:buFont typeface="Arial" panose="020B0604020202020204" pitchFamily="34" charset="0"/>
-              <a:buChar char="•"/>
-            </a:pPr>
-            <a:endParaRPr lang="es-ES" sz="1600" dirty="0"/>
-          </a:p>
-          <a:p>
-            <a:pPr marL="285750" indent="-285750">
-              <a:buFont typeface="Arial" panose="020B0604020202020204" pitchFamily="34" charset="0"/>
-              <a:buChar char="•"/>
-            </a:pPr>
-            <a:endParaRPr lang="es-ES" sz="1600" dirty="0"/>
-          </a:p>
-          <a:p>
-            <a:pPr marL="285750" indent="-285750">
-              <a:buFont typeface="Arial" panose="020B0604020202020204" pitchFamily="34" charset="0"/>
-              <a:buChar char="•"/>
-            </a:pPr>
-            <a:endParaRPr lang="es-ES" sz="1600" dirty="0"/>
+            <a:endParaRPr lang="es-ES" sz="1600"/>
+          </a:p>
+          <a:p>
+            <a:pPr marL="285750" indent="-285750">
+              <a:buFont typeface="Arial" panose="020B0604020202020204" pitchFamily="34" charset="0"/>
+              <a:buChar char="•"/>
+            </a:pPr>
+            <a:endParaRPr lang="es-ES" sz="1600"/>
+          </a:p>
+          <a:p>
+            <a:pPr marL="285750" indent="-285750">
+              <a:buFont typeface="Arial" panose="020B0604020202020204" pitchFamily="34" charset="0"/>
+              <a:buChar char="•"/>
+            </a:pPr>
+            <a:endParaRPr lang="es-ES" sz="1600"/>
+          </a:p>
+          <a:p>
+            <a:pPr marL="285750" indent="-285750">
+              <a:buFont typeface="Arial" panose="020B0604020202020204" pitchFamily="34" charset="0"/>
+              <a:buChar char="•"/>
+            </a:pPr>
+            <a:endParaRPr lang="es-ES" sz="1600"/>
+          </a:p>
+          <a:p>
+            <a:pPr marL="285750" indent="-285750">
+              <a:buFont typeface="Arial" panose="020B0604020202020204" pitchFamily="34" charset="0"/>
+              <a:buChar char="•"/>
+            </a:pPr>
+            <a:endParaRPr lang="es-ES" sz="1600"/>
+          </a:p>
+          <a:p>
+            <a:pPr marL="285750" indent="-285750">
+              <a:buFont typeface="Arial" panose="020B0604020202020204" pitchFamily="34" charset="0"/>
+              <a:buChar char="•"/>
+            </a:pPr>
+            <a:endParaRPr lang="es-ES" sz="1600"/>
           </a:p>
         </p:txBody>
       </p:sp>
@@ -12275,7 +12903,7 @@
               <a:buChar char="•"/>
             </a:pPr>
             <a:r>
-              <a:rPr lang="es-ES" sz="1600" dirty="0"/>
+              <a:rPr lang="es-ES" sz="1600"/>
               <a:t>Relación de los servicios disponibles en la sede electrónica. </a:t>
             </a:r>
           </a:p>
@@ -12285,7 +12913,7 @@
               <a:buChar char="•"/>
             </a:pPr>
             <a:r>
-              <a:rPr lang="es-ES" sz="1600" dirty="0"/>
+              <a:rPr lang="es-ES" sz="1600"/>
               <a:t>Carta de servicios. </a:t>
             </a:r>
           </a:p>
@@ -12295,7 +12923,7 @@
               <a:buChar char="•"/>
             </a:pPr>
             <a:r>
-              <a:rPr lang="es-ES" sz="1600" dirty="0"/>
+              <a:rPr lang="es-ES" sz="1600"/>
               <a:t>Carta de servicios electrónicos. </a:t>
             </a:r>
           </a:p>
@@ -12305,7 +12933,7 @@
               <a:buChar char="•"/>
             </a:pPr>
             <a:r>
-              <a:rPr lang="es-ES" sz="1600" dirty="0"/>
+              <a:rPr lang="es-ES" sz="1600"/>
               <a:t>Medios electrónicos que los usuarios pueden utilizar. </a:t>
             </a:r>
           </a:p>
@@ -12315,7 +12943,7 @@
               <a:buChar char="•"/>
             </a:pPr>
             <a:r>
-              <a:rPr lang="es-ES" sz="1600" dirty="0"/>
+              <a:rPr lang="es-ES" sz="1600"/>
               <a:t>Sistema de sugerencias y quejas ante otros órganos.</a:t>
             </a:r>
           </a:p>
@@ -12325,7 +12953,7 @@
               <a:buChar char="•"/>
             </a:pPr>
             <a:r>
-              <a:rPr lang="es-ES" sz="1600" dirty="0"/>
+              <a:rPr lang="es-ES" sz="1600"/>
               <a:t>Acceso al estado de tramitación del expediente. </a:t>
             </a:r>
           </a:p>
@@ -12335,7 +12963,7 @@
               <a:buChar char="•"/>
             </a:pPr>
             <a:r>
-              <a:rPr lang="es-ES" sz="1600" dirty="0"/>
+              <a:rPr lang="es-ES" sz="1600"/>
               <a:t>Publicación de los diarios o boletines. </a:t>
             </a:r>
           </a:p>
@@ -12345,7 +12973,7 @@
               <a:buChar char="•"/>
             </a:pPr>
             <a:r>
-              <a:rPr lang="es-ES" sz="1600" dirty="0"/>
+              <a:rPr lang="es-ES" sz="1600"/>
               <a:t>Tablón de anuncios.</a:t>
             </a:r>
           </a:p>
@@ -12355,7 +12983,7 @@
               <a:buChar char="•"/>
             </a:pPr>
             <a:r>
-              <a:rPr lang="es-ES" sz="1600" dirty="0"/>
+              <a:rPr lang="es-ES" sz="1600"/>
               <a:t>Verificación de los sellos electrónicos.</a:t>
             </a:r>
           </a:p>
@@ -12365,7 +12993,7 @@
               <a:buChar char="•"/>
             </a:pPr>
             <a:r>
-              <a:rPr lang="es-ES" sz="1600" dirty="0"/>
+              <a:rPr lang="es-ES" sz="1600"/>
               <a:t>Comprobación de la autenticidad e integridad.</a:t>
             </a:r>
           </a:p>
@@ -12375,7 +13003,7 @@
               <a:buChar char="•"/>
             </a:pPr>
             <a:r>
-              <a:rPr lang="es-ES" sz="1600" dirty="0"/>
+              <a:rPr lang="es-ES" sz="1600"/>
               <a:t>Indicación de la fecha y hora oficial. </a:t>
             </a:r>
           </a:p>
@@ -12385,7 +13013,7 @@
               <a:buChar char="•"/>
             </a:pPr>
             <a:r>
-              <a:rPr lang="es-ES" sz="1600" dirty="0"/>
+              <a:rPr lang="es-ES" sz="1600"/>
               <a:t>Lista con los días considerados inhábiles. </a:t>
             </a:r>
           </a:p>
@@ -12395,7 +13023,7 @@
               <a:buChar char="•"/>
             </a:pPr>
             <a:r>
-              <a:rPr lang="es-ES" sz="1600" dirty="0"/>
+              <a:rPr lang="es-ES" sz="1600"/>
               <a:t>Otros servicios o contenidos. </a:t>
             </a:r>
           </a:p>
@@ -12405,7 +13033,7 @@
               <a:buChar char="•"/>
             </a:pPr>
             <a:r>
-              <a:rPr lang="es-ES" sz="1600" dirty="0"/>
+              <a:rPr lang="es-ES" sz="1600"/>
               <a:t>Lenguas cooficiales. </a:t>
             </a:r>
           </a:p>
@@ -12415,7 +13043,7 @@
               <a:buChar char="•"/>
             </a:pPr>
             <a:r>
-              <a:rPr lang="es-ES" sz="1600" dirty="0"/>
+              <a:rPr lang="es-ES" sz="1600"/>
               <a:t>Información sobre cuando se está navegando dentro o fuera de la sede.</a:t>
             </a:r>
           </a:p>
@@ -12425,7 +13053,7 @@
               <a:buChar char="•"/>
             </a:pPr>
             <a:r>
-              <a:rPr lang="es-ES" sz="1600" dirty="0"/>
+              <a:rPr lang="es-ES" sz="1600"/>
               <a:t>Verifica los principios de accesibilidad y usabilidad. </a:t>
             </a:r>
           </a:p>
@@ -12435,7 +13063,7 @@
               <a:buChar char="•"/>
             </a:pPr>
             <a:r>
-              <a:rPr lang="es-ES" sz="1600" dirty="0"/>
+              <a:rPr lang="es-ES" sz="1600"/>
               <a:t>Elementos basados en estándares abiertos</a:t>
             </a:r>
           </a:p>
@@ -13782,7 +14410,7 @@
           <a:lstStyle/>
           <a:p>
             <a:r>
-              <a:rPr lang="es-ES_tradnl" dirty="0"/>
+              <a:rPr lang="es-ES_tradnl"/>
               <a:t>DGT</a:t>
             </a:r>
           </a:p>
@@ -13821,7 +14449,7 @@
               <a:buChar char="•"/>
             </a:pPr>
             <a:r>
-              <a:rPr lang="es-ES" sz="1600" dirty="0"/>
+              <a:rPr lang="es-ES" sz="1600"/>
               <a:t>Dirección de la sede</a:t>
             </a:r>
           </a:p>
@@ -13831,7 +14459,7 @@
               <a:buChar char="•"/>
             </a:pPr>
             <a:r>
-              <a:rPr lang="es-ES" sz="1600" dirty="0"/>
+              <a:rPr lang="es-ES" sz="1600"/>
               <a:t>Identificación de su titular. </a:t>
             </a:r>
           </a:p>
@@ -13841,7 +14469,7 @@
               <a:buChar char="•"/>
             </a:pPr>
             <a:r>
-              <a:rPr lang="es-ES" sz="1600" dirty="0"/>
+              <a:rPr lang="es-ES" sz="1600"/>
               <a:t>Canales de acceso a los servicios</a:t>
             </a:r>
           </a:p>
@@ -13851,7 +14479,7 @@
               <a:buChar char="•"/>
             </a:pPr>
             <a:r>
-              <a:rPr lang="es-ES" sz="1600" dirty="0"/>
+              <a:rPr lang="es-ES" sz="1600"/>
               <a:t>Quejas y sugerencias</a:t>
             </a:r>
           </a:p>
@@ -13861,7 +14489,7 @@
               <a:buChar char="•"/>
             </a:pPr>
             <a:r>
-              <a:rPr lang="es-ES" sz="1600" dirty="0"/>
+              <a:rPr lang="es-ES" sz="1600"/>
               <a:t>Identificación de la sede</a:t>
             </a:r>
           </a:p>
@@ -13871,7 +14499,7 @@
               <a:buChar char="•"/>
             </a:pPr>
             <a:r>
-              <a:rPr lang="es-ES" sz="1600" dirty="0"/>
+              <a:rPr lang="es-ES" sz="1600"/>
               <a:t>Sedes compartidas</a:t>
             </a:r>
           </a:p>
@@ -13881,7 +14509,7 @@
               <a:buChar char="•"/>
             </a:pPr>
             <a:r>
-              <a:rPr lang="es-ES" sz="1600" dirty="0"/>
+              <a:rPr lang="es-ES" sz="1600"/>
               <a:t>Subsedes</a:t>
             </a:r>
           </a:p>
@@ -13891,7 +14519,7 @@
               <a:buChar char="•"/>
             </a:pPr>
             <a:r>
-              <a:rPr lang="es-ES" sz="1600" dirty="0"/>
+              <a:rPr lang="es-ES" sz="1600"/>
               <a:t>Instrumento de creación.</a:t>
             </a:r>
           </a:p>
@@ -13901,7 +14529,7 @@
               <a:buChar char="•"/>
             </a:pPr>
             <a:r>
-              <a:rPr lang="es-ES" sz="1600" dirty="0"/>
+              <a:rPr lang="es-ES" sz="1600"/>
               <a:t>Mapa de la sede </a:t>
             </a:r>
           </a:p>
@@ -13911,7 +14539,7 @@
               <a:buChar char="•"/>
             </a:pPr>
             <a:r>
-              <a:rPr lang="es-ES" sz="1600" dirty="0"/>
+              <a:rPr lang="es-ES" sz="1600"/>
               <a:t>Estructura de navegación. </a:t>
             </a:r>
           </a:p>
@@ -13921,7 +14549,7 @@
               <a:buChar char="•"/>
             </a:pPr>
             <a:r>
-              <a:rPr lang="es-ES" sz="1600" dirty="0"/>
+              <a:rPr lang="es-ES" sz="1600"/>
               <a:t>Secciones disponibles. </a:t>
             </a:r>
           </a:p>
@@ -13931,7 +14559,7 @@
               <a:buChar char="•"/>
             </a:pPr>
             <a:r>
-              <a:rPr lang="es-ES" sz="1600" dirty="0"/>
+              <a:rPr lang="es-ES" sz="1600"/>
               <a:t>Propiedad intelectual. </a:t>
             </a:r>
           </a:p>
@@ -13941,7 +14569,7 @@
               <a:buChar char="•"/>
             </a:pPr>
             <a:r>
-              <a:rPr lang="es-ES" sz="1600" dirty="0"/>
+              <a:rPr lang="es-ES" sz="1600"/>
               <a:t>Protección de Datos de Carácter Personal.</a:t>
             </a:r>
           </a:p>
@@ -13951,7 +14579,7 @@
               <a:buChar char="•"/>
             </a:pPr>
             <a:r>
-              <a:rPr lang="es-ES" sz="1600" dirty="0"/>
+              <a:rPr lang="es-ES" sz="1600"/>
               <a:t>Enlace con las sedes electrónicas de las Agencias de Protección de Datos. </a:t>
             </a:r>
           </a:p>
@@ -13961,7 +14589,7 @@
               <a:buChar char="•"/>
             </a:pPr>
             <a:r>
-              <a:rPr lang="es-ES" sz="1600" dirty="0"/>
+              <a:rPr lang="es-ES" sz="1600"/>
               <a:t>Asesoramiento electrónico</a:t>
             </a:r>
           </a:p>
@@ -13971,7 +14599,7 @@
               <a:buChar char="•"/>
             </a:pPr>
             <a:r>
-              <a:rPr lang="es-ES" sz="1600" dirty="0"/>
+              <a:rPr lang="es-ES" sz="1600"/>
               <a:t>Sistema de verificación de los certificados.</a:t>
             </a:r>
           </a:p>
@@ -13981,7 +14609,7 @@
               <a:buChar char="•"/>
             </a:pPr>
             <a:r>
-              <a:rPr lang="es-ES" sz="1600" dirty="0"/>
+              <a:rPr lang="es-ES" sz="1600"/>
               <a:t>Sistemas de firma electrónica.</a:t>
             </a:r>
           </a:p>
@@ -13991,7 +14619,7 @@
               <a:buChar char="•"/>
             </a:pPr>
             <a:r>
-              <a:rPr lang="es-ES" sz="1600" dirty="0"/>
+              <a:rPr lang="es-ES" sz="1600"/>
               <a:t>Normas de creación del registro electrónico.</a:t>
             </a:r>
           </a:p>
@@ -14000,42 +14628,42 @@
               <a:buFont typeface="Arial" panose="020B0604020202020204" pitchFamily="34" charset="0"/>
               <a:buChar char="•"/>
             </a:pPr>
-            <a:endParaRPr lang="es-ES" sz="1600" dirty="0"/>
-          </a:p>
-          <a:p>
-            <a:pPr marL="285750" indent="-285750">
-              <a:buFont typeface="Arial" panose="020B0604020202020204" pitchFamily="34" charset="0"/>
-              <a:buChar char="•"/>
-            </a:pPr>
-            <a:endParaRPr lang="es-ES" sz="1600" dirty="0"/>
-          </a:p>
-          <a:p>
-            <a:pPr marL="285750" indent="-285750">
-              <a:buFont typeface="Arial" panose="020B0604020202020204" pitchFamily="34" charset="0"/>
-              <a:buChar char="•"/>
-            </a:pPr>
-            <a:endParaRPr lang="es-ES" sz="1600" dirty="0"/>
-          </a:p>
-          <a:p>
-            <a:pPr marL="285750" indent="-285750">
-              <a:buFont typeface="Arial" panose="020B0604020202020204" pitchFamily="34" charset="0"/>
-              <a:buChar char="•"/>
-            </a:pPr>
-            <a:endParaRPr lang="es-ES" sz="1600" dirty="0"/>
-          </a:p>
-          <a:p>
-            <a:pPr marL="285750" indent="-285750">
-              <a:buFont typeface="Arial" panose="020B0604020202020204" pitchFamily="34" charset="0"/>
-              <a:buChar char="•"/>
-            </a:pPr>
-            <a:endParaRPr lang="es-ES" sz="1600" dirty="0"/>
-          </a:p>
-          <a:p>
-            <a:pPr marL="285750" indent="-285750">
-              <a:buFont typeface="Arial" panose="020B0604020202020204" pitchFamily="34" charset="0"/>
-              <a:buChar char="•"/>
-            </a:pPr>
-            <a:endParaRPr lang="es-ES" sz="1600" dirty="0"/>
+            <a:endParaRPr lang="es-ES" sz="1600"/>
+          </a:p>
+          <a:p>
+            <a:pPr marL="285750" indent="-285750">
+              <a:buFont typeface="Arial" panose="020B0604020202020204" pitchFamily="34" charset="0"/>
+              <a:buChar char="•"/>
+            </a:pPr>
+            <a:endParaRPr lang="es-ES" sz="1600"/>
+          </a:p>
+          <a:p>
+            <a:pPr marL="285750" indent="-285750">
+              <a:buFont typeface="Arial" panose="020B0604020202020204" pitchFamily="34" charset="0"/>
+              <a:buChar char="•"/>
+            </a:pPr>
+            <a:endParaRPr lang="es-ES" sz="1600"/>
+          </a:p>
+          <a:p>
+            <a:pPr marL="285750" indent="-285750">
+              <a:buFont typeface="Arial" panose="020B0604020202020204" pitchFamily="34" charset="0"/>
+              <a:buChar char="•"/>
+            </a:pPr>
+            <a:endParaRPr lang="es-ES" sz="1600"/>
+          </a:p>
+          <a:p>
+            <a:pPr marL="285750" indent="-285750">
+              <a:buFont typeface="Arial" panose="020B0604020202020204" pitchFamily="34" charset="0"/>
+              <a:buChar char="•"/>
+            </a:pPr>
+            <a:endParaRPr lang="es-ES" sz="1600"/>
+          </a:p>
+          <a:p>
+            <a:pPr marL="285750" indent="-285750">
+              <a:buFont typeface="Arial" panose="020B0604020202020204" pitchFamily="34" charset="0"/>
+              <a:buChar char="•"/>
+            </a:pPr>
+            <a:endParaRPr lang="es-ES" sz="1600"/>
           </a:p>
         </p:txBody>
       </p:sp>
@@ -14072,7 +14700,7 @@
               <a:buChar char="•"/>
             </a:pPr>
             <a:r>
-              <a:rPr lang="es-ES" sz="1600" dirty="0"/>
+              <a:rPr lang="es-ES" sz="1600"/>
               <a:t>Relación de los servicios disponibles en la sede electrónica. </a:t>
             </a:r>
           </a:p>
@@ -14082,7 +14710,7 @@
               <a:buChar char="•"/>
             </a:pPr>
             <a:r>
-              <a:rPr lang="es-ES" sz="1600" dirty="0"/>
+              <a:rPr lang="es-ES" sz="1600"/>
               <a:t>Carta de servicios. </a:t>
             </a:r>
           </a:p>
@@ -14092,7 +14720,7 @@
               <a:buChar char="•"/>
             </a:pPr>
             <a:r>
-              <a:rPr lang="es-ES" sz="1600" dirty="0"/>
+              <a:rPr lang="es-ES" sz="1600"/>
               <a:t>Carta de servicios electrónicos. </a:t>
             </a:r>
           </a:p>
@@ -14102,7 +14730,7 @@
               <a:buChar char="•"/>
             </a:pPr>
             <a:r>
-              <a:rPr lang="es-ES" sz="1600" dirty="0"/>
+              <a:rPr lang="es-ES" sz="1600"/>
               <a:t>Medios electrónicos que los usuarios pueden utilizar. </a:t>
             </a:r>
           </a:p>
@@ -14112,7 +14740,7 @@
               <a:buChar char="•"/>
             </a:pPr>
             <a:r>
-              <a:rPr lang="es-ES" sz="1600" dirty="0"/>
+              <a:rPr lang="es-ES" sz="1600"/>
               <a:t>Sistema de sugerencias y quejas ante otros órganos.</a:t>
             </a:r>
           </a:p>
@@ -14122,7 +14750,7 @@
               <a:buChar char="•"/>
             </a:pPr>
             <a:r>
-              <a:rPr lang="es-ES" sz="1600" dirty="0"/>
+              <a:rPr lang="es-ES" sz="1600"/>
               <a:t>Acceso al estado de tramitación del expediente. </a:t>
             </a:r>
           </a:p>
@@ -14132,7 +14760,7 @@
               <a:buChar char="•"/>
             </a:pPr>
             <a:r>
-              <a:rPr lang="es-ES" sz="1600" dirty="0"/>
+              <a:rPr lang="es-ES" sz="1600"/>
               <a:t>Publicación de los diarios o boletines. </a:t>
             </a:r>
           </a:p>
@@ -14142,7 +14770,7 @@
               <a:buChar char="•"/>
             </a:pPr>
             <a:r>
-              <a:rPr lang="es-ES" sz="1600" dirty="0"/>
+              <a:rPr lang="es-ES" sz="1600"/>
               <a:t>Tablón de anuncios.</a:t>
             </a:r>
           </a:p>
@@ -14152,7 +14780,7 @@
               <a:buChar char="•"/>
             </a:pPr>
             <a:r>
-              <a:rPr lang="es-ES" sz="1600" dirty="0"/>
+              <a:rPr lang="es-ES" sz="1600"/>
               <a:t>Verificación de los sellos electrónicos.</a:t>
             </a:r>
           </a:p>
@@ -14162,7 +14790,7 @@
               <a:buChar char="•"/>
             </a:pPr>
             <a:r>
-              <a:rPr lang="es-ES" sz="1600" dirty="0"/>
+              <a:rPr lang="es-ES" sz="1600"/>
               <a:t>Comprobación de la autenticidad e integridad.</a:t>
             </a:r>
           </a:p>
@@ -14172,7 +14800,7 @@
               <a:buChar char="•"/>
             </a:pPr>
             <a:r>
-              <a:rPr lang="es-ES" sz="1600" dirty="0"/>
+              <a:rPr lang="es-ES" sz="1600"/>
               <a:t>Indicación de la fecha y hora oficial. </a:t>
             </a:r>
           </a:p>
@@ -14182,7 +14810,7 @@
               <a:buChar char="•"/>
             </a:pPr>
             <a:r>
-              <a:rPr lang="es-ES" sz="1600" dirty="0"/>
+              <a:rPr lang="es-ES" sz="1600"/>
               <a:t>Lista con los días considerados inhábiles. </a:t>
             </a:r>
           </a:p>
@@ -14192,7 +14820,7 @@
               <a:buChar char="•"/>
             </a:pPr>
             <a:r>
-              <a:rPr lang="es-ES" sz="1600" dirty="0"/>
+              <a:rPr lang="es-ES" sz="1600"/>
               <a:t>Otros servicios o contenidos. </a:t>
             </a:r>
           </a:p>
@@ -14202,7 +14830,7 @@
               <a:buChar char="•"/>
             </a:pPr>
             <a:r>
-              <a:rPr lang="es-ES" sz="1600" dirty="0"/>
+              <a:rPr lang="es-ES" sz="1600"/>
               <a:t>Lenguas cooficiales. </a:t>
             </a:r>
           </a:p>
@@ -14212,7 +14840,7 @@
               <a:buChar char="•"/>
             </a:pPr>
             <a:r>
-              <a:rPr lang="es-ES" sz="1600" dirty="0"/>
+              <a:rPr lang="es-ES" sz="1600"/>
               <a:t>Información sobre cuando se está navegando dentro o fuera de la sede.</a:t>
             </a:r>
           </a:p>
@@ -14222,7 +14850,7 @@
               <a:buChar char="•"/>
             </a:pPr>
             <a:r>
-              <a:rPr lang="es-ES" sz="1600" dirty="0"/>
+              <a:rPr lang="es-ES" sz="1600"/>
               <a:t>Verifica los principios de accesibilidad y usabilidad. </a:t>
             </a:r>
           </a:p>
@@ -14232,7 +14860,7 @@
               <a:buChar char="•"/>
             </a:pPr>
             <a:r>
-              <a:rPr lang="es-ES" sz="1600" dirty="0"/>
+              <a:rPr lang="es-ES" sz="1600"/>
               <a:t>Elementos basados en estándares abiertos</a:t>
             </a:r>
           </a:p>
@@ -14265,6 +14893,1266 @@
             <a:off x="6181344" y="323183"/>
             <a:ext cx="5172456" cy="1272647"/>
           </a:xfrm>
+        </p:spPr>
+      </p:pic>
+      <p:pic>
+        <p:nvPicPr>
+          <p:cNvPr id="3" name="Graphic 10" descr="Checkmark">
+            <a:extLst>
+              <a:ext uri="{FF2B5EF4-FFF2-40B4-BE49-F238E27FC236}">
+                <a16:creationId xmlns:a16="http://schemas.microsoft.com/office/drawing/2014/main" id="{2A51D636-1E61-455F-B011-8790DB3F863C}"/>
+              </a:ext>
+            </a:extLst>
+          </p:cNvPr>
+          <p:cNvPicPr>
+            <a:picLocks noChangeAspect="1"/>
+          </p:cNvPicPr>
+          <p:nvPr/>
+        </p:nvPicPr>
+        <p:blipFill>
+          <a:blip r:embed="rId3">
+            <a:extLst>
+              <a:ext uri="{96DAC541-7B7A-43D3-8B79-37D633B846F1}">
+                <asvg:svgBlip xmlns:asvg="http://schemas.microsoft.com/office/drawing/2016/SVG/main" r:embed="rId4"/>
+              </a:ext>
+            </a:extLst>
+          </a:blip>
+          <a:stretch>
+            <a:fillRect/>
+          </a:stretch>
+        </p:blipFill>
+        <p:spPr>
+          <a:xfrm>
+            <a:off x="663767" y="1773522"/>
+            <a:ext cx="174433" cy="174433"/>
+          </a:xfrm>
+          <a:prstGeom prst="rect">
+            <a:avLst/>
+          </a:prstGeom>
+        </p:spPr>
+      </p:pic>
+      <p:pic>
+        <p:nvPicPr>
+          <p:cNvPr id="4" name="Graphic 10" descr="Checkmark">
+            <a:extLst>
+              <a:ext uri="{FF2B5EF4-FFF2-40B4-BE49-F238E27FC236}">
+                <a16:creationId xmlns:a16="http://schemas.microsoft.com/office/drawing/2014/main" id="{1EF479A5-5C12-4EAC-B82D-FDB5E669DE3A}"/>
+              </a:ext>
+            </a:extLst>
+          </p:cNvPr>
+          <p:cNvPicPr>
+            <a:picLocks noChangeAspect="1"/>
+          </p:cNvPicPr>
+          <p:nvPr/>
+        </p:nvPicPr>
+        <p:blipFill>
+          <a:blip r:embed="rId3">
+            <a:extLst>
+              <a:ext uri="{96DAC541-7B7A-43D3-8B79-37D633B846F1}">
+                <asvg:svgBlip xmlns:asvg="http://schemas.microsoft.com/office/drawing/2016/SVG/main" r:embed="rId4"/>
+              </a:ext>
+            </a:extLst>
+          </a:blip>
+          <a:stretch>
+            <a:fillRect/>
+          </a:stretch>
+        </p:blipFill>
+        <p:spPr>
+          <a:xfrm>
+            <a:off x="663766" y="2013138"/>
+            <a:ext cx="174433" cy="174433"/>
+          </a:xfrm>
+          <a:prstGeom prst="rect">
+            <a:avLst/>
+          </a:prstGeom>
+        </p:spPr>
+      </p:pic>
+      <p:pic>
+        <p:nvPicPr>
+          <p:cNvPr id="5" name="Graphic 4" descr="Checkmark">
+            <a:extLst>
+              <a:ext uri="{FF2B5EF4-FFF2-40B4-BE49-F238E27FC236}">
+                <a16:creationId xmlns:a16="http://schemas.microsoft.com/office/drawing/2014/main" id="{2298B27A-ECE6-4497-A544-EC141B4A2519}"/>
+              </a:ext>
+            </a:extLst>
+          </p:cNvPr>
+          <p:cNvPicPr>
+            <a:picLocks noChangeAspect="1"/>
+          </p:cNvPicPr>
+          <p:nvPr/>
+        </p:nvPicPr>
+        <p:blipFill>
+          <a:blip r:embed="rId3">
+            <a:extLst>
+              <a:ext uri="{96DAC541-7B7A-43D3-8B79-37D633B846F1}">
+                <asvg:svgBlip xmlns:asvg="http://schemas.microsoft.com/office/drawing/2016/SVG/main" r:embed="rId4"/>
+              </a:ext>
+            </a:extLst>
+          </a:blip>
+          <a:stretch>
+            <a:fillRect/>
+          </a:stretch>
+        </p:blipFill>
+        <p:spPr>
+          <a:xfrm>
+            <a:off x="663767" y="2268822"/>
+            <a:ext cx="174433" cy="174433"/>
+          </a:xfrm>
+          <a:prstGeom prst="rect">
+            <a:avLst/>
+          </a:prstGeom>
+        </p:spPr>
+      </p:pic>
+      <p:pic>
+        <p:nvPicPr>
+          <p:cNvPr id="13" name="Graphic 10" descr="Checkmark">
+            <a:extLst>
+              <a:ext uri="{FF2B5EF4-FFF2-40B4-BE49-F238E27FC236}">
+                <a16:creationId xmlns:a16="http://schemas.microsoft.com/office/drawing/2014/main" id="{FDA3D8A0-A93A-49CD-9752-D5E7E0153B77}"/>
+              </a:ext>
+            </a:extLst>
+          </p:cNvPr>
+          <p:cNvPicPr>
+            <a:picLocks noChangeAspect="1"/>
+          </p:cNvPicPr>
+          <p:nvPr/>
+        </p:nvPicPr>
+        <p:blipFill>
+          <a:blip r:embed="rId3">
+            <a:extLst>
+              <a:ext uri="{96DAC541-7B7A-43D3-8B79-37D633B846F1}">
+                <asvg:svgBlip xmlns:asvg="http://schemas.microsoft.com/office/drawing/2016/SVG/main" r:embed="rId4"/>
+              </a:ext>
+            </a:extLst>
+          </a:blip>
+          <a:stretch>
+            <a:fillRect/>
+          </a:stretch>
+        </p:blipFill>
+        <p:spPr>
+          <a:xfrm>
+            <a:off x="663767" y="2508438"/>
+            <a:ext cx="174433" cy="174433"/>
+          </a:xfrm>
+          <a:prstGeom prst="rect">
+            <a:avLst/>
+          </a:prstGeom>
+        </p:spPr>
+      </p:pic>
+      <p:pic>
+        <p:nvPicPr>
+          <p:cNvPr id="15" name="Graphic 10" descr="Checkmark">
+            <a:extLst>
+              <a:ext uri="{FF2B5EF4-FFF2-40B4-BE49-F238E27FC236}">
+                <a16:creationId xmlns:a16="http://schemas.microsoft.com/office/drawing/2014/main" id="{69958C2C-C8F5-4A93-8C0C-A30E059D6F92}"/>
+              </a:ext>
+            </a:extLst>
+          </p:cNvPr>
+          <p:cNvPicPr>
+            <a:picLocks noChangeAspect="1"/>
+          </p:cNvPicPr>
+          <p:nvPr/>
+        </p:nvPicPr>
+        <p:blipFill>
+          <a:blip r:embed="rId3">
+            <a:extLst>
+              <a:ext uri="{96DAC541-7B7A-43D3-8B79-37D633B846F1}">
+                <asvg:svgBlip xmlns:asvg="http://schemas.microsoft.com/office/drawing/2016/SVG/main" r:embed="rId4"/>
+              </a:ext>
+            </a:extLst>
+          </a:blip>
+          <a:stretch>
+            <a:fillRect/>
+          </a:stretch>
+        </p:blipFill>
+        <p:spPr>
+          <a:xfrm>
+            <a:off x="663767" y="2748054"/>
+            <a:ext cx="174433" cy="174433"/>
+          </a:xfrm>
+          <a:prstGeom prst="rect">
+            <a:avLst/>
+          </a:prstGeom>
+        </p:spPr>
+      </p:pic>
+      <p:pic>
+        <p:nvPicPr>
+          <p:cNvPr id="17" name="Graphic 16" descr="Close">
+            <a:extLst>
+              <a:ext uri="{FF2B5EF4-FFF2-40B4-BE49-F238E27FC236}">
+                <a16:creationId xmlns:a16="http://schemas.microsoft.com/office/drawing/2014/main" id="{4FE1FBA6-F86E-4E96-8F69-9C5AD013A8D1}"/>
+              </a:ext>
+            </a:extLst>
+          </p:cNvPr>
+          <p:cNvPicPr>
+            <a:picLocks noChangeAspect="1"/>
+          </p:cNvPicPr>
+          <p:nvPr/>
+        </p:nvPicPr>
+        <p:blipFill>
+          <a:blip r:embed="rId5">
+            <a:extLst>
+              <a:ext uri="{96DAC541-7B7A-43D3-8B79-37D633B846F1}">
+                <asvg:svgBlip xmlns:asvg="http://schemas.microsoft.com/office/drawing/2016/SVG/main" r:embed="rId6"/>
+              </a:ext>
+            </a:extLst>
+          </a:blip>
+          <a:stretch>
+            <a:fillRect/>
+          </a:stretch>
+        </p:blipFill>
+        <p:spPr>
+          <a:xfrm>
+            <a:off x="664352" y="2987670"/>
+            <a:ext cx="174433" cy="174433"/>
+          </a:xfrm>
+          <a:prstGeom prst="rect">
+            <a:avLst/>
+          </a:prstGeom>
+        </p:spPr>
+      </p:pic>
+      <p:pic>
+        <p:nvPicPr>
+          <p:cNvPr id="19" name="Graphic 16" descr="Close">
+            <a:extLst>
+              <a:ext uri="{FF2B5EF4-FFF2-40B4-BE49-F238E27FC236}">
+                <a16:creationId xmlns:a16="http://schemas.microsoft.com/office/drawing/2014/main" id="{02AB3960-7575-4AD3-8CCD-6F5E24241487}"/>
+              </a:ext>
+            </a:extLst>
+          </p:cNvPr>
+          <p:cNvPicPr>
+            <a:picLocks noChangeAspect="1"/>
+          </p:cNvPicPr>
+          <p:nvPr/>
+        </p:nvPicPr>
+        <p:blipFill>
+          <a:blip r:embed="rId5">
+            <a:extLst>
+              <a:ext uri="{96DAC541-7B7A-43D3-8B79-37D633B846F1}">
+                <asvg:svgBlip xmlns:asvg="http://schemas.microsoft.com/office/drawing/2016/SVG/main" r:embed="rId6"/>
+              </a:ext>
+            </a:extLst>
+          </a:blip>
+          <a:stretch>
+            <a:fillRect/>
+          </a:stretch>
+        </p:blipFill>
+        <p:spPr>
+          <a:xfrm>
+            <a:off x="664352" y="3227286"/>
+            <a:ext cx="174433" cy="174433"/>
+          </a:xfrm>
+          <a:prstGeom prst="rect">
+            <a:avLst/>
+          </a:prstGeom>
+        </p:spPr>
+      </p:pic>
+      <p:pic>
+        <p:nvPicPr>
+          <p:cNvPr id="21" name="Graphic 10" descr="Checkmark">
+            <a:extLst>
+              <a:ext uri="{FF2B5EF4-FFF2-40B4-BE49-F238E27FC236}">
+                <a16:creationId xmlns:a16="http://schemas.microsoft.com/office/drawing/2014/main" id="{9F208E6F-0B9E-4FF4-8796-FA011BFFDA6D}"/>
+              </a:ext>
+            </a:extLst>
+          </p:cNvPr>
+          <p:cNvPicPr>
+            <a:picLocks noChangeAspect="1"/>
+          </p:cNvPicPr>
+          <p:nvPr/>
+        </p:nvPicPr>
+        <p:blipFill>
+          <a:blip r:embed="rId3">
+            <a:extLst>
+              <a:ext uri="{96DAC541-7B7A-43D3-8B79-37D633B846F1}">
+                <asvg:svgBlip xmlns:asvg="http://schemas.microsoft.com/office/drawing/2016/SVG/main" r:embed="rId4"/>
+              </a:ext>
+            </a:extLst>
+          </a:blip>
+          <a:stretch>
+            <a:fillRect/>
+          </a:stretch>
+        </p:blipFill>
+        <p:spPr>
+          <a:xfrm>
+            <a:off x="663767" y="3473247"/>
+            <a:ext cx="174433" cy="174433"/>
+          </a:xfrm>
+          <a:prstGeom prst="rect">
+            <a:avLst/>
+          </a:prstGeom>
+        </p:spPr>
+      </p:pic>
+      <p:pic>
+        <p:nvPicPr>
+          <p:cNvPr id="23" name="Graphic 10" descr="Checkmark">
+            <a:extLst>
+              <a:ext uri="{FF2B5EF4-FFF2-40B4-BE49-F238E27FC236}">
+                <a16:creationId xmlns:a16="http://schemas.microsoft.com/office/drawing/2014/main" id="{E9838BAF-C730-45F5-9E1F-C1F7370DDD4F}"/>
+              </a:ext>
+            </a:extLst>
+          </p:cNvPr>
+          <p:cNvPicPr>
+            <a:picLocks noChangeAspect="1"/>
+          </p:cNvPicPr>
+          <p:nvPr/>
+        </p:nvPicPr>
+        <p:blipFill>
+          <a:blip r:embed="rId3">
+            <a:extLst>
+              <a:ext uri="{96DAC541-7B7A-43D3-8B79-37D633B846F1}">
+                <asvg:svgBlip xmlns:asvg="http://schemas.microsoft.com/office/drawing/2016/SVG/main" r:embed="rId4"/>
+              </a:ext>
+            </a:extLst>
+          </a:blip>
+          <a:stretch>
+            <a:fillRect/>
+          </a:stretch>
+        </p:blipFill>
+        <p:spPr>
+          <a:xfrm>
+            <a:off x="664352" y="3962202"/>
+            <a:ext cx="174433" cy="174433"/>
+          </a:xfrm>
+          <a:prstGeom prst="rect">
+            <a:avLst/>
+          </a:prstGeom>
+        </p:spPr>
+      </p:pic>
+      <p:pic>
+        <p:nvPicPr>
+          <p:cNvPr id="25" name="Graphic 10" descr="Checkmark">
+            <a:extLst>
+              <a:ext uri="{FF2B5EF4-FFF2-40B4-BE49-F238E27FC236}">
+                <a16:creationId xmlns:a16="http://schemas.microsoft.com/office/drawing/2014/main" id="{C70836DB-2A46-4C20-BD3E-08258F5B39FE}"/>
+              </a:ext>
+            </a:extLst>
+          </p:cNvPr>
+          <p:cNvPicPr>
+            <a:picLocks noChangeAspect="1"/>
+          </p:cNvPicPr>
+          <p:nvPr/>
+        </p:nvPicPr>
+        <p:blipFill>
+          <a:blip r:embed="rId3">
+            <a:extLst>
+              <a:ext uri="{96DAC541-7B7A-43D3-8B79-37D633B846F1}">
+                <asvg:svgBlip xmlns:asvg="http://schemas.microsoft.com/office/drawing/2016/SVG/main" r:embed="rId4"/>
+              </a:ext>
+            </a:extLst>
+          </a:blip>
+          <a:stretch>
+            <a:fillRect/>
+          </a:stretch>
+        </p:blipFill>
+        <p:spPr>
+          <a:xfrm>
+            <a:off x="664352" y="3716241"/>
+            <a:ext cx="174433" cy="174433"/>
+          </a:xfrm>
+          <a:prstGeom prst="rect">
+            <a:avLst/>
+          </a:prstGeom>
+        </p:spPr>
+      </p:pic>
+      <p:pic>
+        <p:nvPicPr>
+          <p:cNvPr id="27" name="Graphic 10" descr="Checkmark">
+            <a:extLst>
+              <a:ext uri="{FF2B5EF4-FFF2-40B4-BE49-F238E27FC236}">
+                <a16:creationId xmlns:a16="http://schemas.microsoft.com/office/drawing/2014/main" id="{4C5B2BF4-884F-47F3-A28D-CE760FB5DDF0}"/>
+              </a:ext>
+            </a:extLst>
+          </p:cNvPr>
+          <p:cNvPicPr>
+            <a:picLocks noChangeAspect="1"/>
+          </p:cNvPicPr>
+          <p:nvPr/>
+        </p:nvPicPr>
+        <p:blipFill>
+          <a:blip r:embed="rId3">
+            <a:extLst>
+              <a:ext uri="{96DAC541-7B7A-43D3-8B79-37D633B846F1}">
+                <asvg:svgBlip xmlns:asvg="http://schemas.microsoft.com/office/drawing/2016/SVG/main" r:embed="rId4"/>
+              </a:ext>
+            </a:extLst>
+          </a:blip>
+          <a:stretch>
+            <a:fillRect/>
+          </a:stretch>
+        </p:blipFill>
+        <p:spPr>
+          <a:xfrm>
+            <a:off x="663765" y="4198851"/>
+            <a:ext cx="174433" cy="174433"/>
+          </a:xfrm>
+          <a:prstGeom prst="rect">
+            <a:avLst/>
+          </a:prstGeom>
+        </p:spPr>
+      </p:pic>
+      <p:pic>
+        <p:nvPicPr>
+          <p:cNvPr id="29" name="Graphic 10" descr="Checkmark">
+            <a:extLst>
+              <a:ext uri="{FF2B5EF4-FFF2-40B4-BE49-F238E27FC236}">
+                <a16:creationId xmlns:a16="http://schemas.microsoft.com/office/drawing/2014/main" id="{1B4CB56D-8DEE-40AE-926E-CC4876000152}"/>
+              </a:ext>
+            </a:extLst>
+          </p:cNvPr>
+          <p:cNvPicPr>
+            <a:picLocks noChangeAspect="1"/>
+          </p:cNvPicPr>
+          <p:nvPr/>
+        </p:nvPicPr>
+        <p:blipFill>
+          <a:blip r:embed="rId3">
+            <a:extLst>
+              <a:ext uri="{96DAC541-7B7A-43D3-8B79-37D633B846F1}">
+                <asvg:svgBlip xmlns:asvg="http://schemas.microsoft.com/office/drawing/2016/SVG/main" r:embed="rId4"/>
+              </a:ext>
+            </a:extLst>
+          </a:blip>
+          <a:stretch>
+            <a:fillRect/>
+          </a:stretch>
+        </p:blipFill>
+        <p:spPr>
+          <a:xfrm>
+            <a:off x="663764" y="4446424"/>
+            <a:ext cx="174433" cy="174433"/>
+          </a:xfrm>
+          <a:prstGeom prst="rect">
+            <a:avLst/>
+          </a:prstGeom>
+        </p:spPr>
+      </p:pic>
+      <p:pic>
+        <p:nvPicPr>
+          <p:cNvPr id="31" name="Graphic 10" descr="Checkmark">
+            <a:extLst>
+              <a:ext uri="{FF2B5EF4-FFF2-40B4-BE49-F238E27FC236}">
+                <a16:creationId xmlns:a16="http://schemas.microsoft.com/office/drawing/2014/main" id="{200A801C-07FF-48F8-BC78-1E129B5876CE}"/>
+              </a:ext>
+            </a:extLst>
+          </p:cNvPr>
+          <p:cNvPicPr>
+            <a:picLocks noChangeAspect="1"/>
+          </p:cNvPicPr>
+          <p:nvPr/>
+        </p:nvPicPr>
+        <p:blipFill>
+          <a:blip r:embed="rId3">
+            <a:extLst>
+              <a:ext uri="{96DAC541-7B7A-43D3-8B79-37D633B846F1}">
+                <asvg:svgBlip xmlns:asvg="http://schemas.microsoft.com/office/drawing/2016/SVG/main" r:embed="rId4"/>
+              </a:ext>
+            </a:extLst>
+          </a:blip>
+          <a:stretch>
+            <a:fillRect/>
+          </a:stretch>
+        </p:blipFill>
+        <p:spPr>
+          <a:xfrm>
+            <a:off x="664352" y="4681263"/>
+            <a:ext cx="174433" cy="174433"/>
+          </a:xfrm>
+          <a:prstGeom prst="rect">
+            <a:avLst/>
+          </a:prstGeom>
+        </p:spPr>
+      </p:pic>
+      <p:pic>
+        <p:nvPicPr>
+          <p:cNvPr id="33" name="Graphic 10" descr="Checkmark">
+            <a:extLst>
+              <a:ext uri="{FF2B5EF4-FFF2-40B4-BE49-F238E27FC236}">
+                <a16:creationId xmlns:a16="http://schemas.microsoft.com/office/drawing/2014/main" id="{7F72139C-3F68-4DA5-9D00-E689EC770A1C}"/>
+              </a:ext>
+            </a:extLst>
+          </p:cNvPr>
+          <p:cNvPicPr>
+            <a:picLocks noChangeAspect="1"/>
+          </p:cNvPicPr>
+          <p:nvPr/>
+        </p:nvPicPr>
+        <p:blipFill>
+          <a:blip r:embed="rId3">
+            <a:extLst>
+              <a:ext uri="{96DAC541-7B7A-43D3-8B79-37D633B846F1}">
+                <asvg:svgBlip xmlns:asvg="http://schemas.microsoft.com/office/drawing/2016/SVG/main" r:embed="rId4"/>
+              </a:ext>
+            </a:extLst>
+          </a:blip>
+          <a:stretch>
+            <a:fillRect/>
+          </a:stretch>
+        </p:blipFill>
+        <p:spPr>
+          <a:xfrm>
+            <a:off x="664352" y="4932001"/>
+            <a:ext cx="174433" cy="174433"/>
+          </a:xfrm>
+          <a:prstGeom prst="rect">
+            <a:avLst/>
+          </a:prstGeom>
+        </p:spPr>
+      </p:pic>
+      <p:pic>
+        <p:nvPicPr>
+          <p:cNvPr id="35" name="Graphic 42" descr="Pause">
+            <a:extLst>
+              <a:ext uri="{FF2B5EF4-FFF2-40B4-BE49-F238E27FC236}">
+                <a16:creationId xmlns:a16="http://schemas.microsoft.com/office/drawing/2014/main" id="{F0FC8119-2AFB-463B-8004-21FC0DC3860A}"/>
+              </a:ext>
+            </a:extLst>
+          </p:cNvPr>
+          <p:cNvPicPr>
+            <a:picLocks noChangeAspect="1"/>
+          </p:cNvPicPr>
+          <p:nvPr/>
+        </p:nvPicPr>
+        <p:blipFill>
+          <a:blip r:embed="rId7">
+            <a:extLst>
+              <a:ext uri="{96DAC541-7B7A-43D3-8B79-37D633B846F1}">
+                <asvg:svgBlip xmlns:asvg="http://schemas.microsoft.com/office/drawing/2016/SVG/main" r:embed="rId8"/>
+              </a:ext>
+            </a:extLst>
+          </a:blip>
+          <a:stretch>
+            <a:fillRect/>
+          </a:stretch>
+        </p:blipFill>
+        <p:spPr>
+          <a:xfrm>
+            <a:off x="5624256" y="5185795"/>
+            <a:ext cx="174433" cy="174433"/>
+          </a:xfrm>
+          <a:prstGeom prst="rect">
+            <a:avLst/>
+          </a:prstGeom>
+        </p:spPr>
+      </p:pic>
+      <p:pic>
+        <p:nvPicPr>
+          <p:cNvPr id="39" name="Graphic 16" descr="Close">
+            <a:extLst>
+              <a:ext uri="{FF2B5EF4-FFF2-40B4-BE49-F238E27FC236}">
+                <a16:creationId xmlns:a16="http://schemas.microsoft.com/office/drawing/2014/main" id="{023FBDE6-0B7A-4C3F-AF99-9D052C05687F}"/>
+              </a:ext>
+            </a:extLst>
+          </p:cNvPr>
+          <p:cNvPicPr>
+            <a:picLocks noChangeAspect="1"/>
+          </p:cNvPicPr>
+          <p:nvPr/>
+        </p:nvPicPr>
+        <p:blipFill>
+          <a:blip r:embed="rId5">
+            <a:extLst>
+              <a:ext uri="{96DAC541-7B7A-43D3-8B79-37D633B846F1}">
+                <asvg:svgBlip xmlns:asvg="http://schemas.microsoft.com/office/drawing/2016/SVG/main" r:embed="rId6"/>
+              </a:ext>
+            </a:extLst>
+          </a:blip>
+          <a:stretch>
+            <a:fillRect/>
+          </a:stretch>
+        </p:blipFill>
+        <p:spPr>
+          <a:xfrm>
+            <a:off x="664352" y="5661094"/>
+            <a:ext cx="174433" cy="174433"/>
+          </a:xfrm>
+          <a:prstGeom prst="rect">
+            <a:avLst/>
+          </a:prstGeom>
+        </p:spPr>
+      </p:pic>
+      <p:pic>
+        <p:nvPicPr>
+          <p:cNvPr id="41" name="Graphic 16" descr="Close">
+            <a:extLst>
+              <a:ext uri="{FF2B5EF4-FFF2-40B4-BE49-F238E27FC236}">
+                <a16:creationId xmlns:a16="http://schemas.microsoft.com/office/drawing/2014/main" id="{B9080AB9-AC0F-4139-BFF4-EEE81DD4DA63}"/>
+              </a:ext>
+            </a:extLst>
+          </p:cNvPr>
+          <p:cNvPicPr>
+            <a:picLocks noChangeAspect="1"/>
+          </p:cNvPicPr>
+          <p:nvPr/>
+        </p:nvPicPr>
+        <p:blipFill>
+          <a:blip r:embed="rId5">
+            <a:extLst>
+              <a:ext uri="{96DAC541-7B7A-43D3-8B79-37D633B846F1}">
+                <asvg:svgBlip xmlns:asvg="http://schemas.microsoft.com/office/drawing/2016/SVG/main" r:embed="rId6"/>
+              </a:ext>
+            </a:extLst>
+          </a:blip>
+          <a:stretch>
+            <a:fillRect/>
+          </a:stretch>
+        </p:blipFill>
+        <p:spPr>
+          <a:xfrm>
+            <a:off x="664352" y="5903977"/>
+            <a:ext cx="174433" cy="174433"/>
+          </a:xfrm>
+          <a:prstGeom prst="rect">
+            <a:avLst/>
+          </a:prstGeom>
+        </p:spPr>
+      </p:pic>
+      <p:pic>
+        <p:nvPicPr>
+          <p:cNvPr id="43" name="Graphic 10" descr="Checkmark">
+            <a:extLst>
+              <a:ext uri="{FF2B5EF4-FFF2-40B4-BE49-F238E27FC236}">
+                <a16:creationId xmlns:a16="http://schemas.microsoft.com/office/drawing/2014/main" id="{92272A99-07E4-4636-8E5F-C0F06193384E}"/>
+              </a:ext>
+            </a:extLst>
+          </p:cNvPr>
+          <p:cNvPicPr>
+            <a:picLocks noChangeAspect="1"/>
+          </p:cNvPicPr>
+          <p:nvPr/>
+        </p:nvPicPr>
+        <p:blipFill>
+          <a:blip r:embed="rId3">
+            <a:extLst>
+              <a:ext uri="{96DAC541-7B7A-43D3-8B79-37D633B846F1}">
+                <asvg:svgBlip xmlns:asvg="http://schemas.microsoft.com/office/drawing/2016/SVG/main" r:embed="rId4"/>
+              </a:ext>
+            </a:extLst>
+          </a:blip>
+          <a:stretch>
+            <a:fillRect/>
+          </a:stretch>
+        </p:blipFill>
+        <p:spPr>
+          <a:xfrm>
+            <a:off x="663763" y="6155429"/>
+            <a:ext cx="174433" cy="174433"/>
+          </a:xfrm>
+          <a:prstGeom prst="rect">
+            <a:avLst/>
+          </a:prstGeom>
+        </p:spPr>
+      </p:pic>
+      <p:pic>
+        <p:nvPicPr>
+          <p:cNvPr id="45" name="Graphic 10" descr="Checkmark">
+            <a:extLst>
+              <a:ext uri="{FF2B5EF4-FFF2-40B4-BE49-F238E27FC236}">
+                <a16:creationId xmlns:a16="http://schemas.microsoft.com/office/drawing/2014/main" id="{1793D4FE-2059-4E16-AE27-3C2018F55117}"/>
+              </a:ext>
+            </a:extLst>
+          </p:cNvPr>
+          <p:cNvPicPr>
+            <a:picLocks noChangeAspect="1"/>
+          </p:cNvPicPr>
+          <p:nvPr/>
+        </p:nvPicPr>
+        <p:blipFill>
+          <a:blip r:embed="rId3">
+            <a:extLst>
+              <a:ext uri="{96DAC541-7B7A-43D3-8B79-37D633B846F1}">
+                <asvg:svgBlip xmlns:asvg="http://schemas.microsoft.com/office/drawing/2016/SVG/main" r:embed="rId4"/>
+              </a:ext>
+            </a:extLst>
+          </a:blip>
+          <a:stretch>
+            <a:fillRect/>
+          </a:stretch>
+        </p:blipFill>
+        <p:spPr>
+          <a:xfrm>
+            <a:off x="5624260" y="1773521"/>
+            <a:ext cx="174433" cy="174433"/>
+          </a:xfrm>
+          <a:prstGeom prst="rect">
+            <a:avLst/>
+          </a:prstGeom>
+        </p:spPr>
+      </p:pic>
+      <p:pic>
+        <p:nvPicPr>
+          <p:cNvPr id="47" name="Graphic 10" descr="Checkmark">
+            <a:extLst>
+              <a:ext uri="{FF2B5EF4-FFF2-40B4-BE49-F238E27FC236}">
+                <a16:creationId xmlns:a16="http://schemas.microsoft.com/office/drawing/2014/main" id="{359E5A0D-7128-4ABA-A338-7F824C5EF60A}"/>
+              </a:ext>
+            </a:extLst>
+          </p:cNvPr>
+          <p:cNvPicPr>
+            <a:picLocks noChangeAspect="1"/>
+          </p:cNvPicPr>
+          <p:nvPr/>
+        </p:nvPicPr>
+        <p:blipFill>
+          <a:blip r:embed="rId3">
+            <a:extLst>
+              <a:ext uri="{96DAC541-7B7A-43D3-8B79-37D633B846F1}">
+                <asvg:svgBlip xmlns:asvg="http://schemas.microsoft.com/office/drawing/2016/SVG/main" r:embed="rId4"/>
+              </a:ext>
+            </a:extLst>
+          </a:blip>
+          <a:stretch>
+            <a:fillRect/>
+          </a:stretch>
+        </p:blipFill>
+        <p:spPr>
+          <a:xfrm>
+            <a:off x="5624260" y="2012346"/>
+            <a:ext cx="174433" cy="174433"/>
+          </a:xfrm>
+          <a:prstGeom prst="rect">
+            <a:avLst/>
+          </a:prstGeom>
+        </p:spPr>
+      </p:pic>
+      <p:pic>
+        <p:nvPicPr>
+          <p:cNvPr id="49" name="Graphic 10" descr="Checkmark">
+            <a:extLst>
+              <a:ext uri="{FF2B5EF4-FFF2-40B4-BE49-F238E27FC236}">
+                <a16:creationId xmlns:a16="http://schemas.microsoft.com/office/drawing/2014/main" id="{8DA75BE5-3109-4C8F-8E19-796FBEB7B242}"/>
+              </a:ext>
+            </a:extLst>
+          </p:cNvPr>
+          <p:cNvPicPr>
+            <a:picLocks noChangeAspect="1"/>
+          </p:cNvPicPr>
+          <p:nvPr/>
+        </p:nvPicPr>
+        <p:blipFill>
+          <a:blip r:embed="rId3">
+            <a:extLst>
+              <a:ext uri="{96DAC541-7B7A-43D3-8B79-37D633B846F1}">
+                <asvg:svgBlip xmlns:asvg="http://schemas.microsoft.com/office/drawing/2016/SVG/main" r:embed="rId4"/>
+              </a:ext>
+            </a:extLst>
+          </a:blip>
+          <a:stretch>
+            <a:fillRect/>
+          </a:stretch>
+        </p:blipFill>
+        <p:spPr>
+          <a:xfrm>
+            <a:off x="5624260" y="2268729"/>
+            <a:ext cx="174433" cy="174433"/>
+          </a:xfrm>
+          <a:prstGeom prst="rect">
+            <a:avLst/>
+          </a:prstGeom>
+        </p:spPr>
+      </p:pic>
+      <p:pic>
+        <p:nvPicPr>
+          <p:cNvPr id="51" name="Graphic 10" descr="Checkmark">
+            <a:extLst>
+              <a:ext uri="{FF2B5EF4-FFF2-40B4-BE49-F238E27FC236}">
+                <a16:creationId xmlns:a16="http://schemas.microsoft.com/office/drawing/2014/main" id="{F5885F3A-35AF-4CA1-9E25-33FD0098BC36}"/>
+              </a:ext>
+            </a:extLst>
+          </p:cNvPr>
+          <p:cNvPicPr>
+            <a:picLocks noChangeAspect="1"/>
+          </p:cNvPicPr>
+          <p:nvPr/>
+        </p:nvPicPr>
+        <p:blipFill>
+          <a:blip r:embed="rId3">
+            <a:extLst>
+              <a:ext uri="{96DAC541-7B7A-43D3-8B79-37D633B846F1}">
+                <asvg:svgBlip xmlns:asvg="http://schemas.microsoft.com/office/drawing/2016/SVG/main" r:embed="rId4"/>
+              </a:ext>
+            </a:extLst>
+          </a:blip>
+          <a:stretch>
+            <a:fillRect/>
+          </a:stretch>
+        </p:blipFill>
+        <p:spPr>
+          <a:xfrm>
+            <a:off x="5624259" y="2525112"/>
+            <a:ext cx="174433" cy="174433"/>
+          </a:xfrm>
+          <a:prstGeom prst="rect">
+            <a:avLst/>
+          </a:prstGeom>
+        </p:spPr>
+      </p:pic>
+      <p:pic>
+        <p:nvPicPr>
+          <p:cNvPr id="53" name="Graphic 10" descr="Checkmark">
+            <a:extLst>
+              <a:ext uri="{FF2B5EF4-FFF2-40B4-BE49-F238E27FC236}">
+                <a16:creationId xmlns:a16="http://schemas.microsoft.com/office/drawing/2014/main" id="{728DA277-816A-4A32-BA16-E5980A9870FD}"/>
+              </a:ext>
+            </a:extLst>
+          </p:cNvPr>
+          <p:cNvPicPr>
+            <a:picLocks noChangeAspect="1"/>
+          </p:cNvPicPr>
+          <p:nvPr/>
+        </p:nvPicPr>
+        <p:blipFill>
+          <a:blip r:embed="rId3">
+            <a:extLst>
+              <a:ext uri="{96DAC541-7B7A-43D3-8B79-37D633B846F1}">
+                <asvg:svgBlip xmlns:asvg="http://schemas.microsoft.com/office/drawing/2016/SVG/main" r:embed="rId4"/>
+              </a:ext>
+            </a:extLst>
+          </a:blip>
+          <a:stretch>
+            <a:fillRect/>
+          </a:stretch>
+        </p:blipFill>
+        <p:spPr>
+          <a:xfrm>
+            <a:off x="5624258" y="2786452"/>
+            <a:ext cx="174433" cy="174433"/>
+          </a:xfrm>
+          <a:prstGeom prst="rect">
+            <a:avLst/>
+          </a:prstGeom>
+        </p:spPr>
+      </p:pic>
+      <p:pic>
+        <p:nvPicPr>
+          <p:cNvPr id="55" name="Graphic 10" descr="Checkmark">
+            <a:extLst>
+              <a:ext uri="{FF2B5EF4-FFF2-40B4-BE49-F238E27FC236}">
+                <a16:creationId xmlns:a16="http://schemas.microsoft.com/office/drawing/2014/main" id="{D7E53530-E089-419A-BF85-4FEB627A1302}"/>
+              </a:ext>
+            </a:extLst>
+          </p:cNvPr>
+          <p:cNvPicPr>
+            <a:picLocks noChangeAspect="1"/>
+          </p:cNvPicPr>
+          <p:nvPr/>
+        </p:nvPicPr>
+        <p:blipFill>
+          <a:blip r:embed="rId3">
+            <a:extLst>
+              <a:ext uri="{96DAC541-7B7A-43D3-8B79-37D633B846F1}">
+                <asvg:svgBlip xmlns:asvg="http://schemas.microsoft.com/office/drawing/2016/SVG/main" r:embed="rId4"/>
+              </a:ext>
+            </a:extLst>
+          </a:blip>
+          <a:stretch>
+            <a:fillRect/>
+          </a:stretch>
+        </p:blipFill>
+        <p:spPr>
+          <a:xfrm>
+            <a:off x="5624260" y="3037878"/>
+            <a:ext cx="174433" cy="174433"/>
+          </a:xfrm>
+          <a:prstGeom prst="rect">
+            <a:avLst/>
+          </a:prstGeom>
+        </p:spPr>
+      </p:pic>
+      <p:pic>
+        <p:nvPicPr>
+          <p:cNvPr id="57" name="Graphic 10" descr="Checkmark">
+            <a:extLst>
+              <a:ext uri="{FF2B5EF4-FFF2-40B4-BE49-F238E27FC236}">
+                <a16:creationId xmlns:a16="http://schemas.microsoft.com/office/drawing/2014/main" id="{CD6A0EB9-D69C-4C0D-802C-1F81A38A6949}"/>
+              </a:ext>
+            </a:extLst>
+          </p:cNvPr>
+          <p:cNvPicPr>
+            <a:picLocks noChangeAspect="1"/>
+          </p:cNvPicPr>
+          <p:nvPr/>
+        </p:nvPicPr>
+        <p:blipFill>
+          <a:blip r:embed="rId3">
+            <a:extLst>
+              <a:ext uri="{96DAC541-7B7A-43D3-8B79-37D633B846F1}">
+                <asvg:svgBlip xmlns:asvg="http://schemas.microsoft.com/office/drawing/2016/SVG/main" r:embed="rId4"/>
+              </a:ext>
+            </a:extLst>
+          </a:blip>
+          <a:stretch>
+            <a:fillRect/>
+          </a:stretch>
+        </p:blipFill>
+        <p:spPr>
+          <a:xfrm>
+            <a:off x="5624260" y="3254567"/>
+            <a:ext cx="174433" cy="174433"/>
+          </a:xfrm>
+          <a:prstGeom prst="rect">
+            <a:avLst/>
+          </a:prstGeom>
+        </p:spPr>
+      </p:pic>
+      <p:pic>
+        <p:nvPicPr>
+          <p:cNvPr id="59" name="Graphic 10" descr="Checkmark">
+            <a:extLst>
+              <a:ext uri="{FF2B5EF4-FFF2-40B4-BE49-F238E27FC236}">
+                <a16:creationId xmlns:a16="http://schemas.microsoft.com/office/drawing/2014/main" id="{57228E9C-6521-4CF8-A798-37785D19B01D}"/>
+              </a:ext>
+            </a:extLst>
+          </p:cNvPr>
+          <p:cNvPicPr>
+            <a:picLocks noChangeAspect="1"/>
+          </p:cNvPicPr>
+          <p:nvPr/>
+        </p:nvPicPr>
+        <p:blipFill>
+          <a:blip r:embed="rId3">
+            <a:extLst>
+              <a:ext uri="{96DAC541-7B7A-43D3-8B79-37D633B846F1}">
+                <asvg:svgBlip xmlns:asvg="http://schemas.microsoft.com/office/drawing/2016/SVG/main" r:embed="rId4"/>
+              </a:ext>
+            </a:extLst>
+          </a:blip>
+          <a:stretch>
+            <a:fillRect/>
+          </a:stretch>
+        </p:blipFill>
+        <p:spPr>
+          <a:xfrm>
+            <a:off x="5624260" y="3499507"/>
+            <a:ext cx="174433" cy="174433"/>
+          </a:xfrm>
+          <a:prstGeom prst="rect">
+            <a:avLst/>
+          </a:prstGeom>
+        </p:spPr>
+      </p:pic>
+      <p:pic>
+        <p:nvPicPr>
+          <p:cNvPr id="61" name="Graphic 10" descr="Checkmark">
+            <a:extLst>
+              <a:ext uri="{FF2B5EF4-FFF2-40B4-BE49-F238E27FC236}">
+                <a16:creationId xmlns:a16="http://schemas.microsoft.com/office/drawing/2014/main" id="{49823E91-492C-405A-86C2-31A3314B49EE}"/>
+              </a:ext>
+            </a:extLst>
+          </p:cNvPr>
+          <p:cNvPicPr>
+            <a:picLocks noChangeAspect="1"/>
+          </p:cNvPicPr>
+          <p:nvPr/>
+        </p:nvPicPr>
+        <p:blipFill>
+          <a:blip r:embed="rId3">
+            <a:extLst>
+              <a:ext uri="{96DAC541-7B7A-43D3-8B79-37D633B846F1}">
+                <asvg:svgBlip xmlns:asvg="http://schemas.microsoft.com/office/drawing/2016/SVG/main" r:embed="rId4"/>
+              </a:ext>
+            </a:extLst>
+          </a:blip>
+          <a:stretch>
+            <a:fillRect/>
+          </a:stretch>
+        </p:blipFill>
+        <p:spPr>
+          <a:xfrm>
+            <a:off x="5624260" y="3962202"/>
+            <a:ext cx="174433" cy="174433"/>
+          </a:xfrm>
+          <a:prstGeom prst="rect">
+            <a:avLst/>
+          </a:prstGeom>
+        </p:spPr>
+      </p:pic>
+      <p:pic>
+        <p:nvPicPr>
+          <p:cNvPr id="63" name="Graphic 10" descr="Checkmark">
+            <a:extLst>
+              <a:ext uri="{FF2B5EF4-FFF2-40B4-BE49-F238E27FC236}">
+                <a16:creationId xmlns:a16="http://schemas.microsoft.com/office/drawing/2014/main" id="{9A3B6C03-B340-47A3-9D9F-B41F0DBCB93A}"/>
+              </a:ext>
+            </a:extLst>
+          </p:cNvPr>
+          <p:cNvPicPr>
+            <a:picLocks noChangeAspect="1"/>
+          </p:cNvPicPr>
+          <p:nvPr/>
+        </p:nvPicPr>
+        <p:blipFill>
+          <a:blip r:embed="rId3">
+            <a:extLst>
+              <a:ext uri="{96DAC541-7B7A-43D3-8B79-37D633B846F1}">
+                <asvg:svgBlip xmlns:asvg="http://schemas.microsoft.com/office/drawing/2016/SVG/main" r:embed="rId4"/>
+              </a:ext>
+            </a:extLst>
+          </a:blip>
+          <a:stretch>
+            <a:fillRect/>
+          </a:stretch>
+        </p:blipFill>
+        <p:spPr>
+          <a:xfrm>
+            <a:off x="5624260" y="4206534"/>
+            <a:ext cx="174433" cy="174433"/>
+          </a:xfrm>
+          <a:prstGeom prst="rect">
+            <a:avLst/>
+          </a:prstGeom>
+        </p:spPr>
+      </p:pic>
+      <p:pic>
+        <p:nvPicPr>
+          <p:cNvPr id="65" name="Graphic 16" descr="Close">
+            <a:extLst>
+              <a:ext uri="{FF2B5EF4-FFF2-40B4-BE49-F238E27FC236}">
+                <a16:creationId xmlns:a16="http://schemas.microsoft.com/office/drawing/2014/main" id="{BF1821CD-0833-4CEE-AA8C-2FCB7C09C3B4}"/>
+              </a:ext>
+            </a:extLst>
+          </p:cNvPr>
+          <p:cNvPicPr>
+            <a:picLocks noChangeAspect="1"/>
+          </p:cNvPicPr>
+          <p:nvPr/>
+        </p:nvPicPr>
+        <p:blipFill>
+          <a:blip r:embed="rId5">
+            <a:extLst>
+              <a:ext uri="{96DAC541-7B7A-43D3-8B79-37D633B846F1}">
+                <asvg:svgBlip xmlns:asvg="http://schemas.microsoft.com/office/drawing/2016/SVG/main" r:embed="rId6"/>
+              </a:ext>
+            </a:extLst>
+          </a:blip>
+          <a:stretch>
+            <a:fillRect/>
+          </a:stretch>
+        </p:blipFill>
+        <p:spPr>
+          <a:xfrm>
+            <a:off x="5624257" y="4924455"/>
+            <a:ext cx="174433" cy="174433"/>
+          </a:xfrm>
+          <a:prstGeom prst="rect">
+            <a:avLst/>
+          </a:prstGeom>
+        </p:spPr>
+      </p:pic>
+      <p:pic>
+        <p:nvPicPr>
+          <p:cNvPr id="67" name="Graphic 16" descr="Close">
+            <a:extLst>
+              <a:ext uri="{FF2B5EF4-FFF2-40B4-BE49-F238E27FC236}">
+                <a16:creationId xmlns:a16="http://schemas.microsoft.com/office/drawing/2014/main" id="{0AFBE53D-55C0-440A-BD92-A82B98E21504}"/>
+              </a:ext>
+            </a:extLst>
+          </p:cNvPr>
+          <p:cNvPicPr>
+            <a:picLocks noChangeAspect="1"/>
+          </p:cNvPicPr>
+          <p:nvPr/>
+        </p:nvPicPr>
+        <p:blipFill>
+          <a:blip r:embed="rId5">
+            <a:extLst>
+              <a:ext uri="{96DAC541-7B7A-43D3-8B79-37D633B846F1}">
+                <asvg:svgBlip xmlns:asvg="http://schemas.microsoft.com/office/drawing/2016/SVG/main" r:embed="rId6"/>
+              </a:ext>
+            </a:extLst>
+          </a:blip>
+          <a:stretch>
+            <a:fillRect/>
+          </a:stretch>
+        </p:blipFill>
+        <p:spPr>
+          <a:xfrm>
+            <a:off x="5630446" y="3722683"/>
+            <a:ext cx="174433" cy="174433"/>
+          </a:xfrm>
+          <a:prstGeom prst="rect">
+            <a:avLst/>
+          </a:prstGeom>
+        </p:spPr>
+      </p:pic>
+      <p:pic>
+        <p:nvPicPr>
+          <p:cNvPr id="69" name="Graphic 16" descr="Close">
+            <a:extLst>
+              <a:ext uri="{FF2B5EF4-FFF2-40B4-BE49-F238E27FC236}">
+                <a16:creationId xmlns:a16="http://schemas.microsoft.com/office/drawing/2014/main" id="{7CA0499F-2108-483B-B3B3-DC2F24A3E41A}"/>
+              </a:ext>
+            </a:extLst>
+          </p:cNvPr>
+          <p:cNvPicPr>
+            <a:picLocks noChangeAspect="1"/>
+          </p:cNvPicPr>
+          <p:nvPr/>
+        </p:nvPicPr>
+        <p:blipFill>
+          <a:blip r:embed="rId5">
+            <a:extLst>
+              <a:ext uri="{96DAC541-7B7A-43D3-8B79-37D633B846F1}">
+                <asvg:svgBlip xmlns:asvg="http://schemas.microsoft.com/office/drawing/2016/SVG/main" r:embed="rId6"/>
+              </a:ext>
+            </a:extLst>
+          </a:blip>
+          <a:stretch>
+            <a:fillRect/>
+          </a:stretch>
+        </p:blipFill>
+        <p:spPr>
+          <a:xfrm>
+            <a:off x="5624255" y="4443396"/>
+            <a:ext cx="174433" cy="174433"/>
+          </a:xfrm>
+          <a:prstGeom prst="rect">
+            <a:avLst/>
+          </a:prstGeom>
+        </p:spPr>
+      </p:pic>
+      <p:pic>
+        <p:nvPicPr>
+          <p:cNvPr id="71" name="Graphic 16" descr="Close">
+            <a:extLst>
+              <a:ext uri="{FF2B5EF4-FFF2-40B4-BE49-F238E27FC236}">
+                <a16:creationId xmlns:a16="http://schemas.microsoft.com/office/drawing/2014/main" id="{84330BD1-B36A-4607-998E-6201F77543F6}"/>
+              </a:ext>
+            </a:extLst>
+          </p:cNvPr>
+          <p:cNvPicPr>
+            <a:picLocks noChangeAspect="1"/>
+          </p:cNvPicPr>
+          <p:nvPr/>
+        </p:nvPicPr>
+        <p:blipFill>
+          <a:blip r:embed="rId5">
+            <a:extLst>
+              <a:ext uri="{96DAC541-7B7A-43D3-8B79-37D633B846F1}">
+                <asvg:svgBlip xmlns:asvg="http://schemas.microsoft.com/office/drawing/2016/SVG/main" r:embed="rId6"/>
+              </a:ext>
+            </a:extLst>
+          </a:blip>
+          <a:stretch>
+            <a:fillRect/>
+          </a:stretch>
+        </p:blipFill>
+        <p:spPr>
+          <a:xfrm>
+            <a:off x="5630446" y="4706568"/>
+            <a:ext cx="174433" cy="174433"/>
+          </a:xfrm>
+          <a:prstGeom prst="rect">
+            <a:avLst/>
+          </a:prstGeom>
+        </p:spPr>
+      </p:pic>
+      <p:pic>
+        <p:nvPicPr>
+          <p:cNvPr id="73" name="Graphic 10" descr="Checkmark">
+            <a:extLst>
+              <a:ext uri="{FF2B5EF4-FFF2-40B4-BE49-F238E27FC236}">
+                <a16:creationId xmlns:a16="http://schemas.microsoft.com/office/drawing/2014/main" id="{5529FDA8-04FB-4856-B675-58AC23CB7E23}"/>
+              </a:ext>
+            </a:extLst>
+          </p:cNvPr>
+          <p:cNvPicPr>
+            <a:picLocks noChangeAspect="1"/>
+          </p:cNvPicPr>
+          <p:nvPr/>
+        </p:nvPicPr>
+        <p:blipFill>
+          <a:blip r:embed="rId3">
+            <a:extLst>
+              <a:ext uri="{96DAC541-7B7A-43D3-8B79-37D633B846F1}">
+                <asvg:svgBlip xmlns:asvg="http://schemas.microsoft.com/office/drawing/2016/SVG/main" r:embed="rId4"/>
+              </a:ext>
+            </a:extLst>
+          </a:blip>
+          <a:stretch>
+            <a:fillRect/>
+          </a:stretch>
+        </p:blipFill>
+        <p:spPr>
+          <a:xfrm>
+            <a:off x="5624255" y="5661661"/>
+            <a:ext cx="174433" cy="174433"/>
+          </a:xfrm>
+          <a:prstGeom prst="rect">
+            <a:avLst/>
+          </a:prstGeom>
+        </p:spPr>
+      </p:pic>
+      <p:pic>
+        <p:nvPicPr>
+          <p:cNvPr id="75" name="Graphic 16" descr="Close">
+            <a:extLst>
+              <a:ext uri="{FF2B5EF4-FFF2-40B4-BE49-F238E27FC236}">
+                <a16:creationId xmlns:a16="http://schemas.microsoft.com/office/drawing/2014/main" id="{4B915163-6A91-4FAE-8057-8D8DFD5AC0C4}"/>
+              </a:ext>
+            </a:extLst>
+          </p:cNvPr>
+          <p:cNvPicPr>
+            <a:picLocks noChangeAspect="1"/>
+          </p:cNvPicPr>
+          <p:nvPr/>
+        </p:nvPicPr>
+        <p:blipFill>
+          <a:blip r:embed="rId5">
+            <a:extLst>
+              <a:ext uri="{96DAC541-7B7A-43D3-8B79-37D633B846F1}">
+                <asvg:svgBlip xmlns:asvg="http://schemas.microsoft.com/office/drawing/2016/SVG/main" r:embed="rId6"/>
+              </a:ext>
+            </a:extLst>
+          </a:blip>
+          <a:stretch>
+            <a:fillRect/>
+          </a:stretch>
+        </p:blipFill>
+        <p:spPr>
+          <a:xfrm>
+            <a:off x="5630446" y="5908172"/>
+            <a:ext cx="174433" cy="174433"/>
+          </a:xfrm>
+          <a:prstGeom prst="rect">
+            <a:avLst/>
+          </a:prstGeom>
+        </p:spPr>
+      </p:pic>
+      <p:pic>
+        <p:nvPicPr>
+          <p:cNvPr id="76" name="Graphic 10" descr="Checkmark">
+            <a:extLst>
+              <a:ext uri="{FF2B5EF4-FFF2-40B4-BE49-F238E27FC236}">
+                <a16:creationId xmlns:a16="http://schemas.microsoft.com/office/drawing/2014/main" id="{CD23DD18-C2DC-4A7B-A390-DFA101F906E8}"/>
+              </a:ext>
+            </a:extLst>
+          </p:cNvPr>
+          <p:cNvPicPr>
+            <a:picLocks noChangeAspect="1"/>
+          </p:cNvPicPr>
+          <p:nvPr/>
+        </p:nvPicPr>
+        <p:blipFill>
+          <a:blip r:embed="rId3">
+            <a:extLst>
+              <a:ext uri="{96DAC541-7B7A-43D3-8B79-37D633B846F1}">
+                <asvg:svgBlip xmlns:asvg="http://schemas.microsoft.com/office/drawing/2016/SVG/main" r:embed="rId4"/>
+              </a:ext>
+            </a:extLst>
+          </a:blip>
+          <a:stretch>
+            <a:fillRect/>
+          </a:stretch>
+        </p:blipFill>
+        <p:spPr>
+          <a:xfrm>
+            <a:off x="664351" y="5430929"/>
+            <a:ext cx="174433" cy="174433"/>
+          </a:xfrm>
+          <a:prstGeom prst="rect">
+            <a:avLst/>
+          </a:prstGeom>
         </p:spPr>
       </p:pic>
     </p:spTree>
@@ -14319,7 +16207,7 @@
           <a:lstStyle/>
           <a:p>
             <a:r>
-              <a:rPr lang="es-ES_tradnl" dirty="0"/>
+              <a:rPr lang="es-ES_tradnl"/>
               <a:t>Guardia Civil</a:t>
             </a:r>
           </a:p>
@@ -14358,7 +16246,7 @@
               <a:buChar char="•"/>
             </a:pPr>
             <a:r>
-              <a:rPr lang="es-ES" sz="1600" dirty="0"/>
+              <a:rPr lang="es-ES" sz="1600"/>
               <a:t>Dirección de la sede</a:t>
             </a:r>
           </a:p>
@@ -14368,7 +16256,7 @@
               <a:buChar char="•"/>
             </a:pPr>
             <a:r>
-              <a:rPr lang="es-ES" sz="1600" dirty="0"/>
+              <a:rPr lang="es-ES" sz="1600"/>
               <a:t>Identificación de su titular. </a:t>
             </a:r>
           </a:p>
@@ -14378,7 +16266,7 @@
               <a:buChar char="•"/>
             </a:pPr>
             <a:r>
-              <a:rPr lang="es-ES" sz="1600" dirty="0"/>
+              <a:rPr lang="es-ES" sz="1600"/>
               <a:t>Canales de acceso a los servicios</a:t>
             </a:r>
           </a:p>
@@ -14388,7 +16276,7 @@
               <a:buChar char="•"/>
             </a:pPr>
             <a:r>
-              <a:rPr lang="es-ES" sz="1600" dirty="0"/>
+              <a:rPr lang="es-ES" sz="1600"/>
               <a:t>Quejas y sugerencias</a:t>
             </a:r>
           </a:p>
@@ -14398,7 +16286,7 @@
               <a:buChar char="•"/>
             </a:pPr>
             <a:r>
-              <a:rPr lang="es-ES" sz="1600" dirty="0"/>
+              <a:rPr lang="es-ES" sz="1600"/>
               <a:t>Identificación de la sede</a:t>
             </a:r>
           </a:p>
@@ -14408,7 +16296,7 @@
               <a:buChar char="•"/>
             </a:pPr>
             <a:r>
-              <a:rPr lang="es-ES" sz="1600" dirty="0"/>
+              <a:rPr lang="es-ES" sz="1600"/>
               <a:t>Sedes compartidas</a:t>
             </a:r>
           </a:p>
@@ -14418,7 +16306,7 @@
               <a:buChar char="•"/>
             </a:pPr>
             <a:r>
-              <a:rPr lang="es-ES" sz="1600" dirty="0"/>
+              <a:rPr lang="es-ES" sz="1600"/>
               <a:t>Subsedes</a:t>
             </a:r>
           </a:p>
@@ -14428,7 +16316,7 @@
               <a:buChar char="•"/>
             </a:pPr>
             <a:r>
-              <a:rPr lang="es-ES" sz="1600" dirty="0"/>
+              <a:rPr lang="es-ES" sz="1600"/>
               <a:t>Instrumento de creación.</a:t>
             </a:r>
           </a:p>
@@ -14438,7 +16326,7 @@
               <a:buChar char="•"/>
             </a:pPr>
             <a:r>
-              <a:rPr lang="es-ES" sz="1600" dirty="0"/>
+              <a:rPr lang="es-ES" sz="1600"/>
               <a:t>Mapa de la sede </a:t>
             </a:r>
           </a:p>
@@ -14448,7 +16336,7 @@
               <a:buChar char="•"/>
             </a:pPr>
             <a:r>
-              <a:rPr lang="es-ES" sz="1600" dirty="0"/>
+              <a:rPr lang="es-ES" sz="1600"/>
               <a:t>Estructura de navegación. </a:t>
             </a:r>
           </a:p>
@@ -14458,7 +16346,7 @@
               <a:buChar char="•"/>
             </a:pPr>
             <a:r>
-              <a:rPr lang="es-ES" sz="1600" dirty="0"/>
+              <a:rPr lang="es-ES" sz="1600"/>
               <a:t>Secciones disponibles. </a:t>
             </a:r>
           </a:p>
@@ -14468,7 +16356,7 @@
               <a:buChar char="•"/>
             </a:pPr>
             <a:r>
-              <a:rPr lang="es-ES" sz="1600" dirty="0"/>
+              <a:rPr lang="es-ES" sz="1600"/>
               <a:t>Propiedad intelectual. </a:t>
             </a:r>
           </a:p>
@@ -14478,7 +16366,7 @@
               <a:buChar char="•"/>
             </a:pPr>
             <a:r>
-              <a:rPr lang="es-ES" sz="1600" dirty="0"/>
+              <a:rPr lang="es-ES" sz="1600"/>
               <a:t>Protección de Datos de Carácter Personal.</a:t>
             </a:r>
           </a:p>
@@ -14488,7 +16376,7 @@
               <a:buChar char="•"/>
             </a:pPr>
             <a:r>
-              <a:rPr lang="es-ES" sz="1600" dirty="0"/>
+              <a:rPr lang="es-ES" sz="1600"/>
               <a:t>Enlace con las sedes electrónicas de las Agencias de Protección de Datos. </a:t>
             </a:r>
           </a:p>
@@ -14498,7 +16386,7 @@
               <a:buChar char="•"/>
             </a:pPr>
             <a:r>
-              <a:rPr lang="es-ES" sz="1600" dirty="0"/>
+              <a:rPr lang="es-ES" sz="1600"/>
               <a:t>Asesoramiento electrónico</a:t>
             </a:r>
           </a:p>
@@ -14508,7 +16396,7 @@
               <a:buChar char="•"/>
             </a:pPr>
             <a:r>
-              <a:rPr lang="es-ES" sz="1600" dirty="0"/>
+              <a:rPr lang="es-ES" sz="1600"/>
               <a:t>Sistema de verificación de los certificados.</a:t>
             </a:r>
           </a:p>
@@ -14518,7 +16406,7 @@
               <a:buChar char="•"/>
             </a:pPr>
             <a:r>
-              <a:rPr lang="es-ES" sz="1600" dirty="0"/>
+              <a:rPr lang="es-ES" sz="1600"/>
               <a:t>Sistemas de firma electrónica.</a:t>
             </a:r>
           </a:p>
@@ -14528,7 +16416,7 @@
               <a:buChar char="•"/>
             </a:pPr>
             <a:r>
-              <a:rPr lang="es-ES" sz="1600" dirty="0"/>
+              <a:rPr lang="es-ES" sz="1600"/>
               <a:t>Normas de creación del registro electrónico.</a:t>
             </a:r>
           </a:p>
@@ -14537,42 +16425,42 @@
               <a:buFont typeface="Arial" panose="020B0604020202020204" pitchFamily="34" charset="0"/>
               <a:buChar char="•"/>
             </a:pPr>
-            <a:endParaRPr lang="es-ES" sz="1600" dirty="0"/>
-          </a:p>
-          <a:p>
-            <a:pPr marL="285750" indent="-285750">
-              <a:buFont typeface="Arial" panose="020B0604020202020204" pitchFamily="34" charset="0"/>
-              <a:buChar char="•"/>
-            </a:pPr>
-            <a:endParaRPr lang="es-ES" sz="1600" dirty="0"/>
-          </a:p>
-          <a:p>
-            <a:pPr marL="285750" indent="-285750">
-              <a:buFont typeface="Arial" panose="020B0604020202020204" pitchFamily="34" charset="0"/>
-              <a:buChar char="•"/>
-            </a:pPr>
-            <a:endParaRPr lang="es-ES" sz="1600" dirty="0"/>
-          </a:p>
-          <a:p>
-            <a:pPr marL="285750" indent="-285750">
-              <a:buFont typeface="Arial" panose="020B0604020202020204" pitchFamily="34" charset="0"/>
-              <a:buChar char="•"/>
-            </a:pPr>
-            <a:endParaRPr lang="es-ES" sz="1600" dirty="0"/>
-          </a:p>
-          <a:p>
-            <a:pPr marL="285750" indent="-285750">
-              <a:buFont typeface="Arial" panose="020B0604020202020204" pitchFamily="34" charset="0"/>
-              <a:buChar char="•"/>
-            </a:pPr>
-            <a:endParaRPr lang="es-ES" sz="1600" dirty="0"/>
-          </a:p>
-          <a:p>
-            <a:pPr marL="285750" indent="-285750">
-              <a:buFont typeface="Arial" panose="020B0604020202020204" pitchFamily="34" charset="0"/>
-              <a:buChar char="•"/>
-            </a:pPr>
-            <a:endParaRPr lang="es-ES" sz="1600" dirty="0"/>
+            <a:endParaRPr lang="es-ES" sz="1600"/>
+          </a:p>
+          <a:p>
+            <a:pPr marL="285750" indent="-285750">
+              <a:buFont typeface="Arial" panose="020B0604020202020204" pitchFamily="34" charset="0"/>
+              <a:buChar char="•"/>
+            </a:pPr>
+            <a:endParaRPr lang="es-ES" sz="1600"/>
+          </a:p>
+          <a:p>
+            <a:pPr marL="285750" indent="-285750">
+              <a:buFont typeface="Arial" panose="020B0604020202020204" pitchFamily="34" charset="0"/>
+              <a:buChar char="•"/>
+            </a:pPr>
+            <a:endParaRPr lang="es-ES" sz="1600"/>
+          </a:p>
+          <a:p>
+            <a:pPr marL="285750" indent="-285750">
+              <a:buFont typeface="Arial" panose="020B0604020202020204" pitchFamily="34" charset="0"/>
+              <a:buChar char="•"/>
+            </a:pPr>
+            <a:endParaRPr lang="es-ES" sz="1600"/>
+          </a:p>
+          <a:p>
+            <a:pPr marL="285750" indent="-285750">
+              <a:buFont typeface="Arial" panose="020B0604020202020204" pitchFamily="34" charset="0"/>
+              <a:buChar char="•"/>
+            </a:pPr>
+            <a:endParaRPr lang="es-ES" sz="1600"/>
+          </a:p>
+          <a:p>
+            <a:pPr marL="285750" indent="-285750">
+              <a:buFont typeface="Arial" panose="020B0604020202020204" pitchFamily="34" charset="0"/>
+              <a:buChar char="•"/>
+            </a:pPr>
+            <a:endParaRPr lang="es-ES" sz="1600"/>
           </a:p>
         </p:txBody>
       </p:sp>
@@ -14609,7 +16497,7 @@
               <a:buChar char="•"/>
             </a:pPr>
             <a:r>
-              <a:rPr lang="es-ES" sz="1600" dirty="0"/>
+              <a:rPr lang="es-ES" sz="1600"/>
               <a:t>Relación de los servicios disponibles en la sede electrónica. </a:t>
             </a:r>
           </a:p>
@@ -14619,7 +16507,7 @@
               <a:buChar char="•"/>
             </a:pPr>
             <a:r>
-              <a:rPr lang="es-ES" sz="1600" dirty="0"/>
+              <a:rPr lang="es-ES" sz="1600"/>
               <a:t>Carta de servicios. </a:t>
             </a:r>
           </a:p>
@@ -14629,7 +16517,7 @@
               <a:buChar char="•"/>
             </a:pPr>
             <a:r>
-              <a:rPr lang="es-ES" sz="1600" dirty="0"/>
+              <a:rPr lang="es-ES" sz="1600"/>
               <a:t>Carta de servicios electrónicos. </a:t>
             </a:r>
           </a:p>
@@ -14639,7 +16527,7 @@
               <a:buChar char="•"/>
             </a:pPr>
             <a:r>
-              <a:rPr lang="es-ES" sz="1600" dirty="0"/>
+              <a:rPr lang="es-ES" sz="1600"/>
               <a:t>Medios electrónicos que los usuarios pueden utilizar. </a:t>
             </a:r>
           </a:p>
@@ -14649,7 +16537,7 @@
               <a:buChar char="•"/>
             </a:pPr>
             <a:r>
-              <a:rPr lang="es-ES" sz="1600" dirty="0"/>
+              <a:rPr lang="es-ES" sz="1600"/>
               <a:t>Sistema de sugerencias y quejas ante otros órganos.</a:t>
             </a:r>
           </a:p>
@@ -14659,7 +16547,7 @@
               <a:buChar char="•"/>
             </a:pPr>
             <a:r>
-              <a:rPr lang="es-ES" sz="1600" dirty="0"/>
+              <a:rPr lang="es-ES" sz="1600"/>
               <a:t>Acceso al estado de tramitación del expediente. </a:t>
             </a:r>
           </a:p>
@@ -14669,7 +16557,7 @@
               <a:buChar char="•"/>
             </a:pPr>
             <a:r>
-              <a:rPr lang="es-ES" sz="1600" dirty="0"/>
+              <a:rPr lang="es-ES" sz="1600"/>
               <a:t>Publicación de los diarios o boletines. </a:t>
             </a:r>
           </a:p>
@@ -14679,7 +16567,7 @@
               <a:buChar char="•"/>
             </a:pPr>
             <a:r>
-              <a:rPr lang="es-ES" sz="1600" dirty="0"/>
+              <a:rPr lang="es-ES" sz="1600"/>
               <a:t>Tablón de anuncios.</a:t>
             </a:r>
           </a:p>
@@ -14689,7 +16577,7 @@
               <a:buChar char="•"/>
             </a:pPr>
             <a:r>
-              <a:rPr lang="es-ES" sz="1600" dirty="0"/>
+              <a:rPr lang="es-ES" sz="1600"/>
               <a:t>Verificación de los sellos electrónicos.</a:t>
             </a:r>
           </a:p>
@@ -14699,7 +16587,7 @@
               <a:buChar char="•"/>
             </a:pPr>
             <a:r>
-              <a:rPr lang="es-ES" sz="1600" dirty="0"/>
+              <a:rPr lang="es-ES" sz="1600"/>
               <a:t>Comprobación de la autenticidad e integridad.</a:t>
             </a:r>
           </a:p>
@@ -14709,7 +16597,7 @@
               <a:buChar char="•"/>
             </a:pPr>
             <a:r>
-              <a:rPr lang="es-ES" sz="1600" dirty="0"/>
+              <a:rPr lang="es-ES" sz="1600"/>
               <a:t>Indicación de la fecha y hora oficial. </a:t>
             </a:r>
           </a:p>
@@ -14719,7 +16607,7 @@
               <a:buChar char="•"/>
             </a:pPr>
             <a:r>
-              <a:rPr lang="es-ES" sz="1600" dirty="0"/>
+              <a:rPr lang="es-ES" sz="1600"/>
               <a:t>Lista con los días considerados inhábiles. </a:t>
             </a:r>
           </a:p>
@@ -14729,7 +16617,7 @@
               <a:buChar char="•"/>
             </a:pPr>
             <a:r>
-              <a:rPr lang="es-ES" sz="1600" dirty="0"/>
+              <a:rPr lang="es-ES" sz="1600"/>
               <a:t>Otros servicios o contenidos. </a:t>
             </a:r>
           </a:p>
@@ -14739,7 +16627,7 @@
               <a:buChar char="•"/>
             </a:pPr>
             <a:r>
-              <a:rPr lang="es-ES" sz="1600" dirty="0"/>
+              <a:rPr lang="es-ES" sz="1600"/>
               <a:t>Lenguas cooficiales. </a:t>
             </a:r>
           </a:p>
@@ -14749,7 +16637,7 @@
               <a:buChar char="•"/>
             </a:pPr>
             <a:r>
-              <a:rPr lang="es-ES" sz="1600" dirty="0"/>
+              <a:rPr lang="es-ES" sz="1600"/>
               <a:t>Información sobre cuando se está navegando dentro o fuera de la sede.</a:t>
             </a:r>
           </a:p>
@@ -14759,7 +16647,7 @@
               <a:buChar char="•"/>
             </a:pPr>
             <a:r>
-              <a:rPr lang="es-ES" sz="1600" dirty="0"/>
+              <a:rPr lang="es-ES" sz="1600"/>
               <a:t>Verifica los principios de accesibilidad y usabilidad. </a:t>
             </a:r>
           </a:p>
@@ -14769,7 +16657,7 @@
               <a:buChar char="•"/>
             </a:pPr>
             <a:r>
-              <a:rPr lang="es-ES" sz="1600" dirty="0"/>
+              <a:rPr lang="es-ES" sz="1600"/>
               <a:t>Elementos basados en estándares abiertos</a:t>
             </a:r>
           </a:p>
@@ -14802,6 +16690,1230 @@
             <a:off x="5798693" y="517097"/>
             <a:ext cx="5769864" cy="1019342"/>
           </a:xfrm>
+        </p:spPr>
+      </p:pic>
+      <p:pic>
+        <p:nvPicPr>
+          <p:cNvPr id="3" name="Graphic 10" descr="Checkmark">
+            <a:extLst>
+              <a:ext uri="{FF2B5EF4-FFF2-40B4-BE49-F238E27FC236}">
+                <a16:creationId xmlns:a16="http://schemas.microsoft.com/office/drawing/2014/main" id="{B8B8A03C-9E55-415E-94ED-D1D27FAC2FBE}"/>
+              </a:ext>
+            </a:extLst>
+          </p:cNvPr>
+          <p:cNvPicPr>
+            <a:picLocks noChangeAspect="1"/>
+          </p:cNvPicPr>
+          <p:nvPr/>
+        </p:nvPicPr>
+        <p:blipFill>
+          <a:blip r:embed="rId3">
+            <a:extLst>
+              <a:ext uri="{96DAC541-7B7A-43D3-8B79-37D633B846F1}">
+                <asvg:svgBlip xmlns:asvg="http://schemas.microsoft.com/office/drawing/2016/SVG/main" r:embed="rId4"/>
+              </a:ext>
+            </a:extLst>
+          </a:blip>
+          <a:stretch>
+            <a:fillRect/>
+          </a:stretch>
+        </p:blipFill>
+        <p:spPr>
+          <a:xfrm>
+            <a:off x="663767" y="1773522"/>
+            <a:ext cx="174433" cy="174433"/>
+          </a:xfrm>
+          <a:prstGeom prst="rect">
+            <a:avLst/>
+          </a:prstGeom>
+        </p:spPr>
+      </p:pic>
+      <p:pic>
+        <p:nvPicPr>
+          <p:cNvPr id="4" name="Graphic 10" descr="Checkmark">
+            <a:extLst>
+              <a:ext uri="{FF2B5EF4-FFF2-40B4-BE49-F238E27FC236}">
+                <a16:creationId xmlns:a16="http://schemas.microsoft.com/office/drawing/2014/main" id="{B47EC3F1-F62B-4A36-877D-D322C63F49FC}"/>
+              </a:ext>
+            </a:extLst>
+          </p:cNvPr>
+          <p:cNvPicPr>
+            <a:picLocks noChangeAspect="1"/>
+          </p:cNvPicPr>
+          <p:nvPr/>
+        </p:nvPicPr>
+        <p:blipFill>
+          <a:blip r:embed="rId3">
+            <a:extLst>
+              <a:ext uri="{96DAC541-7B7A-43D3-8B79-37D633B846F1}">
+                <asvg:svgBlip xmlns:asvg="http://schemas.microsoft.com/office/drawing/2016/SVG/main" r:embed="rId4"/>
+              </a:ext>
+            </a:extLst>
+          </a:blip>
+          <a:stretch>
+            <a:fillRect/>
+          </a:stretch>
+        </p:blipFill>
+        <p:spPr>
+          <a:xfrm>
+            <a:off x="663766" y="2013138"/>
+            <a:ext cx="174433" cy="174433"/>
+          </a:xfrm>
+          <a:prstGeom prst="rect">
+            <a:avLst/>
+          </a:prstGeom>
+        </p:spPr>
+      </p:pic>
+      <p:pic>
+        <p:nvPicPr>
+          <p:cNvPr id="5" name="Graphic 4" descr="Checkmark">
+            <a:extLst>
+              <a:ext uri="{FF2B5EF4-FFF2-40B4-BE49-F238E27FC236}">
+                <a16:creationId xmlns:a16="http://schemas.microsoft.com/office/drawing/2014/main" id="{A6A74980-067D-40B0-B2DD-D2FDA8E9351F}"/>
+              </a:ext>
+            </a:extLst>
+          </p:cNvPr>
+          <p:cNvPicPr>
+            <a:picLocks noChangeAspect="1"/>
+          </p:cNvPicPr>
+          <p:nvPr/>
+        </p:nvPicPr>
+        <p:blipFill>
+          <a:blip r:embed="rId3">
+            <a:extLst>
+              <a:ext uri="{96DAC541-7B7A-43D3-8B79-37D633B846F1}">
+                <asvg:svgBlip xmlns:asvg="http://schemas.microsoft.com/office/drawing/2016/SVG/main" r:embed="rId4"/>
+              </a:ext>
+            </a:extLst>
+          </a:blip>
+          <a:stretch>
+            <a:fillRect/>
+          </a:stretch>
+        </p:blipFill>
+        <p:spPr>
+          <a:xfrm>
+            <a:off x="663767" y="2268822"/>
+            <a:ext cx="174433" cy="174433"/>
+          </a:xfrm>
+          <a:prstGeom prst="rect">
+            <a:avLst/>
+          </a:prstGeom>
+        </p:spPr>
+      </p:pic>
+      <p:pic>
+        <p:nvPicPr>
+          <p:cNvPr id="15" name="Graphic 10" descr="Checkmark">
+            <a:extLst>
+              <a:ext uri="{FF2B5EF4-FFF2-40B4-BE49-F238E27FC236}">
+                <a16:creationId xmlns:a16="http://schemas.microsoft.com/office/drawing/2014/main" id="{EB5378B8-591A-4CA6-A284-BE014F239B9B}"/>
+              </a:ext>
+            </a:extLst>
+          </p:cNvPr>
+          <p:cNvPicPr>
+            <a:picLocks noChangeAspect="1"/>
+          </p:cNvPicPr>
+          <p:nvPr/>
+        </p:nvPicPr>
+        <p:blipFill>
+          <a:blip r:embed="rId3">
+            <a:extLst>
+              <a:ext uri="{96DAC541-7B7A-43D3-8B79-37D633B846F1}">
+                <asvg:svgBlip xmlns:asvg="http://schemas.microsoft.com/office/drawing/2016/SVG/main" r:embed="rId4"/>
+              </a:ext>
+            </a:extLst>
+          </a:blip>
+          <a:stretch>
+            <a:fillRect/>
+          </a:stretch>
+        </p:blipFill>
+        <p:spPr>
+          <a:xfrm>
+            <a:off x="663767" y="2748054"/>
+            <a:ext cx="174433" cy="174433"/>
+          </a:xfrm>
+          <a:prstGeom prst="rect">
+            <a:avLst/>
+          </a:prstGeom>
+        </p:spPr>
+      </p:pic>
+      <p:pic>
+        <p:nvPicPr>
+          <p:cNvPr id="17" name="Graphic 16" descr="Close">
+            <a:extLst>
+              <a:ext uri="{FF2B5EF4-FFF2-40B4-BE49-F238E27FC236}">
+                <a16:creationId xmlns:a16="http://schemas.microsoft.com/office/drawing/2014/main" id="{C17FDB06-1981-474E-A4E3-A50482309934}"/>
+              </a:ext>
+            </a:extLst>
+          </p:cNvPr>
+          <p:cNvPicPr>
+            <a:picLocks noChangeAspect="1"/>
+          </p:cNvPicPr>
+          <p:nvPr/>
+        </p:nvPicPr>
+        <p:blipFill>
+          <a:blip r:embed="rId5">
+            <a:extLst>
+              <a:ext uri="{96DAC541-7B7A-43D3-8B79-37D633B846F1}">
+                <asvg:svgBlip xmlns:asvg="http://schemas.microsoft.com/office/drawing/2016/SVG/main" r:embed="rId6"/>
+              </a:ext>
+            </a:extLst>
+          </a:blip>
+          <a:stretch>
+            <a:fillRect/>
+          </a:stretch>
+        </p:blipFill>
+        <p:spPr>
+          <a:xfrm>
+            <a:off x="664352" y="2987670"/>
+            <a:ext cx="174433" cy="174433"/>
+          </a:xfrm>
+          <a:prstGeom prst="rect">
+            <a:avLst/>
+          </a:prstGeom>
+        </p:spPr>
+      </p:pic>
+      <p:pic>
+        <p:nvPicPr>
+          <p:cNvPr id="19" name="Graphic 16" descr="Close">
+            <a:extLst>
+              <a:ext uri="{FF2B5EF4-FFF2-40B4-BE49-F238E27FC236}">
+                <a16:creationId xmlns:a16="http://schemas.microsoft.com/office/drawing/2014/main" id="{D9E84F15-A2DA-496B-9BC9-1091B8D037C8}"/>
+              </a:ext>
+            </a:extLst>
+          </p:cNvPr>
+          <p:cNvPicPr>
+            <a:picLocks noChangeAspect="1"/>
+          </p:cNvPicPr>
+          <p:nvPr/>
+        </p:nvPicPr>
+        <p:blipFill>
+          <a:blip r:embed="rId5">
+            <a:extLst>
+              <a:ext uri="{96DAC541-7B7A-43D3-8B79-37D633B846F1}">
+                <asvg:svgBlip xmlns:asvg="http://schemas.microsoft.com/office/drawing/2016/SVG/main" r:embed="rId6"/>
+              </a:ext>
+            </a:extLst>
+          </a:blip>
+          <a:stretch>
+            <a:fillRect/>
+          </a:stretch>
+        </p:blipFill>
+        <p:spPr>
+          <a:xfrm>
+            <a:off x="664352" y="3227286"/>
+            <a:ext cx="174433" cy="174433"/>
+          </a:xfrm>
+          <a:prstGeom prst="rect">
+            <a:avLst/>
+          </a:prstGeom>
+        </p:spPr>
+      </p:pic>
+      <p:pic>
+        <p:nvPicPr>
+          <p:cNvPr id="21" name="Graphic 10" descr="Checkmark">
+            <a:extLst>
+              <a:ext uri="{FF2B5EF4-FFF2-40B4-BE49-F238E27FC236}">
+                <a16:creationId xmlns:a16="http://schemas.microsoft.com/office/drawing/2014/main" id="{7C75B7FF-A399-4391-919D-04F90D2033E2}"/>
+              </a:ext>
+            </a:extLst>
+          </p:cNvPr>
+          <p:cNvPicPr>
+            <a:picLocks noChangeAspect="1"/>
+          </p:cNvPicPr>
+          <p:nvPr/>
+        </p:nvPicPr>
+        <p:blipFill>
+          <a:blip r:embed="rId3">
+            <a:extLst>
+              <a:ext uri="{96DAC541-7B7A-43D3-8B79-37D633B846F1}">
+                <asvg:svgBlip xmlns:asvg="http://schemas.microsoft.com/office/drawing/2016/SVG/main" r:embed="rId4"/>
+              </a:ext>
+            </a:extLst>
+          </a:blip>
+          <a:stretch>
+            <a:fillRect/>
+          </a:stretch>
+        </p:blipFill>
+        <p:spPr>
+          <a:xfrm>
+            <a:off x="663767" y="3473247"/>
+            <a:ext cx="174433" cy="174433"/>
+          </a:xfrm>
+          <a:prstGeom prst="rect">
+            <a:avLst/>
+          </a:prstGeom>
+        </p:spPr>
+      </p:pic>
+      <p:pic>
+        <p:nvPicPr>
+          <p:cNvPr id="23" name="Graphic 10" descr="Checkmark">
+            <a:extLst>
+              <a:ext uri="{FF2B5EF4-FFF2-40B4-BE49-F238E27FC236}">
+                <a16:creationId xmlns:a16="http://schemas.microsoft.com/office/drawing/2014/main" id="{C1BFDAC0-8BC0-4089-BA32-2FAC9431589F}"/>
+              </a:ext>
+            </a:extLst>
+          </p:cNvPr>
+          <p:cNvPicPr>
+            <a:picLocks noChangeAspect="1"/>
+          </p:cNvPicPr>
+          <p:nvPr/>
+        </p:nvPicPr>
+        <p:blipFill>
+          <a:blip r:embed="rId3">
+            <a:extLst>
+              <a:ext uri="{96DAC541-7B7A-43D3-8B79-37D633B846F1}">
+                <asvg:svgBlip xmlns:asvg="http://schemas.microsoft.com/office/drawing/2016/SVG/main" r:embed="rId4"/>
+              </a:ext>
+            </a:extLst>
+          </a:blip>
+          <a:stretch>
+            <a:fillRect/>
+          </a:stretch>
+        </p:blipFill>
+        <p:spPr>
+          <a:xfrm>
+            <a:off x="664352" y="3962202"/>
+            <a:ext cx="174433" cy="174433"/>
+          </a:xfrm>
+          <a:prstGeom prst="rect">
+            <a:avLst/>
+          </a:prstGeom>
+        </p:spPr>
+      </p:pic>
+      <p:pic>
+        <p:nvPicPr>
+          <p:cNvPr id="25" name="Graphic 10" descr="Checkmark">
+            <a:extLst>
+              <a:ext uri="{FF2B5EF4-FFF2-40B4-BE49-F238E27FC236}">
+                <a16:creationId xmlns:a16="http://schemas.microsoft.com/office/drawing/2014/main" id="{1751EAA3-F0EF-4E80-A53D-5677BADD6574}"/>
+              </a:ext>
+            </a:extLst>
+          </p:cNvPr>
+          <p:cNvPicPr>
+            <a:picLocks noChangeAspect="1"/>
+          </p:cNvPicPr>
+          <p:nvPr/>
+        </p:nvPicPr>
+        <p:blipFill>
+          <a:blip r:embed="rId3">
+            <a:extLst>
+              <a:ext uri="{96DAC541-7B7A-43D3-8B79-37D633B846F1}">
+                <asvg:svgBlip xmlns:asvg="http://schemas.microsoft.com/office/drawing/2016/SVG/main" r:embed="rId4"/>
+              </a:ext>
+            </a:extLst>
+          </a:blip>
+          <a:stretch>
+            <a:fillRect/>
+          </a:stretch>
+        </p:blipFill>
+        <p:spPr>
+          <a:xfrm>
+            <a:off x="664352" y="3716241"/>
+            <a:ext cx="174433" cy="174433"/>
+          </a:xfrm>
+          <a:prstGeom prst="rect">
+            <a:avLst/>
+          </a:prstGeom>
+        </p:spPr>
+      </p:pic>
+      <p:pic>
+        <p:nvPicPr>
+          <p:cNvPr id="27" name="Graphic 10" descr="Checkmark">
+            <a:extLst>
+              <a:ext uri="{FF2B5EF4-FFF2-40B4-BE49-F238E27FC236}">
+                <a16:creationId xmlns:a16="http://schemas.microsoft.com/office/drawing/2014/main" id="{9DE99E5B-C626-48D7-80D6-12D60CD4E4B9}"/>
+              </a:ext>
+            </a:extLst>
+          </p:cNvPr>
+          <p:cNvPicPr>
+            <a:picLocks noChangeAspect="1"/>
+          </p:cNvPicPr>
+          <p:nvPr/>
+        </p:nvPicPr>
+        <p:blipFill>
+          <a:blip r:embed="rId3">
+            <a:extLst>
+              <a:ext uri="{96DAC541-7B7A-43D3-8B79-37D633B846F1}">
+                <asvg:svgBlip xmlns:asvg="http://schemas.microsoft.com/office/drawing/2016/SVG/main" r:embed="rId4"/>
+              </a:ext>
+            </a:extLst>
+          </a:blip>
+          <a:stretch>
+            <a:fillRect/>
+          </a:stretch>
+        </p:blipFill>
+        <p:spPr>
+          <a:xfrm>
+            <a:off x="663765" y="4198851"/>
+            <a:ext cx="174433" cy="174433"/>
+          </a:xfrm>
+          <a:prstGeom prst="rect">
+            <a:avLst/>
+          </a:prstGeom>
+        </p:spPr>
+      </p:pic>
+      <p:pic>
+        <p:nvPicPr>
+          <p:cNvPr id="29" name="Graphic 10" descr="Checkmark">
+            <a:extLst>
+              <a:ext uri="{FF2B5EF4-FFF2-40B4-BE49-F238E27FC236}">
+                <a16:creationId xmlns:a16="http://schemas.microsoft.com/office/drawing/2014/main" id="{F8230328-DDC1-4822-AC8C-980F20E65E9A}"/>
+              </a:ext>
+            </a:extLst>
+          </p:cNvPr>
+          <p:cNvPicPr>
+            <a:picLocks noChangeAspect="1"/>
+          </p:cNvPicPr>
+          <p:nvPr/>
+        </p:nvPicPr>
+        <p:blipFill>
+          <a:blip r:embed="rId3">
+            <a:extLst>
+              <a:ext uri="{96DAC541-7B7A-43D3-8B79-37D633B846F1}">
+                <asvg:svgBlip xmlns:asvg="http://schemas.microsoft.com/office/drawing/2016/SVG/main" r:embed="rId4"/>
+              </a:ext>
+            </a:extLst>
+          </a:blip>
+          <a:stretch>
+            <a:fillRect/>
+          </a:stretch>
+        </p:blipFill>
+        <p:spPr>
+          <a:xfrm>
+            <a:off x="663764" y="4446424"/>
+            <a:ext cx="174433" cy="174433"/>
+          </a:xfrm>
+          <a:prstGeom prst="rect">
+            <a:avLst/>
+          </a:prstGeom>
+        </p:spPr>
+      </p:pic>
+      <p:pic>
+        <p:nvPicPr>
+          <p:cNvPr id="31" name="Graphic 10" descr="Checkmark">
+            <a:extLst>
+              <a:ext uri="{FF2B5EF4-FFF2-40B4-BE49-F238E27FC236}">
+                <a16:creationId xmlns:a16="http://schemas.microsoft.com/office/drawing/2014/main" id="{646F6899-C014-49CD-848B-4E3F91C1CACF}"/>
+              </a:ext>
+            </a:extLst>
+          </p:cNvPr>
+          <p:cNvPicPr>
+            <a:picLocks noChangeAspect="1"/>
+          </p:cNvPicPr>
+          <p:nvPr/>
+        </p:nvPicPr>
+        <p:blipFill>
+          <a:blip r:embed="rId3">
+            <a:extLst>
+              <a:ext uri="{96DAC541-7B7A-43D3-8B79-37D633B846F1}">
+                <asvg:svgBlip xmlns:asvg="http://schemas.microsoft.com/office/drawing/2016/SVG/main" r:embed="rId4"/>
+              </a:ext>
+            </a:extLst>
+          </a:blip>
+          <a:stretch>
+            <a:fillRect/>
+          </a:stretch>
+        </p:blipFill>
+        <p:spPr>
+          <a:xfrm>
+            <a:off x="664352" y="4681263"/>
+            <a:ext cx="174433" cy="174433"/>
+          </a:xfrm>
+          <a:prstGeom prst="rect">
+            <a:avLst/>
+          </a:prstGeom>
+        </p:spPr>
+      </p:pic>
+      <p:pic>
+        <p:nvPicPr>
+          <p:cNvPr id="33" name="Graphic 10" descr="Checkmark">
+            <a:extLst>
+              <a:ext uri="{FF2B5EF4-FFF2-40B4-BE49-F238E27FC236}">
+                <a16:creationId xmlns:a16="http://schemas.microsoft.com/office/drawing/2014/main" id="{492324F0-1E07-4661-8E5A-9B0C323D6B85}"/>
+              </a:ext>
+            </a:extLst>
+          </p:cNvPr>
+          <p:cNvPicPr>
+            <a:picLocks noChangeAspect="1"/>
+          </p:cNvPicPr>
+          <p:nvPr/>
+        </p:nvPicPr>
+        <p:blipFill>
+          <a:blip r:embed="rId3">
+            <a:extLst>
+              <a:ext uri="{96DAC541-7B7A-43D3-8B79-37D633B846F1}">
+                <asvg:svgBlip xmlns:asvg="http://schemas.microsoft.com/office/drawing/2016/SVG/main" r:embed="rId4"/>
+              </a:ext>
+            </a:extLst>
+          </a:blip>
+          <a:stretch>
+            <a:fillRect/>
+          </a:stretch>
+        </p:blipFill>
+        <p:spPr>
+          <a:xfrm>
+            <a:off x="664352" y="4932001"/>
+            <a:ext cx="174433" cy="174433"/>
+          </a:xfrm>
+          <a:prstGeom prst="rect">
+            <a:avLst/>
+          </a:prstGeom>
+        </p:spPr>
+      </p:pic>
+      <p:pic>
+        <p:nvPicPr>
+          <p:cNvPr id="35" name="Graphic 42" descr="Pause">
+            <a:extLst>
+              <a:ext uri="{FF2B5EF4-FFF2-40B4-BE49-F238E27FC236}">
+                <a16:creationId xmlns:a16="http://schemas.microsoft.com/office/drawing/2014/main" id="{EF5EBA0C-7850-47ED-8C2A-E6599C55B796}"/>
+              </a:ext>
+            </a:extLst>
+          </p:cNvPr>
+          <p:cNvPicPr>
+            <a:picLocks noChangeAspect="1"/>
+          </p:cNvPicPr>
+          <p:nvPr/>
+        </p:nvPicPr>
+        <p:blipFill>
+          <a:blip r:embed="rId7">
+            <a:extLst>
+              <a:ext uri="{96DAC541-7B7A-43D3-8B79-37D633B846F1}">
+                <asvg:svgBlip xmlns:asvg="http://schemas.microsoft.com/office/drawing/2016/SVG/main" r:embed="rId8"/>
+              </a:ext>
+            </a:extLst>
+          </a:blip>
+          <a:stretch>
+            <a:fillRect/>
+          </a:stretch>
+        </p:blipFill>
+        <p:spPr>
+          <a:xfrm>
+            <a:off x="5624256" y="5185795"/>
+            <a:ext cx="174433" cy="174433"/>
+          </a:xfrm>
+          <a:prstGeom prst="rect">
+            <a:avLst/>
+          </a:prstGeom>
+        </p:spPr>
+      </p:pic>
+      <p:pic>
+        <p:nvPicPr>
+          <p:cNvPr id="39" name="Graphic 16" descr="Close">
+            <a:extLst>
+              <a:ext uri="{FF2B5EF4-FFF2-40B4-BE49-F238E27FC236}">
+                <a16:creationId xmlns:a16="http://schemas.microsoft.com/office/drawing/2014/main" id="{84568B68-DC45-4191-B232-DABA74A751E4}"/>
+              </a:ext>
+            </a:extLst>
+          </p:cNvPr>
+          <p:cNvPicPr>
+            <a:picLocks noChangeAspect="1"/>
+          </p:cNvPicPr>
+          <p:nvPr/>
+        </p:nvPicPr>
+        <p:blipFill>
+          <a:blip r:embed="rId5">
+            <a:extLst>
+              <a:ext uri="{96DAC541-7B7A-43D3-8B79-37D633B846F1}">
+                <asvg:svgBlip xmlns:asvg="http://schemas.microsoft.com/office/drawing/2016/SVG/main" r:embed="rId6"/>
+              </a:ext>
+            </a:extLst>
+          </a:blip>
+          <a:stretch>
+            <a:fillRect/>
+          </a:stretch>
+        </p:blipFill>
+        <p:spPr>
+          <a:xfrm>
+            <a:off x="664352" y="5661094"/>
+            <a:ext cx="174433" cy="174433"/>
+          </a:xfrm>
+          <a:prstGeom prst="rect">
+            <a:avLst/>
+          </a:prstGeom>
+        </p:spPr>
+      </p:pic>
+      <p:pic>
+        <p:nvPicPr>
+          <p:cNvPr id="41" name="Graphic 16" descr="Close">
+            <a:extLst>
+              <a:ext uri="{FF2B5EF4-FFF2-40B4-BE49-F238E27FC236}">
+                <a16:creationId xmlns:a16="http://schemas.microsoft.com/office/drawing/2014/main" id="{5F9A4AF2-79A9-401A-A665-DACCDEC01F74}"/>
+              </a:ext>
+            </a:extLst>
+          </p:cNvPr>
+          <p:cNvPicPr>
+            <a:picLocks noChangeAspect="1"/>
+          </p:cNvPicPr>
+          <p:nvPr/>
+        </p:nvPicPr>
+        <p:blipFill>
+          <a:blip r:embed="rId5">
+            <a:extLst>
+              <a:ext uri="{96DAC541-7B7A-43D3-8B79-37D633B846F1}">
+                <asvg:svgBlip xmlns:asvg="http://schemas.microsoft.com/office/drawing/2016/SVG/main" r:embed="rId6"/>
+              </a:ext>
+            </a:extLst>
+          </a:blip>
+          <a:stretch>
+            <a:fillRect/>
+          </a:stretch>
+        </p:blipFill>
+        <p:spPr>
+          <a:xfrm>
+            <a:off x="664352" y="5903977"/>
+            <a:ext cx="174433" cy="174433"/>
+          </a:xfrm>
+          <a:prstGeom prst="rect">
+            <a:avLst/>
+          </a:prstGeom>
+        </p:spPr>
+      </p:pic>
+      <p:pic>
+        <p:nvPicPr>
+          <p:cNvPr id="43" name="Graphic 10" descr="Checkmark">
+            <a:extLst>
+              <a:ext uri="{FF2B5EF4-FFF2-40B4-BE49-F238E27FC236}">
+                <a16:creationId xmlns:a16="http://schemas.microsoft.com/office/drawing/2014/main" id="{88B7D9CA-0EDE-4927-BEE9-A8F2B3D9DBC7}"/>
+              </a:ext>
+            </a:extLst>
+          </p:cNvPr>
+          <p:cNvPicPr>
+            <a:picLocks noChangeAspect="1"/>
+          </p:cNvPicPr>
+          <p:nvPr/>
+        </p:nvPicPr>
+        <p:blipFill>
+          <a:blip r:embed="rId3">
+            <a:extLst>
+              <a:ext uri="{96DAC541-7B7A-43D3-8B79-37D633B846F1}">
+                <asvg:svgBlip xmlns:asvg="http://schemas.microsoft.com/office/drawing/2016/SVG/main" r:embed="rId4"/>
+              </a:ext>
+            </a:extLst>
+          </a:blip>
+          <a:stretch>
+            <a:fillRect/>
+          </a:stretch>
+        </p:blipFill>
+        <p:spPr>
+          <a:xfrm>
+            <a:off x="663763" y="6155429"/>
+            <a:ext cx="174433" cy="174433"/>
+          </a:xfrm>
+          <a:prstGeom prst="rect">
+            <a:avLst/>
+          </a:prstGeom>
+        </p:spPr>
+      </p:pic>
+      <p:pic>
+        <p:nvPicPr>
+          <p:cNvPr id="45" name="Graphic 10" descr="Checkmark">
+            <a:extLst>
+              <a:ext uri="{FF2B5EF4-FFF2-40B4-BE49-F238E27FC236}">
+                <a16:creationId xmlns:a16="http://schemas.microsoft.com/office/drawing/2014/main" id="{A8197969-190F-47DC-B23E-0658121399CC}"/>
+              </a:ext>
+            </a:extLst>
+          </p:cNvPr>
+          <p:cNvPicPr>
+            <a:picLocks noChangeAspect="1"/>
+          </p:cNvPicPr>
+          <p:nvPr/>
+        </p:nvPicPr>
+        <p:blipFill>
+          <a:blip r:embed="rId3">
+            <a:extLst>
+              <a:ext uri="{96DAC541-7B7A-43D3-8B79-37D633B846F1}">
+                <asvg:svgBlip xmlns:asvg="http://schemas.microsoft.com/office/drawing/2016/SVG/main" r:embed="rId4"/>
+              </a:ext>
+            </a:extLst>
+          </a:blip>
+          <a:stretch>
+            <a:fillRect/>
+          </a:stretch>
+        </p:blipFill>
+        <p:spPr>
+          <a:xfrm>
+            <a:off x="5624260" y="1773521"/>
+            <a:ext cx="174433" cy="174433"/>
+          </a:xfrm>
+          <a:prstGeom prst="rect">
+            <a:avLst/>
+          </a:prstGeom>
+        </p:spPr>
+      </p:pic>
+      <p:pic>
+        <p:nvPicPr>
+          <p:cNvPr id="47" name="Graphic 10" descr="Checkmark">
+            <a:extLst>
+              <a:ext uri="{FF2B5EF4-FFF2-40B4-BE49-F238E27FC236}">
+                <a16:creationId xmlns:a16="http://schemas.microsoft.com/office/drawing/2014/main" id="{0FD85D8D-E74E-4A8F-8EF0-CA12BD6A1D9B}"/>
+              </a:ext>
+            </a:extLst>
+          </p:cNvPr>
+          <p:cNvPicPr>
+            <a:picLocks noChangeAspect="1"/>
+          </p:cNvPicPr>
+          <p:nvPr/>
+        </p:nvPicPr>
+        <p:blipFill>
+          <a:blip r:embed="rId3">
+            <a:extLst>
+              <a:ext uri="{96DAC541-7B7A-43D3-8B79-37D633B846F1}">
+                <asvg:svgBlip xmlns:asvg="http://schemas.microsoft.com/office/drawing/2016/SVG/main" r:embed="rId4"/>
+              </a:ext>
+            </a:extLst>
+          </a:blip>
+          <a:stretch>
+            <a:fillRect/>
+          </a:stretch>
+        </p:blipFill>
+        <p:spPr>
+          <a:xfrm>
+            <a:off x="5624260" y="2012346"/>
+            <a:ext cx="174433" cy="174433"/>
+          </a:xfrm>
+          <a:prstGeom prst="rect">
+            <a:avLst/>
+          </a:prstGeom>
+        </p:spPr>
+      </p:pic>
+      <p:pic>
+        <p:nvPicPr>
+          <p:cNvPr id="49" name="Graphic 10" descr="Checkmark">
+            <a:extLst>
+              <a:ext uri="{FF2B5EF4-FFF2-40B4-BE49-F238E27FC236}">
+                <a16:creationId xmlns:a16="http://schemas.microsoft.com/office/drawing/2014/main" id="{2E6910CF-8D5C-4803-9FC1-B3A408E0ED40}"/>
+              </a:ext>
+            </a:extLst>
+          </p:cNvPr>
+          <p:cNvPicPr>
+            <a:picLocks noChangeAspect="1"/>
+          </p:cNvPicPr>
+          <p:nvPr/>
+        </p:nvPicPr>
+        <p:blipFill>
+          <a:blip r:embed="rId3">
+            <a:extLst>
+              <a:ext uri="{96DAC541-7B7A-43D3-8B79-37D633B846F1}">
+                <asvg:svgBlip xmlns:asvg="http://schemas.microsoft.com/office/drawing/2016/SVG/main" r:embed="rId4"/>
+              </a:ext>
+            </a:extLst>
+          </a:blip>
+          <a:stretch>
+            <a:fillRect/>
+          </a:stretch>
+        </p:blipFill>
+        <p:spPr>
+          <a:xfrm>
+            <a:off x="5624260" y="2268729"/>
+            <a:ext cx="174433" cy="174433"/>
+          </a:xfrm>
+          <a:prstGeom prst="rect">
+            <a:avLst/>
+          </a:prstGeom>
+        </p:spPr>
+      </p:pic>
+      <p:pic>
+        <p:nvPicPr>
+          <p:cNvPr id="51" name="Graphic 10" descr="Checkmark">
+            <a:extLst>
+              <a:ext uri="{FF2B5EF4-FFF2-40B4-BE49-F238E27FC236}">
+                <a16:creationId xmlns:a16="http://schemas.microsoft.com/office/drawing/2014/main" id="{7001C01A-8444-49E2-9B0A-CDE1C01E5FEE}"/>
+              </a:ext>
+            </a:extLst>
+          </p:cNvPr>
+          <p:cNvPicPr>
+            <a:picLocks noChangeAspect="1"/>
+          </p:cNvPicPr>
+          <p:nvPr/>
+        </p:nvPicPr>
+        <p:blipFill>
+          <a:blip r:embed="rId3">
+            <a:extLst>
+              <a:ext uri="{96DAC541-7B7A-43D3-8B79-37D633B846F1}">
+                <asvg:svgBlip xmlns:asvg="http://schemas.microsoft.com/office/drawing/2016/SVG/main" r:embed="rId4"/>
+              </a:ext>
+            </a:extLst>
+          </a:blip>
+          <a:stretch>
+            <a:fillRect/>
+          </a:stretch>
+        </p:blipFill>
+        <p:spPr>
+          <a:xfrm>
+            <a:off x="5624259" y="2525112"/>
+            <a:ext cx="174433" cy="174433"/>
+          </a:xfrm>
+          <a:prstGeom prst="rect">
+            <a:avLst/>
+          </a:prstGeom>
+        </p:spPr>
+      </p:pic>
+      <p:pic>
+        <p:nvPicPr>
+          <p:cNvPr id="53" name="Graphic 10" descr="Checkmark">
+            <a:extLst>
+              <a:ext uri="{FF2B5EF4-FFF2-40B4-BE49-F238E27FC236}">
+                <a16:creationId xmlns:a16="http://schemas.microsoft.com/office/drawing/2014/main" id="{B20912BD-8E9C-4664-8019-28EC6514873E}"/>
+              </a:ext>
+            </a:extLst>
+          </p:cNvPr>
+          <p:cNvPicPr>
+            <a:picLocks noChangeAspect="1"/>
+          </p:cNvPicPr>
+          <p:nvPr/>
+        </p:nvPicPr>
+        <p:blipFill>
+          <a:blip r:embed="rId3">
+            <a:extLst>
+              <a:ext uri="{96DAC541-7B7A-43D3-8B79-37D633B846F1}">
+                <asvg:svgBlip xmlns:asvg="http://schemas.microsoft.com/office/drawing/2016/SVG/main" r:embed="rId4"/>
+              </a:ext>
+            </a:extLst>
+          </a:blip>
+          <a:stretch>
+            <a:fillRect/>
+          </a:stretch>
+        </p:blipFill>
+        <p:spPr>
+          <a:xfrm>
+            <a:off x="5624258" y="2786452"/>
+            <a:ext cx="174433" cy="174433"/>
+          </a:xfrm>
+          <a:prstGeom prst="rect">
+            <a:avLst/>
+          </a:prstGeom>
+        </p:spPr>
+      </p:pic>
+      <p:pic>
+        <p:nvPicPr>
+          <p:cNvPr id="55" name="Graphic 10" descr="Checkmark">
+            <a:extLst>
+              <a:ext uri="{FF2B5EF4-FFF2-40B4-BE49-F238E27FC236}">
+                <a16:creationId xmlns:a16="http://schemas.microsoft.com/office/drawing/2014/main" id="{7021D25F-C8C5-4FEC-A331-5F892B6671D8}"/>
+              </a:ext>
+            </a:extLst>
+          </p:cNvPr>
+          <p:cNvPicPr>
+            <a:picLocks noChangeAspect="1"/>
+          </p:cNvPicPr>
+          <p:nvPr/>
+        </p:nvPicPr>
+        <p:blipFill>
+          <a:blip r:embed="rId3">
+            <a:extLst>
+              <a:ext uri="{96DAC541-7B7A-43D3-8B79-37D633B846F1}">
+                <asvg:svgBlip xmlns:asvg="http://schemas.microsoft.com/office/drawing/2016/SVG/main" r:embed="rId4"/>
+              </a:ext>
+            </a:extLst>
+          </a:blip>
+          <a:stretch>
+            <a:fillRect/>
+          </a:stretch>
+        </p:blipFill>
+        <p:spPr>
+          <a:xfrm>
+            <a:off x="5624260" y="3037878"/>
+            <a:ext cx="174433" cy="174433"/>
+          </a:xfrm>
+          <a:prstGeom prst="rect">
+            <a:avLst/>
+          </a:prstGeom>
+        </p:spPr>
+      </p:pic>
+      <p:pic>
+        <p:nvPicPr>
+          <p:cNvPr id="57" name="Graphic 10" descr="Checkmark">
+            <a:extLst>
+              <a:ext uri="{FF2B5EF4-FFF2-40B4-BE49-F238E27FC236}">
+                <a16:creationId xmlns:a16="http://schemas.microsoft.com/office/drawing/2014/main" id="{05A2172E-B077-42E7-9E85-57CBD38553A4}"/>
+              </a:ext>
+            </a:extLst>
+          </p:cNvPr>
+          <p:cNvPicPr>
+            <a:picLocks noChangeAspect="1"/>
+          </p:cNvPicPr>
+          <p:nvPr/>
+        </p:nvPicPr>
+        <p:blipFill>
+          <a:blip r:embed="rId3">
+            <a:extLst>
+              <a:ext uri="{96DAC541-7B7A-43D3-8B79-37D633B846F1}">
+                <asvg:svgBlip xmlns:asvg="http://schemas.microsoft.com/office/drawing/2016/SVG/main" r:embed="rId4"/>
+              </a:ext>
+            </a:extLst>
+          </a:blip>
+          <a:stretch>
+            <a:fillRect/>
+          </a:stretch>
+        </p:blipFill>
+        <p:spPr>
+          <a:xfrm>
+            <a:off x="5624260" y="3254567"/>
+            <a:ext cx="174433" cy="174433"/>
+          </a:xfrm>
+          <a:prstGeom prst="rect">
+            <a:avLst/>
+          </a:prstGeom>
+        </p:spPr>
+      </p:pic>
+      <p:pic>
+        <p:nvPicPr>
+          <p:cNvPr id="61" name="Graphic 10" descr="Checkmark">
+            <a:extLst>
+              <a:ext uri="{FF2B5EF4-FFF2-40B4-BE49-F238E27FC236}">
+                <a16:creationId xmlns:a16="http://schemas.microsoft.com/office/drawing/2014/main" id="{6E028D69-BAE8-4A92-A6A1-07DF3417DCF7}"/>
+              </a:ext>
+            </a:extLst>
+          </p:cNvPr>
+          <p:cNvPicPr>
+            <a:picLocks noChangeAspect="1"/>
+          </p:cNvPicPr>
+          <p:nvPr/>
+        </p:nvPicPr>
+        <p:blipFill>
+          <a:blip r:embed="rId3">
+            <a:extLst>
+              <a:ext uri="{96DAC541-7B7A-43D3-8B79-37D633B846F1}">
+                <asvg:svgBlip xmlns:asvg="http://schemas.microsoft.com/office/drawing/2016/SVG/main" r:embed="rId4"/>
+              </a:ext>
+            </a:extLst>
+          </a:blip>
+          <a:stretch>
+            <a:fillRect/>
+          </a:stretch>
+        </p:blipFill>
+        <p:spPr>
+          <a:xfrm>
+            <a:off x="5624260" y="3962202"/>
+            <a:ext cx="174433" cy="174433"/>
+          </a:xfrm>
+          <a:prstGeom prst="rect">
+            <a:avLst/>
+          </a:prstGeom>
+        </p:spPr>
+      </p:pic>
+      <p:pic>
+        <p:nvPicPr>
+          <p:cNvPr id="63" name="Graphic 10" descr="Checkmark">
+            <a:extLst>
+              <a:ext uri="{FF2B5EF4-FFF2-40B4-BE49-F238E27FC236}">
+                <a16:creationId xmlns:a16="http://schemas.microsoft.com/office/drawing/2014/main" id="{362ED72D-14A0-44F9-941A-B0917E3AB2FE}"/>
+              </a:ext>
+            </a:extLst>
+          </p:cNvPr>
+          <p:cNvPicPr>
+            <a:picLocks noChangeAspect="1"/>
+          </p:cNvPicPr>
+          <p:nvPr/>
+        </p:nvPicPr>
+        <p:blipFill>
+          <a:blip r:embed="rId3">
+            <a:extLst>
+              <a:ext uri="{96DAC541-7B7A-43D3-8B79-37D633B846F1}">
+                <asvg:svgBlip xmlns:asvg="http://schemas.microsoft.com/office/drawing/2016/SVG/main" r:embed="rId4"/>
+              </a:ext>
+            </a:extLst>
+          </a:blip>
+          <a:stretch>
+            <a:fillRect/>
+          </a:stretch>
+        </p:blipFill>
+        <p:spPr>
+          <a:xfrm>
+            <a:off x="5624260" y="4206534"/>
+            <a:ext cx="174433" cy="174433"/>
+          </a:xfrm>
+          <a:prstGeom prst="rect">
+            <a:avLst/>
+          </a:prstGeom>
+        </p:spPr>
+      </p:pic>
+      <p:pic>
+        <p:nvPicPr>
+          <p:cNvPr id="67" name="Graphic 16" descr="Close">
+            <a:extLst>
+              <a:ext uri="{FF2B5EF4-FFF2-40B4-BE49-F238E27FC236}">
+                <a16:creationId xmlns:a16="http://schemas.microsoft.com/office/drawing/2014/main" id="{D4324BB7-2351-4982-ACAA-6101751BF8CA}"/>
+              </a:ext>
+            </a:extLst>
+          </p:cNvPr>
+          <p:cNvPicPr>
+            <a:picLocks noChangeAspect="1"/>
+          </p:cNvPicPr>
+          <p:nvPr/>
+        </p:nvPicPr>
+        <p:blipFill>
+          <a:blip r:embed="rId5">
+            <a:extLst>
+              <a:ext uri="{96DAC541-7B7A-43D3-8B79-37D633B846F1}">
+                <asvg:svgBlip xmlns:asvg="http://schemas.microsoft.com/office/drawing/2016/SVG/main" r:embed="rId6"/>
+              </a:ext>
+            </a:extLst>
+          </a:blip>
+          <a:stretch>
+            <a:fillRect/>
+          </a:stretch>
+        </p:blipFill>
+        <p:spPr>
+          <a:xfrm>
+            <a:off x="5630446" y="3722683"/>
+            <a:ext cx="174433" cy="174433"/>
+          </a:xfrm>
+          <a:prstGeom prst="rect">
+            <a:avLst/>
+          </a:prstGeom>
+        </p:spPr>
+      </p:pic>
+      <p:pic>
+        <p:nvPicPr>
+          <p:cNvPr id="69" name="Graphic 16" descr="Close">
+            <a:extLst>
+              <a:ext uri="{FF2B5EF4-FFF2-40B4-BE49-F238E27FC236}">
+                <a16:creationId xmlns:a16="http://schemas.microsoft.com/office/drawing/2014/main" id="{76A0BC3D-B6ED-4CC3-9B84-8BAF752E03F3}"/>
+              </a:ext>
+            </a:extLst>
+          </p:cNvPr>
+          <p:cNvPicPr>
+            <a:picLocks noChangeAspect="1"/>
+          </p:cNvPicPr>
+          <p:nvPr/>
+        </p:nvPicPr>
+        <p:blipFill>
+          <a:blip r:embed="rId5">
+            <a:extLst>
+              <a:ext uri="{96DAC541-7B7A-43D3-8B79-37D633B846F1}">
+                <asvg:svgBlip xmlns:asvg="http://schemas.microsoft.com/office/drawing/2016/SVG/main" r:embed="rId6"/>
+              </a:ext>
+            </a:extLst>
+          </a:blip>
+          <a:stretch>
+            <a:fillRect/>
+          </a:stretch>
+        </p:blipFill>
+        <p:spPr>
+          <a:xfrm>
+            <a:off x="5624255" y="4443396"/>
+            <a:ext cx="174433" cy="174433"/>
+          </a:xfrm>
+          <a:prstGeom prst="rect">
+            <a:avLst/>
+          </a:prstGeom>
+        </p:spPr>
+      </p:pic>
+      <p:pic>
+        <p:nvPicPr>
+          <p:cNvPr id="71" name="Graphic 16" descr="Close">
+            <a:extLst>
+              <a:ext uri="{FF2B5EF4-FFF2-40B4-BE49-F238E27FC236}">
+                <a16:creationId xmlns:a16="http://schemas.microsoft.com/office/drawing/2014/main" id="{E70AD147-1E3B-4F0F-9031-66DEED885F9D}"/>
+              </a:ext>
+            </a:extLst>
+          </p:cNvPr>
+          <p:cNvPicPr>
+            <a:picLocks noChangeAspect="1"/>
+          </p:cNvPicPr>
+          <p:nvPr/>
+        </p:nvPicPr>
+        <p:blipFill>
+          <a:blip r:embed="rId5">
+            <a:extLst>
+              <a:ext uri="{96DAC541-7B7A-43D3-8B79-37D633B846F1}">
+                <asvg:svgBlip xmlns:asvg="http://schemas.microsoft.com/office/drawing/2016/SVG/main" r:embed="rId6"/>
+              </a:ext>
+            </a:extLst>
+          </a:blip>
+          <a:stretch>
+            <a:fillRect/>
+          </a:stretch>
+        </p:blipFill>
+        <p:spPr>
+          <a:xfrm>
+            <a:off x="5630446" y="4706568"/>
+            <a:ext cx="174433" cy="174433"/>
+          </a:xfrm>
+          <a:prstGeom prst="rect">
+            <a:avLst/>
+          </a:prstGeom>
+        </p:spPr>
+      </p:pic>
+      <p:pic>
+        <p:nvPicPr>
+          <p:cNvPr id="73" name="Graphic 10" descr="Checkmark">
+            <a:extLst>
+              <a:ext uri="{FF2B5EF4-FFF2-40B4-BE49-F238E27FC236}">
+                <a16:creationId xmlns:a16="http://schemas.microsoft.com/office/drawing/2014/main" id="{2211FA30-70C5-47F6-9F40-9BEE0A3B2215}"/>
+              </a:ext>
+            </a:extLst>
+          </p:cNvPr>
+          <p:cNvPicPr>
+            <a:picLocks noChangeAspect="1"/>
+          </p:cNvPicPr>
+          <p:nvPr/>
+        </p:nvPicPr>
+        <p:blipFill>
+          <a:blip r:embed="rId3">
+            <a:extLst>
+              <a:ext uri="{96DAC541-7B7A-43D3-8B79-37D633B846F1}">
+                <asvg:svgBlip xmlns:asvg="http://schemas.microsoft.com/office/drawing/2016/SVG/main" r:embed="rId4"/>
+              </a:ext>
+            </a:extLst>
+          </a:blip>
+          <a:stretch>
+            <a:fillRect/>
+          </a:stretch>
+        </p:blipFill>
+        <p:spPr>
+          <a:xfrm>
+            <a:off x="5624255" y="5661661"/>
+            <a:ext cx="174433" cy="174433"/>
+          </a:xfrm>
+          <a:prstGeom prst="rect">
+            <a:avLst/>
+          </a:prstGeom>
+        </p:spPr>
+      </p:pic>
+      <p:pic>
+        <p:nvPicPr>
+          <p:cNvPr id="75" name="Graphic 16" descr="Close">
+            <a:extLst>
+              <a:ext uri="{FF2B5EF4-FFF2-40B4-BE49-F238E27FC236}">
+                <a16:creationId xmlns:a16="http://schemas.microsoft.com/office/drawing/2014/main" id="{0D601AD2-766A-49A9-99EF-5D45FB34D80E}"/>
+              </a:ext>
+            </a:extLst>
+          </p:cNvPr>
+          <p:cNvPicPr>
+            <a:picLocks noChangeAspect="1"/>
+          </p:cNvPicPr>
+          <p:nvPr/>
+        </p:nvPicPr>
+        <p:blipFill>
+          <a:blip r:embed="rId5">
+            <a:extLst>
+              <a:ext uri="{96DAC541-7B7A-43D3-8B79-37D633B846F1}">
+                <asvg:svgBlip xmlns:asvg="http://schemas.microsoft.com/office/drawing/2016/SVG/main" r:embed="rId6"/>
+              </a:ext>
+            </a:extLst>
+          </a:blip>
+          <a:stretch>
+            <a:fillRect/>
+          </a:stretch>
+        </p:blipFill>
+        <p:spPr>
+          <a:xfrm>
+            <a:off x="5630446" y="5908172"/>
+            <a:ext cx="174433" cy="174433"/>
+          </a:xfrm>
+          <a:prstGeom prst="rect">
+            <a:avLst/>
+          </a:prstGeom>
+        </p:spPr>
+      </p:pic>
+      <p:pic>
+        <p:nvPicPr>
+          <p:cNvPr id="76" name="Graphic 16" descr="Close">
+            <a:extLst>
+              <a:ext uri="{FF2B5EF4-FFF2-40B4-BE49-F238E27FC236}">
+                <a16:creationId xmlns:a16="http://schemas.microsoft.com/office/drawing/2014/main" id="{FD7F2F69-DC47-4A01-B421-59367A95D332}"/>
+              </a:ext>
+            </a:extLst>
+          </p:cNvPr>
+          <p:cNvPicPr>
+            <a:picLocks noChangeAspect="1"/>
+          </p:cNvPicPr>
+          <p:nvPr/>
+        </p:nvPicPr>
+        <p:blipFill>
+          <a:blip r:embed="rId5">
+            <a:extLst>
+              <a:ext uri="{96DAC541-7B7A-43D3-8B79-37D633B846F1}">
+                <asvg:svgBlip xmlns:asvg="http://schemas.microsoft.com/office/drawing/2016/SVG/main" r:embed="rId6"/>
+              </a:ext>
+            </a:extLst>
+          </a:blip>
+          <a:stretch>
+            <a:fillRect/>
+          </a:stretch>
+        </p:blipFill>
+        <p:spPr>
+          <a:xfrm>
+            <a:off x="691565" y="5298236"/>
+            <a:ext cx="174433" cy="174433"/>
+          </a:xfrm>
+          <a:prstGeom prst="rect">
+            <a:avLst/>
+          </a:prstGeom>
+        </p:spPr>
+      </p:pic>
+      <p:pic>
+        <p:nvPicPr>
+          <p:cNvPr id="77" name="Graphic 42" descr="Pause">
+            <a:extLst>
+              <a:ext uri="{FF2B5EF4-FFF2-40B4-BE49-F238E27FC236}">
+                <a16:creationId xmlns:a16="http://schemas.microsoft.com/office/drawing/2014/main" id="{ADBEFC96-2D78-48FE-BB56-2DCC63B2E382}"/>
+              </a:ext>
+            </a:extLst>
+          </p:cNvPr>
+          <p:cNvPicPr>
+            <a:picLocks noChangeAspect="1"/>
+          </p:cNvPicPr>
+          <p:nvPr/>
+        </p:nvPicPr>
+        <p:blipFill>
+          <a:blip r:embed="rId7">
+            <a:extLst>
+              <a:ext uri="{96DAC541-7B7A-43D3-8B79-37D633B846F1}">
+                <asvg:svgBlip xmlns:asvg="http://schemas.microsoft.com/office/drawing/2016/SVG/main" r:embed="rId8"/>
+              </a:ext>
+            </a:extLst>
+          </a:blip>
+          <a:stretch>
+            <a:fillRect/>
+          </a:stretch>
+        </p:blipFill>
+        <p:spPr>
+          <a:xfrm>
+            <a:off x="662184" y="2527866"/>
+            <a:ext cx="174433" cy="174433"/>
+          </a:xfrm>
+          <a:prstGeom prst="rect">
+            <a:avLst/>
+          </a:prstGeom>
+        </p:spPr>
+      </p:pic>
+      <p:pic>
+        <p:nvPicPr>
+          <p:cNvPr id="78" name="Graphic 10" descr="Checkmark">
+            <a:extLst>
+              <a:ext uri="{FF2B5EF4-FFF2-40B4-BE49-F238E27FC236}">
+                <a16:creationId xmlns:a16="http://schemas.microsoft.com/office/drawing/2014/main" id="{7913B9C4-4286-4B7A-A3F6-0C743F365FCE}"/>
+              </a:ext>
+            </a:extLst>
+          </p:cNvPr>
+          <p:cNvPicPr>
+            <a:picLocks noChangeAspect="1"/>
+          </p:cNvPicPr>
+          <p:nvPr/>
+        </p:nvPicPr>
+        <p:blipFill>
+          <a:blip r:embed="rId3">
+            <a:extLst>
+              <a:ext uri="{96DAC541-7B7A-43D3-8B79-37D633B846F1}">
+                <asvg:svgBlip xmlns:asvg="http://schemas.microsoft.com/office/drawing/2016/SVG/main" r:embed="rId4"/>
+              </a:ext>
+            </a:extLst>
+          </a:blip>
+          <a:stretch>
+            <a:fillRect/>
+          </a:stretch>
+        </p:blipFill>
+        <p:spPr>
+          <a:xfrm>
+            <a:off x="5624254" y="4963160"/>
+            <a:ext cx="174433" cy="174433"/>
+          </a:xfrm>
+          <a:prstGeom prst="rect">
+            <a:avLst/>
+          </a:prstGeom>
         </p:spPr>
       </p:pic>
     </p:spTree>
@@ -14856,7 +17968,7 @@
           <a:lstStyle/>
           <a:p>
             <a:r>
-              <a:rPr lang="es-ES_tradnl" dirty="0"/>
+              <a:rPr lang="es-ES_tradnl"/>
               <a:t>Policía Nacional</a:t>
             </a:r>
           </a:p>
@@ -14895,7 +18007,7 @@
               <a:buChar char="•"/>
             </a:pPr>
             <a:r>
-              <a:rPr lang="es-ES" sz="1600" dirty="0"/>
+              <a:rPr lang="es-ES" sz="1600"/>
               <a:t>Dirección de la sede</a:t>
             </a:r>
           </a:p>
@@ -14905,7 +18017,7 @@
               <a:buChar char="•"/>
             </a:pPr>
             <a:r>
-              <a:rPr lang="es-ES" sz="1600" dirty="0"/>
+              <a:rPr lang="es-ES" sz="1600"/>
               <a:t>Identificación de su titular. </a:t>
             </a:r>
           </a:p>
@@ -14915,7 +18027,7 @@
               <a:buChar char="•"/>
             </a:pPr>
             <a:r>
-              <a:rPr lang="es-ES" sz="1600" dirty="0"/>
+              <a:rPr lang="es-ES" sz="1600"/>
               <a:t>Canales de acceso a los servicios</a:t>
             </a:r>
           </a:p>
@@ -14925,7 +18037,7 @@
               <a:buChar char="•"/>
             </a:pPr>
             <a:r>
-              <a:rPr lang="es-ES" sz="1600" dirty="0"/>
+              <a:rPr lang="es-ES" sz="1600"/>
               <a:t>Quejas y sugerencias</a:t>
             </a:r>
           </a:p>
@@ -14935,7 +18047,7 @@
               <a:buChar char="•"/>
             </a:pPr>
             <a:r>
-              <a:rPr lang="es-ES" sz="1600" dirty="0"/>
+              <a:rPr lang="es-ES" sz="1600"/>
               <a:t>Identificación de la sede</a:t>
             </a:r>
           </a:p>
@@ -14945,7 +18057,7 @@
               <a:buChar char="•"/>
             </a:pPr>
             <a:r>
-              <a:rPr lang="es-ES" sz="1600" dirty="0"/>
+              <a:rPr lang="es-ES" sz="1600"/>
               <a:t>Sedes compartidas</a:t>
             </a:r>
           </a:p>
@@ -14955,7 +18067,7 @@
               <a:buChar char="•"/>
             </a:pPr>
             <a:r>
-              <a:rPr lang="es-ES" sz="1600" dirty="0"/>
+              <a:rPr lang="es-ES" sz="1600"/>
               <a:t>Subsedes</a:t>
             </a:r>
           </a:p>
@@ -14965,7 +18077,7 @@
               <a:buChar char="•"/>
             </a:pPr>
             <a:r>
-              <a:rPr lang="es-ES" sz="1600" dirty="0"/>
+              <a:rPr lang="es-ES" sz="1600"/>
               <a:t>Instrumento de creación.</a:t>
             </a:r>
           </a:p>
@@ -14975,7 +18087,7 @@
               <a:buChar char="•"/>
             </a:pPr>
             <a:r>
-              <a:rPr lang="es-ES" sz="1600" dirty="0"/>
+              <a:rPr lang="es-ES" sz="1600"/>
               <a:t>Mapa de la sede </a:t>
             </a:r>
           </a:p>
@@ -14985,7 +18097,7 @@
               <a:buChar char="•"/>
             </a:pPr>
             <a:r>
-              <a:rPr lang="es-ES" sz="1600" dirty="0"/>
+              <a:rPr lang="es-ES" sz="1600"/>
               <a:t>Estructura de navegación. </a:t>
             </a:r>
           </a:p>
@@ -14995,7 +18107,7 @@
               <a:buChar char="•"/>
             </a:pPr>
             <a:r>
-              <a:rPr lang="es-ES" sz="1600" dirty="0"/>
+              <a:rPr lang="es-ES" sz="1600"/>
               <a:t>Secciones disponibles. </a:t>
             </a:r>
           </a:p>
@@ -15005,7 +18117,7 @@
               <a:buChar char="•"/>
             </a:pPr>
             <a:r>
-              <a:rPr lang="es-ES" sz="1600" dirty="0"/>
+              <a:rPr lang="es-ES" sz="1600"/>
               <a:t>Propiedad intelectual. </a:t>
             </a:r>
           </a:p>
@@ -15015,7 +18127,7 @@
               <a:buChar char="•"/>
             </a:pPr>
             <a:r>
-              <a:rPr lang="es-ES" sz="1600" dirty="0"/>
+              <a:rPr lang="es-ES" sz="1600"/>
               <a:t>Protección de Datos de Carácter Personal.</a:t>
             </a:r>
           </a:p>
@@ -15025,7 +18137,7 @@
               <a:buChar char="•"/>
             </a:pPr>
             <a:r>
-              <a:rPr lang="es-ES" sz="1600" dirty="0"/>
+              <a:rPr lang="es-ES" sz="1600"/>
               <a:t>Enlace con las sedes electrónicas de las Agencias de Protección de Datos. </a:t>
             </a:r>
           </a:p>
@@ -15035,7 +18147,7 @@
               <a:buChar char="•"/>
             </a:pPr>
             <a:r>
-              <a:rPr lang="es-ES" sz="1600" dirty="0"/>
+              <a:rPr lang="es-ES" sz="1600"/>
               <a:t>Asesoramiento electrónico</a:t>
             </a:r>
           </a:p>
@@ -15045,7 +18157,7 @@
               <a:buChar char="•"/>
             </a:pPr>
             <a:r>
-              <a:rPr lang="es-ES" sz="1600" dirty="0"/>
+              <a:rPr lang="es-ES" sz="1600"/>
               <a:t>Sistema de verificación de los certificados.</a:t>
             </a:r>
           </a:p>
@@ -15055,7 +18167,7 @@
               <a:buChar char="•"/>
             </a:pPr>
             <a:r>
-              <a:rPr lang="es-ES" sz="1600" dirty="0"/>
+              <a:rPr lang="es-ES" sz="1600"/>
               <a:t>Sistemas de firma electrónica.</a:t>
             </a:r>
           </a:p>
@@ -15065,7 +18177,7 @@
               <a:buChar char="•"/>
             </a:pPr>
             <a:r>
-              <a:rPr lang="es-ES" sz="1600" dirty="0"/>
+              <a:rPr lang="es-ES" sz="1600"/>
               <a:t>Normas de creación del registro electrónico.</a:t>
             </a:r>
           </a:p>
@@ -15074,42 +18186,42 @@
               <a:buFont typeface="Arial" panose="020B0604020202020204" pitchFamily="34" charset="0"/>
               <a:buChar char="•"/>
             </a:pPr>
-            <a:endParaRPr lang="es-ES" sz="1600" dirty="0"/>
-          </a:p>
-          <a:p>
-            <a:pPr marL="285750" indent="-285750">
-              <a:buFont typeface="Arial" panose="020B0604020202020204" pitchFamily="34" charset="0"/>
-              <a:buChar char="•"/>
-            </a:pPr>
-            <a:endParaRPr lang="es-ES" sz="1600" dirty="0"/>
-          </a:p>
-          <a:p>
-            <a:pPr marL="285750" indent="-285750">
-              <a:buFont typeface="Arial" panose="020B0604020202020204" pitchFamily="34" charset="0"/>
-              <a:buChar char="•"/>
-            </a:pPr>
-            <a:endParaRPr lang="es-ES" sz="1600" dirty="0"/>
-          </a:p>
-          <a:p>
-            <a:pPr marL="285750" indent="-285750">
-              <a:buFont typeface="Arial" panose="020B0604020202020204" pitchFamily="34" charset="0"/>
-              <a:buChar char="•"/>
-            </a:pPr>
-            <a:endParaRPr lang="es-ES" sz="1600" dirty="0"/>
-          </a:p>
-          <a:p>
-            <a:pPr marL="285750" indent="-285750">
-              <a:buFont typeface="Arial" panose="020B0604020202020204" pitchFamily="34" charset="0"/>
-              <a:buChar char="•"/>
-            </a:pPr>
-            <a:endParaRPr lang="es-ES" sz="1600" dirty="0"/>
-          </a:p>
-          <a:p>
-            <a:pPr marL="285750" indent="-285750">
-              <a:buFont typeface="Arial" panose="020B0604020202020204" pitchFamily="34" charset="0"/>
-              <a:buChar char="•"/>
-            </a:pPr>
-            <a:endParaRPr lang="es-ES" sz="1600" dirty="0"/>
+            <a:endParaRPr lang="es-ES" sz="1600"/>
+          </a:p>
+          <a:p>
+            <a:pPr marL="285750" indent="-285750">
+              <a:buFont typeface="Arial" panose="020B0604020202020204" pitchFamily="34" charset="0"/>
+              <a:buChar char="•"/>
+            </a:pPr>
+            <a:endParaRPr lang="es-ES" sz="1600"/>
+          </a:p>
+          <a:p>
+            <a:pPr marL="285750" indent="-285750">
+              <a:buFont typeface="Arial" panose="020B0604020202020204" pitchFamily="34" charset="0"/>
+              <a:buChar char="•"/>
+            </a:pPr>
+            <a:endParaRPr lang="es-ES" sz="1600"/>
+          </a:p>
+          <a:p>
+            <a:pPr marL="285750" indent="-285750">
+              <a:buFont typeface="Arial" panose="020B0604020202020204" pitchFamily="34" charset="0"/>
+              <a:buChar char="•"/>
+            </a:pPr>
+            <a:endParaRPr lang="es-ES" sz="1600"/>
+          </a:p>
+          <a:p>
+            <a:pPr marL="285750" indent="-285750">
+              <a:buFont typeface="Arial" panose="020B0604020202020204" pitchFamily="34" charset="0"/>
+              <a:buChar char="•"/>
+            </a:pPr>
+            <a:endParaRPr lang="es-ES" sz="1600"/>
+          </a:p>
+          <a:p>
+            <a:pPr marL="285750" indent="-285750">
+              <a:buFont typeface="Arial" panose="020B0604020202020204" pitchFamily="34" charset="0"/>
+              <a:buChar char="•"/>
+            </a:pPr>
+            <a:endParaRPr lang="es-ES" sz="1600"/>
           </a:p>
         </p:txBody>
       </p:sp>
@@ -15146,7 +18258,7 @@
               <a:buChar char="•"/>
             </a:pPr>
             <a:r>
-              <a:rPr lang="es-ES" sz="1600" dirty="0"/>
+              <a:rPr lang="es-ES" sz="1600"/>
               <a:t>Relación de los servicios disponibles en la sede electrónica. </a:t>
             </a:r>
           </a:p>
@@ -15156,7 +18268,7 @@
               <a:buChar char="•"/>
             </a:pPr>
             <a:r>
-              <a:rPr lang="es-ES" sz="1600" dirty="0"/>
+              <a:rPr lang="es-ES" sz="1600"/>
               <a:t>Carta de servicios. </a:t>
             </a:r>
           </a:p>
@@ -15166,7 +18278,7 @@
               <a:buChar char="•"/>
             </a:pPr>
             <a:r>
-              <a:rPr lang="es-ES" sz="1600" dirty="0"/>
+              <a:rPr lang="es-ES" sz="1600"/>
               <a:t>Carta de servicios electrónicos. </a:t>
             </a:r>
           </a:p>
@@ -15176,7 +18288,7 @@
               <a:buChar char="•"/>
             </a:pPr>
             <a:r>
-              <a:rPr lang="es-ES" sz="1600" dirty="0"/>
+              <a:rPr lang="es-ES" sz="1600"/>
               <a:t>Medios electrónicos que los usuarios pueden utilizar. </a:t>
             </a:r>
           </a:p>
@@ -15186,7 +18298,7 @@
               <a:buChar char="•"/>
             </a:pPr>
             <a:r>
-              <a:rPr lang="es-ES" sz="1600" dirty="0"/>
+              <a:rPr lang="es-ES" sz="1600"/>
               <a:t>Sistema de sugerencias y quejas ante otros órganos.</a:t>
             </a:r>
           </a:p>
@@ -15196,7 +18308,7 @@
               <a:buChar char="•"/>
             </a:pPr>
             <a:r>
-              <a:rPr lang="es-ES" sz="1600" dirty="0"/>
+              <a:rPr lang="es-ES" sz="1600"/>
               <a:t>Acceso al estado de tramitación del expediente. </a:t>
             </a:r>
           </a:p>
@@ -15206,7 +18318,7 @@
               <a:buChar char="•"/>
             </a:pPr>
             <a:r>
-              <a:rPr lang="es-ES" sz="1600" dirty="0"/>
+              <a:rPr lang="es-ES" sz="1600"/>
               <a:t>Publicación de los diarios o boletines. </a:t>
             </a:r>
           </a:p>
@@ -15216,7 +18328,7 @@
               <a:buChar char="•"/>
             </a:pPr>
             <a:r>
-              <a:rPr lang="es-ES" sz="1600" dirty="0"/>
+              <a:rPr lang="es-ES" sz="1600"/>
               <a:t>Tablón de anuncios.</a:t>
             </a:r>
           </a:p>
@@ -15226,7 +18338,7 @@
               <a:buChar char="•"/>
             </a:pPr>
             <a:r>
-              <a:rPr lang="es-ES" sz="1600" dirty="0"/>
+              <a:rPr lang="es-ES" sz="1600"/>
               <a:t>Verificación de los sellos electrónicos.</a:t>
             </a:r>
           </a:p>
@@ -15236,7 +18348,7 @@
               <a:buChar char="•"/>
             </a:pPr>
             <a:r>
-              <a:rPr lang="es-ES" sz="1600" dirty="0"/>
+              <a:rPr lang="es-ES" sz="1600"/>
               <a:t>Comprobación de la autenticidad e integridad.</a:t>
             </a:r>
           </a:p>
@@ -15246,7 +18358,7 @@
               <a:buChar char="•"/>
             </a:pPr>
             <a:r>
-              <a:rPr lang="es-ES" sz="1600" dirty="0"/>
+              <a:rPr lang="es-ES" sz="1600"/>
               <a:t>Indicación de la fecha y hora oficial. </a:t>
             </a:r>
           </a:p>
@@ -15256,7 +18368,7 @@
               <a:buChar char="•"/>
             </a:pPr>
             <a:r>
-              <a:rPr lang="es-ES" sz="1600" dirty="0"/>
+              <a:rPr lang="es-ES" sz="1600"/>
               <a:t>Lista con los días considerados inhábiles. </a:t>
             </a:r>
           </a:p>
@@ -15266,7 +18378,7 @@
               <a:buChar char="•"/>
             </a:pPr>
             <a:r>
-              <a:rPr lang="es-ES" sz="1600" dirty="0"/>
+              <a:rPr lang="es-ES" sz="1600"/>
               <a:t>Otros servicios o contenidos. </a:t>
             </a:r>
           </a:p>
@@ -15276,7 +18388,7 @@
               <a:buChar char="•"/>
             </a:pPr>
             <a:r>
-              <a:rPr lang="es-ES" sz="1600" dirty="0"/>
+              <a:rPr lang="es-ES" sz="1600"/>
               <a:t>Lenguas cooficiales. </a:t>
             </a:r>
           </a:p>
@@ -15286,7 +18398,7 @@
               <a:buChar char="•"/>
             </a:pPr>
             <a:r>
-              <a:rPr lang="es-ES" sz="1600" dirty="0"/>
+              <a:rPr lang="es-ES" sz="1600"/>
               <a:t>Información sobre cuando se está navegando dentro o fuera de la sede.</a:t>
             </a:r>
           </a:p>
@@ -15296,7 +18408,7 @@
               <a:buChar char="•"/>
             </a:pPr>
             <a:r>
-              <a:rPr lang="es-ES" sz="1600" dirty="0"/>
+              <a:rPr lang="es-ES" sz="1600"/>
               <a:t>Verifica los principios de accesibilidad y usabilidad. </a:t>
             </a:r>
           </a:p>
@@ -15306,7 +18418,7 @@
               <a:buChar char="•"/>
             </a:pPr>
             <a:r>
-              <a:rPr lang="es-ES" sz="1600" dirty="0"/>
+              <a:rPr lang="es-ES" sz="1600"/>
               <a:t>Elementos basados en estándares abiertos</a:t>
             </a:r>
           </a:p>

--- a/P2/ppt.pptx
+++ b/P2/ppt.pptx
@@ -125,6 +125,642 @@
 </p:presentation>
 </file>
 
+<file path=ppt/revisionInfo.xml><?xml version="1.0" encoding="utf-8"?>
+<p1510:revInfo xmlns:a="http://schemas.openxmlformats.org/drawingml/2006/main" xmlns:r="http://schemas.openxmlformats.org/officeDocument/2006/relationships" xmlns:p1510="http://schemas.microsoft.com/office/powerpoint/2015/10/main">
+  <p1510:revLst>
+    <p1510:client id="{31CB39B3-35D3-4593-B59B-ABAD6344E210}" v="5" dt="2019-05-06T20:13:50.769"/>
+  </p1510:revLst>
+</p1510:revInfo>
+</file>
+
+<file path=ppt/changesInfos/changesInfo1.xml><?xml version="1.0" encoding="utf-8"?>
+<pc:chgInfo xmlns:a="http://schemas.openxmlformats.org/drawingml/2006/main" xmlns:r="http://schemas.openxmlformats.org/officeDocument/2006/relationships" xmlns:ac="http://schemas.microsoft.com/office/drawing/2013/main/command" xmlns:pc="http://schemas.microsoft.com/office/powerpoint/2013/main/command">
+  <pc:docChgLst>
+    <pc:chgData name="Márquez Mínguez David" userId="S::david.marquez@edu.uah.es::58bb8e2a-3a27-4162-b3e3-224d4a8d687d" providerId="AD" clId="Web-{31CB39B3-35D3-4593-B59B-ABAD6344E210}"/>
+    <pc:docChg chg="modSld">
+      <pc:chgData name="Márquez Mínguez David" userId="S::david.marquez@edu.uah.es::58bb8e2a-3a27-4162-b3e3-224d4a8d687d" providerId="AD" clId="Web-{31CB39B3-35D3-4593-B59B-ABAD6344E210}" dt="2019-05-06T20:13:50.769" v="84" actId="1076"/>
+      <pc:docMkLst>
+        <pc:docMk/>
+      </pc:docMkLst>
+      <pc:sldChg chg="addSp delSp modSp">
+        <pc:chgData name="Márquez Mínguez David" userId="S::david.marquez@edu.uah.es::58bb8e2a-3a27-4162-b3e3-224d4a8d687d" providerId="AD" clId="Web-{31CB39B3-35D3-4593-B59B-ABAD6344E210}" dt="2019-05-06T20:11:21.845" v="72" actId="1076"/>
+        <pc:sldMkLst>
+          <pc:docMk/>
+          <pc:sldMk cId="3989210694" sldId="260"/>
+        </pc:sldMkLst>
+        <pc:picChg chg="add">
+          <ac:chgData name="Márquez Mínguez David" userId="S::david.marquez@edu.uah.es::58bb8e2a-3a27-4162-b3e3-224d4a8d687d" providerId="AD" clId="Web-{31CB39B3-35D3-4593-B59B-ABAD6344E210}" dt="2019-05-06T20:10:48.439" v="0"/>
+          <ac:picMkLst>
+            <pc:docMk/>
+            <pc:sldMk cId="3989210694" sldId="260"/>
+            <ac:picMk id="3" creationId="{2A51D636-1E61-455F-B011-8790DB3F863C}"/>
+          </ac:picMkLst>
+        </pc:picChg>
+        <pc:picChg chg="add">
+          <ac:chgData name="Márquez Mínguez David" userId="S::david.marquez@edu.uah.es::58bb8e2a-3a27-4162-b3e3-224d4a8d687d" providerId="AD" clId="Web-{31CB39B3-35D3-4593-B59B-ABAD6344E210}" dt="2019-05-06T20:10:48.454" v="1"/>
+          <ac:picMkLst>
+            <pc:docMk/>
+            <pc:sldMk cId="3989210694" sldId="260"/>
+            <ac:picMk id="4" creationId="{1EF479A5-5C12-4EAC-B82D-FDB5E669DE3A}"/>
+          </ac:picMkLst>
+        </pc:picChg>
+        <pc:picChg chg="add">
+          <ac:chgData name="Márquez Mínguez David" userId="S::david.marquez@edu.uah.es::58bb8e2a-3a27-4162-b3e3-224d4a8d687d" providerId="AD" clId="Web-{31CB39B3-35D3-4593-B59B-ABAD6344E210}" dt="2019-05-06T20:10:48.471" v="2"/>
+          <ac:picMkLst>
+            <pc:docMk/>
+            <pc:sldMk cId="3989210694" sldId="260"/>
+            <ac:picMk id="5" creationId="{2298B27A-ECE6-4497-A544-EC141B4A2519}"/>
+          </ac:picMkLst>
+        </pc:picChg>
+        <pc:picChg chg="add">
+          <ac:chgData name="Márquez Mínguez David" userId="S::david.marquez@edu.uah.es::58bb8e2a-3a27-4162-b3e3-224d4a8d687d" providerId="AD" clId="Web-{31CB39B3-35D3-4593-B59B-ABAD6344E210}" dt="2019-05-06T20:10:48.486" v="3"/>
+          <ac:picMkLst>
+            <pc:docMk/>
+            <pc:sldMk cId="3989210694" sldId="260"/>
+            <ac:picMk id="13" creationId="{FDA3D8A0-A93A-49CD-9752-D5E7E0153B77}"/>
+          </ac:picMkLst>
+        </pc:picChg>
+        <pc:picChg chg="add">
+          <ac:chgData name="Márquez Mínguez David" userId="S::david.marquez@edu.uah.es::58bb8e2a-3a27-4162-b3e3-224d4a8d687d" providerId="AD" clId="Web-{31CB39B3-35D3-4593-B59B-ABAD6344E210}" dt="2019-05-06T20:10:48.517" v="4"/>
+          <ac:picMkLst>
+            <pc:docMk/>
+            <pc:sldMk cId="3989210694" sldId="260"/>
+            <ac:picMk id="15" creationId="{69958C2C-C8F5-4A93-8C0C-A30E059D6F92}"/>
+          </ac:picMkLst>
+        </pc:picChg>
+        <pc:picChg chg="add">
+          <ac:chgData name="Márquez Mínguez David" userId="S::david.marquez@edu.uah.es::58bb8e2a-3a27-4162-b3e3-224d4a8d687d" providerId="AD" clId="Web-{31CB39B3-35D3-4593-B59B-ABAD6344E210}" dt="2019-05-06T20:10:48.548" v="5"/>
+          <ac:picMkLst>
+            <pc:docMk/>
+            <pc:sldMk cId="3989210694" sldId="260"/>
+            <ac:picMk id="17" creationId="{4FE1FBA6-F86E-4E96-8F69-9C5AD013A8D1}"/>
+          </ac:picMkLst>
+        </pc:picChg>
+        <pc:picChg chg="add">
+          <ac:chgData name="Márquez Mínguez David" userId="S::david.marquez@edu.uah.es::58bb8e2a-3a27-4162-b3e3-224d4a8d687d" providerId="AD" clId="Web-{31CB39B3-35D3-4593-B59B-ABAD6344E210}" dt="2019-05-06T20:10:48.579" v="6"/>
+          <ac:picMkLst>
+            <pc:docMk/>
+            <pc:sldMk cId="3989210694" sldId="260"/>
+            <ac:picMk id="19" creationId="{02AB3960-7575-4AD3-8CCD-6F5E24241487}"/>
+          </ac:picMkLst>
+        </pc:picChg>
+        <pc:picChg chg="add">
+          <ac:chgData name="Márquez Mínguez David" userId="S::david.marquez@edu.uah.es::58bb8e2a-3a27-4162-b3e3-224d4a8d687d" providerId="AD" clId="Web-{31CB39B3-35D3-4593-B59B-ABAD6344E210}" dt="2019-05-06T20:10:48.595" v="7"/>
+          <ac:picMkLst>
+            <pc:docMk/>
+            <pc:sldMk cId="3989210694" sldId="260"/>
+            <ac:picMk id="21" creationId="{9F208E6F-0B9E-4FF4-8796-FA011BFFDA6D}"/>
+          </ac:picMkLst>
+        </pc:picChg>
+        <pc:picChg chg="add">
+          <ac:chgData name="Márquez Mínguez David" userId="S::david.marquez@edu.uah.es::58bb8e2a-3a27-4162-b3e3-224d4a8d687d" providerId="AD" clId="Web-{31CB39B3-35D3-4593-B59B-ABAD6344E210}" dt="2019-05-06T20:10:48.626" v="8"/>
+          <ac:picMkLst>
+            <pc:docMk/>
+            <pc:sldMk cId="3989210694" sldId="260"/>
+            <ac:picMk id="23" creationId="{E9838BAF-C730-45F5-9E1F-C1F7370DDD4F}"/>
+          </ac:picMkLst>
+        </pc:picChg>
+        <pc:picChg chg="add">
+          <ac:chgData name="Márquez Mínguez David" userId="S::david.marquez@edu.uah.es::58bb8e2a-3a27-4162-b3e3-224d4a8d687d" providerId="AD" clId="Web-{31CB39B3-35D3-4593-B59B-ABAD6344E210}" dt="2019-05-06T20:10:48.642" v="9"/>
+          <ac:picMkLst>
+            <pc:docMk/>
+            <pc:sldMk cId="3989210694" sldId="260"/>
+            <ac:picMk id="25" creationId="{C70836DB-2A46-4C20-BD3E-08258F5B39FE}"/>
+          </ac:picMkLst>
+        </pc:picChg>
+        <pc:picChg chg="add">
+          <ac:chgData name="Márquez Mínguez David" userId="S::david.marquez@edu.uah.es::58bb8e2a-3a27-4162-b3e3-224d4a8d687d" providerId="AD" clId="Web-{31CB39B3-35D3-4593-B59B-ABAD6344E210}" dt="2019-05-06T20:10:48.673" v="10"/>
+          <ac:picMkLst>
+            <pc:docMk/>
+            <pc:sldMk cId="3989210694" sldId="260"/>
+            <ac:picMk id="27" creationId="{4C5B2BF4-884F-47F3-A28D-CE760FB5DDF0}"/>
+          </ac:picMkLst>
+        </pc:picChg>
+        <pc:picChg chg="add">
+          <ac:chgData name="Márquez Mínguez David" userId="S::david.marquez@edu.uah.es::58bb8e2a-3a27-4162-b3e3-224d4a8d687d" providerId="AD" clId="Web-{31CB39B3-35D3-4593-B59B-ABAD6344E210}" dt="2019-05-06T20:10:48.689" v="11"/>
+          <ac:picMkLst>
+            <pc:docMk/>
+            <pc:sldMk cId="3989210694" sldId="260"/>
+            <ac:picMk id="29" creationId="{1B4CB56D-8DEE-40AE-926E-CC4876000152}"/>
+          </ac:picMkLst>
+        </pc:picChg>
+        <pc:picChg chg="add">
+          <ac:chgData name="Márquez Mínguez David" userId="S::david.marquez@edu.uah.es::58bb8e2a-3a27-4162-b3e3-224d4a8d687d" providerId="AD" clId="Web-{31CB39B3-35D3-4593-B59B-ABAD6344E210}" dt="2019-05-06T20:10:48.720" v="12"/>
+          <ac:picMkLst>
+            <pc:docMk/>
+            <pc:sldMk cId="3989210694" sldId="260"/>
+            <ac:picMk id="31" creationId="{200A801C-07FF-48F8-BC78-1E129B5876CE}"/>
+          </ac:picMkLst>
+        </pc:picChg>
+        <pc:picChg chg="add">
+          <ac:chgData name="Márquez Mínguez David" userId="S::david.marquez@edu.uah.es::58bb8e2a-3a27-4162-b3e3-224d4a8d687d" providerId="AD" clId="Web-{31CB39B3-35D3-4593-B59B-ABAD6344E210}" dt="2019-05-06T20:10:48.736" v="13"/>
+          <ac:picMkLst>
+            <pc:docMk/>
+            <pc:sldMk cId="3989210694" sldId="260"/>
+            <ac:picMk id="33" creationId="{7F72139C-3F68-4DA5-9D00-E689EC770A1C}"/>
+          </ac:picMkLst>
+        </pc:picChg>
+        <pc:picChg chg="add">
+          <ac:chgData name="Márquez Mínguez David" userId="S::david.marquez@edu.uah.es::58bb8e2a-3a27-4162-b3e3-224d4a8d687d" providerId="AD" clId="Web-{31CB39B3-35D3-4593-B59B-ABAD6344E210}" dt="2019-05-06T20:10:48.751" v="14"/>
+          <ac:picMkLst>
+            <pc:docMk/>
+            <pc:sldMk cId="3989210694" sldId="260"/>
+            <ac:picMk id="35" creationId="{F0FC8119-2AFB-463B-8004-21FC0DC3860A}"/>
+          </ac:picMkLst>
+        </pc:picChg>
+        <pc:picChg chg="add del">
+          <ac:chgData name="Márquez Mínguez David" userId="S::david.marquez@edu.uah.es::58bb8e2a-3a27-4162-b3e3-224d4a8d687d" providerId="AD" clId="Web-{31CB39B3-35D3-4593-B59B-ABAD6344E210}" dt="2019-05-06T20:11:13.892" v="70"/>
+          <ac:picMkLst>
+            <pc:docMk/>
+            <pc:sldMk cId="3989210694" sldId="260"/>
+            <ac:picMk id="37" creationId="{C9648110-7BAD-4642-BC7A-506F481D1790}"/>
+          </ac:picMkLst>
+        </pc:picChg>
+        <pc:picChg chg="add">
+          <ac:chgData name="Márquez Mínguez David" userId="S::david.marquez@edu.uah.es::58bb8e2a-3a27-4162-b3e3-224d4a8d687d" providerId="AD" clId="Web-{31CB39B3-35D3-4593-B59B-ABAD6344E210}" dt="2019-05-06T20:10:48.798" v="16"/>
+          <ac:picMkLst>
+            <pc:docMk/>
+            <pc:sldMk cId="3989210694" sldId="260"/>
+            <ac:picMk id="39" creationId="{023FBDE6-0B7A-4C3F-AF99-9D052C05687F}"/>
+          </ac:picMkLst>
+        </pc:picChg>
+        <pc:picChg chg="add">
+          <ac:chgData name="Márquez Mínguez David" userId="S::david.marquez@edu.uah.es::58bb8e2a-3a27-4162-b3e3-224d4a8d687d" providerId="AD" clId="Web-{31CB39B3-35D3-4593-B59B-ABAD6344E210}" dt="2019-05-06T20:10:48.829" v="17"/>
+          <ac:picMkLst>
+            <pc:docMk/>
+            <pc:sldMk cId="3989210694" sldId="260"/>
+            <ac:picMk id="41" creationId="{B9080AB9-AC0F-4139-BFF4-EEE81DD4DA63}"/>
+          </ac:picMkLst>
+        </pc:picChg>
+        <pc:picChg chg="add">
+          <ac:chgData name="Márquez Mínguez David" userId="S::david.marquez@edu.uah.es::58bb8e2a-3a27-4162-b3e3-224d4a8d687d" providerId="AD" clId="Web-{31CB39B3-35D3-4593-B59B-ABAD6344E210}" dt="2019-05-06T20:10:48.845" v="18"/>
+          <ac:picMkLst>
+            <pc:docMk/>
+            <pc:sldMk cId="3989210694" sldId="260"/>
+            <ac:picMk id="43" creationId="{92272A99-07E4-4636-8E5F-C0F06193384E}"/>
+          </ac:picMkLst>
+        </pc:picChg>
+        <pc:picChg chg="add">
+          <ac:chgData name="Márquez Mínguez David" userId="S::david.marquez@edu.uah.es::58bb8e2a-3a27-4162-b3e3-224d4a8d687d" providerId="AD" clId="Web-{31CB39B3-35D3-4593-B59B-ABAD6344E210}" dt="2019-05-06T20:10:48.861" v="19"/>
+          <ac:picMkLst>
+            <pc:docMk/>
+            <pc:sldMk cId="3989210694" sldId="260"/>
+            <ac:picMk id="45" creationId="{1793D4FE-2059-4E16-AE27-3C2018F55117}"/>
+          </ac:picMkLst>
+        </pc:picChg>
+        <pc:picChg chg="add">
+          <ac:chgData name="Márquez Mínguez David" userId="S::david.marquez@edu.uah.es::58bb8e2a-3a27-4162-b3e3-224d4a8d687d" providerId="AD" clId="Web-{31CB39B3-35D3-4593-B59B-ABAD6344E210}" dt="2019-05-06T20:10:48.892" v="20"/>
+          <ac:picMkLst>
+            <pc:docMk/>
+            <pc:sldMk cId="3989210694" sldId="260"/>
+            <ac:picMk id="47" creationId="{359E5A0D-7128-4ABA-A338-7F824C5EF60A}"/>
+          </ac:picMkLst>
+        </pc:picChg>
+        <pc:picChg chg="add">
+          <ac:chgData name="Márquez Mínguez David" userId="S::david.marquez@edu.uah.es::58bb8e2a-3a27-4162-b3e3-224d4a8d687d" providerId="AD" clId="Web-{31CB39B3-35D3-4593-B59B-ABAD6344E210}" dt="2019-05-06T20:10:48.907" v="21"/>
+          <ac:picMkLst>
+            <pc:docMk/>
+            <pc:sldMk cId="3989210694" sldId="260"/>
+            <ac:picMk id="49" creationId="{8DA75BE5-3109-4C8F-8E19-796FBEB7B242}"/>
+          </ac:picMkLst>
+        </pc:picChg>
+        <pc:picChg chg="add">
+          <ac:chgData name="Márquez Mínguez David" userId="S::david.marquez@edu.uah.es::58bb8e2a-3a27-4162-b3e3-224d4a8d687d" providerId="AD" clId="Web-{31CB39B3-35D3-4593-B59B-ABAD6344E210}" dt="2019-05-06T20:10:48.923" v="22"/>
+          <ac:picMkLst>
+            <pc:docMk/>
+            <pc:sldMk cId="3989210694" sldId="260"/>
+            <ac:picMk id="51" creationId="{F5885F3A-35AF-4CA1-9E25-33FD0098BC36}"/>
+          </ac:picMkLst>
+        </pc:picChg>
+        <pc:picChg chg="add">
+          <ac:chgData name="Márquez Mínguez David" userId="S::david.marquez@edu.uah.es::58bb8e2a-3a27-4162-b3e3-224d4a8d687d" providerId="AD" clId="Web-{31CB39B3-35D3-4593-B59B-ABAD6344E210}" dt="2019-05-06T20:10:48.939" v="23"/>
+          <ac:picMkLst>
+            <pc:docMk/>
+            <pc:sldMk cId="3989210694" sldId="260"/>
+            <ac:picMk id="53" creationId="{728DA277-816A-4A32-BA16-E5980A9870FD}"/>
+          </ac:picMkLst>
+        </pc:picChg>
+        <pc:picChg chg="add">
+          <ac:chgData name="Márquez Mínguez David" userId="S::david.marquez@edu.uah.es::58bb8e2a-3a27-4162-b3e3-224d4a8d687d" providerId="AD" clId="Web-{31CB39B3-35D3-4593-B59B-ABAD6344E210}" dt="2019-05-06T20:10:48.970" v="24"/>
+          <ac:picMkLst>
+            <pc:docMk/>
+            <pc:sldMk cId="3989210694" sldId="260"/>
+            <ac:picMk id="55" creationId="{D7E53530-E089-419A-BF85-4FEB627A1302}"/>
+          </ac:picMkLst>
+        </pc:picChg>
+        <pc:picChg chg="add">
+          <ac:chgData name="Márquez Mínguez David" userId="S::david.marquez@edu.uah.es::58bb8e2a-3a27-4162-b3e3-224d4a8d687d" providerId="AD" clId="Web-{31CB39B3-35D3-4593-B59B-ABAD6344E210}" dt="2019-05-06T20:10:48.986" v="25"/>
+          <ac:picMkLst>
+            <pc:docMk/>
+            <pc:sldMk cId="3989210694" sldId="260"/>
+            <ac:picMk id="57" creationId="{CD6A0EB9-D69C-4C0D-802C-1F81A38A6949}"/>
+          </ac:picMkLst>
+        </pc:picChg>
+        <pc:picChg chg="add">
+          <ac:chgData name="Márquez Mínguez David" userId="S::david.marquez@edu.uah.es::58bb8e2a-3a27-4162-b3e3-224d4a8d687d" providerId="AD" clId="Web-{31CB39B3-35D3-4593-B59B-ABAD6344E210}" dt="2019-05-06T20:10:49.017" v="26"/>
+          <ac:picMkLst>
+            <pc:docMk/>
+            <pc:sldMk cId="3989210694" sldId="260"/>
+            <ac:picMk id="59" creationId="{57228E9C-6521-4CF8-A798-37785D19B01D}"/>
+          </ac:picMkLst>
+        </pc:picChg>
+        <pc:picChg chg="add">
+          <ac:chgData name="Márquez Mínguez David" userId="S::david.marquez@edu.uah.es::58bb8e2a-3a27-4162-b3e3-224d4a8d687d" providerId="AD" clId="Web-{31CB39B3-35D3-4593-B59B-ABAD6344E210}" dt="2019-05-06T20:10:49.032" v="27"/>
+          <ac:picMkLst>
+            <pc:docMk/>
+            <pc:sldMk cId="3989210694" sldId="260"/>
+            <ac:picMk id="61" creationId="{49823E91-492C-405A-86C2-31A3314B49EE}"/>
+          </ac:picMkLst>
+        </pc:picChg>
+        <pc:picChg chg="add">
+          <ac:chgData name="Márquez Mínguez David" userId="S::david.marquez@edu.uah.es::58bb8e2a-3a27-4162-b3e3-224d4a8d687d" providerId="AD" clId="Web-{31CB39B3-35D3-4593-B59B-ABAD6344E210}" dt="2019-05-06T20:10:49.064" v="28"/>
+          <ac:picMkLst>
+            <pc:docMk/>
+            <pc:sldMk cId="3989210694" sldId="260"/>
+            <ac:picMk id="63" creationId="{9A3B6C03-B340-47A3-9D9F-B41F0DBCB93A}"/>
+          </ac:picMkLst>
+        </pc:picChg>
+        <pc:picChg chg="add">
+          <ac:chgData name="Márquez Mínguez David" userId="S::david.marquez@edu.uah.es::58bb8e2a-3a27-4162-b3e3-224d4a8d687d" providerId="AD" clId="Web-{31CB39B3-35D3-4593-B59B-ABAD6344E210}" dt="2019-05-06T20:10:49.079" v="29"/>
+          <ac:picMkLst>
+            <pc:docMk/>
+            <pc:sldMk cId="3989210694" sldId="260"/>
+            <ac:picMk id="65" creationId="{BF1821CD-0833-4CEE-AA8C-2FCB7C09C3B4}"/>
+          </ac:picMkLst>
+        </pc:picChg>
+        <pc:picChg chg="add">
+          <ac:chgData name="Márquez Mínguez David" userId="S::david.marquez@edu.uah.es::58bb8e2a-3a27-4162-b3e3-224d4a8d687d" providerId="AD" clId="Web-{31CB39B3-35D3-4593-B59B-ABAD6344E210}" dt="2019-05-06T20:10:49.111" v="30"/>
+          <ac:picMkLst>
+            <pc:docMk/>
+            <pc:sldMk cId="3989210694" sldId="260"/>
+            <ac:picMk id="67" creationId="{0AFBE53D-55C0-440A-BD92-A82B98E21504}"/>
+          </ac:picMkLst>
+        </pc:picChg>
+        <pc:picChg chg="add">
+          <ac:chgData name="Márquez Mínguez David" userId="S::david.marquez@edu.uah.es::58bb8e2a-3a27-4162-b3e3-224d4a8d687d" providerId="AD" clId="Web-{31CB39B3-35D3-4593-B59B-ABAD6344E210}" dt="2019-05-06T20:10:49.127" v="31"/>
+          <ac:picMkLst>
+            <pc:docMk/>
+            <pc:sldMk cId="3989210694" sldId="260"/>
+            <ac:picMk id="69" creationId="{7CA0499F-2108-483B-B3B3-DC2F24A3E41A}"/>
+          </ac:picMkLst>
+        </pc:picChg>
+        <pc:picChg chg="add">
+          <ac:chgData name="Márquez Mínguez David" userId="S::david.marquez@edu.uah.es::58bb8e2a-3a27-4162-b3e3-224d4a8d687d" providerId="AD" clId="Web-{31CB39B3-35D3-4593-B59B-ABAD6344E210}" dt="2019-05-06T20:10:49.158" v="32"/>
+          <ac:picMkLst>
+            <pc:docMk/>
+            <pc:sldMk cId="3989210694" sldId="260"/>
+            <ac:picMk id="71" creationId="{84330BD1-B36A-4607-998E-6201F77543F6}"/>
+          </ac:picMkLst>
+        </pc:picChg>
+        <pc:picChg chg="add">
+          <ac:chgData name="Márquez Mínguez David" userId="S::david.marquez@edu.uah.es::58bb8e2a-3a27-4162-b3e3-224d4a8d687d" providerId="AD" clId="Web-{31CB39B3-35D3-4593-B59B-ABAD6344E210}" dt="2019-05-06T20:10:49.173" v="33"/>
+          <ac:picMkLst>
+            <pc:docMk/>
+            <pc:sldMk cId="3989210694" sldId="260"/>
+            <ac:picMk id="73" creationId="{5529FDA8-04FB-4856-B675-58AC23CB7E23}"/>
+          </ac:picMkLst>
+        </pc:picChg>
+        <pc:picChg chg="add">
+          <ac:chgData name="Márquez Mínguez David" userId="S::david.marquez@edu.uah.es::58bb8e2a-3a27-4162-b3e3-224d4a8d687d" providerId="AD" clId="Web-{31CB39B3-35D3-4593-B59B-ABAD6344E210}" dt="2019-05-06T20:10:49.189" v="34"/>
+          <ac:picMkLst>
+            <pc:docMk/>
+            <pc:sldMk cId="3989210694" sldId="260"/>
+            <ac:picMk id="75" creationId="{4B915163-6A91-4FAE-8057-8D8DFD5AC0C4}"/>
+          </ac:picMkLst>
+        </pc:picChg>
+        <pc:picChg chg="add mod">
+          <ac:chgData name="Márquez Mínguez David" userId="S::david.marquez@edu.uah.es::58bb8e2a-3a27-4162-b3e3-224d4a8d687d" providerId="AD" clId="Web-{31CB39B3-35D3-4593-B59B-ABAD6344E210}" dt="2019-05-06T20:11:21.845" v="72" actId="1076"/>
+          <ac:picMkLst>
+            <pc:docMk/>
+            <pc:sldMk cId="3989210694" sldId="260"/>
+            <ac:picMk id="76" creationId="{CD23DD18-C2DC-4A7B-A390-DFA101F906E8}"/>
+          </ac:picMkLst>
+        </pc:picChg>
+      </pc:sldChg>
+      <pc:sldChg chg="addSp delSp modSp">
+        <pc:chgData name="Márquez Mínguez David" userId="S::david.marquez@edu.uah.es::58bb8e2a-3a27-4162-b3e3-224d4a8d687d" providerId="AD" clId="Web-{31CB39B3-35D3-4593-B59B-ABAD6344E210}" dt="2019-05-06T20:13:50.769" v="84" actId="1076"/>
+        <pc:sldMkLst>
+          <pc:docMk/>
+          <pc:sldMk cId="3043704617" sldId="263"/>
+        </pc:sldMkLst>
+        <pc:picChg chg="add">
+          <ac:chgData name="Márquez Mínguez David" userId="S::david.marquez@edu.uah.es::58bb8e2a-3a27-4162-b3e3-224d4a8d687d" providerId="AD" clId="Web-{31CB39B3-35D3-4593-B59B-ABAD6344E210}" dt="2019-05-06T20:10:53.486" v="35"/>
+          <ac:picMkLst>
+            <pc:docMk/>
+            <pc:sldMk cId="3043704617" sldId="263"/>
+            <ac:picMk id="3" creationId="{B8B8A03C-9E55-415E-94ED-D1D27FAC2FBE}"/>
+          </ac:picMkLst>
+        </pc:picChg>
+        <pc:picChg chg="add">
+          <ac:chgData name="Márquez Mínguez David" userId="S::david.marquez@edu.uah.es::58bb8e2a-3a27-4162-b3e3-224d4a8d687d" providerId="AD" clId="Web-{31CB39B3-35D3-4593-B59B-ABAD6344E210}" dt="2019-05-06T20:10:53.501" v="36"/>
+          <ac:picMkLst>
+            <pc:docMk/>
+            <pc:sldMk cId="3043704617" sldId="263"/>
+            <ac:picMk id="4" creationId="{B47EC3F1-F62B-4A36-877D-D322C63F49FC}"/>
+          </ac:picMkLst>
+        </pc:picChg>
+        <pc:picChg chg="add">
+          <ac:chgData name="Márquez Mínguez David" userId="S::david.marquez@edu.uah.es::58bb8e2a-3a27-4162-b3e3-224d4a8d687d" providerId="AD" clId="Web-{31CB39B3-35D3-4593-B59B-ABAD6344E210}" dt="2019-05-06T20:10:53.517" v="37"/>
+          <ac:picMkLst>
+            <pc:docMk/>
+            <pc:sldMk cId="3043704617" sldId="263"/>
+            <ac:picMk id="5" creationId="{A6A74980-067D-40B0-B2DD-D2FDA8E9351F}"/>
+          </ac:picMkLst>
+        </pc:picChg>
+        <pc:picChg chg="add del">
+          <ac:chgData name="Márquez Mínguez David" userId="S::david.marquez@edu.uah.es::58bb8e2a-3a27-4162-b3e3-224d4a8d687d" providerId="AD" clId="Web-{31CB39B3-35D3-4593-B59B-ABAD6344E210}" dt="2019-05-06T20:13:10.253" v="76"/>
+          <ac:picMkLst>
+            <pc:docMk/>
+            <pc:sldMk cId="3043704617" sldId="263"/>
+            <ac:picMk id="13" creationId="{E312BD5C-466D-48CE-8985-673123A90269}"/>
+          </ac:picMkLst>
+        </pc:picChg>
+        <pc:picChg chg="add">
+          <ac:chgData name="Márquez Mínguez David" userId="S::david.marquez@edu.uah.es::58bb8e2a-3a27-4162-b3e3-224d4a8d687d" providerId="AD" clId="Web-{31CB39B3-35D3-4593-B59B-ABAD6344E210}" dt="2019-05-06T20:10:53.548" v="39"/>
+          <ac:picMkLst>
+            <pc:docMk/>
+            <pc:sldMk cId="3043704617" sldId="263"/>
+            <ac:picMk id="15" creationId="{EB5378B8-591A-4CA6-A284-BE014F239B9B}"/>
+          </ac:picMkLst>
+        </pc:picChg>
+        <pc:picChg chg="add">
+          <ac:chgData name="Márquez Mínguez David" userId="S::david.marquez@edu.uah.es::58bb8e2a-3a27-4162-b3e3-224d4a8d687d" providerId="AD" clId="Web-{31CB39B3-35D3-4593-B59B-ABAD6344E210}" dt="2019-05-06T20:10:53.579" v="40"/>
+          <ac:picMkLst>
+            <pc:docMk/>
+            <pc:sldMk cId="3043704617" sldId="263"/>
+            <ac:picMk id="17" creationId="{C17FDB06-1981-474E-A4E3-A50482309934}"/>
+          </ac:picMkLst>
+        </pc:picChg>
+        <pc:picChg chg="add">
+          <ac:chgData name="Márquez Mínguez David" userId="S::david.marquez@edu.uah.es::58bb8e2a-3a27-4162-b3e3-224d4a8d687d" providerId="AD" clId="Web-{31CB39B3-35D3-4593-B59B-ABAD6344E210}" dt="2019-05-06T20:10:53.595" v="41"/>
+          <ac:picMkLst>
+            <pc:docMk/>
+            <pc:sldMk cId="3043704617" sldId="263"/>
+            <ac:picMk id="19" creationId="{D9E84F15-A2DA-496B-9BC9-1091B8D037C8}"/>
+          </ac:picMkLst>
+        </pc:picChg>
+        <pc:picChg chg="add">
+          <ac:chgData name="Márquez Mínguez David" userId="S::david.marquez@edu.uah.es::58bb8e2a-3a27-4162-b3e3-224d4a8d687d" providerId="AD" clId="Web-{31CB39B3-35D3-4593-B59B-ABAD6344E210}" dt="2019-05-06T20:10:53.611" v="42"/>
+          <ac:picMkLst>
+            <pc:docMk/>
+            <pc:sldMk cId="3043704617" sldId="263"/>
+            <ac:picMk id="21" creationId="{7C75B7FF-A399-4391-919D-04F90D2033E2}"/>
+          </ac:picMkLst>
+        </pc:picChg>
+        <pc:picChg chg="add">
+          <ac:chgData name="Márquez Mínguez David" userId="S::david.marquez@edu.uah.es::58bb8e2a-3a27-4162-b3e3-224d4a8d687d" providerId="AD" clId="Web-{31CB39B3-35D3-4593-B59B-ABAD6344E210}" dt="2019-05-06T20:10:53.642" v="43"/>
+          <ac:picMkLst>
+            <pc:docMk/>
+            <pc:sldMk cId="3043704617" sldId="263"/>
+            <ac:picMk id="23" creationId="{C1BFDAC0-8BC0-4089-BA32-2FAC9431589F}"/>
+          </ac:picMkLst>
+        </pc:picChg>
+        <pc:picChg chg="add">
+          <ac:chgData name="Márquez Mínguez David" userId="S::david.marquez@edu.uah.es::58bb8e2a-3a27-4162-b3e3-224d4a8d687d" providerId="AD" clId="Web-{31CB39B3-35D3-4593-B59B-ABAD6344E210}" dt="2019-05-06T20:10:53.658" v="44"/>
+          <ac:picMkLst>
+            <pc:docMk/>
+            <pc:sldMk cId="3043704617" sldId="263"/>
+            <ac:picMk id="25" creationId="{1751EAA3-F0EF-4E80-A53D-5677BADD6574}"/>
+          </ac:picMkLst>
+        </pc:picChg>
+        <pc:picChg chg="add">
+          <ac:chgData name="Márquez Mínguez David" userId="S::david.marquez@edu.uah.es::58bb8e2a-3a27-4162-b3e3-224d4a8d687d" providerId="AD" clId="Web-{31CB39B3-35D3-4593-B59B-ABAD6344E210}" dt="2019-05-06T20:10:53.673" v="45"/>
+          <ac:picMkLst>
+            <pc:docMk/>
+            <pc:sldMk cId="3043704617" sldId="263"/>
+            <ac:picMk id="27" creationId="{9DE99E5B-C626-48D7-80D6-12D60CD4E4B9}"/>
+          </ac:picMkLst>
+        </pc:picChg>
+        <pc:picChg chg="add">
+          <ac:chgData name="Márquez Mínguez David" userId="S::david.marquez@edu.uah.es::58bb8e2a-3a27-4162-b3e3-224d4a8d687d" providerId="AD" clId="Web-{31CB39B3-35D3-4593-B59B-ABAD6344E210}" dt="2019-05-06T20:10:53.705" v="46"/>
+          <ac:picMkLst>
+            <pc:docMk/>
+            <pc:sldMk cId="3043704617" sldId="263"/>
+            <ac:picMk id="29" creationId="{F8230328-DDC1-4822-AC8C-980F20E65E9A}"/>
+          </ac:picMkLst>
+        </pc:picChg>
+        <pc:picChg chg="add">
+          <ac:chgData name="Márquez Mínguez David" userId="S::david.marquez@edu.uah.es::58bb8e2a-3a27-4162-b3e3-224d4a8d687d" providerId="AD" clId="Web-{31CB39B3-35D3-4593-B59B-ABAD6344E210}" dt="2019-05-06T20:10:53.720" v="47"/>
+          <ac:picMkLst>
+            <pc:docMk/>
+            <pc:sldMk cId="3043704617" sldId="263"/>
+            <ac:picMk id="31" creationId="{646F6899-C014-49CD-848B-4E3F91C1CACF}"/>
+          </ac:picMkLst>
+        </pc:picChg>
+        <pc:picChg chg="add">
+          <ac:chgData name="Márquez Mínguez David" userId="S::david.marquez@edu.uah.es::58bb8e2a-3a27-4162-b3e3-224d4a8d687d" providerId="AD" clId="Web-{31CB39B3-35D3-4593-B59B-ABAD6344E210}" dt="2019-05-06T20:10:53.751" v="48"/>
+          <ac:picMkLst>
+            <pc:docMk/>
+            <pc:sldMk cId="3043704617" sldId="263"/>
+            <ac:picMk id="33" creationId="{492324F0-1E07-4661-8E5A-9B0C323D6B85}"/>
+          </ac:picMkLst>
+        </pc:picChg>
+        <pc:picChg chg="add">
+          <ac:chgData name="Márquez Mínguez David" userId="S::david.marquez@edu.uah.es::58bb8e2a-3a27-4162-b3e3-224d4a8d687d" providerId="AD" clId="Web-{31CB39B3-35D3-4593-B59B-ABAD6344E210}" dt="2019-05-06T20:10:53.767" v="49"/>
+          <ac:picMkLst>
+            <pc:docMk/>
+            <pc:sldMk cId="3043704617" sldId="263"/>
+            <ac:picMk id="35" creationId="{EF5EBA0C-7850-47ED-8C2A-E6599C55B796}"/>
+          </ac:picMkLst>
+        </pc:picChg>
+        <pc:picChg chg="add del">
+          <ac:chgData name="Márquez Mínguez David" userId="S::david.marquez@edu.uah.es::58bb8e2a-3a27-4162-b3e3-224d4a8d687d" providerId="AD" clId="Web-{31CB39B3-35D3-4593-B59B-ABAD6344E210}" dt="2019-05-06T20:12:45.362" v="73"/>
+          <ac:picMkLst>
+            <pc:docMk/>
+            <pc:sldMk cId="3043704617" sldId="263"/>
+            <ac:picMk id="37" creationId="{4B6BF969-50E4-4073-BE2A-50F56C60480B}"/>
+          </ac:picMkLst>
+        </pc:picChg>
+        <pc:picChg chg="add">
+          <ac:chgData name="Márquez Mínguez David" userId="S::david.marquez@edu.uah.es::58bb8e2a-3a27-4162-b3e3-224d4a8d687d" providerId="AD" clId="Web-{31CB39B3-35D3-4593-B59B-ABAD6344E210}" dt="2019-05-06T20:10:53.814" v="51"/>
+          <ac:picMkLst>
+            <pc:docMk/>
+            <pc:sldMk cId="3043704617" sldId="263"/>
+            <ac:picMk id="39" creationId="{84568B68-DC45-4191-B232-DABA74A751E4}"/>
+          </ac:picMkLst>
+        </pc:picChg>
+        <pc:picChg chg="add">
+          <ac:chgData name="Márquez Mínguez David" userId="S::david.marquez@edu.uah.es::58bb8e2a-3a27-4162-b3e3-224d4a8d687d" providerId="AD" clId="Web-{31CB39B3-35D3-4593-B59B-ABAD6344E210}" dt="2019-05-06T20:10:53.829" v="52"/>
+          <ac:picMkLst>
+            <pc:docMk/>
+            <pc:sldMk cId="3043704617" sldId="263"/>
+            <ac:picMk id="41" creationId="{5F9A4AF2-79A9-401A-A665-DACCDEC01F74}"/>
+          </ac:picMkLst>
+        </pc:picChg>
+        <pc:picChg chg="add">
+          <ac:chgData name="Márquez Mínguez David" userId="S::david.marquez@edu.uah.es::58bb8e2a-3a27-4162-b3e3-224d4a8d687d" providerId="AD" clId="Web-{31CB39B3-35D3-4593-B59B-ABAD6344E210}" dt="2019-05-06T20:10:53.845" v="53"/>
+          <ac:picMkLst>
+            <pc:docMk/>
+            <pc:sldMk cId="3043704617" sldId="263"/>
+            <ac:picMk id="43" creationId="{88B7D9CA-0EDE-4927-BEE9-A8F2B3D9DBC7}"/>
+          </ac:picMkLst>
+        </pc:picChg>
+        <pc:picChg chg="add">
+          <ac:chgData name="Márquez Mínguez David" userId="S::david.marquez@edu.uah.es::58bb8e2a-3a27-4162-b3e3-224d4a8d687d" providerId="AD" clId="Web-{31CB39B3-35D3-4593-B59B-ABAD6344E210}" dt="2019-05-06T20:10:53.876" v="54"/>
+          <ac:picMkLst>
+            <pc:docMk/>
+            <pc:sldMk cId="3043704617" sldId="263"/>
+            <ac:picMk id="45" creationId="{A8197969-190F-47DC-B23E-0658121399CC}"/>
+          </ac:picMkLst>
+        </pc:picChg>
+        <pc:picChg chg="add">
+          <ac:chgData name="Márquez Mínguez David" userId="S::david.marquez@edu.uah.es::58bb8e2a-3a27-4162-b3e3-224d4a8d687d" providerId="AD" clId="Web-{31CB39B3-35D3-4593-B59B-ABAD6344E210}" dt="2019-05-06T20:10:53.892" v="55"/>
+          <ac:picMkLst>
+            <pc:docMk/>
+            <pc:sldMk cId="3043704617" sldId="263"/>
+            <ac:picMk id="47" creationId="{0FD85D8D-E74E-4A8F-8EF0-CA12BD6A1D9B}"/>
+          </ac:picMkLst>
+        </pc:picChg>
+        <pc:picChg chg="add">
+          <ac:chgData name="Márquez Mínguez David" userId="S::david.marquez@edu.uah.es::58bb8e2a-3a27-4162-b3e3-224d4a8d687d" providerId="AD" clId="Web-{31CB39B3-35D3-4593-B59B-ABAD6344E210}" dt="2019-05-06T20:10:53.908" v="56"/>
+          <ac:picMkLst>
+            <pc:docMk/>
+            <pc:sldMk cId="3043704617" sldId="263"/>
+            <ac:picMk id="49" creationId="{2E6910CF-8D5C-4803-9FC1-B3A408E0ED40}"/>
+          </ac:picMkLst>
+        </pc:picChg>
+        <pc:picChg chg="add">
+          <ac:chgData name="Márquez Mínguez David" userId="S::david.marquez@edu.uah.es::58bb8e2a-3a27-4162-b3e3-224d4a8d687d" providerId="AD" clId="Web-{31CB39B3-35D3-4593-B59B-ABAD6344E210}" dt="2019-05-06T20:10:53.939" v="57"/>
+          <ac:picMkLst>
+            <pc:docMk/>
+            <pc:sldMk cId="3043704617" sldId="263"/>
+            <ac:picMk id="51" creationId="{7001C01A-8444-49E2-9B0A-CDE1C01E5FEE}"/>
+          </ac:picMkLst>
+        </pc:picChg>
+        <pc:picChg chg="add">
+          <ac:chgData name="Márquez Mínguez David" userId="S::david.marquez@edu.uah.es::58bb8e2a-3a27-4162-b3e3-224d4a8d687d" providerId="AD" clId="Web-{31CB39B3-35D3-4593-B59B-ABAD6344E210}" dt="2019-05-06T20:10:53.954" v="58"/>
+          <ac:picMkLst>
+            <pc:docMk/>
+            <pc:sldMk cId="3043704617" sldId="263"/>
+            <ac:picMk id="53" creationId="{B20912BD-8E9C-4664-8019-28EC6514873E}"/>
+          </ac:picMkLst>
+        </pc:picChg>
+        <pc:picChg chg="add">
+          <ac:chgData name="Márquez Mínguez David" userId="S::david.marquez@edu.uah.es::58bb8e2a-3a27-4162-b3e3-224d4a8d687d" providerId="AD" clId="Web-{31CB39B3-35D3-4593-B59B-ABAD6344E210}" dt="2019-05-06T20:10:53.970" v="59"/>
+          <ac:picMkLst>
+            <pc:docMk/>
+            <pc:sldMk cId="3043704617" sldId="263"/>
+            <ac:picMk id="55" creationId="{7021D25F-C8C5-4FEC-A331-5F892B6671D8}"/>
+          </ac:picMkLst>
+        </pc:picChg>
+        <pc:picChg chg="add">
+          <ac:chgData name="Márquez Mínguez David" userId="S::david.marquez@edu.uah.es::58bb8e2a-3a27-4162-b3e3-224d4a8d687d" providerId="AD" clId="Web-{31CB39B3-35D3-4593-B59B-ABAD6344E210}" dt="2019-05-06T20:10:54.001" v="60"/>
+          <ac:picMkLst>
+            <pc:docMk/>
+            <pc:sldMk cId="3043704617" sldId="263"/>
+            <ac:picMk id="57" creationId="{05A2172E-B077-42E7-9E85-57CBD38553A4}"/>
+          </ac:picMkLst>
+        </pc:picChg>
+        <pc:picChg chg="add del">
+          <ac:chgData name="Márquez Mínguez David" userId="S::david.marquez@edu.uah.es::58bb8e2a-3a27-4162-b3e3-224d4a8d687d" providerId="AD" clId="Web-{31CB39B3-35D3-4593-B59B-ABAD6344E210}" dt="2019-05-06T20:13:44.597" v="82"/>
+          <ac:picMkLst>
+            <pc:docMk/>
+            <pc:sldMk cId="3043704617" sldId="263"/>
+            <ac:picMk id="59" creationId="{BE1E59D5-1842-4810-8DFA-C9458B3EC4A9}"/>
+          </ac:picMkLst>
+        </pc:picChg>
+        <pc:picChg chg="add">
+          <ac:chgData name="Márquez Mínguez David" userId="S::david.marquez@edu.uah.es::58bb8e2a-3a27-4162-b3e3-224d4a8d687d" providerId="AD" clId="Web-{31CB39B3-35D3-4593-B59B-ABAD6344E210}" dt="2019-05-06T20:10:54.033" v="62"/>
+          <ac:picMkLst>
+            <pc:docMk/>
+            <pc:sldMk cId="3043704617" sldId="263"/>
+            <ac:picMk id="61" creationId="{6E028D69-BAE8-4A92-A6A1-07DF3417DCF7}"/>
+          </ac:picMkLst>
+        </pc:picChg>
+        <pc:picChg chg="add">
+          <ac:chgData name="Márquez Mínguez David" userId="S::david.marquez@edu.uah.es::58bb8e2a-3a27-4162-b3e3-224d4a8d687d" providerId="AD" clId="Web-{31CB39B3-35D3-4593-B59B-ABAD6344E210}" dt="2019-05-06T20:10:54.065" v="63"/>
+          <ac:picMkLst>
+            <pc:docMk/>
+            <pc:sldMk cId="3043704617" sldId="263"/>
+            <ac:picMk id="63" creationId="{362ED72D-14A0-44F9-941A-B0917E3AB2FE}"/>
+          </ac:picMkLst>
+        </pc:picChg>
+        <pc:picChg chg="add del">
+          <ac:chgData name="Márquez Mínguez David" userId="S::david.marquez@edu.uah.es::58bb8e2a-3a27-4162-b3e3-224d4a8d687d" providerId="AD" clId="Web-{31CB39B3-35D3-4593-B59B-ABAD6344E210}" dt="2019-05-06T20:13:24.300" v="79"/>
+          <ac:picMkLst>
+            <pc:docMk/>
+            <pc:sldMk cId="3043704617" sldId="263"/>
+            <ac:picMk id="65" creationId="{D0C3971D-2FD4-4F46-81BB-DBF5BF9813ED}"/>
+          </ac:picMkLst>
+        </pc:picChg>
+        <pc:picChg chg="add">
+          <ac:chgData name="Márquez Mínguez David" userId="S::david.marquez@edu.uah.es::58bb8e2a-3a27-4162-b3e3-224d4a8d687d" providerId="AD" clId="Web-{31CB39B3-35D3-4593-B59B-ABAD6344E210}" dt="2019-05-06T20:10:54.111" v="65"/>
+          <ac:picMkLst>
+            <pc:docMk/>
+            <pc:sldMk cId="3043704617" sldId="263"/>
+            <ac:picMk id="67" creationId="{D4324BB7-2351-4982-ACAA-6101751BF8CA}"/>
+          </ac:picMkLst>
+        </pc:picChg>
+        <pc:picChg chg="add">
+          <ac:chgData name="Márquez Mínguez David" userId="S::david.marquez@edu.uah.es::58bb8e2a-3a27-4162-b3e3-224d4a8d687d" providerId="AD" clId="Web-{31CB39B3-35D3-4593-B59B-ABAD6344E210}" dt="2019-05-06T20:10:54.126" v="66"/>
+          <ac:picMkLst>
+            <pc:docMk/>
+            <pc:sldMk cId="3043704617" sldId="263"/>
+            <ac:picMk id="69" creationId="{76A0BC3D-B6ED-4CC3-9B84-8BAF752E03F3}"/>
+          </ac:picMkLst>
+        </pc:picChg>
+        <pc:picChg chg="add">
+          <ac:chgData name="Márquez Mínguez David" userId="S::david.marquez@edu.uah.es::58bb8e2a-3a27-4162-b3e3-224d4a8d687d" providerId="AD" clId="Web-{31CB39B3-35D3-4593-B59B-ABAD6344E210}" dt="2019-05-06T20:10:54.142" v="67"/>
+          <ac:picMkLst>
+            <pc:docMk/>
+            <pc:sldMk cId="3043704617" sldId="263"/>
+            <ac:picMk id="71" creationId="{E70AD147-1E3B-4F0F-9031-66DEED885F9D}"/>
+          </ac:picMkLst>
+        </pc:picChg>
+        <pc:picChg chg="add">
+          <ac:chgData name="Márquez Mínguez David" userId="S::david.marquez@edu.uah.es::58bb8e2a-3a27-4162-b3e3-224d4a8d687d" providerId="AD" clId="Web-{31CB39B3-35D3-4593-B59B-ABAD6344E210}" dt="2019-05-06T20:10:54.173" v="68"/>
+          <ac:picMkLst>
+            <pc:docMk/>
+            <pc:sldMk cId="3043704617" sldId="263"/>
+            <ac:picMk id="73" creationId="{2211FA30-70C5-47F6-9F40-9BEE0A3B2215}"/>
+          </ac:picMkLst>
+        </pc:picChg>
+        <pc:picChg chg="add">
+          <ac:chgData name="Márquez Mínguez David" userId="S::david.marquez@edu.uah.es::58bb8e2a-3a27-4162-b3e3-224d4a8d687d" providerId="AD" clId="Web-{31CB39B3-35D3-4593-B59B-ABAD6344E210}" dt="2019-05-06T20:10:54.189" v="69"/>
+          <ac:picMkLst>
+            <pc:docMk/>
+            <pc:sldMk cId="3043704617" sldId="263"/>
+            <ac:picMk id="75" creationId="{0D601AD2-766A-49A9-99EF-5D45FB34D80E}"/>
+          </ac:picMkLst>
+        </pc:picChg>
+        <pc:picChg chg="add mod">
+          <ac:chgData name="Márquez Mínguez David" userId="S::david.marquez@edu.uah.es::58bb8e2a-3a27-4162-b3e3-224d4a8d687d" providerId="AD" clId="Web-{31CB39B3-35D3-4593-B59B-ABAD6344E210}" dt="2019-05-06T20:12:51.502" v="75" actId="1076"/>
+          <ac:picMkLst>
+            <pc:docMk/>
+            <pc:sldMk cId="3043704617" sldId="263"/>
+            <ac:picMk id="76" creationId="{FD7F2F69-DC47-4A01-B421-59367A95D332}"/>
+          </ac:picMkLst>
+        </pc:picChg>
+        <pc:picChg chg="add mod">
+          <ac:chgData name="Márquez Mínguez David" userId="S::david.marquez@edu.uah.es::58bb8e2a-3a27-4162-b3e3-224d4a8d687d" providerId="AD" clId="Web-{31CB39B3-35D3-4593-B59B-ABAD6344E210}" dt="2019-05-06T20:13:19.112" v="78" actId="1076"/>
+          <ac:picMkLst>
+            <pc:docMk/>
+            <pc:sldMk cId="3043704617" sldId="263"/>
+            <ac:picMk id="77" creationId="{ADBEFC96-2D78-48FE-BB56-2DCC63B2E382}"/>
+          </ac:picMkLst>
+        </pc:picChg>
+        <pc:picChg chg="add mod">
+          <ac:chgData name="Márquez Mínguez David" userId="S::david.marquez@edu.uah.es::58bb8e2a-3a27-4162-b3e3-224d4a8d687d" providerId="AD" clId="Web-{31CB39B3-35D3-4593-B59B-ABAD6344E210}" dt="2019-05-06T20:13:30.065" v="81" actId="1076"/>
+          <ac:picMkLst>
+            <pc:docMk/>
+            <pc:sldMk cId="3043704617" sldId="263"/>
+            <ac:picMk id="78" creationId="{7913B9C4-4286-4B7A-A3F6-0C743F365FCE}"/>
+          </ac:picMkLst>
+        </pc:picChg>
+        <pc:picChg chg="add mod">
+          <ac:chgData name="Márquez Mínguez David" userId="S::david.marquez@edu.uah.es::58bb8e2a-3a27-4162-b3e3-224d4a8d687d" providerId="AD" clId="Web-{31CB39B3-35D3-4593-B59B-ABAD6344E210}" dt="2019-05-06T20:13:50.769" v="84" actId="1076"/>
+          <ac:picMkLst>
+            <pc:docMk/>
+            <pc:sldMk cId="3043704617" sldId="263"/>
+            <ac:picMk id="79" creationId="{8ED982AE-6704-4A17-A9FB-17534A1B17FD}"/>
+          </ac:picMkLst>
+        </pc:picChg>
+      </pc:sldChg>
+    </pc:docChg>
+  </pc:docChgLst>
+</pc:chgInfo>
+</file>
+
 <file path=ppt/slideLayouts/slideLayout1.xml><?xml version="1.0" encoding="utf-8"?>
 <p:sldLayout xmlns:a="http://schemas.openxmlformats.org/drawingml/2006/main" xmlns:r="http://schemas.openxmlformats.org/officeDocument/2006/relationships" xmlns:p="http://schemas.openxmlformats.org/presentationml/2006/main" type="title" preserve="1">
   <p:cSld name="Title Slide">
@@ -328,7 +964,7 @@
           <a:p>
             <a:fld id="{1F578D8B-37BB-2F4B-9D04-060C85A760FE}" type="slidenum">
               <a:rPr lang="es-ES_tradnl" smtClean="0"/>
-              <a:t>‹Nº›</a:t>
+              <a:t>‹#›</a:t>
             </a:fld>
             <a:endParaRPr lang="es-ES_tradnl"/>
           </a:p>
@@ -528,7 +1164,7 @@
           <a:p>
             <a:fld id="{1F578D8B-37BB-2F4B-9D04-060C85A760FE}" type="slidenum">
               <a:rPr lang="es-ES_tradnl" smtClean="0"/>
-              <a:t>‹Nº›</a:t>
+              <a:t>‹#›</a:t>
             </a:fld>
             <a:endParaRPr lang="es-ES_tradnl"/>
           </a:p>
@@ -738,7 +1374,7 @@
           <a:p>
             <a:fld id="{1F578D8B-37BB-2F4B-9D04-060C85A760FE}" type="slidenum">
               <a:rPr lang="es-ES_tradnl" smtClean="0"/>
-              <a:t>‹Nº›</a:t>
+              <a:t>‹#›</a:t>
             </a:fld>
             <a:endParaRPr lang="es-ES_tradnl"/>
           </a:p>
@@ -938,7 +1574,7 @@
           <a:p>
             <a:fld id="{1F578D8B-37BB-2F4B-9D04-060C85A760FE}" type="slidenum">
               <a:rPr lang="es-ES_tradnl" smtClean="0"/>
-              <a:t>‹Nº›</a:t>
+              <a:t>‹#›</a:t>
             </a:fld>
             <a:endParaRPr lang="es-ES_tradnl"/>
           </a:p>
@@ -1214,7 +1850,7 @@
           <a:p>
             <a:fld id="{1F578D8B-37BB-2F4B-9D04-060C85A760FE}" type="slidenum">
               <a:rPr lang="es-ES_tradnl" smtClean="0"/>
-              <a:t>‹Nº›</a:t>
+              <a:t>‹#›</a:t>
             </a:fld>
             <a:endParaRPr lang="es-ES_tradnl"/>
           </a:p>
@@ -1482,7 +2118,7 @@
           <a:p>
             <a:fld id="{1F578D8B-37BB-2F4B-9D04-060C85A760FE}" type="slidenum">
               <a:rPr lang="es-ES_tradnl" smtClean="0"/>
-              <a:t>‹Nº›</a:t>
+              <a:t>‹#›</a:t>
             </a:fld>
             <a:endParaRPr lang="es-ES_tradnl"/>
           </a:p>
@@ -1897,7 +2533,7 @@
           <a:p>
             <a:fld id="{1F578D8B-37BB-2F4B-9D04-060C85A760FE}" type="slidenum">
               <a:rPr lang="es-ES_tradnl" smtClean="0"/>
-              <a:t>‹Nº›</a:t>
+              <a:t>‹#›</a:t>
             </a:fld>
             <a:endParaRPr lang="es-ES_tradnl"/>
           </a:p>
@@ -2039,7 +2675,7 @@
           <a:p>
             <a:fld id="{1F578D8B-37BB-2F4B-9D04-060C85A760FE}" type="slidenum">
               <a:rPr lang="es-ES_tradnl" smtClean="0"/>
-              <a:t>‹Nº›</a:t>
+              <a:t>‹#›</a:t>
             </a:fld>
             <a:endParaRPr lang="es-ES_tradnl"/>
           </a:p>
@@ -2152,7 +2788,7 @@
           <a:p>
             <a:fld id="{1F578D8B-37BB-2F4B-9D04-060C85A760FE}" type="slidenum">
               <a:rPr lang="es-ES_tradnl" smtClean="0"/>
-              <a:t>‹Nº›</a:t>
+              <a:t>‹#›</a:t>
             </a:fld>
             <a:endParaRPr lang="es-ES_tradnl"/>
           </a:p>
@@ -2465,7 +3101,7 @@
           <a:p>
             <a:fld id="{1F578D8B-37BB-2F4B-9D04-060C85A760FE}" type="slidenum">
               <a:rPr lang="es-ES_tradnl" smtClean="0"/>
-              <a:t>‹Nº›</a:t>
+              <a:t>‹#›</a:t>
             </a:fld>
             <a:endParaRPr lang="es-ES_tradnl"/>
           </a:p>
@@ -2754,7 +3390,7 @@
           <a:p>
             <a:fld id="{1F578D8B-37BB-2F4B-9D04-060C85A760FE}" type="slidenum">
               <a:rPr lang="es-ES_tradnl" smtClean="0"/>
-              <a:t>‹Nº›</a:t>
+              <a:t>‹#›</a:t>
             </a:fld>
             <a:endParaRPr lang="es-ES_tradnl"/>
           </a:p>
@@ -3033,7 +3669,7 @@
           <a:p>
             <a:fld id="{1F578D8B-37BB-2F4B-9D04-060C85A760FE}" type="slidenum">
               <a:rPr lang="es-ES_tradnl" smtClean="0"/>
-              <a:t>‹Nº›</a:t>
+              <a:t>‹#›</a:t>
             </a:fld>
             <a:endParaRPr lang="es-ES_tradnl"/>
           </a:p>
@@ -3382,14 +4018,14 @@
           <a:lstStyle/>
           <a:p>
             <a:r>
-              <a:rPr lang="es-ES_tradnl" dirty="0"/>
+              <a:rPr lang="es-ES_tradnl"/>
               <a:t>Sistemas Empresariales</a:t>
             </a:r>
             <a:br>
-              <a:rPr lang="es-ES_tradnl" dirty="0"/>
+              <a:rPr lang="es-ES_tradnl"/>
             </a:br>
             <a:r>
-              <a:rPr lang="es-ES_tradnl" dirty="0"/>
+              <a:rPr lang="es-ES_tradnl"/>
               <a:t>PECL2</a:t>
             </a:r>
           </a:p>
@@ -3419,25 +4055,25 @@
           <a:lstStyle/>
           <a:p>
             <a:r>
-              <a:rPr lang="es-ES_tradnl" dirty="0"/>
+              <a:rPr lang="es-ES_tradnl"/>
               <a:t>Juan Casado Ballesteros</a:t>
             </a:r>
           </a:p>
           <a:p>
             <a:r>
-              <a:rPr lang="es-ES_tradnl" dirty="0"/>
+              <a:rPr lang="es-ES_tradnl"/>
               <a:t>David Menoyo Ros</a:t>
             </a:r>
           </a:p>
           <a:p>
             <a:r>
-              <a:rPr lang="es-ES_tradnl" dirty="0"/>
+              <a:rPr lang="es-ES_tradnl"/>
               <a:t>Álvaro Vaya Arboleda</a:t>
             </a:r>
           </a:p>
           <a:p>
             <a:r>
-              <a:rPr lang="es-ES_tradnl" dirty="0"/>
+              <a:rPr lang="es-ES_tradnl"/>
               <a:t>David Márquez Mínguez</a:t>
             </a:r>
           </a:p>
@@ -3495,7 +4131,7 @@
           <a:lstStyle/>
           <a:p>
             <a:r>
-              <a:rPr lang="es-ES_tradnl" dirty="0"/>
+              <a:rPr lang="es-ES_tradnl"/>
               <a:t>Ayto. de Torrelodones</a:t>
             </a:r>
           </a:p>
@@ -3534,7 +4170,7 @@
               <a:buChar char="•"/>
             </a:pPr>
             <a:r>
-              <a:rPr lang="es-ES" sz="1600" dirty="0"/>
+              <a:rPr lang="es-ES" sz="1600"/>
               <a:t>Dirección de la sede</a:t>
             </a:r>
           </a:p>
@@ -3544,7 +4180,7 @@
               <a:buChar char="•"/>
             </a:pPr>
             <a:r>
-              <a:rPr lang="es-ES" sz="1600" dirty="0"/>
+              <a:rPr lang="es-ES" sz="1600"/>
               <a:t>Identificación de su titular. </a:t>
             </a:r>
           </a:p>
@@ -3554,7 +4190,7 @@
               <a:buChar char="•"/>
             </a:pPr>
             <a:r>
-              <a:rPr lang="es-ES" sz="1600" dirty="0"/>
+              <a:rPr lang="es-ES" sz="1600"/>
               <a:t>Canales de acceso a los servicios</a:t>
             </a:r>
           </a:p>
@@ -3564,7 +4200,7 @@
               <a:buChar char="•"/>
             </a:pPr>
             <a:r>
-              <a:rPr lang="es-ES" sz="1600" dirty="0"/>
+              <a:rPr lang="es-ES" sz="1600"/>
               <a:t>Quejas y sugerencias</a:t>
             </a:r>
           </a:p>
@@ -3574,7 +4210,7 @@
               <a:buChar char="•"/>
             </a:pPr>
             <a:r>
-              <a:rPr lang="es-ES" sz="1600" dirty="0"/>
+              <a:rPr lang="es-ES" sz="1600"/>
               <a:t>Identificación de la sede</a:t>
             </a:r>
           </a:p>
@@ -3584,7 +4220,7 @@
               <a:buChar char="•"/>
             </a:pPr>
             <a:r>
-              <a:rPr lang="es-ES" sz="1600" dirty="0"/>
+              <a:rPr lang="es-ES" sz="1600"/>
               <a:t>Sedes compartidas</a:t>
             </a:r>
           </a:p>
@@ -3594,7 +4230,7 @@
               <a:buChar char="•"/>
             </a:pPr>
             <a:r>
-              <a:rPr lang="es-ES" sz="1600" dirty="0"/>
+              <a:rPr lang="es-ES" sz="1600"/>
               <a:t>Subsedes</a:t>
             </a:r>
           </a:p>
@@ -3604,7 +4240,7 @@
               <a:buChar char="•"/>
             </a:pPr>
             <a:r>
-              <a:rPr lang="es-ES" sz="1600" dirty="0"/>
+              <a:rPr lang="es-ES" sz="1600"/>
               <a:t>Instrumento de creación.</a:t>
             </a:r>
           </a:p>
@@ -3614,7 +4250,7 @@
               <a:buChar char="•"/>
             </a:pPr>
             <a:r>
-              <a:rPr lang="es-ES" sz="1600" dirty="0"/>
+              <a:rPr lang="es-ES" sz="1600"/>
               <a:t>Mapa de la sede </a:t>
             </a:r>
           </a:p>
@@ -3624,7 +4260,7 @@
               <a:buChar char="•"/>
             </a:pPr>
             <a:r>
-              <a:rPr lang="es-ES" sz="1600" dirty="0"/>
+              <a:rPr lang="es-ES" sz="1600"/>
               <a:t>Estructura de navegación. </a:t>
             </a:r>
           </a:p>
@@ -3634,7 +4270,7 @@
               <a:buChar char="•"/>
             </a:pPr>
             <a:r>
-              <a:rPr lang="es-ES" sz="1600" dirty="0"/>
+              <a:rPr lang="es-ES" sz="1600"/>
               <a:t>Secciones disponibles. </a:t>
             </a:r>
           </a:p>
@@ -3644,7 +4280,7 @@
               <a:buChar char="•"/>
             </a:pPr>
             <a:r>
-              <a:rPr lang="es-ES" sz="1600" dirty="0"/>
+              <a:rPr lang="es-ES" sz="1600"/>
               <a:t>Propiedad intelectual. </a:t>
             </a:r>
           </a:p>
@@ -3654,7 +4290,7 @@
               <a:buChar char="•"/>
             </a:pPr>
             <a:r>
-              <a:rPr lang="es-ES" sz="1600" dirty="0"/>
+              <a:rPr lang="es-ES" sz="1600"/>
               <a:t>Protección de Datos de Carácter Personal.</a:t>
             </a:r>
           </a:p>
@@ -3664,7 +4300,7 @@
               <a:buChar char="•"/>
             </a:pPr>
             <a:r>
-              <a:rPr lang="es-ES" sz="1600" dirty="0"/>
+              <a:rPr lang="es-ES" sz="1600"/>
               <a:t>Enlace con las sedes electrónicas de las Agencias de Protección de Datos. </a:t>
             </a:r>
           </a:p>
@@ -3674,7 +4310,7 @@
               <a:buChar char="•"/>
             </a:pPr>
             <a:r>
-              <a:rPr lang="es-ES" sz="1600" dirty="0"/>
+              <a:rPr lang="es-ES" sz="1600"/>
               <a:t>Asesoramiento electrónico</a:t>
             </a:r>
           </a:p>
@@ -3684,7 +4320,7 @@
               <a:buChar char="•"/>
             </a:pPr>
             <a:r>
-              <a:rPr lang="es-ES" sz="1600" dirty="0"/>
+              <a:rPr lang="es-ES" sz="1600"/>
               <a:t>Sistema de verificación de los certificados.</a:t>
             </a:r>
           </a:p>
@@ -3694,7 +4330,7 @@
               <a:buChar char="•"/>
             </a:pPr>
             <a:r>
-              <a:rPr lang="es-ES" sz="1600" dirty="0"/>
+              <a:rPr lang="es-ES" sz="1600"/>
               <a:t>Sistemas de firma electrónica.</a:t>
             </a:r>
           </a:p>
@@ -3704,7 +4340,7 @@
               <a:buChar char="•"/>
             </a:pPr>
             <a:r>
-              <a:rPr lang="es-ES" sz="1600" dirty="0"/>
+              <a:rPr lang="es-ES" sz="1600"/>
               <a:t>Normas de creación del registro electrónico.</a:t>
             </a:r>
           </a:p>
@@ -3713,42 +4349,42 @@
               <a:buFont typeface="Arial" panose="020B0604020202020204" pitchFamily="34" charset="0"/>
               <a:buChar char="•"/>
             </a:pPr>
-            <a:endParaRPr lang="es-ES" sz="1600" dirty="0"/>
-          </a:p>
-          <a:p>
-            <a:pPr marL="285750" indent="-285750">
-              <a:buFont typeface="Arial" panose="020B0604020202020204" pitchFamily="34" charset="0"/>
-              <a:buChar char="•"/>
-            </a:pPr>
-            <a:endParaRPr lang="es-ES" sz="1600" dirty="0"/>
-          </a:p>
-          <a:p>
-            <a:pPr marL="285750" indent="-285750">
-              <a:buFont typeface="Arial" panose="020B0604020202020204" pitchFamily="34" charset="0"/>
-              <a:buChar char="•"/>
-            </a:pPr>
-            <a:endParaRPr lang="es-ES" sz="1600" dirty="0"/>
-          </a:p>
-          <a:p>
-            <a:pPr marL="285750" indent="-285750">
-              <a:buFont typeface="Arial" panose="020B0604020202020204" pitchFamily="34" charset="0"/>
-              <a:buChar char="•"/>
-            </a:pPr>
-            <a:endParaRPr lang="es-ES" sz="1600" dirty="0"/>
-          </a:p>
-          <a:p>
-            <a:pPr marL="285750" indent="-285750">
-              <a:buFont typeface="Arial" panose="020B0604020202020204" pitchFamily="34" charset="0"/>
-              <a:buChar char="•"/>
-            </a:pPr>
-            <a:endParaRPr lang="es-ES" sz="1600" dirty="0"/>
-          </a:p>
-          <a:p>
-            <a:pPr marL="285750" indent="-285750">
-              <a:buFont typeface="Arial" panose="020B0604020202020204" pitchFamily="34" charset="0"/>
-              <a:buChar char="•"/>
-            </a:pPr>
-            <a:endParaRPr lang="es-ES" sz="1600" dirty="0"/>
+            <a:endParaRPr lang="es-ES" sz="1600"/>
+          </a:p>
+          <a:p>
+            <a:pPr marL="285750" indent="-285750">
+              <a:buFont typeface="Arial" panose="020B0604020202020204" pitchFamily="34" charset="0"/>
+              <a:buChar char="•"/>
+            </a:pPr>
+            <a:endParaRPr lang="es-ES" sz="1600"/>
+          </a:p>
+          <a:p>
+            <a:pPr marL="285750" indent="-285750">
+              <a:buFont typeface="Arial" panose="020B0604020202020204" pitchFamily="34" charset="0"/>
+              <a:buChar char="•"/>
+            </a:pPr>
+            <a:endParaRPr lang="es-ES" sz="1600"/>
+          </a:p>
+          <a:p>
+            <a:pPr marL="285750" indent="-285750">
+              <a:buFont typeface="Arial" panose="020B0604020202020204" pitchFamily="34" charset="0"/>
+              <a:buChar char="•"/>
+            </a:pPr>
+            <a:endParaRPr lang="es-ES" sz="1600"/>
+          </a:p>
+          <a:p>
+            <a:pPr marL="285750" indent="-285750">
+              <a:buFont typeface="Arial" panose="020B0604020202020204" pitchFamily="34" charset="0"/>
+              <a:buChar char="•"/>
+            </a:pPr>
+            <a:endParaRPr lang="es-ES" sz="1600"/>
+          </a:p>
+          <a:p>
+            <a:pPr marL="285750" indent="-285750">
+              <a:buFont typeface="Arial" panose="020B0604020202020204" pitchFamily="34" charset="0"/>
+              <a:buChar char="•"/>
+            </a:pPr>
+            <a:endParaRPr lang="es-ES" sz="1600"/>
           </a:p>
         </p:txBody>
       </p:sp>
@@ -3785,7 +4421,7 @@
               <a:buChar char="•"/>
             </a:pPr>
             <a:r>
-              <a:rPr lang="es-ES" sz="1600" dirty="0"/>
+              <a:rPr lang="es-ES" sz="1600"/>
               <a:t>Relación de los servicios disponibles en la sede electrónica. </a:t>
             </a:r>
           </a:p>
@@ -3795,7 +4431,7 @@
               <a:buChar char="•"/>
             </a:pPr>
             <a:r>
-              <a:rPr lang="es-ES" sz="1600" dirty="0"/>
+              <a:rPr lang="es-ES" sz="1600"/>
               <a:t>Carta de servicios. </a:t>
             </a:r>
           </a:p>
@@ -3805,7 +4441,7 @@
               <a:buChar char="•"/>
             </a:pPr>
             <a:r>
-              <a:rPr lang="es-ES" sz="1600" dirty="0"/>
+              <a:rPr lang="es-ES" sz="1600"/>
               <a:t>Carta de servicios electrónicos. </a:t>
             </a:r>
           </a:p>
@@ -3815,7 +4451,7 @@
               <a:buChar char="•"/>
             </a:pPr>
             <a:r>
-              <a:rPr lang="es-ES" sz="1600" dirty="0"/>
+              <a:rPr lang="es-ES" sz="1600"/>
               <a:t>Medios electrónicos que los usuarios pueden utilizar. </a:t>
             </a:r>
           </a:p>
@@ -3825,7 +4461,7 @@
               <a:buChar char="•"/>
             </a:pPr>
             <a:r>
-              <a:rPr lang="es-ES" sz="1600" dirty="0"/>
+              <a:rPr lang="es-ES" sz="1600"/>
               <a:t>Sistema de sugerencias y quejas ante otros órganos.</a:t>
             </a:r>
           </a:p>
@@ -3835,7 +4471,7 @@
               <a:buChar char="•"/>
             </a:pPr>
             <a:r>
-              <a:rPr lang="es-ES" sz="1600" dirty="0"/>
+              <a:rPr lang="es-ES" sz="1600"/>
               <a:t>Acceso al estado de tramitación del expediente. </a:t>
             </a:r>
           </a:p>
@@ -3845,7 +4481,7 @@
               <a:buChar char="•"/>
             </a:pPr>
             <a:r>
-              <a:rPr lang="es-ES" sz="1600" dirty="0"/>
+              <a:rPr lang="es-ES" sz="1600"/>
               <a:t>Publicación de los diarios o boletines. </a:t>
             </a:r>
           </a:p>
@@ -3855,7 +4491,7 @@
               <a:buChar char="•"/>
             </a:pPr>
             <a:r>
-              <a:rPr lang="es-ES" sz="1600" dirty="0"/>
+              <a:rPr lang="es-ES" sz="1600"/>
               <a:t>Tablón de anuncios.</a:t>
             </a:r>
           </a:p>
@@ -3865,7 +4501,7 @@
               <a:buChar char="•"/>
             </a:pPr>
             <a:r>
-              <a:rPr lang="es-ES" sz="1600" dirty="0"/>
+              <a:rPr lang="es-ES" sz="1600"/>
               <a:t>Verificación de los sellos electrónicos.</a:t>
             </a:r>
           </a:p>
@@ -3875,7 +4511,7 @@
               <a:buChar char="•"/>
             </a:pPr>
             <a:r>
-              <a:rPr lang="es-ES" sz="1600" dirty="0"/>
+              <a:rPr lang="es-ES" sz="1600"/>
               <a:t>Comprobación de la autenticidad e integridad.</a:t>
             </a:r>
           </a:p>
@@ -3885,7 +4521,7 @@
               <a:buChar char="•"/>
             </a:pPr>
             <a:r>
-              <a:rPr lang="es-ES" sz="1600" dirty="0"/>
+              <a:rPr lang="es-ES" sz="1600"/>
               <a:t>Indicación de la fecha y hora oficial. </a:t>
             </a:r>
           </a:p>
@@ -3895,7 +4531,7 @@
               <a:buChar char="•"/>
             </a:pPr>
             <a:r>
-              <a:rPr lang="es-ES" sz="1600" dirty="0"/>
+              <a:rPr lang="es-ES" sz="1600"/>
               <a:t>Lista con los días considerados inhábiles. </a:t>
             </a:r>
           </a:p>
@@ -3905,7 +4541,7 @@
               <a:buChar char="•"/>
             </a:pPr>
             <a:r>
-              <a:rPr lang="es-ES" sz="1600" dirty="0"/>
+              <a:rPr lang="es-ES" sz="1600"/>
               <a:t>Otros servicios o contenidos. </a:t>
             </a:r>
           </a:p>
@@ -3915,7 +4551,7 @@
               <a:buChar char="•"/>
             </a:pPr>
             <a:r>
-              <a:rPr lang="es-ES" sz="1600" dirty="0"/>
+              <a:rPr lang="es-ES" sz="1600"/>
               <a:t>Lenguas cooficiales. </a:t>
             </a:r>
           </a:p>
@@ -3925,7 +4561,7 @@
               <a:buChar char="•"/>
             </a:pPr>
             <a:r>
-              <a:rPr lang="es-ES" sz="1600" dirty="0"/>
+              <a:rPr lang="es-ES" sz="1600"/>
               <a:t>Información sobre cuando se está navegando dentro o fuera de la sede.</a:t>
             </a:r>
           </a:p>
@@ -3935,7 +4571,7 @@
               <a:buChar char="•"/>
             </a:pPr>
             <a:r>
-              <a:rPr lang="es-ES" sz="1600" dirty="0"/>
+              <a:rPr lang="es-ES" sz="1600"/>
               <a:t>Verifica los principios de accesibilidad y usabilidad. </a:t>
             </a:r>
           </a:p>
@@ -3945,7 +4581,7 @@
               <a:buChar char="•"/>
             </a:pPr>
             <a:r>
-              <a:rPr lang="es-ES" sz="1600" dirty="0"/>
+              <a:rPr lang="es-ES" sz="1600"/>
               <a:t>Elementos basados en estándares abiertos</a:t>
             </a:r>
           </a:p>
@@ -5292,7 +5928,7 @@
           <a:lstStyle/>
           <a:p>
             <a:r>
-              <a:rPr lang="es-ES_tradnl" dirty="0"/>
+              <a:rPr lang="es-ES_tradnl"/>
               <a:t>Plataforma electrónica</a:t>
             </a:r>
           </a:p>
@@ -5380,7 +6016,7 @@
               <a:buChar char="•"/>
             </a:pPr>
             <a:r>
-              <a:rPr lang="es-ES_tradnl" dirty="0"/>
+              <a:rPr lang="es-ES_tradnl"/>
               <a:t>Sede electrónica</a:t>
             </a:r>
           </a:p>
@@ -5390,7 +6026,7 @@
               <a:buChar char="•"/>
             </a:pPr>
             <a:r>
-              <a:rPr lang="es-ES_tradnl" dirty="0"/>
+              <a:rPr lang="es-ES_tradnl"/>
               <a:t>Gestor de formularios  </a:t>
             </a:r>
           </a:p>
@@ -5400,7 +6036,7 @@
               <a:buChar char="•"/>
             </a:pPr>
             <a:r>
-              <a:rPr lang="es-ES_tradnl" dirty="0"/>
+              <a:rPr lang="es-ES_tradnl"/>
               <a:t>Registro electrónico </a:t>
             </a:r>
           </a:p>
@@ -5410,7 +6046,7 @@
               <a:buChar char="•"/>
             </a:pPr>
             <a:r>
-              <a:rPr lang="es-ES_tradnl" dirty="0"/>
+              <a:rPr lang="es-ES_tradnl"/>
               <a:t>Pasarela de pagos </a:t>
             </a:r>
           </a:p>
@@ -5420,7 +6056,7 @@
               <a:buChar char="•"/>
             </a:pPr>
             <a:r>
-              <a:rPr lang="es-ES" dirty="0"/>
+              <a:rPr lang="es-ES"/>
               <a:t>Gestor de expedientes </a:t>
             </a:r>
           </a:p>
@@ -5430,7 +6066,7 @@
               <a:buChar char="•"/>
             </a:pPr>
             <a:r>
-              <a:rPr lang="es-ES" dirty="0"/>
+              <a:rPr lang="es-ES"/>
               <a:t>Notificación electrónica </a:t>
             </a:r>
           </a:p>
@@ -5440,7 +6076,7 @@
               <a:buChar char="•"/>
             </a:pPr>
             <a:r>
-              <a:rPr lang="es-ES" dirty="0"/>
+              <a:rPr lang="es-ES"/>
               <a:t>Identificación electrónica</a:t>
             </a:r>
           </a:p>
@@ -5450,7 +6086,7 @@
               <a:buChar char="•"/>
             </a:pPr>
             <a:r>
-              <a:rPr lang="es-ES" dirty="0"/>
+              <a:rPr lang="es-ES"/>
               <a:t>Archivo electrónico  </a:t>
             </a:r>
           </a:p>
@@ -5460,10 +6096,10 @@
               <a:buChar char="•"/>
             </a:pPr>
             <a:r>
-              <a:rPr lang="es-ES" dirty="0"/>
+              <a:rPr lang="es-ES"/>
               <a:t>Interoperabilidad </a:t>
             </a:r>
-            <a:endParaRPr lang="es-ES_tradnl" dirty="0"/>
+            <a:endParaRPr lang="es-ES_tradnl"/>
           </a:p>
         </p:txBody>
       </p:sp>
@@ -5496,7 +6132,7 @@
           <a:lstStyle/>
           <a:p>
             <a:r>
-              <a:rPr lang="es-ES_tradnl" dirty="0"/>
+              <a:rPr lang="es-ES_tradnl"/>
               <a:t>Componentes + Procesos</a:t>
             </a:r>
           </a:p>
@@ -5554,7 +6190,7 @@
           <a:lstStyle/>
           <a:p>
             <a:r>
-              <a:rPr lang="es-ES_tradnl" dirty="0"/>
+              <a:rPr lang="es-ES_tradnl"/>
               <a:t>Protección de datos</a:t>
             </a:r>
           </a:p>
@@ -5593,11 +6229,11 @@
               <a:buAutoNum type="arabicPeriod"/>
             </a:pPr>
             <a:r>
-              <a:rPr lang="es-ES_tradnl" sz="1800" b="1" dirty="0"/>
+              <a:rPr lang="es-ES_tradnl" sz="1800" b="1"/>
               <a:t>Ámbito de aplicación</a:t>
             </a:r>
             <a:r>
-              <a:rPr lang="es-ES_tradnl" sz="1800" dirty="0"/>
+              <a:rPr lang="es-ES_tradnl" sz="1800"/>
               <a:t>:</a:t>
             </a:r>
           </a:p>
@@ -5607,7 +6243,7 @@
               <a:buAutoNum type="alphaLcParenR"/>
             </a:pPr>
             <a:r>
-              <a:rPr lang="es-ES_tradnl" sz="1600" dirty="0"/>
+              <a:rPr lang="es-ES_tradnl" sz="1600"/>
               <a:t>RGPD</a:t>
             </a:r>
           </a:p>
@@ -5617,26 +6253,26 @@
               <a:buAutoNum type="alphaLcParenR"/>
             </a:pPr>
             <a:r>
-              <a:rPr lang="es-ES_tradnl" sz="1600" dirty="0" err="1"/>
+              <a:rPr lang="es-ES_tradnl" sz="1600" err="1"/>
               <a:t>Privacy</a:t>
             </a:r>
             <a:r>
-              <a:rPr lang="es-ES_tradnl" sz="1600" dirty="0"/>
+              <a:rPr lang="es-ES_tradnl" sz="1600"/>
               <a:t> </a:t>
             </a:r>
             <a:r>
-              <a:rPr lang="es-ES_tradnl" sz="1600" dirty="0" err="1"/>
+              <a:rPr lang="es-ES_tradnl" sz="1600" err="1"/>
               <a:t>by</a:t>
             </a:r>
             <a:r>
-              <a:rPr lang="es-ES_tradnl" sz="1600" dirty="0"/>
+              <a:rPr lang="es-ES_tradnl" sz="1600"/>
               <a:t> </a:t>
             </a:r>
             <a:r>
-              <a:rPr lang="es-ES_tradnl" sz="1600" dirty="0" err="1"/>
+              <a:rPr lang="es-ES_tradnl" sz="1600" err="1"/>
               <a:t>Design</a:t>
             </a:r>
-            <a:endParaRPr lang="es-ES_tradnl" sz="1600" dirty="0"/>
+            <a:endParaRPr lang="es-ES_tradnl" sz="1600"/>
           </a:p>
           <a:p>
             <a:pPr marL="971550" lvl="1" indent="-514350">
@@ -5644,11 +6280,11 @@
               <a:buAutoNum type="alphaLcParenR"/>
             </a:pPr>
             <a:r>
-              <a:rPr lang="es-ES_tradnl" sz="1600" dirty="0" err="1"/>
+              <a:rPr lang="es-ES_tradnl" sz="1600" err="1"/>
               <a:t>Accountability</a:t>
             </a:r>
             <a:r>
-              <a:rPr lang="es-ES_tradnl" sz="1600" dirty="0"/>
+              <a:rPr lang="es-ES_tradnl" sz="1600"/>
               <a:t>-Principio de responsabilidad activa</a:t>
             </a:r>
           </a:p>
@@ -5658,7 +6294,7 @@
               <a:buAutoNum type="alphaLcParenR"/>
             </a:pPr>
             <a:r>
-              <a:rPr lang="es-ES_tradnl" sz="1600" dirty="0"/>
+              <a:rPr lang="es-ES_tradnl" sz="1600"/>
               <a:t>Códigos de Conducta</a:t>
             </a:r>
           </a:p>
@@ -5668,7 +6304,7 @@
               <a:buAutoNum type="alphaLcParenR"/>
             </a:pPr>
             <a:r>
-              <a:rPr lang="es-ES_tradnl" sz="1600" dirty="0"/>
+              <a:rPr lang="es-ES_tradnl" sz="1600"/>
               <a:t>Tipos de datos personales</a:t>
             </a:r>
           </a:p>
@@ -5678,11 +6314,11 @@
               <a:buAutoNum type="alphaLcParenR"/>
             </a:pPr>
             <a:r>
-              <a:rPr lang="es-ES_tradnl" sz="1600" dirty="0" err="1"/>
+              <a:rPr lang="es-ES_tradnl" sz="1600" err="1"/>
               <a:t>Anonimización</a:t>
             </a:r>
             <a:r>
-              <a:rPr lang="es-ES_tradnl" sz="1600" dirty="0"/>
+              <a:rPr lang="es-ES_tradnl" sz="1600"/>
               <a:t> de datos</a:t>
             </a:r>
           </a:p>
@@ -5692,7 +6328,7 @@
               <a:buAutoNum type="arabicPeriod"/>
             </a:pPr>
             <a:r>
-              <a:rPr lang="es-ES_tradnl" sz="1800" b="1" dirty="0"/>
+              <a:rPr lang="es-ES_tradnl" sz="1800" b="1"/>
               <a:t>Tratamiento de datos</a:t>
             </a:r>
           </a:p>
@@ -5702,7 +6338,7 @@
               <a:buAutoNum type="arabicPeriod"/>
             </a:pPr>
             <a:r>
-              <a:rPr lang="es-ES_tradnl" sz="1800" b="1" dirty="0"/>
+              <a:rPr lang="es-ES_tradnl" sz="1800" b="1"/>
               <a:t>Consentimiento</a:t>
             </a:r>
           </a:p>
@@ -5712,7 +6348,7 @@
               <a:buAutoNum type="alphaLcParenR"/>
             </a:pPr>
             <a:r>
-              <a:rPr lang="es-ES_tradnl" sz="1600" dirty="0"/>
+              <a:rPr lang="es-ES_tradnl" sz="1600"/>
               <a:t>Consentimiento inequívoco</a:t>
             </a:r>
           </a:p>
@@ -5722,7 +6358,7 @@
               <a:buAutoNum type="alphaLcParenR"/>
             </a:pPr>
             <a:r>
-              <a:rPr lang="es-ES_tradnl" sz="1600" dirty="0"/>
+              <a:rPr lang="es-ES_tradnl" sz="1600"/>
               <a:t>Consentimiento explícito</a:t>
             </a:r>
           </a:p>
@@ -5732,7 +6368,7 @@
               <a:buAutoNum type="alphaLcParenR"/>
             </a:pPr>
             <a:r>
-              <a:rPr lang="es-ES_tradnl" sz="1600" dirty="0"/>
+              <a:rPr lang="es-ES_tradnl" sz="1600"/>
               <a:t>No consentimiento tácito, omitido o por  inanición.</a:t>
             </a:r>
           </a:p>
@@ -5742,7 +6378,7 @@
               <a:buAutoNum type="arabicPeriod"/>
             </a:pPr>
             <a:r>
-              <a:rPr lang="es-ES_tradnl" sz="1800" b="1" dirty="0"/>
+              <a:rPr lang="es-ES_tradnl" sz="1800" b="1"/>
               <a:t>Datos especialmente protegidos</a:t>
             </a:r>
           </a:p>
@@ -5752,7 +6388,7 @@
               <a:buAutoNum type="alphaLcParenR"/>
             </a:pPr>
             <a:r>
-              <a:rPr lang="es-ES_tradnl" sz="1600" dirty="0"/>
+              <a:rPr lang="es-ES_tradnl" sz="1600"/>
               <a:t>Datos genéticos</a:t>
             </a:r>
           </a:p>
@@ -5762,7 +6398,7 @@
               <a:buAutoNum type="alphaLcParenR"/>
             </a:pPr>
             <a:r>
-              <a:rPr lang="es-ES_tradnl" sz="1600" dirty="0"/>
+              <a:rPr lang="es-ES_tradnl" sz="1600"/>
               <a:t>Datos biométricos</a:t>
             </a:r>
           </a:p>
@@ -5771,21 +6407,21 @@
               <a:buFont typeface="+mj-lt"/>
               <a:buAutoNum type="alphaLcParenR"/>
             </a:pPr>
-            <a:endParaRPr lang="es-ES_tradnl" sz="1600" dirty="0"/>
+            <a:endParaRPr lang="es-ES_tradnl" sz="1600"/>
           </a:p>
           <a:p>
             <a:pPr marL="971550" lvl="1" indent="-514350">
               <a:buFont typeface="+mj-lt"/>
               <a:buAutoNum type="alphaLcParenR"/>
             </a:pPr>
-            <a:endParaRPr lang="es-ES_tradnl" sz="1600" dirty="0"/>
+            <a:endParaRPr lang="es-ES_tradnl" sz="1600"/>
           </a:p>
           <a:p>
             <a:pPr marL="971550" lvl="1" indent="-514350">
               <a:buFont typeface="+mj-lt"/>
               <a:buAutoNum type="alphaLcParenR"/>
             </a:pPr>
-            <a:endParaRPr lang="es-ES_tradnl" sz="1600" dirty="0"/>
+            <a:endParaRPr lang="es-ES_tradnl" sz="1600"/>
           </a:p>
           <a:p>
             <a:pPr marL="514350" indent="-514350">
@@ -5793,7 +6429,7 @@
               <a:buAutoNum type="arabicPeriod"/>
             </a:pPr>
             <a:r>
-              <a:rPr lang="es-ES_tradnl" sz="1800" dirty="0"/>
+              <a:rPr lang="es-ES_tradnl" sz="1800"/>
               <a:t>Inscripción de ficheros</a:t>
             </a:r>
           </a:p>
@@ -5803,7 +6439,7 @@
               <a:buAutoNum type="arabicPeriod"/>
             </a:pPr>
             <a:r>
-              <a:rPr lang="es-ES_tradnl" sz="1800" dirty="0"/>
+              <a:rPr lang="es-ES_tradnl" sz="1800"/>
               <a:t>Deber y derechos de Información:</a:t>
             </a:r>
           </a:p>
@@ -5813,7 +6449,7 @@
               <a:buAutoNum type="alphaLcParenR"/>
             </a:pPr>
             <a:r>
-              <a:rPr lang="es-ES_tradnl" sz="1600" dirty="0"/>
+              <a:rPr lang="es-ES_tradnl" sz="1600"/>
               <a:t>Deberes:</a:t>
             </a:r>
           </a:p>
@@ -5823,7 +6459,7 @@
               <a:buAutoNum type="alphaLcParenR"/>
             </a:pPr>
             <a:r>
-              <a:rPr lang="es-ES_tradnl" sz="1600" dirty="0"/>
+              <a:rPr lang="es-ES_tradnl" sz="1600"/>
               <a:t>Identidad del responsable del tratamiento</a:t>
             </a:r>
           </a:p>
@@ -5833,7 +6469,7 @@
               <a:buAutoNum type="alphaLcParenR"/>
             </a:pPr>
             <a:r>
-              <a:rPr lang="es-ES_tradnl" sz="1600" dirty="0"/>
+              <a:rPr lang="es-ES_tradnl" sz="1600"/>
               <a:t>Descripción finalidad del tratamiento de los datos</a:t>
             </a:r>
           </a:p>
@@ -5843,7 +6479,7 @@
               <a:buAutoNum type="alphaLcParenR"/>
             </a:pPr>
             <a:r>
-              <a:rPr lang="es-ES_tradnl" sz="1600" dirty="0"/>
+              <a:rPr lang="es-ES_tradnl" sz="1600"/>
               <a:t>Base jurídica del tratamiento</a:t>
             </a:r>
           </a:p>
@@ -5853,7 +6489,7 @@
               <a:buAutoNum type="alphaLcParenR"/>
             </a:pPr>
             <a:r>
-              <a:rPr lang="es-ES_tradnl" sz="1600" dirty="0"/>
+              <a:rPr lang="es-ES_tradnl" sz="1600"/>
               <a:t>Informar sobre los destinatarios</a:t>
             </a:r>
           </a:p>
@@ -5863,7 +6499,7 @@
               <a:buAutoNum type="alphaLcParenR"/>
             </a:pPr>
             <a:r>
-              <a:rPr lang="es-ES_tradnl" sz="1600" dirty="0"/>
+              <a:rPr lang="es-ES_tradnl" sz="1600"/>
               <a:t>Informar sobre los derechos de las personas interesadas</a:t>
             </a:r>
           </a:p>
@@ -5873,7 +6509,7 @@
               <a:buAutoNum type="alphaLcParenR"/>
             </a:pPr>
             <a:r>
-              <a:rPr lang="es-ES_tradnl" sz="1600" dirty="0"/>
+              <a:rPr lang="es-ES_tradnl" sz="1600"/>
               <a:t>Derechos</a:t>
             </a:r>
           </a:p>
@@ -5882,7 +6518,7 @@
               <a:buFont typeface="+mj-lt"/>
               <a:buAutoNum type="alphaLcParenR"/>
             </a:pPr>
-            <a:endParaRPr lang="es-ES_tradnl" sz="1600" dirty="0"/>
+            <a:endParaRPr lang="es-ES_tradnl" sz="1600"/>
           </a:p>
           <a:p>
             <a:pPr marL="514350" indent="-514350">
@@ -5890,7 +6526,7 @@
               <a:buAutoNum type="arabicPeriod"/>
             </a:pPr>
             <a:r>
-              <a:rPr lang="es-ES_tradnl" sz="1800" dirty="0"/>
+              <a:rPr lang="es-ES_tradnl" sz="1800"/>
               <a:t>Seguridad</a:t>
             </a:r>
           </a:p>
@@ -5900,7 +6536,7 @@
               <a:buAutoNum type="arabicPeriod"/>
             </a:pPr>
             <a:r>
-              <a:rPr lang="es-ES_tradnl" sz="1800" dirty="0"/>
+              <a:rPr lang="es-ES_tradnl" sz="1800"/>
               <a:t>Comunicación de datos con terceros</a:t>
             </a:r>
           </a:p>
@@ -5910,7 +6546,7 @@
               <a:buAutoNum type="arabicPeriod"/>
             </a:pPr>
             <a:r>
-              <a:rPr lang="es-ES_tradnl" sz="1800" dirty="0"/>
+              <a:rPr lang="es-ES_tradnl" sz="1800"/>
               <a:t>Cookies:</a:t>
             </a:r>
           </a:p>
@@ -5920,7 +6556,7 @@
               <a:buAutoNum type="alphaLcParenR"/>
             </a:pPr>
             <a:r>
-              <a:rPr lang="es-ES_tradnl" sz="1600" dirty="0"/>
+              <a:rPr lang="es-ES_tradnl" sz="1600"/>
               <a:t>Aclaraciones</a:t>
             </a:r>
           </a:p>
@@ -5930,7 +6566,7 @@
               <a:buAutoNum type="alphaLcParenR"/>
             </a:pPr>
             <a:r>
-              <a:rPr lang="es-ES_tradnl" sz="1600" dirty="0"/>
+              <a:rPr lang="es-ES_tradnl" sz="1600"/>
               <a:t>Información por capas</a:t>
             </a:r>
           </a:p>
@@ -5940,7 +6576,7 @@
               <a:buAutoNum type="alphaLcParenR"/>
             </a:pPr>
             <a:r>
-              <a:rPr lang="es-ES_tradnl" sz="1600" dirty="0"/>
+              <a:rPr lang="es-ES_tradnl" sz="1600"/>
               <a:t>Consentimiento</a:t>
             </a:r>
           </a:p>
@@ -6028,7 +6664,7 @@
           <a:lstStyle/>
           <a:p>
             <a:r>
-              <a:rPr lang="es-ES_tradnl" dirty="0"/>
+              <a:rPr lang="es-ES_tradnl"/>
               <a:t>ERP</a:t>
             </a:r>
           </a:p>
@@ -6122,7 +6758,7 @@
           <a:lstStyle/>
           <a:p>
             <a:r>
-              <a:rPr lang="es-ES_tradnl" dirty="0"/>
+              <a:rPr lang="es-ES_tradnl"/>
               <a:t>Vs</a:t>
             </a:r>
           </a:p>
@@ -6180,7 +6816,7 @@
           <a:lstStyle/>
           <a:p>
             <a:r>
-              <a:rPr lang="es-ES_tradnl" dirty="0"/>
+              <a:rPr lang="es-ES_tradnl"/>
               <a:t>CRM</a:t>
             </a:r>
           </a:p>
@@ -6296,7 +6932,7 @@
           <a:lstStyle/>
           <a:p>
             <a:r>
-              <a:rPr lang="es-ES_tradnl" dirty="0"/>
+              <a:rPr lang="es-ES_tradnl"/>
               <a:t>Sedes Electrónicas</a:t>
             </a:r>
           </a:p>
@@ -6593,7 +7229,7 @@
           <a:lstStyle/>
           <a:p>
             <a:r>
-              <a:rPr lang="es-ES_tradnl" dirty="0"/>
+              <a:rPr lang="es-ES_tradnl"/>
               <a:t>Seguridad Social</a:t>
             </a:r>
           </a:p>
@@ -6661,7 +7297,7 @@
               <a:buChar char="•"/>
             </a:pPr>
             <a:r>
-              <a:rPr lang="es-ES" sz="1600" dirty="0"/>
+              <a:rPr lang="es-ES" sz="1600"/>
               <a:t>Dirección de la sede.</a:t>
             </a:r>
           </a:p>
@@ -6671,7 +7307,7 @@
               <a:buChar char="•"/>
             </a:pPr>
             <a:r>
-              <a:rPr lang="es-ES" sz="1600" dirty="0"/>
+              <a:rPr lang="es-ES" sz="1600"/>
               <a:t>Identificación de su titular. </a:t>
             </a:r>
           </a:p>
@@ -6681,7 +7317,7 @@
               <a:buChar char="•"/>
             </a:pPr>
             <a:r>
-              <a:rPr lang="es-ES" sz="1600" dirty="0"/>
+              <a:rPr lang="es-ES" sz="1600"/>
               <a:t>Canales de acceso a los servicios</a:t>
             </a:r>
           </a:p>
@@ -6691,7 +7327,7 @@
               <a:buChar char="•"/>
             </a:pPr>
             <a:r>
-              <a:rPr lang="es-ES" sz="1600" dirty="0"/>
+              <a:rPr lang="es-ES" sz="1600"/>
               <a:t>Quejas y sugerencias</a:t>
             </a:r>
           </a:p>
@@ -6701,7 +7337,7 @@
               <a:buChar char="•"/>
             </a:pPr>
             <a:r>
-              <a:rPr lang="es-ES" sz="1600" dirty="0"/>
+              <a:rPr lang="es-ES" sz="1600"/>
               <a:t>Identificación de la sede</a:t>
             </a:r>
           </a:p>
@@ -6711,7 +7347,7 @@
               <a:buChar char="•"/>
             </a:pPr>
             <a:r>
-              <a:rPr lang="es-ES" sz="1600" dirty="0"/>
+              <a:rPr lang="es-ES" sz="1600"/>
               <a:t>Sedes compartidas.</a:t>
             </a:r>
           </a:p>
@@ -6721,7 +7357,7 @@
               <a:buChar char="•"/>
             </a:pPr>
             <a:r>
-              <a:rPr lang="es-ES" sz="1600" dirty="0"/>
+              <a:rPr lang="es-ES" sz="1600"/>
               <a:t>Subsedes.</a:t>
             </a:r>
           </a:p>
@@ -6731,7 +7367,7 @@
               <a:buChar char="•"/>
             </a:pPr>
             <a:r>
-              <a:rPr lang="es-ES" sz="1600" dirty="0"/>
+              <a:rPr lang="es-ES" sz="1600"/>
               <a:t>Instrumento de creación.</a:t>
             </a:r>
           </a:p>
@@ -6741,7 +7377,7 @@
               <a:buChar char="•"/>
             </a:pPr>
             <a:r>
-              <a:rPr lang="es-ES" sz="1600" dirty="0"/>
+              <a:rPr lang="es-ES" sz="1600"/>
               <a:t>Mapa de la sede.</a:t>
             </a:r>
           </a:p>
@@ -6751,7 +7387,7 @@
               <a:buChar char="•"/>
             </a:pPr>
             <a:r>
-              <a:rPr lang="es-ES" sz="1600" dirty="0"/>
+              <a:rPr lang="es-ES" sz="1600"/>
               <a:t>Estructura de navegación. </a:t>
             </a:r>
           </a:p>
@@ -6761,7 +7397,7 @@
               <a:buChar char="•"/>
             </a:pPr>
             <a:r>
-              <a:rPr lang="es-ES" sz="1600" dirty="0"/>
+              <a:rPr lang="es-ES" sz="1600"/>
               <a:t>Secciones disponibles. </a:t>
             </a:r>
           </a:p>
@@ -6771,7 +7407,7 @@
               <a:buChar char="•"/>
             </a:pPr>
             <a:r>
-              <a:rPr lang="es-ES" sz="1600" dirty="0"/>
+              <a:rPr lang="es-ES" sz="1600"/>
               <a:t>Propiedad intelectual. </a:t>
             </a:r>
           </a:p>
@@ -6781,7 +7417,7 @@
               <a:buChar char="•"/>
             </a:pPr>
             <a:r>
-              <a:rPr lang="es-ES" sz="1600" dirty="0"/>
+              <a:rPr lang="es-ES" sz="1600"/>
               <a:t>Protección de Datos de Carácter Personal.</a:t>
             </a:r>
           </a:p>
@@ -6791,7 +7427,7 @@
               <a:buChar char="•"/>
             </a:pPr>
             <a:r>
-              <a:rPr lang="es-ES" sz="1600" dirty="0"/>
+              <a:rPr lang="es-ES" sz="1600"/>
               <a:t>Enlace con las sedes electrónicas de las Agencias de Protección de Datos. </a:t>
             </a:r>
           </a:p>
@@ -6801,7 +7437,7 @@
               <a:buChar char="•"/>
             </a:pPr>
             <a:r>
-              <a:rPr lang="es-ES" sz="1600" dirty="0"/>
+              <a:rPr lang="es-ES" sz="1600"/>
               <a:t>Asesoramiento electrónico.</a:t>
             </a:r>
           </a:p>
@@ -6811,7 +7447,7 @@
               <a:buChar char="•"/>
             </a:pPr>
             <a:r>
-              <a:rPr lang="es-ES" sz="1600" dirty="0"/>
+              <a:rPr lang="es-ES" sz="1600"/>
               <a:t>Sistema de verificación de los certificados.</a:t>
             </a:r>
           </a:p>
@@ -6821,7 +7457,7 @@
               <a:buChar char="•"/>
             </a:pPr>
             <a:r>
-              <a:rPr lang="es-ES" sz="1600" dirty="0"/>
+              <a:rPr lang="es-ES" sz="1600"/>
               <a:t>Sistemas de firma electrónica.</a:t>
             </a:r>
           </a:p>
@@ -6831,7 +7467,7 @@
               <a:buChar char="•"/>
             </a:pPr>
             <a:r>
-              <a:rPr lang="es-ES" sz="1600" dirty="0"/>
+              <a:rPr lang="es-ES" sz="1600"/>
               <a:t>Normas de creación del registro electrónico.</a:t>
             </a:r>
           </a:p>
@@ -6840,42 +7476,42 @@
               <a:buFont typeface="Arial" panose="020B0604020202020204" pitchFamily="34" charset="0"/>
               <a:buChar char="•"/>
             </a:pPr>
-            <a:endParaRPr lang="es-ES" sz="1600" dirty="0"/>
-          </a:p>
-          <a:p>
-            <a:pPr marL="285750" indent="-285750">
-              <a:buFont typeface="Arial" panose="020B0604020202020204" pitchFamily="34" charset="0"/>
-              <a:buChar char="•"/>
-            </a:pPr>
-            <a:endParaRPr lang="es-ES" sz="1600" dirty="0"/>
-          </a:p>
-          <a:p>
-            <a:pPr marL="285750" indent="-285750">
-              <a:buFont typeface="Arial" panose="020B0604020202020204" pitchFamily="34" charset="0"/>
-              <a:buChar char="•"/>
-            </a:pPr>
-            <a:endParaRPr lang="es-ES" sz="1600" dirty="0"/>
-          </a:p>
-          <a:p>
-            <a:pPr marL="285750" indent="-285750">
-              <a:buFont typeface="Arial" panose="020B0604020202020204" pitchFamily="34" charset="0"/>
-              <a:buChar char="•"/>
-            </a:pPr>
-            <a:endParaRPr lang="es-ES" sz="1600" dirty="0"/>
-          </a:p>
-          <a:p>
-            <a:pPr marL="285750" indent="-285750">
-              <a:buFont typeface="Arial" panose="020B0604020202020204" pitchFamily="34" charset="0"/>
-              <a:buChar char="•"/>
-            </a:pPr>
-            <a:endParaRPr lang="es-ES" sz="1600" dirty="0"/>
-          </a:p>
-          <a:p>
-            <a:pPr marL="285750" indent="-285750">
-              <a:buFont typeface="Arial" panose="020B0604020202020204" pitchFamily="34" charset="0"/>
-              <a:buChar char="•"/>
-            </a:pPr>
-            <a:endParaRPr lang="es-ES" sz="1600" dirty="0"/>
+            <a:endParaRPr lang="es-ES" sz="1600"/>
+          </a:p>
+          <a:p>
+            <a:pPr marL="285750" indent="-285750">
+              <a:buFont typeface="Arial" panose="020B0604020202020204" pitchFamily="34" charset="0"/>
+              <a:buChar char="•"/>
+            </a:pPr>
+            <a:endParaRPr lang="es-ES" sz="1600"/>
+          </a:p>
+          <a:p>
+            <a:pPr marL="285750" indent="-285750">
+              <a:buFont typeface="Arial" panose="020B0604020202020204" pitchFamily="34" charset="0"/>
+              <a:buChar char="•"/>
+            </a:pPr>
+            <a:endParaRPr lang="es-ES" sz="1600"/>
+          </a:p>
+          <a:p>
+            <a:pPr marL="285750" indent="-285750">
+              <a:buFont typeface="Arial" panose="020B0604020202020204" pitchFamily="34" charset="0"/>
+              <a:buChar char="•"/>
+            </a:pPr>
+            <a:endParaRPr lang="es-ES" sz="1600"/>
+          </a:p>
+          <a:p>
+            <a:pPr marL="285750" indent="-285750">
+              <a:buFont typeface="Arial" panose="020B0604020202020204" pitchFamily="34" charset="0"/>
+              <a:buChar char="•"/>
+            </a:pPr>
+            <a:endParaRPr lang="es-ES" sz="1600"/>
+          </a:p>
+          <a:p>
+            <a:pPr marL="285750" indent="-285750">
+              <a:buFont typeface="Arial" panose="020B0604020202020204" pitchFamily="34" charset="0"/>
+              <a:buChar char="•"/>
+            </a:pPr>
+            <a:endParaRPr lang="es-ES" sz="1600"/>
           </a:p>
         </p:txBody>
       </p:sp>
@@ -6912,7 +7548,7 @@
               <a:buChar char="•"/>
             </a:pPr>
             <a:r>
-              <a:rPr lang="es-ES" sz="1600" dirty="0"/>
+              <a:rPr lang="es-ES" sz="1600"/>
               <a:t>Relación de los servicios disponibles en la sede electrónica. </a:t>
             </a:r>
           </a:p>
@@ -6922,7 +7558,7 @@
               <a:buChar char="•"/>
             </a:pPr>
             <a:r>
-              <a:rPr lang="es-ES" sz="1600" dirty="0"/>
+              <a:rPr lang="es-ES" sz="1600"/>
               <a:t>Carta de servicios. </a:t>
             </a:r>
           </a:p>
@@ -6932,7 +7568,7 @@
               <a:buChar char="•"/>
             </a:pPr>
             <a:r>
-              <a:rPr lang="es-ES" sz="1600" dirty="0"/>
+              <a:rPr lang="es-ES" sz="1600"/>
               <a:t>Carta de servicios electrónicos. </a:t>
             </a:r>
           </a:p>
@@ -6942,7 +7578,7 @@
               <a:buChar char="•"/>
             </a:pPr>
             <a:r>
-              <a:rPr lang="es-ES" sz="1600" dirty="0"/>
+              <a:rPr lang="es-ES" sz="1600"/>
               <a:t>Medios electrónicos que los usuarios pueden utilizar. </a:t>
             </a:r>
           </a:p>
@@ -6952,7 +7588,7 @@
               <a:buChar char="•"/>
             </a:pPr>
             <a:r>
-              <a:rPr lang="es-ES" sz="1600" dirty="0"/>
+              <a:rPr lang="es-ES" sz="1600"/>
               <a:t>Sistema de sugerencias y quejas ante otros órganos.</a:t>
             </a:r>
           </a:p>
@@ -6962,7 +7598,7 @@
               <a:buChar char="•"/>
             </a:pPr>
             <a:r>
-              <a:rPr lang="es-ES" sz="1600" dirty="0"/>
+              <a:rPr lang="es-ES" sz="1600"/>
               <a:t>Acceso al estado de tramitación del expediente. </a:t>
             </a:r>
           </a:p>
@@ -6972,7 +7608,7 @@
               <a:buChar char="•"/>
             </a:pPr>
             <a:r>
-              <a:rPr lang="es-ES" sz="1600" dirty="0"/>
+              <a:rPr lang="es-ES" sz="1600"/>
               <a:t>Publicación de los diarios o boletines. </a:t>
             </a:r>
           </a:p>
@@ -6982,7 +7618,7 @@
               <a:buChar char="•"/>
             </a:pPr>
             <a:r>
-              <a:rPr lang="es-ES" sz="1600" dirty="0"/>
+              <a:rPr lang="es-ES" sz="1600"/>
               <a:t>Tablón de anuncios.</a:t>
             </a:r>
           </a:p>
@@ -6992,7 +7628,7 @@
               <a:buChar char="•"/>
             </a:pPr>
             <a:r>
-              <a:rPr lang="es-ES" sz="1600" dirty="0"/>
+              <a:rPr lang="es-ES" sz="1600"/>
               <a:t>Verificación de los sellos electrónicos.</a:t>
             </a:r>
           </a:p>
@@ -7002,7 +7638,7 @@
               <a:buChar char="•"/>
             </a:pPr>
             <a:r>
-              <a:rPr lang="es-ES" sz="1600" dirty="0"/>
+              <a:rPr lang="es-ES" sz="1600"/>
               <a:t>Comprobación de la autenticidad e integridad.</a:t>
             </a:r>
           </a:p>
@@ -7012,7 +7648,7 @@
               <a:buChar char="•"/>
             </a:pPr>
             <a:r>
-              <a:rPr lang="es-ES" sz="1600" dirty="0"/>
+              <a:rPr lang="es-ES" sz="1600"/>
               <a:t>Indicación de la fecha y hora oficial. </a:t>
             </a:r>
           </a:p>
@@ -7022,7 +7658,7 @@
               <a:buChar char="•"/>
             </a:pPr>
             <a:r>
-              <a:rPr lang="es-ES" sz="1600" dirty="0"/>
+              <a:rPr lang="es-ES" sz="1600"/>
               <a:t>Lista con los días considerados inhábiles. </a:t>
             </a:r>
           </a:p>
@@ -7032,7 +7668,7 @@
               <a:buChar char="•"/>
             </a:pPr>
             <a:r>
-              <a:rPr lang="es-ES" sz="1600" dirty="0"/>
+              <a:rPr lang="es-ES" sz="1600"/>
               <a:t>Otros servicios o contenidos. </a:t>
             </a:r>
           </a:p>
@@ -7042,7 +7678,7 @@
               <a:buChar char="•"/>
             </a:pPr>
             <a:r>
-              <a:rPr lang="es-ES" sz="1600" dirty="0"/>
+              <a:rPr lang="es-ES" sz="1600"/>
               <a:t>Lenguas cooficiales. </a:t>
             </a:r>
           </a:p>
@@ -7052,7 +7688,7 @@
               <a:buChar char="•"/>
             </a:pPr>
             <a:r>
-              <a:rPr lang="es-ES" sz="1600" dirty="0"/>
+              <a:rPr lang="es-ES" sz="1600"/>
               <a:t>Información sobre cuando se está navegando dentro o fuera de la sede.</a:t>
             </a:r>
           </a:p>
@@ -7062,7 +7698,7 @@
               <a:buChar char="•"/>
             </a:pPr>
             <a:r>
-              <a:rPr lang="es-ES" sz="1600" dirty="0"/>
+              <a:rPr lang="es-ES" sz="1600"/>
               <a:t>Verifica los principios de accesibilidad y usabilidad. </a:t>
             </a:r>
           </a:p>
@@ -7072,7 +7708,7 @@
               <a:buChar char="•"/>
             </a:pPr>
             <a:r>
-              <a:rPr lang="es-ES" sz="1600" dirty="0"/>
+              <a:rPr lang="es-ES" sz="1600"/>
               <a:t>Elementos basados en estándares abiertos.</a:t>
             </a:r>
           </a:p>
@@ -8390,7 +9026,7 @@
           <a:lstStyle/>
           <a:p>
             <a:r>
-              <a:rPr lang="es-ES_tradnl" dirty="0"/>
+              <a:rPr lang="es-ES_tradnl"/>
               <a:t>Castilla La Mancha</a:t>
             </a:r>
           </a:p>
@@ -8429,7 +9065,7 @@
               <a:buChar char="•"/>
             </a:pPr>
             <a:r>
-              <a:rPr lang="es-ES" sz="1600" dirty="0"/>
+              <a:rPr lang="es-ES" sz="1600"/>
               <a:t>Dirección de la sede</a:t>
             </a:r>
           </a:p>
@@ -8439,7 +9075,7 @@
               <a:buChar char="•"/>
             </a:pPr>
             <a:r>
-              <a:rPr lang="es-ES" sz="1600" dirty="0"/>
+              <a:rPr lang="es-ES" sz="1600"/>
               <a:t>Identificación de su titular. </a:t>
             </a:r>
           </a:p>
@@ -8449,7 +9085,7 @@
               <a:buChar char="•"/>
             </a:pPr>
             <a:r>
-              <a:rPr lang="es-ES" sz="1600" dirty="0"/>
+              <a:rPr lang="es-ES" sz="1600"/>
               <a:t>Canales de acceso a los servicios</a:t>
             </a:r>
           </a:p>
@@ -8459,7 +9095,7 @@
               <a:buChar char="•"/>
             </a:pPr>
             <a:r>
-              <a:rPr lang="es-ES" sz="1600" dirty="0"/>
+              <a:rPr lang="es-ES" sz="1600"/>
               <a:t>Quejas y sugerencias</a:t>
             </a:r>
           </a:p>
@@ -8469,7 +9105,7 @@
               <a:buChar char="•"/>
             </a:pPr>
             <a:r>
-              <a:rPr lang="es-ES" sz="1600" dirty="0"/>
+              <a:rPr lang="es-ES" sz="1600"/>
               <a:t>Identificación de la sede</a:t>
             </a:r>
           </a:p>
@@ -8479,7 +9115,7 @@
               <a:buChar char="•"/>
             </a:pPr>
             <a:r>
-              <a:rPr lang="es-ES" sz="1600" dirty="0"/>
+              <a:rPr lang="es-ES" sz="1600"/>
               <a:t>Sedes compartidas</a:t>
             </a:r>
           </a:p>
@@ -8489,7 +9125,7 @@
               <a:buChar char="•"/>
             </a:pPr>
             <a:r>
-              <a:rPr lang="es-ES" sz="1600" dirty="0"/>
+              <a:rPr lang="es-ES" sz="1600"/>
               <a:t>Subsedes</a:t>
             </a:r>
           </a:p>
@@ -8499,7 +9135,7 @@
               <a:buChar char="•"/>
             </a:pPr>
             <a:r>
-              <a:rPr lang="es-ES" sz="1600" dirty="0"/>
+              <a:rPr lang="es-ES" sz="1600"/>
               <a:t>Instrumento de creación.</a:t>
             </a:r>
           </a:p>
@@ -8509,7 +9145,7 @@
               <a:buChar char="•"/>
             </a:pPr>
             <a:r>
-              <a:rPr lang="es-ES" sz="1600" dirty="0"/>
+              <a:rPr lang="es-ES" sz="1600"/>
               <a:t>Mapa de la sede </a:t>
             </a:r>
           </a:p>
@@ -8519,7 +9155,7 @@
               <a:buChar char="•"/>
             </a:pPr>
             <a:r>
-              <a:rPr lang="es-ES" sz="1600" dirty="0"/>
+              <a:rPr lang="es-ES" sz="1600"/>
               <a:t>Estructura de navegación. </a:t>
             </a:r>
           </a:p>
@@ -8529,7 +9165,7 @@
               <a:buChar char="•"/>
             </a:pPr>
             <a:r>
-              <a:rPr lang="es-ES" sz="1600" dirty="0"/>
+              <a:rPr lang="es-ES" sz="1600"/>
               <a:t>Secciones disponibles. </a:t>
             </a:r>
           </a:p>
@@ -8539,7 +9175,7 @@
               <a:buChar char="•"/>
             </a:pPr>
             <a:r>
-              <a:rPr lang="es-ES" sz="1600" dirty="0"/>
+              <a:rPr lang="es-ES" sz="1600"/>
               <a:t>Propiedad intelectual. </a:t>
             </a:r>
           </a:p>
@@ -8549,7 +9185,7 @@
               <a:buChar char="•"/>
             </a:pPr>
             <a:r>
-              <a:rPr lang="es-ES" sz="1600" dirty="0"/>
+              <a:rPr lang="es-ES" sz="1600"/>
               <a:t>Protección de Datos de Carácter Personal.</a:t>
             </a:r>
           </a:p>
@@ -8559,7 +9195,7 @@
               <a:buChar char="•"/>
             </a:pPr>
             <a:r>
-              <a:rPr lang="es-ES" sz="1600" dirty="0"/>
+              <a:rPr lang="es-ES" sz="1600"/>
               <a:t>Enlace con las sedes electrónicas de las Agencias de Protección de Datos. </a:t>
             </a:r>
           </a:p>
@@ -8569,7 +9205,7 @@
               <a:buChar char="•"/>
             </a:pPr>
             <a:r>
-              <a:rPr lang="es-ES" sz="1600" dirty="0"/>
+              <a:rPr lang="es-ES" sz="1600"/>
               <a:t>Asesoramiento electrónico</a:t>
             </a:r>
           </a:p>
@@ -8579,7 +9215,7 @@
               <a:buChar char="•"/>
             </a:pPr>
             <a:r>
-              <a:rPr lang="es-ES" sz="1600" dirty="0"/>
+              <a:rPr lang="es-ES" sz="1600"/>
               <a:t>Sistema de verificación de los certificados.</a:t>
             </a:r>
           </a:p>
@@ -8589,7 +9225,7 @@
               <a:buChar char="•"/>
             </a:pPr>
             <a:r>
-              <a:rPr lang="es-ES" sz="1600" dirty="0"/>
+              <a:rPr lang="es-ES" sz="1600"/>
               <a:t>Sistemas de firma electrónica.</a:t>
             </a:r>
           </a:p>
@@ -8599,7 +9235,7 @@
               <a:buChar char="•"/>
             </a:pPr>
             <a:r>
-              <a:rPr lang="es-ES" sz="1600" dirty="0"/>
+              <a:rPr lang="es-ES" sz="1600"/>
               <a:t>Normas de creación del registro electrónico.</a:t>
             </a:r>
           </a:p>
@@ -8608,42 +9244,42 @@
               <a:buFont typeface="Arial" panose="020B0604020202020204" pitchFamily="34" charset="0"/>
               <a:buChar char="•"/>
             </a:pPr>
-            <a:endParaRPr lang="es-ES" sz="1600" dirty="0"/>
-          </a:p>
-          <a:p>
-            <a:pPr marL="285750" indent="-285750">
-              <a:buFont typeface="Arial" panose="020B0604020202020204" pitchFamily="34" charset="0"/>
-              <a:buChar char="•"/>
-            </a:pPr>
-            <a:endParaRPr lang="es-ES" sz="1600" dirty="0"/>
-          </a:p>
-          <a:p>
-            <a:pPr marL="285750" indent="-285750">
-              <a:buFont typeface="Arial" panose="020B0604020202020204" pitchFamily="34" charset="0"/>
-              <a:buChar char="•"/>
-            </a:pPr>
-            <a:endParaRPr lang="es-ES" sz="1600" dirty="0"/>
-          </a:p>
-          <a:p>
-            <a:pPr marL="285750" indent="-285750">
-              <a:buFont typeface="Arial" panose="020B0604020202020204" pitchFamily="34" charset="0"/>
-              <a:buChar char="•"/>
-            </a:pPr>
-            <a:endParaRPr lang="es-ES" sz="1600" dirty="0"/>
-          </a:p>
-          <a:p>
-            <a:pPr marL="285750" indent="-285750">
-              <a:buFont typeface="Arial" panose="020B0604020202020204" pitchFamily="34" charset="0"/>
-              <a:buChar char="•"/>
-            </a:pPr>
-            <a:endParaRPr lang="es-ES" sz="1600" dirty="0"/>
-          </a:p>
-          <a:p>
-            <a:pPr marL="285750" indent="-285750">
-              <a:buFont typeface="Arial" panose="020B0604020202020204" pitchFamily="34" charset="0"/>
-              <a:buChar char="•"/>
-            </a:pPr>
-            <a:endParaRPr lang="es-ES" sz="1600" dirty="0"/>
+            <a:endParaRPr lang="es-ES" sz="1600"/>
+          </a:p>
+          <a:p>
+            <a:pPr marL="285750" indent="-285750">
+              <a:buFont typeface="Arial" panose="020B0604020202020204" pitchFamily="34" charset="0"/>
+              <a:buChar char="•"/>
+            </a:pPr>
+            <a:endParaRPr lang="es-ES" sz="1600"/>
+          </a:p>
+          <a:p>
+            <a:pPr marL="285750" indent="-285750">
+              <a:buFont typeface="Arial" panose="020B0604020202020204" pitchFamily="34" charset="0"/>
+              <a:buChar char="•"/>
+            </a:pPr>
+            <a:endParaRPr lang="es-ES" sz="1600"/>
+          </a:p>
+          <a:p>
+            <a:pPr marL="285750" indent="-285750">
+              <a:buFont typeface="Arial" panose="020B0604020202020204" pitchFamily="34" charset="0"/>
+              <a:buChar char="•"/>
+            </a:pPr>
+            <a:endParaRPr lang="es-ES" sz="1600"/>
+          </a:p>
+          <a:p>
+            <a:pPr marL="285750" indent="-285750">
+              <a:buFont typeface="Arial" panose="020B0604020202020204" pitchFamily="34" charset="0"/>
+              <a:buChar char="•"/>
+            </a:pPr>
+            <a:endParaRPr lang="es-ES" sz="1600"/>
+          </a:p>
+          <a:p>
+            <a:pPr marL="285750" indent="-285750">
+              <a:buFont typeface="Arial" panose="020B0604020202020204" pitchFamily="34" charset="0"/>
+              <a:buChar char="•"/>
+            </a:pPr>
+            <a:endParaRPr lang="es-ES" sz="1600"/>
           </a:p>
         </p:txBody>
       </p:sp>
@@ -8680,7 +9316,7 @@
               <a:buChar char="•"/>
             </a:pPr>
             <a:r>
-              <a:rPr lang="es-ES" sz="1600" dirty="0"/>
+              <a:rPr lang="es-ES" sz="1600"/>
               <a:t>Relación de los servicios disponibles en la sede electrónica. </a:t>
             </a:r>
           </a:p>
@@ -8690,7 +9326,7 @@
               <a:buChar char="•"/>
             </a:pPr>
             <a:r>
-              <a:rPr lang="es-ES" sz="1600" dirty="0"/>
+              <a:rPr lang="es-ES" sz="1600"/>
               <a:t>Carta de servicios. </a:t>
             </a:r>
           </a:p>
@@ -8700,7 +9336,7 @@
               <a:buChar char="•"/>
             </a:pPr>
             <a:r>
-              <a:rPr lang="es-ES" sz="1600" dirty="0"/>
+              <a:rPr lang="es-ES" sz="1600"/>
               <a:t>Carta de servicios electrónicos. </a:t>
             </a:r>
           </a:p>
@@ -8710,7 +9346,7 @@
               <a:buChar char="•"/>
             </a:pPr>
             <a:r>
-              <a:rPr lang="es-ES" sz="1600" dirty="0"/>
+              <a:rPr lang="es-ES" sz="1600"/>
               <a:t>Medios electrónicos que los usuarios pueden utilizar. </a:t>
             </a:r>
           </a:p>
@@ -8720,7 +9356,7 @@
               <a:buChar char="•"/>
             </a:pPr>
             <a:r>
-              <a:rPr lang="es-ES" sz="1600" dirty="0"/>
+              <a:rPr lang="es-ES" sz="1600"/>
               <a:t>Sistema de sugerencias y quejas ante otros órganos.</a:t>
             </a:r>
           </a:p>
@@ -8730,7 +9366,7 @@
               <a:buChar char="•"/>
             </a:pPr>
             <a:r>
-              <a:rPr lang="es-ES" sz="1600" dirty="0"/>
+              <a:rPr lang="es-ES" sz="1600"/>
               <a:t>Acceso al estado de tramitación del expediente. </a:t>
             </a:r>
           </a:p>
@@ -8740,7 +9376,7 @@
               <a:buChar char="•"/>
             </a:pPr>
             <a:r>
-              <a:rPr lang="es-ES" sz="1600" dirty="0"/>
+              <a:rPr lang="es-ES" sz="1600"/>
               <a:t>Publicación de los diarios o boletines. </a:t>
             </a:r>
           </a:p>
@@ -8750,7 +9386,7 @@
               <a:buChar char="•"/>
             </a:pPr>
             <a:r>
-              <a:rPr lang="es-ES" sz="1600" dirty="0"/>
+              <a:rPr lang="es-ES" sz="1600"/>
               <a:t>Tablón de anuncios.</a:t>
             </a:r>
           </a:p>
@@ -8760,7 +9396,7 @@
               <a:buChar char="•"/>
             </a:pPr>
             <a:r>
-              <a:rPr lang="es-ES" sz="1600" dirty="0"/>
+              <a:rPr lang="es-ES" sz="1600"/>
               <a:t>Verificación de los sellos electrónicos.</a:t>
             </a:r>
           </a:p>
@@ -8770,7 +9406,7 @@
               <a:buChar char="•"/>
             </a:pPr>
             <a:r>
-              <a:rPr lang="es-ES" sz="1600" dirty="0"/>
+              <a:rPr lang="es-ES" sz="1600"/>
               <a:t>Comprobación de la autenticidad e integridad.</a:t>
             </a:r>
           </a:p>
@@ -8780,7 +9416,7 @@
               <a:buChar char="•"/>
             </a:pPr>
             <a:r>
-              <a:rPr lang="es-ES" sz="1600" dirty="0"/>
+              <a:rPr lang="es-ES" sz="1600"/>
               <a:t>Indicación de la fecha y hora oficial. </a:t>
             </a:r>
           </a:p>
@@ -8790,7 +9426,7 @@
               <a:buChar char="•"/>
             </a:pPr>
             <a:r>
-              <a:rPr lang="es-ES" sz="1600" dirty="0"/>
+              <a:rPr lang="es-ES" sz="1600"/>
               <a:t>Lista con los días considerados inhábiles. </a:t>
             </a:r>
           </a:p>
@@ -8800,7 +9436,7 @@
               <a:buChar char="•"/>
             </a:pPr>
             <a:r>
-              <a:rPr lang="es-ES" sz="1600" dirty="0"/>
+              <a:rPr lang="es-ES" sz="1600"/>
               <a:t>Otros servicios o contenidos. </a:t>
             </a:r>
           </a:p>
@@ -8810,7 +9446,7 @@
               <a:buChar char="•"/>
             </a:pPr>
             <a:r>
-              <a:rPr lang="es-ES" sz="1600" dirty="0"/>
+              <a:rPr lang="es-ES" sz="1600"/>
               <a:t>Lenguas cooficiales. </a:t>
             </a:r>
           </a:p>
@@ -8820,7 +9456,7 @@
               <a:buChar char="•"/>
             </a:pPr>
             <a:r>
-              <a:rPr lang="es-ES" sz="1600" dirty="0"/>
+              <a:rPr lang="es-ES" sz="1600"/>
               <a:t>Información sobre cuando se está navegando dentro o fuera de la sede.</a:t>
             </a:r>
           </a:p>
@@ -8830,7 +9466,7 @@
               <a:buChar char="•"/>
             </a:pPr>
             <a:r>
-              <a:rPr lang="es-ES" sz="1600" dirty="0"/>
+              <a:rPr lang="es-ES" sz="1600"/>
               <a:t>Verifica los principios de accesibilidad y usabilidad. </a:t>
             </a:r>
           </a:p>
@@ -8840,7 +9476,7 @@
               <a:buChar char="•"/>
             </a:pPr>
             <a:r>
-              <a:rPr lang="es-ES" sz="1600" dirty="0"/>
+              <a:rPr lang="es-ES" sz="1600"/>
               <a:t>Elementos basados en estándares abiertos</a:t>
             </a:r>
           </a:p>
@@ -10188,7 +10824,7 @@
           <a:lstStyle/>
           <a:p>
             <a:r>
-              <a:rPr lang="es-ES_tradnl" dirty="0"/>
+              <a:rPr lang="es-ES_tradnl"/>
               <a:t>Alcalá de Henares</a:t>
             </a:r>
           </a:p>
@@ -10227,7 +10863,7 @@
               <a:buChar char="•"/>
             </a:pPr>
             <a:r>
-              <a:rPr lang="es-ES" sz="1600" dirty="0"/>
+              <a:rPr lang="es-ES" sz="1600"/>
               <a:t>Dirección de la sede</a:t>
             </a:r>
           </a:p>
@@ -10237,7 +10873,7 @@
               <a:buChar char="•"/>
             </a:pPr>
             <a:r>
-              <a:rPr lang="es-ES" sz="1600" dirty="0"/>
+              <a:rPr lang="es-ES" sz="1600"/>
               <a:t>Identificación de su titular. </a:t>
             </a:r>
           </a:p>
@@ -10247,7 +10883,7 @@
               <a:buChar char="•"/>
             </a:pPr>
             <a:r>
-              <a:rPr lang="es-ES" sz="1600" dirty="0"/>
+              <a:rPr lang="es-ES" sz="1600"/>
               <a:t>Canales de acceso a los servicios</a:t>
             </a:r>
           </a:p>
@@ -10257,7 +10893,7 @@
               <a:buChar char="•"/>
             </a:pPr>
             <a:r>
-              <a:rPr lang="es-ES" sz="1600" dirty="0"/>
+              <a:rPr lang="es-ES" sz="1600"/>
               <a:t>Quejas y sugerencias</a:t>
             </a:r>
           </a:p>
@@ -10267,7 +10903,7 @@
               <a:buChar char="•"/>
             </a:pPr>
             <a:r>
-              <a:rPr lang="es-ES" sz="1600" dirty="0"/>
+              <a:rPr lang="es-ES" sz="1600"/>
               <a:t>Identificación de la sede</a:t>
             </a:r>
           </a:p>
@@ -10277,7 +10913,7 @@
               <a:buChar char="•"/>
             </a:pPr>
             <a:r>
-              <a:rPr lang="es-ES" sz="1600" dirty="0"/>
+              <a:rPr lang="es-ES" sz="1600"/>
               <a:t>Sedes compartidas</a:t>
             </a:r>
           </a:p>
@@ -10287,7 +10923,7 @@
               <a:buChar char="•"/>
             </a:pPr>
             <a:r>
-              <a:rPr lang="es-ES" sz="1600" dirty="0"/>
+              <a:rPr lang="es-ES" sz="1600"/>
               <a:t>Subsedes</a:t>
             </a:r>
           </a:p>
@@ -10297,7 +10933,7 @@
               <a:buChar char="•"/>
             </a:pPr>
             <a:r>
-              <a:rPr lang="es-ES" sz="1600" dirty="0"/>
+              <a:rPr lang="es-ES" sz="1600"/>
               <a:t>Instrumento de creación.</a:t>
             </a:r>
           </a:p>
@@ -10307,7 +10943,7 @@
               <a:buChar char="•"/>
             </a:pPr>
             <a:r>
-              <a:rPr lang="es-ES" sz="1600" dirty="0"/>
+              <a:rPr lang="es-ES" sz="1600"/>
               <a:t>Mapa de la sede </a:t>
             </a:r>
           </a:p>
@@ -10317,7 +10953,7 @@
               <a:buChar char="•"/>
             </a:pPr>
             <a:r>
-              <a:rPr lang="es-ES" sz="1600" dirty="0"/>
+              <a:rPr lang="es-ES" sz="1600"/>
               <a:t>Estructura de navegación. </a:t>
             </a:r>
           </a:p>
@@ -10327,7 +10963,7 @@
               <a:buChar char="•"/>
             </a:pPr>
             <a:r>
-              <a:rPr lang="es-ES" sz="1600" dirty="0"/>
+              <a:rPr lang="es-ES" sz="1600"/>
               <a:t>Secciones disponibles. </a:t>
             </a:r>
           </a:p>
@@ -10337,7 +10973,7 @@
               <a:buChar char="•"/>
             </a:pPr>
             <a:r>
-              <a:rPr lang="es-ES" sz="1600" dirty="0"/>
+              <a:rPr lang="es-ES" sz="1600"/>
               <a:t>Propiedad intelectual. </a:t>
             </a:r>
           </a:p>
@@ -10347,7 +10983,7 @@
               <a:buChar char="•"/>
             </a:pPr>
             <a:r>
-              <a:rPr lang="es-ES" sz="1600" dirty="0"/>
+              <a:rPr lang="es-ES" sz="1600"/>
               <a:t>Protección de Datos de Carácter Personal.</a:t>
             </a:r>
           </a:p>
@@ -10357,7 +10993,7 @@
               <a:buChar char="•"/>
             </a:pPr>
             <a:r>
-              <a:rPr lang="es-ES" sz="1600" dirty="0"/>
+              <a:rPr lang="es-ES" sz="1600"/>
               <a:t>Enlace con las sedes electrónicas de las Agencias de Protección de Datos. </a:t>
             </a:r>
           </a:p>
@@ -10367,7 +11003,7 @@
               <a:buChar char="•"/>
             </a:pPr>
             <a:r>
-              <a:rPr lang="es-ES" sz="1600" dirty="0"/>
+              <a:rPr lang="es-ES" sz="1600"/>
               <a:t>Asesoramiento electrónico</a:t>
             </a:r>
           </a:p>
@@ -10377,7 +11013,7 @@
               <a:buChar char="•"/>
             </a:pPr>
             <a:r>
-              <a:rPr lang="es-ES" sz="1600" dirty="0"/>
+              <a:rPr lang="es-ES" sz="1600"/>
               <a:t>Sistema de verificación de los certificados.</a:t>
             </a:r>
           </a:p>
@@ -10387,7 +11023,7 @@
               <a:buChar char="•"/>
             </a:pPr>
             <a:r>
-              <a:rPr lang="es-ES" sz="1600" dirty="0"/>
+              <a:rPr lang="es-ES" sz="1600"/>
               <a:t>Sistemas de firma electrónica.</a:t>
             </a:r>
           </a:p>
@@ -10397,7 +11033,7 @@
               <a:buChar char="•"/>
             </a:pPr>
             <a:r>
-              <a:rPr lang="es-ES" sz="1600" dirty="0"/>
+              <a:rPr lang="es-ES" sz="1600"/>
               <a:t>Normas de creación del registro electrónico.</a:t>
             </a:r>
           </a:p>
@@ -10406,42 +11042,42 @@
               <a:buFont typeface="Arial" panose="020B0604020202020204" pitchFamily="34" charset="0"/>
               <a:buChar char="•"/>
             </a:pPr>
-            <a:endParaRPr lang="es-ES" sz="1600" dirty="0"/>
-          </a:p>
-          <a:p>
-            <a:pPr marL="285750" indent="-285750">
-              <a:buFont typeface="Arial" panose="020B0604020202020204" pitchFamily="34" charset="0"/>
-              <a:buChar char="•"/>
-            </a:pPr>
-            <a:endParaRPr lang="es-ES" sz="1600" dirty="0"/>
-          </a:p>
-          <a:p>
-            <a:pPr marL="285750" indent="-285750">
-              <a:buFont typeface="Arial" panose="020B0604020202020204" pitchFamily="34" charset="0"/>
-              <a:buChar char="•"/>
-            </a:pPr>
-            <a:endParaRPr lang="es-ES" sz="1600" dirty="0"/>
-          </a:p>
-          <a:p>
-            <a:pPr marL="285750" indent="-285750">
-              <a:buFont typeface="Arial" panose="020B0604020202020204" pitchFamily="34" charset="0"/>
-              <a:buChar char="•"/>
-            </a:pPr>
-            <a:endParaRPr lang="es-ES" sz="1600" dirty="0"/>
-          </a:p>
-          <a:p>
-            <a:pPr marL="285750" indent="-285750">
-              <a:buFont typeface="Arial" panose="020B0604020202020204" pitchFamily="34" charset="0"/>
-              <a:buChar char="•"/>
-            </a:pPr>
-            <a:endParaRPr lang="es-ES" sz="1600" dirty="0"/>
-          </a:p>
-          <a:p>
-            <a:pPr marL="285750" indent="-285750">
-              <a:buFont typeface="Arial" panose="020B0604020202020204" pitchFamily="34" charset="0"/>
-              <a:buChar char="•"/>
-            </a:pPr>
-            <a:endParaRPr lang="es-ES" sz="1600" dirty="0"/>
+            <a:endParaRPr lang="es-ES" sz="1600"/>
+          </a:p>
+          <a:p>
+            <a:pPr marL="285750" indent="-285750">
+              <a:buFont typeface="Arial" panose="020B0604020202020204" pitchFamily="34" charset="0"/>
+              <a:buChar char="•"/>
+            </a:pPr>
+            <a:endParaRPr lang="es-ES" sz="1600"/>
+          </a:p>
+          <a:p>
+            <a:pPr marL="285750" indent="-285750">
+              <a:buFont typeface="Arial" panose="020B0604020202020204" pitchFamily="34" charset="0"/>
+              <a:buChar char="•"/>
+            </a:pPr>
+            <a:endParaRPr lang="es-ES" sz="1600"/>
+          </a:p>
+          <a:p>
+            <a:pPr marL="285750" indent="-285750">
+              <a:buFont typeface="Arial" panose="020B0604020202020204" pitchFamily="34" charset="0"/>
+              <a:buChar char="•"/>
+            </a:pPr>
+            <a:endParaRPr lang="es-ES" sz="1600"/>
+          </a:p>
+          <a:p>
+            <a:pPr marL="285750" indent="-285750">
+              <a:buFont typeface="Arial" panose="020B0604020202020204" pitchFamily="34" charset="0"/>
+              <a:buChar char="•"/>
+            </a:pPr>
+            <a:endParaRPr lang="es-ES" sz="1600"/>
+          </a:p>
+          <a:p>
+            <a:pPr marL="285750" indent="-285750">
+              <a:buFont typeface="Arial" panose="020B0604020202020204" pitchFamily="34" charset="0"/>
+              <a:buChar char="•"/>
+            </a:pPr>
+            <a:endParaRPr lang="es-ES" sz="1600"/>
           </a:p>
         </p:txBody>
       </p:sp>
@@ -10478,7 +11114,7 @@
               <a:buChar char="•"/>
             </a:pPr>
             <a:r>
-              <a:rPr lang="es-ES" sz="1600" dirty="0"/>
+              <a:rPr lang="es-ES" sz="1600"/>
               <a:t>Relación de los servicios disponibles en la sede electrónica. </a:t>
             </a:r>
           </a:p>
@@ -10488,7 +11124,7 @@
               <a:buChar char="•"/>
             </a:pPr>
             <a:r>
-              <a:rPr lang="es-ES" sz="1600" dirty="0"/>
+              <a:rPr lang="es-ES" sz="1600"/>
               <a:t>Carta de servicios. </a:t>
             </a:r>
           </a:p>
@@ -10498,7 +11134,7 @@
               <a:buChar char="•"/>
             </a:pPr>
             <a:r>
-              <a:rPr lang="es-ES" sz="1600" dirty="0"/>
+              <a:rPr lang="es-ES" sz="1600"/>
               <a:t>Carta de servicios electrónicos. </a:t>
             </a:r>
           </a:p>
@@ -10508,7 +11144,7 @@
               <a:buChar char="•"/>
             </a:pPr>
             <a:r>
-              <a:rPr lang="es-ES" sz="1600" dirty="0"/>
+              <a:rPr lang="es-ES" sz="1600"/>
               <a:t>Medios electrónicos que los usuarios pueden utilizar. </a:t>
             </a:r>
           </a:p>
@@ -10518,7 +11154,7 @@
               <a:buChar char="•"/>
             </a:pPr>
             <a:r>
-              <a:rPr lang="es-ES" sz="1600" dirty="0"/>
+              <a:rPr lang="es-ES" sz="1600"/>
               <a:t>Sistema de sugerencias y quejas ante otros órganos.</a:t>
             </a:r>
           </a:p>
@@ -10528,7 +11164,7 @@
               <a:buChar char="•"/>
             </a:pPr>
             <a:r>
-              <a:rPr lang="es-ES" sz="1600" dirty="0"/>
+              <a:rPr lang="es-ES" sz="1600"/>
               <a:t>Acceso al estado de tramitación del expediente. </a:t>
             </a:r>
           </a:p>
@@ -10538,7 +11174,7 @@
               <a:buChar char="•"/>
             </a:pPr>
             <a:r>
-              <a:rPr lang="es-ES" sz="1600" dirty="0"/>
+              <a:rPr lang="es-ES" sz="1600"/>
               <a:t>Publicación de los diarios o boletines. </a:t>
             </a:r>
           </a:p>
@@ -10548,7 +11184,7 @@
               <a:buChar char="•"/>
             </a:pPr>
             <a:r>
-              <a:rPr lang="es-ES" sz="1600" dirty="0"/>
+              <a:rPr lang="es-ES" sz="1600"/>
               <a:t>Tablón de anuncios.</a:t>
             </a:r>
           </a:p>
@@ -10558,7 +11194,7 @@
               <a:buChar char="•"/>
             </a:pPr>
             <a:r>
-              <a:rPr lang="es-ES" sz="1600" dirty="0"/>
+              <a:rPr lang="es-ES" sz="1600"/>
               <a:t>Verificación de los sellos electrónicos.</a:t>
             </a:r>
           </a:p>
@@ -10568,7 +11204,7 @@
               <a:buChar char="•"/>
             </a:pPr>
             <a:r>
-              <a:rPr lang="es-ES" sz="1600" dirty="0"/>
+              <a:rPr lang="es-ES" sz="1600"/>
               <a:t>Comprobación de la autenticidad e integridad.</a:t>
             </a:r>
           </a:p>
@@ -10578,7 +11214,7 @@
               <a:buChar char="•"/>
             </a:pPr>
             <a:r>
-              <a:rPr lang="es-ES" sz="1600" dirty="0"/>
+              <a:rPr lang="es-ES" sz="1600"/>
               <a:t>Indicación de la fecha y hora oficial. </a:t>
             </a:r>
           </a:p>
@@ -10588,7 +11224,7 @@
               <a:buChar char="•"/>
             </a:pPr>
             <a:r>
-              <a:rPr lang="es-ES" sz="1600" dirty="0"/>
+              <a:rPr lang="es-ES" sz="1600"/>
               <a:t>Lista con los días considerados inhábiles. </a:t>
             </a:r>
           </a:p>
@@ -10598,7 +11234,7 @@
               <a:buChar char="•"/>
             </a:pPr>
             <a:r>
-              <a:rPr lang="es-ES" sz="1600" dirty="0"/>
+              <a:rPr lang="es-ES" sz="1600"/>
               <a:t>Otros servicios o contenidos. </a:t>
             </a:r>
           </a:p>
@@ -10608,7 +11244,7 @@
               <a:buChar char="•"/>
             </a:pPr>
             <a:r>
-              <a:rPr lang="es-ES" sz="1600" dirty="0"/>
+              <a:rPr lang="es-ES" sz="1600"/>
               <a:t>Lenguas cooficiales. </a:t>
             </a:r>
           </a:p>
@@ -10618,7 +11254,7 @@
               <a:buChar char="•"/>
             </a:pPr>
             <a:r>
-              <a:rPr lang="es-ES" sz="1600" dirty="0"/>
+              <a:rPr lang="es-ES" sz="1600"/>
               <a:t>Información sobre cuando se está navegando dentro o fuera de la sede.</a:t>
             </a:r>
           </a:p>
@@ -10628,7 +11264,7 @@
               <a:buChar char="•"/>
             </a:pPr>
             <a:r>
-              <a:rPr lang="es-ES" sz="1600" dirty="0"/>
+              <a:rPr lang="es-ES" sz="1600"/>
               <a:t>Verifica los principios de accesibilidad y usabilidad. </a:t>
             </a:r>
           </a:p>
@@ -10638,7 +11274,7 @@
               <a:buChar char="•"/>
             </a:pPr>
             <a:r>
-              <a:rPr lang="es-ES" sz="1600" dirty="0"/>
+              <a:rPr lang="es-ES" sz="1600"/>
               <a:t>Elementos basados en estándares abiertos</a:t>
             </a:r>
           </a:p>
@@ -11985,7 +12621,7 @@
           <a:lstStyle/>
           <a:p>
             <a:r>
-              <a:rPr lang="es-ES_tradnl" dirty="0"/>
+              <a:rPr lang="es-ES_tradnl"/>
               <a:t>Oviedo</a:t>
             </a:r>
           </a:p>
@@ -12024,7 +12660,7 @@
               <a:buChar char="•"/>
             </a:pPr>
             <a:r>
-              <a:rPr lang="es-ES" sz="1600" dirty="0"/>
+              <a:rPr lang="es-ES" sz="1600"/>
               <a:t>Dirección de la sede</a:t>
             </a:r>
           </a:p>
@@ -12034,7 +12670,7 @@
               <a:buChar char="•"/>
             </a:pPr>
             <a:r>
-              <a:rPr lang="es-ES" sz="1600" dirty="0"/>
+              <a:rPr lang="es-ES" sz="1600"/>
               <a:t>Identificación de su titular. </a:t>
             </a:r>
           </a:p>
@@ -12044,7 +12680,7 @@
               <a:buChar char="•"/>
             </a:pPr>
             <a:r>
-              <a:rPr lang="es-ES" sz="1600" dirty="0"/>
+              <a:rPr lang="es-ES" sz="1600"/>
               <a:t>Canales de acceso a los servicios</a:t>
             </a:r>
           </a:p>
@@ -12054,7 +12690,7 @@
               <a:buChar char="•"/>
             </a:pPr>
             <a:r>
-              <a:rPr lang="es-ES" sz="1600" dirty="0"/>
+              <a:rPr lang="es-ES" sz="1600"/>
               <a:t>Quejas y sugerencias</a:t>
             </a:r>
           </a:p>
@@ -12064,7 +12700,7 @@
               <a:buChar char="•"/>
             </a:pPr>
             <a:r>
-              <a:rPr lang="es-ES" sz="1600" dirty="0"/>
+              <a:rPr lang="es-ES" sz="1600"/>
               <a:t>Identificación de la sede</a:t>
             </a:r>
           </a:p>
@@ -12074,7 +12710,7 @@
               <a:buChar char="•"/>
             </a:pPr>
             <a:r>
-              <a:rPr lang="es-ES" sz="1600" dirty="0"/>
+              <a:rPr lang="es-ES" sz="1600"/>
               <a:t>Sedes compartidas</a:t>
             </a:r>
           </a:p>
@@ -12084,7 +12720,7 @@
               <a:buChar char="•"/>
             </a:pPr>
             <a:r>
-              <a:rPr lang="es-ES" sz="1600" dirty="0"/>
+              <a:rPr lang="es-ES" sz="1600"/>
               <a:t>Subsedes</a:t>
             </a:r>
           </a:p>
@@ -12094,7 +12730,7 @@
               <a:buChar char="•"/>
             </a:pPr>
             <a:r>
-              <a:rPr lang="es-ES" sz="1600" dirty="0"/>
+              <a:rPr lang="es-ES" sz="1600"/>
               <a:t>Instrumento de creación.</a:t>
             </a:r>
           </a:p>
@@ -12104,7 +12740,7 @@
               <a:buChar char="•"/>
             </a:pPr>
             <a:r>
-              <a:rPr lang="es-ES" sz="1600" dirty="0"/>
+              <a:rPr lang="es-ES" sz="1600"/>
               <a:t>Mapa de la sede </a:t>
             </a:r>
           </a:p>
@@ -12114,7 +12750,7 @@
               <a:buChar char="•"/>
             </a:pPr>
             <a:r>
-              <a:rPr lang="es-ES" sz="1600" dirty="0"/>
+              <a:rPr lang="es-ES" sz="1600"/>
               <a:t>Estructura de navegación. </a:t>
             </a:r>
           </a:p>
@@ -12124,7 +12760,7 @@
               <a:buChar char="•"/>
             </a:pPr>
             <a:r>
-              <a:rPr lang="es-ES" sz="1600" dirty="0"/>
+              <a:rPr lang="es-ES" sz="1600"/>
               <a:t>Secciones disponibles. </a:t>
             </a:r>
           </a:p>
@@ -12134,7 +12770,7 @@
               <a:buChar char="•"/>
             </a:pPr>
             <a:r>
-              <a:rPr lang="es-ES" sz="1600" dirty="0"/>
+              <a:rPr lang="es-ES" sz="1600"/>
               <a:t>Propiedad intelectual. </a:t>
             </a:r>
           </a:p>
@@ -12144,7 +12780,7 @@
               <a:buChar char="•"/>
             </a:pPr>
             <a:r>
-              <a:rPr lang="es-ES" sz="1600" dirty="0"/>
+              <a:rPr lang="es-ES" sz="1600"/>
               <a:t>Protección de Datos de Carácter Personal.</a:t>
             </a:r>
           </a:p>
@@ -12154,7 +12790,7 @@
               <a:buChar char="•"/>
             </a:pPr>
             <a:r>
-              <a:rPr lang="es-ES" sz="1600" dirty="0"/>
+              <a:rPr lang="es-ES" sz="1600"/>
               <a:t>Enlace con las sedes electrónicas de las Agencias de Protección de Datos. </a:t>
             </a:r>
           </a:p>
@@ -12164,7 +12800,7 @@
               <a:buChar char="•"/>
             </a:pPr>
             <a:r>
-              <a:rPr lang="es-ES" sz="1600" dirty="0"/>
+              <a:rPr lang="es-ES" sz="1600"/>
               <a:t>Asesoramiento electrónico</a:t>
             </a:r>
           </a:p>
@@ -12174,7 +12810,7 @@
               <a:buChar char="•"/>
             </a:pPr>
             <a:r>
-              <a:rPr lang="es-ES" sz="1600" dirty="0"/>
+              <a:rPr lang="es-ES" sz="1600"/>
               <a:t>Sistema de verificación de los certificados.</a:t>
             </a:r>
           </a:p>
@@ -12184,7 +12820,7 @@
               <a:buChar char="•"/>
             </a:pPr>
             <a:r>
-              <a:rPr lang="es-ES" sz="1600" dirty="0"/>
+              <a:rPr lang="es-ES" sz="1600"/>
               <a:t>Sistemas de firma electrónica.</a:t>
             </a:r>
           </a:p>
@@ -12194,7 +12830,7 @@
               <a:buChar char="•"/>
             </a:pPr>
             <a:r>
-              <a:rPr lang="es-ES" sz="1600" dirty="0"/>
+              <a:rPr lang="es-ES" sz="1600"/>
               <a:t>Normas de creación del registro electrónico.</a:t>
             </a:r>
           </a:p>
@@ -12203,42 +12839,42 @@
               <a:buFont typeface="Arial" panose="020B0604020202020204" pitchFamily="34" charset="0"/>
               <a:buChar char="•"/>
             </a:pPr>
-            <a:endParaRPr lang="es-ES" sz="1600" dirty="0"/>
-          </a:p>
-          <a:p>
-            <a:pPr marL="285750" indent="-285750">
-              <a:buFont typeface="Arial" panose="020B0604020202020204" pitchFamily="34" charset="0"/>
-              <a:buChar char="•"/>
-            </a:pPr>
-            <a:endParaRPr lang="es-ES" sz="1600" dirty="0"/>
-          </a:p>
-          <a:p>
-            <a:pPr marL="285750" indent="-285750">
-              <a:buFont typeface="Arial" panose="020B0604020202020204" pitchFamily="34" charset="0"/>
-              <a:buChar char="•"/>
-            </a:pPr>
-            <a:endParaRPr lang="es-ES" sz="1600" dirty="0"/>
-          </a:p>
-          <a:p>
-            <a:pPr marL="285750" indent="-285750">
-              <a:buFont typeface="Arial" panose="020B0604020202020204" pitchFamily="34" charset="0"/>
-              <a:buChar char="•"/>
-            </a:pPr>
-            <a:endParaRPr lang="es-ES" sz="1600" dirty="0"/>
-          </a:p>
-          <a:p>
-            <a:pPr marL="285750" indent="-285750">
-              <a:buFont typeface="Arial" panose="020B0604020202020204" pitchFamily="34" charset="0"/>
-              <a:buChar char="•"/>
-            </a:pPr>
-            <a:endParaRPr lang="es-ES" sz="1600" dirty="0"/>
-          </a:p>
-          <a:p>
-            <a:pPr marL="285750" indent="-285750">
-              <a:buFont typeface="Arial" panose="020B0604020202020204" pitchFamily="34" charset="0"/>
-              <a:buChar char="•"/>
-            </a:pPr>
-            <a:endParaRPr lang="es-ES" sz="1600" dirty="0"/>
+            <a:endParaRPr lang="es-ES" sz="1600"/>
+          </a:p>
+          <a:p>
+            <a:pPr marL="285750" indent="-285750">
+              <a:buFont typeface="Arial" panose="020B0604020202020204" pitchFamily="34" charset="0"/>
+              <a:buChar char="•"/>
+            </a:pPr>
+            <a:endParaRPr lang="es-ES" sz="1600"/>
+          </a:p>
+          <a:p>
+            <a:pPr marL="285750" indent="-285750">
+              <a:buFont typeface="Arial" panose="020B0604020202020204" pitchFamily="34" charset="0"/>
+              <a:buChar char="•"/>
+            </a:pPr>
+            <a:endParaRPr lang="es-ES" sz="1600"/>
+          </a:p>
+          <a:p>
+            <a:pPr marL="285750" indent="-285750">
+              <a:buFont typeface="Arial" panose="020B0604020202020204" pitchFamily="34" charset="0"/>
+              <a:buChar char="•"/>
+            </a:pPr>
+            <a:endParaRPr lang="es-ES" sz="1600"/>
+          </a:p>
+          <a:p>
+            <a:pPr marL="285750" indent="-285750">
+              <a:buFont typeface="Arial" panose="020B0604020202020204" pitchFamily="34" charset="0"/>
+              <a:buChar char="•"/>
+            </a:pPr>
+            <a:endParaRPr lang="es-ES" sz="1600"/>
+          </a:p>
+          <a:p>
+            <a:pPr marL="285750" indent="-285750">
+              <a:buFont typeface="Arial" panose="020B0604020202020204" pitchFamily="34" charset="0"/>
+              <a:buChar char="•"/>
+            </a:pPr>
+            <a:endParaRPr lang="es-ES" sz="1600"/>
           </a:p>
         </p:txBody>
       </p:sp>
@@ -12275,7 +12911,7 @@
               <a:buChar char="•"/>
             </a:pPr>
             <a:r>
-              <a:rPr lang="es-ES" sz="1600" dirty="0"/>
+              <a:rPr lang="es-ES" sz="1600"/>
               <a:t>Relación de los servicios disponibles en la sede electrónica. </a:t>
             </a:r>
           </a:p>
@@ -12285,7 +12921,7 @@
               <a:buChar char="•"/>
             </a:pPr>
             <a:r>
-              <a:rPr lang="es-ES" sz="1600" dirty="0"/>
+              <a:rPr lang="es-ES" sz="1600"/>
               <a:t>Carta de servicios. </a:t>
             </a:r>
           </a:p>
@@ -12295,7 +12931,7 @@
               <a:buChar char="•"/>
             </a:pPr>
             <a:r>
-              <a:rPr lang="es-ES" sz="1600" dirty="0"/>
+              <a:rPr lang="es-ES" sz="1600"/>
               <a:t>Carta de servicios electrónicos. </a:t>
             </a:r>
           </a:p>
@@ -12305,7 +12941,7 @@
               <a:buChar char="•"/>
             </a:pPr>
             <a:r>
-              <a:rPr lang="es-ES" sz="1600" dirty="0"/>
+              <a:rPr lang="es-ES" sz="1600"/>
               <a:t>Medios electrónicos que los usuarios pueden utilizar. </a:t>
             </a:r>
           </a:p>
@@ -12315,7 +12951,7 @@
               <a:buChar char="•"/>
             </a:pPr>
             <a:r>
-              <a:rPr lang="es-ES" sz="1600" dirty="0"/>
+              <a:rPr lang="es-ES" sz="1600"/>
               <a:t>Sistema de sugerencias y quejas ante otros órganos.</a:t>
             </a:r>
           </a:p>
@@ -12325,7 +12961,7 @@
               <a:buChar char="•"/>
             </a:pPr>
             <a:r>
-              <a:rPr lang="es-ES" sz="1600" dirty="0"/>
+              <a:rPr lang="es-ES" sz="1600"/>
               <a:t>Acceso al estado de tramitación del expediente. </a:t>
             </a:r>
           </a:p>
@@ -12335,7 +12971,7 @@
               <a:buChar char="•"/>
             </a:pPr>
             <a:r>
-              <a:rPr lang="es-ES" sz="1600" dirty="0"/>
+              <a:rPr lang="es-ES" sz="1600"/>
               <a:t>Publicación de los diarios o boletines. </a:t>
             </a:r>
           </a:p>
@@ -12345,7 +12981,7 @@
               <a:buChar char="•"/>
             </a:pPr>
             <a:r>
-              <a:rPr lang="es-ES" sz="1600" dirty="0"/>
+              <a:rPr lang="es-ES" sz="1600"/>
               <a:t>Tablón de anuncios.</a:t>
             </a:r>
           </a:p>
@@ -12355,7 +12991,7 @@
               <a:buChar char="•"/>
             </a:pPr>
             <a:r>
-              <a:rPr lang="es-ES" sz="1600" dirty="0"/>
+              <a:rPr lang="es-ES" sz="1600"/>
               <a:t>Verificación de los sellos electrónicos.</a:t>
             </a:r>
           </a:p>
@@ -12365,7 +13001,7 @@
               <a:buChar char="•"/>
             </a:pPr>
             <a:r>
-              <a:rPr lang="es-ES" sz="1600" dirty="0"/>
+              <a:rPr lang="es-ES" sz="1600"/>
               <a:t>Comprobación de la autenticidad e integridad.</a:t>
             </a:r>
           </a:p>
@@ -12375,7 +13011,7 @@
               <a:buChar char="•"/>
             </a:pPr>
             <a:r>
-              <a:rPr lang="es-ES" sz="1600" dirty="0"/>
+              <a:rPr lang="es-ES" sz="1600"/>
               <a:t>Indicación de la fecha y hora oficial. </a:t>
             </a:r>
           </a:p>
@@ -12385,7 +13021,7 @@
               <a:buChar char="•"/>
             </a:pPr>
             <a:r>
-              <a:rPr lang="es-ES" sz="1600" dirty="0"/>
+              <a:rPr lang="es-ES" sz="1600"/>
               <a:t>Lista con los días considerados inhábiles. </a:t>
             </a:r>
           </a:p>
@@ -12395,7 +13031,7 @@
               <a:buChar char="•"/>
             </a:pPr>
             <a:r>
-              <a:rPr lang="es-ES" sz="1600" dirty="0"/>
+              <a:rPr lang="es-ES" sz="1600"/>
               <a:t>Otros servicios o contenidos. </a:t>
             </a:r>
           </a:p>
@@ -12405,7 +13041,7 @@
               <a:buChar char="•"/>
             </a:pPr>
             <a:r>
-              <a:rPr lang="es-ES" sz="1600" dirty="0"/>
+              <a:rPr lang="es-ES" sz="1600"/>
               <a:t>Lenguas cooficiales. </a:t>
             </a:r>
           </a:p>
@@ -12415,7 +13051,7 @@
               <a:buChar char="•"/>
             </a:pPr>
             <a:r>
-              <a:rPr lang="es-ES" sz="1600" dirty="0"/>
+              <a:rPr lang="es-ES" sz="1600"/>
               <a:t>Información sobre cuando se está navegando dentro o fuera de la sede.</a:t>
             </a:r>
           </a:p>
@@ -12425,7 +13061,7 @@
               <a:buChar char="•"/>
             </a:pPr>
             <a:r>
-              <a:rPr lang="es-ES" sz="1600" dirty="0"/>
+              <a:rPr lang="es-ES" sz="1600"/>
               <a:t>Verifica los principios de accesibilidad y usabilidad. </a:t>
             </a:r>
           </a:p>
@@ -12435,7 +13071,7 @@
               <a:buChar char="•"/>
             </a:pPr>
             <a:r>
-              <a:rPr lang="es-ES" sz="1600" dirty="0"/>
+              <a:rPr lang="es-ES" sz="1600"/>
               <a:t>Elementos basados en estándares abiertos</a:t>
             </a:r>
           </a:p>
@@ -13782,7 +14418,7 @@
           <a:lstStyle/>
           <a:p>
             <a:r>
-              <a:rPr lang="es-ES_tradnl" dirty="0"/>
+              <a:rPr lang="es-ES_tradnl"/>
               <a:t>DGT</a:t>
             </a:r>
           </a:p>
@@ -13821,7 +14457,7 @@
               <a:buChar char="•"/>
             </a:pPr>
             <a:r>
-              <a:rPr lang="es-ES" sz="1600" dirty="0"/>
+              <a:rPr lang="es-ES" sz="1600"/>
               <a:t>Dirección de la sede</a:t>
             </a:r>
           </a:p>
@@ -13831,7 +14467,7 @@
               <a:buChar char="•"/>
             </a:pPr>
             <a:r>
-              <a:rPr lang="es-ES" sz="1600" dirty="0"/>
+              <a:rPr lang="es-ES" sz="1600"/>
               <a:t>Identificación de su titular. </a:t>
             </a:r>
           </a:p>
@@ -13841,7 +14477,7 @@
               <a:buChar char="•"/>
             </a:pPr>
             <a:r>
-              <a:rPr lang="es-ES" sz="1600" dirty="0"/>
+              <a:rPr lang="es-ES" sz="1600"/>
               <a:t>Canales de acceso a los servicios</a:t>
             </a:r>
           </a:p>
@@ -13851,7 +14487,7 @@
               <a:buChar char="•"/>
             </a:pPr>
             <a:r>
-              <a:rPr lang="es-ES" sz="1600" dirty="0"/>
+              <a:rPr lang="es-ES" sz="1600"/>
               <a:t>Quejas y sugerencias</a:t>
             </a:r>
           </a:p>
@@ -13861,7 +14497,7 @@
               <a:buChar char="•"/>
             </a:pPr>
             <a:r>
-              <a:rPr lang="es-ES" sz="1600" dirty="0"/>
+              <a:rPr lang="es-ES" sz="1600"/>
               <a:t>Identificación de la sede</a:t>
             </a:r>
           </a:p>
@@ -13871,7 +14507,7 @@
               <a:buChar char="•"/>
             </a:pPr>
             <a:r>
-              <a:rPr lang="es-ES" sz="1600" dirty="0"/>
+              <a:rPr lang="es-ES" sz="1600"/>
               <a:t>Sedes compartidas</a:t>
             </a:r>
           </a:p>
@@ -13881,7 +14517,7 @@
               <a:buChar char="•"/>
             </a:pPr>
             <a:r>
-              <a:rPr lang="es-ES" sz="1600" dirty="0"/>
+              <a:rPr lang="es-ES" sz="1600"/>
               <a:t>Subsedes</a:t>
             </a:r>
           </a:p>
@@ -13891,7 +14527,7 @@
               <a:buChar char="•"/>
             </a:pPr>
             <a:r>
-              <a:rPr lang="es-ES" sz="1600" dirty="0"/>
+              <a:rPr lang="es-ES" sz="1600"/>
               <a:t>Instrumento de creación.</a:t>
             </a:r>
           </a:p>
@@ -13901,7 +14537,7 @@
               <a:buChar char="•"/>
             </a:pPr>
             <a:r>
-              <a:rPr lang="es-ES" sz="1600" dirty="0"/>
+              <a:rPr lang="es-ES" sz="1600"/>
               <a:t>Mapa de la sede </a:t>
             </a:r>
           </a:p>
@@ -13911,7 +14547,7 @@
               <a:buChar char="•"/>
             </a:pPr>
             <a:r>
-              <a:rPr lang="es-ES" sz="1600" dirty="0"/>
+              <a:rPr lang="es-ES" sz="1600"/>
               <a:t>Estructura de navegación. </a:t>
             </a:r>
           </a:p>
@@ -13921,7 +14557,7 @@
               <a:buChar char="•"/>
             </a:pPr>
             <a:r>
-              <a:rPr lang="es-ES" sz="1600" dirty="0"/>
+              <a:rPr lang="es-ES" sz="1600"/>
               <a:t>Secciones disponibles. </a:t>
             </a:r>
           </a:p>
@@ -13931,7 +14567,7 @@
               <a:buChar char="•"/>
             </a:pPr>
             <a:r>
-              <a:rPr lang="es-ES" sz="1600" dirty="0"/>
+              <a:rPr lang="es-ES" sz="1600"/>
               <a:t>Propiedad intelectual. </a:t>
             </a:r>
           </a:p>
@@ -13941,7 +14577,7 @@
               <a:buChar char="•"/>
             </a:pPr>
             <a:r>
-              <a:rPr lang="es-ES" sz="1600" dirty="0"/>
+              <a:rPr lang="es-ES" sz="1600"/>
               <a:t>Protección de Datos de Carácter Personal.</a:t>
             </a:r>
           </a:p>
@@ -13951,7 +14587,7 @@
               <a:buChar char="•"/>
             </a:pPr>
             <a:r>
-              <a:rPr lang="es-ES" sz="1600" dirty="0"/>
+              <a:rPr lang="es-ES" sz="1600"/>
               <a:t>Enlace con las sedes electrónicas de las Agencias de Protección de Datos. </a:t>
             </a:r>
           </a:p>
@@ -13961,7 +14597,7 @@
               <a:buChar char="•"/>
             </a:pPr>
             <a:r>
-              <a:rPr lang="es-ES" sz="1600" dirty="0"/>
+              <a:rPr lang="es-ES" sz="1600"/>
               <a:t>Asesoramiento electrónico</a:t>
             </a:r>
           </a:p>
@@ -13971,7 +14607,7 @@
               <a:buChar char="•"/>
             </a:pPr>
             <a:r>
-              <a:rPr lang="es-ES" sz="1600" dirty="0"/>
+              <a:rPr lang="es-ES" sz="1600"/>
               <a:t>Sistema de verificación de los certificados.</a:t>
             </a:r>
           </a:p>
@@ -13981,7 +14617,7 @@
               <a:buChar char="•"/>
             </a:pPr>
             <a:r>
-              <a:rPr lang="es-ES" sz="1600" dirty="0"/>
+              <a:rPr lang="es-ES" sz="1600"/>
               <a:t>Sistemas de firma electrónica.</a:t>
             </a:r>
           </a:p>
@@ -13991,7 +14627,7 @@
               <a:buChar char="•"/>
             </a:pPr>
             <a:r>
-              <a:rPr lang="es-ES" sz="1600" dirty="0"/>
+              <a:rPr lang="es-ES" sz="1600"/>
               <a:t>Normas de creación del registro electrónico.</a:t>
             </a:r>
           </a:p>
@@ -14000,42 +14636,42 @@
               <a:buFont typeface="Arial" panose="020B0604020202020204" pitchFamily="34" charset="0"/>
               <a:buChar char="•"/>
             </a:pPr>
-            <a:endParaRPr lang="es-ES" sz="1600" dirty="0"/>
-          </a:p>
-          <a:p>
-            <a:pPr marL="285750" indent="-285750">
-              <a:buFont typeface="Arial" panose="020B0604020202020204" pitchFamily="34" charset="0"/>
-              <a:buChar char="•"/>
-            </a:pPr>
-            <a:endParaRPr lang="es-ES" sz="1600" dirty="0"/>
-          </a:p>
-          <a:p>
-            <a:pPr marL="285750" indent="-285750">
-              <a:buFont typeface="Arial" panose="020B0604020202020204" pitchFamily="34" charset="0"/>
-              <a:buChar char="•"/>
-            </a:pPr>
-            <a:endParaRPr lang="es-ES" sz="1600" dirty="0"/>
-          </a:p>
-          <a:p>
-            <a:pPr marL="285750" indent="-285750">
-              <a:buFont typeface="Arial" panose="020B0604020202020204" pitchFamily="34" charset="0"/>
-              <a:buChar char="•"/>
-            </a:pPr>
-            <a:endParaRPr lang="es-ES" sz="1600" dirty="0"/>
-          </a:p>
-          <a:p>
-            <a:pPr marL="285750" indent="-285750">
-              <a:buFont typeface="Arial" panose="020B0604020202020204" pitchFamily="34" charset="0"/>
-              <a:buChar char="•"/>
-            </a:pPr>
-            <a:endParaRPr lang="es-ES" sz="1600" dirty="0"/>
-          </a:p>
-          <a:p>
-            <a:pPr marL="285750" indent="-285750">
-              <a:buFont typeface="Arial" panose="020B0604020202020204" pitchFamily="34" charset="0"/>
-              <a:buChar char="•"/>
-            </a:pPr>
-            <a:endParaRPr lang="es-ES" sz="1600" dirty="0"/>
+            <a:endParaRPr lang="es-ES" sz="1600"/>
+          </a:p>
+          <a:p>
+            <a:pPr marL="285750" indent="-285750">
+              <a:buFont typeface="Arial" panose="020B0604020202020204" pitchFamily="34" charset="0"/>
+              <a:buChar char="•"/>
+            </a:pPr>
+            <a:endParaRPr lang="es-ES" sz="1600"/>
+          </a:p>
+          <a:p>
+            <a:pPr marL="285750" indent="-285750">
+              <a:buFont typeface="Arial" panose="020B0604020202020204" pitchFamily="34" charset="0"/>
+              <a:buChar char="•"/>
+            </a:pPr>
+            <a:endParaRPr lang="es-ES" sz="1600"/>
+          </a:p>
+          <a:p>
+            <a:pPr marL="285750" indent="-285750">
+              <a:buFont typeface="Arial" panose="020B0604020202020204" pitchFamily="34" charset="0"/>
+              <a:buChar char="•"/>
+            </a:pPr>
+            <a:endParaRPr lang="es-ES" sz="1600"/>
+          </a:p>
+          <a:p>
+            <a:pPr marL="285750" indent="-285750">
+              <a:buFont typeface="Arial" panose="020B0604020202020204" pitchFamily="34" charset="0"/>
+              <a:buChar char="•"/>
+            </a:pPr>
+            <a:endParaRPr lang="es-ES" sz="1600"/>
+          </a:p>
+          <a:p>
+            <a:pPr marL="285750" indent="-285750">
+              <a:buFont typeface="Arial" panose="020B0604020202020204" pitchFamily="34" charset="0"/>
+              <a:buChar char="•"/>
+            </a:pPr>
+            <a:endParaRPr lang="es-ES" sz="1600"/>
           </a:p>
         </p:txBody>
       </p:sp>
@@ -14072,7 +14708,7 @@
               <a:buChar char="•"/>
             </a:pPr>
             <a:r>
-              <a:rPr lang="es-ES" sz="1600" dirty="0"/>
+              <a:rPr lang="es-ES" sz="1600"/>
               <a:t>Relación de los servicios disponibles en la sede electrónica. </a:t>
             </a:r>
           </a:p>
@@ -14082,7 +14718,7 @@
               <a:buChar char="•"/>
             </a:pPr>
             <a:r>
-              <a:rPr lang="es-ES" sz="1600" dirty="0"/>
+              <a:rPr lang="es-ES" sz="1600"/>
               <a:t>Carta de servicios. </a:t>
             </a:r>
           </a:p>
@@ -14092,7 +14728,7 @@
               <a:buChar char="•"/>
             </a:pPr>
             <a:r>
-              <a:rPr lang="es-ES" sz="1600" dirty="0"/>
+              <a:rPr lang="es-ES" sz="1600"/>
               <a:t>Carta de servicios electrónicos. </a:t>
             </a:r>
           </a:p>
@@ -14102,7 +14738,7 @@
               <a:buChar char="•"/>
             </a:pPr>
             <a:r>
-              <a:rPr lang="es-ES" sz="1600" dirty="0"/>
+              <a:rPr lang="es-ES" sz="1600"/>
               <a:t>Medios electrónicos que los usuarios pueden utilizar. </a:t>
             </a:r>
           </a:p>
@@ -14112,7 +14748,7 @@
               <a:buChar char="•"/>
             </a:pPr>
             <a:r>
-              <a:rPr lang="es-ES" sz="1600" dirty="0"/>
+              <a:rPr lang="es-ES" sz="1600"/>
               <a:t>Sistema de sugerencias y quejas ante otros órganos.</a:t>
             </a:r>
           </a:p>
@@ -14122,7 +14758,7 @@
               <a:buChar char="•"/>
             </a:pPr>
             <a:r>
-              <a:rPr lang="es-ES" sz="1600" dirty="0"/>
+              <a:rPr lang="es-ES" sz="1600"/>
               <a:t>Acceso al estado de tramitación del expediente. </a:t>
             </a:r>
           </a:p>
@@ -14132,7 +14768,7 @@
               <a:buChar char="•"/>
             </a:pPr>
             <a:r>
-              <a:rPr lang="es-ES" sz="1600" dirty="0"/>
+              <a:rPr lang="es-ES" sz="1600"/>
               <a:t>Publicación de los diarios o boletines. </a:t>
             </a:r>
           </a:p>
@@ -14142,7 +14778,7 @@
               <a:buChar char="•"/>
             </a:pPr>
             <a:r>
-              <a:rPr lang="es-ES" sz="1600" dirty="0"/>
+              <a:rPr lang="es-ES" sz="1600"/>
               <a:t>Tablón de anuncios.</a:t>
             </a:r>
           </a:p>
@@ -14152,7 +14788,7 @@
               <a:buChar char="•"/>
             </a:pPr>
             <a:r>
-              <a:rPr lang="es-ES" sz="1600" dirty="0"/>
+              <a:rPr lang="es-ES" sz="1600"/>
               <a:t>Verificación de los sellos electrónicos.</a:t>
             </a:r>
           </a:p>
@@ -14162,7 +14798,7 @@
               <a:buChar char="•"/>
             </a:pPr>
             <a:r>
-              <a:rPr lang="es-ES" sz="1600" dirty="0"/>
+              <a:rPr lang="es-ES" sz="1600"/>
               <a:t>Comprobación de la autenticidad e integridad.</a:t>
             </a:r>
           </a:p>
@@ -14172,7 +14808,7 @@
               <a:buChar char="•"/>
             </a:pPr>
             <a:r>
-              <a:rPr lang="es-ES" sz="1600" dirty="0"/>
+              <a:rPr lang="es-ES" sz="1600"/>
               <a:t>Indicación de la fecha y hora oficial. </a:t>
             </a:r>
           </a:p>
@@ -14182,7 +14818,7 @@
               <a:buChar char="•"/>
             </a:pPr>
             <a:r>
-              <a:rPr lang="es-ES" sz="1600" dirty="0"/>
+              <a:rPr lang="es-ES" sz="1600"/>
               <a:t>Lista con los días considerados inhábiles. </a:t>
             </a:r>
           </a:p>
@@ -14192,7 +14828,7 @@
               <a:buChar char="•"/>
             </a:pPr>
             <a:r>
-              <a:rPr lang="es-ES" sz="1600" dirty="0"/>
+              <a:rPr lang="es-ES" sz="1600"/>
               <a:t>Otros servicios o contenidos. </a:t>
             </a:r>
           </a:p>
@@ -14202,7 +14838,7 @@
               <a:buChar char="•"/>
             </a:pPr>
             <a:r>
-              <a:rPr lang="es-ES" sz="1600" dirty="0"/>
+              <a:rPr lang="es-ES" sz="1600"/>
               <a:t>Lenguas cooficiales. </a:t>
             </a:r>
           </a:p>
@@ -14212,7 +14848,7 @@
               <a:buChar char="•"/>
             </a:pPr>
             <a:r>
-              <a:rPr lang="es-ES" sz="1600" dirty="0"/>
+              <a:rPr lang="es-ES" sz="1600"/>
               <a:t>Información sobre cuando se está navegando dentro o fuera de la sede.</a:t>
             </a:r>
           </a:p>
@@ -14222,7 +14858,7 @@
               <a:buChar char="•"/>
             </a:pPr>
             <a:r>
-              <a:rPr lang="es-ES" sz="1600" dirty="0"/>
+              <a:rPr lang="es-ES" sz="1600"/>
               <a:t>Verifica los principios de accesibilidad y usabilidad. </a:t>
             </a:r>
           </a:p>
@@ -14232,7 +14868,7 @@
               <a:buChar char="•"/>
             </a:pPr>
             <a:r>
-              <a:rPr lang="es-ES" sz="1600" dirty="0"/>
+              <a:rPr lang="es-ES" sz="1600"/>
               <a:t>Elementos basados en estándares abiertos</a:t>
             </a:r>
           </a:p>
@@ -14265,6 +14901,1266 @@
             <a:off x="6181344" y="323183"/>
             <a:ext cx="5172456" cy="1272647"/>
           </a:xfrm>
+        </p:spPr>
+      </p:pic>
+      <p:pic>
+        <p:nvPicPr>
+          <p:cNvPr id="3" name="Graphic 10" descr="Checkmark">
+            <a:extLst>
+              <a:ext uri="{FF2B5EF4-FFF2-40B4-BE49-F238E27FC236}">
+                <a16:creationId xmlns:a16="http://schemas.microsoft.com/office/drawing/2014/main" id="{2A51D636-1E61-455F-B011-8790DB3F863C}"/>
+              </a:ext>
+            </a:extLst>
+          </p:cNvPr>
+          <p:cNvPicPr>
+            <a:picLocks noChangeAspect="1"/>
+          </p:cNvPicPr>
+          <p:nvPr/>
+        </p:nvPicPr>
+        <p:blipFill>
+          <a:blip r:embed="rId3">
+            <a:extLst>
+              <a:ext uri="{96DAC541-7B7A-43D3-8B79-37D633B846F1}">
+                <asvg:svgBlip xmlns:asvg="http://schemas.microsoft.com/office/drawing/2016/SVG/main" r:embed="rId4"/>
+              </a:ext>
+            </a:extLst>
+          </a:blip>
+          <a:stretch>
+            <a:fillRect/>
+          </a:stretch>
+        </p:blipFill>
+        <p:spPr>
+          <a:xfrm>
+            <a:off x="663767" y="1773522"/>
+            <a:ext cx="174433" cy="174433"/>
+          </a:xfrm>
+          <a:prstGeom prst="rect">
+            <a:avLst/>
+          </a:prstGeom>
+        </p:spPr>
+      </p:pic>
+      <p:pic>
+        <p:nvPicPr>
+          <p:cNvPr id="4" name="Graphic 10" descr="Checkmark">
+            <a:extLst>
+              <a:ext uri="{FF2B5EF4-FFF2-40B4-BE49-F238E27FC236}">
+                <a16:creationId xmlns:a16="http://schemas.microsoft.com/office/drawing/2014/main" id="{1EF479A5-5C12-4EAC-B82D-FDB5E669DE3A}"/>
+              </a:ext>
+            </a:extLst>
+          </p:cNvPr>
+          <p:cNvPicPr>
+            <a:picLocks noChangeAspect="1"/>
+          </p:cNvPicPr>
+          <p:nvPr/>
+        </p:nvPicPr>
+        <p:blipFill>
+          <a:blip r:embed="rId3">
+            <a:extLst>
+              <a:ext uri="{96DAC541-7B7A-43D3-8B79-37D633B846F1}">
+                <asvg:svgBlip xmlns:asvg="http://schemas.microsoft.com/office/drawing/2016/SVG/main" r:embed="rId4"/>
+              </a:ext>
+            </a:extLst>
+          </a:blip>
+          <a:stretch>
+            <a:fillRect/>
+          </a:stretch>
+        </p:blipFill>
+        <p:spPr>
+          <a:xfrm>
+            <a:off x="663766" y="2013138"/>
+            <a:ext cx="174433" cy="174433"/>
+          </a:xfrm>
+          <a:prstGeom prst="rect">
+            <a:avLst/>
+          </a:prstGeom>
+        </p:spPr>
+      </p:pic>
+      <p:pic>
+        <p:nvPicPr>
+          <p:cNvPr id="5" name="Graphic 4" descr="Checkmark">
+            <a:extLst>
+              <a:ext uri="{FF2B5EF4-FFF2-40B4-BE49-F238E27FC236}">
+                <a16:creationId xmlns:a16="http://schemas.microsoft.com/office/drawing/2014/main" id="{2298B27A-ECE6-4497-A544-EC141B4A2519}"/>
+              </a:ext>
+            </a:extLst>
+          </p:cNvPr>
+          <p:cNvPicPr>
+            <a:picLocks noChangeAspect="1"/>
+          </p:cNvPicPr>
+          <p:nvPr/>
+        </p:nvPicPr>
+        <p:blipFill>
+          <a:blip r:embed="rId3">
+            <a:extLst>
+              <a:ext uri="{96DAC541-7B7A-43D3-8B79-37D633B846F1}">
+                <asvg:svgBlip xmlns:asvg="http://schemas.microsoft.com/office/drawing/2016/SVG/main" r:embed="rId4"/>
+              </a:ext>
+            </a:extLst>
+          </a:blip>
+          <a:stretch>
+            <a:fillRect/>
+          </a:stretch>
+        </p:blipFill>
+        <p:spPr>
+          <a:xfrm>
+            <a:off x="663767" y="2268822"/>
+            <a:ext cx="174433" cy="174433"/>
+          </a:xfrm>
+          <a:prstGeom prst="rect">
+            <a:avLst/>
+          </a:prstGeom>
+        </p:spPr>
+      </p:pic>
+      <p:pic>
+        <p:nvPicPr>
+          <p:cNvPr id="13" name="Graphic 10" descr="Checkmark">
+            <a:extLst>
+              <a:ext uri="{FF2B5EF4-FFF2-40B4-BE49-F238E27FC236}">
+                <a16:creationId xmlns:a16="http://schemas.microsoft.com/office/drawing/2014/main" id="{FDA3D8A0-A93A-49CD-9752-D5E7E0153B77}"/>
+              </a:ext>
+            </a:extLst>
+          </p:cNvPr>
+          <p:cNvPicPr>
+            <a:picLocks noChangeAspect="1"/>
+          </p:cNvPicPr>
+          <p:nvPr/>
+        </p:nvPicPr>
+        <p:blipFill>
+          <a:blip r:embed="rId3">
+            <a:extLst>
+              <a:ext uri="{96DAC541-7B7A-43D3-8B79-37D633B846F1}">
+                <asvg:svgBlip xmlns:asvg="http://schemas.microsoft.com/office/drawing/2016/SVG/main" r:embed="rId4"/>
+              </a:ext>
+            </a:extLst>
+          </a:blip>
+          <a:stretch>
+            <a:fillRect/>
+          </a:stretch>
+        </p:blipFill>
+        <p:spPr>
+          <a:xfrm>
+            <a:off x="663767" y="2508438"/>
+            <a:ext cx="174433" cy="174433"/>
+          </a:xfrm>
+          <a:prstGeom prst="rect">
+            <a:avLst/>
+          </a:prstGeom>
+        </p:spPr>
+      </p:pic>
+      <p:pic>
+        <p:nvPicPr>
+          <p:cNvPr id="15" name="Graphic 10" descr="Checkmark">
+            <a:extLst>
+              <a:ext uri="{FF2B5EF4-FFF2-40B4-BE49-F238E27FC236}">
+                <a16:creationId xmlns:a16="http://schemas.microsoft.com/office/drawing/2014/main" id="{69958C2C-C8F5-4A93-8C0C-A30E059D6F92}"/>
+              </a:ext>
+            </a:extLst>
+          </p:cNvPr>
+          <p:cNvPicPr>
+            <a:picLocks noChangeAspect="1"/>
+          </p:cNvPicPr>
+          <p:nvPr/>
+        </p:nvPicPr>
+        <p:blipFill>
+          <a:blip r:embed="rId3">
+            <a:extLst>
+              <a:ext uri="{96DAC541-7B7A-43D3-8B79-37D633B846F1}">
+                <asvg:svgBlip xmlns:asvg="http://schemas.microsoft.com/office/drawing/2016/SVG/main" r:embed="rId4"/>
+              </a:ext>
+            </a:extLst>
+          </a:blip>
+          <a:stretch>
+            <a:fillRect/>
+          </a:stretch>
+        </p:blipFill>
+        <p:spPr>
+          <a:xfrm>
+            <a:off x="663767" y="2748054"/>
+            <a:ext cx="174433" cy="174433"/>
+          </a:xfrm>
+          <a:prstGeom prst="rect">
+            <a:avLst/>
+          </a:prstGeom>
+        </p:spPr>
+      </p:pic>
+      <p:pic>
+        <p:nvPicPr>
+          <p:cNvPr id="17" name="Graphic 16" descr="Close">
+            <a:extLst>
+              <a:ext uri="{FF2B5EF4-FFF2-40B4-BE49-F238E27FC236}">
+                <a16:creationId xmlns:a16="http://schemas.microsoft.com/office/drawing/2014/main" id="{4FE1FBA6-F86E-4E96-8F69-9C5AD013A8D1}"/>
+              </a:ext>
+            </a:extLst>
+          </p:cNvPr>
+          <p:cNvPicPr>
+            <a:picLocks noChangeAspect="1"/>
+          </p:cNvPicPr>
+          <p:nvPr/>
+        </p:nvPicPr>
+        <p:blipFill>
+          <a:blip r:embed="rId5">
+            <a:extLst>
+              <a:ext uri="{96DAC541-7B7A-43D3-8B79-37D633B846F1}">
+                <asvg:svgBlip xmlns:asvg="http://schemas.microsoft.com/office/drawing/2016/SVG/main" r:embed="rId6"/>
+              </a:ext>
+            </a:extLst>
+          </a:blip>
+          <a:stretch>
+            <a:fillRect/>
+          </a:stretch>
+        </p:blipFill>
+        <p:spPr>
+          <a:xfrm>
+            <a:off x="664352" y="2987670"/>
+            <a:ext cx="174433" cy="174433"/>
+          </a:xfrm>
+          <a:prstGeom prst="rect">
+            <a:avLst/>
+          </a:prstGeom>
+        </p:spPr>
+      </p:pic>
+      <p:pic>
+        <p:nvPicPr>
+          <p:cNvPr id="19" name="Graphic 16" descr="Close">
+            <a:extLst>
+              <a:ext uri="{FF2B5EF4-FFF2-40B4-BE49-F238E27FC236}">
+                <a16:creationId xmlns:a16="http://schemas.microsoft.com/office/drawing/2014/main" id="{02AB3960-7575-4AD3-8CCD-6F5E24241487}"/>
+              </a:ext>
+            </a:extLst>
+          </p:cNvPr>
+          <p:cNvPicPr>
+            <a:picLocks noChangeAspect="1"/>
+          </p:cNvPicPr>
+          <p:nvPr/>
+        </p:nvPicPr>
+        <p:blipFill>
+          <a:blip r:embed="rId5">
+            <a:extLst>
+              <a:ext uri="{96DAC541-7B7A-43D3-8B79-37D633B846F1}">
+                <asvg:svgBlip xmlns:asvg="http://schemas.microsoft.com/office/drawing/2016/SVG/main" r:embed="rId6"/>
+              </a:ext>
+            </a:extLst>
+          </a:blip>
+          <a:stretch>
+            <a:fillRect/>
+          </a:stretch>
+        </p:blipFill>
+        <p:spPr>
+          <a:xfrm>
+            <a:off x="664352" y="3227286"/>
+            <a:ext cx="174433" cy="174433"/>
+          </a:xfrm>
+          <a:prstGeom prst="rect">
+            <a:avLst/>
+          </a:prstGeom>
+        </p:spPr>
+      </p:pic>
+      <p:pic>
+        <p:nvPicPr>
+          <p:cNvPr id="21" name="Graphic 10" descr="Checkmark">
+            <a:extLst>
+              <a:ext uri="{FF2B5EF4-FFF2-40B4-BE49-F238E27FC236}">
+                <a16:creationId xmlns:a16="http://schemas.microsoft.com/office/drawing/2014/main" id="{9F208E6F-0B9E-4FF4-8796-FA011BFFDA6D}"/>
+              </a:ext>
+            </a:extLst>
+          </p:cNvPr>
+          <p:cNvPicPr>
+            <a:picLocks noChangeAspect="1"/>
+          </p:cNvPicPr>
+          <p:nvPr/>
+        </p:nvPicPr>
+        <p:blipFill>
+          <a:blip r:embed="rId3">
+            <a:extLst>
+              <a:ext uri="{96DAC541-7B7A-43D3-8B79-37D633B846F1}">
+                <asvg:svgBlip xmlns:asvg="http://schemas.microsoft.com/office/drawing/2016/SVG/main" r:embed="rId4"/>
+              </a:ext>
+            </a:extLst>
+          </a:blip>
+          <a:stretch>
+            <a:fillRect/>
+          </a:stretch>
+        </p:blipFill>
+        <p:spPr>
+          <a:xfrm>
+            <a:off x="663767" y="3473247"/>
+            <a:ext cx="174433" cy="174433"/>
+          </a:xfrm>
+          <a:prstGeom prst="rect">
+            <a:avLst/>
+          </a:prstGeom>
+        </p:spPr>
+      </p:pic>
+      <p:pic>
+        <p:nvPicPr>
+          <p:cNvPr id="23" name="Graphic 10" descr="Checkmark">
+            <a:extLst>
+              <a:ext uri="{FF2B5EF4-FFF2-40B4-BE49-F238E27FC236}">
+                <a16:creationId xmlns:a16="http://schemas.microsoft.com/office/drawing/2014/main" id="{E9838BAF-C730-45F5-9E1F-C1F7370DDD4F}"/>
+              </a:ext>
+            </a:extLst>
+          </p:cNvPr>
+          <p:cNvPicPr>
+            <a:picLocks noChangeAspect="1"/>
+          </p:cNvPicPr>
+          <p:nvPr/>
+        </p:nvPicPr>
+        <p:blipFill>
+          <a:blip r:embed="rId3">
+            <a:extLst>
+              <a:ext uri="{96DAC541-7B7A-43D3-8B79-37D633B846F1}">
+                <asvg:svgBlip xmlns:asvg="http://schemas.microsoft.com/office/drawing/2016/SVG/main" r:embed="rId4"/>
+              </a:ext>
+            </a:extLst>
+          </a:blip>
+          <a:stretch>
+            <a:fillRect/>
+          </a:stretch>
+        </p:blipFill>
+        <p:spPr>
+          <a:xfrm>
+            <a:off x="664352" y="3962202"/>
+            <a:ext cx="174433" cy="174433"/>
+          </a:xfrm>
+          <a:prstGeom prst="rect">
+            <a:avLst/>
+          </a:prstGeom>
+        </p:spPr>
+      </p:pic>
+      <p:pic>
+        <p:nvPicPr>
+          <p:cNvPr id="25" name="Graphic 10" descr="Checkmark">
+            <a:extLst>
+              <a:ext uri="{FF2B5EF4-FFF2-40B4-BE49-F238E27FC236}">
+                <a16:creationId xmlns:a16="http://schemas.microsoft.com/office/drawing/2014/main" id="{C70836DB-2A46-4C20-BD3E-08258F5B39FE}"/>
+              </a:ext>
+            </a:extLst>
+          </p:cNvPr>
+          <p:cNvPicPr>
+            <a:picLocks noChangeAspect="1"/>
+          </p:cNvPicPr>
+          <p:nvPr/>
+        </p:nvPicPr>
+        <p:blipFill>
+          <a:blip r:embed="rId3">
+            <a:extLst>
+              <a:ext uri="{96DAC541-7B7A-43D3-8B79-37D633B846F1}">
+                <asvg:svgBlip xmlns:asvg="http://schemas.microsoft.com/office/drawing/2016/SVG/main" r:embed="rId4"/>
+              </a:ext>
+            </a:extLst>
+          </a:blip>
+          <a:stretch>
+            <a:fillRect/>
+          </a:stretch>
+        </p:blipFill>
+        <p:spPr>
+          <a:xfrm>
+            <a:off x="664352" y="3716241"/>
+            <a:ext cx="174433" cy="174433"/>
+          </a:xfrm>
+          <a:prstGeom prst="rect">
+            <a:avLst/>
+          </a:prstGeom>
+        </p:spPr>
+      </p:pic>
+      <p:pic>
+        <p:nvPicPr>
+          <p:cNvPr id="27" name="Graphic 10" descr="Checkmark">
+            <a:extLst>
+              <a:ext uri="{FF2B5EF4-FFF2-40B4-BE49-F238E27FC236}">
+                <a16:creationId xmlns:a16="http://schemas.microsoft.com/office/drawing/2014/main" id="{4C5B2BF4-884F-47F3-A28D-CE760FB5DDF0}"/>
+              </a:ext>
+            </a:extLst>
+          </p:cNvPr>
+          <p:cNvPicPr>
+            <a:picLocks noChangeAspect="1"/>
+          </p:cNvPicPr>
+          <p:nvPr/>
+        </p:nvPicPr>
+        <p:blipFill>
+          <a:blip r:embed="rId3">
+            <a:extLst>
+              <a:ext uri="{96DAC541-7B7A-43D3-8B79-37D633B846F1}">
+                <asvg:svgBlip xmlns:asvg="http://schemas.microsoft.com/office/drawing/2016/SVG/main" r:embed="rId4"/>
+              </a:ext>
+            </a:extLst>
+          </a:blip>
+          <a:stretch>
+            <a:fillRect/>
+          </a:stretch>
+        </p:blipFill>
+        <p:spPr>
+          <a:xfrm>
+            <a:off x="663765" y="4198851"/>
+            <a:ext cx="174433" cy="174433"/>
+          </a:xfrm>
+          <a:prstGeom prst="rect">
+            <a:avLst/>
+          </a:prstGeom>
+        </p:spPr>
+      </p:pic>
+      <p:pic>
+        <p:nvPicPr>
+          <p:cNvPr id="29" name="Graphic 10" descr="Checkmark">
+            <a:extLst>
+              <a:ext uri="{FF2B5EF4-FFF2-40B4-BE49-F238E27FC236}">
+                <a16:creationId xmlns:a16="http://schemas.microsoft.com/office/drawing/2014/main" id="{1B4CB56D-8DEE-40AE-926E-CC4876000152}"/>
+              </a:ext>
+            </a:extLst>
+          </p:cNvPr>
+          <p:cNvPicPr>
+            <a:picLocks noChangeAspect="1"/>
+          </p:cNvPicPr>
+          <p:nvPr/>
+        </p:nvPicPr>
+        <p:blipFill>
+          <a:blip r:embed="rId3">
+            <a:extLst>
+              <a:ext uri="{96DAC541-7B7A-43D3-8B79-37D633B846F1}">
+                <asvg:svgBlip xmlns:asvg="http://schemas.microsoft.com/office/drawing/2016/SVG/main" r:embed="rId4"/>
+              </a:ext>
+            </a:extLst>
+          </a:blip>
+          <a:stretch>
+            <a:fillRect/>
+          </a:stretch>
+        </p:blipFill>
+        <p:spPr>
+          <a:xfrm>
+            <a:off x="663764" y="4446424"/>
+            <a:ext cx="174433" cy="174433"/>
+          </a:xfrm>
+          <a:prstGeom prst="rect">
+            <a:avLst/>
+          </a:prstGeom>
+        </p:spPr>
+      </p:pic>
+      <p:pic>
+        <p:nvPicPr>
+          <p:cNvPr id="31" name="Graphic 10" descr="Checkmark">
+            <a:extLst>
+              <a:ext uri="{FF2B5EF4-FFF2-40B4-BE49-F238E27FC236}">
+                <a16:creationId xmlns:a16="http://schemas.microsoft.com/office/drawing/2014/main" id="{200A801C-07FF-48F8-BC78-1E129B5876CE}"/>
+              </a:ext>
+            </a:extLst>
+          </p:cNvPr>
+          <p:cNvPicPr>
+            <a:picLocks noChangeAspect="1"/>
+          </p:cNvPicPr>
+          <p:nvPr/>
+        </p:nvPicPr>
+        <p:blipFill>
+          <a:blip r:embed="rId3">
+            <a:extLst>
+              <a:ext uri="{96DAC541-7B7A-43D3-8B79-37D633B846F1}">
+                <asvg:svgBlip xmlns:asvg="http://schemas.microsoft.com/office/drawing/2016/SVG/main" r:embed="rId4"/>
+              </a:ext>
+            </a:extLst>
+          </a:blip>
+          <a:stretch>
+            <a:fillRect/>
+          </a:stretch>
+        </p:blipFill>
+        <p:spPr>
+          <a:xfrm>
+            <a:off x="664352" y="4681263"/>
+            <a:ext cx="174433" cy="174433"/>
+          </a:xfrm>
+          <a:prstGeom prst="rect">
+            <a:avLst/>
+          </a:prstGeom>
+        </p:spPr>
+      </p:pic>
+      <p:pic>
+        <p:nvPicPr>
+          <p:cNvPr id="33" name="Graphic 10" descr="Checkmark">
+            <a:extLst>
+              <a:ext uri="{FF2B5EF4-FFF2-40B4-BE49-F238E27FC236}">
+                <a16:creationId xmlns:a16="http://schemas.microsoft.com/office/drawing/2014/main" id="{7F72139C-3F68-4DA5-9D00-E689EC770A1C}"/>
+              </a:ext>
+            </a:extLst>
+          </p:cNvPr>
+          <p:cNvPicPr>
+            <a:picLocks noChangeAspect="1"/>
+          </p:cNvPicPr>
+          <p:nvPr/>
+        </p:nvPicPr>
+        <p:blipFill>
+          <a:blip r:embed="rId3">
+            <a:extLst>
+              <a:ext uri="{96DAC541-7B7A-43D3-8B79-37D633B846F1}">
+                <asvg:svgBlip xmlns:asvg="http://schemas.microsoft.com/office/drawing/2016/SVG/main" r:embed="rId4"/>
+              </a:ext>
+            </a:extLst>
+          </a:blip>
+          <a:stretch>
+            <a:fillRect/>
+          </a:stretch>
+        </p:blipFill>
+        <p:spPr>
+          <a:xfrm>
+            <a:off x="664352" y="4932001"/>
+            <a:ext cx="174433" cy="174433"/>
+          </a:xfrm>
+          <a:prstGeom prst="rect">
+            <a:avLst/>
+          </a:prstGeom>
+        </p:spPr>
+      </p:pic>
+      <p:pic>
+        <p:nvPicPr>
+          <p:cNvPr id="35" name="Graphic 42" descr="Pause">
+            <a:extLst>
+              <a:ext uri="{FF2B5EF4-FFF2-40B4-BE49-F238E27FC236}">
+                <a16:creationId xmlns:a16="http://schemas.microsoft.com/office/drawing/2014/main" id="{F0FC8119-2AFB-463B-8004-21FC0DC3860A}"/>
+              </a:ext>
+            </a:extLst>
+          </p:cNvPr>
+          <p:cNvPicPr>
+            <a:picLocks noChangeAspect="1"/>
+          </p:cNvPicPr>
+          <p:nvPr/>
+        </p:nvPicPr>
+        <p:blipFill>
+          <a:blip r:embed="rId7">
+            <a:extLst>
+              <a:ext uri="{96DAC541-7B7A-43D3-8B79-37D633B846F1}">
+                <asvg:svgBlip xmlns:asvg="http://schemas.microsoft.com/office/drawing/2016/SVG/main" r:embed="rId8"/>
+              </a:ext>
+            </a:extLst>
+          </a:blip>
+          <a:stretch>
+            <a:fillRect/>
+          </a:stretch>
+        </p:blipFill>
+        <p:spPr>
+          <a:xfrm>
+            <a:off x="5624256" y="5185795"/>
+            <a:ext cx="174433" cy="174433"/>
+          </a:xfrm>
+          <a:prstGeom prst="rect">
+            <a:avLst/>
+          </a:prstGeom>
+        </p:spPr>
+      </p:pic>
+      <p:pic>
+        <p:nvPicPr>
+          <p:cNvPr id="39" name="Graphic 16" descr="Close">
+            <a:extLst>
+              <a:ext uri="{FF2B5EF4-FFF2-40B4-BE49-F238E27FC236}">
+                <a16:creationId xmlns:a16="http://schemas.microsoft.com/office/drawing/2014/main" id="{023FBDE6-0B7A-4C3F-AF99-9D052C05687F}"/>
+              </a:ext>
+            </a:extLst>
+          </p:cNvPr>
+          <p:cNvPicPr>
+            <a:picLocks noChangeAspect="1"/>
+          </p:cNvPicPr>
+          <p:nvPr/>
+        </p:nvPicPr>
+        <p:blipFill>
+          <a:blip r:embed="rId5">
+            <a:extLst>
+              <a:ext uri="{96DAC541-7B7A-43D3-8B79-37D633B846F1}">
+                <asvg:svgBlip xmlns:asvg="http://schemas.microsoft.com/office/drawing/2016/SVG/main" r:embed="rId6"/>
+              </a:ext>
+            </a:extLst>
+          </a:blip>
+          <a:stretch>
+            <a:fillRect/>
+          </a:stretch>
+        </p:blipFill>
+        <p:spPr>
+          <a:xfrm>
+            <a:off x="664352" y="5661094"/>
+            <a:ext cx="174433" cy="174433"/>
+          </a:xfrm>
+          <a:prstGeom prst="rect">
+            <a:avLst/>
+          </a:prstGeom>
+        </p:spPr>
+      </p:pic>
+      <p:pic>
+        <p:nvPicPr>
+          <p:cNvPr id="41" name="Graphic 16" descr="Close">
+            <a:extLst>
+              <a:ext uri="{FF2B5EF4-FFF2-40B4-BE49-F238E27FC236}">
+                <a16:creationId xmlns:a16="http://schemas.microsoft.com/office/drawing/2014/main" id="{B9080AB9-AC0F-4139-BFF4-EEE81DD4DA63}"/>
+              </a:ext>
+            </a:extLst>
+          </p:cNvPr>
+          <p:cNvPicPr>
+            <a:picLocks noChangeAspect="1"/>
+          </p:cNvPicPr>
+          <p:nvPr/>
+        </p:nvPicPr>
+        <p:blipFill>
+          <a:blip r:embed="rId5">
+            <a:extLst>
+              <a:ext uri="{96DAC541-7B7A-43D3-8B79-37D633B846F1}">
+                <asvg:svgBlip xmlns:asvg="http://schemas.microsoft.com/office/drawing/2016/SVG/main" r:embed="rId6"/>
+              </a:ext>
+            </a:extLst>
+          </a:blip>
+          <a:stretch>
+            <a:fillRect/>
+          </a:stretch>
+        </p:blipFill>
+        <p:spPr>
+          <a:xfrm>
+            <a:off x="664352" y="5903977"/>
+            <a:ext cx="174433" cy="174433"/>
+          </a:xfrm>
+          <a:prstGeom prst="rect">
+            <a:avLst/>
+          </a:prstGeom>
+        </p:spPr>
+      </p:pic>
+      <p:pic>
+        <p:nvPicPr>
+          <p:cNvPr id="43" name="Graphic 10" descr="Checkmark">
+            <a:extLst>
+              <a:ext uri="{FF2B5EF4-FFF2-40B4-BE49-F238E27FC236}">
+                <a16:creationId xmlns:a16="http://schemas.microsoft.com/office/drawing/2014/main" id="{92272A99-07E4-4636-8E5F-C0F06193384E}"/>
+              </a:ext>
+            </a:extLst>
+          </p:cNvPr>
+          <p:cNvPicPr>
+            <a:picLocks noChangeAspect="1"/>
+          </p:cNvPicPr>
+          <p:nvPr/>
+        </p:nvPicPr>
+        <p:blipFill>
+          <a:blip r:embed="rId3">
+            <a:extLst>
+              <a:ext uri="{96DAC541-7B7A-43D3-8B79-37D633B846F1}">
+                <asvg:svgBlip xmlns:asvg="http://schemas.microsoft.com/office/drawing/2016/SVG/main" r:embed="rId4"/>
+              </a:ext>
+            </a:extLst>
+          </a:blip>
+          <a:stretch>
+            <a:fillRect/>
+          </a:stretch>
+        </p:blipFill>
+        <p:spPr>
+          <a:xfrm>
+            <a:off x="663763" y="6155429"/>
+            <a:ext cx="174433" cy="174433"/>
+          </a:xfrm>
+          <a:prstGeom prst="rect">
+            <a:avLst/>
+          </a:prstGeom>
+        </p:spPr>
+      </p:pic>
+      <p:pic>
+        <p:nvPicPr>
+          <p:cNvPr id="45" name="Graphic 10" descr="Checkmark">
+            <a:extLst>
+              <a:ext uri="{FF2B5EF4-FFF2-40B4-BE49-F238E27FC236}">
+                <a16:creationId xmlns:a16="http://schemas.microsoft.com/office/drawing/2014/main" id="{1793D4FE-2059-4E16-AE27-3C2018F55117}"/>
+              </a:ext>
+            </a:extLst>
+          </p:cNvPr>
+          <p:cNvPicPr>
+            <a:picLocks noChangeAspect="1"/>
+          </p:cNvPicPr>
+          <p:nvPr/>
+        </p:nvPicPr>
+        <p:blipFill>
+          <a:blip r:embed="rId3">
+            <a:extLst>
+              <a:ext uri="{96DAC541-7B7A-43D3-8B79-37D633B846F1}">
+                <asvg:svgBlip xmlns:asvg="http://schemas.microsoft.com/office/drawing/2016/SVG/main" r:embed="rId4"/>
+              </a:ext>
+            </a:extLst>
+          </a:blip>
+          <a:stretch>
+            <a:fillRect/>
+          </a:stretch>
+        </p:blipFill>
+        <p:spPr>
+          <a:xfrm>
+            <a:off x="5624260" y="1773521"/>
+            <a:ext cx="174433" cy="174433"/>
+          </a:xfrm>
+          <a:prstGeom prst="rect">
+            <a:avLst/>
+          </a:prstGeom>
+        </p:spPr>
+      </p:pic>
+      <p:pic>
+        <p:nvPicPr>
+          <p:cNvPr id="47" name="Graphic 10" descr="Checkmark">
+            <a:extLst>
+              <a:ext uri="{FF2B5EF4-FFF2-40B4-BE49-F238E27FC236}">
+                <a16:creationId xmlns:a16="http://schemas.microsoft.com/office/drawing/2014/main" id="{359E5A0D-7128-4ABA-A338-7F824C5EF60A}"/>
+              </a:ext>
+            </a:extLst>
+          </p:cNvPr>
+          <p:cNvPicPr>
+            <a:picLocks noChangeAspect="1"/>
+          </p:cNvPicPr>
+          <p:nvPr/>
+        </p:nvPicPr>
+        <p:blipFill>
+          <a:blip r:embed="rId3">
+            <a:extLst>
+              <a:ext uri="{96DAC541-7B7A-43D3-8B79-37D633B846F1}">
+                <asvg:svgBlip xmlns:asvg="http://schemas.microsoft.com/office/drawing/2016/SVG/main" r:embed="rId4"/>
+              </a:ext>
+            </a:extLst>
+          </a:blip>
+          <a:stretch>
+            <a:fillRect/>
+          </a:stretch>
+        </p:blipFill>
+        <p:spPr>
+          <a:xfrm>
+            <a:off x="5624260" y="2012346"/>
+            <a:ext cx="174433" cy="174433"/>
+          </a:xfrm>
+          <a:prstGeom prst="rect">
+            <a:avLst/>
+          </a:prstGeom>
+        </p:spPr>
+      </p:pic>
+      <p:pic>
+        <p:nvPicPr>
+          <p:cNvPr id="49" name="Graphic 10" descr="Checkmark">
+            <a:extLst>
+              <a:ext uri="{FF2B5EF4-FFF2-40B4-BE49-F238E27FC236}">
+                <a16:creationId xmlns:a16="http://schemas.microsoft.com/office/drawing/2014/main" id="{8DA75BE5-3109-4C8F-8E19-796FBEB7B242}"/>
+              </a:ext>
+            </a:extLst>
+          </p:cNvPr>
+          <p:cNvPicPr>
+            <a:picLocks noChangeAspect="1"/>
+          </p:cNvPicPr>
+          <p:nvPr/>
+        </p:nvPicPr>
+        <p:blipFill>
+          <a:blip r:embed="rId3">
+            <a:extLst>
+              <a:ext uri="{96DAC541-7B7A-43D3-8B79-37D633B846F1}">
+                <asvg:svgBlip xmlns:asvg="http://schemas.microsoft.com/office/drawing/2016/SVG/main" r:embed="rId4"/>
+              </a:ext>
+            </a:extLst>
+          </a:blip>
+          <a:stretch>
+            <a:fillRect/>
+          </a:stretch>
+        </p:blipFill>
+        <p:spPr>
+          <a:xfrm>
+            <a:off x="5624260" y="2268729"/>
+            <a:ext cx="174433" cy="174433"/>
+          </a:xfrm>
+          <a:prstGeom prst="rect">
+            <a:avLst/>
+          </a:prstGeom>
+        </p:spPr>
+      </p:pic>
+      <p:pic>
+        <p:nvPicPr>
+          <p:cNvPr id="51" name="Graphic 10" descr="Checkmark">
+            <a:extLst>
+              <a:ext uri="{FF2B5EF4-FFF2-40B4-BE49-F238E27FC236}">
+                <a16:creationId xmlns:a16="http://schemas.microsoft.com/office/drawing/2014/main" id="{F5885F3A-35AF-4CA1-9E25-33FD0098BC36}"/>
+              </a:ext>
+            </a:extLst>
+          </p:cNvPr>
+          <p:cNvPicPr>
+            <a:picLocks noChangeAspect="1"/>
+          </p:cNvPicPr>
+          <p:nvPr/>
+        </p:nvPicPr>
+        <p:blipFill>
+          <a:blip r:embed="rId3">
+            <a:extLst>
+              <a:ext uri="{96DAC541-7B7A-43D3-8B79-37D633B846F1}">
+                <asvg:svgBlip xmlns:asvg="http://schemas.microsoft.com/office/drawing/2016/SVG/main" r:embed="rId4"/>
+              </a:ext>
+            </a:extLst>
+          </a:blip>
+          <a:stretch>
+            <a:fillRect/>
+          </a:stretch>
+        </p:blipFill>
+        <p:spPr>
+          <a:xfrm>
+            <a:off x="5624259" y="2525112"/>
+            <a:ext cx="174433" cy="174433"/>
+          </a:xfrm>
+          <a:prstGeom prst="rect">
+            <a:avLst/>
+          </a:prstGeom>
+        </p:spPr>
+      </p:pic>
+      <p:pic>
+        <p:nvPicPr>
+          <p:cNvPr id="53" name="Graphic 10" descr="Checkmark">
+            <a:extLst>
+              <a:ext uri="{FF2B5EF4-FFF2-40B4-BE49-F238E27FC236}">
+                <a16:creationId xmlns:a16="http://schemas.microsoft.com/office/drawing/2014/main" id="{728DA277-816A-4A32-BA16-E5980A9870FD}"/>
+              </a:ext>
+            </a:extLst>
+          </p:cNvPr>
+          <p:cNvPicPr>
+            <a:picLocks noChangeAspect="1"/>
+          </p:cNvPicPr>
+          <p:nvPr/>
+        </p:nvPicPr>
+        <p:blipFill>
+          <a:blip r:embed="rId3">
+            <a:extLst>
+              <a:ext uri="{96DAC541-7B7A-43D3-8B79-37D633B846F1}">
+                <asvg:svgBlip xmlns:asvg="http://schemas.microsoft.com/office/drawing/2016/SVG/main" r:embed="rId4"/>
+              </a:ext>
+            </a:extLst>
+          </a:blip>
+          <a:stretch>
+            <a:fillRect/>
+          </a:stretch>
+        </p:blipFill>
+        <p:spPr>
+          <a:xfrm>
+            <a:off x="5624258" y="2786452"/>
+            <a:ext cx="174433" cy="174433"/>
+          </a:xfrm>
+          <a:prstGeom prst="rect">
+            <a:avLst/>
+          </a:prstGeom>
+        </p:spPr>
+      </p:pic>
+      <p:pic>
+        <p:nvPicPr>
+          <p:cNvPr id="55" name="Graphic 10" descr="Checkmark">
+            <a:extLst>
+              <a:ext uri="{FF2B5EF4-FFF2-40B4-BE49-F238E27FC236}">
+                <a16:creationId xmlns:a16="http://schemas.microsoft.com/office/drawing/2014/main" id="{D7E53530-E089-419A-BF85-4FEB627A1302}"/>
+              </a:ext>
+            </a:extLst>
+          </p:cNvPr>
+          <p:cNvPicPr>
+            <a:picLocks noChangeAspect="1"/>
+          </p:cNvPicPr>
+          <p:nvPr/>
+        </p:nvPicPr>
+        <p:blipFill>
+          <a:blip r:embed="rId3">
+            <a:extLst>
+              <a:ext uri="{96DAC541-7B7A-43D3-8B79-37D633B846F1}">
+                <asvg:svgBlip xmlns:asvg="http://schemas.microsoft.com/office/drawing/2016/SVG/main" r:embed="rId4"/>
+              </a:ext>
+            </a:extLst>
+          </a:blip>
+          <a:stretch>
+            <a:fillRect/>
+          </a:stretch>
+        </p:blipFill>
+        <p:spPr>
+          <a:xfrm>
+            <a:off x="5624260" y="3037878"/>
+            <a:ext cx="174433" cy="174433"/>
+          </a:xfrm>
+          <a:prstGeom prst="rect">
+            <a:avLst/>
+          </a:prstGeom>
+        </p:spPr>
+      </p:pic>
+      <p:pic>
+        <p:nvPicPr>
+          <p:cNvPr id="57" name="Graphic 10" descr="Checkmark">
+            <a:extLst>
+              <a:ext uri="{FF2B5EF4-FFF2-40B4-BE49-F238E27FC236}">
+                <a16:creationId xmlns:a16="http://schemas.microsoft.com/office/drawing/2014/main" id="{CD6A0EB9-D69C-4C0D-802C-1F81A38A6949}"/>
+              </a:ext>
+            </a:extLst>
+          </p:cNvPr>
+          <p:cNvPicPr>
+            <a:picLocks noChangeAspect="1"/>
+          </p:cNvPicPr>
+          <p:nvPr/>
+        </p:nvPicPr>
+        <p:blipFill>
+          <a:blip r:embed="rId3">
+            <a:extLst>
+              <a:ext uri="{96DAC541-7B7A-43D3-8B79-37D633B846F1}">
+                <asvg:svgBlip xmlns:asvg="http://schemas.microsoft.com/office/drawing/2016/SVG/main" r:embed="rId4"/>
+              </a:ext>
+            </a:extLst>
+          </a:blip>
+          <a:stretch>
+            <a:fillRect/>
+          </a:stretch>
+        </p:blipFill>
+        <p:spPr>
+          <a:xfrm>
+            <a:off x="5624260" y="3254567"/>
+            <a:ext cx="174433" cy="174433"/>
+          </a:xfrm>
+          <a:prstGeom prst="rect">
+            <a:avLst/>
+          </a:prstGeom>
+        </p:spPr>
+      </p:pic>
+      <p:pic>
+        <p:nvPicPr>
+          <p:cNvPr id="59" name="Graphic 10" descr="Checkmark">
+            <a:extLst>
+              <a:ext uri="{FF2B5EF4-FFF2-40B4-BE49-F238E27FC236}">
+                <a16:creationId xmlns:a16="http://schemas.microsoft.com/office/drawing/2014/main" id="{57228E9C-6521-4CF8-A798-37785D19B01D}"/>
+              </a:ext>
+            </a:extLst>
+          </p:cNvPr>
+          <p:cNvPicPr>
+            <a:picLocks noChangeAspect="1"/>
+          </p:cNvPicPr>
+          <p:nvPr/>
+        </p:nvPicPr>
+        <p:blipFill>
+          <a:blip r:embed="rId3">
+            <a:extLst>
+              <a:ext uri="{96DAC541-7B7A-43D3-8B79-37D633B846F1}">
+                <asvg:svgBlip xmlns:asvg="http://schemas.microsoft.com/office/drawing/2016/SVG/main" r:embed="rId4"/>
+              </a:ext>
+            </a:extLst>
+          </a:blip>
+          <a:stretch>
+            <a:fillRect/>
+          </a:stretch>
+        </p:blipFill>
+        <p:spPr>
+          <a:xfrm>
+            <a:off x="5624260" y="3499507"/>
+            <a:ext cx="174433" cy="174433"/>
+          </a:xfrm>
+          <a:prstGeom prst="rect">
+            <a:avLst/>
+          </a:prstGeom>
+        </p:spPr>
+      </p:pic>
+      <p:pic>
+        <p:nvPicPr>
+          <p:cNvPr id="61" name="Graphic 10" descr="Checkmark">
+            <a:extLst>
+              <a:ext uri="{FF2B5EF4-FFF2-40B4-BE49-F238E27FC236}">
+                <a16:creationId xmlns:a16="http://schemas.microsoft.com/office/drawing/2014/main" id="{49823E91-492C-405A-86C2-31A3314B49EE}"/>
+              </a:ext>
+            </a:extLst>
+          </p:cNvPr>
+          <p:cNvPicPr>
+            <a:picLocks noChangeAspect="1"/>
+          </p:cNvPicPr>
+          <p:nvPr/>
+        </p:nvPicPr>
+        <p:blipFill>
+          <a:blip r:embed="rId3">
+            <a:extLst>
+              <a:ext uri="{96DAC541-7B7A-43D3-8B79-37D633B846F1}">
+                <asvg:svgBlip xmlns:asvg="http://schemas.microsoft.com/office/drawing/2016/SVG/main" r:embed="rId4"/>
+              </a:ext>
+            </a:extLst>
+          </a:blip>
+          <a:stretch>
+            <a:fillRect/>
+          </a:stretch>
+        </p:blipFill>
+        <p:spPr>
+          <a:xfrm>
+            <a:off x="5624260" y="3962202"/>
+            <a:ext cx="174433" cy="174433"/>
+          </a:xfrm>
+          <a:prstGeom prst="rect">
+            <a:avLst/>
+          </a:prstGeom>
+        </p:spPr>
+      </p:pic>
+      <p:pic>
+        <p:nvPicPr>
+          <p:cNvPr id="63" name="Graphic 10" descr="Checkmark">
+            <a:extLst>
+              <a:ext uri="{FF2B5EF4-FFF2-40B4-BE49-F238E27FC236}">
+                <a16:creationId xmlns:a16="http://schemas.microsoft.com/office/drawing/2014/main" id="{9A3B6C03-B340-47A3-9D9F-B41F0DBCB93A}"/>
+              </a:ext>
+            </a:extLst>
+          </p:cNvPr>
+          <p:cNvPicPr>
+            <a:picLocks noChangeAspect="1"/>
+          </p:cNvPicPr>
+          <p:nvPr/>
+        </p:nvPicPr>
+        <p:blipFill>
+          <a:blip r:embed="rId3">
+            <a:extLst>
+              <a:ext uri="{96DAC541-7B7A-43D3-8B79-37D633B846F1}">
+                <asvg:svgBlip xmlns:asvg="http://schemas.microsoft.com/office/drawing/2016/SVG/main" r:embed="rId4"/>
+              </a:ext>
+            </a:extLst>
+          </a:blip>
+          <a:stretch>
+            <a:fillRect/>
+          </a:stretch>
+        </p:blipFill>
+        <p:spPr>
+          <a:xfrm>
+            <a:off x="5624260" y="4206534"/>
+            <a:ext cx="174433" cy="174433"/>
+          </a:xfrm>
+          <a:prstGeom prst="rect">
+            <a:avLst/>
+          </a:prstGeom>
+        </p:spPr>
+      </p:pic>
+      <p:pic>
+        <p:nvPicPr>
+          <p:cNvPr id="65" name="Graphic 16" descr="Close">
+            <a:extLst>
+              <a:ext uri="{FF2B5EF4-FFF2-40B4-BE49-F238E27FC236}">
+                <a16:creationId xmlns:a16="http://schemas.microsoft.com/office/drawing/2014/main" id="{BF1821CD-0833-4CEE-AA8C-2FCB7C09C3B4}"/>
+              </a:ext>
+            </a:extLst>
+          </p:cNvPr>
+          <p:cNvPicPr>
+            <a:picLocks noChangeAspect="1"/>
+          </p:cNvPicPr>
+          <p:nvPr/>
+        </p:nvPicPr>
+        <p:blipFill>
+          <a:blip r:embed="rId5">
+            <a:extLst>
+              <a:ext uri="{96DAC541-7B7A-43D3-8B79-37D633B846F1}">
+                <asvg:svgBlip xmlns:asvg="http://schemas.microsoft.com/office/drawing/2016/SVG/main" r:embed="rId6"/>
+              </a:ext>
+            </a:extLst>
+          </a:blip>
+          <a:stretch>
+            <a:fillRect/>
+          </a:stretch>
+        </p:blipFill>
+        <p:spPr>
+          <a:xfrm>
+            <a:off x="5624257" y="4924455"/>
+            <a:ext cx="174433" cy="174433"/>
+          </a:xfrm>
+          <a:prstGeom prst="rect">
+            <a:avLst/>
+          </a:prstGeom>
+        </p:spPr>
+      </p:pic>
+      <p:pic>
+        <p:nvPicPr>
+          <p:cNvPr id="67" name="Graphic 16" descr="Close">
+            <a:extLst>
+              <a:ext uri="{FF2B5EF4-FFF2-40B4-BE49-F238E27FC236}">
+                <a16:creationId xmlns:a16="http://schemas.microsoft.com/office/drawing/2014/main" id="{0AFBE53D-55C0-440A-BD92-A82B98E21504}"/>
+              </a:ext>
+            </a:extLst>
+          </p:cNvPr>
+          <p:cNvPicPr>
+            <a:picLocks noChangeAspect="1"/>
+          </p:cNvPicPr>
+          <p:nvPr/>
+        </p:nvPicPr>
+        <p:blipFill>
+          <a:blip r:embed="rId5">
+            <a:extLst>
+              <a:ext uri="{96DAC541-7B7A-43D3-8B79-37D633B846F1}">
+                <asvg:svgBlip xmlns:asvg="http://schemas.microsoft.com/office/drawing/2016/SVG/main" r:embed="rId6"/>
+              </a:ext>
+            </a:extLst>
+          </a:blip>
+          <a:stretch>
+            <a:fillRect/>
+          </a:stretch>
+        </p:blipFill>
+        <p:spPr>
+          <a:xfrm>
+            <a:off x="5630446" y="3722683"/>
+            <a:ext cx="174433" cy="174433"/>
+          </a:xfrm>
+          <a:prstGeom prst="rect">
+            <a:avLst/>
+          </a:prstGeom>
+        </p:spPr>
+      </p:pic>
+      <p:pic>
+        <p:nvPicPr>
+          <p:cNvPr id="69" name="Graphic 16" descr="Close">
+            <a:extLst>
+              <a:ext uri="{FF2B5EF4-FFF2-40B4-BE49-F238E27FC236}">
+                <a16:creationId xmlns:a16="http://schemas.microsoft.com/office/drawing/2014/main" id="{7CA0499F-2108-483B-B3B3-DC2F24A3E41A}"/>
+              </a:ext>
+            </a:extLst>
+          </p:cNvPr>
+          <p:cNvPicPr>
+            <a:picLocks noChangeAspect="1"/>
+          </p:cNvPicPr>
+          <p:nvPr/>
+        </p:nvPicPr>
+        <p:blipFill>
+          <a:blip r:embed="rId5">
+            <a:extLst>
+              <a:ext uri="{96DAC541-7B7A-43D3-8B79-37D633B846F1}">
+                <asvg:svgBlip xmlns:asvg="http://schemas.microsoft.com/office/drawing/2016/SVG/main" r:embed="rId6"/>
+              </a:ext>
+            </a:extLst>
+          </a:blip>
+          <a:stretch>
+            <a:fillRect/>
+          </a:stretch>
+        </p:blipFill>
+        <p:spPr>
+          <a:xfrm>
+            <a:off x="5624255" y="4443396"/>
+            <a:ext cx="174433" cy="174433"/>
+          </a:xfrm>
+          <a:prstGeom prst="rect">
+            <a:avLst/>
+          </a:prstGeom>
+        </p:spPr>
+      </p:pic>
+      <p:pic>
+        <p:nvPicPr>
+          <p:cNvPr id="71" name="Graphic 16" descr="Close">
+            <a:extLst>
+              <a:ext uri="{FF2B5EF4-FFF2-40B4-BE49-F238E27FC236}">
+                <a16:creationId xmlns:a16="http://schemas.microsoft.com/office/drawing/2014/main" id="{84330BD1-B36A-4607-998E-6201F77543F6}"/>
+              </a:ext>
+            </a:extLst>
+          </p:cNvPr>
+          <p:cNvPicPr>
+            <a:picLocks noChangeAspect="1"/>
+          </p:cNvPicPr>
+          <p:nvPr/>
+        </p:nvPicPr>
+        <p:blipFill>
+          <a:blip r:embed="rId5">
+            <a:extLst>
+              <a:ext uri="{96DAC541-7B7A-43D3-8B79-37D633B846F1}">
+                <asvg:svgBlip xmlns:asvg="http://schemas.microsoft.com/office/drawing/2016/SVG/main" r:embed="rId6"/>
+              </a:ext>
+            </a:extLst>
+          </a:blip>
+          <a:stretch>
+            <a:fillRect/>
+          </a:stretch>
+        </p:blipFill>
+        <p:spPr>
+          <a:xfrm>
+            <a:off x="5630446" y="4706568"/>
+            <a:ext cx="174433" cy="174433"/>
+          </a:xfrm>
+          <a:prstGeom prst="rect">
+            <a:avLst/>
+          </a:prstGeom>
+        </p:spPr>
+      </p:pic>
+      <p:pic>
+        <p:nvPicPr>
+          <p:cNvPr id="73" name="Graphic 10" descr="Checkmark">
+            <a:extLst>
+              <a:ext uri="{FF2B5EF4-FFF2-40B4-BE49-F238E27FC236}">
+                <a16:creationId xmlns:a16="http://schemas.microsoft.com/office/drawing/2014/main" id="{5529FDA8-04FB-4856-B675-58AC23CB7E23}"/>
+              </a:ext>
+            </a:extLst>
+          </p:cNvPr>
+          <p:cNvPicPr>
+            <a:picLocks noChangeAspect="1"/>
+          </p:cNvPicPr>
+          <p:nvPr/>
+        </p:nvPicPr>
+        <p:blipFill>
+          <a:blip r:embed="rId3">
+            <a:extLst>
+              <a:ext uri="{96DAC541-7B7A-43D3-8B79-37D633B846F1}">
+                <asvg:svgBlip xmlns:asvg="http://schemas.microsoft.com/office/drawing/2016/SVG/main" r:embed="rId4"/>
+              </a:ext>
+            </a:extLst>
+          </a:blip>
+          <a:stretch>
+            <a:fillRect/>
+          </a:stretch>
+        </p:blipFill>
+        <p:spPr>
+          <a:xfrm>
+            <a:off x="5624255" y="5661661"/>
+            <a:ext cx="174433" cy="174433"/>
+          </a:xfrm>
+          <a:prstGeom prst="rect">
+            <a:avLst/>
+          </a:prstGeom>
+        </p:spPr>
+      </p:pic>
+      <p:pic>
+        <p:nvPicPr>
+          <p:cNvPr id="75" name="Graphic 16" descr="Close">
+            <a:extLst>
+              <a:ext uri="{FF2B5EF4-FFF2-40B4-BE49-F238E27FC236}">
+                <a16:creationId xmlns:a16="http://schemas.microsoft.com/office/drawing/2014/main" id="{4B915163-6A91-4FAE-8057-8D8DFD5AC0C4}"/>
+              </a:ext>
+            </a:extLst>
+          </p:cNvPr>
+          <p:cNvPicPr>
+            <a:picLocks noChangeAspect="1"/>
+          </p:cNvPicPr>
+          <p:nvPr/>
+        </p:nvPicPr>
+        <p:blipFill>
+          <a:blip r:embed="rId5">
+            <a:extLst>
+              <a:ext uri="{96DAC541-7B7A-43D3-8B79-37D633B846F1}">
+                <asvg:svgBlip xmlns:asvg="http://schemas.microsoft.com/office/drawing/2016/SVG/main" r:embed="rId6"/>
+              </a:ext>
+            </a:extLst>
+          </a:blip>
+          <a:stretch>
+            <a:fillRect/>
+          </a:stretch>
+        </p:blipFill>
+        <p:spPr>
+          <a:xfrm>
+            <a:off x="5630446" y="5908172"/>
+            <a:ext cx="174433" cy="174433"/>
+          </a:xfrm>
+          <a:prstGeom prst="rect">
+            <a:avLst/>
+          </a:prstGeom>
+        </p:spPr>
+      </p:pic>
+      <p:pic>
+        <p:nvPicPr>
+          <p:cNvPr id="76" name="Graphic 10" descr="Checkmark">
+            <a:extLst>
+              <a:ext uri="{FF2B5EF4-FFF2-40B4-BE49-F238E27FC236}">
+                <a16:creationId xmlns:a16="http://schemas.microsoft.com/office/drawing/2014/main" id="{CD23DD18-C2DC-4A7B-A390-DFA101F906E8}"/>
+              </a:ext>
+            </a:extLst>
+          </p:cNvPr>
+          <p:cNvPicPr>
+            <a:picLocks noChangeAspect="1"/>
+          </p:cNvPicPr>
+          <p:nvPr/>
+        </p:nvPicPr>
+        <p:blipFill>
+          <a:blip r:embed="rId3">
+            <a:extLst>
+              <a:ext uri="{96DAC541-7B7A-43D3-8B79-37D633B846F1}">
+                <asvg:svgBlip xmlns:asvg="http://schemas.microsoft.com/office/drawing/2016/SVG/main" r:embed="rId4"/>
+              </a:ext>
+            </a:extLst>
+          </a:blip>
+          <a:stretch>
+            <a:fillRect/>
+          </a:stretch>
+        </p:blipFill>
+        <p:spPr>
+          <a:xfrm>
+            <a:off x="664351" y="5430929"/>
+            <a:ext cx="174433" cy="174433"/>
+          </a:xfrm>
+          <a:prstGeom prst="rect">
+            <a:avLst/>
+          </a:prstGeom>
         </p:spPr>
       </p:pic>
     </p:spTree>
@@ -14319,7 +16215,7 @@
           <a:lstStyle/>
           <a:p>
             <a:r>
-              <a:rPr lang="es-ES_tradnl" dirty="0"/>
+              <a:rPr lang="es-ES_tradnl"/>
               <a:t>Guardia Civil</a:t>
             </a:r>
           </a:p>
@@ -14358,7 +16254,7 @@
               <a:buChar char="•"/>
             </a:pPr>
             <a:r>
-              <a:rPr lang="es-ES" sz="1600" dirty="0"/>
+              <a:rPr lang="es-ES" sz="1600"/>
               <a:t>Dirección de la sede</a:t>
             </a:r>
           </a:p>
@@ -14368,7 +16264,7 @@
               <a:buChar char="•"/>
             </a:pPr>
             <a:r>
-              <a:rPr lang="es-ES" sz="1600" dirty="0"/>
+              <a:rPr lang="es-ES" sz="1600"/>
               <a:t>Identificación de su titular. </a:t>
             </a:r>
           </a:p>
@@ -14378,7 +16274,7 @@
               <a:buChar char="•"/>
             </a:pPr>
             <a:r>
-              <a:rPr lang="es-ES" sz="1600" dirty="0"/>
+              <a:rPr lang="es-ES" sz="1600"/>
               <a:t>Canales de acceso a los servicios</a:t>
             </a:r>
           </a:p>
@@ -14388,7 +16284,7 @@
               <a:buChar char="•"/>
             </a:pPr>
             <a:r>
-              <a:rPr lang="es-ES" sz="1600" dirty="0"/>
+              <a:rPr lang="es-ES" sz="1600"/>
               <a:t>Quejas y sugerencias</a:t>
             </a:r>
           </a:p>
@@ -14398,7 +16294,7 @@
               <a:buChar char="•"/>
             </a:pPr>
             <a:r>
-              <a:rPr lang="es-ES" sz="1600" dirty="0"/>
+              <a:rPr lang="es-ES" sz="1600"/>
               <a:t>Identificación de la sede</a:t>
             </a:r>
           </a:p>
@@ -14408,7 +16304,7 @@
               <a:buChar char="•"/>
             </a:pPr>
             <a:r>
-              <a:rPr lang="es-ES" sz="1600" dirty="0"/>
+              <a:rPr lang="es-ES" sz="1600"/>
               <a:t>Sedes compartidas</a:t>
             </a:r>
           </a:p>
@@ -14418,7 +16314,7 @@
               <a:buChar char="•"/>
             </a:pPr>
             <a:r>
-              <a:rPr lang="es-ES" sz="1600" dirty="0"/>
+              <a:rPr lang="es-ES" sz="1600"/>
               <a:t>Subsedes</a:t>
             </a:r>
           </a:p>
@@ -14428,7 +16324,7 @@
               <a:buChar char="•"/>
             </a:pPr>
             <a:r>
-              <a:rPr lang="es-ES" sz="1600" dirty="0"/>
+              <a:rPr lang="es-ES" sz="1600"/>
               <a:t>Instrumento de creación.</a:t>
             </a:r>
           </a:p>
@@ -14438,7 +16334,7 @@
               <a:buChar char="•"/>
             </a:pPr>
             <a:r>
-              <a:rPr lang="es-ES" sz="1600" dirty="0"/>
+              <a:rPr lang="es-ES" sz="1600"/>
               <a:t>Mapa de la sede </a:t>
             </a:r>
           </a:p>
@@ -14448,7 +16344,7 @@
               <a:buChar char="•"/>
             </a:pPr>
             <a:r>
-              <a:rPr lang="es-ES" sz="1600" dirty="0"/>
+              <a:rPr lang="es-ES" sz="1600"/>
               <a:t>Estructura de navegación. </a:t>
             </a:r>
           </a:p>
@@ -14458,7 +16354,7 @@
               <a:buChar char="•"/>
             </a:pPr>
             <a:r>
-              <a:rPr lang="es-ES" sz="1600" dirty="0"/>
+              <a:rPr lang="es-ES" sz="1600"/>
               <a:t>Secciones disponibles. </a:t>
             </a:r>
           </a:p>
@@ -14468,7 +16364,7 @@
               <a:buChar char="•"/>
             </a:pPr>
             <a:r>
-              <a:rPr lang="es-ES" sz="1600" dirty="0"/>
+              <a:rPr lang="es-ES" sz="1600"/>
               <a:t>Propiedad intelectual. </a:t>
             </a:r>
           </a:p>
@@ -14478,7 +16374,7 @@
               <a:buChar char="•"/>
             </a:pPr>
             <a:r>
-              <a:rPr lang="es-ES" sz="1600" dirty="0"/>
+              <a:rPr lang="es-ES" sz="1600"/>
               <a:t>Protección de Datos de Carácter Personal.</a:t>
             </a:r>
           </a:p>
@@ -14488,7 +16384,7 @@
               <a:buChar char="•"/>
             </a:pPr>
             <a:r>
-              <a:rPr lang="es-ES" sz="1600" dirty="0"/>
+              <a:rPr lang="es-ES" sz="1600"/>
               <a:t>Enlace con las sedes electrónicas de las Agencias de Protección de Datos. </a:t>
             </a:r>
           </a:p>
@@ -14498,7 +16394,7 @@
               <a:buChar char="•"/>
             </a:pPr>
             <a:r>
-              <a:rPr lang="es-ES" sz="1600" dirty="0"/>
+              <a:rPr lang="es-ES" sz="1600"/>
               <a:t>Asesoramiento electrónico</a:t>
             </a:r>
           </a:p>
@@ -14508,7 +16404,7 @@
               <a:buChar char="•"/>
             </a:pPr>
             <a:r>
-              <a:rPr lang="es-ES" sz="1600" dirty="0"/>
+              <a:rPr lang="es-ES" sz="1600"/>
               <a:t>Sistema de verificación de los certificados.</a:t>
             </a:r>
           </a:p>
@@ -14518,7 +16414,7 @@
               <a:buChar char="•"/>
             </a:pPr>
             <a:r>
-              <a:rPr lang="es-ES" sz="1600" dirty="0"/>
+              <a:rPr lang="es-ES" sz="1600"/>
               <a:t>Sistemas de firma electrónica.</a:t>
             </a:r>
           </a:p>
@@ -14528,7 +16424,7 @@
               <a:buChar char="•"/>
             </a:pPr>
             <a:r>
-              <a:rPr lang="es-ES" sz="1600" dirty="0"/>
+              <a:rPr lang="es-ES" sz="1600"/>
               <a:t>Normas de creación del registro electrónico.</a:t>
             </a:r>
           </a:p>
@@ -14537,42 +16433,42 @@
               <a:buFont typeface="Arial" panose="020B0604020202020204" pitchFamily="34" charset="0"/>
               <a:buChar char="•"/>
             </a:pPr>
-            <a:endParaRPr lang="es-ES" sz="1600" dirty="0"/>
-          </a:p>
-          <a:p>
-            <a:pPr marL="285750" indent="-285750">
-              <a:buFont typeface="Arial" panose="020B0604020202020204" pitchFamily="34" charset="0"/>
-              <a:buChar char="•"/>
-            </a:pPr>
-            <a:endParaRPr lang="es-ES" sz="1600" dirty="0"/>
-          </a:p>
-          <a:p>
-            <a:pPr marL="285750" indent="-285750">
-              <a:buFont typeface="Arial" panose="020B0604020202020204" pitchFamily="34" charset="0"/>
-              <a:buChar char="•"/>
-            </a:pPr>
-            <a:endParaRPr lang="es-ES" sz="1600" dirty="0"/>
-          </a:p>
-          <a:p>
-            <a:pPr marL="285750" indent="-285750">
-              <a:buFont typeface="Arial" panose="020B0604020202020204" pitchFamily="34" charset="0"/>
-              <a:buChar char="•"/>
-            </a:pPr>
-            <a:endParaRPr lang="es-ES" sz="1600" dirty="0"/>
-          </a:p>
-          <a:p>
-            <a:pPr marL="285750" indent="-285750">
-              <a:buFont typeface="Arial" panose="020B0604020202020204" pitchFamily="34" charset="0"/>
-              <a:buChar char="•"/>
-            </a:pPr>
-            <a:endParaRPr lang="es-ES" sz="1600" dirty="0"/>
-          </a:p>
-          <a:p>
-            <a:pPr marL="285750" indent="-285750">
-              <a:buFont typeface="Arial" panose="020B0604020202020204" pitchFamily="34" charset="0"/>
-              <a:buChar char="•"/>
-            </a:pPr>
-            <a:endParaRPr lang="es-ES" sz="1600" dirty="0"/>
+            <a:endParaRPr lang="es-ES" sz="1600"/>
+          </a:p>
+          <a:p>
+            <a:pPr marL="285750" indent="-285750">
+              <a:buFont typeface="Arial" panose="020B0604020202020204" pitchFamily="34" charset="0"/>
+              <a:buChar char="•"/>
+            </a:pPr>
+            <a:endParaRPr lang="es-ES" sz="1600"/>
+          </a:p>
+          <a:p>
+            <a:pPr marL="285750" indent="-285750">
+              <a:buFont typeface="Arial" panose="020B0604020202020204" pitchFamily="34" charset="0"/>
+              <a:buChar char="•"/>
+            </a:pPr>
+            <a:endParaRPr lang="es-ES" sz="1600"/>
+          </a:p>
+          <a:p>
+            <a:pPr marL="285750" indent="-285750">
+              <a:buFont typeface="Arial" panose="020B0604020202020204" pitchFamily="34" charset="0"/>
+              <a:buChar char="•"/>
+            </a:pPr>
+            <a:endParaRPr lang="es-ES" sz="1600"/>
+          </a:p>
+          <a:p>
+            <a:pPr marL="285750" indent="-285750">
+              <a:buFont typeface="Arial" panose="020B0604020202020204" pitchFamily="34" charset="0"/>
+              <a:buChar char="•"/>
+            </a:pPr>
+            <a:endParaRPr lang="es-ES" sz="1600"/>
+          </a:p>
+          <a:p>
+            <a:pPr marL="285750" indent="-285750">
+              <a:buFont typeface="Arial" panose="020B0604020202020204" pitchFamily="34" charset="0"/>
+              <a:buChar char="•"/>
+            </a:pPr>
+            <a:endParaRPr lang="es-ES" sz="1600"/>
           </a:p>
         </p:txBody>
       </p:sp>
@@ -14609,7 +16505,7 @@
               <a:buChar char="•"/>
             </a:pPr>
             <a:r>
-              <a:rPr lang="es-ES" sz="1600" dirty="0"/>
+              <a:rPr lang="es-ES" sz="1600"/>
               <a:t>Relación de los servicios disponibles en la sede electrónica. </a:t>
             </a:r>
           </a:p>
@@ -14619,7 +16515,7 @@
               <a:buChar char="•"/>
             </a:pPr>
             <a:r>
-              <a:rPr lang="es-ES" sz="1600" dirty="0"/>
+              <a:rPr lang="es-ES" sz="1600"/>
               <a:t>Carta de servicios. </a:t>
             </a:r>
           </a:p>
@@ -14629,7 +16525,7 @@
               <a:buChar char="•"/>
             </a:pPr>
             <a:r>
-              <a:rPr lang="es-ES" sz="1600" dirty="0"/>
+              <a:rPr lang="es-ES" sz="1600"/>
               <a:t>Carta de servicios electrónicos. </a:t>
             </a:r>
           </a:p>
@@ -14639,7 +16535,7 @@
               <a:buChar char="•"/>
             </a:pPr>
             <a:r>
-              <a:rPr lang="es-ES" sz="1600" dirty="0"/>
+              <a:rPr lang="es-ES" sz="1600"/>
               <a:t>Medios electrónicos que los usuarios pueden utilizar. </a:t>
             </a:r>
           </a:p>
@@ -14649,7 +16545,7 @@
               <a:buChar char="•"/>
             </a:pPr>
             <a:r>
-              <a:rPr lang="es-ES" sz="1600" dirty="0"/>
+              <a:rPr lang="es-ES" sz="1600"/>
               <a:t>Sistema de sugerencias y quejas ante otros órganos.</a:t>
             </a:r>
           </a:p>
@@ -14659,7 +16555,7 @@
               <a:buChar char="•"/>
             </a:pPr>
             <a:r>
-              <a:rPr lang="es-ES" sz="1600" dirty="0"/>
+              <a:rPr lang="es-ES" sz="1600"/>
               <a:t>Acceso al estado de tramitación del expediente. </a:t>
             </a:r>
           </a:p>
@@ -14669,7 +16565,7 @@
               <a:buChar char="•"/>
             </a:pPr>
             <a:r>
-              <a:rPr lang="es-ES" sz="1600" dirty="0"/>
+              <a:rPr lang="es-ES" sz="1600"/>
               <a:t>Publicación de los diarios o boletines. </a:t>
             </a:r>
           </a:p>
@@ -14679,7 +16575,7 @@
               <a:buChar char="•"/>
             </a:pPr>
             <a:r>
-              <a:rPr lang="es-ES" sz="1600" dirty="0"/>
+              <a:rPr lang="es-ES" sz="1600"/>
               <a:t>Tablón de anuncios.</a:t>
             </a:r>
           </a:p>
@@ -14689,7 +16585,7 @@
               <a:buChar char="•"/>
             </a:pPr>
             <a:r>
-              <a:rPr lang="es-ES" sz="1600" dirty="0"/>
+              <a:rPr lang="es-ES" sz="1600"/>
               <a:t>Verificación de los sellos electrónicos.</a:t>
             </a:r>
           </a:p>
@@ -14699,7 +16595,7 @@
               <a:buChar char="•"/>
             </a:pPr>
             <a:r>
-              <a:rPr lang="es-ES" sz="1600" dirty="0"/>
+              <a:rPr lang="es-ES" sz="1600"/>
               <a:t>Comprobación de la autenticidad e integridad.</a:t>
             </a:r>
           </a:p>
@@ -14709,7 +16605,7 @@
               <a:buChar char="•"/>
             </a:pPr>
             <a:r>
-              <a:rPr lang="es-ES" sz="1600" dirty="0"/>
+              <a:rPr lang="es-ES" sz="1600"/>
               <a:t>Indicación de la fecha y hora oficial. </a:t>
             </a:r>
           </a:p>
@@ -14719,7 +16615,7 @@
               <a:buChar char="•"/>
             </a:pPr>
             <a:r>
-              <a:rPr lang="es-ES" sz="1600" dirty="0"/>
+              <a:rPr lang="es-ES" sz="1600"/>
               <a:t>Lista con los días considerados inhábiles. </a:t>
             </a:r>
           </a:p>
@@ -14729,7 +16625,7 @@
               <a:buChar char="•"/>
             </a:pPr>
             <a:r>
-              <a:rPr lang="es-ES" sz="1600" dirty="0"/>
+              <a:rPr lang="es-ES" sz="1600"/>
               <a:t>Otros servicios o contenidos. </a:t>
             </a:r>
           </a:p>
@@ -14739,7 +16635,7 @@
               <a:buChar char="•"/>
             </a:pPr>
             <a:r>
-              <a:rPr lang="es-ES" sz="1600" dirty="0"/>
+              <a:rPr lang="es-ES" sz="1600"/>
               <a:t>Lenguas cooficiales. </a:t>
             </a:r>
           </a:p>
@@ -14749,7 +16645,7 @@
               <a:buChar char="•"/>
             </a:pPr>
             <a:r>
-              <a:rPr lang="es-ES" sz="1600" dirty="0"/>
+              <a:rPr lang="es-ES" sz="1600"/>
               <a:t>Información sobre cuando se está navegando dentro o fuera de la sede.</a:t>
             </a:r>
           </a:p>
@@ -14759,7 +16655,7 @@
               <a:buChar char="•"/>
             </a:pPr>
             <a:r>
-              <a:rPr lang="es-ES" sz="1600" dirty="0"/>
+              <a:rPr lang="es-ES" sz="1600"/>
               <a:t>Verifica los principios de accesibilidad y usabilidad. </a:t>
             </a:r>
           </a:p>
@@ -14769,7 +16665,7 @@
               <a:buChar char="•"/>
             </a:pPr>
             <a:r>
-              <a:rPr lang="es-ES" sz="1600" dirty="0"/>
+              <a:rPr lang="es-ES" sz="1600"/>
               <a:t>Elementos basados en estándares abiertos</a:t>
             </a:r>
           </a:p>
@@ -14802,6 +16698,1266 @@
             <a:off x="5798693" y="517097"/>
             <a:ext cx="5769864" cy="1019342"/>
           </a:xfrm>
+        </p:spPr>
+      </p:pic>
+      <p:pic>
+        <p:nvPicPr>
+          <p:cNvPr id="3" name="Graphic 10" descr="Checkmark">
+            <a:extLst>
+              <a:ext uri="{FF2B5EF4-FFF2-40B4-BE49-F238E27FC236}">
+                <a16:creationId xmlns:a16="http://schemas.microsoft.com/office/drawing/2014/main" id="{B8B8A03C-9E55-415E-94ED-D1D27FAC2FBE}"/>
+              </a:ext>
+            </a:extLst>
+          </p:cNvPr>
+          <p:cNvPicPr>
+            <a:picLocks noChangeAspect="1"/>
+          </p:cNvPicPr>
+          <p:nvPr/>
+        </p:nvPicPr>
+        <p:blipFill>
+          <a:blip r:embed="rId3">
+            <a:extLst>
+              <a:ext uri="{96DAC541-7B7A-43D3-8B79-37D633B846F1}">
+                <asvg:svgBlip xmlns:asvg="http://schemas.microsoft.com/office/drawing/2016/SVG/main" r:embed="rId4"/>
+              </a:ext>
+            </a:extLst>
+          </a:blip>
+          <a:stretch>
+            <a:fillRect/>
+          </a:stretch>
+        </p:blipFill>
+        <p:spPr>
+          <a:xfrm>
+            <a:off x="663767" y="1773522"/>
+            <a:ext cx="174433" cy="174433"/>
+          </a:xfrm>
+          <a:prstGeom prst="rect">
+            <a:avLst/>
+          </a:prstGeom>
+        </p:spPr>
+      </p:pic>
+      <p:pic>
+        <p:nvPicPr>
+          <p:cNvPr id="4" name="Graphic 10" descr="Checkmark">
+            <a:extLst>
+              <a:ext uri="{FF2B5EF4-FFF2-40B4-BE49-F238E27FC236}">
+                <a16:creationId xmlns:a16="http://schemas.microsoft.com/office/drawing/2014/main" id="{B47EC3F1-F62B-4A36-877D-D322C63F49FC}"/>
+              </a:ext>
+            </a:extLst>
+          </p:cNvPr>
+          <p:cNvPicPr>
+            <a:picLocks noChangeAspect="1"/>
+          </p:cNvPicPr>
+          <p:nvPr/>
+        </p:nvPicPr>
+        <p:blipFill>
+          <a:blip r:embed="rId3">
+            <a:extLst>
+              <a:ext uri="{96DAC541-7B7A-43D3-8B79-37D633B846F1}">
+                <asvg:svgBlip xmlns:asvg="http://schemas.microsoft.com/office/drawing/2016/SVG/main" r:embed="rId4"/>
+              </a:ext>
+            </a:extLst>
+          </a:blip>
+          <a:stretch>
+            <a:fillRect/>
+          </a:stretch>
+        </p:blipFill>
+        <p:spPr>
+          <a:xfrm>
+            <a:off x="663766" y="2013138"/>
+            <a:ext cx="174433" cy="174433"/>
+          </a:xfrm>
+          <a:prstGeom prst="rect">
+            <a:avLst/>
+          </a:prstGeom>
+        </p:spPr>
+      </p:pic>
+      <p:pic>
+        <p:nvPicPr>
+          <p:cNvPr id="5" name="Graphic 4" descr="Checkmark">
+            <a:extLst>
+              <a:ext uri="{FF2B5EF4-FFF2-40B4-BE49-F238E27FC236}">
+                <a16:creationId xmlns:a16="http://schemas.microsoft.com/office/drawing/2014/main" id="{A6A74980-067D-40B0-B2DD-D2FDA8E9351F}"/>
+              </a:ext>
+            </a:extLst>
+          </p:cNvPr>
+          <p:cNvPicPr>
+            <a:picLocks noChangeAspect="1"/>
+          </p:cNvPicPr>
+          <p:nvPr/>
+        </p:nvPicPr>
+        <p:blipFill>
+          <a:blip r:embed="rId3">
+            <a:extLst>
+              <a:ext uri="{96DAC541-7B7A-43D3-8B79-37D633B846F1}">
+                <asvg:svgBlip xmlns:asvg="http://schemas.microsoft.com/office/drawing/2016/SVG/main" r:embed="rId4"/>
+              </a:ext>
+            </a:extLst>
+          </a:blip>
+          <a:stretch>
+            <a:fillRect/>
+          </a:stretch>
+        </p:blipFill>
+        <p:spPr>
+          <a:xfrm>
+            <a:off x="663767" y="2268822"/>
+            <a:ext cx="174433" cy="174433"/>
+          </a:xfrm>
+          <a:prstGeom prst="rect">
+            <a:avLst/>
+          </a:prstGeom>
+        </p:spPr>
+      </p:pic>
+      <p:pic>
+        <p:nvPicPr>
+          <p:cNvPr id="15" name="Graphic 10" descr="Checkmark">
+            <a:extLst>
+              <a:ext uri="{FF2B5EF4-FFF2-40B4-BE49-F238E27FC236}">
+                <a16:creationId xmlns:a16="http://schemas.microsoft.com/office/drawing/2014/main" id="{EB5378B8-591A-4CA6-A284-BE014F239B9B}"/>
+              </a:ext>
+            </a:extLst>
+          </p:cNvPr>
+          <p:cNvPicPr>
+            <a:picLocks noChangeAspect="1"/>
+          </p:cNvPicPr>
+          <p:nvPr/>
+        </p:nvPicPr>
+        <p:blipFill>
+          <a:blip r:embed="rId3">
+            <a:extLst>
+              <a:ext uri="{96DAC541-7B7A-43D3-8B79-37D633B846F1}">
+                <asvg:svgBlip xmlns:asvg="http://schemas.microsoft.com/office/drawing/2016/SVG/main" r:embed="rId4"/>
+              </a:ext>
+            </a:extLst>
+          </a:blip>
+          <a:stretch>
+            <a:fillRect/>
+          </a:stretch>
+        </p:blipFill>
+        <p:spPr>
+          <a:xfrm>
+            <a:off x="663767" y="2748054"/>
+            <a:ext cx="174433" cy="174433"/>
+          </a:xfrm>
+          <a:prstGeom prst="rect">
+            <a:avLst/>
+          </a:prstGeom>
+        </p:spPr>
+      </p:pic>
+      <p:pic>
+        <p:nvPicPr>
+          <p:cNvPr id="17" name="Graphic 16" descr="Close">
+            <a:extLst>
+              <a:ext uri="{FF2B5EF4-FFF2-40B4-BE49-F238E27FC236}">
+                <a16:creationId xmlns:a16="http://schemas.microsoft.com/office/drawing/2014/main" id="{C17FDB06-1981-474E-A4E3-A50482309934}"/>
+              </a:ext>
+            </a:extLst>
+          </p:cNvPr>
+          <p:cNvPicPr>
+            <a:picLocks noChangeAspect="1"/>
+          </p:cNvPicPr>
+          <p:nvPr/>
+        </p:nvPicPr>
+        <p:blipFill>
+          <a:blip r:embed="rId5">
+            <a:extLst>
+              <a:ext uri="{96DAC541-7B7A-43D3-8B79-37D633B846F1}">
+                <asvg:svgBlip xmlns:asvg="http://schemas.microsoft.com/office/drawing/2016/SVG/main" r:embed="rId6"/>
+              </a:ext>
+            </a:extLst>
+          </a:blip>
+          <a:stretch>
+            <a:fillRect/>
+          </a:stretch>
+        </p:blipFill>
+        <p:spPr>
+          <a:xfrm>
+            <a:off x="664352" y="2987670"/>
+            <a:ext cx="174433" cy="174433"/>
+          </a:xfrm>
+          <a:prstGeom prst="rect">
+            <a:avLst/>
+          </a:prstGeom>
+        </p:spPr>
+      </p:pic>
+      <p:pic>
+        <p:nvPicPr>
+          <p:cNvPr id="19" name="Graphic 16" descr="Close">
+            <a:extLst>
+              <a:ext uri="{FF2B5EF4-FFF2-40B4-BE49-F238E27FC236}">
+                <a16:creationId xmlns:a16="http://schemas.microsoft.com/office/drawing/2014/main" id="{D9E84F15-A2DA-496B-9BC9-1091B8D037C8}"/>
+              </a:ext>
+            </a:extLst>
+          </p:cNvPr>
+          <p:cNvPicPr>
+            <a:picLocks noChangeAspect="1"/>
+          </p:cNvPicPr>
+          <p:nvPr/>
+        </p:nvPicPr>
+        <p:blipFill>
+          <a:blip r:embed="rId5">
+            <a:extLst>
+              <a:ext uri="{96DAC541-7B7A-43D3-8B79-37D633B846F1}">
+                <asvg:svgBlip xmlns:asvg="http://schemas.microsoft.com/office/drawing/2016/SVG/main" r:embed="rId6"/>
+              </a:ext>
+            </a:extLst>
+          </a:blip>
+          <a:stretch>
+            <a:fillRect/>
+          </a:stretch>
+        </p:blipFill>
+        <p:spPr>
+          <a:xfrm>
+            <a:off x="664352" y="3227286"/>
+            <a:ext cx="174433" cy="174433"/>
+          </a:xfrm>
+          <a:prstGeom prst="rect">
+            <a:avLst/>
+          </a:prstGeom>
+        </p:spPr>
+      </p:pic>
+      <p:pic>
+        <p:nvPicPr>
+          <p:cNvPr id="21" name="Graphic 10" descr="Checkmark">
+            <a:extLst>
+              <a:ext uri="{FF2B5EF4-FFF2-40B4-BE49-F238E27FC236}">
+                <a16:creationId xmlns:a16="http://schemas.microsoft.com/office/drawing/2014/main" id="{7C75B7FF-A399-4391-919D-04F90D2033E2}"/>
+              </a:ext>
+            </a:extLst>
+          </p:cNvPr>
+          <p:cNvPicPr>
+            <a:picLocks noChangeAspect="1"/>
+          </p:cNvPicPr>
+          <p:nvPr/>
+        </p:nvPicPr>
+        <p:blipFill>
+          <a:blip r:embed="rId3">
+            <a:extLst>
+              <a:ext uri="{96DAC541-7B7A-43D3-8B79-37D633B846F1}">
+                <asvg:svgBlip xmlns:asvg="http://schemas.microsoft.com/office/drawing/2016/SVG/main" r:embed="rId4"/>
+              </a:ext>
+            </a:extLst>
+          </a:blip>
+          <a:stretch>
+            <a:fillRect/>
+          </a:stretch>
+        </p:blipFill>
+        <p:spPr>
+          <a:xfrm>
+            <a:off x="663767" y="3473247"/>
+            <a:ext cx="174433" cy="174433"/>
+          </a:xfrm>
+          <a:prstGeom prst="rect">
+            <a:avLst/>
+          </a:prstGeom>
+        </p:spPr>
+      </p:pic>
+      <p:pic>
+        <p:nvPicPr>
+          <p:cNvPr id="23" name="Graphic 10" descr="Checkmark">
+            <a:extLst>
+              <a:ext uri="{FF2B5EF4-FFF2-40B4-BE49-F238E27FC236}">
+                <a16:creationId xmlns:a16="http://schemas.microsoft.com/office/drawing/2014/main" id="{C1BFDAC0-8BC0-4089-BA32-2FAC9431589F}"/>
+              </a:ext>
+            </a:extLst>
+          </p:cNvPr>
+          <p:cNvPicPr>
+            <a:picLocks noChangeAspect="1"/>
+          </p:cNvPicPr>
+          <p:nvPr/>
+        </p:nvPicPr>
+        <p:blipFill>
+          <a:blip r:embed="rId3">
+            <a:extLst>
+              <a:ext uri="{96DAC541-7B7A-43D3-8B79-37D633B846F1}">
+                <asvg:svgBlip xmlns:asvg="http://schemas.microsoft.com/office/drawing/2016/SVG/main" r:embed="rId4"/>
+              </a:ext>
+            </a:extLst>
+          </a:blip>
+          <a:stretch>
+            <a:fillRect/>
+          </a:stretch>
+        </p:blipFill>
+        <p:spPr>
+          <a:xfrm>
+            <a:off x="664352" y="3962202"/>
+            <a:ext cx="174433" cy="174433"/>
+          </a:xfrm>
+          <a:prstGeom prst="rect">
+            <a:avLst/>
+          </a:prstGeom>
+        </p:spPr>
+      </p:pic>
+      <p:pic>
+        <p:nvPicPr>
+          <p:cNvPr id="25" name="Graphic 10" descr="Checkmark">
+            <a:extLst>
+              <a:ext uri="{FF2B5EF4-FFF2-40B4-BE49-F238E27FC236}">
+                <a16:creationId xmlns:a16="http://schemas.microsoft.com/office/drawing/2014/main" id="{1751EAA3-F0EF-4E80-A53D-5677BADD6574}"/>
+              </a:ext>
+            </a:extLst>
+          </p:cNvPr>
+          <p:cNvPicPr>
+            <a:picLocks noChangeAspect="1"/>
+          </p:cNvPicPr>
+          <p:nvPr/>
+        </p:nvPicPr>
+        <p:blipFill>
+          <a:blip r:embed="rId3">
+            <a:extLst>
+              <a:ext uri="{96DAC541-7B7A-43D3-8B79-37D633B846F1}">
+                <asvg:svgBlip xmlns:asvg="http://schemas.microsoft.com/office/drawing/2016/SVG/main" r:embed="rId4"/>
+              </a:ext>
+            </a:extLst>
+          </a:blip>
+          <a:stretch>
+            <a:fillRect/>
+          </a:stretch>
+        </p:blipFill>
+        <p:spPr>
+          <a:xfrm>
+            <a:off x="664352" y="3716241"/>
+            <a:ext cx="174433" cy="174433"/>
+          </a:xfrm>
+          <a:prstGeom prst="rect">
+            <a:avLst/>
+          </a:prstGeom>
+        </p:spPr>
+      </p:pic>
+      <p:pic>
+        <p:nvPicPr>
+          <p:cNvPr id="27" name="Graphic 10" descr="Checkmark">
+            <a:extLst>
+              <a:ext uri="{FF2B5EF4-FFF2-40B4-BE49-F238E27FC236}">
+                <a16:creationId xmlns:a16="http://schemas.microsoft.com/office/drawing/2014/main" id="{9DE99E5B-C626-48D7-80D6-12D60CD4E4B9}"/>
+              </a:ext>
+            </a:extLst>
+          </p:cNvPr>
+          <p:cNvPicPr>
+            <a:picLocks noChangeAspect="1"/>
+          </p:cNvPicPr>
+          <p:nvPr/>
+        </p:nvPicPr>
+        <p:blipFill>
+          <a:blip r:embed="rId3">
+            <a:extLst>
+              <a:ext uri="{96DAC541-7B7A-43D3-8B79-37D633B846F1}">
+                <asvg:svgBlip xmlns:asvg="http://schemas.microsoft.com/office/drawing/2016/SVG/main" r:embed="rId4"/>
+              </a:ext>
+            </a:extLst>
+          </a:blip>
+          <a:stretch>
+            <a:fillRect/>
+          </a:stretch>
+        </p:blipFill>
+        <p:spPr>
+          <a:xfrm>
+            <a:off x="663765" y="4198851"/>
+            <a:ext cx="174433" cy="174433"/>
+          </a:xfrm>
+          <a:prstGeom prst="rect">
+            <a:avLst/>
+          </a:prstGeom>
+        </p:spPr>
+      </p:pic>
+      <p:pic>
+        <p:nvPicPr>
+          <p:cNvPr id="29" name="Graphic 10" descr="Checkmark">
+            <a:extLst>
+              <a:ext uri="{FF2B5EF4-FFF2-40B4-BE49-F238E27FC236}">
+                <a16:creationId xmlns:a16="http://schemas.microsoft.com/office/drawing/2014/main" id="{F8230328-DDC1-4822-AC8C-980F20E65E9A}"/>
+              </a:ext>
+            </a:extLst>
+          </p:cNvPr>
+          <p:cNvPicPr>
+            <a:picLocks noChangeAspect="1"/>
+          </p:cNvPicPr>
+          <p:nvPr/>
+        </p:nvPicPr>
+        <p:blipFill>
+          <a:blip r:embed="rId3">
+            <a:extLst>
+              <a:ext uri="{96DAC541-7B7A-43D3-8B79-37D633B846F1}">
+                <asvg:svgBlip xmlns:asvg="http://schemas.microsoft.com/office/drawing/2016/SVG/main" r:embed="rId4"/>
+              </a:ext>
+            </a:extLst>
+          </a:blip>
+          <a:stretch>
+            <a:fillRect/>
+          </a:stretch>
+        </p:blipFill>
+        <p:spPr>
+          <a:xfrm>
+            <a:off x="663764" y="4446424"/>
+            <a:ext cx="174433" cy="174433"/>
+          </a:xfrm>
+          <a:prstGeom prst="rect">
+            <a:avLst/>
+          </a:prstGeom>
+        </p:spPr>
+      </p:pic>
+      <p:pic>
+        <p:nvPicPr>
+          <p:cNvPr id="31" name="Graphic 10" descr="Checkmark">
+            <a:extLst>
+              <a:ext uri="{FF2B5EF4-FFF2-40B4-BE49-F238E27FC236}">
+                <a16:creationId xmlns:a16="http://schemas.microsoft.com/office/drawing/2014/main" id="{646F6899-C014-49CD-848B-4E3F91C1CACF}"/>
+              </a:ext>
+            </a:extLst>
+          </p:cNvPr>
+          <p:cNvPicPr>
+            <a:picLocks noChangeAspect="1"/>
+          </p:cNvPicPr>
+          <p:nvPr/>
+        </p:nvPicPr>
+        <p:blipFill>
+          <a:blip r:embed="rId3">
+            <a:extLst>
+              <a:ext uri="{96DAC541-7B7A-43D3-8B79-37D633B846F1}">
+                <asvg:svgBlip xmlns:asvg="http://schemas.microsoft.com/office/drawing/2016/SVG/main" r:embed="rId4"/>
+              </a:ext>
+            </a:extLst>
+          </a:blip>
+          <a:stretch>
+            <a:fillRect/>
+          </a:stretch>
+        </p:blipFill>
+        <p:spPr>
+          <a:xfrm>
+            <a:off x="664352" y="4681263"/>
+            <a:ext cx="174433" cy="174433"/>
+          </a:xfrm>
+          <a:prstGeom prst="rect">
+            <a:avLst/>
+          </a:prstGeom>
+        </p:spPr>
+      </p:pic>
+      <p:pic>
+        <p:nvPicPr>
+          <p:cNvPr id="33" name="Graphic 10" descr="Checkmark">
+            <a:extLst>
+              <a:ext uri="{FF2B5EF4-FFF2-40B4-BE49-F238E27FC236}">
+                <a16:creationId xmlns:a16="http://schemas.microsoft.com/office/drawing/2014/main" id="{492324F0-1E07-4661-8E5A-9B0C323D6B85}"/>
+              </a:ext>
+            </a:extLst>
+          </p:cNvPr>
+          <p:cNvPicPr>
+            <a:picLocks noChangeAspect="1"/>
+          </p:cNvPicPr>
+          <p:nvPr/>
+        </p:nvPicPr>
+        <p:blipFill>
+          <a:blip r:embed="rId3">
+            <a:extLst>
+              <a:ext uri="{96DAC541-7B7A-43D3-8B79-37D633B846F1}">
+                <asvg:svgBlip xmlns:asvg="http://schemas.microsoft.com/office/drawing/2016/SVG/main" r:embed="rId4"/>
+              </a:ext>
+            </a:extLst>
+          </a:blip>
+          <a:stretch>
+            <a:fillRect/>
+          </a:stretch>
+        </p:blipFill>
+        <p:spPr>
+          <a:xfrm>
+            <a:off x="664352" y="4932001"/>
+            <a:ext cx="174433" cy="174433"/>
+          </a:xfrm>
+          <a:prstGeom prst="rect">
+            <a:avLst/>
+          </a:prstGeom>
+        </p:spPr>
+      </p:pic>
+      <p:pic>
+        <p:nvPicPr>
+          <p:cNvPr id="35" name="Graphic 42" descr="Pause">
+            <a:extLst>
+              <a:ext uri="{FF2B5EF4-FFF2-40B4-BE49-F238E27FC236}">
+                <a16:creationId xmlns:a16="http://schemas.microsoft.com/office/drawing/2014/main" id="{EF5EBA0C-7850-47ED-8C2A-E6599C55B796}"/>
+              </a:ext>
+            </a:extLst>
+          </p:cNvPr>
+          <p:cNvPicPr>
+            <a:picLocks noChangeAspect="1"/>
+          </p:cNvPicPr>
+          <p:nvPr/>
+        </p:nvPicPr>
+        <p:blipFill>
+          <a:blip r:embed="rId7">
+            <a:extLst>
+              <a:ext uri="{96DAC541-7B7A-43D3-8B79-37D633B846F1}">
+                <asvg:svgBlip xmlns:asvg="http://schemas.microsoft.com/office/drawing/2016/SVG/main" r:embed="rId8"/>
+              </a:ext>
+            </a:extLst>
+          </a:blip>
+          <a:stretch>
+            <a:fillRect/>
+          </a:stretch>
+        </p:blipFill>
+        <p:spPr>
+          <a:xfrm>
+            <a:off x="5624256" y="5185795"/>
+            <a:ext cx="174433" cy="174433"/>
+          </a:xfrm>
+          <a:prstGeom prst="rect">
+            <a:avLst/>
+          </a:prstGeom>
+        </p:spPr>
+      </p:pic>
+      <p:pic>
+        <p:nvPicPr>
+          <p:cNvPr id="39" name="Graphic 16" descr="Close">
+            <a:extLst>
+              <a:ext uri="{FF2B5EF4-FFF2-40B4-BE49-F238E27FC236}">
+                <a16:creationId xmlns:a16="http://schemas.microsoft.com/office/drawing/2014/main" id="{84568B68-DC45-4191-B232-DABA74A751E4}"/>
+              </a:ext>
+            </a:extLst>
+          </p:cNvPr>
+          <p:cNvPicPr>
+            <a:picLocks noChangeAspect="1"/>
+          </p:cNvPicPr>
+          <p:nvPr/>
+        </p:nvPicPr>
+        <p:blipFill>
+          <a:blip r:embed="rId5">
+            <a:extLst>
+              <a:ext uri="{96DAC541-7B7A-43D3-8B79-37D633B846F1}">
+                <asvg:svgBlip xmlns:asvg="http://schemas.microsoft.com/office/drawing/2016/SVG/main" r:embed="rId6"/>
+              </a:ext>
+            </a:extLst>
+          </a:blip>
+          <a:stretch>
+            <a:fillRect/>
+          </a:stretch>
+        </p:blipFill>
+        <p:spPr>
+          <a:xfrm>
+            <a:off x="664352" y="5661094"/>
+            <a:ext cx="174433" cy="174433"/>
+          </a:xfrm>
+          <a:prstGeom prst="rect">
+            <a:avLst/>
+          </a:prstGeom>
+        </p:spPr>
+      </p:pic>
+      <p:pic>
+        <p:nvPicPr>
+          <p:cNvPr id="41" name="Graphic 16" descr="Close">
+            <a:extLst>
+              <a:ext uri="{FF2B5EF4-FFF2-40B4-BE49-F238E27FC236}">
+                <a16:creationId xmlns:a16="http://schemas.microsoft.com/office/drawing/2014/main" id="{5F9A4AF2-79A9-401A-A665-DACCDEC01F74}"/>
+              </a:ext>
+            </a:extLst>
+          </p:cNvPr>
+          <p:cNvPicPr>
+            <a:picLocks noChangeAspect="1"/>
+          </p:cNvPicPr>
+          <p:nvPr/>
+        </p:nvPicPr>
+        <p:blipFill>
+          <a:blip r:embed="rId5">
+            <a:extLst>
+              <a:ext uri="{96DAC541-7B7A-43D3-8B79-37D633B846F1}">
+                <asvg:svgBlip xmlns:asvg="http://schemas.microsoft.com/office/drawing/2016/SVG/main" r:embed="rId6"/>
+              </a:ext>
+            </a:extLst>
+          </a:blip>
+          <a:stretch>
+            <a:fillRect/>
+          </a:stretch>
+        </p:blipFill>
+        <p:spPr>
+          <a:xfrm>
+            <a:off x="664352" y="5903977"/>
+            <a:ext cx="174433" cy="174433"/>
+          </a:xfrm>
+          <a:prstGeom prst="rect">
+            <a:avLst/>
+          </a:prstGeom>
+        </p:spPr>
+      </p:pic>
+      <p:pic>
+        <p:nvPicPr>
+          <p:cNvPr id="43" name="Graphic 10" descr="Checkmark">
+            <a:extLst>
+              <a:ext uri="{FF2B5EF4-FFF2-40B4-BE49-F238E27FC236}">
+                <a16:creationId xmlns:a16="http://schemas.microsoft.com/office/drawing/2014/main" id="{88B7D9CA-0EDE-4927-BEE9-A8F2B3D9DBC7}"/>
+              </a:ext>
+            </a:extLst>
+          </p:cNvPr>
+          <p:cNvPicPr>
+            <a:picLocks noChangeAspect="1"/>
+          </p:cNvPicPr>
+          <p:nvPr/>
+        </p:nvPicPr>
+        <p:blipFill>
+          <a:blip r:embed="rId3">
+            <a:extLst>
+              <a:ext uri="{96DAC541-7B7A-43D3-8B79-37D633B846F1}">
+                <asvg:svgBlip xmlns:asvg="http://schemas.microsoft.com/office/drawing/2016/SVG/main" r:embed="rId4"/>
+              </a:ext>
+            </a:extLst>
+          </a:blip>
+          <a:stretch>
+            <a:fillRect/>
+          </a:stretch>
+        </p:blipFill>
+        <p:spPr>
+          <a:xfrm>
+            <a:off x="663763" y="6155429"/>
+            <a:ext cx="174433" cy="174433"/>
+          </a:xfrm>
+          <a:prstGeom prst="rect">
+            <a:avLst/>
+          </a:prstGeom>
+        </p:spPr>
+      </p:pic>
+      <p:pic>
+        <p:nvPicPr>
+          <p:cNvPr id="45" name="Graphic 10" descr="Checkmark">
+            <a:extLst>
+              <a:ext uri="{FF2B5EF4-FFF2-40B4-BE49-F238E27FC236}">
+                <a16:creationId xmlns:a16="http://schemas.microsoft.com/office/drawing/2014/main" id="{A8197969-190F-47DC-B23E-0658121399CC}"/>
+              </a:ext>
+            </a:extLst>
+          </p:cNvPr>
+          <p:cNvPicPr>
+            <a:picLocks noChangeAspect="1"/>
+          </p:cNvPicPr>
+          <p:nvPr/>
+        </p:nvPicPr>
+        <p:blipFill>
+          <a:blip r:embed="rId3">
+            <a:extLst>
+              <a:ext uri="{96DAC541-7B7A-43D3-8B79-37D633B846F1}">
+                <asvg:svgBlip xmlns:asvg="http://schemas.microsoft.com/office/drawing/2016/SVG/main" r:embed="rId4"/>
+              </a:ext>
+            </a:extLst>
+          </a:blip>
+          <a:stretch>
+            <a:fillRect/>
+          </a:stretch>
+        </p:blipFill>
+        <p:spPr>
+          <a:xfrm>
+            <a:off x="5624260" y="1773521"/>
+            <a:ext cx="174433" cy="174433"/>
+          </a:xfrm>
+          <a:prstGeom prst="rect">
+            <a:avLst/>
+          </a:prstGeom>
+        </p:spPr>
+      </p:pic>
+      <p:pic>
+        <p:nvPicPr>
+          <p:cNvPr id="47" name="Graphic 10" descr="Checkmark">
+            <a:extLst>
+              <a:ext uri="{FF2B5EF4-FFF2-40B4-BE49-F238E27FC236}">
+                <a16:creationId xmlns:a16="http://schemas.microsoft.com/office/drawing/2014/main" id="{0FD85D8D-E74E-4A8F-8EF0-CA12BD6A1D9B}"/>
+              </a:ext>
+            </a:extLst>
+          </p:cNvPr>
+          <p:cNvPicPr>
+            <a:picLocks noChangeAspect="1"/>
+          </p:cNvPicPr>
+          <p:nvPr/>
+        </p:nvPicPr>
+        <p:blipFill>
+          <a:blip r:embed="rId3">
+            <a:extLst>
+              <a:ext uri="{96DAC541-7B7A-43D3-8B79-37D633B846F1}">
+                <asvg:svgBlip xmlns:asvg="http://schemas.microsoft.com/office/drawing/2016/SVG/main" r:embed="rId4"/>
+              </a:ext>
+            </a:extLst>
+          </a:blip>
+          <a:stretch>
+            <a:fillRect/>
+          </a:stretch>
+        </p:blipFill>
+        <p:spPr>
+          <a:xfrm>
+            <a:off x="5624260" y="2012346"/>
+            <a:ext cx="174433" cy="174433"/>
+          </a:xfrm>
+          <a:prstGeom prst="rect">
+            <a:avLst/>
+          </a:prstGeom>
+        </p:spPr>
+      </p:pic>
+      <p:pic>
+        <p:nvPicPr>
+          <p:cNvPr id="49" name="Graphic 10" descr="Checkmark">
+            <a:extLst>
+              <a:ext uri="{FF2B5EF4-FFF2-40B4-BE49-F238E27FC236}">
+                <a16:creationId xmlns:a16="http://schemas.microsoft.com/office/drawing/2014/main" id="{2E6910CF-8D5C-4803-9FC1-B3A408E0ED40}"/>
+              </a:ext>
+            </a:extLst>
+          </p:cNvPr>
+          <p:cNvPicPr>
+            <a:picLocks noChangeAspect="1"/>
+          </p:cNvPicPr>
+          <p:nvPr/>
+        </p:nvPicPr>
+        <p:blipFill>
+          <a:blip r:embed="rId3">
+            <a:extLst>
+              <a:ext uri="{96DAC541-7B7A-43D3-8B79-37D633B846F1}">
+                <asvg:svgBlip xmlns:asvg="http://schemas.microsoft.com/office/drawing/2016/SVG/main" r:embed="rId4"/>
+              </a:ext>
+            </a:extLst>
+          </a:blip>
+          <a:stretch>
+            <a:fillRect/>
+          </a:stretch>
+        </p:blipFill>
+        <p:spPr>
+          <a:xfrm>
+            <a:off x="5624260" y="2268729"/>
+            <a:ext cx="174433" cy="174433"/>
+          </a:xfrm>
+          <a:prstGeom prst="rect">
+            <a:avLst/>
+          </a:prstGeom>
+        </p:spPr>
+      </p:pic>
+      <p:pic>
+        <p:nvPicPr>
+          <p:cNvPr id="51" name="Graphic 10" descr="Checkmark">
+            <a:extLst>
+              <a:ext uri="{FF2B5EF4-FFF2-40B4-BE49-F238E27FC236}">
+                <a16:creationId xmlns:a16="http://schemas.microsoft.com/office/drawing/2014/main" id="{7001C01A-8444-49E2-9B0A-CDE1C01E5FEE}"/>
+              </a:ext>
+            </a:extLst>
+          </p:cNvPr>
+          <p:cNvPicPr>
+            <a:picLocks noChangeAspect="1"/>
+          </p:cNvPicPr>
+          <p:nvPr/>
+        </p:nvPicPr>
+        <p:blipFill>
+          <a:blip r:embed="rId3">
+            <a:extLst>
+              <a:ext uri="{96DAC541-7B7A-43D3-8B79-37D633B846F1}">
+                <asvg:svgBlip xmlns:asvg="http://schemas.microsoft.com/office/drawing/2016/SVG/main" r:embed="rId4"/>
+              </a:ext>
+            </a:extLst>
+          </a:blip>
+          <a:stretch>
+            <a:fillRect/>
+          </a:stretch>
+        </p:blipFill>
+        <p:spPr>
+          <a:xfrm>
+            <a:off x="5624259" y="2525112"/>
+            <a:ext cx="174433" cy="174433"/>
+          </a:xfrm>
+          <a:prstGeom prst="rect">
+            <a:avLst/>
+          </a:prstGeom>
+        </p:spPr>
+      </p:pic>
+      <p:pic>
+        <p:nvPicPr>
+          <p:cNvPr id="53" name="Graphic 10" descr="Checkmark">
+            <a:extLst>
+              <a:ext uri="{FF2B5EF4-FFF2-40B4-BE49-F238E27FC236}">
+                <a16:creationId xmlns:a16="http://schemas.microsoft.com/office/drawing/2014/main" id="{B20912BD-8E9C-4664-8019-28EC6514873E}"/>
+              </a:ext>
+            </a:extLst>
+          </p:cNvPr>
+          <p:cNvPicPr>
+            <a:picLocks noChangeAspect="1"/>
+          </p:cNvPicPr>
+          <p:nvPr/>
+        </p:nvPicPr>
+        <p:blipFill>
+          <a:blip r:embed="rId3">
+            <a:extLst>
+              <a:ext uri="{96DAC541-7B7A-43D3-8B79-37D633B846F1}">
+                <asvg:svgBlip xmlns:asvg="http://schemas.microsoft.com/office/drawing/2016/SVG/main" r:embed="rId4"/>
+              </a:ext>
+            </a:extLst>
+          </a:blip>
+          <a:stretch>
+            <a:fillRect/>
+          </a:stretch>
+        </p:blipFill>
+        <p:spPr>
+          <a:xfrm>
+            <a:off x="5624258" y="2786452"/>
+            <a:ext cx="174433" cy="174433"/>
+          </a:xfrm>
+          <a:prstGeom prst="rect">
+            <a:avLst/>
+          </a:prstGeom>
+        </p:spPr>
+      </p:pic>
+      <p:pic>
+        <p:nvPicPr>
+          <p:cNvPr id="55" name="Graphic 10" descr="Checkmark">
+            <a:extLst>
+              <a:ext uri="{FF2B5EF4-FFF2-40B4-BE49-F238E27FC236}">
+                <a16:creationId xmlns:a16="http://schemas.microsoft.com/office/drawing/2014/main" id="{7021D25F-C8C5-4FEC-A331-5F892B6671D8}"/>
+              </a:ext>
+            </a:extLst>
+          </p:cNvPr>
+          <p:cNvPicPr>
+            <a:picLocks noChangeAspect="1"/>
+          </p:cNvPicPr>
+          <p:nvPr/>
+        </p:nvPicPr>
+        <p:blipFill>
+          <a:blip r:embed="rId3">
+            <a:extLst>
+              <a:ext uri="{96DAC541-7B7A-43D3-8B79-37D633B846F1}">
+                <asvg:svgBlip xmlns:asvg="http://schemas.microsoft.com/office/drawing/2016/SVG/main" r:embed="rId4"/>
+              </a:ext>
+            </a:extLst>
+          </a:blip>
+          <a:stretch>
+            <a:fillRect/>
+          </a:stretch>
+        </p:blipFill>
+        <p:spPr>
+          <a:xfrm>
+            <a:off x="5624260" y="3037878"/>
+            <a:ext cx="174433" cy="174433"/>
+          </a:xfrm>
+          <a:prstGeom prst="rect">
+            <a:avLst/>
+          </a:prstGeom>
+        </p:spPr>
+      </p:pic>
+      <p:pic>
+        <p:nvPicPr>
+          <p:cNvPr id="57" name="Graphic 10" descr="Checkmark">
+            <a:extLst>
+              <a:ext uri="{FF2B5EF4-FFF2-40B4-BE49-F238E27FC236}">
+                <a16:creationId xmlns:a16="http://schemas.microsoft.com/office/drawing/2014/main" id="{05A2172E-B077-42E7-9E85-57CBD38553A4}"/>
+              </a:ext>
+            </a:extLst>
+          </p:cNvPr>
+          <p:cNvPicPr>
+            <a:picLocks noChangeAspect="1"/>
+          </p:cNvPicPr>
+          <p:nvPr/>
+        </p:nvPicPr>
+        <p:blipFill>
+          <a:blip r:embed="rId3">
+            <a:extLst>
+              <a:ext uri="{96DAC541-7B7A-43D3-8B79-37D633B846F1}">
+                <asvg:svgBlip xmlns:asvg="http://schemas.microsoft.com/office/drawing/2016/SVG/main" r:embed="rId4"/>
+              </a:ext>
+            </a:extLst>
+          </a:blip>
+          <a:stretch>
+            <a:fillRect/>
+          </a:stretch>
+        </p:blipFill>
+        <p:spPr>
+          <a:xfrm>
+            <a:off x="5624260" y="3254567"/>
+            <a:ext cx="174433" cy="174433"/>
+          </a:xfrm>
+          <a:prstGeom prst="rect">
+            <a:avLst/>
+          </a:prstGeom>
+        </p:spPr>
+      </p:pic>
+      <p:pic>
+        <p:nvPicPr>
+          <p:cNvPr id="61" name="Graphic 10" descr="Checkmark">
+            <a:extLst>
+              <a:ext uri="{FF2B5EF4-FFF2-40B4-BE49-F238E27FC236}">
+                <a16:creationId xmlns:a16="http://schemas.microsoft.com/office/drawing/2014/main" id="{6E028D69-BAE8-4A92-A6A1-07DF3417DCF7}"/>
+              </a:ext>
+            </a:extLst>
+          </p:cNvPr>
+          <p:cNvPicPr>
+            <a:picLocks noChangeAspect="1"/>
+          </p:cNvPicPr>
+          <p:nvPr/>
+        </p:nvPicPr>
+        <p:blipFill>
+          <a:blip r:embed="rId3">
+            <a:extLst>
+              <a:ext uri="{96DAC541-7B7A-43D3-8B79-37D633B846F1}">
+                <asvg:svgBlip xmlns:asvg="http://schemas.microsoft.com/office/drawing/2016/SVG/main" r:embed="rId4"/>
+              </a:ext>
+            </a:extLst>
+          </a:blip>
+          <a:stretch>
+            <a:fillRect/>
+          </a:stretch>
+        </p:blipFill>
+        <p:spPr>
+          <a:xfrm>
+            <a:off x="5624260" y="3962202"/>
+            <a:ext cx="174433" cy="174433"/>
+          </a:xfrm>
+          <a:prstGeom prst="rect">
+            <a:avLst/>
+          </a:prstGeom>
+        </p:spPr>
+      </p:pic>
+      <p:pic>
+        <p:nvPicPr>
+          <p:cNvPr id="63" name="Graphic 10" descr="Checkmark">
+            <a:extLst>
+              <a:ext uri="{FF2B5EF4-FFF2-40B4-BE49-F238E27FC236}">
+                <a16:creationId xmlns:a16="http://schemas.microsoft.com/office/drawing/2014/main" id="{362ED72D-14A0-44F9-941A-B0917E3AB2FE}"/>
+              </a:ext>
+            </a:extLst>
+          </p:cNvPr>
+          <p:cNvPicPr>
+            <a:picLocks noChangeAspect="1"/>
+          </p:cNvPicPr>
+          <p:nvPr/>
+        </p:nvPicPr>
+        <p:blipFill>
+          <a:blip r:embed="rId3">
+            <a:extLst>
+              <a:ext uri="{96DAC541-7B7A-43D3-8B79-37D633B846F1}">
+                <asvg:svgBlip xmlns:asvg="http://schemas.microsoft.com/office/drawing/2016/SVG/main" r:embed="rId4"/>
+              </a:ext>
+            </a:extLst>
+          </a:blip>
+          <a:stretch>
+            <a:fillRect/>
+          </a:stretch>
+        </p:blipFill>
+        <p:spPr>
+          <a:xfrm>
+            <a:off x="5624260" y="4206534"/>
+            <a:ext cx="174433" cy="174433"/>
+          </a:xfrm>
+          <a:prstGeom prst="rect">
+            <a:avLst/>
+          </a:prstGeom>
+        </p:spPr>
+      </p:pic>
+      <p:pic>
+        <p:nvPicPr>
+          <p:cNvPr id="67" name="Graphic 16" descr="Close">
+            <a:extLst>
+              <a:ext uri="{FF2B5EF4-FFF2-40B4-BE49-F238E27FC236}">
+                <a16:creationId xmlns:a16="http://schemas.microsoft.com/office/drawing/2014/main" id="{D4324BB7-2351-4982-ACAA-6101751BF8CA}"/>
+              </a:ext>
+            </a:extLst>
+          </p:cNvPr>
+          <p:cNvPicPr>
+            <a:picLocks noChangeAspect="1"/>
+          </p:cNvPicPr>
+          <p:nvPr/>
+        </p:nvPicPr>
+        <p:blipFill>
+          <a:blip r:embed="rId5">
+            <a:extLst>
+              <a:ext uri="{96DAC541-7B7A-43D3-8B79-37D633B846F1}">
+                <asvg:svgBlip xmlns:asvg="http://schemas.microsoft.com/office/drawing/2016/SVG/main" r:embed="rId6"/>
+              </a:ext>
+            </a:extLst>
+          </a:blip>
+          <a:stretch>
+            <a:fillRect/>
+          </a:stretch>
+        </p:blipFill>
+        <p:spPr>
+          <a:xfrm>
+            <a:off x="5630446" y="3722683"/>
+            <a:ext cx="174433" cy="174433"/>
+          </a:xfrm>
+          <a:prstGeom prst="rect">
+            <a:avLst/>
+          </a:prstGeom>
+        </p:spPr>
+      </p:pic>
+      <p:pic>
+        <p:nvPicPr>
+          <p:cNvPr id="69" name="Graphic 16" descr="Close">
+            <a:extLst>
+              <a:ext uri="{FF2B5EF4-FFF2-40B4-BE49-F238E27FC236}">
+                <a16:creationId xmlns:a16="http://schemas.microsoft.com/office/drawing/2014/main" id="{76A0BC3D-B6ED-4CC3-9B84-8BAF752E03F3}"/>
+              </a:ext>
+            </a:extLst>
+          </p:cNvPr>
+          <p:cNvPicPr>
+            <a:picLocks noChangeAspect="1"/>
+          </p:cNvPicPr>
+          <p:nvPr/>
+        </p:nvPicPr>
+        <p:blipFill>
+          <a:blip r:embed="rId5">
+            <a:extLst>
+              <a:ext uri="{96DAC541-7B7A-43D3-8B79-37D633B846F1}">
+                <asvg:svgBlip xmlns:asvg="http://schemas.microsoft.com/office/drawing/2016/SVG/main" r:embed="rId6"/>
+              </a:ext>
+            </a:extLst>
+          </a:blip>
+          <a:stretch>
+            <a:fillRect/>
+          </a:stretch>
+        </p:blipFill>
+        <p:spPr>
+          <a:xfrm>
+            <a:off x="5624255" y="4443396"/>
+            <a:ext cx="174433" cy="174433"/>
+          </a:xfrm>
+          <a:prstGeom prst="rect">
+            <a:avLst/>
+          </a:prstGeom>
+        </p:spPr>
+      </p:pic>
+      <p:pic>
+        <p:nvPicPr>
+          <p:cNvPr id="71" name="Graphic 16" descr="Close">
+            <a:extLst>
+              <a:ext uri="{FF2B5EF4-FFF2-40B4-BE49-F238E27FC236}">
+                <a16:creationId xmlns:a16="http://schemas.microsoft.com/office/drawing/2014/main" id="{E70AD147-1E3B-4F0F-9031-66DEED885F9D}"/>
+              </a:ext>
+            </a:extLst>
+          </p:cNvPr>
+          <p:cNvPicPr>
+            <a:picLocks noChangeAspect="1"/>
+          </p:cNvPicPr>
+          <p:nvPr/>
+        </p:nvPicPr>
+        <p:blipFill>
+          <a:blip r:embed="rId5">
+            <a:extLst>
+              <a:ext uri="{96DAC541-7B7A-43D3-8B79-37D633B846F1}">
+                <asvg:svgBlip xmlns:asvg="http://schemas.microsoft.com/office/drawing/2016/SVG/main" r:embed="rId6"/>
+              </a:ext>
+            </a:extLst>
+          </a:blip>
+          <a:stretch>
+            <a:fillRect/>
+          </a:stretch>
+        </p:blipFill>
+        <p:spPr>
+          <a:xfrm>
+            <a:off x="5630446" y="4706568"/>
+            <a:ext cx="174433" cy="174433"/>
+          </a:xfrm>
+          <a:prstGeom prst="rect">
+            <a:avLst/>
+          </a:prstGeom>
+        </p:spPr>
+      </p:pic>
+      <p:pic>
+        <p:nvPicPr>
+          <p:cNvPr id="73" name="Graphic 10" descr="Checkmark">
+            <a:extLst>
+              <a:ext uri="{FF2B5EF4-FFF2-40B4-BE49-F238E27FC236}">
+                <a16:creationId xmlns:a16="http://schemas.microsoft.com/office/drawing/2014/main" id="{2211FA30-70C5-47F6-9F40-9BEE0A3B2215}"/>
+              </a:ext>
+            </a:extLst>
+          </p:cNvPr>
+          <p:cNvPicPr>
+            <a:picLocks noChangeAspect="1"/>
+          </p:cNvPicPr>
+          <p:nvPr/>
+        </p:nvPicPr>
+        <p:blipFill>
+          <a:blip r:embed="rId3">
+            <a:extLst>
+              <a:ext uri="{96DAC541-7B7A-43D3-8B79-37D633B846F1}">
+                <asvg:svgBlip xmlns:asvg="http://schemas.microsoft.com/office/drawing/2016/SVG/main" r:embed="rId4"/>
+              </a:ext>
+            </a:extLst>
+          </a:blip>
+          <a:stretch>
+            <a:fillRect/>
+          </a:stretch>
+        </p:blipFill>
+        <p:spPr>
+          <a:xfrm>
+            <a:off x="5624255" y="5661661"/>
+            <a:ext cx="174433" cy="174433"/>
+          </a:xfrm>
+          <a:prstGeom prst="rect">
+            <a:avLst/>
+          </a:prstGeom>
+        </p:spPr>
+      </p:pic>
+      <p:pic>
+        <p:nvPicPr>
+          <p:cNvPr id="75" name="Graphic 16" descr="Close">
+            <a:extLst>
+              <a:ext uri="{FF2B5EF4-FFF2-40B4-BE49-F238E27FC236}">
+                <a16:creationId xmlns:a16="http://schemas.microsoft.com/office/drawing/2014/main" id="{0D601AD2-766A-49A9-99EF-5D45FB34D80E}"/>
+              </a:ext>
+            </a:extLst>
+          </p:cNvPr>
+          <p:cNvPicPr>
+            <a:picLocks noChangeAspect="1"/>
+          </p:cNvPicPr>
+          <p:nvPr/>
+        </p:nvPicPr>
+        <p:blipFill>
+          <a:blip r:embed="rId5">
+            <a:extLst>
+              <a:ext uri="{96DAC541-7B7A-43D3-8B79-37D633B846F1}">
+                <asvg:svgBlip xmlns:asvg="http://schemas.microsoft.com/office/drawing/2016/SVG/main" r:embed="rId6"/>
+              </a:ext>
+            </a:extLst>
+          </a:blip>
+          <a:stretch>
+            <a:fillRect/>
+          </a:stretch>
+        </p:blipFill>
+        <p:spPr>
+          <a:xfrm>
+            <a:off x="5630446" y="5908172"/>
+            <a:ext cx="174433" cy="174433"/>
+          </a:xfrm>
+          <a:prstGeom prst="rect">
+            <a:avLst/>
+          </a:prstGeom>
+        </p:spPr>
+      </p:pic>
+      <p:pic>
+        <p:nvPicPr>
+          <p:cNvPr id="76" name="Graphic 16" descr="Close">
+            <a:extLst>
+              <a:ext uri="{FF2B5EF4-FFF2-40B4-BE49-F238E27FC236}">
+                <a16:creationId xmlns:a16="http://schemas.microsoft.com/office/drawing/2014/main" id="{FD7F2F69-DC47-4A01-B421-59367A95D332}"/>
+              </a:ext>
+            </a:extLst>
+          </p:cNvPr>
+          <p:cNvPicPr>
+            <a:picLocks noChangeAspect="1"/>
+          </p:cNvPicPr>
+          <p:nvPr/>
+        </p:nvPicPr>
+        <p:blipFill>
+          <a:blip r:embed="rId5">
+            <a:extLst>
+              <a:ext uri="{96DAC541-7B7A-43D3-8B79-37D633B846F1}">
+                <asvg:svgBlip xmlns:asvg="http://schemas.microsoft.com/office/drawing/2016/SVG/main" r:embed="rId6"/>
+              </a:ext>
+            </a:extLst>
+          </a:blip>
+          <a:stretch>
+            <a:fillRect/>
+          </a:stretch>
+        </p:blipFill>
+        <p:spPr>
+          <a:xfrm>
+            <a:off x="691565" y="5298236"/>
+            <a:ext cx="174433" cy="174433"/>
+          </a:xfrm>
+          <a:prstGeom prst="rect">
+            <a:avLst/>
+          </a:prstGeom>
+        </p:spPr>
+      </p:pic>
+      <p:pic>
+        <p:nvPicPr>
+          <p:cNvPr id="77" name="Graphic 42" descr="Pause">
+            <a:extLst>
+              <a:ext uri="{FF2B5EF4-FFF2-40B4-BE49-F238E27FC236}">
+                <a16:creationId xmlns:a16="http://schemas.microsoft.com/office/drawing/2014/main" id="{ADBEFC96-2D78-48FE-BB56-2DCC63B2E382}"/>
+              </a:ext>
+            </a:extLst>
+          </p:cNvPr>
+          <p:cNvPicPr>
+            <a:picLocks noChangeAspect="1"/>
+          </p:cNvPicPr>
+          <p:nvPr/>
+        </p:nvPicPr>
+        <p:blipFill>
+          <a:blip r:embed="rId7">
+            <a:extLst>
+              <a:ext uri="{96DAC541-7B7A-43D3-8B79-37D633B846F1}">
+                <asvg:svgBlip xmlns:asvg="http://schemas.microsoft.com/office/drawing/2016/SVG/main" r:embed="rId8"/>
+              </a:ext>
+            </a:extLst>
+          </a:blip>
+          <a:stretch>
+            <a:fillRect/>
+          </a:stretch>
+        </p:blipFill>
+        <p:spPr>
+          <a:xfrm>
+            <a:off x="662184" y="2527866"/>
+            <a:ext cx="174433" cy="174433"/>
+          </a:xfrm>
+          <a:prstGeom prst="rect">
+            <a:avLst/>
+          </a:prstGeom>
+        </p:spPr>
+      </p:pic>
+      <p:pic>
+        <p:nvPicPr>
+          <p:cNvPr id="78" name="Graphic 10" descr="Checkmark">
+            <a:extLst>
+              <a:ext uri="{FF2B5EF4-FFF2-40B4-BE49-F238E27FC236}">
+                <a16:creationId xmlns:a16="http://schemas.microsoft.com/office/drawing/2014/main" id="{7913B9C4-4286-4B7A-A3F6-0C743F365FCE}"/>
+              </a:ext>
+            </a:extLst>
+          </p:cNvPr>
+          <p:cNvPicPr>
+            <a:picLocks noChangeAspect="1"/>
+          </p:cNvPicPr>
+          <p:nvPr/>
+        </p:nvPicPr>
+        <p:blipFill>
+          <a:blip r:embed="rId3">
+            <a:extLst>
+              <a:ext uri="{96DAC541-7B7A-43D3-8B79-37D633B846F1}">
+                <asvg:svgBlip xmlns:asvg="http://schemas.microsoft.com/office/drawing/2016/SVG/main" r:embed="rId4"/>
+              </a:ext>
+            </a:extLst>
+          </a:blip>
+          <a:stretch>
+            <a:fillRect/>
+          </a:stretch>
+        </p:blipFill>
+        <p:spPr>
+          <a:xfrm>
+            <a:off x="5624254" y="4963160"/>
+            <a:ext cx="174433" cy="174433"/>
+          </a:xfrm>
+          <a:prstGeom prst="rect">
+            <a:avLst/>
+          </a:prstGeom>
+        </p:spPr>
+      </p:pic>
+      <p:pic>
+        <p:nvPicPr>
+          <p:cNvPr id="79" name="Graphic 42" descr="Pause">
+            <a:extLst>
+              <a:ext uri="{FF2B5EF4-FFF2-40B4-BE49-F238E27FC236}">
+                <a16:creationId xmlns:a16="http://schemas.microsoft.com/office/drawing/2014/main" id="{8ED982AE-6704-4A17-A9FB-17534A1B17FD}"/>
+              </a:ext>
+            </a:extLst>
+          </p:cNvPr>
+          <p:cNvPicPr>
+            <a:picLocks noChangeAspect="1"/>
+          </p:cNvPicPr>
+          <p:nvPr/>
+        </p:nvPicPr>
+        <p:blipFill>
+          <a:blip r:embed="rId7">
+            <a:extLst>
+              <a:ext uri="{96DAC541-7B7A-43D3-8B79-37D633B846F1}">
+                <asvg:svgBlip xmlns:asvg="http://schemas.microsoft.com/office/drawing/2016/SVG/main" r:embed="rId8"/>
+              </a:ext>
+            </a:extLst>
+          </a:blip>
+          <a:stretch>
+            <a:fillRect/>
+          </a:stretch>
+        </p:blipFill>
+        <p:spPr>
+          <a:xfrm>
+            <a:off x="5624255" y="3471294"/>
+            <a:ext cx="174433" cy="174433"/>
+          </a:xfrm>
+          <a:prstGeom prst="rect">
+            <a:avLst/>
+          </a:prstGeom>
         </p:spPr>
       </p:pic>
     </p:spTree>
@@ -14856,7 +18012,7 @@
           <a:lstStyle/>
           <a:p>
             <a:r>
-              <a:rPr lang="es-ES_tradnl" dirty="0"/>
+              <a:rPr lang="es-ES_tradnl"/>
               <a:t>Policía Nacional</a:t>
             </a:r>
           </a:p>
@@ -14895,7 +18051,7 @@
               <a:buChar char="•"/>
             </a:pPr>
             <a:r>
-              <a:rPr lang="es-ES" sz="1600" dirty="0"/>
+              <a:rPr lang="es-ES" sz="1600"/>
               <a:t>Dirección de la sede</a:t>
             </a:r>
           </a:p>
@@ -14905,7 +18061,7 @@
               <a:buChar char="•"/>
             </a:pPr>
             <a:r>
-              <a:rPr lang="es-ES" sz="1600" dirty="0"/>
+              <a:rPr lang="es-ES" sz="1600"/>
               <a:t>Identificación de su titular. </a:t>
             </a:r>
           </a:p>
@@ -14915,7 +18071,7 @@
               <a:buChar char="•"/>
             </a:pPr>
             <a:r>
-              <a:rPr lang="es-ES" sz="1600" dirty="0"/>
+              <a:rPr lang="es-ES" sz="1600"/>
               <a:t>Canales de acceso a los servicios</a:t>
             </a:r>
           </a:p>
@@ -14925,7 +18081,7 @@
               <a:buChar char="•"/>
             </a:pPr>
             <a:r>
-              <a:rPr lang="es-ES" sz="1600" dirty="0"/>
+              <a:rPr lang="es-ES" sz="1600"/>
               <a:t>Quejas y sugerencias</a:t>
             </a:r>
           </a:p>
@@ -14935,7 +18091,7 @@
               <a:buChar char="•"/>
             </a:pPr>
             <a:r>
-              <a:rPr lang="es-ES" sz="1600" dirty="0"/>
+              <a:rPr lang="es-ES" sz="1600"/>
               <a:t>Identificación de la sede</a:t>
             </a:r>
           </a:p>
@@ -14945,7 +18101,7 @@
               <a:buChar char="•"/>
             </a:pPr>
             <a:r>
-              <a:rPr lang="es-ES" sz="1600" dirty="0"/>
+              <a:rPr lang="es-ES" sz="1600"/>
               <a:t>Sedes compartidas</a:t>
             </a:r>
           </a:p>
@@ -14955,7 +18111,7 @@
               <a:buChar char="•"/>
             </a:pPr>
             <a:r>
-              <a:rPr lang="es-ES" sz="1600" dirty="0"/>
+              <a:rPr lang="es-ES" sz="1600"/>
               <a:t>Subsedes</a:t>
             </a:r>
           </a:p>
@@ -14965,7 +18121,7 @@
               <a:buChar char="•"/>
             </a:pPr>
             <a:r>
-              <a:rPr lang="es-ES" sz="1600" dirty="0"/>
+              <a:rPr lang="es-ES" sz="1600"/>
               <a:t>Instrumento de creación.</a:t>
             </a:r>
           </a:p>
@@ -14975,7 +18131,7 @@
               <a:buChar char="•"/>
             </a:pPr>
             <a:r>
-              <a:rPr lang="es-ES" sz="1600" dirty="0"/>
+              <a:rPr lang="es-ES" sz="1600"/>
               <a:t>Mapa de la sede </a:t>
             </a:r>
           </a:p>
@@ -14985,7 +18141,7 @@
               <a:buChar char="•"/>
             </a:pPr>
             <a:r>
-              <a:rPr lang="es-ES" sz="1600" dirty="0"/>
+              <a:rPr lang="es-ES" sz="1600"/>
               <a:t>Estructura de navegación. </a:t>
             </a:r>
           </a:p>
@@ -14995,7 +18151,7 @@
               <a:buChar char="•"/>
             </a:pPr>
             <a:r>
-              <a:rPr lang="es-ES" sz="1600" dirty="0"/>
+              <a:rPr lang="es-ES" sz="1600"/>
               <a:t>Secciones disponibles. </a:t>
             </a:r>
           </a:p>
@@ -15005,7 +18161,7 @@
               <a:buChar char="•"/>
             </a:pPr>
             <a:r>
-              <a:rPr lang="es-ES" sz="1600" dirty="0"/>
+              <a:rPr lang="es-ES" sz="1600"/>
               <a:t>Propiedad intelectual. </a:t>
             </a:r>
           </a:p>
@@ -15015,7 +18171,7 @@
               <a:buChar char="•"/>
             </a:pPr>
             <a:r>
-              <a:rPr lang="es-ES" sz="1600" dirty="0"/>
+              <a:rPr lang="es-ES" sz="1600"/>
               <a:t>Protección de Datos de Carácter Personal.</a:t>
             </a:r>
           </a:p>
@@ -15025,7 +18181,7 @@
               <a:buChar char="•"/>
             </a:pPr>
             <a:r>
-              <a:rPr lang="es-ES" sz="1600" dirty="0"/>
+              <a:rPr lang="es-ES" sz="1600"/>
               <a:t>Enlace con las sedes electrónicas de las Agencias de Protección de Datos. </a:t>
             </a:r>
           </a:p>
@@ -15035,7 +18191,7 @@
               <a:buChar char="•"/>
             </a:pPr>
             <a:r>
-              <a:rPr lang="es-ES" sz="1600" dirty="0"/>
+              <a:rPr lang="es-ES" sz="1600"/>
               <a:t>Asesoramiento electrónico</a:t>
             </a:r>
           </a:p>
@@ -15045,7 +18201,7 @@
               <a:buChar char="•"/>
             </a:pPr>
             <a:r>
-              <a:rPr lang="es-ES" sz="1600" dirty="0"/>
+              <a:rPr lang="es-ES" sz="1600"/>
               <a:t>Sistema de verificación de los certificados.</a:t>
             </a:r>
           </a:p>
@@ -15055,7 +18211,7 @@
               <a:buChar char="•"/>
             </a:pPr>
             <a:r>
-              <a:rPr lang="es-ES" sz="1600" dirty="0"/>
+              <a:rPr lang="es-ES" sz="1600"/>
               <a:t>Sistemas de firma electrónica.</a:t>
             </a:r>
           </a:p>
@@ -15065,7 +18221,7 @@
               <a:buChar char="•"/>
             </a:pPr>
             <a:r>
-              <a:rPr lang="es-ES" sz="1600" dirty="0"/>
+              <a:rPr lang="es-ES" sz="1600"/>
               <a:t>Normas de creación del registro electrónico.</a:t>
             </a:r>
           </a:p>
@@ -15074,42 +18230,42 @@
               <a:buFont typeface="Arial" panose="020B0604020202020204" pitchFamily="34" charset="0"/>
               <a:buChar char="•"/>
             </a:pPr>
-            <a:endParaRPr lang="es-ES" sz="1600" dirty="0"/>
-          </a:p>
-          <a:p>
-            <a:pPr marL="285750" indent="-285750">
-              <a:buFont typeface="Arial" panose="020B0604020202020204" pitchFamily="34" charset="0"/>
-              <a:buChar char="•"/>
-            </a:pPr>
-            <a:endParaRPr lang="es-ES" sz="1600" dirty="0"/>
-          </a:p>
-          <a:p>
-            <a:pPr marL="285750" indent="-285750">
-              <a:buFont typeface="Arial" panose="020B0604020202020204" pitchFamily="34" charset="0"/>
-              <a:buChar char="•"/>
-            </a:pPr>
-            <a:endParaRPr lang="es-ES" sz="1600" dirty="0"/>
-          </a:p>
-          <a:p>
-            <a:pPr marL="285750" indent="-285750">
-              <a:buFont typeface="Arial" panose="020B0604020202020204" pitchFamily="34" charset="0"/>
-              <a:buChar char="•"/>
-            </a:pPr>
-            <a:endParaRPr lang="es-ES" sz="1600" dirty="0"/>
-          </a:p>
-          <a:p>
-            <a:pPr marL="285750" indent="-285750">
-              <a:buFont typeface="Arial" panose="020B0604020202020204" pitchFamily="34" charset="0"/>
-              <a:buChar char="•"/>
-            </a:pPr>
-            <a:endParaRPr lang="es-ES" sz="1600" dirty="0"/>
-          </a:p>
-          <a:p>
-            <a:pPr marL="285750" indent="-285750">
-              <a:buFont typeface="Arial" panose="020B0604020202020204" pitchFamily="34" charset="0"/>
-              <a:buChar char="•"/>
-            </a:pPr>
-            <a:endParaRPr lang="es-ES" sz="1600" dirty="0"/>
+            <a:endParaRPr lang="es-ES" sz="1600"/>
+          </a:p>
+          <a:p>
+            <a:pPr marL="285750" indent="-285750">
+              <a:buFont typeface="Arial" panose="020B0604020202020204" pitchFamily="34" charset="0"/>
+              <a:buChar char="•"/>
+            </a:pPr>
+            <a:endParaRPr lang="es-ES" sz="1600"/>
+          </a:p>
+          <a:p>
+            <a:pPr marL="285750" indent="-285750">
+              <a:buFont typeface="Arial" panose="020B0604020202020204" pitchFamily="34" charset="0"/>
+              <a:buChar char="•"/>
+            </a:pPr>
+            <a:endParaRPr lang="es-ES" sz="1600"/>
+          </a:p>
+          <a:p>
+            <a:pPr marL="285750" indent="-285750">
+              <a:buFont typeface="Arial" panose="020B0604020202020204" pitchFamily="34" charset="0"/>
+              <a:buChar char="•"/>
+            </a:pPr>
+            <a:endParaRPr lang="es-ES" sz="1600"/>
+          </a:p>
+          <a:p>
+            <a:pPr marL="285750" indent="-285750">
+              <a:buFont typeface="Arial" panose="020B0604020202020204" pitchFamily="34" charset="0"/>
+              <a:buChar char="•"/>
+            </a:pPr>
+            <a:endParaRPr lang="es-ES" sz="1600"/>
+          </a:p>
+          <a:p>
+            <a:pPr marL="285750" indent="-285750">
+              <a:buFont typeface="Arial" panose="020B0604020202020204" pitchFamily="34" charset="0"/>
+              <a:buChar char="•"/>
+            </a:pPr>
+            <a:endParaRPr lang="es-ES" sz="1600"/>
           </a:p>
         </p:txBody>
       </p:sp>
@@ -15146,7 +18302,7 @@
               <a:buChar char="•"/>
             </a:pPr>
             <a:r>
-              <a:rPr lang="es-ES" sz="1600" dirty="0"/>
+              <a:rPr lang="es-ES" sz="1600"/>
               <a:t>Relación de los servicios disponibles en la sede electrónica. </a:t>
             </a:r>
           </a:p>
@@ -15156,7 +18312,7 @@
               <a:buChar char="•"/>
             </a:pPr>
             <a:r>
-              <a:rPr lang="es-ES" sz="1600" dirty="0"/>
+              <a:rPr lang="es-ES" sz="1600"/>
               <a:t>Carta de servicios. </a:t>
             </a:r>
           </a:p>
@@ -15166,7 +18322,7 @@
               <a:buChar char="•"/>
             </a:pPr>
             <a:r>
-              <a:rPr lang="es-ES" sz="1600" dirty="0"/>
+              <a:rPr lang="es-ES" sz="1600"/>
               <a:t>Carta de servicios electrónicos. </a:t>
             </a:r>
           </a:p>
@@ -15176,7 +18332,7 @@
               <a:buChar char="•"/>
             </a:pPr>
             <a:r>
-              <a:rPr lang="es-ES" sz="1600" dirty="0"/>
+              <a:rPr lang="es-ES" sz="1600"/>
               <a:t>Medios electrónicos que los usuarios pueden utilizar. </a:t>
             </a:r>
           </a:p>
@@ -15186,7 +18342,7 @@
               <a:buChar char="•"/>
             </a:pPr>
             <a:r>
-              <a:rPr lang="es-ES" sz="1600" dirty="0"/>
+              <a:rPr lang="es-ES" sz="1600"/>
               <a:t>Sistema de sugerencias y quejas ante otros órganos.</a:t>
             </a:r>
           </a:p>
@@ -15196,7 +18352,7 @@
               <a:buChar char="•"/>
             </a:pPr>
             <a:r>
-              <a:rPr lang="es-ES" sz="1600" dirty="0"/>
+              <a:rPr lang="es-ES" sz="1600"/>
               <a:t>Acceso al estado de tramitación del expediente. </a:t>
             </a:r>
           </a:p>
@@ -15206,7 +18362,7 @@
               <a:buChar char="•"/>
             </a:pPr>
             <a:r>
-              <a:rPr lang="es-ES" sz="1600" dirty="0"/>
+              <a:rPr lang="es-ES" sz="1600"/>
               <a:t>Publicación de los diarios o boletines. </a:t>
             </a:r>
           </a:p>
@@ -15216,7 +18372,7 @@
               <a:buChar char="•"/>
             </a:pPr>
             <a:r>
-              <a:rPr lang="es-ES" sz="1600" dirty="0"/>
+              <a:rPr lang="es-ES" sz="1600"/>
               <a:t>Tablón de anuncios.</a:t>
             </a:r>
           </a:p>
@@ -15226,7 +18382,7 @@
               <a:buChar char="•"/>
             </a:pPr>
             <a:r>
-              <a:rPr lang="es-ES" sz="1600" dirty="0"/>
+              <a:rPr lang="es-ES" sz="1600"/>
               <a:t>Verificación de los sellos electrónicos.</a:t>
             </a:r>
           </a:p>
@@ -15236,7 +18392,7 @@
               <a:buChar char="•"/>
             </a:pPr>
             <a:r>
-              <a:rPr lang="es-ES" sz="1600" dirty="0"/>
+              <a:rPr lang="es-ES" sz="1600"/>
               <a:t>Comprobación de la autenticidad e integridad.</a:t>
             </a:r>
           </a:p>
@@ -15246,7 +18402,7 @@
               <a:buChar char="•"/>
             </a:pPr>
             <a:r>
-              <a:rPr lang="es-ES" sz="1600" dirty="0"/>
+              <a:rPr lang="es-ES" sz="1600"/>
               <a:t>Indicación de la fecha y hora oficial. </a:t>
             </a:r>
           </a:p>
@@ -15256,7 +18412,7 @@
               <a:buChar char="•"/>
             </a:pPr>
             <a:r>
-              <a:rPr lang="es-ES" sz="1600" dirty="0"/>
+              <a:rPr lang="es-ES" sz="1600"/>
               <a:t>Lista con los días considerados inhábiles. </a:t>
             </a:r>
           </a:p>
@@ -15266,7 +18422,7 @@
               <a:buChar char="•"/>
             </a:pPr>
             <a:r>
-              <a:rPr lang="es-ES" sz="1600" dirty="0"/>
+              <a:rPr lang="es-ES" sz="1600"/>
               <a:t>Otros servicios o contenidos. </a:t>
             </a:r>
           </a:p>
@@ -15276,7 +18432,7 @@
               <a:buChar char="•"/>
             </a:pPr>
             <a:r>
-              <a:rPr lang="es-ES" sz="1600" dirty="0"/>
+              <a:rPr lang="es-ES" sz="1600"/>
               <a:t>Lenguas cooficiales. </a:t>
             </a:r>
           </a:p>
@@ -15286,7 +18442,7 @@
               <a:buChar char="•"/>
             </a:pPr>
             <a:r>
-              <a:rPr lang="es-ES" sz="1600" dirty="0"/>
+              <a:rPr lang="es-ES" sz="1600"/>
               <a:t>Información sobre cuando se está navegando dentro o fuera de la sede.</a:t>
             </a:r>
           </a:p>
@@ -15296,7 +18452,7 @@
               <a:buChar char="•"/>
             </a:pPr>
             <a:r>
-              <a:rPr lang="es-ES" sz="1600" dirty="0"/>
+              <a:rPr lang="es-ES" sz="1600"/>
               <a:t>Verifica los principios de accesibilidad y usabilidad. </a:t>
             </a:r>
           </a:p>
@@ -15306,7 +18462,7 @@
               <a:buChar char="•"/>
             </a:pPr>
             <a:r>
-              <a:rPr lang="es-ES" sz="1600" dirty="0"/>
+              <a:rPr lang="es-ES" sz="1600"/>
               <a:t>Elementos basados en estándares abiertos</a:t>
             </a:r>
           </a:p>
